--- a/Presentation.ppt.pptx
+++ b/Presentation.ppt.pptx
@@ -7,6 +7,13 @@
   <p:sldIdLst>
     <p:sldId id="256" r:id="rId2"/>
     <p:sldId id="257" r:id="rId3"/>
+    <p:sldId id="262" r:id="rId4"/>
+    <p:sldId id="261" r:id="rId5"/>
+    <p:sldId id="258" r:id="rId6"/>
+    <p:sldId id="263" r:id="rId7"/>
+    <p:sldId id="259" r:id="rId8"/>
+    <p:sldId id="260" r:id="rId9"/>
+    <p:sldId id="264" r:id="rId10"/>
   </p:sldIdLst>
   <p:sldSz cx="12192000" cy="6858000"/>
   <p:notesSz cx="6858000" cy="9144000"/>
@@ -239,7 +246,7 @@
           <a:p>
             <a:fld id="{0A2C9084-70B7-4828-AD77-7D77F1A8B45B}" type="datetimeFigureOut">
               <a:rPr lang="en-US" smtClean="0"/>
-              <a:t>11/25/2015</a:t>
+              <a:t>11/26/15</a:t>
             </a:fld>
             <a:endParaRPr lang="en-US"/>
           </a:p>
@@ -409,7 +416,7 @@
           <a:p>
             <a:fld id="{0A2C9084-70B7-4828-AD77-7D77F1A8B45B}" type="datetimeFigureOut">
               <a:rPr lang="en-US" smtClean="0"/>
-              <a:t>11/25/2015</a:t>
+              <a:t>11/26/15</a:t>
             </a:fld>
             <a:endParaRPr lang="en-US"/>
           </a:p>
@@ -589,7 +596,7 @@
           <a:p>
             <a:fld id="{0A2C9084-70B7-4828-AD77-7D77F1A8B45B}" type="datetimeFigureOut">
               <a:rPr lang="en-US" smtClean="0"/>
-              <a:t>11/25/2015</a:t>
+              <a:t>11/26/15</a:t>
             </a:fld>
             <a:endParaRPr lang="en-US"/>
           </a:p>
@@ -759,7 +766,7 @@
           <a:p>
             <a:fld id="{0A2C9084-70B7-4828-AD77-7D77F1A8B45B}" type="datetimeFigureOut">
               <a:rPr lang="en-US" smtClean="0"/>
-              <a:t>11/25/2015</a:t>
+              <a:t>11/26/15</a:t>
             </a:fld>
             <a:endParaRPr lang="en-US"/>
           </a:p>
@@ -1005,7 +1012,7 @@
           <a:p>
             <a:fld id="{0A2C9084-70B7-4828-AD77-7D77F1A8B45B}" type="datetimeFigureOut">
               <a:rPr lang="en-US" smtClean="0"/>
-              <a:t>11/25/2015</a:t>
+              <a:t>11/26/15</a:t>
             </a:fld>
             <a:endParaRPr lang="en-US"/>
           </a:p>
@@ -1237,7 +1244,7 @@
           <a:p>
             <a:fld id="{0A2C9084-70B7-4828-AD77-7D77F1A8B45B}" type="datetimeFigureOut">
               <a:rPr lang="en-US" smtClean="0"/>
-              <a:t>11/25/2015</a:t>
+              <a:t>11/26/15</a:t>
             </a:fld>
             <a:endParaRPr lang="en-US"/>
           </a:p>
@@ -1604,7 +1611,7 @@
           <a:p>
             <a:fld id="{0A2C9084-70B7-4828-AD77-7D77F1A8B45B}" type="datetimeFigureOut">
               <a:rPr lang="en-US" smtClean="0"/>
-              <a:t>11/25/2015</a:t>
+              <a:t>11/26/15</a:t>
             </a:fld>
             <a:endParaRPr lang="en-US"/>
           </a:p>
@@ -1722,7 +1729,7 @@
           <a:p>
             <a:fld id="{0A2C9084-70B7-4828-AD77-7D77F1A8B45B}" type="datetimeFigureOut">
               <a:rPr lang="en-US" smtClean="0"/>
-              <a:t>11/25/2015</a:t>
+              <a:t>11/26/15</a:t>
             </a:fld>
             <a:endParaRPr lang="en-US"/>
           </a:p>
@@ -1817,7 +1824,7 @@
           <a:p>
             <a:fld id="{0A2C9084-70B7-4828-AD77-7D77F1A8B45B}" type="datetimeFigureOut">
               <a:rPr lang="en-US" smtClean="0"/>
-              <a:t>11/25/2015</a:t>
+              <a:t>11/26/15</a:t>
             </a:fld>
             <a:endParaRPr lang="en-US"/>
           </a:p>
@@ -2094,7 +2101,7 @@
           <a:p>
             <a:fld id="{0A2C9084-70B7-4828-AD77-7D77F1A8B45B}" type="datetimeFigureOut">
               <a:rPr lang="en-US" smtClean="0"/>
-              <a:t>11/25/2015</a:t>
+              <a:t>11/26/15</a:t>
             </a:fld>
             <a:endParaRPr lang="en-US"/>
           </a:p>
@@ -2347,7 +2354,7 @@
           <a:p>
             <a:fld id="{0A2C9084-70B7-4828-AD77-7D77F1A8B45B}" type="datetimeFigureOut">
               <a:rPr lang="en-US" smtClean="0"/>
-              <a:t>11/25/2015</a:t>
+              <a:t>11/26/15</a:t>
             </a:fld>
             <a:endParaRPr lang="en-US"/>
           </a:p>
@@ -2560,7 +2567,7 @@
           <a:p>
             <a:fld id="{0A2C9084-70B7-4828-AD77-7D77F1A8B45B}" type="datetimeFigureOut">
               <a:rPr lang="en-US" smtClean="0"/>
-              <a:t>11/25/2015</a:t>
+              <a:t>11/26/15</a:t>
             </a:fld>
             <a:endParaRPr lang="en-US"/>
           </a:p>
@@ -2984,7 +2991,7 @@
           <a:p>
             <a:r>
               <a:rPr lang="en-US" dirty="0" smtClean="0"/>
-              <a:t>Elliptic Curve Generation </a:t>
+              <a:t>Constructing Pairing-Friendly Elliptic Curves</a:t>
             </a:r>
             <a:endParaRPr lang="en-US" dirty="0"/>
           </a:p>
@@ -3040,6 +3047,13 @@
   <p:clrMapOvr>
     <a:masterClrMapping/>
   </p:clrMapOvr>
+  <p:timing>
+    <p:tnLst>
+      <p:par>
+        <p:cTn xmlns:p14="http://schemas.microsoft.com/office/powerpoint/2010/main" id="1" dur="indefinite" restart="never" nodeType="tmRoot"/>
+      </p:par>
+    </p:tnLst>
+  </p:timing>
 </p:sld>
 </file>
 
@@ -3075,7 +3089,11 @@
           <a:bodyPr/>
           <a:lstStyle/>
           <a:p>
-            <a:endParaRPr lang="en-US"/>
+            <a:r>
+              <a:rPr lang="en-US" dirty="0" smtClean="0"/>
+              <a:t>Definition:</a:t>
+            </a:r>
+            <a:endParaRPr lang="en-US" dirty="0"/>
           </a:p>
         </p:txBody>
       </p:sp>
@@ -3094,14 +3112,1034 @@
           <a:bodyPr/>
           <a:lstStyle/>
           <a:p>
-            <a:endParaRPr lang="en-US"/>
-          </a:p>
-        </p:txBody>
-      </p:sp>
+            <a:pPr marL="0" indent="0">
+              <a:buNone/>
+            </a:pPr>
+            <a:r>
+              <a:rPr lang="en-US" dirty="0" smtClean="0"/>
+              <a:t>Fo</a:t>
+            </a:r>
+            <a:r>
+              <a:rPr lang="en-US" dirty="0" smtClean="0"/>
+              <a:t>r our purposes, an elliptic curve over a field is an equation of the form:</a:t>
+            </a:r>
+          </a:p>
+          <a:p>
+            <a:endParaRPr lang="en-US" dirty="0"/>
+          </a:p>
+          <a:p>
+            <a:pPr marL="0" indent="0">
+              <a:buNone/>
+            </a:pPr>
+            <a:r>
+              <a:rPr lang="en-US" dirty="0"/>
+              <a:t>s</a:t>
+            </a:r>
+            <a:r>
+              <a:rPr lang="en-US" dirty="0" smtClean="0"/>
+              <a:t>atisfying</a:t>
+            </a:r>
+          </a:p>
+          <a:p>
+            <a:pPr marL="0" indent="0">
+              <a:buNone/>
+            </a:pPr>
+            <a:endParaRPr lang="en-US" dirty="0"/>
+          </a:p>
+          <a:p>
+            <a:pPr marL="0" indent="0">
+              <a:buNone/>
+            </a:pPr>
+            <a:endParaRPr lang="en-US" dirty="0" smtClean="0"/>
+          </a:p>
+        </p:txBody>
+      </p:sp>
+      <p:pic>
+        <p:nvPicPr>
+          <p:cNvPr id="7" name="Picture 6" descr="latex-image-1.pdf"/>
+          <p:cNvPicPr>
+            <a:picLocks noChangeAspect="1"/>
+          </p:cNvPicPr>
+          <p:nvPr/>
+        </p:nvPicPr>
+        <p:blipFill>
+          <a:blip r:embed="rId2">
+            <a:extLst>
+              <a:ext uri="{28A0092B-C50C-407E-A947-70E740481C1C}">
+                <a14:useLocalDpi xmlns:a14="http://schemas.microsoft.com/office/drawing/2010/main" val="0"/>
+              </a:ext>
+            </a:extLst>
+          </a:blip>
+          <a:stretch>
+            <a:fillRect/>
+          </a:stretch>
+        </p:blipFill>
+        <p:spPr>
+          <a:xfrm>
+            <a:off x="2868215" y="2697157"/>
+            <a:ext cx="4318000" cy="508000"/>
+          </a:xfrm>
+          <a:prstGeom prst="rect">
+            <a:avLst/>
+          </a:prstGeom>
+        </p:spPr>
+      </p:pic>
+      <p:pic>
+        <p:nvPicPr>
+          <p:cNvPr id="8" name="Picture 7" descr="latex-image-1.pdf"/>
+          <p:cNvPicPr>
+            <a:picLocks noChangeAspect="1"/>
+          </p:cNvPicPr>
+          <p:nvPr/>
+        </p:nvPicPr>
+        <p:blipFill>
+          <a:blip r:embed="rId3">
+            <a:extLst>
+              <a:ext uri="{28A0092B-C50C-407E-A947-70E740481C1C}">
+                <a14:useLocalDpi xmlns:a14="http://schemas.microsoft.com/office/drawing/2010/main" val="0"/>
+              </a:ext>
+            </a:extLst>
+          </a:blip>
+          <a:stretch>
+            <a:fillRect/>
+          </a:stretch>
+        </p:blipFill>
+        <p:spPr>
+          <a:xfrm>
+            <a:off x="2707112" y="4065393"/>
+            <a:ext cx="4318000" cy="520700"/>
+          </a:xfrm>
+          <a:prstGeom prst="rect">
+            <a:avLst/>
+          </a:prstGeom>
+        </p:spPr>
+      </p:pic>
     </p:spTree>
     <p:extLst>
       <p:ext uri="{BB962C8B-B14F-4D97-AF65-F5344CB8AC3E}">
         <p14:creationId xmlns:p14="http://schemas.microsoft.com/office/powerpoint/2010/main" val="2241572506"/>
+      </p:ext>
+    </p:extLst>
+  </p:cSld>
+  <p:clrMapOvr>
+    <a:masterClrMapping/>
+  </p:clrMapOvr>
+  <p:timing>
+    <p:tnLst>
+      <p:par>
+        <p:cTn xmlns:p14="http://schemas.microsoft.com/office/powerpoint/2010/main" id="1" dur="indefinite" restart="never" nodeType="tmRoot"/>
+      </p:par>
+    </p:tnLst>
+  </p:timing>
+</p:sld>
+</file>
+
+<file path=ppt/slides/slide3.xml><?xml version="1.0" encoding="utf-8"?>
+<p:sld xmlns:a="http://schemas.openxmlformats.org/drawingml/2006/main" xmlns:r="http://schemas.openxmlformats.org/officeDocument/2006/relationships" xmlns:p="http://schemas.openxmlformats.org/presentationml/2006/main">
+  <p:cSld>
+    <p:spTree>
+      <p:nvGrpSpPr>
+        <p:cNvPr id="1" name=""/>
+        <p:cNvGrpSpPr/>
+        <p:nvPr/>
+      </p:nvGrpSpPr>
+      <p:grpSpPr>
+        <a:xfrm>
+          <a:off x="0" y="0"/>
+          <a:ext cx="0" cy="0"/>
+          <a:chOff x="0" y="0"/>
+          <a:chExt cx="0" cy="0"/>
+        </a:xfrm>
+      </p:grpSpPr>
+      <p:sp>
+        <p:nvSpPr>
+          <p:cNvPr id="2" name="Title 1"/>
+          <p:cNvSpPr>
+            <a:spLocks noGrp="1"/>
+          </p:cNvSpPr>
+          <p:nvPr>
+            <p:ph type="title"/>
+          </p:nvPr>
+        </p:nvSpPr>
+        <p:spPr/>
+        <p:txBody>
+          <a:bodyPr/>
+          <a:lstStyle/>
+          <a:p>
+            <a:r>
+              <a:rPr lang="en-US" dirty="0" smtClean="0"/>
+              <a:t>The Group Law</a:t>
+            </a:r>
+            <a:endParaRPr lang="en-US" dirty="0"/>
+          </a:p>
+        </p:txBody>
+      </p:sp>
+      <p:pic>
+        <p:nvPicPr>
+          <p:cNvPr id="4" name="Picture 3" descr="grouplaw.png"/>
+          <p:cNvPicPr>
+            <a:picLocks noChangeAspect="1"/>
+          </p:cNvPicPr>
+          <p:nvPr/>
+        </p:nvPicPr>
+        <p:blipFill>
+          <a:blip r:embed="rId2" cstate="print">
+            <a:extLst>
+              <a:ext uri="{28A0092B-C50C-407E-A947-70E740481C1C}">
+                <a14:useLocalDpi xmlns:a14="http://schemas.microsoft.com/office/drawing/2010/main" val="0"/>
+              </a:ext>
+            </a:extLst>
+          </a:blip>
+          <a:stretch>
+            <a:fillRect/>
+          </a:stretch>
+        </p:blipFill>
+        <p:spPr>
+          <a:xfrm>
+            <a:off x="1181950" y="1384117"/>
+            <a:ext cx="6475575" cy="4823642"/>
+          </a:xfrm>
+          <a:prstGeom prst="rect">
+            <a:avLst/>
+          </a:prstGeom>
+        </p:spPr>
+      </p:pic>
+    </p:spTree>
+    <p:extLst>
+      <p:ext uri="{BB962C8B-B14F-4D97-AF65-F5344CB8AC3E}">
+        <p14:creationId xmlns:p14="http://schemas.microsoft.com/office/powerpoint/2010/main" val="478331811"/>
+      </p:ext>
+    </p:extLst>
+  </p:cSld>
+  <p:clrMapOvr>
+    <a:masterClrMapping/>
+  </p:clrMapOvr>
+  <p:timing>
+    <p:tnLst>
+      <p:par>
+        <p:cTn xmlns:p14="http://schemas.microsoft.com/office/powerpoint/2010/main" id="1" dur="indefinite" restart="never" nodeType="tmRoot"/>
+      </p:par>
+    </p:tnLst>
+  </p:timing>
+</p:sld>
+</file>
+
+<file path=ppt/slides/slide4.xml><?xml version="1.0" encoding="utf-8"?>
+<p:sld xmlns:a="http://schemas.openxmlformats.org/drawingml/2006/main" xmlns:r="http://schemas.openxmlformats.org/officeDocument/2006/relationships" xmlns:p="http://schemas.openxmlformats.org/presentationml/2006/main">
+  <p:cSld>
+    <p:spTree>
+      <p:nvGrpSpPr>
+        <p:cNvPr id="1" name=""/>
+        <p:cNvGrpSpPr/>
+        <p:nvPr/>
+      </p:nvGrpSpPr>
+      <p:grpSpPr>
+        <a:xfrm>
+          <a:off x="0" y="0"/>
+          <a:ext cx="0" cy="0"/>
+          <a:chOff x="0" y="0"/>
+          <a:chExt cx="0" cy="0"/>
+        </a:xfrm>
+      </p:grpSpPr>
+      <p:sp>
+        <p:nvSpPr>
+          <p:cNvPr id="2" name="Title 1"/>
+          <p:cNvSpPr>
+            <a:spLocks noGrp="1"/>
+          </p:cNvSpPr>
+          <p:nvPr>
+            <p:ph type="title"/>
+          </p:nvPr>
+        </p:nvSpPr>
+        <p:spPr/>
+        <p:txBody>
+          <a:bodyPr/>
+          <a:lstStyle/>
+          <a:p>
+            <a:r>
+              <a:rPr lang="en-US" dirty="0" smtClean="0"/>
+              <a:t>Isogenies</a:t>
+            </a:r>
+            <a:endParaRPr lang="en-US" dirty="0"/>
+          </a:p>
+        </p:txBody>
+      </p:sp>
+      <p:sp>
+        <p:nvSpPr>
+          <p:cNvPr id="3" name="Content Placeholder 2"/>
+          <p:cNvSpPr>
+            <a:spLocks noGrp="1"/>
+          </p:cNvSpPr>
+          <p:nvPr>
+            <p:ph idx="1"/>
+          </p:nvPr>
+        </p:nvSpPr>
+        <p:spPr/>
+        <p:txBody>
+          <a:bodyPr/>
+          <a:lstStyle/>
+          <a:p>
+            <a:pPr marL="0" indent="0">
+              <a:buNone/>
+            </a:pPr>
+            <a:r>
+              <a:rPr lang="en-US" dirty="0" smtClean="0"/>
+              <a:t>An Isogeny is a </a:t>
+            </a:r>
+            <a:r>
+              <a:rPr lang="en-US" dirty="0" err="1" smtClean="0"/>
+              <a:t>surjective</a:t>
+            </a:r>
+            <a:r>
+              <a:rPr lang="en-US" dirty="0" smtClean="0"/>
+              <a:t> </a:t>
+            </a:r>
+            <a:r>
+              <a:rPr lang="en-US" dirty="0" err="1" smtClean="0"/>
+              <a:t>morphism</a:t>
+            </a:r>
+            <a:r>
+              <a:rPr lang="en-US" dirty="0" smtClean="0"/>
+              <a:t> between two elliptic curves that is also group homomorphism.</a:t>
+            </a:r>
+          </a:p>
+          <a:p>
+            <a:pPr marL="0" indent="0">
+              <a:buNone/>
+            </a:pPr>
+            <a:endParaRPr lang="en-US" dirty="0"/>
+          </a:p>
+          <a:p>
+            <a:pPr marL="0" indent="0">
+              <a:buNone/>
+            </a:pPr>
+            <a:r>
+              <a:rPr lang="en-US" dirty="0" smtClean="0"/>
+              <a:t>Two elliptic curves are isomorphic if there is an isogeny from E1 to E2 and an isogeny from E2 to E1</a:t>
+            </a:r>
+          </a:p>
+          <a:p>
+            <a:pPr marL="0" indent="0">
+              <a:buNone/>
+            </a:pPr>
+            <a:endParaRPr lang="en-US" dirty="0"/>
+          </a:p>
+          <a:p>
+            <a:pPr marL="0" indent="0">
+              <a:buNone/>
+            </a:pPr>
+            <a:r>
+              <a:rPr lang="en-US" dirty="0" smtClean="0"/>
+              <a:t>Examples:</a:t>
+            </a:r>
+          </a:p>
+        </p:txBody>
+      </p:sp>
+      <p:pic>
+        <p:nvPicPr>
+          <p:cNvPr id="5" name="Picture 4" descr="latex-image-1.pdf"/>
+          <p:cNvPicPr>
+            <a:picLocks noChangeAspect="1"/>
+          </p:cNvPicPr>
+          <p:nvPr/>
+        </p:nvPicPr>
+        <p:blipFill>
+          <a:blip r:embed="rId2">
+            <a:extLst>
+              <a:ext uri="{28A0092B-C50C-407E-A947-70E740481C1C}">
+                <a14:useLocalDpi xmlns:a14="http://schemas.microsoft.com/office/drawing/2010/main" val="0"/>
+              </a:ext>
+            </a:extLst>
+          </a:blip>
+          <a:stretch>
+            <a:fillRect/>
+          </a:stretch>
+        </p:blipFill>
+        <p:spPr>
+          <a:xfrm>
+            <a:off x="2240442" y="5363534"/>
+            <a:ext cx="2349044" cy="455518"/>
+          </a:xfrm>
+          <a:prstGeom prst="rect">
+            <a:avLst/>
+          </a:prstGeom>
+        </p:spPr>
+      </p:pic>
+    </p:spTree>
+    <p:extLst>
+      <p:ext uri="{BB962C8B-B14F-4D97-AF65-F5344CB8AC3E}">
+        <p14:creationId xmlns:p14="http://schemas.microsoft.com/office/powerpoint/2010/main" val="2299271393"/>
+      </p:ext>
+    </p:extLst>
+  </p:cSld>
+  <p:clrMapOvr>
+    <a:masterClrMapping/>
+  </p:clrMapOvr>
+  <p:timing>
+    <p:tnLst>
+      <p:par>
+        <p:cTn xmlns:p14="http://schemas.microsoft.com/office/powerpoint/2010/main" id="1" dur="indefinite" restart="never" nodeType="tmRoot"/>
+      </p:par>
+    </p:tnLst>
+  </p:timing>
+</p:sld>
+</file>
+
+<file path=ppt/slides/slide5.xml><?xml version="1.0" encoding="utf-8"?>
+<p:sld xmlns:a="http://schemas.openxmlformats.org/drawingml/2006/main" xmlns:r="http://schemas.openxmlformats.org/officeDocument/2006/relationships" xmlns:p="http://schemas.openxmlformats.org/presentationml/2006/main">
+  <p:cSld>
+    <p:spTree>
+      <p:nvGrpSpPr>
+        <p:cNvPr id="1" name=""/>
+        <p:cNvGrpSpPr/>
+        <p:nvPr/>
+      </p:nvGrpSpPr>
+      <p:grpSpPr>
+        <a:xfrm>
+          <a:off x="0" y="0"/>
+          <a:ext cx="0" cy="0"/>
+          <a:chOff x="0" y="0"/>
+          <a:chExt cx="0" cy="0"/>
+        </a:xfrm>
+      </p:grpSpPr>
+      <p:sp>
+        <p:nvSpPr>
+          <p:cNvPr id="2" name="Title 1"/>
+          <p:cNvSpPr>
+            <a:spLocks noGrp="1"/>
+          </p:cNvSpPr>
+          <p:nvPr>
+            <p:ph type="title"/>
+          </p:nvPr>
+        </p:nvSpPr>
+        <p:spPr/>
+        <p:txBody>
+          <a:bodyPr/>
+          <a:lstStyle/>
+          <a:p>
+            <a:r>
+              <a:rPr lang="en-US" dirty="0" smtClean="0"/>
+              <a:t>j-Invariant</a:t>
+            </a:r>
+            <a:endParaRPr lang="en-US" dirty="0"/>
+          </a:p>
+        </p:txBody>
+      </p:sp>
+      <p:sp>
+        <p:nvSpPr>
+          <p:cNvPr id="11" name="Content Placeholder 10"/>
+          <p:cNvSpPr>
+            <a:spLocks noGrp="1"/>
+          </p:cNvSpPr>
+          <p:nvPr>
+            <p:ph idx="1"/>
+          </p:nvPr>
+        </p:nvSpPr>
+        <p:spPr/>
+        <p:txBody>
+          <a:bodyPr/>
+          <a:lstStyle/>
+          <a:p>
+            <a:pPr marL="0" indent="0">
+              <a:buNone/>
+            </a:pPr>
+            <a:r>
+              <a:rPr lang="en-US" dirty="0" smtClean="0"/>
+              <a:t>Definition: </a:t>
+            </a:r>
+          </a:p>
+          <a:p>
+            <a:pPr marL="0" indent="0">
+              <a:buNone/>
+            </a:pPr>
+            <a:endParaRPr lang="en-US" dirty="0"/>
+          </a:p>
+          <a:p>
+            <a:pPr marL="0" indent="0">
+              <a:buNone/>
+            </a:pPr>
+            <a:endParaRPr lang="en-US" dirty="0" smtClean="0"/>
+          </a:p>
+          <a:p>
+            <a:pPr marL="0" indent="0">
+              <a:buNone/>
+            </a:pPr>
+            <a:endParaRPr lang="en-US" dirty="0" smtClean="0"/>
+          </a:p>
+          <a:p>
+            <a:pPr marL="0" indent="0">
+              <a:buNone/>
+            </a:pPr>
+            <a:r>
+              <a:rPr lang="en-US" dirty="0" smtClean="0"/>
+              <a:t>Fact: two elliptic curves (over an algebraically closed field) are isomorphic </a:t>
+            </a:r>
+            <a:r>
+              <a:rPr lang="en-US" dirty="0" err="1" smtClean="0"/>
+              <a:t>iff</a:t>
+            </a:r>
+            <a:r>
+              <a:rPr lang="en-US" dirty="0"/>
+              <a:t> </a:t>
+            </a:r>
+            <a:r>
+              <a:rPr lang="en-US" dirty="0" smtClean="0"/>
+              <a:t>they have the same j-invariant.</a:t>
+            </a:r>
+          </a:p>
+          <a:p>
+            <a:pPr marL="0" indent="0">
+              <a:buNone/>
+            </a:pPr>
+            <a:endParaRPr lang="en-US" dirty="0"/>
+          </a:p>
+          <a:p>
+            <a:pPr marL="0" indent="0">
+              <a:buNone/>
+            </a:pPr>
+            <a:endParaRPr lang="en-US" dirty="0"/>
+          </a:p>
+        </p:txBody>
+      </p:sp>
+      <p:pic>
+        <p:nvPicPr>
+          <p:cNvPr id="13" name="Picture 12" descr="latex-image-1.pdf"/>
+          <p:cNvPicPr>
+            <a:picLocks noChangeAspect="1"/>
+          </p:cNvPicPr>
+          <p:nvPr/>
+        </p:nvPicPr>
+        <p:blipFill>
+          <a:blip r:embed="rId2">
+            <a:extLst>
+              <a:ext uri="{28A0092B-C50C-407E-A947-70E740481C1C}">
+                <a14:useLocalDpi xmlns:a14="http://schemas.microsoft.com/office/drawing/2010/main" val="0"/>
+              </a:ext>
+            </a:extLst>
+          </a:blip>
+          <a:stretch>
+            <a:fillRect/>
+          </a:stretch>
+        </p:blipFill>
+        <p:spPr>
+          <a:xfrm>
+            <a:off x="2853002" y="2289051"/>
+            <a:ext cx="3341394" cy="1055855"/>
+          </a:xfrm>
+          <a:prstGeom prst="rect">
+            <a:avLst/>
+          </a:prstGeom>
+        </p:spPr>
+      </p:pic>
+    </p:spTree>
+    <p:extLst>
+      <p:ext uri="{BB962C8B-B14F-4D97-AF65-F5344CB8AC3E}">
+        <p14:creationId xmlns:p14="http://schemas.microsoft.com/office/powerpoint/2010/main" val="3790852566"/>
+      </p:ext>
+    </p:extLst>
+  </p:cSld>
+  <p:clrMapOvr>
+    <a:masterClrMapping/>
+  </p:clrMapOvr>
+  <p:timing>
+    <p:tnLst>
+      <p:par>
+        <p:cTn xmlns:p14="http://schemas.microsoft.com/office/powerpoint/2010/main" id="1" dur="indefinite" restart="never" nodeType="tmRoot"/>
+      </p:par>
+    </p:tnLst>
+  </p:timing>
+</p:sld>
+</file>
+
+<file path=ppt/slides/slide6.xml><?xml version="1.0" encoding="utf-8"?>
+<p:sld xmlns:a="http://schemas.openxmlformats.org/drawingml/2006/main" xmlns:r="http://schemas.openxmlformats.org/officeDocument/2006/relationships" xmlns:p="http://schemas.openxmlformats.org/presentationml/2006/main">
+  <p:cSld>
+    <p:spTree>
+      <p:nvGrpSpPr>
+        <p:cNvPr id="1" name=""/>
+        <p:cNvGrpSpPr/>
+        <p:nvPr/>
+      </p:nvGrpSpPr>
+      <p:grpSpPr>
+        <a:xfrm>
+          <a:off x="0" y="0"/>
+          <a:ext cx="0" cy="0"/>
+          <a:chOff x="0" y="0"/>
+          <a:chExt cx="0" cy="0"/>
+        </a:xfrm>
+      </p:grpSpPr>
+      <p:sp>
+        <p:nvSpPr>
+          <p:cNvPr id="2" name="Title 1"/>
+          <p:cNvSpPr>
+            <a:spLocks noGrp="1"/>
+          </p:cNvSpPr>
+          <p:nvPr>
+            <p:ph type="title"/>
+          </p:nvPr>
+        </p:nvSpPr>
+        <p:spPr/>
+        <p:txBody>
+          <a:bodyPr/>
+          <a:lstStyle/>
+          <a:p>
+            <a:r>
+              <a:rPr lang="en-US" dirty="0" err="1" smtClean="0"/>
+              <a:t>Endomorphisms</a:t>
+            </a:r>
+            <a:endParaRPr lang="en-US" dirty="0"/>
+          </a:p>
+        </p:txBody>
+      </p:sp>
+      <p:sp>
+        <p:nvSpPr>
+          <p:cNvPr id="3" name="Content Placeholder 2"/>
+          <p:cNvSpPr>
+            <a:spLocks noGrp="1"/>
+          </p:cNvSpPr>
+          <p:nvPr>
+            <p:ph idx="1"/>
+          </p:nvPr>
+        </p:nvSpPr>
+        <p:spPr/>
+        <p:txBody>
+          <a:bodyPr/>
+          <a:lstStyle/>
+          <a:p>
+            <a:pPr marL="0" indent="0">
+              <a:buNone/>
+            </a:pPr>
+            <a:r>
+              <a:rPr lang="en-US" dirty="0" smtClean="0"/>
+              <a:t>An endomorphism is an isogeny from E to itself. The </a:t>
+            </a:r>
+            <a:r>
+              <a:rPr lang="en-US" dirty="0" err="1" smtClean="0"/>
+              <a:t>endomorphisms</a:t>
+            </a:r>
+            <a:r>
+              <a:rPr lang="en-US" dirty="0" smtClean="0"/>
+              <a:t> of an elliptic curve form a ring, which always contains a subring isomorphic to the integers.</a:t>
+            </a:r>
+            <a:endParaRPr lang="en-US" dirty="0"/>
+          </a:p>
+        </p:txBody>
+      </p:sp>
+    </p:spTree>
+    <p:extLst>
+      <p:ext uri="{BB962C8B-B14F-4D97-AF65-F5344CB8AC3E}">
+        <p14:creationId xmlns:p14="http://schemas.microsoft.com/office/powerpoint/2010/main" val="2978879391"/>
+      </p:ext>
+    </p:extLst>
+  </p:cSld>
+  <p:clrMapOvr>
+    <a:masterClrMapping/>
+  </p:clrMapOvr>
+  <p:timing>
+    <p:tnLst>
+      <p:par>
+        <p:cTn xmlns:p14="http://schemas.microsoft.com/office/powerpoint/2010/main" id="1" dur="indefinite" restart="never" nodeType="tmRoot"/>
+      </p:par>
+    </p:tnLst>
+  </p:timing>
+</p:sld>
+</file>
+
+<file path=ppt/slides/slide7.xml><?xml version="1.0" encoding="utf-8"?>
+<p:sld xmlns:a="http://schemas.openxmlformats.org/drawingml/2006/main" xmlns:r="http://schemas.openxmlformats.org/officeDocument/2006/relationships" xmlns:p="http://schemas.openxmlformats.org/presentationml/2006/main">
+  <p:cSld>
+    <p:spTree>
+      <p:nvGrpSpPr>
+        <p:cNvPr id="1" name=""/>
+        <p:cNvGrpSpPr/>
+        <p:nvPr/>
+      </p:nvGrpSpPr>
+      <p:grpSpPr>
+        <a:xfrm>
+          <a:off x="0" y="0"/>
+          <a:ext cx="0" cy="0"/>
+          <a:chOff x="0" y="0"/>
+          <a:chExt cx="0" cy="0"/>
+        </a:xfrm>
+      </p:grpSpPr>
+      <p:sp>
+        <p:nvSpPr>
+          <p:cNvPr id="2" name="Title 1"/>
+          <p:cNvSpPr>
+            <a:spLocks noGrp="1"/>
+          </p:cNvSpPr>
+          <p:nvPr>
+            <p:ph type="title"/>
+          </p:nvPr>
+        </p:nvSpPr>
+        <p:spPr/>
+        <p:txBody>
+          <a:bodyPr/>
+          <a:lstStyle/>
+          <a:p>
+            <a:r>
+              <a:rPr lang="en-US" dirty="0" smtClean="0"/>
+              <a:t>Pairings</a:t>
+            </a:r>
+            <a:endParaRPr lang="en-US" dirty="0"/>
+          </a:p>
+        </p:txBody>
+      </p:sp>
+      <p:pic>
+        <p:nvPicPr>
+          <p:cNvPr id="12" name="Picture 11" descr="Screen Shot 2015-11-26 at 2.50.30 PM.png"/>
+          <p:cNvPicPr>
+            <a:picLocks noChangeAspect="1"/>
+          </p:cNvPicPr>
+          <p:nvPr/>
+        </p:nvPicPr>
+        <p:blipFill>
+          <a:blip r:embed="rId2">
+            <a:extLst>
+              <a:ext uri="{28A0092B-C50C-407E-A947-70E740481C1C}">
+                <a14:useLocalDpi xmlns:a14="http://schemas.microsoft.com/office/drawing/2010/main" val="0"/>
+              </a:ext>
+            </a:extLst>
+          </a:blip>
+          <a:stretch>
+            <a:fillRect/>
+          </a:stretch>
+        </p:blipFill>
+        <p:spPr>
+          <a:xfrm>
+            <a:off x="304400" y="1659878"/>
+            <a:ext cx="11687644" cy="2723625"/>
+          </a:xfrm>
+          <a:prstGeom prst="rect">
+            <a:avLst/>
+          </a:prstGeom>
+        </p:spPr>
+      </p:pic>
+      <p:sp>
+        <p:nvSpPr>
+          <p:cNvPr id="13" name="TextBox 12"/>
+          <p:cNvSpPr txBox="1"/>
+          <p:nvPr/>
+        </p:nvSpPr>
+        <p:spPr>
+          <a:xfrm>
+            <a:off x="842454" y="3998798"/>
+            <a:ext cx="2892005" cy="769441"/>
+          </a:xfrm>
+          <a:prstGeom prst="rect">
+            <a:avLst/>
+          </a:prstGeom>
+          <a:noFill/>
+        </p:spPr>
+        <p:txBody>
+          <a:bodyPr wrap="square" rtlCol="0">
+            <a:spAutoFit/>
+          </a:bodyPr>
+          <a:lstStyle/>
+          <a:p>
+            <a:r>
+              <a:rPr lang="en-US" sz="4400" dirty="0" smtClean="0">
+                <a:latin typeface="+mj-lt"/>
+              </a:rPr>
+              <a:t>Examples:</a:t>
+            </a:r>
+          </a:p>
+        </p:txBody>
+      </p:sp>
+      <p:pic>
+        <p:nvPicPr>
+          <p:cNvPr id="15" name="Picture 14" descr="Screen Shot 2015-11-26 at 3.06.31 PM.png"/>
+          <p:cNvPicPr>
+            <a:picLocks noChangeAspect="1"/>
+          </p:cNvPicPr>
+          <p:nvPr/>
+        </p:nvPicPr>
+        <p:blipFill>
+          <a:blip r:embed="rId3">
+            <a:extLst>
+              <a:ext uri="{28A0092B-C50C-407E-A947-70E740481C1C}">
+                <a14:useLocalDpi xmlns:a14="http://schemas.microsoft.com/office/drawing/2010/main" val="0"/>
+              </a:ext>
+            </a:extLst>
+          </a:blip>
+          <a:stretch>
+            <a:fillRect/>
+          </a:stretch>
+        </p:blipFill>
+        <p:spPr>
+          <a:xfrm>
+            <a:off x="880082" y="4805723"/>
+            <a:ext cx="9664700" cy="1320800"/>
+          </a:xfrm>
+          <a:prstGeom prst="rect">
+            <a:avLst/>
+          </a:prstGeom>
+        </p:spPr>
+      </p:pic>
+    </p:spTree>
+    <p:extLst>
+      <p:ext uri="{BB962C8B-B14F-4D97-AF65-F5344CB8AC3E}">
+        <p14:creationId xmlns:p14="http://schemas.microsoft.com/office/powerpoint/2010/main" val="582983964"/>
+      </p:ext>
+    </p:extLst>
+  </p:cSld>
+  <p:clrMapOvr>
+    <a:masterClrMapping/>
+  </p:clrMapOvr>
+  <p:timing>
+    <p:tnLst>
+      <p:par>
+        <p:cTn xmlns:p14="http://schemas.microsoft.com/office/powerpoint/2010/main" id="1" dur="indefinite" restart="never" nodeType="tmRoot"/>
+      </p:par>
+    </p:tnLst>
+  </p:timing>
+</p:sld>
+</file>
+
+<file path=ppt/slides/slide8.xml><?xml version="1.0" encoding="utf-8"?>
+<p:sld xmlns:a="http://schemas.openxmlformats.org/drawingml/2006/main" xmlns:r="http://schemas.openxmlformats.org/officeDocument/2006/relationships" xmlns:p="http://schemas.openxmlformats.org/presentationml/2006/main">
+  <p:cSld>
+    <p:spTree>
+      <p:nvGrpSpPr>
+        <p:cNvPr id="1" name=""/>
+        <p:cNvGrpSpPr/>
+        <p:nvPr/>
+      </p:nvGrpSpPr>
+      <p:grpSpPr>
+        <a:xfrm>
+          <a:off x="0" y="0"/>
+          <a:ext cx="0" cy="0"/>
+          <a:chOff x="0" y="0"/>
+          <a:chExt cx="0" cy="0"/>
+        </a:xfrm>
+      </p:grpSpPr>
+      <p:sp>
+        <p:nvSpPr>
+          <p:cNvPr id="2" name="Title 1"/>
+          <p:cNvSpPr>
+            <a:spLocks noGrp="1"/>
+          </p:cNvSpPr>
+          <p:nvPr>
+            <p:ph type="title"/>
+          </p:nvPr>
+        </p:nvSpPr>
+        <p:spPr/>
+        <p:txBody>
+          <a:bodyPr/>
+          <a:lstStyle/>
+          <a:p>
+            <a:r>
+              <a:rPr lang="en-US" dirty="0" smtClean="0"/>
+              <a:t>Pairing-Friendly Curves</a:t>
+            </a:r>
+            <a:endParaRPr lang="en-US" dirty="0"/>
+          </a:p>
+        </p:txBody>
+      </p:sp>
+      <p:sp>
+        <p:nvSpPr>
+          <p:cNvPr id="7" name="TextBox 6"/>
+          <p:cNvSpPr txBox="1"/>
+          <p:nvPr/>
+        </p:nvSpPr>
+        <p:spPr>
+          <a:xfrm>
+            <a:off x="829879" y="2665865"/>
+            <a:ext cx="2841709" cy="769441"/>
+          </a:xfrm>
+          <a:prstGeom prst="rect">
+            <a:avLst/>
+          </a:prstGeom>
+          <a:noFill/>
+        </p:spPr>
+        <p:txBody>
+          <a:bodyPr wrap="square" rtlCol="0">
+            <a:spAutoFit/>
+          </a:bodyPr>
+          <a:lstStyle/>
+          <a:p>
+            <a:r>
+              <a:rPr lang="en-US" sz="4400" dirty="0" smtClean="0">
+                <a:latin typeface="+mj-lt"/>
+              </a:rPr>
+              <a:t>Problem:</a:t>
+            </a:r>
+          </a:p>
+        </p:txBody>
+      </p:sp>
+      <p:pic>
+        <p:nvPicPr>
+          <p:cNvPr id="8" name="Picture 7" descr="Screen Shot 2015-11-26 at 3.20.06 PM.png"/>
+          <p:cNvPicPr>
+            <a:picLocks noChangeAspect="1"/>
+          </p:cNvPicPr>
+          <p:nvPr/>
+        </p:nvPicPr>
+        <p:blipFill>
+          <a:blip r:embed="rId2">
+            <a:extLst>
+              <a:ext uri="{28A0092B-C50C-407E-A947-70E740481C1C}">
+                <a14:useLocalDpi xmlns:a14="http://schemas.microsoft.com/office/drawing/2010/main" val="0"/>
+              </a:ext>
+            </a:extLst>
+          </a:blip>
+          <a:stretch>
+            <a:fillRect/>
+          </a:stretch>
+        </p:blipFill>
+        <p:spPr>
+          <a:xfrm>
+            <a:off x="731212" y="3462468"/>
+            <a:ext cx="9258300" cy="850900"/>
+          </a:xfrm>
+          <a:prstGeom prst="rect">
+            <a:avLst/>
+          </a:prstGeom>
+        </p:spPr>
+      </p:pic>
+      <p:pic>
+        <p:nvPicPr>
+          <p:cNvPr id="9" name="Picture 8" descr="Screen Shot 2015-11-26 at 3.21.57 PM.png"/>
+          <p:cNvPicPr>
+            <a:picLocks noChangeAspect="1"/>
+          </p:cNvPicPr>
+          <p:nvPr/>
+        </p:nvPicPr>
+        <p:blipFill>
+          <a:blip r:embed="rId3">
+            <a:extLst>
+              <a:ext uri="{28A0092B-C50C-407E-A947-70E740481C1C}">
+                <a14:useLocalDpi xmlns:a14="http://schemas.microsoft.com/office/drawing/2010/main" val="0"/>
+              </a:ext>
+            </a:extLst>
+          </a:blip>
+          <a:stretch>
+            <a:fillRect/>
+          </a:stretch>
+        </p:blipFill>
+        <p:spPr>
+          <a:xfrm>
+            <a:off x="905861" y="1500169"/>
+            <a:ext cx="9537700" cy="990600"/>
+          </a:xfrm>
+          <a:prstGeom prst="rect">
+            <a:avLst/>
+          </a:prstGeom>
+        </p:spPr>
+      </p:pic>
+      <p:sp>
+        <p:nvSpPr>
+          <p:cNvPr id="10" name="TextBox 9"/>
+          <p:cNvSpPr txBox="1"/>
+          <p:nvPr/>
+        </p:nvSpPr>
+        <p:spPr>
+          <a:xfrm>
+            <a:off x="892750" y="4313169"/>
+            <a:ext cx="8374239" cy="461665"/>
+          </a:xfrm>
+          <a:prstGeom prst="rect">
+            <a:avLst/>
+          </a:prstGeom>
+          <a:noFill/>
+        </p:spPr>
+        <p:txBody>
+          <a:bodyPr wrap="square" rtlCol="0">
+            <a:spAutoFit/>
+          </a:bodyPr>
+          <a:lstStyle/>
+          <a:p>
+            <a:r>
+              <a:rPr lang="en-US" sz="2400" dirty="0" smtClean="0"/>
+              <a:t>So we need to find a way to generate these curves on our own.</a:t>
+            </a:r>
+            <a:endParaRPr lang="en-US" sz="2400" dirty="0"/>
+          </a:p>
+        </p:txBody>
+      </p:sp>
+    </p:spTree>
+    <p:extLst>
+      <p:ext uri="{BB962C8B-B14F-4D97-AF65-F5344CB8AC3E}">
+        <p14:creationId xmlns:p14="http://schemas.microsoft.com/office/powerpoint/2010/main" val="2520188685"/>
+      </p:ext>
+    </p:extLst>
+  </p:cSld>
+  <p:clrMapOvr>
+    <a:masterClrMapping/>
+  </p:clrMapOvr>
+  <p:timing>
+    <p:tnLst>
+      <p:par>
+        <p:cTn xmlns:p14="http://schemas.microsoft.com/office/powerpoint/2010/main" id="1" dur="indefinite" restart="never" nodeType="tmRoot"/>
+      </p:par>
+    </p:tnLst>
+  </p:timing>
+</p:sld>
+</file>
+
+<file path=ppt/slides/slide9.xml><?xml version="1.0" encoding="utf-8"?>
+<p:sld xmlns:a="http://schemas.openxmlformats.org/drawingml/2006/main" xmlns:r="http://schemas.openxmlformats.org/officeDocument/2006/relationships" xmlns:p="http://schemas.openxmlformats.org/presentationml/2006/main">
+  <p:cSld>
+    <p:spTree>
+      <p:nvGrpSpPr>
+        <p:cNvPr id="1" name=""/>
+        <p:cNvGrpSpPr/>
+        <p:nvPr/>
+      </p:nvGrpSpPr>
+      <p:grpSpPr>
+        <a:xfrm>
+          <a:off x="0" y="0"/>
+          <a:ext cx="0" cy="0"/>
+          <a:chOff x="0" y="0"/>
+          <a:chExt cx="0" cy="0"/>
+        </a:xfrm>
+      </p:grpSpPr>
+      <p:sp>
+        <p:nvSpPr>
+          <p:cNvPr id="2" name="Title 1"/>
+          <p:cNvSpPr>
+            <a:spLocks noGrp="1"/>
+          </p:cNvSpPr>
+          <p:nvPr>
+            <p:ph type="title"/>
+          </p:nvPr>
+        </p:nvSpPr>
+        <p:spPr/>
+        <p:txBody>
+          <a:bodyPr/>
+          <a:lstStyle/>
+          <a:p>
+            <a:r>
+              <a:rPr lang="en-US" smtClean="0"/>
+              <a:t>Complex Multiplication</a:t>
+            </a:r>
+            <a:endParaRPr lang="en-US" dirty="0"/>
+          </a:p>
+        </p:txBody>
+      </p:sp>
+      <p:sp>
+        <p:nvSpPr>
+          <p:cNvPr id="3" name="Content Placeholder 2"/>
+          <p:cNvSpPr>
+            <a:spLocks noGrp="1"/>
+          </p:cNvSpPr>
+          <p:nvPr>
+            <p:ph idx="1"/>
+          </p:nvPr>
+        </p:nvSpPr>
+        <p:spPr/>
+        <p:txBody>
+          <a:bodyPr/>
+          <a:lstStyle/>
+          <a:p>
+            <a:endParaRPr lang="en-US" dirty="0"/>
+          </a:p>
+        </p:txBody>
+      </p:sp>
+    </p:spTree>
+    <p:extLst>
+      <p:ext uri="{BB962C8B-B14F-4D97-AF65-F5344CB8AC3E}">
+        <p14:creationId xmlns:p14="http://schemas.microsoft.com/office/powerpoint/2010/main" val="932366107"/>
       </p:ext>
     </p:extLst>
   </p:cSld>
@@ -3154,7 +4192,7 @@
     </a:clrScheme>
     <a:fontScheme name="Office">
       <a:majorFont>
-        <a:latin typeface="Calibri Light" panose="020F0302020204030204"/>
+        <a:latin typeface="Calibri Light"/>
         <a:ea typeface=""/>
         <a:cs typeface=""/>
         <a:font script="Jpan" typeface="ＭＳ Ｐゴシック"/>
@@ -3189,7 +4227,7 @@
         <a:font script="Geor" typeface="Sylfaen"/>
       </a:majorFont>
       <a:minorFont>
-        <a:latin typeface="Calibri" panose="020F0502020204030204"/>
+        <a:latin typeface="Calibri"/>
         <a:ea typeface=""/>
         <a:cs typeface=""/>
         <a:font script="Jpan" typeface="ＭＳ Ｐゴシック"/>
@@ -3366,7 +4404,7 @@
   <a:extraClrSchemeLst/>
   <a:extLst>
     <a:ext uri="{05A4C25C-085E-4340-85A3-A5531E510DB2}">
-      <thm15:themeFamily xmlns:thm15="http://schemas.microsoft.com/office/thememl/2012/main" name="Office Theme" id="{62F939B6-93AF-4DB8-9C6B-D6C7DFDC589F}" vid="{4A3C46E8-61CC-4603-A589-7422A47A8E4A}"/>
+      <thm15:themeFamily xmlns:thm15="http://schemas.microsoft.com/office/thememl/2012/main" xmlns="" name="Office Theme" id="{62F939B6-93AF-4DB8-9C6B-D6C7DFDC589F}" vid="{4A3C46E8-61CC-4603-A589-7422A47A8E4A}"/>
     </a:ext>
   </a:extLst>
 </a:theme>

--- a/Presentation.ppt.pptx
+++ b/Presentation.ppt.pptx
@@ -7,13 +7,6 @@
   <p:sldIdLst>
     <p:sldId id="256" r:id="rId2"/>
     <p:sldId id="257" r:id="rId3"/>
-    <p:sldId id="262" r:id="rId4"/>
-    <p:sldId id="261" r:id="rId5"/>
-    <p:sldId id="258" r:id="rId6"/>
-    <p:sldId id="263" r:id="rId7"/>
-    <p:sldId id="259" r:id="rId8"/>
-    <p:sldId id="260" r:id="rId9"/>
-    <p:sldId id="264" r:id="rId10"/>
   </p:sldIdLst>
   <p:sldSz cx="12192000" cy="6858000"/>
   <p:notesSz cx="6858000" cy="9144000"/>
@@ -246,7 +239,7 @@
           <a:p>
             <a:fld id="{0A2C9084-70B7-4828-AD77-7D77F1A8B45B}" type="datetimeFigureOut">
               <a:rPr lang="en-US" smtClean="0"/>
-              <a:t>11/26/15</a:t>
+              <a:t>11/25/2015</a:t>
             </a:fld>
             <a:endParaRPr lang="en-US"/>
           </a:p>
@@ -416,7 +409,7 @@
           <a:p>
             <a:fld id="{0A2C9084-70B7-4828-AD77-7D77F1A8B45B}" type="datetimeFigureOut">
               <a:rPr lang="en-US" smtClean="0"/>
-              <a:t>11/26/15</a:t>
+              <a:t>11/25/2015</a:t>
             </a:fld>
             <a:endParaRPr lang="en-US"/>
           </a:p>
@@ -596,7 +589,7 @@
           <a:p>
             <a:fld id="{0A2C9084-70B7-4828-AD77-7D77F1A8B45B}" type="datetimeFigureOut">
               <a:rPr lang="en-US" smtClean="0"/>
-              <a:t>11/26/15</a:t>
+              <a:t>11/25/2015</a:t>
             </a:fld>
             <a:endParaRPr lang="en-US"/>
           </a:p>
@@ -766,7 +759,7 @@
           <a:p>
             <a:fld id="{0A2C9084-70B7-4828-AD77-7D77F1A8B45B}" type="datetimeFigureOut">
               <a:rPr lang="en-US" smtClean="0"/>
-              <a:t>11/26/15</a:t>
+              <a:t>11/25/2015</a:t>
             </a:fld>
             <a:endParaRPr lang="en-US"/>
           </a:p>
@@ -1012,7 +1005,7 @@
           <a:p>
             <a:fld id="{0A2C9084-70B7-4828-AD77-7D77F1A8B45B}" type="datetimeFigureOut">
               <a:rPr lang="en-US" smtClean="0"/>
-              <a:t>11/26/15</a:t>
+              <a:t>11/25/2015</a:t>
             </a:fld>
             <a:endParaRPr lang="en-US"/>
           </a:p>
@@ -1244,7 +1237,7 @@
           <a:p>
             <a:fld id="{0A2C9084-70B7-4828-AD77-7D77F1A8B45B}" type="datetimeFigureOut">
               <a:rPr lang="en-US" smtClean="0"/>
-              <a:t>11/26/15</a:t>
+              <a:t>11/25/2015</a:t>
             </a:fld>
             <a:endParaRPr lang="en-US"/>
           </a:p>
@@ -1611,7 +1604,7 @@
           <a:p>
             <a:fld id="{0A2C9084-70B7-4828-AD77-7D77F1A8B45B}" type="datetimeFigureOut">
               <a:rPr lang="en-US" smtClean="0"/>
-              <a:t>11/26/15</a:t>
+              <a:t>11/25/2015</a:t>
             </a:fld>
             <a:endParaRPr lang="en-US"/>
           </a:p>
@@ -1729,7 +1722,7 @@
           <a:p>
             <a:fld id="{0A2C9084-70B7-4828-AD77-7D77F1A8B45B}" type="datetimeFigureOut">
               <a:rPr lang="en-US" smtClean="0"/>
-              <a:t>11/26/15</a:t>
+              <a:t>11/25/2015</a:t>
             </a:fld>
             <a:endParaRPr lang="en-US"/>
           </a:p>
@@ -1824,7 +1817,7 @@
           <a:p>
             <a:fld id="{0A2C9084-70B7-4828-AD77-7D77F1A8B45B}" type="datetimeFigureOut">
               <a:rPr lang="en-US" smtClean="0"/>
-              <a:t>11/26/15</a:t>
+              <a:t>11/25/2015</a:t>
             </a:fld>
             <a:endParaRPr lang="en-US"/>
           </a:p>
@@ -2101,7 +2094,7 @@
           <a:p>
             <a:fld id="{0A2C9084-70B7-4828-AD77-7D77F1A8B45B}" type="datetimeFigureOut">
               <a:rPr lang="en-US" smtClean="0"/>
-              <a:t>11/26/15</a:t>
+              <a:t>11/25/2015</a:t>
             </a:fld>
             <a:endParaRPr lang="en-US"/>
           </a:p>
@@ -2354,7 +2347,7 @@
           <a:p>
             <a:fld id="{0A2C9084-70B7-4828-AD77-7D77F1A8B45B}" type="datetimeFigureOut">
               <a:rPr lang="en-US" smtClean="0"/>
-              <a:t>11/26/15</a:t>
+              <a:t>11/25/2015</a:t>
             </a:fld>
             <a:endParaRPr lang="en-US"/>
           </a:p>
@@ -2567,7 +2560,7 @@
           <a:p>
             <a:fld id="{0A2C9084-70B7-4828-AD77-7D77F1A8B45B}" type="datetimeFigureOut">
               <a:rPr lang="en-US" smtClean="0"/>
-              <a:t>11/26/15</a:t>
+              <a:t>11/25/2015</a:t>
             </a:fld>
             <a:endParaRPr lang="en-US"/>
           </a:p>
@@ -2991,7 +2984,7 @@
           <a:p>
             <a:r>
               <a:rPr lang="en-US" dirty="0" smtClean="0"/>
-              <a:t>Constructing Pairing-Friendly Elliptic Curves</a:t>
+              <a:t>Elliptic Curve Generation </a:t>
             </a:r>
             <a:endParaRPr lang="en-US" dirty="0"/>
           </a:p>
@@ -3047,13 +3040,6 @@
   <p:clrMapOvr>
     <a:masterClrMapping/>
   </p:clrMapOvr>
-  <p:timing>
-    <p:tnLst>
-      <p:par>
-        <p:cTn xmlns:p14="http://schemas.microsoft.com/office/powerpoint/2010/main" id="1" dur="indefinite" restart="never" nodeType="tmRoot"/>
-      </p:par>
-    </p:tnLst>
-  </p:timing>
 </p:sld>
 </file>
 
@@ -3089,11 +3075,7 @@
           <a:bodyPr/>
           <a:lstStyle/>
           <a:p>
-            <a:r>
-              <a:rPr lang="en-US" dirty="0" smtClean="0"/>
-              <a:t>Definition:</a:t>
-            </a:r>
-            <a:endParaRPr lang="en-US" dirty="0"/>
+            <a:endParaRPr lang="en-US"/>
           </a:p>
         </p:txBody>
       </p:sp>
@@ -3112,1034 +3094,14 @@
           <a:bodyPr/>
           <a:lstStyle/>
           <a:p>
-            <a:pPr marL="0" indent="0">
-              <a:buNone/>
-            </a:pPr>
-            <a:r>
-              <a:rPr lang="en-US" dirty="0" smtClean="0"/>
-              <a:t>Fo</a:t>
-            </a:r>
-            <a:r>
-              <a:rPr lang="en-US" dirty="0" smtClean="0"/>
-              <a:t>r our purposes, an elliptic curve over a field is an equation of the form:</a:t>
-            </a:r>
-          </a:p>
-          <a:p>
-            <a:endParaRPr lang="en-US" dirty="0"/>
-          </a:p>
-          <a:p>
-            <a:pPr marL="0" indent="0">
-              <a:buNone/>
-            </a:pPr>
-            <a:r>
-              <a:rPr lang="en-US" dirty="0"/>
-              <a:t>s</a:t>
-            </a:r>
-            <a:r>
-              <a:rPr lang="en-US" dirty="0" smtClean="0"/>
-              <a:t>atisfying</a:t>
-            </a:r>
-          </a:p>
-          <a:p>
-            <a:pPr marL="0" indent="0">
-              <a:buNone/>
-            </a:pPr>
-            <a:endParaRPr lang="en-US" dirty="0"/>
-          </a:p>
-          <a:p>
-            <a:pPr marL="0" indent="0">
-              <a:buNone/>
-            </a:pPr>
-            <a:endParaRPr lang="en-US" dirty="0" smtClean="0"/>
-          </a:p>
-        </p:txBody>
-      </p:sp>
-      <p:pic>
-        <p:nvPicPr>
-          <p:cNvPr id="7" name="Picture 6" descr="latex-image-1.pdf"/>
-          <p:cNvPicPr>
-            <a:picLocks noChangeAspect="1"/>
-          </p:cNvPicPr>
-          <p:nvPr/>
-        </p:nvPicPr>
-        <p:blipFill>
-          <a:blip r:embed="rId2">
-            <a:extLst>
-              <a:ext uri="{28A0092B-C50C-407E-A947-70E740481C1C}">
-                <a14:useLocalDpi xmlns:a14="http://schemas.microsoft.com/office/drawing/2010/main" val="0"/>
-              </a:ext>
-            </a:extLst>
-          </a:blip>
-          <a:stretch>
-            <a:fillRect/>
-          </a:stretch>
-        </p:blipFill>
-        <p:spPr>
-          <a:xfrm>
-            <a:off x="2868215" y="2697157"/>
-            <a:ext cx="4318000" cy="508000"/>
-          </a:xfrm>
-          <a:prstGeom prst="rect">
-            <a:avLst/>
-          </a:prstGeom>
-        </p:spPr>
-      </p:pic>
-      <p:pic>
-        <p:nvPicPr>
-          <p:cNvPr id="8" name="Picture 7" descr="latex-image-1.pdf"/>
-          <p:cNvPicPr>
-            <a:picLocks noChangeAspect="1"/>
-          </p:cNvPicPr>
-          <p:nvPr/>
-        </p:nvPicPr>
-        <p:blipFill>
-          <a:blip r:embed="rId3">
-            <a:extLst>
-              <a:ext uri="{28A0092B-C50C-407E-A947-70E740481C1C}">
-                <a14:useLocalDpi xmlns:a14="http://schemas.microsoft.com/office/drawing/2010/main" val="0"/>
-              </a:ext>
-            </a:extLst>
-          </a:blip>
-          <a:stretch>
-            <a:fillRect/>
-          </a:stretch>
-        </p:blipFill>
-        <p:spPr>
-          <a:xfrm>
-            <a:off x="2707112" y="4065393"/>
-            <a:ext cx="4318000" cy="520700"/>
-          </a:xfrm>
-          <a:prstGeom prst="rect">
-            <a:avLst/>
-          </a:prstGeom>
-        </p:spPr>
-      </p:pic>
+            <a:endParaRPr lang="en-US"/>
+          </a:p>
+        </p:txBody>
+      </p:sp>
     </p:spTree>
     <p:extLst>
       <p:ext uri="{BB962C8B-B14F-4D97-AF65-F5344CB8AC3E}">
         <p14:creationId xmlns:p14="http://schemas.microsoft.com/office/powerpoint/2010/main" val="2241572506"/>
-      </p:ext>
-    </p:extLst>
-  </p:cSld>
-  <p:clrMapOvr>
-    <a:masterClrMapping/>
-  </p:clrMapOvr>
-  <p:timing>
-    <p:tnLst>
-      <p:par>
-        <p:cTn xmlns:p14="http://schemas.microsoft.com/office/powerpoint/2010/main" id="1" dur="indefinite" restart="never" nodeType="tmRoot"/>
-      </p:par>
-    </p:tnLst>
-  </p:timing>
-</p:sld>
-</file>
-
-<file path=ppt/slides/slide3.xml><?xml version="1.0" encoding="utf-8"?>
-<p:sld xmlns:a="http://schemas.openxmlformats.org/drawingml/2006/main" xmlns:r="http://schemas.openxmlformats.org/officeDocument/2006/relationships" xmlns:p="http://schemas.openxmlformats.org/presentationml/2006/main">
-  <p:cSld>
-    <p:spTree>
-      <p:nvGrpSpPr>
-        <p:cNvPr id="1" name=""/>
-        <p:cNvGrpSpPr/>
-        <p:nvPr/>
-      </p:nvGrpSpPr>
-      <p:grpSpPr>
-        <a:xfrm>
-          <a:off x="0" y="0"/>
-          <a:ext cx="0" cy="0"/>
-          <a:chOff x="0" y="0"/>
-          <a:chExt cx="0" cy="0"/>
-        </a:xfrm>
-      </p:grpSpPr>
-      <p:sp>
-        <p:nvSpPr>
-          <p:cNvPr id="2" name="Title 1"/>
-          <p:cNvSpPr>
-            <a:spLocks noGrp="1"/>
-          </p:cNvSpPr>
-          <p:nvPr>
-            <p:ph type="title"/>
-          </p:nvPr>
-        </p:nvSpPr>
-        <p:spPr/>
-        <p:txBody>
-          <a:bodyPr/>
-          <a:lstStyle/>
-          <a:p>
-            <a:r>
-              <a:rPr lang="en-US" dirty="0" smtClean="0"/>
-              <a:t>The Group Law</a:t>
-            </a:r>
-            <a:endParaRPr lang="en-US" dirty="0"/>
-          </a:p>
-        </p:txBody>
-      </p:sp>
-      <p:pic>
-        <p:nvPicPr>
-          <p:cNvPr id="4" name="Picture 3" descr="grouplaw.png"/>
-          <p:cNvPicPr>
-            <a:picLocks noChangeAspect="1"/>
-          </p:cNvPicPr>
-          <p:nvPr/>
-        </p:nvPicPr>
-        <p:blipFill>
-          <a:blip r:embed="rId2" cstate="print">
-            <a:extLst>
-              <a:ext uri="{28A0092B-C50C-407E-A947-70E740481C1C}">
-                <a14:useLocalDpi xmlns:a14="http://schemas.microsoft.com/office/drawing/2010/main" val="0"/>
-              </a:ext>
-            </a:extLst>
-          </a:blip>
-          <a:stretch>
-            <a:fillRect/>
-          </a:stretch>
-        </p:blipFill>
-        <p:spPr>
-          <a:xfrm>
-            <a:off x="1181950" y="1384117"/>
-            <a:ext cx="6475575" cy="4823642"/>
-          </a:xfrm>
-          <a:prstGeom prst="rect">
-            <a:avLst/>
-          </a:prstGeom>
-        </p:spPr>
-      </p:pic>
-    </p:spTree>
-    <p:extLst>
-      <p:ext uri="{BB962C8B-B14F-4D97-AF65-F5344CB8AC3E}">
-        <p14:creationId xmlns:p14="http://schemas.microsoft.com/office/powerpoint/2010/main" val="478331811"/>
-      </p:ext>
-    </p:extLst>
-  </p:cSld>
-  <p:clrMapOvr>
-    <a:masterClrMapping/>
-  </p:clrMapOvr>
-  <p:timing>
-    <p:tnLst>
-      <p:par>
-        <p:cTn xmlns:p14="http://schemas.microsoft.com/office/powerpoint/2010/main" id="1" dur="indefinite" restart="never" nodeType="tmRoot"/>
-      </p:par>
-    </p:tnLst>
-  </p:timing>
-</p:sld>
-</file>
-
-<file path=ppt/slides/slide4.xml><?xml version="1.0" encoding="utf-8"?>
-<p:sld xmlns:a="http://schemas.openxmlformats.org/drawingml/2006/main" xmlns:r="http://schemas.openxmlformats.org/officeDocument/2006/relationships" xmlns:p="http://schemas.openxmlformats.org/presentationml/2006/main">
-  <p:cSld>
-    <p:spTree>
-      <p:nvGrpSpPr>
-        <p:cNvPr id="1" name=""/>
-        <p:cNvGrpSpPr/>
-        <p:nvPr/>
-      </p:nvGrpSpPr>
-      <p:grpSpPr>
-        <a:xfrm>
-          <a:off x="0" y="0"/>
-          <a:ext cx="0" cy="0"/>
-          <a:chOff x="0" y="0"/>
-          <a:chExt cx="0" cy="0"/>
-        </a:xfrm>
-      </p:grpSpPr>
-      <p:sp>
-        <p:nvSpPr>
-          <p:cNvPr id="2" name="Title 1"/>
-          <p:cNvSpPr>
-            <a:spLocks noGrp="1"/>
-          </p:cNvSpPr>
-          <p:nvPr>
-            <p:ph type="title"/>
-          </p:nvPr>
-        </p:nvSpPr>
-        <p:spPr/>
-        <p:txBody>
-          <a:bodyPr/>
-          <a:lstStyle/>
-          <a:p>
-            <a:r>
-              <a:rPr lang="en-US" dirty="0" smtClean="0"/>
-              <a:t>Isogenies</a:t>
-            </a:r>
-            <a:endParaRPr lang="en-US" dirty="0"/>
-          </a:p>
-        </p:txBody>
-      </p:sp>
-      <p:sp>
-        <p:nvSpPr>
-          <p:cNvPr id="3" name="Content Placeholder 2"/>
-          <p:cNvSpPr>
-            <a:spLocks noGrp="1"/>
-          </p:cNvSpPr>
-          <p:nvPr>
-            <p:ph idx="1"/>
-          </p:nvPr>
-        </p:nvSpPr>
-        <p:spPr/>
-        <p:txBody>
-          <a:bodyPr/>
-          <a:lstStyle/>
-          <a:p>
-            <a:pPr marL="0" indent="0">
-              <a:buNone/>
-            </a:pPr>
-            <a:r>
-              <a:rPr lang="en-US" dirty="0" smtClean="0"/>
-              <a:t>An Isogeny is a </a:t>
-            </a:r>
-            <a:r>
-              <a:rPr lang="en-US" dirty="0" err="1" smtClean="0"/>
-              <a:t>surjective</a:t>
-            </a:r>
-            <a:r>
-              <a:rPr lang="en-US" dirty="0" smtClean="0"/>
-              <a:t> </a:t>
-            </a:r>
-            <a:r>
-              <a:rPr lang="en-US" dirty="0" err="1" smtClean="0"/>
-              <a:t>morphism</a:t>
-            </a:r>
-            <a:r>
-              <a:rPr lang="en-US" dirty="0" smtClean="0"/>
-              <a:t> between two elliptic curves that is also group homomorphism.</a:t>
-            </a:r>
-          </a:p>
-          <a:p>
-            <a:pPr marL="0" indent="0">
-              <a:buNone/>
-            </a:pPr>
-            <a:endParaRPr lang="en-US" dirty="0"/>
-          </a:p>
-          <a:p>
-            <a:pPr marL="0" indent="0">
-              <a:buNone/>
-            </a:pPr>
-            <a:r>
-              <a:rPr lang="en-US" dirty="0" smtClean="0"/>
-              <a:t>Two elliptic curves are isomorphic if there is an isogeny from E1 to E2 and an isogeny from E2 to E1</a:t>
-            </a:r>
-          </a:p>
-          <a:p>
-            <a:pPr marL="0" indent="0">
-              <a:buNone/>
-            </a:pPr>
-            <a:endParaRPr lang="en-US" dirty="0"/>
-          </a:p>
-          <a:p>
-            <a:pPr marL="0" indent="0">
-              <a:buNone/>
-            </a:pPr>
-            <a:r>
-              <a:rPr lang="en-US" dirty="0" smtClean="0"/>
-              <a:t>Examples:</a:t>
-            </a:r>
-          </a:p>
-        </p:txBody>
-      </p:sp>
-      <p:pic>
-        <p:nvPicPr>
-          <p:cNvPr id="5" name="Picture 4" descr="latex-image-1.pdf"/>
-          <p:cNvPicPr>
-            <a:picLocks noChangeAspect="1"/>
-          </p:cNvPicPr>
-          <p:nvPr/>
-        </p:nvPicPr>
-        <p:blipFill>
-          <a:blip r:embed="rId2">
-            <a:extLst>
-              <a:ext uri="{28A0092B-C50C-407E-A947-70E740481C1C}">
-                <a14:useLocalDpi xmlns:a14="http://schemas.microsoft.com/office/drawing/2010/main" val="0"/>
-              </a:ext>
-            </a:extLst>
-          </a:blip>
-          <a:stretch>
-            <a:fillRect/>
-          </a:stretch>
-        </p:blipFill>
-        <p:spPr>
-          <a:xfrm>
-            <a:off x="2240442" y="5363534"/>
-            <a:ext cx="2349044" cy="455518"/>
-          </a:xfrm>
-          <a:prstGeom prst="rect">
-            <a:avLst/>
-          </a:prstGeom>
-        </p:spPr>
-      </p:pic>
-    </p:spTree>
-    <p:extLst>
-      <p:ext uri="{BB962C8B-B14F-4D97-AF65-F5344CB8AC3E}">
-        <p14:creationId xmlns:p14="http://schemas.microsoft.com/office/powerpoint/2010/main" val="2299271393"/>
-      </p:ext>
-    </p:extLst>
-  </p:cSld>
-  <p:clrMapOvr>
-    <a:masterClrMapping/>
-  </p:clrMapOvr>
-  <p:timing>
-    <p:tnLst>
-      <p:par>
-        <p:cTn xmlns:p14="http://schemas.microsoft.com/office/powerpoint/2010/main" id="1" dur="indefinite" restart="never" nodeType="tmRoot"/>
-      </p:par>
-    </p:tnLst>
-  </p:timing>
-</p:sld>
-</file>
-
-<file path=ppt/slides/slide5.xml><?xml version="1.0" encoding="utf-8"?>
-<p:sld xmlns:a="http://schemas.openxmlformats.org/drawingml/2006/main" xmlns:r="http://schemas.openxmlformats.org/officeDocument/2006/relationships" xmlns:p="http://schemas.openxmlformats.org/presentationml/2006/main">
-  <p:cSld>
-    <p:spTree>
-      <p:nvGrpSpPr>
-        <p:cNvPr id="1" name=""/>
-        <p:cNvGrpSpPr/>
-        <p:nvPr/>
-      </p:nvGrpSpPr>
-      <p:grpSpPr>
-        <a:xfrm>
-          <a:off x="0" y="0"/>
-          <a:ext cx="0" cy="0"/>
-          <a:chOff x="0" y="0"/>
-          <a:chExt cx="0" cy="0"/>
-        </a:xfrm>
-      </p:grpSpPr>
-      <p:sp>
-        <p:nvSpPr>
-          <p:cNvPr id="2" name="Title 1"/>
-          <p:cNvSpPr>
-            <a:spLocks noGrp="1"/>
-          </p:cNvSpPr>
-          <p:nvPr>
-            <p:ph type="title"/>
-          </p:nvPr>
-        </p:nvSpPr>
-        <p:spPr/>
-        <p:txBody>
-          <a:bodyPr/>
-          <a:lstStyle/>
-          <a:p>
-            <a:r>
-              <a:rPr lang="en-US" dirty="0" smtClean="0"/>
-              <a:t>j-Invariant</a:t>
-            </a:r>
-            <a:endParaRPr lang="en-US" dirty="0"/>
-          </a:p>
-        </p:txBody>
-      </p:sp>
-      <p:sp>
-        <p:nvSpPr>
-          <p:cNvPr id="11" name="Content Placeholder 10"/>
-          <p:cNvSpPr>
-            <a:spLocks noGrp="1"/>
-          </p:cNvSpPr>
-          <p:nvPr>
-            <p:ph idx="1"/>
-          </p:nvPr>
-        </p:nvSpPr>
-        <p:spPr/>
-        <p:txBody>
-          <a:bodyPr/>
-          <a:lstStyle/>
-          <a:p>
-            <a:pPr marL="0" indent="0">
-              <a:buNone/>
-            </a:pPr>
-            <a:r>
-              <a:rPr lang="en-US" dirty="0" smtClean="0"/>
-              <a:t>Definition: </a:t>
-            </a:r>
-          </a:p>
-          <a:p>
-            <a:pPr marL="0" indent="0">
-              <a:buNone/>
-            </a:pPr>
-            <a:endParaRPr lang="en-US" dirty="0"/>
-          </a:p>
-          <a:p>
-            <a:pPr marL="0" indent="0">
-              <a:buNone/>
-            </a:pPr>
-            <a:endParaRPr lang="en-US" dirty="0" smtClean="0"/>
-          </a:p>
-          <a:p>
-            <a:pPr marL="0" indent="0">
-              <a:buNone/>
-            </a:pPr>
-            <a:endParaRPr lang="en-US" dirty="0" smtClean="0"/>
-          </a:p>
-          <a:p>
-            <a:pPr marL="0" indent="0">
-              <a:buNone/>
-            </a:pPr>
-            <a:r>
-              <a:rPr lang="en-US" dirty="0" smtClean="0"/>
-              <a:t>Fact: two elliptic curves (over an algebraically closed field) are isomorphic </a:t>
-            </a:r>
-            <a:r>
-              <a:rPr lang="en-US" dirty="0" err="1" smtClean="0"/>
-              <a:t>iff</a:t>
-            </a:r>
-            <a:r>
-              <a:rPr lang="en-US" dirty="0"/>
-              <a:t> </a:t>
-            </a:r>
-            <a:r>
-              <a:rPr lang="en-US" dirty="0" smtClean="0"/>
-              <a:t>they have the same j-invariant.</a:t>
-            </a:r>
-          </a:p>
-          <a:p>
-            <a:pPr marL="0" indent="0">
-              <a:buNone/>
-            </a:pPr>
-            <a:endParaRPr lang="en-US" dirty="0"/>
-          </a:p>
-          <a:p>
-            <a:pPr marL="0" indent="0">
-              <a:buNone/>
-            </a:pPr>
-            <a:endParaRPr lang="en-US" dirty="0"/>
-          </a:p>
-        </p:txBody>
-      </p:sp>
-      <p:pic>
-        <p:nvPicPr>
-          <p:cNvPr id="13" name="Picture 12" descr="latex-image-1.pdf"/>
-          <p:cNvPicPr>
-            <a:picLocks noChangeAspect="1"/>
-          </p:cNvPicPr>
-          <p:nvPr/>
-        </p:nvPicPr>
-        <p:blipFill>
-          <a:blip r:embed="rId2">
-            <a:extLst>
-              <a:ext uri="{28A0092B-C50C-407E-A947-70E740481C1C}">
-                <a14:useLocalDpi xmlns:a14="http://schemas.microsoft.com/office/drawing/2010/main" val="0"/>
-              </a:ext>
-            </a:extLst>
-          </a:blip>
-          <a:stretch>
-            <a:fillRect/>
-          </a:stretch>
-        </p:blipFill>
-        <p:spPr>
-          <a:xfrm>
-            <a:off x="2853002" y="2289051"/>
-            <a:ext cx="3341394" cy="1055855"/>
-          </a:xfrm>
-          <a:prstGeom prst="rect">
-            <a:avLst/>
-          </a:prstGeom>
-        </p:spPr>
-      </p:pic>
-    </p:spTree>
-    <p:extLst>
-      <p:ext uri="{BB962C8B-B14F-4D97-AF65-F5344CB8AC3E}">
-        <p14:creationId xmlns:p14="http://schemas.microsoft.com/office/powerpoint/2010/main" val="3790852566"/>
-      </p:ext>
-    </p:extLst>
-  </p:cSld>
-  <p:clrMapOvr>
-    <a:masterClrMapping/>
-  </p:clrMapOvr>
-  <p:timing>
-    <p:tnLst>
-      <p:par>
-        <p:cTn xmlns:p14="http://schemas.microsoft.com/office/powerpoint/2010/main" id="1" dur="indefinite" restart="never" nodeType="tmRoot"/>
-      </p:par>
-    </p:tnLst>
-  </p:timing>
-</p:sld>
-</file>
-
-<file path=ppt/slides/slide6.xml><?xml version="1.0" encoding="utf-8"?>
-<p:sld xmlns:a="http://schemas.openxmlformats.org/drawingml/2006/main" xmlns:r="http://schemas.openxmlformats.org/officeDocument/2006/relationships" xmlns:p="http://schemas.openxmlformats.org/presentationml/2006/main">
-  <p:cSld>
-    <p:spTree>
-      <p:nvGrpSpPr>
-        <p:cNvPr id="1" name=""/>
-        <p:cNvGrpSpPr/>
-        <p:nvPr/>
-      </p:nvGrpSpPr>
-      <p:grpSpPr>
-        <a:xfrm>
-          <a:off x="0" y="0"/>
-          <a:ext cx="0" cy="0"/>
-          <a:chOff x="0" y="0"/>
-          <a:chExt cx="0" cy="0"/>
-        </a:xfrm>
-      </p:grpSpPr>
-      <p:sp>
-        <p:nvSpPr>
-          <p:cNvPr id="2" name="Title 1"/>
-          <p:cNvSpPr>
-            <a:spLocks noGrp="1"/>
-          </p:cNvSpPr>
-          <p:nvPr>
-            <p:ph type="title"/>
-          </p:nvPr>
-        </p:nvSpPr>
-        <p:spPr/>
-        <p:txBody>
-          <a:bodyPr/>
-          <a:lstStyle/>
-          <a:p>
-            <a:r>
-              <a:rPr lang="en-US" dirty="0" err="1" smtClean="0"/>
-              <a:t>Endomorphisms</a:t>
-            </a:r>
-            <a:endParaRPr lang="en-US" dirty="0"/>
-          </a:p>
-        </p:txBody>
-      </p:sp>
-      <p:sp>
-        <p:nvSpPr>
-          <p:cNvPr id="3" name="Content Placeholder 2"/>
-          <p:cNvSpPr>
-            <a:spLocks noGrp="1"/>
-          </p:cNvSpPr>
-          <p:nvPr>
-            <p:ph idx="1"/>
-          </p:nvPr>
-        </p:nvSpPr>
-        <p:spPr/>
-        <p:txBody>
-          <a:bodyPr/>
-          <a:lstStyle/>
-          <a:p>
-            <a:pPr marL="0" indent="0">
-              <a:buNone/>
-            </a:pPr>
-            <a:r>
-              <a:rPr lang="en-US" dirty="0" smtClean="0"/>
-              <a:t>An endomorphism is an isogeny from E to itself. The </a:t>
-            </a:r>
-            <a:r>
-              <a:rPr lang="en-US" dirty="0" err="1" smtClean="0"/>
-              <a:t>endomorphisms</a:t>
-            </a:r>
-            <a:r>
-              <a:rPr lang="en-US" dirty="0" smtClean="0"/>
-              <a:t> of an elliptic curve form a ring, which always contains a subring isomorphic to the integers.</a:t>
-            </a:r>
-            <a:endParaRPr lang="en-US" dirty="0"/>
-          </a:p>
-        </p:txBody>
-      </p:sp>
-    </p:spTree>
-    <p:extLst>
-      <p:ext uri="{BB962C8B-B14F-4D97-AF65-F5344CB8AC3E}">
-        <p14:creationId xmlns:p14="http://schemas.microsoft.com/office/powerpoint/2010/main" val="2978879391"/>
-      </p:ext>
-    </p:extLst>
-  </p:cSld>
-  <p:clrMapOvr>
-    <a:masterClrMapping/>
-  </p:clrMapOvr>
-  <p:timing>
-    <p:tnLst>
-      <p:par>
-        <p:cTn xmlns:p14="http://schemas.microsoft.com/office/powerpoint/2010/main" id="1" dur="indefinite" restart="never" nodeType="tmRoot"/>
-      </p:par>
-    </p:tnLst>
-  </p:timing>
-</p:sld>
-</file>
-
-<file path=ppt/slides/slide7.xml><?xml version="1.0" encoding="utf-8"?>
-<p:sld xmlns:a="http://schemas.openxmlformats.org/drawingml/2006/main" xmlns:r="http://schemas.openxmlformats.org/officeDocument/2006/relationships" xmlns:p="http://schemas.openxmlformats.org/presentationml/2006/main">
-  <p:cSld>
-    <p:spTree>
-      <p:nvGrpSpPr>
-        <p:cNvPr id="1" name=""/>
-        <p:cNvGrpSpPr/>
-        <p:nvPr/>
-      </p:nvGrpSpPr>
-      <p:grpSpPr>
-        <a:xfrm>
-          <a:off x="0" y="0"/>
-          <a:ext cx="0" cy="0"/>
-          <a:chOff x="0" y="0"/>
-          <a:chExt cx="0" cy="0"/>
-        </a:xfrm>
-      </p:grpSpPr>
-      <p:sp>
-        <p:nvSpPr>
-          <p:cNvPr id="2" name="Title 1"/>
-          <p:cNvSpPr>
-            <a:spLocks noGrp="1"/>
-          </p:cNvSpPr>
-          <p:nvPr>
-            <p:ph type="title"/>
-          </p:nvPr>
-        </p:nvSpPr>
-        <p:spPr/>
-        <p:txBody>
-          <a:bodyPr/>
-          <a:lstStyle/>
-          <a:p>
-            <a:r>
-              <a:rPr lang="en-US" dirty="0" smtClean="0"/>
-              <a:t>Pairings</a:t>
-            </a:r>
-            <a:endParaRPr lang="en-US" dirty="0"/>
-          </a:p>
-        </p:txBody>
-      </p:sp>
-      <p:pic>
-        <p:nvPicPr>
-          <p:cNvPr id="12" name="Picture 11" descr="Screen Shot 2015-11-26 at 2.50.30 PM.png"/>
-          <p:cNvPicPr>
-            <a:picLocks noChangeAspect="1"/>
-          </p:cNvPicPr>
-          <p:nvPr/>
-        </p:nvPicPr>
-        <p:blipFill>
-          <a:blip r:embed="rId2">
-            <a:extLst>
-              <a:ext uri="{28A0092B-C50C-407E-A947-70E740481C1C}">
-                <a14:useLocalDpi xmlns:a14="http://schemas.microsoft.com/office/drawing/2010/main" val="0"/>
-              </a:ext>
-            </a:extLst>
-          </a:blip>
-          <a:stretch>
-            <a:fillRect/>
-          </a:stretch>
-        </p:blipFill>
-        <p:spPr>
-          <a:xfrm>
-            <a:off x="304400" y="1659878"/>
-            <a:ext cx="11687644" cy="2723625"/>
-          </a:xfrm>
-          <a:prstGeom prst="rect">
-            <a:avLst/>
-          </a:prstGeom>
-        </p:spPr>
-      </p:pic>
-      <p:sp>
-        <p:nvSpPr>
-          <p:cNvPr id="13" name="TextBox 12"/>
-          <p:cNvSpPr txBox="1"/>
-          <p:nvPr/>
-        </p:nvSpPr>
-        <p:spPr>
-          <a:xfrm>
-            <a:off x="842454" y="3998798"/>
-            <a:ext cx="2892005" cy="769441"/>
-          </a:xfrm>
-          <a:prstGeom prst="rect">
-            <a:avLst/>
-          </a:prstGeom>
-          <a:noFill/>
-        </p:spPr>
-        <p:txBody>
-          <a:bodyPr wrap="square" rtlCol="0">
-            <a:spAutoFit/>
-          </a:bodyPr>
-          <a:lstStyle/>
-          <a:p>
-            <a:r>
-              <a:rPr lang="en-US" sz="4400" dirty="0" smtClean="0">
-                <a:latin typeface="+mj-lt"/>
-              </a:rPr>
-              <a:t>Examples:</a:t>
-            </a:r>
-          </a:p>
-        </p:txBody>
-      </p:sp>
-      <p:pic>
-        <p:nvPicPr>
-          <p:cNvPr id="15" name="Picture 14" descr="Screen Shot 2015-11-26 at 3.06.31 PM.png"/>
-          <p:cNvPicPr>
-            <a:picLocks noChangeAspect="1"/>
-          </p:cNvPicPr>
-          <p:nvPr/>
-        </p:nvPicPr>
-        <p:blipFill>
-          <a:blip r:embed="rId3">
-            <a:extLst>
-              <a:ext uri="{28A0092B-C50C-407E-A947-70E740481C1C}">
-                <a14:useLocalDpi xmlns:a14="http://schemas.microsoft.com/office/drawing/2010/main" val="0"/>
-              </a:ext>
-            </a:extLst>
-          </a:blip>
-          <a:stretch>
-            <a:fillRect/>
-          </a:stretch>
-        </p:blipFill>
-        <p:spPr>
-          <a:xfrm>
-            <a:off x="880082" y="4805723"/>
-            <a:ext cx="9664700" cy="1320800"/>
-          </a:xfrm>
-          <a:prstGeom prst="rect">
-            <a:avLst/>
-          </a:prstGeom>
-        </p:spPr>
-      </p:pic>
-    </p:spTree>
-    <p:extLst>
-      <p:ext uri="{BB962C8B-B14F-4D97-AF65-F5344CB8AC3E}">
-        <p14:creationId xmlns:p14="http://schemas.microsoft.com/office/powerpoint/2010/main" val="582983964"/>
-      </p:ext>
-    </p:extLst>
-  </p:cSld>
-  <p:clrMapOvr>
-    <a:masterClrMapping/>
-  </p:clrMapOvr>
-  <p:timing>
-    <p:tnLst>
-      <p:par>
-        <p:cTn xmlns:p14="http://schemas.microsoft.com/office/powerpoint/2010/main" id="1" dur="indefinite" restart="never" nodeType="tmRoot"/>
-      </p:par>
-    </p:tnLst>
-  </p:timing>
-</p:sld>
-</file>
-
-<file path=ppt/slides/slide8.xml><?xml version="1.0" encoding="utf-8"?>
-<p:sld xmlns:a="http://schemas.openxmlformats.org/drawingml/2006/main" xmlns:r="http://schemas.openxmlformats.org/officeDocument/2006/relationships" xmlns:p="http://schemas.openxmlformats.org/presentationml/2006/main">
-  <p:cSld>
-    <p:spTree>
-      <p:nvGrpSpPr>
-        <p:cNvPr id="1" name=""/>
-        <p:cNvGrpSpPr/>
-        <p:nvPr/>
-      </p:nvGrpSpPr>
-      <p:grpSpPr>
-        <a:xfrm>
-          <a:off x="0" y="0"/>
-          <a:ext cx="0" cy="0"/>
-          <a:chOff x="0" y="0"/>
-          <a:chExt cx="0" cy="0"/>
-        </a:xfrm>
-      </p:grpSpPr>
-      <p:sp>
-        <p:nvSpPr>
-          <p:cNvPr id="2" name="Title 1"/>
-          <p:cNvSpPr>
-            <a:spLocks noGrp="1"/>
-          </p:cNvSpPr>
-          <p:nvPr>
-            <p:ph type="title"/>
-          </p:nvPr>
-        </p:nvSpPr>
-        <p:spPr/>
-        <p:txBody>
-          <a:bodyPr/>
-          <a:lstStyle/>
-          <a:p>
-            <a:r>
-              <a:rPr lang="en-US" dirty="0" smtClean="0"/>
-              <a:t>Pairing-Friendly Curves</a:t>
-            </a:r>
-            <a:endParaRPr lang="en-US" dirty="0"/>
-          </a:p>
-        </p:txBody>
-      </p:sp>
-      <p:sp>
-        <p:nvSpPr>
-          <p:cNvPr id="7" name="TextBox 6"/>
-          <p:cNvSpPr txBox="1"/>
-          <p:nvPr/>
-        </p:nvSpPr>
-        <p:spPr>
-          <a:xfrm>
-            <a:off x="829879" y="2665865"/>
-            <a:ext cx="2841709" cy="769441"/>
-          </a:xfrm>
-          <a:prstGeom prst="rect">
-            <a:avLst/>
-          </a:prstGeom>
-          <a:noFill/>
-        </p:spPr>
-        <p:txBody>
-          <a:bodyPr wrap="square" rtlCol="0">
-            <a:spAutoFit/>
-          </a:bodyPr>
-          <a:lstStyle/>
-          <a:p>
-            <a:r>
-              <a:rPr lang="en-US" sz="4400" dirty="0" smtClean="0">
-                <a:latin typeface="+mj-lt"/>
-              </a:rPr>
-              <a:t>Problem:</a:t>
-            </a:r>
-          </a:p>
-        </p:txBody>
-      </p:sp>
-      <p:pic>
-        <p:nvPicPr>
-          <p:cNvPr id="8" name="Picture 7" descr="Screen Shot 2015-11-26 at 3.20.06 PM.png"/>
-          <p:cNvPicPr>
-            <a:picLocks noChangeAspect="1"/>
-          </p:cNvPicPr>
-          <p:nvPr/>
-        </p:nvPicPr>
-        <p:blipFill>
-          <a:blip r:embed="rId2">
-            <a:extLst>
-              <a:ext uri="{28A0092B-C50C-407E-A947-70E740481C1C}">
-                <a14:useLocalDpi xmlns:a14="http://schemas.microsoft.com/office/drawing/2010/main" val="0"/>
-              </a:ext>
-            </a:extLst>
-          </a:blip>
-          <a:stretch>
-            <a:fillRect/>
-          </a:stretch>
-        </p:blipFill>
-        <p:spPr>
-          <a:xfrm>
-            <a:off x="731212" y="3462468"/>
-            <a:ext cx="9258300" cy="850900"/>
-          </a:xfrm>
-          <a:prstGeom prst="rect">
-            <a:avLst/>
-          </a:prstGeom>
-        </p:spPr>
-      </p:pic>
-      <p:pic>
-        <p:nvPicPr>
-          <p:cNvPr id="9" name="Picture 8" descr="Screen Shot 2015-11-26 at 3.21.57 PM.png"/>
-          <p:cNvPicPr>
-            <a:picLocks noChangeAspect="1"/>
-          </p:cNvPicPr>
-          <p:nvPr/>
-        </p:nvPicPr>
-        <p:blipFill>
-          <a:blip r:embed="rId3">
-            <a:extLst>
-              <a:ext uri="{28A0092B-C50C-407E-A947-70E740481C1C}">
-                <a14:useLocalDpi xmlns:a14="http://schemas.microsoft.com/office/drawing/2010/main" val="0"/>
-              </a:ext>
-            </a:extLst>
-          </a:blip>
-          <a:stretch>
-            <a:fillRect/>
-          </a:stretch>
-        </p:blipFill>
-        <p:spPr>
-          <a:xfrm>
-            <a:off x="905861" y="1500169"/>
-            <a:ext cx="9537700" cy="990600"/>
-          </a:xfrm>
-          <a:prstGeom prst="rect">
-            <a:avLst/>
-          </a:prstGeom>
-        </p:spPr>
-      </p:pic>
-      <p:sp>
-        <p:nvSpPr>
-          <p:cNvPr id="10" name="TextBox 9"/>
-          <p:cNvSpPr txBox="1"/>
-          <p:nvPr/>
-        </p:nvSpPr>
-        <p:spPr>
-          <a:xfrm>
-            <a:off x="892750" y="4313169"/>
-            <a:ext cx="8374239" cy="461665"/>
-          </a:xfrm>
-          <a:prstGeom prst="rect">
-            <a:avLst/>
-          </a:prstGeom>
-          <a:noFill/>
-        </p:spPr>
-        <p:txBody>
-          <a:bodyPr wrap="square" rtlCol="0">
-            <a:spAutoFit/>
-          </a:bodyPr>
-          <a:lstStyle/>
-          <a:p>
-            <a:r>
-              <a:rPr lang="en-US" sz="2400" dirty="0" smtClean="0"/>
-              <a:t>So we need to find a way to generate these curves on our own.</a:t>
-            </a:r>
-            <a:endParaRPr lang="en-US" sz="2400" dirty="0"/>
-          </a:p>
-        </p:txBody>
-      </p:sp>
-    </p:spTree>
-    <p:extLst>
-      <p:ext uri="{BB962C8B-B14F-4D97-AF65-F5344CB8AC3E}">
-        <p14:creationId xmlns:p14="http://schemas.microsoft.com/office/powerpoint/2010/main" val="2520188685"/>
-      </p:ext>
-    </p:extLst>
-  </p:cSld>
-  <p:clrMapOvr>
-    <a:masterClrMapping/>
-  </p:clrMapOvr>
-  <p:timing>
-    <p:tnLst>
-      <p:par>
-        <p:cTn xmlns:p14="http://schemas.microsoft.com/office/powerpoint/2010/main" id="1" dur="indefinite" restart="never" nodeType="tmRoot"/>
-      </p:par>
-    </p:tnLst>
-  </p:timing>
-</p:sld>
-</file>
-
-<file path=ppt/slides/slide9.xml><?xml version="1.0" encoding="utf-8"?>
-<p:sld xmlns:a="http://schemas.openxmlformats.org/drawingml/2006/main" xmlns:r="http://schemas.openxmlformats.org/officeDocument/2006/relationships" xmlns:p="http://schemas.openxmlformats.org/presentationml/2006/main">
-  <p:cSld>
-    <p:spTree>
-      <p:nvGrpSpPr>
-        <p:cNvPr id="1" name=""/>
-        <p:cNvGrpSpPr/>
-        <p:nvPr/>
-      </p:nvGrpSpPr>
-      <p:grpSpPr>
-        <a:xfrm>
-          <a:off x="0" y="0"/>
-          <a:ext cx="0" cy="0"/>
-          <a:chOff x="0" y="0"/>
-          <a:chExt cx="0" cy="0"/>
-        </a:xfrm>
-      </p:grpSpPr>
-      <p:sp>
-        <p:nvSpPr>
-          <p:cNvPr id="2" name="Title 1"/>
-          <p:cNvSpPr>
-            <a:spLocks noGrp="1"/>
-          </p:cNvSpPr>
-          <p:nvPr>
-            <p:ph type="title"/>
-          </p:nvPr>
-        </p:nvSpPr>
-        <p:spPr/>
-        <p:txBody>
-          <a:bodyPr/>
-          <a:lstStyle/>
-          <a:p>
-            <a:r>
-              <a:rPr lang="en-US" smtClean="0"/>
-              <a:t>Complex Multiplication</a:t>
-            </a:r>
-            <a:endParaRPr lang="en-US" dirty="0"/>
-          </a:p>
-        </p:txBody>
-      </p:sp>
-      <p:sp>
-        <p:nvSpPr>
-          <p:cNvPr id="3" name="Content Placeholder 2"/>
-          <p:cNvSpPr>
-            <a:spLocks noGrp="1"/>
-          </p:cNvSpPr>
-          <p:nvPr>
-            <p:ph idx="1"/>
-          </p:nvPr>
-        </p:nvSpPr>
-        <p:spPr/>
-        <p:txBody>
-          <a:bodyPr/>
-          <a:lstStyle/>
-          <a:p>
-            <a:endParaRPr lang="en-US" dirty="0"/>
-          </a:p>
-        </p:txBody>
-      </p:sp>
-    </p:spTree>
-    <p:extLst>
-      <p:ext uri="{BB962C8B-B14F-4D97-AF65-F5344CB8AC3E}">
-        <p14:creationId xmlns:p14="http://schemas.microsoft.com/office/powerpoint/2010/main" val="932366107"/>
       </p:ext>
     </p:extLst>
   </p:cSld>
@@ -4192,7 +3154,7 @@
     </a:clrScheme>
     <a:fontScheme name="Office">
       <a:majorFont>
-        <a:latin typeface="Calibri Light"/>
+        <a:latin typeface="Calibri Light" panose="020F0302020204030204"/>
         <a:ea typeface=""/>
         <a:cs typeface=""/>
         <a:font script="Jpan" typeface="ＭＳ Ｐゴシック"/>
@@ -4227,7 +3189,7 @@
         <a:font script="Geor" typeface="Sylfaen"/>
       </a:majorFont>
       <a:minorFont>
-        <a:latin typeface="Calibri"/>
+        <a:latin typeface="Calibri" panose="020F0502020204030204"/>
         <a:ea typeface=""/>
         <a:cs typeface=""/>
         <a:font script="Jpan" typeface="ＭＳ Ｐゴシック"/>
@@ -4404,7 +3366,7 @@
   <a:extraClrSchemeLst/>
   <a:extLst>
     <a:ext uri="{05A4C25C-085E-4340-85A3-A5531E510DB2}">
-      <thm15:themeFamily xmlns:thm15="http://schemas.microsoft.com/office/thememl/2012/main" xmlns="" name="Office Theme" id="{62F939B6-93AF-4DB8-9C6B-D6C7DFDC589F}" vid="{4A3C46E8-61CC-4603-A589-7422A47A8E4A}"/>
+      <thm15:themeFamily xmlns:thm15="http://schemas.microsoft.com/office/thememl/2012/main" name="Office Theme" id="{62F939B6-93AF-4DB8-9C6B-D6C7DFDC589F}" vid="{4A3C46E8-61CC-4603-A589-7422A47A8E4A}"/>
     </a:ext>
   </a:extLst>
 </a:theme>

--- a/Presentation.ppt.pptx
+++ b/Presentation.ppt.pptx
@@ -10,10 +10,12 @@
     <p:sldId id="262" r:id="rId4"/>
     <p:sldId id="261" r:id="rId5"/>
     <p:sldId id="258" r:id="rId6"/>
-    <p:sldId id="263" r:id="rId7"/>
-    <p:sldId id="259" r:id="rId8"/>
-    <p:sldId id="260" r:id="rId9"/>
-    <p:sldId id="264" r:id="rId10"/>
+    <p:sldId id="265" r:id="rId7"/>
+    <p:sldId id="266" r:id="rId8"/>
+    <p:sldId id="263" r:id="rId9"/>
+    <p:sldId id="259" r:id="rId10"/>
+    <p:sldId id="260" r:id="rId11"/>
+    <p:sldId id="264" r:id="rId12"/>
   </p:sldIdLst>
   <p:sldSz cx="12192000" cy="6858000"/>
   <p:notesSz cx="6858000" cy="9144000"/>
@@ -112,6 +114,22 @@
       </a:defRPr>
     </a:lvl9pPr>
   </p:defaultTextStyle>
+  <p:extLst>
+    <p:ext uri="{EFAFB233-063F-42B5-8137-9DF3F51BA10A}">
+      <p15:sldGuideLst xmlns:p15="http://schemas.microsoft.com/office/powerpoint/2012/main">
+        <p15:guide id="1" orient="horz" pos="2160">
+          <p15:clr>
+            <a:srgbClr val="A4A3A4"/>
+          </p15:clr>
+        </p15:guide>
+        <p15:guide id="2" pos="3840">
+          <p15:clr>
+            <a:srgbClr val="A4A3A4"/>
+          </p15:clr>
+        </p15:guide>
+      </p15:sldGuideLst>
+    </p:ext>
+  </p:extLst>
 </p:presentation>
 </file>
 
@@ -246,7 +264,7 @@
           <a:p>
             <a:fld id="{0A2C9084-70B7-4828-AD77-7D77F1A8B45B}" type="datetimeFigureOut">
               <a:rPr lang="en-US" smtClean="0"/>
-              <a:t>11/26/15</a:t>
+              <a:t>11/29/2015</a:t>
             </a:fld>
             <a:endParaRPr lang="en-US"/>
           </a:p>
@@ -416,7 +434,7 @@
           <a:p>
             <a:fld id="{0A2C9084-70B7-4828-AD77-7D77F1A8B45B}" type="datetimeFigureOut">
               <a:rPr lang="en-US" smtClean="0"/>
-              <a:t>11/26/15</a:t>
+              <a:t>11/29/2015</a:t>
             </a:fld>
             <a:endParaRPr lang="en-US"/>
           </a:p>
@@ -596,7 +614,7 @@
           <a:p>
             <a:fld id="{0A2C9084-70B7-4828-AD77-7D77F1A8B45B}" type="datetimeFigureOut">
               <a:rPr lang="en-US" smtClean="0"/>
-              <a:t>11/26/15</a:t>
+              <a:t>11/29/2015</a:t>
             </a:fld>
             <a:endParaRPr lang="en-US"/>
           </a:p>
@@ -766,7 +784,7 @@
           <a:p>
             <a:fld id="{0A2C9084-70B7-4828-AD77-7D77F1A8B45B}" type="datetimeFigureOut">
               <a:rPr lang="en-US" smtClean="0"/>
-              <a:t>11/26/15</a:t>
+              <a:t>11/29/2015</a:t>
             </a:fld>
             <a:endParaRPr lang="en-US"/>
           </a:p>
@@ -1012,7 +1030,7 @@
           <a:p>
             <a:fld id="{0A2C9084-70B7-4828-AD77-7D77F1A8B45B}" type="datetimeFigureOut">
               <a:rPr lang="en-US" smtClean="0"/>
-              <a:t>11/26/15</a:t>
+              <a:t>11/29/2015</a:t>
             </a:fld>
             <a:endParaRPr lang="en-US"/>
           </a:p>
@@ -1244,7 +1262,7 @@
           <a:p>
             <a:fld id="{0A2C9084-70B7-4828-AD77-7D77F1A8B45B}" type="datetimeFigureOut">
               <a:rPr lang="en-US" smtClean="0"/>
-              <a:t>11/26/15</a:t>
+              <a:t>11/29/2015</a:t>
             </a:fld>
             <a:endParaRPr lang="en-US"/>
           </a:p>
@@ -1611,7 +1629,7 @@
           <a:p>
             <a:fld id="{0A2C9084-70B7-4828-AD77-7D77F1A8B45B}" type="datetimeFigureOut">
               <a:rPr lang="en-US" smtClean="0"/>
-              <a:t>11/26/15</a:t>
+              <a:t>11/29/2015</a:t>
             </a:fld>
             <a:endParaRPr lang="en-US"/>
           </a:p>
@@ -1729,7 +1747,7 @@
           <a:p>
             <a:fld id="{0A2C9084-70B7-4828-AD77-7D77F1A8B45B}" type="datetimeFigureOut">
               <a:rPr lang="en-US" smtClean="0"/>
-              <a:t>11/26/15</a:t>
+              <a:t>11/29/2015</a:t>
             </a:fld>
             <a:endParaRPr lang="en-US"/>
           </a:p>
@@ -1824,7 +1842,7 @@
           <a:p>
             <a:fld id="{0A2C9084-70B7-4828-AD77-7D77F1A8B45B}" type="datetimeFigureOut">
               <a:rPr lang="en-US" smtClean="0"/>
-              <a:t>11/26/15</a:t>
+              <a:t>11/29/2015</a:t>
             </a:fld>
             <a:endParaRPr lang="en-US"/>
           </a:p>
@@ -2101,7 +2119,7 @@
           <a:p>
             <a:fld id="{0A2C9084-70B7-4828-AD77-7D77F1A8B45B}" type="datetimeFigureOut">
               <a:rPr lang="en-US" smtClean="0"/>
-              <a:t>11/26/15</a:t>
+              <a:t>11/29/2015</a:t>
             </a:fld>
             <a:endParaRPr lang="en-US"/>
           </a:p>
@@ -2354,7 +2372,7 @@
           <a:p>
             <a:fld id="{0A2C9084-70B7-4828-AD77-7D77F1A8B45B}" type="datetimeFigureOut">
               <a:rPr lang="en-US" smtClean="0"/>
-              <a:t>11/26/15</a:t>
+              <a:t>11/29/2015</a:t>
             </a:fld>
             <a:endParaRPr lang="en-US"/>
           </a:p>
@@ -2567,7 +2585,7 @@
           <a:p>
             <a:fld id="{0A2C9084-70B7-4828-AD77-7D77F1A8B45B}" type="datetimeFigureOut">
               <a:rPr lang="en-US" smtClean="0"/>
-              <a:t>11/26/15</a:t>
+              <a:t>11/29/2015</a:t>
             </a:fld>
             <a:endParaRPr lang="en-US"/>
           </a:p>
@@ -3050,10 +3068,263 @@
   <p:timing>
     <p:tnLst>
       <p:par>
-        <p:cTn xmlns:p14="http://schemas.microsoft.com/office/powerpoint/2010/main" id="1" dur="indefinite" restart="never" nodeType="tmRoot"/>
+        <p:cTn id="1" dur="indefinite" restart="never" nodeType="tmRoot"/>
       </p:par>
     </p:tnLst>
   </p:timing>
+</p:sld>
+</file>
+
+<file path=ppt/slides/slide10.xml><?xml version="1.0" encoding="utf-8"?>
+<p:sld xmlns:a="http://schemas.openxmlformats.org/drawingml/2006/main" xmlns:r="http://schemas.openxmlformats.org/officeDocument/2006/relationships" xmlns:p="http://schemas.openxmlformats.org/presentationml/2006/main">
+  <p:cSld>
+    <p:spTree>
+      <p:nvGrpSpPr>
+        <p:cNvPr id="1" name=""/>
+        <p:cNvGrpSpPr/>
+        <p:nvPr/>
+      </p:nvGrpSpPr>
+      <p:grpSpPr>
+        <a:xfrm>
+          <a:off x="0" y="0"/>
+          <a:ext cx="0" cy="0"/>
+          <a:chOff x="0" y="0"/>
+          <a:chExt cx="0" cy="0"/>
+        </a:xfrm>
+      </p:grpSpPr>
+      <p:sp>
+        <p:nvSpPr>
+          <p:cNvPr id="2" name="Title 1"/>
+          <p:cNvSpPr>
+            <a:spLocks noGrp="1"/>
+          </p:cNvSpPr>
+          <p:nvPr>
+            <p:ph type="title"/>
+          </p:nvPr>
+        </p:nvSpPr>
+        <p:spPr/>
+        <p:txBody>
+          <a:bodyPr/>
+          <a:lstStyle/>
+          <a:p>
+            <a:r>
+              <a:rPr lang="en-US" dirty="0" smtClean="0"/>
+              <a:t>Pairing-Friendly Curves</a:t>
+            </a:r>
+            <a:endParaRPr lang="en-US" dirty="0"/>
+          </a:p>
+        </p:txBody>
+      </p:sp>
+      <p:sp>
+        <p:nvSpPr>
+          <p:cNvPr id="7" name="TextBox 6"/>
+          <p:cNvSpPr txBox="1"/>
+          <p:nvPr/>
+        </p:nvSpPr>
+        <p:spPr>
+          <a:xfrm>
+            <a:off x="829879" y="2665865"/>
+            <a:ext cx="2841709" cy="769441"/>
+          </a:xfrm>
+          <a:prstGeom prst="rect">
+            <a:avLst/>
+          </a:prstGeom>
+          <a:noFill/>
+        </p:spPr>
+        <p:txBody>
+          <a:bodyPr wrap="square" rtlCol="0">
+            <a:spAutoFit/>
+          </a:bodyPr>
+          <a:lstStyle/>
+          <a:p>
+            <a:r>
+              <a:rPr lang="en-US" sz="4400" dirty="0" smtClean="0">
+                <a:latin typeface="+mj-lt"/>
+              </a:rPr>
+              <a:t>Problem:</a:t>
+            </a:r>
+          </a:p>
+        </p:txBody>
+      </p:sp>
+      <p:pic>
+        <p:nvPicPr>
+          <p:cNvPr id="8" name="Picture 7" descr="Screen Shot 2015-11-26 at 3.20.06 PM.png"/>
+          <p:cNvPicPr>
+            <a:picLocks noChangeAspect="1"/>
+          </p:cNvPicPr>
+          <p:nvPr/>
+        </p:nvPicPr>
+        <p:blipFill>
+          <a:blip r:embed="rId2">
+            <a:extLst>
+              <a:ext uri="{28A0092B-C50C-407E-A947-70E740481C1C}">
+                <a14:useLocalDpi xmlns:a14="http://schemas.microsoft.com/office/drawing/2010/main" val="0"/>
+              </a:ext>
+            </a:extLst>
+          </a:blip>
+          <a:stretch>
+            <a:fillRect/>
+          </a:stretch>
+        </p:blipFill>
+        <p:spPr>
+          <a:xfrm>
+            <a:off x="731212" y="3462468"/>
+            <a:ext cx="9258300" cy="850900"/>
+          </a:xfrm>
+          <a:prstGeom prst="rect">
+            <a:avLst/>
+          </a:prstGeom>
+        </p:spPr>
+      </p:pic>
+      <p:pic>
+        <p:nvPicPr>
+          <p:cNvPr id="9" name="Picture 8" descr="Screen Shot 2015-11-26 at 3.21.57 PM.png"/>
+          <p:cNvPicPr>
+            <a:picLocks noChangeAspect="1"/>
+          </p:cNvPicPr>
+          <p:nvPr/>
+        </p:nvPicPr>
+        <p:blipFill>
+          <a:blip r:embed="rId3">
+            <a:extLst>
+              <a:ext uri="{28A0092B-C50C-407E-A947-70E740481C1C}">
+                <a14:useLocalDpi xmlns:a14="http://schemas.microsoft.com/office/drawing/2010/main" val="0"/>
+              </a:ext>
+            </a:extLst>
+          </a:blip>
+          <a:stretch>
+            <a:fillRect/>
+          </a:stretch>
+        </p:blipFill>
+        <p:spPr>
+          <a:xfrm>
+            <a:off x="905861" y="1500169"/>
+            <a:ext cx="9537700" cy="990600"/>
+          </a:xfrm>
+          <a:prstGeom prst="rect">
+            <a:avLst/>
+          </a:prstGeom>
+        </p:spPr>
+      </p:pic>
+      <p:sp>
+        <p:nvSpPr>
+          <p:cNvPr id="10" name="TextBox 9"/>
+          <p:cNvSpPr txBox="1"/>
+          <p:nvPr/>
+        </p:nvSpPr>
+        <p:spPr>
+          <a:xfrm>
+            <a:off x="892750" y="4313169"/>
+            <a:ext cx="8374239" cy="461665"/>
+          </a:xfrm>
+          <a:prstGeom prst="rect">
+            <a:avLst/>
+          </a:prstGeom>
+          <a:noFill/>
+        </p:spPr>
+        <p:txBody>
+          <a:bodyPr wrap="square" rtlCol="0">
+            <a:spAutoFit/>
+          </a:bodyPr>
+          <a:lstStyle/>
+          <a:p>
+            <a:r>
+              <a:rPr lang="en-US" sz="2400" dirty="0" smtClean="0"/>
+              <a:t>So we need to find a way to generate these curves on our own.</a:t>
+            </a:r>
+            <a:endParaRPr lang="en-US" sz="2400" dirty="0"/>
+          </a:p>
+        </p:txBody>
+      </p:sp>
+    </p:spTree>
+    <p:extLst>
+      <p:ext uri="{BB962C8B-B14F-4D97-AF65-F5344CB8AC3E}">
+        <p14:creationId xmlns:p14="http://schemas.microsoft.com/office/powerpoint/2010/main" val="2520188685"/>
+      </p:ext>
+    </p:extLst>
+  </p:cSld>
+  <p:clrMapOvr>
+    <a:masterClrMapping/>
+  </p:clrMapOvr>
+  <p:timing>
+    <p:tnLst>
+      <p:par>
+        <p:cTn id="1" dur="indefinite" restart="never" nodeType="tmRoot"/>
+      </p:par>
+    </p:tnLst>
+  </p:timing>
+</p:sld>
+</file>
+
+<file path=ppt/slides/slide11.xml><?xml version="1.0" encoding="utf-8"?>
+<p:sld xmlns:a="http://schemas.openxmlformats.org/drawingml/2006/main" xmlns:r="http://schemas.openxmlformats.org/officeDocument/2006/relationships" xmlns:p="http://schemas.openxmlformats.org/presentationml/2006/main">
+  <p:cSld>
+    <p:spTree>
+      <p:nvGrpSpPr>
+        <p:cNvPr id="1" name=""/>
+        <p:cNvGrpSpPr/>
+        <p:nvPr/>
+      </p:nvGrpSpPr>
+      <p:grpSpPr>
+        <a:xfrm>
+          <a:off x="0" y="0"/>
+          <a:ext cx="0" cy="0"/>
+          <a:chOff x="0" y="0"/>
+          <a:chExt cx="0" cy="0"/>
+        </a:xfrm>
+      </p:grpSpPr>
+      <p:sp>
+        <p:nvSpPr>
+          <p:cNvPr id="2" name="Title 1"/>
+          <p:cNvSpPr>
+            <a:spLocks noGrp="1"/>
+          </p:cNvSpPr>
+          <p:nvPr>
+            <p:ph type="title"/>
+          </p:nvPr>
+        </p:nvSpPr>
+        <p:spPr/>
+        <p:txBody>
+          <a:bodyPr/>
+          <a:lstStyle/>
+          <a:p>
+            <a:r>
+              <a:rPr lang="en-US" smtClean="0"/>
+              <a:t>Complex Multiplication</a:t>
+            </a:r>
+            <a:endParaRPr lang="en-US" dirty="0"/>
+          </a:p>
+        </p:txBody>
+      </p:sp>
+      <p:sp>
+        <p:nvSpPr>
+          <p:cNvPr id="3" name="Content Placeholder 2"/>
+          <p:cNvSpPr>
+            <a:spLocks noGrp="1"/>
+          </p:cNvSpPr>
+          <p:nvPr>
+            <p:ph idx="1"/>
+          </p:nvPr>
+        </p:nvSpPr>
+        <p:spPr/>
+        <p:txBody>
+          <a:bodyPr/>
+          <a:lstStyle/>
+          <a:p>
+            <a:endParaRPr lang="en-US" dirty="0"/>
+          </a:p>
+        </p:txBody>
+      </p:sp>
+    </p:spTree>
+    <p:extLst>
+      <p:ext uri="{BB962C8B-B14F-4D97-AF65-F5344CB8AC3E}">
+        <p14:creationId xmlns:p14="http://schemas.microsoft.com/office/powerpoint/2010/main" val="932366107"/>
+      </p:ext>
+    </p:extLst>
+  </p:cSld>
+  <p:clrMapOvr>
+    <a:masterClrMapping/>
+  </p:clrMapOvr>
 </p:sld>
 </file>
 
@@ -3117,11 +3388,7 @@
             </a:pPr>
             <a:r>
               <a:rPr lang="en-US" dirty="0" smtClean="0"/>
-              <a:t>Fo</a:t>
-            </a:r>
-            <a:r>
-              <a:rPr lang="en-US" dirty="0" smtClean="0"/>
-              <a:t>r our purposes, an elliptic curve over a field is an equation of the form:</a:t>
+              <a:t>For our purposes, an elliptic curve over a field is an equation of the form:</a:t>
             </a:r>
           </a:p>
           <a:p>
@@ -3227,7 +3494,7 @@
   <p:timing>
     <p:tnLst>
       <p:par>
-        <p:cTn xmlns:p14="http://schemas.microsoft.com/office/powerpoint/2010/main" id="1" dur="indefinite" restart="never" nodeType="tmRoot"/>
+        <p:cTn id="1" dur="indefinite" restart="never" nodeType="tmRoot"/>
       </p:par>
     </p:tnLst>
   </p:timing>
@@ -3317,7 +3584,7 @@
   <p:timing>
     <p:tnLst>
       <p:par>
-        <p:cTn xmlns:p14="http://schemas.microsoft.com/office/powerpoint/2010/main" id="1" dur="indefinite" restart="never" nodeType="tmRoot"/>
+        <p:cTn id="1" dur="indefinite" restart="never" nodeType="tmRoot"/>
       </p:par>
     </p:tnLst>
   </p:timing>
@@ -3478,7 +3745,7 @@
   <p:timing>
     <p:tnLst>
       <p:par>
-        <p:cTn xmlns:p14="http://schemas.microsoft.com/office/powerpoint/2010/main" id="1" dur="indefinite" restart="never" nodeType="tmRoot"/>
+        <p:cTn id="1" dur="indefinite" restart="never" nodeType="tmRoot"/>
       </p:par>
     </p:tnLst>
   </p:timing>
@@ -3623,7 +3890,7 @@
         </p:blipFill>
         <p:spPr>
           <a:xfrm>
-            <a:off x="2853002" y="2289051"/>
+            <a:off x="4257732" y="2037260"/>
             <a:ext cx="3341394" cy="1055855"/>
           </a:xfrm>
           <a:prstGeom prst="rect">
@@ -3644,7 +3911,7 @@
   <p:timing>
     <p:tnLst>
       <p:par>
-        <p:cTn xmlns:p14="http://schemas.microsoft.com/office/powerpoint/2010/main" id="1" dur="indefinite" restart="never" nodeType="tmRoot"/>
+        <p:cTn id="1" dur="indefinite" restart="never" nodeType="tmRoot"/>
       </p:par>
     </p:tnLst>
   </p:timing>
@@ -3684,6 +3951,197 @@
           <a:lstStyle/>
           <a:p>
             <a:r>
+              <a:rPr lang="en-US" dirty="0" smtClean="0">
+                <a:latin typeface="Times New Roman" panose="02020603050405020304" pitchFamily="18" charset="0"/>
+                <a:cs typeface="Times New Roman" panose="02020603050405020304" pitchFamily="18" charset="0"/>
+              </a:rPr>
+              <a:t>Quadratic Twists</a:t>
+            </a:r>
+            <a:endParaRPr lang="en-US" dirty="0">
+              <a:latin typeface="Times New Roman" panose="02020603050405020304" pitchFamily="18" charset="0"/>
+              <a:cs typeface="Times New Roman" panose="02020603050405020304" pitchFamily="18" charset="0"/>
+            </a:endParaRPr>
+          </a:p>
+        </p:txBody>
+      </p:sp>
+      <p:pic>
+        <p:nvPicPr>
+          <p:cNvPr id="4" name="Content Placeholder 3"/>
+          <p:cNvPicPr>
+            <a:picLocks noGrp="1" noChangeAspect="1"/>
+          </p:cNvPicPr>
+          <p:nvPr>
+            <p:ph idx="1"/>
+          </p:nvPr>
+        </p:nvPicPr>
+        <p:blipFill>
+          <a:blip r:embed="rId3"/>
+          <a:stretch>
+            <a:fillRect/>
+          </a:stretch>
+        </p:blipFill>
+        <p:spPr>
+          <a:xfrm>
+            <a:off x="941999" y="1879249"/>
+            <a:ext cx="8724132" cy="2170364"/>
+          </a:xfrm>
+          <a:prstGeom prst="rect">
+            <a:avLst/>
+          </a:prstGeom>
+        </p:spPr>
+      </p:pic>
+      <p:pic>
+        <p:nvPicPr>
+          <p:cNvPr id="5" name="Picture 4"/>
+          <p:cNvPicPr>
+            <a:picLocks noChangeAspect="1"/>
+          </p:cNvPicPr>
+          <p:nvPr>
+            <p:custDataLst>
+              <p:tags r:id="rId1"/>
+            </p:custDataLst>
+          </p:nvPr>
+        </p:nvPicPr>
+        <p:blipFill>
+          <a:blip r:embed="rId4" cstate="print">
+            <a:extLst>
+              <a:ext uri="{28A0092B-C50C-407E-A947-70E740481C1C}">
+                <a14:useLocalDpi xmlns:a14="http://schemas.microsoft.com/office/drawing/2010/main" val="0"/>
+              </a:ext>
+            </a:extLst>
+          </a:blip>
+          <a:stretch>
+            <a:fillRect/>
+          </a:stretch>
+        </p:blipFill>
+        <p:spPr>
+          <a:xfrm>
+            <a:off x="941999" y="4393293"/>
+            <a:ext cx="8714232" cy="868680"/>
+          </a:xfrm>
+          <a:prstGeom prst="rect">
+            <a:avLst/>
+          </a:prstGeom>
+        </p:spPr>
+      </p:pic>
+    </p:spTree>
+    <p:extLst>
+      <p:ext uri="{BB962C8B-B14F-4D97-AF65-F5344CB8AC3E}">
+        <p14:creationId xmlns:p14="http://schemas.microsoft.com/office/powerpoint/2010/main" val="1281154947"/>
+      </p:ext>
+    </p:extLst>
+  </p:cSld>
+  <p:clrMapOvr>
+    <a:masterClrMapping/>
+  </p:clrMapOvr>
+</p:sld>
+</file>
+
+<file path=ppt/slides/slide7.xml><?xml version="1.0" encoding="utf-8"?>
+<p:sld xmlns:a="http://schemas.openxmlformats.org/drawingml/2006/main" xmlns:r="http://schemas.openxmlformats.org/officeDocument/2006/relationships" xmlns:p="http://schemas.openxmlformats.org/presentationml/2006/main">
+  <p:cSld>
+    <p:spTree>
+      <p:nvGrpSpPr>
+        <p:cNvPr id="1" name=""/>
+        <p:cNvGrpSpPr/>
+        <p:nvPr/>
+      </p:nvGrpSpPr>
+      <p:grpSpPr>
+        <a:xfrm>
+          <a:off x="0" y="0"/>
+          <a:ext cx="0" cy="0"/>
+          <a:chOff x="0" y="0"/>
+          <a:chExt cx="0" cy="0"/>
+        </a:xfrm>
+      </p:grpSpPr>
+      <p:sp>
+        <p:nvSpPr>
+          <p:cNvPr id="2" name="Title 1"/>
+          <p:cNvSpPr>
+            <a:spLocks noGrp="1"/>
+          </p:cNvSpPr>
+          <p:nvPr>
+            <p:ph type="title"/>
+          </p:nvPr>
+        </p:nvSpPr>
+        <p:spPr/>
+        <p:txBody>
+          <a:bodyPr/>
+          <a:lstStyle/>
+          <a:p>
+            <a:r>
+              <a:rPr lang="en-US" smtClean="0"/>
+              <a:t>Complex Lattices </a:t>
+            </a:r>
+            <a:endParaRPr lang="en-US" dirty="0"/>
+          </a:p>
+        </p:txBody>
+      </p:sp>
+      <p:sp>
+        <p:nvSpPr>
+          <p:cNvPr id="3" name="Content Placeholder 2"/>
+          <p:cNvSpPr>
+            <a:spLocks noGrp="1"/>
+          </p:cNvSpPr>
+          <p:nvPr>
+            <p:ph idx="1"/>
+          </p:nvPr>
+        </p:nvSpPr>
+        <p:spPr/>
+        <p:txBody>
+          <a:bodyPr/>
+          <a:lstStyle/>
+          <a:p>
+            <a:endParaRPr lang="en-US"/>
+          </a:p>
+        </p:txBody>
+      </p:sp>
+    </p:spTree>
+    <p:extLst>
+      <p:ext uri="{BB962C8B-B14F-4D97-AF65-F5344CB8AC3E}">
+        <p14:creationId xmlns:p14="http://schemas.microsoft.com/office/powerpoint/2010/main" val="2196828898"/>
+      </p:ext>
+    </p:extLst>
+  </p:cSld>
+  <p:clrMapOvr>
+    <a:masterClrMapping/>
+  </p:clrMapOvr>
+</p:sld>
+</file>
+
+<file path=ppt/slides/slide8.xml><?xml version="1.0" encoding="utf-8"?>
+<p:sld xmlns:a="http://schemas.openxmlformats.org/drawingml/2006/main" xmlns:r="http://schemas.openxmlformats.org/officeDocument/2006/relationships" xmlns:p="http://schemas.openxmlformats.org/presentationml/2006/main">
+  <p:cSld>
+    <p:spTree>
+      <p:nvGrpSpPr>
+        <p:cNvPr id="1" name=""/>
+        <p:cNvGrpSpPr/>
+        <p:nvPr/>
+      </p:nvGrpSpPr>
+      <p:grpSpPr>
+        <a:xfrm>
+          <a:off x="0" y="0"/>
+          <a:ext cx="0" cy="0"/>
+          <a:chOff x="0" y="0"/>
+          <a:chExt cx="0" cy="0"/>
+        </a:xfrm>
+      </p:grpSpPr>
+      <p:sp>
+        <p:nvSpPr>
+          <p:cNvPr id="2" name="Title 1"/>
+          <p:cNvSpPr>
+            <a:spLocks noGrp="1"/>
+          </p:cNvSpPr>
+          <p:nvPr>
+            <p:ph type="title"/>
+          </p:nvPr>
+        </p:nvSpPr>
+        <p:spPr/>
+        <p:txBody>
+          <a:bodyPr/>
+          <a:lstStyle/>
+          <a:p>
+            <a:r>
               <a:rPr lang="en-US" dirty="0" err="1" smtClean="0"/>
               <a:t>Endomorphisms</a:t>
             </a:r>
@@ -3738,14 +4196,14 @@
   <p:timing>
     <p:tnLst>
       <p:par>
-        <p:cTn xmlns:p14="http://schemas.microsoft.com/office/powerpoint/2010/main" id="1" dur="indefinite" restart="never" nodeType="tmRoot"/>
+        <p:cTn id="1" dur="indefinite" restart="never" nodeType="tmRoot"/>
       </p:par>
     </p:tnLst>
   </p:timing>
 </p:sld>
 </file>
 
-<file path=ppt/slides/slide7.xml><?xml version="1.0" encoding="utf-8"?>
+<file path=ppt/slides/slide9.xml><?xml version="1.0" encoding="utf-8"?>
 <p:sld xmlns:a="http://schemas.openxmlformats.org/drawingml/2006/main" xmlns:r="http://schemas.openxmlformats.org/officeDocument/2006/relationships" xmlns:p="http://schemas.openxmlformats.org/presentationml/2006/main">
   <p:cSld>
     <p:spTree>
@@ -3889,264 +4347,27 @@
   <p:timing>
     <p:tnLst>
       <p:par>
-        <p:cTn xmlns:p14="http://schemas.microsoft.com/office/powerpoint/2010/main" id="1" dur="indefinite" restart="never" nodeType="tmRoot"/>
+        <p:cTn id="1" dur="indefinite" restart="never" nodeType="tmRoot"/>
       </p:par>
     </p:tnLst>
   </p:timing>
 </p:sld>
 </file>
 
-<file path=ppt/slides/slide8.xml><?xml version="1.0" encoding="utf-8"?>
-<p:sld xmlns:a="http://schemas.openxmlformats.org/drawingml/2006/main" xmlns:r="http://schemas.openxmlformats.org/officeDocument/2006/relationships" xmlns:p="http://schemas.openxmlformats.org/presentationml/2006/main">
-  <p:cSld>
-    <p:spTree>
-      <p:nvGrpSpPr>
-        <p:cNvPr id="1" name=""/>
-        <p:cNvGrpSpPr/>
-        <p:nvPr/>
-      </p:nvGrpSpPr>
-      <p:grpSpPr>
-        <a:xfrm>
-          <a:off x="0" y="0"/>
-          <a:ext cx="0" cy="0"/>
-          <a:chOff x="0" y="0"/>
-          <a:chExt cx="0" cy="0"/>
-        </a:xfrm>
-      </p:grpSpPr>
-      <p:sp>
-        <p:nvSpPr>
-          <p:cNvPr id="2" name="Title 1"/>
-          <p:cNvSpPr>
-            <a:spLocks noGrp="1"/>
-          </p:cNvSpPr>
-          <p:nvPr>
-            <p:ph type="title"/>
-          </p:nvPr>
-        </p:nvSpPr>
-        <p:spPr/>
-        <p:txBody>
-          <a:bodyPr/>
-          <a:lstStyle/>
-          <a:p>
-            <a:r>
-              <a:rPr lang="en-US" dirty="0" smtClean="0"/>
-              <a:t>Pairing-Friendly Curves</a:t>
-            </a:r>
-            <a:endParaRPr lang="en-US" dirty="0"/>
-          </a:p>
-        </p:txBody>
-      </p:sp>
-      <p:sp>
-        <p:nvSpPr>
-          <p:cNvPr id="7" name="TextBox 6"/>
-          <p:cNvSpPr txBox="1"/>
-          <p:nvPr/>
-        </p:nvSpPr>
-        <p:spPr>
-          <a:xfrm>
-            <a:off x="829879" y="2665865"/>
-            <a:ext cx="2841709" cy="769441"/>
-          </a:xfrm>
-          <a:prstGeom prst="rect">
-            <a:avLst/>
-          </a:prstGeom>
-          <a:noFill/>
-        </p:spPr>
-        <p:txBody>
-          <a:bodyPr wrap="square" rtlCol="0">
-            <a:spAutoFit/>
-          </a:bodyPr>
-          <a:lstStyle/>
-          <a:p>
-            <a:r>
-              <a:rPr lang="en-US" sz="4400" dirty="0" smtClean="0">
-                <a:latin typeface="+mj-lt"/>
-              </a:rPr>
-              <a:t>Problem:</a:t>
-            </a:r>
-          </a:p>
-        </p:txBody>
-      </p:sp>
-      <p:pic>
-        <p:nvPicPr>
-          <p:cNvPr id="8" name="Picture 7" descr="Screen Shot 2015-11-26 at 3.20.06 PM.png"/>
-          <p:cNvPicPr>
-            <a:picLocks noChangeAspect="1"/>
-          </p:cNvPicPr>
-          <p:nvPr/>
-        </p:nvPicPr>
-        <p:blipFill>
-          <a:blip r:embed="rId2">
-            <a:extLst>
-              <a:ext uri="{28A0092B-C50C-407E-A947-70E740481C1C}">
-                <a14:useLocalDpi xmlns:a14="http://schemas.microsoft.com/office/drawing/2010/main" val="0"/>
-              </a:ext>
-            </a:extLst>
-          </a:blip>
-          <a:stretch>
-            <a:fillRect/>
-          </a:stretch>
-        </p:blipFill>
-        <p:spPr>
-          <a:xfrm>
-            <a:off x="731212" y="3462468"/>
-            <a:ext cx="9258300" cy="850900"/>
-          </a:xfrm>
-          <a:prstGeom prst="rect">
-            <a:avLst/>
-          </a:prstGeom>
-        </p:spPr>
-      </p:pic>
-      <p:pic>
-        <p:nvPicPr>
-          <p:cNvPr id="9" name="Picture 8" descr="Screen Shot 2015-11-26 at 3.21.57 PM.png"/>
-          <p:cNvPicPr>
-            <a:picLocks noChangeAspect="1"/>
-          </p:cNvPicPr>
-          <p:nvPr/>
-        </p:nvPicPr>
-        <p:blipFill>
-          <a:blip r:embed="rId3">
-            <a:extLst>
-              <a:ext uri="{28A0092B-C50C-407E-A947-70E740481C1C}">
-                <a14:useLocalDpi xmlns:a14="http://schemas.microsoft.com/office/drawing/2010/main" val="0"/>
-              </a:ext>
-            </a:extLst>
-          </a:blip>
-          <a:stretch>
-            <a:fillRect/>
-          </a:stretch>
-        </p:blipFill>
-        <p:spPr>
-          <a:xfrm>
-            <a:off x="905861" y="1500169"/>
-            <a:ext cx="9537700" cy="990600"/>
-          </a:xfrm>
-          <a:prstGeom prst="rect">
-            <a:avLst/>
-          </a:prstGeom>
-        </p:spPr>
-      </p:pic>
-      <p:sp>
-        <p:nvSpPr>
-          <p:cNvPr id="10" name="TextBox 9"/>
-          <p:cNvSpPr txBox="1"/>
-          <p:nvPr/>
-        </p:nvSpPr>
-        <p:spPr>
-          <a:xfrm>
-            <a:off x="892750" y="4313169"/>
-            <a:ext cx="8374239" cy="461665"/>
-          </a:xfrm>
-          <a:prstGeom prst="rect">
-            <a:avLst/>
-          </a:prstGeom>
-          <a:noFill/>
-        </p:spPr>
-        <p:txBody>
-          <a:bodyPr wrap="square" rtlCol="0">
-            <a:spAutoFit/>
-          </a:bodyPr>
-          <a:lstStyle/>
-          <a:p>
-            <a:r>
-              <a:rPr lang="en-US" sz="2400" dirty="0" smtClean="0"/>
-              <a:t>So we need to find a way to generate these curves on our own.</a:t>
-            </a:r>
-            <a:endParaRPr lang="en-US" sz="2400" dirty="0"/>
-          </a:p>
-        </p:txBody>
-      </p:sp>
-    </p:spTree>
-    <p:extLst>
-      <p:ext uri="{BB962C8B-B14F-4D97-AF65-F5344CB8AC3E}">
-        <p14:creationId xmlns:p14="http://schemas.microsoft.com/office/powerpoint/2010/main" val="2520188685"/>
-      </p:ext>
-    </p:extLst>
-  </p:cSld>
-  <p:clrMapOvr>
-    <a:masterClrMapping/>
-  </p:clrMapOvr>
-  <p:timing>
-    <p:tnLst>
-      <p:par>
-        <p:cTn xmlns:p14="http://schemas.microsoft.com/office/powerpoint/2010/main" id="1" dur="indefinite" restart="never" nodeType="tmRoot"/>
-      </p:par>
-    </p:tnLst>
-  </p:timing>
-</p:sld>
-</file>
-
-<file path=ppt/slides/slide9.xml><?xml version="1.0" encoding="utf-8"?>
-<p:sld xmlns:a="http://schemas.openxmlformats.org/drawingml/2006/main" xmlns:r="http://schemas.openxmlformats.org/officeDocument/2006/relationships" xmlns:p="http://schemas.openxmlformats.org/presentationml/2006/main">
-  <p:cSld>
-    <p:spTree>
-      <p:nvGrpSpPr>
-        <p:cNvPr id="1" name=""/>
-        <p:cNvGrpSpPr/>
-        <p:nvPr/>
-      </p:nvGrpSpPr>
-      <p:grpSpPr>
-        <a:xfrm>
-          <a:off x="0" y="0"/>
-          <a:ext cx="0" cy="0"/>
-          <a:chOff x="0" y="0"/>
-          <a:chExt cx="0" cy="0"/>
-        </a:xfrm>
-      </p:grpSpPr>
-      <p:sp>
-        <p:nvSpPr>
-          <p:cNvPr id="2" name="Title 1"/>
-          <p:cNvSpPr>
-            <a:spLocks noGrp="1"/>
-          </p:cNvSpPr>
-          <p:nvPr>
-            <p:ph type="title"/>
-          </p:nvPr>
-        </p:nvSpPr>
-        <p:spPr/>
-        <p:txBody>
-          <a:bodyPr/>
-          <a:lstStyle/>
-          <a:p>
-            <a:r>
-              <a:rPr lang="en-US" smtClean="0"/>
-              <a:t>Complex Multiplication</a:t>
-            </a:r>
-            <a:endParaRPr lang="en-US" dirty="0"/>
-          </a:p>
-        </p:txBody>
-      </p:sp>
-      <p:sp>
-        <p:nvSpPr>
-          <p:cNvPr id="3" name="Content Placeholder 2"/>
-          <p:cNvSpPr>
-            <a:spLocks noGrp="1"/>
-          </p:cNvSpPr>
-          <p:nvPr>
-            <p:ph idx="1"/>
-          </p:nvPr>
-        </p:nvSpPr>
-        <p:spPr/>
-        <p:txBody>
-          <a:bodyPr/>
-          <a:lstStyle/>
-          <a:p>
-            <a:endParaRPr lang="en-US" dirty="0"/>
-          </a:p>
-        </p:txBody>
-      </p:sp>
-    </p:spTree>
-    <p:extLst>
-      <p:ext uri="{BB962C8B-B14F-4D97-AF65-F5344CB8AC3E}">
-        <p14:creationId xmlns:p14="http://schemas.microsoft.com/office/powerpoint/2010/main" val="932366107"/>
-      </p:ext>
-    </p:extLst>
-  </p:cSld>
-  <p:clrMapOvr>
-    <a:masterClrMapping/>
-  </p:clrMapOvr>
-</p:sld>
+<file path=ppt/tags/tag1.xml><?xml version="1.0" encoding="utf-8"?>
+<p:tagLst xmlns:a="http://schemas.openxmlformats.org/drawingml/2006/main" xmlns:r="http://schemas.openxmlformats.org/officeDocument/2006/relationships" xmlns:p="http://schemas.openxmlformats.org/presentationml/2006/main">
+  <p:tag name="ORIGINALHEIGHT" val="427.5"/>
+  <p:tag name="ORIGINALWIDTH" val="4288.5"/>
+  <p:tag name="OUTPUTDPI" val="1200"/>
+  <p:tag name="LATEXADDIN" val="\documentclass{article}&#10;\usepackage{amsmath}&#10;\usepackage{amsfonts}&#10;\pagestyle{empty}&#10;\begin{document}&#10;&#10;In particular, we are interested in quadratic twists. If $E: y^2 = x^3 + Ax+ B$ is an elliptic curve defined over $\mathbb F$, and $d \in \mathbb F$ is a nonsquare, then we define the {\it quadratic twist of E} as $\tilde E: y^2 = x^3 + d^2Ax + d^3B$.&#10;&#10;&#10;\end{document}"/>
+  <p:tag name="IGUANATEXSIZE" val="20"/>
+  <p:tag name="IGUANATEXCURSOR" val="66"/>
+  <p:tag name="TRANSPARENCY" val="True"/>
+  <p:tag name="FILENAME" val=""/>
+  <p:tag name="INPUTTYPE" val="0"/>
+  <p:tag name="LATEXENGINEID" val="0"/>
+  <p:tag name="TEMPFOLDER" val="c:\temp\"/>
+</p:tagLst>
 </file>
 
 <file path=ppt/theme/theme1.xml><?xml version="1.0" encoding="utf-8"?>
@@ -4404,7 +4625,7 @@
   <a:extraClrSchemeLst/>
   <a:extLst>
     <a:ext uri="{05A4C25C-085E-4340-85A3-A5531E510DB2}">
-      <thm15:themeFamily xmlns:thm15="http://schemas.microsoft.com/office/thememl/2012/main" xmlns="" name="Office Theme" id="{62F939B6-93AF-4DB8-9C6B-D6C7DFDC589F}" vid="{4A3C46E8-61CC-4603-A589-7422A47A8E4A}"/>
+      <thm15:themeFamily xmlns:thm15="http://schemas.microsoft.com/office/thememl/2012/main" name="Office Theme" id="{62F939B6-93AF-4DB8-9C6B-D6C7DFDC589F}" vid="{4A3C46E8-61CC-4603-A589-7422A47A8E4A}"/>
     </a:ext>
   </a:extLst>
 </a:theme>

--- a/Presentation.ppt.pptx
+++ b/Presentation.ppt.pptx
@@ -12,10 +12,11 @@
     <p:sldId id="258" r:id="rId6"/>
     <p:sldId id="265" r:id="rId7"/>
     <p:sldId id="266" r:id="rId8"/>
-    <p:sldId id="263" r:id="rId9"/>
-    <p:sldId id="259" r:id="rId10"/>
-    <p:sldId id="260" r:id="rId11"/>
-    <p:sldId id="264" r:id="rId12"/>
+    <p:sldId id="267" r:id="rId9"/>
+    <p:sldId id="263" r:id="rId10"/>
+    <p:sldId id="259" r:id="rId11"/>
+    <p:sldId id="260" r:id="rId12"/>
+    <p:sldId id="264" r:id="rId13"/>
   </p:sldIdLst>
   <p:sldSz cx="12192000" cy="6858000"/>
   <p:notesSz cx="6858000" cy="9144000"/>
@@ -3109,6 +3110,157 @@
           <a:p>
             <a:r>
               <a:rPr lang="en-US" dirty="0" smtClean="0"/>
+              <a:t>Pairings</a:t>
+            </a:r>
+            <a:endParaRPr lang="en-US" dirty="0"/>
+          </a:p>
+        </p:txBody>
+      </p:sp>
+      <p:pic>
+        <p:nvPicPr>
+          <p:cNvPr id="12" name="Picture 11" descr="Screen Shot 2015-11-26 at 2.50.30 PM.png"/>
+          <p:cNvPicPr>
+            <a:picLocks noChangeAspect="1"/>
+          </p:cNvPicPr>
+          <p:nvPr/>
+        </p:nvPicPr>
+        <p:blipFill>
+          <a:blip r:embed="rId2">
+            <a:extLst>
+              <a:ext uri="{28A0092B-C50C-407E-A947-70E740481C1C}">
+                <a14:useLocalDpi xmlns:a14="http://schemas.microsoft.com/office/drawing/2010/main" val="0"/>
+              </a:ext>
+            </a:extLst>
+          </a:blip>
+          <a:stretch>
+            <a:fillRect/>
+          </a:stretch>
+        </p:blipFill>
+        <p:spPr>
+          <a:xfrm>
+            <a:off x="304400" y="1659878"/>
+            <a:ext cx="11687644" cy="2723625"/>
+          </a:xfrm>
+          <a:prstGeom prst="rect">
+            <a:avLst/>
+          </a:prstGeom>
+        </p:spPr>
+      </p:pic>
+      <p:sp>
+        <p:nvSpPr>
+          <p:cNvPr id="13" name="TextBox 12"/>
+          <p:cNvSpPr txBox="1"/>
+          <p:nvPr/>
+        </p:nvSpPr>
+        <p:spPr>
+          <a:xfrm>
+            <a:off x="842454" y="3998798"/>
+            <a:ext cx="2892005" cy="769441"/>
+          </a:xfrm>
+          <a:prstGeom prst="rect">
+            <a:avLst/>
+          </a:prstGeom>
+          <a:noFill/>
+        </p:spPr>
+        <p:txBody>
+          <a:bodyPr wrap="square" rtlCol="0">
+            <a:spAutoFit/>
+          </a:bodyPr>
+          <a:lstStyle/>
+          <a:p>
+            <a:r>
+              <a:rPr lang="en-US" sz="4400" dirty="0" smtClean="0">
+                <a:latin typeface="+mj-lt"/>
+              </a:rPr>
+              <a:t>Examples:</a:t>
+            </a:r>
+          </a:p>
+        </p:txBody>
+      </p:sp>
+      <p:pic>
+        <p:nvPicPr>
+          <p:cNvPr id="15" name="Picture 14" descr="Screen Shot 2015-11-26 at 3.06.31 PM.png"/>
+          <p:cNvPicPr>
+            <a:picLocks noChangeAspect="1"/>
+          </p:cNvPicPr>
+          <p:nvPr/>
+        </p:nvPicPr>
+        <p:blipFill>
+          <a:blip r:embed="rId3">
+            <a:extLst>
+              <a:ext uri="{28A0092B-C50C-407E-A947-70E740481C1C}">
+                <a14:useLocalDpi xmlns:a14="http://schemas.microsoft.com/office/drawing/2010/main" val="0"/>
+              </a:ext>
+            </a:extLst>
+          </a:blip>
+          <a:stretch>
+            <a:fillRect/>
+          </a:stretch>
+        </p:blipFill>
+        <p:spPr>
+          <a:xfrm>
+            <a:off x="880082" y="4805723"/>
+            <a:ext cx="9664700" cy="1320800"/>
+          </a:xfrm>
+          <a:prstGeom prst="rect">
+            <a:avLst/>
+          </a:prstGeom>
+        </p:spPr>
+      </p:pic>
+    </p:spTree>
+    <p:extLst>
+      <p:ext uri="{BB962C8B-B14F-4D97-AF65-F5344CB8AC3E}">
+        <p14:creationId xmlns:p14="http://schemas.microsoft.com/office/powerpoint/2010/main" val="582983964"/>
+      </p:ext>
+    </p:extLst>
+  </p:cSld>
+  <p:clrMapOvr>
+    <a:masterClrMapping/>
+  </p:clrMapOvr>
+  <p:timing>
+    <p:tnLst>
+      <p:par>
+        <p:cTn id="1" dur="indefinite" restart="never" nodeType="tmRoot"/>
+      </p:par>
+    </p:tnLst>
+  </p:timing>
+</p:sld>
+</file>
+
+<file path=ppt/slides/slide11.xml><?xml version="1.0" encoding="utf-8"?>
+<p:sld xmlns:a="http://schemas.openxmlformats.org/drawingml/2006/main" xmlns:r="http://schemas.openxmlformats.org/officeDocument/2006/relationships" xmlns:p="http://schemas.openxmlformats.org/presentationml/2006/main">
+  <p:cSld>
+    <p:spTree>
+      <p:nvGrpSpPr>
+        <p:cNvPr id="1" name=""/>
+        <p:cNvGrpSpPr/>
+        <p:nvPr/>
+      </p:nvGrpSpPr>
+      <p:grpSpPr>
+        <a:xfrm>
+          <a:off x="0" y="0"/>
+          <a:ext cx="0" cy="0"/>
+          <a:chOff x="0" y="0"/>
+          <a:chExt cx="0" cy="0"/>
+        </a:xfrm>
+      </p:grpSpPr>
+      <p:sp>
+        <p:nvSpPr>
+          <p:cNvPr id="2" name="Title 1"/>
+          <p:cNvSpPr>
+            <a:spLocks noGrp="1"/>
+          </p:cNvSpPr>
+          <p:nvPr>
+            <p:ph type="title"/>
+          </p:nvPr>
+        </p:nvSpPr>
+        <p:spPr/>
+        <p:txBody>
+          <a:bodyPr/>
+          <a:lstStyle/>
+          <a:p>
+            <a:r>
+              <a:rPr lang="en-US" dirty="0" smtClean="0"/>
               <a:t>Pairing-Friendly Curves</a:t>
             </a:r>
             <a:endParaRPr lang="en-US" dirty="0"/>
@@ -3256,7 +3408,7 @@
 </p:sld>
 </file>
 
-<file path=ppt/slides/slide11.xml><?xml version="1.0" encoding="utf-8"?>
+<file path=ppt/slides/slide12.xml><?xml version="1.0" encoding="utf-8"?>
 <p:sld xmlns:a="http://schemas.openxmlformats.org/drawingml/2006/main" xmlns:r="http://schemas.openxmlformats.org/officeDocument/2006/relationships" xmlns:p="http://schemas.openxmlformats.org/presentationml/2006/main">
   <p:cSld>
     <p:spTree>
@@ -3325,6 +3477,13 @@
   <p:clrMapOvr>
     <a:masterClrMapping/>
   </p:clrMapOvr>
+  <p:timing>
+    <p:tnLst>
+      <p:par>
+        <p:cTn id="1" dur="indefinite" restart="never" nodeType="tmRoot"/>
+      </p:par>
+    </p:tnLst>
+  </p:timing>
 </p:sld>
 </file>
 
@@ -4070,7 +4229,7 @@
           <a:lstStyle/>
           <a:p>
             <a:r>
-              <a:rPr lang="en-US" smtClean="0"/>
+              <a:rPr lang="en-US" dirty="0" smtClean="0"/>
               <a:t>Complex Lattices </a:t>
             </a:r>
             <a:endParaRPr lang="en-US" dirty="0"/>
@@ -4092,10 +4251,219 @@
           <a:bodyPr/>
           <a:lstStyle/>
           <a:p>
-            <a:endParaRPr lang="en-US"/>
-          </a:p>
-        </p:txBody>
-      </p:sp>
+            <a:pPr marL="0" indent="0">
+              <a:buNone/>
+            </a:pPr>
+            <a:endParaRPr lang="en-US" dirty="0" smtClean="0"/>
+          </a:p>
+          <a:p>
+            <a:pPr marL="0" indent="0">
+              <a:buNone/>
+            </a:pPr>
+            <a:endParaRPr lang="en-US" dirty="0"/>
+          </a:p>
+          <a:p>
+            <a:pPr marL="0" indent="0">
+              <a:buNone/>
+            </a:pPr>
+            <a:endParaRPr lang="en-US" dirty="0" smtClean="0"/>
+          </a:p>
+          <a:p>
+            <a:pPr marL="0" indent="0">
+              <a:buNone/>
+            </a:pPr>
+            <a:endParaRPr lang="en-US" dirty="0" smtClean="0"/>
+          </a:p>
+          <a:p>
+            <a:pPr marL="0" indent="0">
+              <a:buNone/>
+            </a:pPr>
+            <a:r>
+              <a:rPr lang="en-US" dirty="0" smtClean="0">
+                <a:latin typeface="Times New Roman" panose="02020603050405020304" pitchFamily="18" charset="0"/>
+                <a:cs typeface="Times New Roman" panose="02020603050405020304" pitchFamily="18" charset="0"/>
+              </a:rPr>
+              <a:t>Where</a:t>
+            </a:r>
+          </a:p>
+          <a:p>
+            <a:pPr marL="0" indent="0">
+              <a:buNone/>
+            </a:pPr>
+            <a:endParaRPr lang="en-US" dirty="0"/>
+          </a:p>
+        </p:txBody>
+      </p:sp>
+      <p:pic>
+        <p:nvPicPr>
+          <p:cNvPr id="5" name="Picture 4"/>
+          <p:cNvPicPr>
+            <a:picLocks noChangeAspect="1"/>
+          </p:cNvPicPr>
+          <p:nvPr>
+            <p:custDataLst>
+              <p:tags r:id="rId1"/>
+            </p:custDataLst>
+          </p:nvPr>
+        </p:nvPicPr>
+        <p:blipFill>
+          <a:blip r:embed="rId7" cstate="print">
+            <a:extLst>
+              <a:ext uri="{28A0092B-C50C-407E-A947-70E740481C1C}">
+                <a14:useLocalDpi xmlns:a14="http://schemas.microsoft.com/office/drawing/2010/main" val="0"/>
+              </a:ext>
+            </a:extLst>
+          </a:blip>
+          <a:stretch>
+            <a:fillRect/>
+          </a:stretch>
+        </p:blipFill>
+        <p:spPr>
+          <a:xfrm>
+            <a:off x="944336" y="2019141"/>
+            <a:ext cx="6777228" cy="998220"/>
+          </a:xfrm>
+          <a:prstGeom prst="rect">
+            <a:avLst/>
+          </a:prstGeom>
+        </p:spPr>
+      </p:pic>
+      <p:pic>
+        <p:nvPicPr>
+          <p:cNvPr id="6" name="Picture 5"/>
+          <p:cNvPicPr>
+            <a:picLocks noChangeAspect="1"/>
+          </p:cNvPicPr>
+          <p:nvPr>
+            <p:custDataLst>
+              <p:tags r:id="rId2"/>
+            </p:custDataLst>
+          </p:nvPr>
+        </p:nvPicPr>
+        <p:blipFill>
+          <a:blip r:embed="rId8" cstate="print">
+            <a:extLst>
+              <a:ext uri="{28A0092B-C50C-407E-A947-70E740481C1C}">
+                <a14:useLocalDpi xmlns:a14="http://schemas.microsoft.com/office/drawing/2010/main" val="0"/>
+              </a:ext>
+            </a:extLst>
+          </a:blip>
+          <a:stretch>
+            <a:fillRect/>
+          </a:stretch>
+        </p:blipFill>
+        <p:spPr>
+          <a:xfrm>
+            <a:off x="1156934" y="5243444"/>
+            <a:ext cx="6352032" cy="252984"/>
+          </a:xfrm>
+          <a:prstGeom prst="rect">
+            <a:avLst/>
+          </a:prstGeom>
+        </p:spPr>
+      </p:pic>
+      <p:pic>
+        <p:nvPicPr>
+          <p:cNvPr id="7" name="Picture 6"/>
+          <p:cNvPicPr>
+            <a:picLocks noChangeAspect="1"/>
+          </p:cNvPicPr>
+          <p:nvPr>
+            <p:custDataLst>
+              <p:tags r:id="rId3"/>
+            </p:custDataLst>
+          </p:nvPr>
+        </p:nvPicPr>
+        <p:blipFill>
+          <a:blip r:embed="rId9" cstate="print">
+            <a:extLst>
+              <a:ext uri="{28A0092B-C50C-407E-A947-70E740481C1C}">
+                <a14:useLocalDpi xmlns:a14="http://schemas.microsoft.com/office/drawing/2010/main" val="0"/>
+              </a:ext>
+            </a:extLst>
+          </a:blip>
+          <a:stretch>
+            <a:fillRect/>
+          </a:stretch>
+        </p:blipFill>
+        <p:spPr>
+          <a:xfrm>
+            <a:off x="1103414" y="3231434"/>
+            <a:ext cx="2965704" cy="252984"/>
+          </a:xfrm>
+          <a:prstGeom prst="rect">
+            <a:avLst/>
+          </a:prstGeom>
+        </p:spPr>
+      </p:pic>
+      <p:pic>
+        <p:nvPicPr>
+          <p:cNvPr id="8" name="Picture 7"/>
+          <p:cNvPicPr>
+            <a:picLocks noChangeAspect="1"/>
+          </p:cNvPicPr>
+          <p:nvPr>
+            <p:custDataLst>
+              <p:tags r:id="rId4"/>
+            </p:custDataLst>
+          </p:nvPr>
+        </p:nvPicPr>
+        <p:blipFill>
+          <a:blip r:embed="rId10" cstate="print">
+            <a:extLst>
+              <a:ext uri="{28A0092B-C50C-407E-A947-70E740481C1C}">
+                <a14:useLocalDpi xmlns:a14="http://schemas.microsoft.com/office/drawing/2010/main" val="0"/>
+              </a:ext>
+            </a:extLst>
+          </a:blip>
+          <a:stretch>
+            <a:fillRect/>
+          </a:stretch>
+        </p:blipFill>
+        <p:spPr>
+          <a:xfrm>
+            <a:off x="1156934" y="4369324"/>
+            <a:ext cx="3683508" cy="455676"/>
+          </a:xfrm>
+          <a:prstGeom prst="rect">
+            <a:avLst/>
+          </a:prstGeom>
+        </p:spPr>
+      </p:pic>
+      <p:pic>
+        <p:nvPicPr>
+          <p:cNvPr id="9" name="Picture 8"/>
+          <p:cNvPicPr>
+            <a:picLocks noChangeAspect="1"/>
+          </p:cNvPicPr>
+          <p:nvPr>
+            <p:custDataLst>
+              <p:tags r:id="rId5"/>
+            </p:custDataLst>
+          </p:nvPr>
+        </p:nvPicPr>
+        <p:blipFill>
+          <a:blip r:embed="rId11" cstate="print">
+            <a:extLst>
+              <a:ext uri="{28A0092B-C50C-407E-A947-70E740481C1C}">
+                <a14:useLocalDpi xmlns:a14="http://schemas.microsoft.com/office/drawing/2010/main" val="0"/>
+              </a:ext>
+            </a:extLst>
+          </a:blip>
+          <a:stretch>
+            <a:fillRect/>
+          </a:stretch>
+        </p:blipFill>
+        <p:spPr>
+          <a:xfrm>
+            <a:off x="6392636" y="4449768"/>
+            <a:ext cx="2657856" cy="348996"/>
+          </a:xfrm>
+          <a:prstGeom prst="rect">
+            <a:avLst/>
+          </a:prstGeom>
+        </p:spPr>
+      </p:pic>
     </p:spTree>
     <p:extLst>
       <p:ext uri="{BB962C8B-B14F-4D97-AF65-F5344CB8AC3E}">
@@ -4106,6 +4474,13 @@
   <p:clrMapOvr>
     <a:masterClrMapping/>
   </p:clrMapOvr>
+  <p:timing>
+    <p:tnLst>
+      <p:par>
+        <p:cTn id="1" dur="indefinite" restart="never" nodeType="tmRoot"/>
+      </p:par>
+    </p:tnLst>
+  </p:timing>
 </p:sld>
 </file>
 
@@ -4142,8 +4517,8 @@
           <a:lstStyle/>
           <a:p>
             <a:r>
-              <a:rPr lang="en-US" dirty="0" err="1" smtClean="0"/>
-              <a:t>Endomorphisms</a:t>
+              <a:rPr lang="en-US" dirty="0" smtClean="0"/>
+              <a:t>Lattice to Elliptic Curve</a:t>
             </a:r>
             <a:endParaRPr lang="en-US" dirty="0"/>
           </a:p>
@@ -4164,29 +4539,208 @@
           <a:bodyPr/>
           <a:lstStyle/>
           <a:p>
+            <a:r>
+              <a:rPr lang="en-US" dirty="0" smtClean="0"/>
+              <a:t>Note that now we can make a curve based on the two lattice parameters. Elliptic curve is explicitly defined to be</a:t>
+            </a:r>
+          </a:p>
+          <a:p>
+            <a:endParaRPr lang="en-US" dirty="0"/>
+          </a:p>
+          <a:p>
+            <a:endParaRPr lang="en-US" dirty="0" smtClean="0"/>
+          </a:p>
+          <a:p>
+            <a:endParaRPr lang="en-US" dirty="0"/>
+          </a:p>
+          <a:p>
+            <a:r>
+              <a:rPr lang="en-US" dirty="0" smtClean="0"/>
+              <a:t>A special case is when the lattice is built by a quadratic field. </a:t>
+            </a:r>
+          </a:p>
+          <a:p>
             <a:pPr marL="0" indent="0">
               <a:buNone/>
             </a:pPr>
-            <a:r>
-              <a:rPr lang="en-US" dirty="0" smtClean="0"/>
-              <a:t>An endomorphism is an isogeny from E to itself. The </a:t>
-            </a:r>
-            <a:r>
-              <a:rPr lang="en-US" dirty="0" err="1" smtClean="0"/>
-              <a:t>endomorphisms</a:t>
-            </a:r>
-            <a:r>
-              <a:rPr lang="en-US" dirty="0" smtClean="0"/>
-              <a:t> of an elliptic curve form a ring, which always contains a subring isomorphic to the integers.</a:t>
-            </a:r>
-            <a:endParaRPr lang="en-US" dirty="0"/>
-          </a:p>
-        </p:txBody>
-      </p:sp>
+            <a:endParaRPr lang="en-US" dirty="0" smtClean="0"/>
+          </a:p>
+        </p:txBody>
+      </p:sp>
+      <p:pic>
+        <p:nvPicPr>
+          <p:cNvPr id="4" name="Picture 3"/>
+          <p:cNvPicPr>
+            <a:picLocks noChangeAspect="1"/>
+          </p:cNvPicPr>
+          <p:nvPr>
+            <p:custDataLst>
+              <p:tags r:id="rId1"/>
+            </p:custDataLst>
+          </p:nvPr>
+        </p:nvPicPr>
+        <p:blipFill>
+          <a:blip r:embed="rId7" cstate="print">
+            <a:extLst>
+              <a:ext uri="{28A0092B-C50C-407E-A947-70E740481C1C}">
+                <a14:useLocalDpi xmlns:a14="http://schemas.microsoft.com/office/drawing/2010/main" val="0"/>
+              </a:ext>
+            </a:extLst>
+          </a:blip>
+          <a:stretch>
+            <a:fillRect/>
+          </a:stretch>
+        </p:blipFill>
+        <p:spPr>
+          <a:xfrm>
+            <a:off x="1148522" y="2964070"/>
+            <a:ext cx="2580132" cy="262128"/>
+          </a:xfrm>
+          <a:prstGeom prst="rect">
+            <a:avLst/>
+          </a:prstGeom>
+        </p:spPr>
+      </p:pic>
+      <p:pic>
+        <p:nvPicPr>
+          <p:cNvPr id="5" name="Picture 4"/>
+          <p:cNvPicPr>
+            <a:picLocks noChangeAspect="1"/>
+          </p:cNvPicPr>
+          <p:nvPr>
+            <p:custDataLst>
+              <p:tags r:id="rId2"/>
+            </p:custDataLst>
+          </p:nvPr>
+        </p:nvPicPr>
+        <p:blipFill>
+          <a:blip r:embed="rId8" cstate="print">
+            <a:extLst>
+              <a:ext uri="{28A0092B-C50C-407E-A947-70E740481C1C}">
+                <a14:useLocalDpi xmlns:a14="http://schemas.microsoft.com/office/drawing/2010/main" val="0"/>
+              </a:ext>
+            </a:extLst>
+          </a:blip>
+          <a:stretch>
+            <a:fillRect/>
+          </a:stretch>
+        </p:blipFill>
+        <p:spPr>
+          <a:xfrm>
+            <a:off x="1148522" y="3361135"/>
+            <a:ext cx="3220212" cy="230124"/>
+          </a:xfrm>
+          <a:prstGeom prst="rect">
+            <a:avLst/>
+          </a:prstGeom>
+        </p:spPr>
+      </p:pic>
+      <p:pic>
+        <p:nvPicPr>
+          <p:cNvPr id="6" name="Picture 5"/>
+          <p:cNvPicPr>
+            <a:picLocks noChangeAspect="1"/>
+          </p:cNvPicPr>
+          <p:nvPr>
+            <p:custDataLst>
+              <p:tags r:id="rId3"/>
+            </p:custDataLst>
+          </p:nvPr>
+        </p:nvPicPr>
+        <p:blipFill>
+          <a:blip r:embed="rId9" cstate="print">
+            <a:extLst>
+              <a:ext uri="{28A0092B-C50C-407E-A947-70E740481C1C}">
+                <a14:useLocalDpi xmlns:a14="http://schemas.microsoft.com/office/drawing/2010/main" val="0"/>
+              </a:ext>
+            </a:extLst>
+          </a:blip>
+          <a:stretch>
+            <a:fillRect/>
+          </a:stretch>
+        </p:blipFill>
+        <p:spPr>
+          <a:xfrm>
+            <a:off x="1148522" y="3741212"/>
+            <a:ext cx="2174748" cy="303276"/>
+          </a:xfrm>
+          <a:prstGeom prst="rect">
+            <a:avLst/>
+          </a:prstGeom>
+        </p:spPr>
+      </p:pic>
+      <p:pic>
+        <p:nvPicPr>
+          <p:cNvPr id="7" name="Picture 6"/>
+          <p:cNvPicPr>
+            <a:picLocks noChangeAspect="1"/>
+          </p:cNvPicPr>
+          <p:nvPr>
+            <p:custDataLst>
+              <p:tags r:id="rId4"/>
+            </p:custDataLst>
+          </p:nvPr>
+        </p:nvPicPr>
+        <p:blipFill>
+          <a:blip r:embed="rId10" cstate="print">
+            <a:extLst>
+              <a:ext uri="{28A0092B-C50C-407E-A947-70E740481C1C}">
+                <a14:useLocalDpi xmlns:a14="http://schemas.microsoft.com/office/drawing/2010/main" val="0"/>
+              </a:ext>
+            </a:extLst>
+          </a:blip>
+          <a:stretch>
+            <a:fillRect/>
+          </a:stretch>
+        </p:blipFill>
+        <p:spPr>
+          <a:xfrm>
+            <a:off x="1148522" y="4937751"/>
+            <a:ext cx="8313420" cy="345948"/>
+          </a:xfrm>
+          <a:prstGeom prst="rect">
+            <a:avLst/>
+          </a:prstGeom>
+        </p:spPr>
+      </p:pic>
+      <p:pic>
+        <p:nvPicPr>
+          <p:cNvPr id="9" name="Picture 8"/>
+          <p:cNvPicPr>
+            <a:picLocks noChangeAspect="1"/>
+          </p:cNvPicPr>
+          <p:nvPr>
+            <p:custDataLst>
+              <p:tags r:id="rId5"/>
+            </p:custDataLst>
+          </p:nvPr>
+        </p:nvPicPr>
+        <p:blipFill>
+          <a:blip r:embed="rId11" cstate="print">
+            <a:extLst>
+              <a:ext uri="{28A0092B-C50C-407E-A947-70E740481C1C}">
+                <a14:useLocalDpi xmlns:a14="http://schemas.microsoft.com/office/drawing/2010/main" val="0"/>
+              </a:ext>
+            </a:extLst>
+          </a:blip>
+          <a:stretch>
+            <a:fillRect/>
+          </a:stretch>
+        </p:blipFill>
+        <p:spPr>
+          <a:xfrm>
+            <a:off x="5539409" y="3226198"/>
+            <a:ext cx="3698748" cy="441960"/>
+          </a:xfrm>
+          <a:prstGeom prst="rect">
+            <a:avLst/>
+          </a:prstGeom>
+        </p:spPr>
+      </p:pic>
     </p:spTree>
     <p:extLst>
       <p:ext uri="{BB962C8B-B14F-4D97-AF65-F5344CB8AC3E}">
-        <p14:creationId xmlns:p14="http://schemas.microsoft.com/office/powerpoint/2010/main" val="2978879391"/>
+        <p14:creationId xmlns:p14="http://schemas.microsoft.com/office/powerpoint/2010/main" val="1415050369"/>
       </p:ext>
     </p:extLst>
   </p:cSld>
@@ -4236,108 +4790,51 @@
           <a:lstStyle/>
           <a:p>
             <a:r>
+              <a:rPr lang="en-US" dirty="0" err="1" smtClean="0"/>
+              <a:t>Endomorphisms</a:t>
+            </a:r>
+            <a:endParaRPr lang="en-US" dirty="0"/>
+          </a:p>
+        </p:txBody>
+      </p:sp>
+      <p:sp>
+        <p:nvSpPr>
+          <p:cNvPr id="3" name="Content Placeholder 2"/>
+          <p:cNvSpPr>
+            <a:spLocks noGrp="1"/>
+          </p:cNvSpPr>
+          <p:nvPr>
+            <p:ph idx="1"/>
+          </p:nvPr>
+        </p:nvSpPr>
+        <p:spPr/>
+        <p:txBody>
+          <a:bodyPr/>
+          <a:lstStyle/>
+          <a:p>
+            <a:pPr marL="0" indent="0">
+              <a:buNone/>
+            </a:pPr>
+            <a:r>
               <a:rPr lang="en-US" dirty="0" smtClean="0"/>
-              <a:t>Pairings</a:t>
+              <a:t>An endomorphism is an isogeny from E to itself. The </a:t>
+            </a:r>
+            <a:r>
+              <a:rPr lang="en-US" dirty="0" err="1" smtClean="0"/>
+              <a:t>endomorphisms</a:t>
+            </a:r>
+            <a:r>
+              <a:rPr lang="en-US" dirty="0" smtClean="0"/>
+              <a:t> of an elliptic curve form a ring, which always contains a subring isomorphic to the integers.</a:t>
             </a:r>
             <a:endParaRPr lang="en-US" dirty="0"/>
           </a:p>
         </p:txBody>
       </p:sp>
-      <p:pic>
-        <p:nvPicPr>
-          <p:cNvPr id="12" name="Picture 11" descr="Screen Shot 2015-11-26 at 2.50.30 PM.png"/>
-          <p:cNvPicPr>
-            <a:picLocks noChangeAspect="1"/>
-          </p:cNvPicPr>
-          <p:nvPr/>
-        </p:nvPicPr>
-        <p:blipFill>
-          <a:blip r:embed="rId2">
-            <a:extLst>
-              <a:ext uri="{28A0092B-C50C-407E-A947-70E740481C1C}">
-                <a14:useLocalDpi xmlns:a14="http://schemas.microsoft.com/office/drawing/2010/main" val="0"/>
-              </a:ext>
-            </a:extLst>
-          </a:blip>
-          <a:stretch>
-            <a:fillRect/>
-          </a:stretch>
-        </p:blipFill>
-        <p:spPr>
-          <a:xfrm>
-            <a:off x="304400" y="1659878"/>
-            <a:ext cx="11687644" cy="2723625"/>
-          </a:xfrm>
-          <a:prstGeom prst="rect">
-            <a:avLst/>
-          </a:prstGeom>
-        </p:spPr>
-      </p:pic>
-      <p:sp>
-        <p:nvSpPr>
-          <p:cNvPr id="13" name="TextBox 12"/>
-          <p:cNvSpPr txBox="1"/>
-          <p:nvPr/>
-        </p:nvSpPr>
-        <p:spPr>
-          <a:xfrm>
-            <a:off x="842454" y="3998798"/>
-            <a:ext cx="2892005" cy="769441"/>
-          </a:xfrm>
-          <a:prstGeom prst="rect">
-            <a:avLst/>
-          </a:prstGeom>
-          <a:noFill/>
-        </p:spPr>
-        <p:txBody>
-          <a:bodyPr wrap="square" rtlCol="0">
-            <a:spAutoFit/>
-          </a:bodyPr>
-          <a:lstStyle/>
-          <a:p>
-            <a:r>
-              <a:rPr lang="en-US" sz="4400" dirty="0" smtClean="0">
-                <a:latin typeface="+mj-lt"/>
-              </a:rPr>
-              <a:t>Examples:</a:t>
-            </a:r>
-          </a:p>
-        </p:txBody>
-      </p:sp>
-      <p:pic>
-        <p:nvPicPr>
-          <p:cNvPr id="15" name="Picture 14" descr="Screen Shot 2015-11-26 at 3.06.31 PM.png"/>
-          <p:cNvPicPr>
-            <a:picLocks noChangeAspect="1"/>
-          </p:cNvPicPr>
-          <p:nvPr/>
-        </p:nvPicPr>
-        <p:blipFill>
-          <a:blip r:embed="rId3">
-            <a:extLst>
-              <a:ext uri="{28A0092B-C50C-407E-A947-70E740481C1C}">
-                <a14:useLocalDpi xmlns:a14="http://schemas.microsoft.com/office/drawing/2010/main" val="0"/>
-              </a:ext>
-            </a:extLst>
-          </a:blip>
-          <a:stretch>
-            <a:fillRect/>
-          </a:stretch>
-        </p:blipFill>
-        <p:spPr>
-          <a:xfrm>
-            <a:off x="880082" y="4805723"/>
-            <a:ext cx="9664700" cy="1320800"/>
-          </a:xfrm>
-          <a:prstGeom prst="rect">
-            <a:avLst/>
-          </a:prstGeom>
-        </p:spPr>
-      </p:pic>
     </p:spTree>
     <p:extLst>
       <p:ext uri="{BB962C8B-B14F-4D97-AF65-F5344CB8AC3E}">
-        <p14:creationId xmlns:p14="http://schemas.microsoft.com/office/powerpoint/2010/main" val="582983964"/>
+        <p14:creationId xmlns:p14="http://schemas.microsoft.com/office/powerpoint/2010/main" val="2978879391"/>
       </p:ext>
     </p:extLst>
   </p:cSld>
@@ -4362,6 +4859,166 @@
   <p:tag name="LATEXADDIN" val="\documentclass{article}&#10;\usepackage{amsmath}&#10;\usepackage{amsfonts}&#10;\pagestyle{empty}&#10;\begin{document}&#10;&#10;In particular, we are interested in quadratic twists. If $E: y^2 = x^3 + Ax+ B$ is an elliptic curve defined over $\mathbb F$, and $d \in \mathbb F$ is a nonsquare, then we define the {\it quadratic twist of E} as $\tilde E: y^2 = x^3 + d^2Ax + d^3B$.&#10;&#10;&#10;\end{document}"/>
   <p:tag name="IGUANATEXSIZE" val="20"/>
   <p:tag name="IGUANATEXCURSOR" val="66"/>
+  <p:tag name="TRANSPARENCY" val="True"/>
+  <p:tag name="FILENAME" val=""/>
+  <p:tag name="INPUTTYPE" val="0"/>
+  <p:tag name="LATEXENGINEID" val="0"/>
+  <p:tag name="TEMPFOLDER" val="c:\temp\"/>
+</p:tagLst>
+</file>
+
+<file path=ppt/tags/tag10.xml><?xml version="1.0" encoding="utf-8"?>
+<p:tagLst xmlns:a="http://schemas.openxmlformats.org/drawingml/2006/main" xmlns:r="http://schemas.openxmlformats.org/officeDocument/2006/relationships" xmlns:p="http://schemas.openxmlformats.org/presentationml/2006/main">
+  <p:tag name="ORIGINALHEIGHT" val="170.25"/>
+  <p:tag name="ORIGINALWIDTH" val="4091.25"/>
+  <p:tag name="OUTPUTDPI" val="1200"/>
+  <p:tag name="LATEXADDIN" val="\documentclass{article}&#10;\usepackage{amsmath}&#10;\pagestyle{empty}&#10;\begin{document}&#10;&#10;$[w_{1}, w_{2}] = [1, \frac{1+\sqrt{D}}{2}] $ or $[1, \sqrt{D}]$ depending on whether $D$ is $\{1\}, \{2, 3\} \mod 4$&#10;&#10;&#10;\end{document}"/>
+  <p:tag name="IGUANATEXSIZE" val="20"/>
+  <p:tag name="IGUANATEXCURSOR" val="99"/>
+  <p:tag name="TRANSPARENCY" val="True"/>
+  <p:tag name="FILENAME" val=""/>
+  <p:tag name="INPUTTYPE" val="0"/>
+  <p:tag name="LATEXENGINEID" val="0"/>
+  <p:tag name="TEMPFOLDER" val="c:\temp\"/>
+</p:tagLst>
+</file>
+
+<file path=ppt/tags/tag11.xml><?xml version="1.0" encoding="utf-8"?>
+<p:tagLst xmlns:a="http://schemas.openxmlformats.org/drawingml/2006/main" xmlns:r="http://schemas.openxmlformats.org/officeDocument/2006/relationships" xmlns:p="http://schemas.openxmlformats.org/presentationml/2006/main">
+  <p:tag name="ORIGINALHEIGHT" val="217.5"/>
+  <p:tag name="ORIGINALWIDTH" val="1820.25"/>
+  <p:tag name="OUTPUTDPI" val="1200"/>
+  <p:tag name="LATEXADDIN" val="\documentclass{article}&#10;\usepackage{amsmath}&#10;\pagestyle{empty}&#10;\begin{document}&#10;&#10;$j(\tau) = 1728 \frac{g_{2}^{3}}{g_{2}^{3} - 27 g_{3}^{2}} $ where $\tau = \frac{w_{1}}{w_{2}}$&#10;&#10;&#10;\end{document}"/>
+  <p:tag name="IGUANATEXSIZE" val="20"/>
+  <p:tag name="IGUANATEXCURSOR" val="176"/>
+  <p:tag name="TRANSPARENCY" val="True"/>
+  <p:tag name="FILENAME" val=""/>
+  <p:tag name="INPUTTYPE" val="0"/>
+  <p:tag name="LATEXENGINEID" val="0"/>
+  <p:tag name="TEMPFOLDER" val="c:\temp\"/>
+</p:tagLst>
+</file>
+
+<file path=ppt/tags/tag2.xml><?xml version="1.0" encoding="utf-8"?>
+<p:tagLst xmlns:a="http://schemas.openxmlformats.org/drawingml/2006/main" xmlns:r="http://schemas.openxmlformats.org/officeDocument/2006/relationships" xmlns:p="http://schemas.openxmlformats.org/presentationml/2006/main">
+  <p:tag name="ORIGINALHEIGHT" val="491.25"/>
+  <p:tag name="ORIGINALWIDTH" val="3335.25"/>
+  <p:tag name="OUTPUTDPI" val="1200"/>
+  <p:tag name="LATEXADDIN" val="\documentclass{article}&#10;\usepackage{amsmath}&#10;\usepackage{amsfonts} &#10;\pagestyle{empty}&#10;\begin{document}&#10;&#10;Define the lattice &#10;$$ L = Z\omega_{1} + Z \omega_{2}$$ Then there exists an elliptic curve that is isomorphic to $\mathbb{C}/ L$. &#10;&#10;&#10;\end{document}"/>
+  <p:tag name="IGUANATEXSIZE" val="20"/>
+  <p:tag name="IGUANATEXCURSOR" val="105"/>
+  <p:tag name="TRANSPARENCY" val="True"/>
+  <p:tag name="FILENAME" val=""/>
+  <p:tag name="INPUTTYPE" val="0"/>
+  <p:tag name="LATEXENGINEID" val="0"/>
+  <p:tag name="TEMPFOLDER" val="c:\temp\"/>
+</p:tagLst>
+</file>
+
+<file path=ppt/tags/tag3.xml><?xml version="1.0" encoding="utf-8"?>
+<p:tagLst xmlns:a="http://schemas.openxmlformats.org/drawingml/2006/main" xmlns:r="http://schemas.openxmlformats.org/officeDocument/2006/relationships" xmlns:p="http://schemas.openxmlformats.org/presentationml/2006/main">
+  <p:tag name="ORIGINALHEIGHT" val="124.5"/>
+  <p:tag name="ORIGINALWIDTH" val="3126"/>
+  <p:tag name="OUTPUTDPI" val="1200"/>
+  <p:tag name="LATEXADDIN" val="\documentclass{article}&#10;\usepackage{amsmath}&#10;\pagestyle{empty}&#10;\begin{document}&#10;&#10;$(\wp(z_{1}), \wp'(z_{1})) \oplus (\wp(z_{2}), \wp'(z_{2})) = (\wp(z_{1} + z_{2}), \wp'(z_{1} + z_{2})) $&#10;&#10;&#10;\end{document}"/>
+  <p:tag name="IGUANATEXSIZE" val="20"/>
+  <p:tag name="IGUANATEXCURSOR" val="82"/>
+  <p:tag name="TRANSPARENCY" val="True"/>
+  <p:tag name="FILENAME" val=""/>
+  <p:tag name="INPUTTYPE" val="0"/>
+  <p:tag name="LATEXENGINEID" val="0"/>
+  <p:tag name="TEMPFOLDER" val="c:\temp\"/>
+</p:tagLst>
+</file>
+
+<file path=ppt/tags/tag4.xml><?xml version="1.0" encoding="utf-8"?>
+<p:tagLst xmlns:a="http://schemas.openxmlformats.org/drawingml/2006/main" xmlns:r="http://schemas.openxmlformats.org/officeDocument/2006/relationships" xmlns:p="http://schemas.openxmlformats.org/presentationml/2006/main">
+  <p:tag name="ORIGINALHEIGHT" val="124.5"/>
+  <p:tag name="ORIGINALWIDTH" val="1459.5"/>
+  <p:tag name="OUTPUTDPI" val="1200"/>
+  <p:tag name="LATEXADDIN" val="\documentclass{article}&#10;\usepackage{amsmath}&#10;\pagestyle{empty}&#10;\begin{document}&#10;&#10;&#10;$z \rightarrow ( \wp(z), \wp' (z)), \&gt; \&gt; \&gt; \&gt; \&gt; 0 \rightarrow O $&#10;&#10;\end{document}"/>
+  <p:tag name="IGUANATEXSIZE" val="20"/>
+  <p:tag name="IGUANATEXCURSOR" val="150"/>
+  <p:tag name="TRANSPARENCY" val="True"/>
+  <p:tag name="FILENAME" val=""/>
+  <p:tag name="INPUTTYPE" val="0"/>
+  <p:tag name="LATEXENGINEID" val="0"/>
+  <p:tag name="TEMPFOLDER" val="c:\temp\"/>
+</p:tagLst>
+</file>
+
+<file path=ppt/tags/tag5.xml><?xml version="1.0" encoding="utf-8"?>
+<p:tagLst xmlns:a="http://schemas.openxmlformats.org/drawingml/2006/main" xmlns:r="http://schemas.openxmlformats.org/officeDocument/2006/relationships" xmlns:p="http://schemas.openxmlformats.org/presentationml/2006/main">
+  <p:tag name="ORIGINALHEIGHT" val="224.25"/>
+  <p:tag name="ORIGINALWIDTH" val="1812.75"/>
+  <p:tag name="OUTPUTDPI" val="1200"/>
+  <p:tag name="LATEXADDIN" val="\documentclass{article}&#10;\usepackage{amsmath}&#10;\pagestyle{empty}&#10;\begin{document}&#10;&#10;$\wp(z) = \frac{1}{z^{2}} + \sum_{\omega \in L}\left(\frac{1}{(z-\omega)^{2}} - \frac{1}{\omega^{2}}\right) $&#10;&#10;&#10;\end{document}"/>
+  <p:tag name="IGUANATEXSIZE" val="20"/>
+  <p:tag name="IGUANATEXCURSOR" val="82"/>
+  <p:tag name="TRANSPARENCY" val="True"/>
+  <p:tag name="FILENAME" val=""/>
+  <p:tag name="INPUTTYPE" val="0"/>
+  <p:tag name="LATEXENGINEID" val="0"/>
+  <p:tag name="TEMPFOLDER" val="c:\temp\"/>
+</p:tagLst>
+</file>
+
+<file path=ppt/tags/tag6.xml><?xml version="1.0" encoding="utf-8"?>
+<p:tagLst xmlns:a="http://schemas.openxmlformats.org/drawingml/2006/main" xmlns:r="http://schemas.openxmlformats.org/officeDocument/2006/relationships" xmlns:p="http://schemas.openxmlformats.org/presentationml/2006/main">
+  <p:tag name="ORIGINALHEIGHT" val="171.75"/>
+  <p:tag name="ORIGINALWIDTH" val="1308"/>
+  <p:tag name="OUTPUTDPI" val="1200"/>
+  <p:tag name="LATEXADDIN" val="\documentclass{article}&#10;\usepackage{amsmath}&#10;\pagestyle{empty}&#10;\begin{document}&#10;&#10;$\wp ' (z) = -2 \sum_{\omega \in L} \frac{1}{(z- \omega)^{2}} $&#10;&#10;&#10;\end{document}"/>
+  <p:tag name="IGUANATEXSIZE" val="20"/>
+  <p:tag name="IGUANATEXCURSOR" val="144"/>
+  <p:tag name="TRANSPARENCY" val="True"/>
+  <p:tag name="FILENAME" val=""/>
+  <p:tag name="INPUTTYPE" val="0"/>
+  <p:tag name="LATEXENGINEID" val="0"/>
+  <p:tag name="TEMPFOLDER" val="c:\temp\"/>
+</p:tagLst>
+</file>
+
+<file path=ppt/tags/tag7.xml><?xml version="1.0" encoding="utf-8"?>
+<p:tagLst xmlns:a="http://schemas.openxmlformats.org/drawingml/2006/main" xmlns:r="http://schemas.openxmlformats.org/officeDocument/2006/relationships" xmlns:p="http://schemas.openxmlformats.org/presentationml/2006/main">
+  <p:tag name="ORIGINALHEIGHT" val="129"/>
+  <p:tag name="ORIGINALWIDTH" val="1269.75"/>
+  <p:tag name="OUTPUTDPI" val="1200"/>
+  <p:tag name="LATEXADDIN" val="\documentclass{article}&#10;\usepackage{amsmath}&#10;\pagestyle{empty}&#10;\begin{document}&#10;&#10;&#10;$E: y^{2} = 4x^{3} - g_{2}x - g_{3} $&#10;&#10;\end{document}"/>
+  <p:tag name="IGUANATEXSIZE" val="20"/>
+  <p:tag name="IGUANATEXCURSOR" val="83"/>
+  <p:tag name="TRANSPARENCY" val="True"/>
+  <p:tag name="FILENAME" val=""/>
+  <p:tag name="INPUTTYPE" val="0"/>
+  <p:tag name="LATEXENGINEID" val="0"/>
+  <p:tag name="TEMPFOLDER" val="c:\temp\"/>
+</p:tagLst>
+</file>
+
+<file path=ppt/tags/tag8.xml><?xml version="1.0" encoding="utf-8"?>
+<p:tagLst xmlns:a="http://schemas.openxmlformats.org/drawingml/2006/main" xmlns:r="http://schemas.openxmlformats.org/officeDocument/2006/relationships" xmlns:p="http://schemas.openxmlformats.org/presentationml/2006/main">
+  <p:tag name="ORIGINALHEIGHT" val="113.25"/>
+  <p:tag name="ORIGINALWIDTH" val="1584.75"/>
+  <p:tag name="OUTPUTDPI" val="1200"/>
+  <p:tag name="LATEXADDIN" val="\documentclass{article}&#10;\usepackage{amsmath}&#10;\pagestyle{empty}&#10;\begin{document}&#10;&#10;&#10;where $g_{2} = 60G_{4}, g_{3} = 140G_{6}$  &#10;&#10;\end{document}"/>
+  <p:tag name="IGUANATEXSIZE" val="20"/>
+  <p:tag name="IGUANATEXCURSOR" val="125"/>
+  <p:tag name="TRANSPARENCY" val="True"/>
+  <p:tag name="FILENAME" val=""/>
+  <p:tag name="INPUTTYPE" val="0"/>
+  <p:tag name="LATEXENGINEID" val="0"/>
+  <p:tag name="TEMPFOLDER" val="c:\temp\"/>
+</p:tagLst>
+</file>
+
+<file path=ppt/tags/tag9.xml><?xml version="1.0" encoding="utf-8"?>
+<p:tagLst xmlns:a="http://schemas.openxmlformats.org/drawingml/2006/main" xmlns:r="http://schemas.openxmlformats.org/officeDocument/2006/relationships" xmlns:p="http://schemas.openxmlformats.org/presentationml/2006/main">
+  <p:tag name="ORIGINALHEIGHT" val="149.25"/>
+  <p:tag name="ORIGINALWIDTH" val="1070.25"/>
+  <p:tag name="OUTPUTDPI" val="1200"/>
+  <p:tag name="LATEXADDIN" val="\documentclass{article}&#10;\usepackage{amsmath}&#10;\pagestyle{empty}&#10;\begin{document}&#10;&#10;&#10;$G_{k}(L) = \sum_{\omega \in L}\omega^{-k}$&#10;&#10;\end{document}"/>
+  <p:tag name="IGUANATEXSIZE" val="20"/>
+  <p:tag name="IGUANATEXCURSOR" val="125"/>
   <p:tag name="TRANSPARENCY" val="True"/>
   <p:tag name="FILENAME" val=""/>
   <p:tag name="INPUTTYPE" val="0"/>

--- a/Presentation.ppt.pptx
+++ b/Presentation.ppt.pptx
@@ -13,7 +13,7 @@
     <p:sldId id="265" r:id="rId7"/>
     <p:sldId id="266" r:id="rId8"/>
     <p:sldId id="267" r:id="rId9"/>
-    <p:sldId id="263" r:id="rId10"/>
+    <p:sldId id="268" r:id="rId10"/>
     <p:sldId id="259" r:id="rId11"/>
     <p:sldId id="260" r:id="rId12"/>
     <p:sldId id="264" r:id="rId13"/>
@@ -4193,6 +4193,13 @@
   <p:clrMapOvr>
     <a:masterClrMapping/>
   </p:clrMapOvr>
+  <p:timing>
+    <p:tnLst>
+      <p:par>
+        <p:cTn id="1" dur="indefinite" restart="never" nodeType="tmRoot"/>
+      </p:par>
+    </p:tnLst>
+  </p:timing>
 </p:sld>
 </file>
 
@@ -4462,6 +4469,47 @@
           <a:prstGeom prst="rect">
             <a:avLst/>
           </a:prstGeom>
+        </p:spPr>
+      </p:pic>
+      <p:pic>
+        <p:nvPicPr>
+          <p:cNvPr id="1026" name="Picture 2" descr="https://upload.wikimedia.org/wikipedia/commons/d/db/Fundamental_parallelogram.png"/>
+          <p:cNvPicPr>
+            <a:picLocks noChangeAspect="1" noChangeArrowheads="1"/>
+          </p:cNvPicPr>
+          <p:nvPr/>
+        </p:nvPicPr>
+        <p:blipFill>
+          <a:blip r:embed="rId12">
+            <a:extLst>
+              <a:ext uri="{28A0092B-C50C-407E-A947-70E740481C1C}">
+                <a14:useLocalDpi xmlns:a14="http://schemas.microsoft.com/office/drawing/2010/main" val="0"/>
+              </a:ext>
+            </a:extLst>
+          </a:blip>
+          <a:srcRect/>
+          <a:stretch>
+            <a:fillRect/>
+          </a:stretch>
+        </p:blipFill>
+        <p:spPr bwMode="auto">
+          <a:xfrm>
+            <a:off x="8635139" y="702603"/>
+            <a:ext cx="2718661" cy="1976170"/>
+          </a:xfrm>
+          <a:prstGeom prst="rect">
+            <a:avLst/>
+          </a:prstGeom>
+          <a:noFill/>
+          <a:extLst>
+            <a:ext uri="{909E8E84-426E-40DD-AFC4-6F175D3DCCD1}">
+              <a14:hiddenFill xmlns:a14="http://schemas.microsoft.com/office/drawing/2010/main">
+                <a:solidFill>
+                  <a:srgbClr val="FFFFFF"/>
+                </a:solidFill>
+              </a14:hiddenFill>
+            </a:ext>
+          </a:extLst>
         </p:spPr>
       </p:pic>
     </p:spTree>
@@ -4790,51 +4838,228 @@
           <a:lstStyle/>
           <a:p>
             <a:r>
-              <a:rPr lang="en-US" dirty="0" err="1" smtClean="0"/>
-              <a:t>Endomorphisms</a:t>
+              <a:rPr lang="en-US" dirty="0" smtClean="0"/>
+              <a:t>Fun stuff with complex lattices</a:t>
             </a:r>
             <a:endParaRPr lang="en-US" dirty="0"/>
           </a:p>
         </p:txBody>
       </p:sp>
-      <p:sp>
-        <p:nvSpPr>
-          <p:cNvPr id="3" name="Content Placeholder 2"/>
-          <p:cNvSpPr>
-            <a:spLocks noGrp="1"/>
-          </p:cNvSpPr>
+      <p:pic>
+        <p:nvPicPr>
+          <p:cNvPr id="4" name="Content Placeholder 3"/>
+          <p:cNvPicPr>
+            <a:picLocks noGrp="1" noChangeAspect="1"/>
+          </p:cNvPicPr>
           <p:nvPr>
             <p:ph idx="1"/>
-          </p:nvPr>
-        </p:nvSpPr>
-        <p:spPr/>
-        <p:txBody>
-          <a:bodyPr/>
-          <a:lstStyle/>
-          <a:p>
-            <a:pPr marL="0" indent="0">
-              <a:buNone/>
-            </a:pPr>
+            <p:custDataLst>
+              <p:tags r:id="rId1"/>
+            </p:custDataLst>
+          </p:nvPr>
+        </p:nvPicPr>
+        <p:blipFill>
+          <a:blip r:embed="rId6" cstate="print">
+            <a:extLst>
+              <a:ext uri="{28A0092B-C50C-407E-A947-70E740481C1C}">
+                <a14:useLocalDpi xmlns:a14="http://schemas.microsoft.com/office/drawing/2010/main" val="0"/>
+              </a:ext>
+            </a:extLst>
+          </a:blip>
+          <a:stretch>
+            <a:fillRect/>
+          </a:stretch>
+        </p:blipFill>
+        <p:spPr>
+          <a:xfrm>
+            <a:off x="838200" y="1554673"/>
+            <a:ext cx="10515600" cy="418807"/>
+          </a:xfrm>
+          <a:prstGeom prst="rect">
+            <a:avLst/>
+          </a:prstGeom>
+        </p:spPr>
+      </p:pic>
+      <p:sp>
+        <p:nvSpPr>
+          <p:cNvPr id="5" name="TextBox 4"/>
+          <p:cNvSpPr txBox="1"/>
+          <p:nvPr/>
+        </p:nvSpPr>
+        <p:spPr>
+          <a:xfrm>
+            <a:off x="838200" y="2261062"/>
+            <a:ext cx="10733116" cy="1384995"/>
+          </a:xfrm>
+          <a:prstGeom prst="rect">
+            <a:avLst/>
+          </a:prstGeom>
+          <a:noFill/>
+        </p:spPr>
+        <p:txBody>
+          <a:bodyPr wrap="square" rtlCol="0">
+            <a:spAutoFit/>
+          </a:bodyPr>
+          <a:lstStyle/>
+          <a:p>
+            <a:r>
+              <a:rPr lang="en-US" sz="2800" dirty="0" smtClean="0">
+                <a:latin typeface="Cambria Math" panose="02040503050406030204" pitchFamily="18" charset="0"/>
+                <a:ea typeface="Cambria Math" panose="02040503050406030204" pitchFamily="18" charset="0"/>
+                <a:cs typeface="Times New Roman" panose="02020603050405020304" pitchFamily="18" charset="0"/>
+              </a:rPr>
+              <a:t>Note that this gives us a natural way to turn whatever algebraic transformations we have in the complex lattice to transformations on the elliptic curve points. For example</a:t>
+            </a:r>
+            <a:r>
+              <a:rPr lang="en-US" sz="2800" dirty="0" smtClean="0">
+                <a:latin typeface="Times New Roman" panose="02020603050405020304" pitchFamily="18" charset="0"/>
+                <a:cs typeface="Times New Roman" panose="02020603050405020304" pitchFamily="18" charset="0"/>
+              </a:rPr>
+              <a:t>, </a:t>
+            </a:r>
+          </a:p>
+        </p:txBody>
+      </p:sp>
+      <p:pic>
+        <p:nvPicPr>
+          <p:cNvPr id="6" name="Picture 5"/>
+          <p:cNvPicPr>
+            <a:picLocks noChangeAspect="1"/>
+          </p:cNvPicPr>
+          <p:nvPr>
+            <p:custDataLst>
+              <p:tags r:id="rId2"/>
+            </p:custDataLst>
+          </p:nvPr>
+        </p:nvPicPr>
+        <p:blipFill>
+          <a:blip r:embed="rId7" cstate="print">
+            <a:extLst>
+              <a:ext uri="{28A0092B-C50C-407E-A947-70E740481C1C}">
+                <a14:useLocalDpi xmlns:a14="http://schemas.microsoft.com/office/drawing/2010/main" val="0"/>
+              </a:ext>
+            </a:extLst>
+          </a:blip>
+          <a:stretch>
+            <a:fillRect/>
+          </a:stretch>
+        </p:blipFill>
+        <p:spPr>
+          <a:xfrm>
+            <a:off x="838200" y="3861724"/>
+            <a:ext cx="9570959" cy="593898"/>
+          </a:xfrm>
+          <a:prstGeom prst="rect">
+            <a:avLst/>
+          </a:prstGeom>
+        </p:spPr>
+      </p:pic>
+      <p:pic>
+        <p:nvPicPr>
+          <p:cNvPr id="9" name="Picture 8"/>
+          <p:cNvPicPr>
+            <a:picLocks noChangeAspect="1"/>
+          </p:cNvPicPr>
+          <p:nvPr>
+            <p:custDataLst>
+              <p:tags r:id="rId3"/>
+            </p:custDataLst>
+          </p:nvPr>
+        </p:nvPicPr>
+        <p:blipFill>
+          <a:blip r:embed="rId8" cstate="print">
+            <a:extLst>
+              <a:ext uri="{28A0092B-C50C-407E-A947-70E740481C1C}">
+                <a14:useLocalDpi xmlns:a14="http://schemas.microsoft.com/office/drawing/2010/main" val="0"/>
+              </a:ext>
+            </a:extLst>
+          </a:blip>
+          <a:stretch>
+            <a:fillRect/>
+          </a:stretch>
+        </p:blipFill>
+        <p:spPr>
+          <a:xfrm>
+            <a:off x="838200" y="5242789"/>
+            <a:ext cx="4255008" cy="252984"/>
+          </a:xfrm>
+          <a:prstGeom prst="rect">
+            <a:avLst/>
+          </a:prstGeom>
+        </p:spPr>
+      </p:pic>
+      <p:pic>
+        <p:nvPicPr>
+          <p:cNvPr id="10" name="Picture 9"/>
+          <p:cNvPicPr>
+            <a:picLocks noChangeAspect="1"/>
+          </p:cNvPicPr>
+          <p:nvPr>
+            <p:custDataLst>
+              <p:tags r:id="rId4"/>
+            </p:custDataLst>
+          </p:nvPr>
+        </p:nvPicPr>
+        <p:blipFill>
+          <a:blip r:embed="rId9" cstate="print">
+            <a:extLst>
+              <a:ext uri="{28A0092B-C50C-407E-A947-70E740481C1C}">
+                <a14:useLocalDpi xmlns:a14="http://schemas.microsoft.com/office/drawing/2010/main" val="0"/>
+              </a:ext>
+            </a:extLst>
+          </a:blip>
+          <a:stretch>
+            <a:fillRect/>
+          </a:stretch>
+        </p:blipFill>
+        <p:spPr>
+          <a:xfrm>
+            <a:off x="838200" y="4796192"/>
+            <a:ext cx="4873752" cy="252984"/>
+          </a:xfrm>
+          <a:prstGeom prst="rect">
+            <a:avLst/>
+          </a:prstGeom>
+        </p:spPr>
+      </p:pic>
+      <p:sp>
+        <p:nvSpPr>
+          <p:cNvPr id="11" name="TextBox 10"/>
+          <p:cNvSpPr txBox="1"/>
+          <p:nvPr/>
+        </p:nvSpPr>
+        <p:spPr>
+          <a:xfrm>
+            <a:off x="838200" y="5715000"/>
+            <a:ext cx="9938657" cy="369332"/>
+          </a:xfrm>
+          <a:prstGeom prst="rect">
+            <a:avLst/>
+          </a:prstGeom>
+          <a:noFill/>
+        </p:spPr>
+        <p:txBody>
+          <a:bodyPr wrap="square" rtlCol="0">
+            <a:spAutoFit/>
+          </a:bodyPr>
+          <a:lstStyle/>
+          <a:p>
             <a:r>
               <a:rPr lang="en-US" dirty="0" smtClean="0"/>
-              <a:t>An endomorphism is an isogeny from E to itself. The </a:t>
-            </a:r>
-            <a:r>
-              <a:rPr lang="en-US" dirty="0" err="1" smtClean="0"/>
-              <a:t>endomorphisms</a:t>
-            </a:r>
-            <a:r>
-              <a:rPr lang="en-US" dirty="0" smtClean="0"/>
-              <a:t> of an elliptic curve form a ring, which always contains a subring isomorphic to the integers.</a:t>
-            </a:r>
-            <a:endParaRPr lang="en-US" dirty="0"/>
+              <a:t>This is called “</a:t>
+            </a:r>
+            <a:r>
+              <a:rPr lang="en-US" smtClean="0"/>
+              <a:t>Complex Multiplication”. </a:t>
+            </a:r>
+            <a:endParaRPr lang="en-US"/>
           </a:p>
         </p:txBody>
       </p:sp>
     </p:spTree>
     <p:extLst>
       <p:ext uri="{BB962C8B-B14F-4D97-AF65-F5344CB8AC3E}">
-        <p14:creationId xmlns:p14="http://schemas.microsoft.com/office/powerpoint/2010/main" val="2978879391"/>
+        <p14:creationId xmlns:p14="http://schemas.microsoft.com/office/powerpoint/2010/main" val="3694123879"/>
       </p:ext>
     </p:extLst>
   </p:cSld>
@@ -4891,6 +5116,70 @@
   <p:tag name="LATEXADDIN" val="\documentclass{article}&#10;\usepackage{amsmath}&#10;\pagestyle{empty}&#10;\begin{document}&#10;&#10;$j(\tau) = 1728 \frac{g_{2}^{3}}{g_{2}^{3} - 27 g_{3}^{2}} $ where $\tau = \frac{w_{1}}{w_{2}}$&#10;&#10;&#10;\end{document}"/>
   <p:tag name="IGUANATEXSIZE" val="20"/>
   <p:tag name="IGUANATEXCURSOR" val="176"/>
+  <p:tag name="TRANSPARENCY" val="True"/>
+  <p:tag name="FILENAME" val=""/>
+  <p:tag name="INPUTTYPE" val="0"/>
+  <p:tag name="LATEXENGINEID" val="0"/>
+  <p:tag name="TEMPFOLDER" val="c:\temp\"/>
+</p:tagLst>
+</file>
+
+<file path=ppt/tags/tag12.xml><?xml version="1.0" encoding="utf-8"?>
+<p:tagLst xmlns:a="http://schemas.openxmlformats.org/drawingml/2006/main" xmlns:r="http://schemas.openxmlformats.org/officeDocument/2006/relationships" xmlns:p="http://schemas.openxmlformats.org/presentationml/2006/main">
+  <p:tag name="ORIGINALHEIGHT" val="124.5"/>
+  <p:tag name="ORIGINALWIDTH" val="3126"/>
+  <p:tag name="OUTPUTDPI" val="1200"/>
+  <p:tag name="LATEXADDIN" val="\documentclass{article}&#10;\usepackage{amsmath}&#10;\pagestyle{empty}&#10;\begin{document}&#10;&#10;$(\wp(z_{1}), \wp'(z_{1})) \oplus (\wp(z_{2}), \wp'(z_{2})) = (\wp(z_{1} + z_{2}), \wp'(z_{1} + z_{2})) $&#10;&#10;&#10;\end{document}"/>
+  <p:tag name="IGUANATEXSIZE" val="20"/>
+  <p:tag name="IGUANATEXCURSOR" val="82"/>
+  <p:tag name="TRANSPARENCY" val="True"/>
+  <p:tag name="FILENAME" val=""/>
+  <p:tag name="INPUTTYPE" val="0"/>
+  <p:tag name="LATEXENGINEID" val="0"/>
+  <p:tag name="TEMPFOLDER" val="c:\temp\"/>
+</p:tagLst>
+</file>
+
+<file path=ppt/tags/tag13.xml><?xml version="1.0" encoding="utf-8"?>
+<p:tagLst xmlns:a="http://schemas.openxmlformats.org/drawingml/2006/main" xmlns:r="http://schemas.openxmlformats.org/officeDocument/2006/relationships" xmlns:p="http://schemas.openxmlformats.org/presentationml/2006/main">
+  <p:tag name="ORIGINALHEIGHT" val="266.25"/>
+  <p:tag name="ORIGINALWIDTH" val="4290.75"/>
+  <p:tag name="OUTPUTDPI" val="1200"/>
+  <p:tag name="LATEXADDIN" val="\documentclass{article}&#10;\usepackage{amsmath}&#10;\pagestyle{empty}&#10;\begin{document}&#10;&#10;Integer endomorphisms $[m]$ give rise to $ z \rightarrow mz$, and for multiplication by a complex number $c$, we have $z \rightarrow cz$&#10;&#10;&#10;\end{document}"/>
+  <p:tag name="IGUANATEXSIZE" val="20"/>
+  <p:tag name="IGUANATEXCURSOR" val="218"/>
+  <p:tag name="TRANSPARENCY" val="True"/>
+  <p:tag name="FILENAME" val=""/>
+  <p:tag name="INPUTTYPE" val="0"/>
+  <p:tag name="LATEXENGINEID" val="0"/>
+  <p:tag name="TEMPFOLDER" val="c:\temp\"/>
+</p:tagLst>
+</file>
+
+<file path=ppt/tags/tag14.xml><?xml version="1.0" encoding="utf-8"?>
+<p:tagLst xmlns:a="http://schemas.openxmlformats.org/drawingml/2006/main" xmlns:r="http://schemas.openxmlformats.org/officeDocument/2006/relationships" xmlns:p="http://schemas.openxmlformats.org/presentationml/2006/main">
+  <p:tag name="ORIGINALHEIGHT" val="124.5"/>
+  <p:tag name="ORIGINALWIDTH" val="2094"/>
+  <p:tag name="OUTPUTDPI" val="1200"/>
+  <p:tag name="LATEXADDIN" val="\documentclass{article}&#10;\usepackage{amsmath}&#10;\pagestyle{empty}&#10;\begin{document}&#10;&#10;$iz \rightarrow (\wp(iz), \wp'(iz)): i(x,y) \rightarrow (-x,iy)$ &#10;&#10;&#10;\end{document}"/>
+  <p:tag name="IGUANATEXSIZE" val="20"/>
+  <p:tag name="IGUANATEXCURSOR" val="144"/>
+  <p:tag name="TRANSPARENCY" val="True"/>
+  <p:tag name="FILENAME" val=""/>
+  <p:tag name="INPUTTYPE" val="0"/>
+  <p:tag name="LATEXENGINEID" val="0"/>
+  <p:tag name="TEMPFOLDER" val="c:\temp\"/>
+</p:tagLst>
+</file>
+
+<file path=ppt/tags/tag15.xml><?xml version="1.0" encoding="utf-8"?>
+<p:tagLst xmlns:a="http://schemas.openxmlformats.org/drawingml/2006/main" xmlns:r="http://schemas.openxmlformats.org/officeDocument/2006/relationships" xmlns:p="http://schemas.openxmlformats.org/presentationml/2006/main">
+  <p:tag name="ORIGINALHEIGHT" val="124.5"/>
+  <p:tag name="ORIGINALWIDTH" val="2398.5"/>
+  <p:tag name="OUTPUTDPI" val="1200"/>
+  <p:tag name="LATEXADDIN" val="\documentclass{article}&#10;\usepackage{amsmath}&#10;\pagestyle{empty}&#10;\begin{document}&#10;&#10;&#10;$mz \rightarrow(\wp(mz), \wp'(mz)): m(x,y) \rightarrow [m](x,y)$ &#10;&#10;\end{document}"/>
+  <p:tag name="IGUANATEXSIZE" val="20"/>
+  <p:tag name="IGUANATEXCURSOR" val="147"/>
   <p:tag name="TRANSPARENCY" val="True"/>
   <p:tag name="FILENAME" val=""/>
   <p:tag name="INPUTTYPE" val="0"/>

--- a/Presentation.ppt.pptx
+++ b/Presentation.ppt.pptx
@@ -8,15 +8,12 @@
     <p:sldId id="256" r:id="rId2"/>
     <p:sldId id="257" r:id="rId3"/>
     <p:sldId id="262" r:id="rId4"/>
-    <p:sldId id="261" r:id="rId5"/>
-    <p:sldId id="258" r:id="rId6"/>
-    <p:sldId id="265" r:id="rId7"/>
-    <p:sldId id="266" r:id="rId8"/>
-    <p:sldId id="267" r:id="rId9"/>
-    <p:sldId id="268" r:id="rId10"/>
-    <p:sldId id="259" r:id="rId11"/>
-    <p:sldId id="260" r:id="rId12"/>
-    <p:sldId id="264" r:id="rId13"/>
+    <p:sldId id="258" r:id="rId5"/>
+    <p:sldId id="259" r:id="rId6"/>
+    <p:sldId id="260" r:id="rId7"/>
+    <p:sldId id="264" r:id="rId8"/>
+    <p:sldId id="265" r:id="rId9"/>
+    <p:sldId id="266" r:id="rId10"/>
   </p:sldIdLst>
   <p:sldSz cx="12192000" cy="6858000"/>
   <p:notesSz cx="6858000" cy="9144000"/>
@@ -117,7 +114,7 @@
   </p:defaultTextStyle>
   <p:extLst>
     <p:ext uri="{EFAFB233-063F-42B5-8137-9DF3F51BA10A}">
-      <p15:sldGuideLst xmlns:p15="http://schemas.microsoft.com/office/powerpoint/2012/main">
+      <p15:sldGuideLst xmlns="" xmlns:p15="http://schemas.microsoft.com/office/powerpoint/2012/main">
         <p15:guide id="1" orient="horz" pos="2160">
           <p15:clr>
             <a:srgbClr val="A4A3A4"/>
@@ -265,7 +262,7 @@
           <a:p>
             <a:fld id="{0A2C9084-70B7-4828-AD77-7D77F1A8B45B}" type="datetimeFigureOut">
               <a:rPr lang="en-US" smtClean="0"/>
-              <a:t>11/29/2015</a:t>
+              <a:t>11/29/15</a:t>
             </a:fld>
             <a:endParaRPr lang="en-US"/>
           </a:p>
@@ -435,7 +432,7 @@
           <a:p>
             <a:fld id="{0A2C9084-70B7-4828-AD77-7D77F1A8B45B}" type="datetimeFigureOut">
               <a:rPr lang="en-US" smtClean="0"/>
-              <a:t>11/29/2015</a:t>
+              <a:t>11/29/15</a:t>
             </a:fld>
             <a:endParaRPr lang="en-US"/>
           </a:p>
@@ -615,7 +612,7 @@
           <a:p>
             <a:fld id="{0A2C9084-70B7-4828-AD77-7D77F1A8B45B}" type="datetimeFigureOut">
               <a:rPr lang="en-US" smtClean="0"/>
-              <a:t>11/29/2015</a:t>
+              <a:t>11/29/15</a:t>
             </a:fld>
             <a:endParaRPr lang="en-US"/>
           </a:p>
@@ -785,7 +782,7 @@
           <a:p>
             <a:fld id="{0A2C9084-70B7-4828-AD77-7D77F1A8B45B}" type="datetimeFigureOut">
               <a:rPr lang="en-US" smtClean="0"/>
-              <a:t>11/29/2015</a:t>
+              <a:t>11/29/15</a:t>
             </a:fld>
             <a:endParaRPr lang="en-US"/>
           </a:p>
@@ -1031,7 +1028,7 @@
           <a:p>
             <a:fld id="{0A2C9084-70B7-4828-AD77-7D77F1A8B45B}" type="datetimeFigureOut">
               <a:rPr lang="en-US" smtClean="0"/>
-              <a:t>11/29/2015</a:t>
+              <a:t>11/29/15</a:t>
             </a:fld>
             <a:endParaRPr lang="en-US"/>
           </a:p>
@@ -1263,7 +1260,7 @@
           <a:p>
             <a:fld id="{0A2C9084-70B7-4828-AD77-7D77F1A8B45B}" type="datetimeFigureOut">
               <a:rPr lang="en-US" smtClean="0"/>
-              <a:t>11/29/2015</a:t>
+              <a:t>11/29/15</a:t>
             </a:fld>
             <a:endParaRPr lang="en-US"/>
           </a:p>
@@ -1630,7 +1627,7 @@
           <a:p>
             <a:fld id="{0A2C9084-70B7-4828-AD77-7D77F1A8B45B}" type="datetimeFigureOut">
               <a:rPr lang="en-US" smtClean="0"/>
-              <a:t>11/29/2015</a:t>
+              <a:t>11/29/15</a:t>
             </a:fld>
             <a:endParaRPr lang="en-US"/>
           </a:p>
@@ -1748,7 +1745,7 @@
           <a:p>
             <a:fld id="{0A2C9084-70B7-4828-AD77-7D77F1A8B45B}" type="datetimeFigureOut">
               <a:rPr lang="en-US" smtClean="0"/>
-              <a:t>11/29/2015</a:t>
+              <a:t>11/29/15</a:t>
             </a:fld>
             <a:endParaRPr lang="en-US"/>
           </a:p>
@@ -1843,7 +1840,7 @@
           <a:p>
             <a:fld id="{0A2C9084-70B7-4828-AD77-7D77F1A8B45B}" type="datetimeFigureOut">
               <a:rPr lang="en-US" smtClean="0"/>
-              <a:t>11/29/2015</a:t>
+              <a:t>11/29/15</a:t>
             </a:fld>
             <a:endParaRPr lang="en-US"/>
           </a:p>
@@ -2120,7 +2117,7 @@
           <a:p>
             <a:fld id="{0A2C9084-70B7-4828-AD77-7D77F1A8B45B}" type="datetimeFigureOut">
               <a:rPr lang="en-US" smtClean="0"/>
-              <a:t>11/29/2015</a:t>
+              <a:t>11/29/15</a:t>
             </a:fld>
             <a:endParaRPr lang="en-US"/>
           </a:p>
@@ -2373,7 +2370,7 @@
           <a:p>
             <a:fld id="{0A2C9084-70B7-4828-AD77-7D77F1A8B45B}" type="datetimeFigureOut">
               <a:rPr lang="en-US" smtClean="0"/>
-              <a:t>11/29/2015</a:t>
+              <a:t>11/29/15</a:t>
             </a:fld>
             <a:endParaRPr lang="en-US"/>
           </a:p>
@@ -2586,7 +2583,7 @@
           <a:p>
             <a:fld id="{0A2C9084-70B7-4828-AD77-7D77F1A8B45B}" type="datetimeFigureOut">
               <a:rPr lang="en-US" smtClean="0"/>
-              <a:t>11/29/2015</a:t>
+              <a:t>11/29/15</a:t>
             </a:fld>
             <a:endParaRPr lang="en-US"/>
           </a:p>
@@ -3069,418 +3066,7 @@
   <p:timing>
     <p:tnLst>
       <p:par>
-        <p:cTn id="1" dur="indefinite" restart="never" nodeType="tmRoot"/>
-      </p:par>
-    </p:tnLst>
-  </p:timing>
-</p:sld>
-</file>
-
-<file path=ppt/slides/slide10.xml><?xml version="1.0" encoding="utf-8"?>
-<p:sld xmlns:a="http://schemas.openxmlformats.org/drawingml/2006/main" xmlns:r="http://schemas.openxmlformats.org/officeDocument/2006/relationships" xmlns:p="http://schemas.openxmlformats.org/presentationml/2006/main">
-  <p:cSld>
-    <p:spTree>
-      <p:nvGrpSpPr>
-        <p:cNvPr id="1" name=""/>
-        <p:cNvGrpSpPr/>
-        <p:nvPr/>
-      </p:nvGrpSpPr>
-      <p:grpSpPr>
-        <a:xfrm>
-          <a:off x="0" y="0"/>
-          <a:ext cx="0" cy="0"/>
-          <a:chOff x="0" y="0"/>
-          <a:chExt cx="0" cy="0"/>
-        </a:xfrm>
-      </p:grpSpPr>
-      <p:sp>
-        <p:nvSpPr>
-          <p:cNvPr id="2" name="Title 1"/>
-          <p:cNvSpPr>
-            <a:spLocks noGrp="1"/>
-          </p:cNvSpPr>
-          <p:nvPr>
-            <p:ph type="title"/>
-          </p:nvPr>
-        </p:nvSpPr>
-        <p:spPr/>
-        <p:txBody>
-          <a:bodyPr/>
-          <a:lstStyle/>
-          <a:p>
-            <a:r>
-              <a:rPr lang="en-US" dirty="0" smtClean="0"/>
-              <a:t>Pairings</a:t>
-            </a:r>
-            <a:endParaRPr lang="en-US" dirty="0"/>
-          </a:p>
-        </p:txBody>
-      </p:sp>
-      <p:pic>
-        <p:nvPicPr>
-          <p:cNvPr id="12" name="Picture 11" descr="Screen Shot 2015-11-26 at 2.50.30 PM.png"/>
-          <p:cNvPicPr>
-            <a:picLocks noChangeAspect="1"/>
-          </p:cNvPicPr>
-          <p:nvPr/>
-        </p:nvPicPr>
-        <p:blipFill>
-          <a:blip r:embed="rId2">
-            <a:extLst>
-              <a:ext uri="{28A0092B-C50C-407E-A947-70E740481C1C}">
-                <a14:useLocalDpi xmlns:a14="http://schemas.microsoft.com/office/drawing/2010/main" val="0"/>
-              </a:ext>
-            </a:extLst>
-          </a:blip>
-          <a:stretch>
-            <a:fillRect/>
-          </a:stretch>
-        </p:blipFill>
-        <p:spPr>
-          <a:xfrm>
-            <a:off x="304400" y="1659878"/>
-            <a:ext cx="11687644" cy="2723625"/>
-          </a:xfrm>
-          <a:prstGeom prst="rect">
-            <a:avLst/>
-          </a:prstGeom>
-        </p:spPr>
-      </p:pic>
-      <p:sp>
-        <p:nvSpPr>
-          <p:cNvPr id="13" name="TextBox 12"/>
-          <p:cNvSpPr txBox="1"/>
-          <p:nvPr/>
-        </p:nvSpPr>
-        <p:spPr>
-          <a:xfrm>
-            <a:off x="842454" y="3998798"/>
-            <a:ext cx="2892005" cy="769441"/>
-          </a:xfrm>
-          <a:prstGeom prst="rect">
-            <a:avLst/>
-          </a:prstGeom>
-          <a:noFill/>
-        </p:spPr>
-        <p:txBody>
-          <a:bodyPr wrap="square" rtlCol="0">
-            <a:spAutoFit/>
-          </a:bodyPr>
-          <a:lstStyle/>
-          <a:p>
-            <a:r>
-              <a:rPr lang="en-US" sz="4400" dirty="0" smtClean="0">
-                <a:latin typeface="+mj-lt"/>
-              </a:rPr>
-              <a:t>Examples:</a:t>
-            </a:r>
-          </a:p>
-        </p:txBody>
-      </p:sp>
-      <p:pic>
-        <p:nvPicPr>
-          <p:cNvPr id="15" name="Picture 14" descr="Screen Shot 2015-11-26 at 3.06.31 PM.png"/>
-          <p:cNvPicPr>
-            <a:picLocks noChangeAspect="1"/>
-          </p:cNvPicPr>
-          <p:nvPr/>
-        </p:nvPicPr>
-        <p:blipFill>
-          <a:blip r:embed="rId3">
-            <a:extLst>
-              <a:ext uri="{28A0092B-C50C-407E-A947-70E740481C1C}">
-                <a14:useLocalDpi xmlns:a14="http://schemas.microsoft.com/office/drawing/2010/main" val="0"/>
-              </a:ext>
-            </a:extLst>
-          </a:blip>
-          <a:stretch>
-            <a:fillRect/>
-          </a:stretch>
-        </p:blipFill>
-        <p:spPr>
-          <a:xfrm>
-            <a:off x="880082" y="4805723"/>
-            <a:ext cx="9664700" cy="1320800"/>
-          </a:xfrm>
-          <a:prstGeom prst="rect">
-            <a:avLst/>
-          </a:prstGeom>
-        </p:spPr>
-      </p:pic>
-    </p:spTree>
-    <p:extLst>
-      <p:ext uri="{BB962C8B-B14F-4D97-AF65-F5344CB8AC3E}">
-        <p14:creationId xmlns:p14="http://schemas.microsoft.com/office/powerpoint/2010/main" val="582983964"/>
-      </p:ext>
-    </p:extLst>
-  </p:cSld>
-  <p:clrMapOvr>
-    <a:masterClrMapping/>
-  </p:clrMapOvr>
-  <p:timing>
-    <p:tnLst>
-      <p:par>
-        <p:cTn id="1" dur="indefinite" restart="never" nodeType="tmRoot"/>
-      </p:par>
-    </p:tnLst>
-  </p:timing>
-</p:sld>
-</file>
-
-<file path=ppt/slides/slide11.xml><?xml version="1.0" encoding="utf-8"?>
-<p:sld xmlns:a="http://schemas.openxmlformats.org/drawingml/2006/main" xmlns:r="http://schemas.openxmlformats.org/officeDocument/2006/relationships" xmlns:p="http://schemas.openxmlformats.org/presentationml/2006/main">
-  <p:cSld>
-    <p:spTree>
-      <p:nvGrpSpPr>
-        <p:cNvPr id="1" name=""/>
-        <p:cNvGrpSpPr/>
-        <p:nvPr/>
-      </p:nvGrpSpPr>
-      <p:grpSpPr>
-        <a:xfrm>
-          <a:off x="0" y="0"/>
-          <a:ext cx="0" cy="0"/>
-          <a:chOff x="0" y="0"/>
-          <a:chExt cx="0" cy="0"/>
-        </a:xfrm>
-      </p:grpSpPr>
-      <p:sp>
-        <p:nvSpPr>
-          <p:cNvPr id="2" name="Title 1"/>
-          <p:cNvSpPr>
-            <a:spLocks noGrp="1"/>
-          </p:cNvSpPr>
-          <p:nvPr>
-            <p:ph type="title"/>
-          </p:nvPr>
-        </p:nvSpPr>
-        <p:spPr/>
-        <p:txBody>
-          <a:bodyPr/>
-          <a:lstStyle/>
-          <a:p>
-            <a:r>
-              <a:rPr lang="en-US" dirty="0" smtClean="0"/>
-              <a:t>Pairing-Friendly Curves</a:t>
-            </a:r>
-            <a:endParaRPr lang="en-US" dirty="0"/>
-          </a:p>
-        </p:txBody>
-      </p:sp>
-      <p:sp>
-        <p:nvSpPr>
-          <p:cNvPr id="7" name="TextBox 6"/>
-          <p:cNvSpPr txBox="1"/>
-          <p:nvPr/>
-        </p:nvSpPr>
-        <p:spPr>
-          <a:xfrm>
-            <a:off x="829879" y="2665865"/>
-            <a:ext cx="2841709" cy="769441"/>
-          </a:xfrm>
-          <a:prstGeom prst="rect">
-            <a:avLst/>
-          </a:prstGeom>
-          <a:noFill/>
-        </p:spPr>
-        <p:txBody>
-          <a:bodyPr wrap="square" rtlCol="0">
-            <a:spAutoFit/>
-          </a:bodyPr>
-          <a:lstStyle/>
-          <a:p>
-            <a:r>
-              <a:rPr lang="en-US" sz="4400" dirty="0" smtClean="0">
-                <a:latin typeface="+mj-lt"/>
-              </a:rPr>
-              <a:t>Problem:</a:t>
-            </a:r>
-          </a:p>
-        </p:txBody>
-      </p:sp>
-      <p:pic>
-        <p:nvPicPr>
-          <p:cNvPr id="8" name="Picture 7" descr="Screen Shot 2015-11-26 at 3.20.06 PM.png"/>
-          <p:cNvPicPr>
-            <a:picLocks noChangeAspect="1"/>
-          </p:cNvPicPr>
-          <p:nvPr/>
-        </p:nvPicPr>
-        <p:blipFill>
-          <a:blip r:embed="rId2">
-            <a:extLst>
-              <a:ext uri="{28A0092B-C50C-407E-A947-70E740481C1C}">
-                <a14:useLocalDpi xmlns:a14="http://schemas.microsoft.com/office/drawing/2010/main" val="0"/>
-              </a:ext>
-            </a:extLst>
-          </a:blip>
-          <a:stretch>
-            <a:fillRect/>
-          </a:stretch>
-        </p:blipFill>
-        <p:spPr>
-          <a:xfrm>
-            <a:off x="731212" y="3462468"/>
-            <a:ext cx="9258300" cy="850900"/>
-          </a:xfrm>
-          <a:prstGeom prst="rect">
-            <a:avLst/>
-          </a:prstGeom>
-        </p:spPr>
-      </p:pic>
-      <p:pic>
-        <p:nvPicPr>
-          <p:cNvPr id="9" name="Picture 8" descr="Screen Shot 2015-11-26 at 3.21.57 PM.png"/>
-          <p:cNvPicPr>
-            <a:picLocks noChangeAspect="1"/>
-          </p:cNvPicPr>
-          <p:nvPr/>
-        </p:nvPicPr>
-        <p:blipFill>
-          <a:blip r:embed="rId3">
-            <a:extLst>
-              <a:ext uri="{28A0092B-C50C-407E-A947-70E740481C1C}">
-                <a14:useLocalDpi xmlns:a14="http://schemas.microsoft.com/office/drawing/2010/main" val="0"/>
-              </a:ext>
-            </a:extLst>
-          </a:blip>
-          <a:stretch>
-            <a:fillRect/>
-          </a:stretch>
-        </p:blipFill>
-        <p:spPr>
-          <a:xfrm>
-            <a:off x="905861" y="1500169"/>
-            <a:ext cx="9537700" cy="990600"/>
-          </a:xfrm>
-          <a:prstGeom prst="rect">
-            <a:avLst/>
-          </a:prstGeom>
-        </p:spPr>
-      </p:pic>
-      <p:sp>
-        <p:nvSpPr>
-          <p:cNvPr id="10" name="TextBox 9"/>
-          <p:cNvSpPr txBox="1"/>
-          <p:nvPr/>
-        </p:nvSpPr>
-        <p:spPr>
-          <a:xfrm>
-            <a:off x="892750" y="4313169"/>
-            <a:ext cx="8374239" cy="461665"/>
-          </a:xfrm>
-          <a:prstGeom prst="rect">
-            <a:avLst/>
-          </a:prstGeom>
-          <a:noFill/>
-        </p:spPr>
-        <p:txBody>
-          <a:bodyPr wrap="square" rtlCol="0">
-            <a:spAutoFit/>
-          </a:bodyPr>
-          <a:lstStyle/>
-          <a:p>
-            <a:r>
-              <a:rPr lang="en-US" sz="2400" dirty="0" smtClean="0"/>
-              <a:t>So we need to find a way to generate these curves on our own.</a:t>
-            </a:r>
-            <a:endParaRPr lang="en-US" sz="2400" dirty="0"/>
-          </a:p>
-        </p:txBody>
-      </p:sp>
-    </p:spTree>
-    <p:extLst>
-      <p:ext uri="{BB962C8B-B14F-4D97-AF65-F5344CB8AC3E}">
-        <p14:creationId xmlns:p14="http://schemas.microsoft.com/office/powerpoint/2010/main" val="2520188685"/>
-      </p:ext>
-    </p:extLst>
-  </p:cSld>
-  <p:clrMapOvr>
-    <a:masterClrMapping/>
-  </p:clrMapOvr>
-  <p:timing>
-    <p:tnLst>
-      <p:par>
-        <p:cTn id="1" dur="indefinite" restart="never" nodeType="tmRoot"/>
-      </p:par>
-    </p:tnLst>
-  </p:timing>
-</p:sld>
-</file>
-
-<file path=ppt/slides/slide12.xml><?xml version="1.0" encoding="utf-8"?>
-<p:sld xmlns:a="http://schemas.openxmlformats.org/drawingml/2006/main" xmlns:r="http://schemas.openxmlformats.org/officeDocument/2006/relationships" xmlns:p="http://schemas.openxmlformats.org/presentationml/2006/main">
-  <p:cSld>
-    <p:spTree>
-      <p:nvGrpSpPr>
-        <p:cNvPr id="1" name=""/>
-        <p:cNvGrpSpPr/>
-        <p:nvPr/>
-      </p:nvGrpSpPr>
-      <p:grpSpPr>
-        <a:xfrm>
-          <a:off x="0" y="0"/>
-          <a:ext cx="0" cy="0"/>
-          <a:chOff x="0" y="0"/>
-          <a:chExt cx="0" cy="0"/>
-        </a:xfrm>
-      </p:grpSpPr>
-      <p:sp>
-        <p:nvSpPr>
-          <p:cNvPr id="2" name="Title 1"/>
-          <p:cNvSpPr>
-            <a:spLocks noGrp="1"/>
-          </p:cNvSpPr>
-          <p:nvPr>
-            <p:ph type="title"/>
-          </p:nvPr>
-        </p:nvSpPr>
-        <p:spPr/>
-        <p:txBody>
-          <a:bodyPr/>
-          <a:lstStyle/>
-          <a:p>
-            <a:r>
-              <a:rPr lang="en-US" smtClean="0"/>
-              <a:t>Complex Multiplication</a:t>
-            </a:r>
-            <a:endParaRPr lang="en-US" dirty="0"/>
-          </a:p>
-        </p:txBody>
-      </p:sp>
-      <p:sp>
-        <p:nvSpPr>
-          <p:cNvPr id="3" name="Content Placeholder 2"/>
-          <p:cNvSpPr>
-            <a:spLocks noGrp="1"/>
-          </p:cNvSpPr>
-          <p:nvPr>
-            <p:ph idx="1"/>
-          </p:nvPr>
-        </p:nvSpPr>
-        <p:spPr/>
-        <p:txBody>
-          <a:bodyPr/>
-          <a:lstStyle/>
-          <a:p>
-            <a:endParaRPr lang="en-US" dirty="0"/>
-          </a:p>
-        </p:txBody>
-      </p:sp>
-    </p:spTree>
-    <p:extLst>
-      <p:ext uri="{BB962C8B-B14F-4D97-AF65-F5344CB8AC3E}">
-        <p14:creationId xmlns:p14="http://schemas.microsoft.com/office/powerpoint/2010/main" val="932366107"/>
-      </p:ext>
-    </p:extLst>
-  </p:cSld>
-  <p:clrMapOvr>
-    <a:masterClrMapping/>
-  </p:clrMapOvr>
-  <p:timing>
-    <p:tnLst>
-      <p:par>
-        <p:cTn id="1" dur="indefinite" restart="never" nodeType="tmRoot"/>
+        <p:cTn xmlns:p14="http://schemas.microsoft.com/office/powerpoint/2010/main" id="1" dur="indefinite" restart="never" nodeType="tmRoot"/>
       </p:par>
     </p:tnLst>
   </p:timing>
@@ -3653,7 +3239,7 @@
   <p:timing>
     <p:tnLst>
       <p:par>
-        <p:cTn id="1" dur="indefinite" restart="never" nodeType="tmRoot"/>
+        <p:cTn xmlns:p14="http://schemas.microsoft.com/office/powerpoint/2010/main" id="1" dur="indefinite" restart="never" nodeType="tmRoot"/>
       </p:par>
     </p:tnLst>
   </p:timing>
@@ -3743,7 +3329,7 @@
   <p:timing>
     <p:tnLst>
       <p:par>
-        <p:cTn id="1" dur="indefinite" restart="never" nodeType="tmRoot"/>
+        <p:cTn xmlns:p14="http://schemas.microsoft.com/office/powerpoint/2010/main" id="1" dur="indefinite" restart="never" nodeType="tmRoot"/>
       </p:par>
     </p:tnLst>
   </p:timing>
@@ -3751,167 +3337,6 @@
 </file>
 
 <file path=ppt/slides/slide4.xml><?xml version="1.0" encoding="utf-8"?>
-<p:sld xmlns:a="http://schemas.openxmlformats.org/drawingml/2006/main" xmlns:r="http://schemas.openxmlformats.org/officeDocument/2006/relationships" xmlns:p="http://schemas.openxmlformats.org/presentationml/2006/main">
-  <p:cSld>
-    <p:spTree>
-      <p:nvGrpSpPr>
-        <p:cNvPr id="1" name=""/>
-        <p:cNvGrpSpPr/>
-        <p:nvPr/>
-      </p:nvGrpSpPr>
-      <p:grpSpPr>
-        <a:xfrm>
-          <a:off x="0" y="0"/>
-          <a:ext cx="0" cy="0"/>
-          <a:chOff x="0" y="0"/>
-          <a:chExt cx="0" cy="0"/>
-        </a:xfrm>
-      </p:grpSpPr>
-      <p:sp>
-        <p:nvSpPr>
-          <p:cNvPr id="2" name="Title 1"/>
-          <p:cNvSpPr>
-            <a:spLocks noGrp="1"/>
-          </p:cNvSpPr>
-          <p:nvPr>
-            <p:ph type="title"/>
-          </p:nvPr>
-        </p:nvSpPr>
-        <p:spPr/>
-        <p:txBody>
-          <a:bodyPr/>
-          <a:lstStyle/>
-          <a:p>
-            <a:r>
-              <a:rPr lang="en-US" dirty="0" smtClean="0"/>
-              <a:t>Isogenies</a:t>
-            </a:r>
-            <a:endParaRPr lang="en-US" dirty="0"/>
-          </a:p>
-        </p:txBody>
-      </p:sp>
-      <p:sp>
-        <p:nvSpPr>
-          <p:cNvPr id="3" name="Content Placeholder 2"/>
-          <p:cNvSpPr>
-            <a:spLocks noGrp="1"/>
-          </p:cNvSpPr>
-          <p:nvPr>
-            <p:ph idx="1"/>
-          </p:nvPr>
-        </p:nvSpPr>
-        <p:spPr/>
-        <p:txBody>
-          <a:bodyPr/>
-          <a:lstStyle/>
-          <a:p>
-            <a:pPr marL="0" indent="0">
-              <a:buNone/>
-            </a:pPr>
-            <a:r>
-              <a:rPr lang="en-US" dirty="0" smtClean="0"/>
-              <a:t>An Isogeny is a </a:t>
-            </a:r>
-            <a:r>
-              <a:rPr lang="en-US" dirty="0" err="1" smtClean="0"/>
-              <a:t>surjective</a:t>
-            </a:r>
-            <a:r>
-              <a:rPr lang="en-US" dirty="0" smtClean="0"/>
-              <a:t> </a:t>
-            </a:r>
-            <a:r>
-              <a:rPr lang="en-US" dirty="0" err="1" smtClean="0"/>
-              <a:t>morphism</a:t>
-            </a:r>
-            <a:r>
-              <a:rPr lang="en-US" dirty="0" smtClean="0"/>
-              <a:t> between two elliptic curves that is also group homomorphism.</a:t>
-            </a:r>
-          </a:p>
-          <a:p>
-            <a:pPr marL="0" indent="0">
-              <a:buNone/>
-            </a:pPr>
-            <a:endParaRPr lang="en-US" dirty="0"/>
-          </a:p>
-          <a:p>
-            <a:pPr marL="0" indent="0">
-              <a:buNone/>
-            </a:pPr>
-            <a:r>
-              <a:rPr lang="en-US" dirty="0" smtClean="0"/>
-              <a:t>Two elliptic curves are isomorphic if there is an isogeny from E1 to E2 and an isogeny from E2 to E1</a:t>
-            </a:r>
-          </a:p>
-          <a:p>
-            <a:pPr marL="0" indent="0">
-              <a:buNone/>
-            </a:pPr>
-            <a:endParaRPr lang="en-US" dirty="0"/>
-          </a:p>
-          <a:p>
-            <a:pPr marL="0" indent="0">
-              <a:buNone/>
-            </a:pPr>
-            <a:r>
-              <a:rPr lang="en-US" dirty="0" smtClean="0"/>
-              <a:t>Examples:</a:t>
-            </a:r>
-          </a:p>
-        </p:txBody>
-      </p:sp>
-      <p:pic>
-        <p:nvPicPr>
-          <p:cNvPr id="5" name="Picture 4" descr="latex-image-1.pdf"/>
-          <p:cNvPicPr>
-            <a:picLocks noChangeAspect="1"/>
-          </p:cNvPicPr>
-          <p:nvPr/>
-        </p:nvPicPr>
-        <p:blipFill>
-          <a:blip r:embed="rId2">
-            <a:extLst>
-              <a:ext uri="{28A0092B-C50C-407E-A947-70E740481C1C}">
-                <a14:useLocalDpi xmlns:a14="http://schemas.microsoft.com/office/drawing/2010/main" val="0"/>
-              </a:ext>
-            </a:extLst>
-          </a:blip>
-          <a:stretch>
-            <a:fillRect/>
-          </a:stretch>
-        </p:blipFill>
-        <p:spPr>
-          <a:xfrm>
-            <a:off x="2240442" y="5363534"/>
-            <a:ext cx="2349044" cy="455518"/>
-          </a:xfrm>
-          <a:prstGeom prst="rect">
-            <a:avLst/>
-          </a:prstGeom>
-        </p:spPr>
-      </p:pic>
-    </p:spTree>
-    <p:extLst>
-      <p:ext uri="{BB962C8B-B14F-4D97-AF65-F5344CB8AC3E}">
-        <p14:creationId xmlns:p14="http://schemas.microsoft.com/office/powerpoint/2010/main" val="2299271393"/>
-      </p:ext>
-    </p:extLst>
-  </p:cSld>
-  <p:clrMapOvr>
-    <a:masterClrMapping/>
-  </p:clrMapOvr>
-  <p:timing>
-    <p:tnLst>
-      <p:par>
-        <p:cTn id="1" dur="indefinite" restart="never" nodeType="tmRoot"/>
-      </p:par>
-    </p:tnLst>
-  </p:timing>
-</p:sld>
-</file>
-
-<file path=ppt/slides/slide5.xml><?xml version="1.0" encoding="utf-8"?>
 <p:sld xmlns:a="http://schemas.openxmlformats.org/drawingml/2006/main" xmlns:r="http://schemas.openxmlformats.org/officeDocument/2006/relationships" xmlns:p="http://schemas.openxmlformats.org/presentationml/2006/main">
   <p:cSld>
     <p:spTree>
@@ -4070,7 +3495,158 @@
   <p:timing>
     <p:tnLst>
       <p:par>
-        <p:cTn id="1" dur="indefinite" restart="never" nodeType="tmRoot"/>
+        <p:cTn xmlns:p14="http://schemas.microsoft.com/office/powerpoint/2010/main" id="1" dur="indefinite" restart="never" nodeType="tmRoot"/>
+      </p:par>
+    </p:tnLst>
+  </p:timing>
+</p:sld>
+</file>
+
+<file path=ppt/slides/slide5.xml><?xml version="1.0" encoding="utf-8"?>
+<p:sld xmlns:a="http://schemas.openxmlformats.org/drawingml/2006/main" xmlns:r="http://schemas.openxmlformats.org/officeDocument/2006/relationships" xmlns:p="http://schemas.openxmlformats.org/presentationml/2006/main">
+  <p:cSld>
+    <p:spTree>
+      <p:nvGrpSpPr>
+        <p:cNvPr id="1" name=""/>
+        <p:cNvGrpSpPr/>
+        <p:nvPr/>
+      </p:nvGrpSpPr>
+      <p:grpSpPr>
+        <a:xfrm>
+          <a:off x="0" y="0"/>
+          <a:ext cx="0" cy="0"/>
+          <a:chOff x="0" y="0"/>
+          <a:chExt cx="0" cy="0"/>
+        </a:xfrm>
+      </p:grpSpPr>
+      <p:sp>
+        <p:nvSpPr>
+          <p:cNvPr id="2" name="Title 1"/>
+          <p:cNvSpPr>
+            <a:spLocks noGrp="1"/>
+          </p:cNvSpPr>
+          <p:nvPr>
+            <p:ph type="title"/>
+          </p:nvPr>
+        </p:nvSpPr>
+        <p:spPr/>
+        <p:txBody>
+          <a:bodyPr/>
+          <a:lstStyle/>
+          <a:p>
+            <a:r>
+              <a:rPr lang="en-US" dirty="0" smtClean="0"/>
+              <a:t>Pairings</a:t>
+            </a:r>
+            <a:endParaRPr lang="en-US" dirty="0"/>
+          </a:p>
+        </p:txBody>
+      </p:sp>
+      <p:pic>
+        <p:nvPicPr>
+          <p:cNvPr id="12" name="Picture 11" descr="Screen Shot 2015-11-26 at 2.50.30 PM.png"/>
+          <p:cNvPicPr>
+            <a:picLocks noChangeAspect="1"/>
+          </p:cNvPicPr>
+          <p:nvPr/>
+        </p:nvPicPr>
+        <p:blipFill>
+          <a:blip r:embed="rId2">
+            <a:extLst>
+              <a:ext uri="{28A0092B-C50C-407E-A947-70E740481C1C}">
+                <a14:useLocalDpi xmlns:a14="http://schemas.microsoft.com/office/drawing/2010/main" val="0"/>
+              </a:ext>
+            </a:extLst>
+          </a:blip>
+          <a:stretch>
+            <a:fillRect/>
+          </a:stretch>
+        </p:blipFill>
+        <p:spPr>
+          <a:xfrm>
+            <a:off x="304400" y="1659878"/>
+            <a:ext cx="11687644" cy="2723625"/>
+          </a:xfrm>
+          <a:prstGeom prst="rect">
+            <a:avLst/>
+          </a:prstGeom>
+        </p:spPr>
+      </p:pic>
+      <p:sp>
+        <p:nvSpPr>
+          <p:cNvPr id="13" name="TextBox 12"/>
+          <p:cNvSpPr txBox="1"/>
+          <p:nvPr/>
+        </p:nvSpPr>
+        <p:spPr>
+          <a:xfrm>
+            <a:off x="842454" y="3998798"/>
+            <a:ext cx="2892005" cy="769441"/>
+          </a:xfrm>
+          <a:prstGeom prst="rect">
+            <a:avLst/>
+          </a:prstGeom>
+          <a:noFill/>
+        </p:spPr>
+        <p:txBody>
+          <a:bodyPr wrap="square" rtlCol="0">
+            <a:spAutoFit/>
+          </a:bodyPr>
+          <a:lstStyle/>
+          <a:p>
+            <a:r>
+              <a:rPr lang="en-US" sz="4400" dirty="0" smtClean="0">
+                <a:latin typeface="+mj-lt"/>
+              </a:rPr>
+              <a:t>Examples:</a:t>
+            </a:r>
+          </a:p>
+        </p:txBody>
+      </p:sp>
+      <p:pic>
+        <p:nvPicPr>
+          <p:cNvPr id="15" name="Picture 14" descr="Screen Shot 2015-11-26 at 3.06.31 PM.png"/>
+          <p:cNvPicPr>
+            <a:picLocks noChangeAspect="1"/>
+          </p:cNvPicPr>
+          <p:nvPr/>
+        </p:nvPicPr>
+        <p:blipFill>
+          <a:blip r:embed="rId3">
+            <a:extLst>
+              <a:ext uri="{28A0092B-C50C-407E-A947-70E740481C1C}">
+                <a14:useLocalDpi xmlns:a14="http://schemas.microsoft.com/office/drawing/2010/main" val="0"/>
+              </a:ext>
+            </a:extLst>
+          </a:blip>
+          <a:stretch>
+            <a:fillRect/>
+          </a:stretch>
+        </p:blipFill>
+        <p:spPr>
+          <a:xfrm>
+            <a:off x="880082" y="4805723"/>
+            <a:ext cx="9664700" cy="1320800"/>
+          </a:xfrm>
+          <a:prstGeom prst="rect">
+            <a:avLst/>
+          </a:prstGeom>
+        </p:spPr>
+      </p:pic>
+    </p:spTree>
+    <p:extLst>
+      <p:ext uri="{BB962C8B-B14F-4D97-AF65-F5344CB8AC3E}">
+        <p14:creationId xmlns:p14="http://schemas.microsoft.com/office/powerpoint/2010/main" val="582983964"/>
+      </p:ext>
+    </p:extLst>
+  </p:cSld>
+  <p:clrMapOvr>
+    <a:masterClrMapping/>
+  </p:clrMapOvr>
+  <p:timing>
+    <p:tnLst>
+      <p:par>
+        <p:cTn xmlns:p14="http://schemas.microsoft.com/office/powerpoint/2010/main" id="1" dur="indefinite" restart="never" nodeType="tmRoot"/>
       </p:par>
     </p:tnLst>
   </p:timing>
@@ -4110,59 +3686,84 @@
           <a:lstStyle/>
           <a:p>
             <a:r>
-              <a:rPr lang="en-US" dirty="0" smtClean="0">
-                <a:latin typeface="Times New Roman" panose="02020603050405020304" pitchFamily="18" charset="0"/>
-                <a:cs typeface="Times New Roman" panose="02020603050405020304" pitchFamily="18" charset="0"/>
-              </a:rPr>
-              <a:t>Quadratic Twists</a:t>
-            </a:r>
-            <a:endParaRPr lang="en-US" dirty="0">
-              <a:latin typeface="Times New Roman" panose="02020603050405020304" pitchFamily="18" charset="0"/>
-              <a:cs typeface="Times New Roman" panose="02020603050405020304" pitchFamily="18" charset="0"/>
-            </a:endParaRPr>
-          </a:p>
-        </p:txBody>
-      </p:sp>
-      <p:pic>
-        <p:nvPicPr>
-          <p:cNvPr id="4" name="Content Placeholder 3"/>
-          <p:cNvPicPr>
-            <a:picLocks noGrp="1" noChangeAspect="1"/>
-          </p:cNvPicPr>
-          <p:nvPr>
-            <p:ph idx="1"/>
-          </p:nvPr>
-        </p:nvPicPr>
-        <p:blipFill>
-          <a:blip r:embed="rId3"/>
-          <a:stretch>
-            <a:fillRect/>
-          </a:stretch>
-        </p:blipFill>
+              <a:rPr lang="en-US" dirty="0" smtClean="0"/>
+              <a:t>Pairing-Friendly Curves</a:t>
+            </a:r>
+            <a:endParaRPr lang="en-US" dirty="0"/>
+          </a:p>
+        </p:txBody>
+      </p:sp>
+      <p:sp>
+        <p:nvSpPr>
+          <p:cNvPr id="7" name="TextBox 6"/>
+          <p:cNvSpPr txBox="1"/>
+          <p:nvPr/>
+        </p:nvSpPr>
         <p:spPr>
           <a:xfrm>
-            <a:off x="941999" y="1879249"/>
-            <a:ext cx="8724132" cy="2170364"/>
+            <a:off x="829879" y="2665865"/>
+            <a:ext cx="2841709" cy="769441"/>
           </a:xfrm>
           <a:prstGeom prst="rect">
             <a:avLst/>
           </a:prstGeom>
+          <a:noFill/>
         </p:spPr>
-      </p:pic>
+        <p:txBody>
+          <a:bodyPr wrap="square" rtlCol="0">
+            <a:spAutoFit/>
+          </a:bodyPr>
+          <a:lstStyle/>
+          <a:p>
+            <a:r>
+              <a:rPr lang="en-US" sz="4400" dirty="0" smtClean="0">
+                <a:latin typeface="+mj-lt"/>
+              </a:rPr>
+              <a:t>Problem:</a:t>
+            </a:r>
+          </a:p>
+        </p:txBody>
+      </p:sp>
+      <p:sp>
+        <p:nvSpPr>
+          <p:cNvPr id="10" name="TextBox 9"/>
+          <p:cNvSpPr txBox="1"/>
+          <p:nvPr/>
+        </p:nvSpPr>
+        <p:spPr>
+          <a:xfrm>
+            <a:off x="892750" y="4313169"/>
+            <a:ext cx="8374239" cy="461665"/>
+          </a:xfrm>
+          <a:prstGeom prst="rect">
+            <a:avLst/>
+          </a:prstGeom>
+          <a:noFill/>
+        </p:spPr>
+        <p:txBody>
+          <a:bodyPr wrap="square" rtlCol="0">
+            <a:spAutoFit/>
+          </a:bodyPr>
+          <a:lstStyle/>
+          <a:p>
+            <a:r>
+              <a:rPr lang="en-US" sz="2400" dirty="0" smtClean="0"/>
+              <a:t>So we need to find a way to generate these curves on our own.</a:t>
+            </a:r>
+            <a:endParaRPr lang="en-US" sz="2400" dirty="0"/>
+          </a:p>
+        </p:txBody>
+      </p:sp>
       <p:pic>
         <p:nvPicPr>
-          <p:cNvPr id="5" name="Picture 4"/>
+          <p:cNvPr id="3" name="Picture 2" descr="latex-image-1.pdf"/>
           <p:cNvPicPr>
             <a:picLocks noChangeAspect="1"/>
           </p:cNvPicPr>
-          <p:nvPr>
-            <p:custDataLst>
-              <p:tags r:id="rId1"/>
-            </p:custDataLst>
-          </p:nvPr>
+          <p:nvPr/>
         </p:nvPicPr>
         <p:blipFill>
-          <a:blip r:embed="rId4" cstate="print">
+          <a:blip r:embed="rId2">
             <a:extLst>
               <a:ext uri="{28A0092B-C50C-407E-A947-70E740481C1C}">
                 <a14:useLocalDpi xmlns:a14="http://schemas.microsoft.com/office/drawing/2010/main" val="0"/>
@@ -4175,8 +3776,38 @@
         </p:blipFill>
         <p:spPr>
           <a:xfrm>
-            <a:off x="941999" y="4393293"/>
-            <a:ext cx="8714232" cy="868680"/>
+            <a:off x="1240142" y="3495803"/>
+            <a:ext cx="7393435" cy="788234"/>
+          </a:xfrm>
+          <a:prstGeom prst="rect">
+            <a:avLst/>
+          </a:prstGeom>
+        </p:spPr>
+      </p:pic>
+      <p:pic>
+        <p:nvPicPr>
+          <p:cNvPr id="4" name="Picture 3" descr="latex-image-1.pdf"/>
+          <p:cNvPicPr>
+            <a:picLocks noChangeAspect="1"/>
+          </p:cNvPicPr>
+          <p:nvPr/>
+        </p:nvPicPr>
+        <p:blipFill>
+          <a:blip r:embed="rId3" cstate="print">
+            <a:extLst>
+              <a:ext uri="{28A0092B-C50C-407E-A947-70E740481C1C}">
+                <a14:useLocalDpi xmlns:a14="http://schemas.microsoft.com/office/drawing/2010/main" val="0"/>
+              </a:ext>
+            </a:extLst>
+          </a:blip>
+          <a:stretch>
+            <a:fillRect/>
+          </a:stretch>
+        </p:blipFill>
+        <p:spPr>
+          <a:xfrm>
+            <a:off x="1244818" y="1574474"/>
+            <a:ext cx="9413161" cy="920346"/>
           </a:xfrm>
           <a:prstGeom prst="rect">
             <a:avLst/>
@@ -4186,7 +3817,7 @@
     </p:spTree>
     <p:extLst>
       <p:ext uri="{BB962C8B-B14F-4D97-AF65-F5344CB8AC3E}">
-        <p14:creationId xmlns:p14="http://schemas.microsoft.com/office/powerpoint/2010/main" val="1281154947"/>
+        <p14:creationId xmlns:p14="http://schemas.microsoft.com/office/powerpoint/2010/main" val="2520188685"/>
       </p:ext>
     </p:extLst>
   </p:cSld>
@@ -4196,7 +3827,7 @@
   <p:timing>
     <p:tnLst>
       <p:par>
-        <p:cTn id="1" dur="indefinite" restart="never" nodeType="tmRoot"/>
+        <p:cTn xmlns:p14="http://schemas.microsoft.com/office/powerpoint/2010/main" id="1" dur="indefinite" restart="never" nodeType="tmRoot"/>
       </p:par>
     </p:tnLst>
   </p:timing>
@@ -4236,32 +3867,47 @@
           <a:lstStyle/>
           <a:p>
             <a:r>
+              <a:rPr lang="en-US" smtClean="0"/>
+              <a:t>Complex Multiplication</a:t>
+            </a:r>
+            <a:endParaRPr lang="en-US" dirty="0"/>
+          </a:p>
+        </p:txBody>
+      </p:sp>
+      <p:sp>
+        <p:nvSpPr>
+          <p:cNvPr id="3" name="Content Placeholder 2"/>
+          <p:cNvSpPr>
+            <a:spLocks noGrp="1"/>
+          </p:cNvSpPr>
+          <p:nvPr>
+            <p:ph idx="1"/>
+          </p:nvPr>
+        </p:nvSpPr>
+        <p:spPr/>
+        <p:txBody>
+          <a:bodyPr/>
+          <a:lstStyle/>
+          <a:p>
+            <a:pPr marL="0" indent="0">
+              <a:buNone/>
+            </a:pPr>
+            <a:r>
               <a:rPr lang="en-US" dirty="0" smtClean="0"/>
-              <a:t>Complex Lattices </a:t>
-            </a:r>
-            <a:endParaRPr lang="en-US" dirty="0"/>
-          </a:p>
-        </p:txBody>
-      </p:sp>
-      <p:sp>
-        <p:nvSpPr>
-          <p:cNvPr id="3" name="Content Placeholder 2"/>
-          <p:cNvSpPr>
-            <a:spLocks noGrp="1"/>
-          </p:cNvSpPr>
-          <p:nvPr>
-            <p:ph idx="1"/>
-          </p:nvPr>
-        </p:nvSpPr>
-        <p:spPr/>
-        <p:txBody>
-          <a:bodyPr/>
-          <a:lstStyle/>
-          <a:p>
-            <a:pPr marL="0" indent="0">
-              <a:buNone/>
-            </a:pPr>
-            <a:endParaRPr lang="en-US" dirty="0" smtClean="0"/>
+              <a:t>The trace of </a:t>
+            </a:r>
+            <a:r>
+              <a:rPr lang="en-US" dirty="0" err="1" smtClean="0"/>
+              <a:t>Frobenius</a:t>
+            </a:r>
+            <a:r>
+              <a:rPr lang="en-US" dirty="0"/>
+              <a:t> </a:t>
+            </a:r>
+            <a:r>
+              <a:rPr lang="en-US" dirty="0" smtClean="0"/>
+              <a:t>is the integer t satisfying:</a:t>
+            </a:r>
           </a:p>
           <a:p>
             <a:pPr marL="0" indent="0">
@@ -4273,24 +3919,17 @@
             <a:pPr marL="0" indent="0">
               <a:buNone/>
             </a:pPr>
-            <a:endParaRPr lang="en-US" dirty="0" smtClean="0"/>
-          </a:p>
-          <a:p>
-            <a:pPr marL="0" indent="0">
-              <a:buNone/>
-            </a:pPr>
-            <a:endParaRPr lang="en-US" dirty="0" smtClean="0"/>
-          </a:p>
-          <a:p>
-            <a:pPr marL="0" indent="0">
-              <a:buNone/>
-            </a:pPr>
-            <a:r>
-              <a:rPr lang="en-US" dirty="0" smtClean="0">
-                <a:latin typeface="Times New Roman" panose="02020603050405020304" pitchFamily="18" charset="0"/>
-                <a:cs typeface="Times New Roman" panose="02020603050405020304" pitchFamily="18" charset="0"/>
-              </a:rPr>
-              <a:t>Where</a:t>
+            <a:r>
+              <a:rPr lang="en-US" dirty="0" smtClean="0"/>
+              <a:t>The </a:t>
+            </a:r>
+            <a:r>
+              <a:rPr lang="en-US" dirty="0" err="1" smtClean="0"/>
+              <a:t>Hasse</a:t>
+            </a:r>
+            <a:r>
+              <a:rPr lang="en-US" dirty="0" smtClean="0"/>
+              <a:t> Bound:</a:t>
             </a:r>
           </a:p>
           <a:p>
@@ -4299,22 +3938,67 @@
             </a:pPr>
             <a:endParaRPr lang="en-US" dirty="0"/>
           </a:p>
+          <a:p>
+            <a:pPr marL="0" indent="0">
+              <a:buNone/>
+            </a:pPr>
+            <a:r>
+              <a:rPr lang="en-US" dirty="0" smtClean="0"/>
+              <a:t>CM Method:</a:t>
+            </a:r>
+          </a:p>
+          <a:p>
+            <a:pPr marL="0" indent="0">
+              <a:buNone/>
+            </a:pPr>
+            <a:r>
+              <a:rPr lang="en-US" dirty="0" smtClean="0"/>
+              <a:t>	Input: </a:t>
+            </a:r>
+            <a:r>
+              <a:rPr lang="en-US" dirty="0" err="1" smtClean="0"/>
+              <a:t>p,t</a:t>
+            </a:r>
+            <a:endParaRPr lang="en-US" dirty="0" smtClean="0"/>
+          </a:p>
+          <a:p>
+            <a:pPr marL="0" indent="0">
+              <a:buNone/>
+            </a:pPr>
+            <a:r>
+              <a:rPr lang="en-US" dirty="0" smtClean="0"/>
+              <a:t>	Output: An elliptic curve E over       with trace t</a:t>
+            </a:r>
+          </a:p>
+          <a:p>
+            <a:pPr marL="0" indent="0">
+              <a:buNone/>
+            </a:pPr>
+            <a:r>
+              <a:rPr lang="en-US" dirty="0" smtClean="0"/>
+              <a:t>Efficient when                                , with </a:t>
+            </a:r>
+            <a:r>
+              <a:rPr lang="en-US" i="1" dirty="0" smtClean="0"/>
+              <a:t>D</a:t>
+            </a:r>
+            <a:r>
+              <a:rPr lang="en-US" dirty="0" smtClean="0"/>
+              <a:t> small.</a:t>
+            </a:r>
+          </a:p>
         </p:txBody>
       </p:sp>
       <p:pic>
         <p:nvPicPr>
-          <p:cNvPr id="5" name="Picture 4"/>
+          <p:cNvPr id="4" name="Picture 3" descr="latex-image-1.pdf"/>
           <p:cNvPicPr>
             <a:picLocks noChangeAspect="1"/>
           </p:cNvPicPr>
-          <p:nvPr>
-            <p:custDataLst>
-              <p:tags r:id="rId1"/>
-            </p:custDataLst>
-          </p:nvPr>
+          <p:nvPr/>
         </p:nvPicPr>
         <p:blipFill>
-          <a:blip r:embed="rId7" cstate="print">
+          <a:blip r:embed="rId2">
             <a:extLst>
               <a:ext uri="{28A0092B-C50C-407E-A947-70E740481C1C}">
                 <a14:useLocalDpi xmlns:a14="http://schemas.microsoft.com/office/drawing/2010/main" val="0"/>
@@ -4327,8 +4011,8 @@
         </p:blipFill>
         <p:spPr>
           <a:xfrm>
-            <a:off x="944336" y="2019141"/>
-            <a:ext cx="6777228" cy="998220"/>
+            <a:off x="3560879" y="2364068"/>
+            <a:ext cx="4468780" cy="546975"/>
           </a:xfrm>
           <a:prstGeom prst="rect">
             <a:avLst/>
@@ -4337,18 +4021,14 @@
       </p:pic>
       <p:pic>
         <p:nvPicPr>
-          <p:cNvPr id="6" name="Picture 5"/>
+          <p:cNvPr id="6" name="Picture 5" descr="latex-image-1.pdf"/>
           <p:cNvPicPr>
             <a:picLocks noChangeAspect="1"/>
           </p:cNvPicPr>
-          <p:nvPr>
-            <p:custDataLst>
-              <p:tags r:id="rId2"/>
-            </p:custDataLst>
-          </p:nvPr>
+          <p:nvPr/>
         </p:nvPicPr>
         <p:blipFill>
-          <a:blip r:embed="rId8" cstate="print">
+          <a:blip r:embed="rId3">
             <a:extLst>
               <a:ext uri="{28A0092B-C50C-407E-A947-70E740481C1C}">
                 <a14:useLocalDpi xmlns:a14="http://schemas.microsoft.com/office/drawing/2010/main" val="0"/>
@@ -4361,8 +4041,8 @@
         </p:blipFill>
         <p:spPr>
           <a:xfrm>
-            <a:off x="1156934" y="5243444"/>
-            <a:ext cx="6352032" cy="252984"/>
+            <a:off x="3596144" y="3268786"/>
+            <a:ext cx="1985485" cy="522496"/>
           </a:xfrm>
           <a:prstGeom prst="rect">
             <a:avLst/>
@@ -4371,18 +4051,14 @@
       </p:pic>
       <p:pic>
         <p:nvPicPr>
-          <p:cNvPr id="7" name="Picture 6"/>
+          <p:cNvPr id="7" name="Picture 6" descr="latex-image-1.pdf"/>
           <p:cNvPicPr>
             <a:picLocks noChangeAspect="1"/>
           </p:cNvPicPr>
-          <p:nvPr>
-            <p:custDataLst>
-              <p:tags r:id="rId3"/>
-            </p:custDataLst>
-          </p:nvPr>
+          <p:nvPr/>
         </p:nvPicPr>
         <p:blipFill>
-          <a:blip r:embed="rId9" cstate="print">
+          <a:blip r:embed="rId4">
             <a:extLst>
               <a:ext uri="{28A0092B-C50C-407E-A947-70E740481C1C}">
                 <a14:useLocalDpi xmlns:a14="http://schemas.microsoft.com/office/drawing/2010/main" val="0"/>
@@ -4395,8 +4071,8 @@
         </p:blipFill>
         <p:spPr>
           <a:xfrm>
-            <a:off x="1103414" y="3231434"/>
-            <a:ext cx="2965704" cy="252984"/>
+            <a:off x="6455795" y="5004783"/>
+            <a:ext cx="352752" cy="345403"/>
           </a:xfrm>
           <a:prstGeom prst="rect">
             <a:avLst/>
@@ -4405,18 +4081,14 @@
       </p:pic>
       <p:pic>
         <p:nvPicPr>
-          <p:cNvPr id="8" name="Picture 7"/>
+          <p:cNvPr id="8" name="Picture 7" descr="latex-image-1.pdf"/>
           <p:cNvPicPr>
             <a:picLocks noChangeAspect="1"/>
           </p:cNvPicPr>
-          <p:nvPr>
-            <p:custDataLst>
-              <p:tags r:id="rId4"/>
-            </p:custDataLst>
-          </p:nvPr>
+          <p:nvPr/>
         </p:nvPicPr>
         <p:blipFill>
-          <a:blip r:embed="rId10" cstate="print">
+          <a:blip r:embed="rId5">
             <a:extLst>
               <a:ext uri="{28A0092B-C50C-407E-A947-70E740481C1C}">
                 <a14:useLocalDpi xmlns:a14="http://schemas.microsoft.com/office/drawing/2010/main" val="0"/>
@@ -4429,93 +4101,18 @@
         </p:blipFill>
         <p:spPr>
           <a:xfrm>
-            <a:off x="1156934" y="4369324"/>
-            <a:ext cx="3683508" cy="455676"/>
+            <a:off x="3140181" y="5445224"/>
+            <a:ext cx="2320819" cy="411631"/>
           </a:xfrm>
           <a:prstGeom prst="rect">
             <a:avLst/>
           </a:prstGeom>
         </p:spPr>
       </p:pic>
-      <p:pic>
-        <p:nvPicPr>
-          <p:cNvPr id="9" name="Picture 8"/>
-          <p:cNvPicPr>
-            <a:picLocks noChangeAspect="1"/>
-          </p:cNvPicPr>
-          <p:nvPr>
-            <p:custDataLst>
-              <p:tags r:id="rId5"/>
-            </p:custDataLst>
-          </p:nvPr>
-        </p:nvPicPr>
-        <p:blipFill>
-          <a:blip r:embed="rId11" cstate="print">
-            <a:extLst>
-              <a:ext uri="{28A0092B-C50C-407E-A947-70E740481C1C}">
-                <a14:useLocalDpi xmlns:a14="http://schemas.microsoft.com/office/drawing/2010/main" val="0"/>
-              </a:ext>
-            </a:extLst>
-          </a:blip>
-          <a:stretch>
-            <a:fillRect/>
-          </a:stretch>
-        </p:blipFill>
-        <p:spPr>
-          <a:xfrm>
-            <a:off x="6392636" y="4449768"/>
-            <a:ext cx="2657856" cy="348996"/>
-          </a:xfrm>
-          <a:prstGeom prst="rect">
-            <a:avLst/>
-          </a:prstGeom>
-        </p:spPr>
-      </p:pic>
-      <p:pic>
-        <p:nvPicPr>
-          <p:cNvPr id="1026" name="Picture 2" descr="https://upload.wikimedia.org/wikipedia/commons/d/db/Fundamental_parallelogram.png"/>
-          <p:cNvPicPr>
-            <a:picLocks noChangeAspect="1" noChangeArrowheads="1"/>
-          </p:cNvPicPr>
-          <p:nvPr/>
-        </p:nvPicPr>
-        <p:blipFill>
-          <a:blip r:embed="rId12">
-            <a:extLst>
-              <a:ext uri="{28A0092B-C50C-407E-A947-70E740481C1C}">
-                <a14:useLocalDpi xmlns:a14="http://schemas.microsoft.com/office/drawing/2010/main" val="0"/>
-              </a:ext>
-            </a:extLst>
-          </a:blip>
-          <a:srcRect/>
-          <a:stretch>
-            <a:fillRect/>
-          </a:stretch>
-        </p:blipFill>
-        <p:spPr bwMode="auto">
-          <a:xfrm>
-            <a:off x="8635139" y="702603"/>
-            <a:ext cx="2718661" cy="1976170"/>
-          </a:xfrm>
-          <a:prstGeom prst="rect">
-            <a:avLst/>
-          </a:prstGeom>
-          <a:noFill/>
-          <a:extLst>
-            <a:ext uri="{909E8E84-426E-40DD-AFC4-6F175D3DCCD1}">
-              <a14:hiddenFill xmlns:a14="http://schemas.microsoft.com/office/drawing/2010/main">
-                <a:solidFill>
-                  <a:srgbClr val="FFFFFF"/>
-                </a:solidFill>
-              </a14:hiddenFill>
-            </a:ext>
-          </a:extLst>
-        </p:spPr>
-      </p:pic>
     </p:spTree>
     <p:extLst>
       <p:ext uri="{BB962C8B-B14F-4D97-AF65-F5344CB8AC3E}">
-        <p14:creationId xmlns:p14="http://schemas.microsoft.com/office/powerpoint/2010/main" val="2196828898"/>
+        <p14:creationId xmlns:p14="http://schemas.microsoft.com/office/powerpoint/2010/main" val="932366107"/>
       </p:ext>
     </p:extLst>
   </p:cSld>
@@ -4525,7 +4122,7 @@
   <p:timing>
     <p:tnLst>
       <p:par>
-        <p:cTn id="1" dur="indefinite" restart="never" nodeType="tmRoot"/>
+        <p:cTn xmlns:p14="http://schemas.microsoft.com/office/powerpoint/2010/main" id="1" dur="indefinite" restart="never" nodeType="tmRoot"/>
       </p:par>
     </p:tnLst>
   </p:timing>
@@ -4566,7 +4163,7 @@
           <a:p>
             <a:r>
               <a:rPr lang="en-US" dirty="0" smtClean="0"/>
-              <a:t>Lattice to Elliptic Curve</a:t>
+              <a:t>Cocks Pinch Method</a:t>
             </a:r>
             <a:endParaRPr lang="en-US" dirty="0"/>
           </a:p>
@@ -4587,208 +4184,14 @@
           <a:bodyPr/>
           <a:lstStyle/>
           <a:p>
-            <a:r>
-              <a:rPr lang="en-US" dirty="0" smtClean="0"/>
-              <a:t>Note that now we can make a curve based on the two lattice parameters. Elliptic curve is explicitly defined to be</a:t>
-            </a:r>
-          </a:p>
-          <a:p>
-            <a:endParaRPr lang="en-US" dirty="0"/>
-          </a:p>
-          <a:p>
-            <a:endParaRPr lang="en-US" dirty="0" smtClean="0"/>
-          </a:p>
-          <a:p>
-            <a:endParaRPr lang="en-US" dirty="0"/>
-          </a:p>
-          <a:p>
-            <a:r>
-              <a:rPr lang="en-US" dirty="0" smtClean="0"/>
-              <a:t>A special case is when the lattice is built by a quadratic field. </a:t>
-            </a:r>
-          </a:p>
-          <a:p>
-            <a:pPr marL="0" indent="0">
-              <a:buNone/>
-            </a:pPr>
-            <a:endParaRPr lang="en-US" dirty="0" smtClean="0"/>
-          </a:p>
-        </p:txBody>
-      </p:sp>
-      <p:pic>
-        <p:nvPicPr>
-          <p:cNvPr id="4" name="Picture 3"/>
-          <p:cNvPicPr>
-            <a:picLocks noChangeAspect="1"/>
-          </p:cNvPicPr>
-          <p:nvPr>
-            <p:custDataLst>
-              <p:tags r:id="rId1"/>
-            </p:custDataLst>
-          </p:nvPr>
-        </p:nvPicPr>
-        <p:blipFill>
-          <a:blip r:embed="rId7" cstate="print">
-            <a:extLst>
-              <a:ext uri="{28A0092B-C50C-407E-A947-70E740481C1C}">
-                <a14:useLocalDpi xmlns:a14="http://schemas.microsoft.com/office/drawing/2010/main" val="0"/>
-              </a:ext>
-            </a:extLst>
-          </a:blip>
-          <a:stretch>
-            <a:fillRect/>
-          </a:stretch>
-        </p:blipFill>
-        <p:spPr>
-          <a:xfrm>
-            <a:off x="1148522" y="2964070"/>
-            <a:ext cx="2580132" cy="262128"/>
-          </a:xfrm>
-          <a:prstGeom prst="rect">
-            <a:avLst/>
-          </a:prstGeom>
-        </p:spPr>
-      </p:pic>
-      <p:pic>
-        <p:nvPicPr>
-          <p:cNvPr id="5" name="Picture 4"/>
-          <p:cNvPicPr>
-            <a:picLocks noChangeAspect="1"/>
-          </p:cNvPicPr>
-          <p:nvPr>
-            <p:custDataLst>
-              <p:tags r:id="rId2"/>
-            </p:custDataLst>
-          </p:nvPr>
-        </p:nvPicPr>
-        <p:blipFill>
-          <a:blip r:embed="rId8" cstate="print">
-            <a:extLst>
-              <a:ext uri="{28A0092B-C50C-407E-A947-70E740481C1C}">
-                <a14:useLocalDpi xmlns:a14="http://schemas.microsoft.com/office/drawing/2010/main" val="0"/>
-              </a:ext>
-            </a:extLst>
-          </a:blip>
-          <a:stretch>
-            <a:fillRect/>
-          </a:stretch>
-        </p:blipFill>
-        <p:spPr>
-          <a:xfrm>
-            <a:off x="1148522" y="3361135"/>
-            <a:ext cx="3220212" cy="230124"/>
-          </a:xfrm>
-          <a:prstGeom prst="rect">
-            <a:avLst/>
-          </a:prstGeom>
-        </p:spPr>
-      </p:pic>
-      <p:pic>
-        <p:nvPicPr>
-          <p:cNvPr id="6" name="Picture 5"/>
-          <p:cNvPicPr>
-            <a:picLocks noChangeAspect="1"/>
-          </p:cNvPicPr>
-          <p:nvPr>
-            <p:custDataLst>
-              <p:tags r:id="rId3"/>
-            </p:custDataLst>
-          </p:nvPr>
-        </p:nvPicPr>
-        <p:blipFill>
-          <a:blip r:embed="rId9" cstate="print">
-            <a:extLst>
-              <a:ext uri="{28A0092B-C50C-407E-A947-70E740481C1C}">
-                <a14:useLocalDpi xmlns:a14="http://schemas.microsoft.com/office/drawing/2010/main" val="0"/>
-              </a:ext>
-            </a:extLst>
-          </a:blip>
-          <a:stretch>
-            <a:fillRect/>
-          </a:stretch>
-        </p:blipFill>
-        <p:spPr>
-          <a:xfrm>
-            <a:off x="1148522" y="3741212"/>
-            <a:ext cx="2174748" cy="303276"/>
-          </a:xfrm>
-          <a:prstGeom prst="rect">
-            <a:avLst/>
-          </a:prstGeom>
-        </p:spPr>
-      </p:pic>
-      <p:pic>
-        <p:nvPicPr>
-          <p:cNvPr id="7" name="Picture 6"/>
-          <p:cNvPicPr>
-            <a:picLocks noChangeAspect="1"/>
-          </p:cNvPicPr>
-          <p:nvPr>
-            <p:custDataLst>
-              <p:tags r:id="rId4"/>
-            </p:custDataLst>
-          </p:nvPr>
-        </p:nvPicPr>
-        <p:blipFill>
-          <a:blip r:embed="rId10" cstate="print">
-            <a:extLst>
-              <a:ext uri="{28A0092B-C50C-407E-A947-70E740481C1C}">
-                <a14:useLocalDpi xmlns:a14="http://schemas.microsoft.com/office/drawing/2010/main" val="0"/>
-              </a:ext>
-            </a:extLst>
-          </a:blip>
-          <a:stretch>
-            <a:fillRect/>
-          </a:stretch>
-        </p:blipFill>
-        <p:spPr>
-          <a:xfrm>
-            <a:off x="1148522" y="4937751"/>
-            <a:ext cx="8313420" cy="345948"/>
-          </a:xfrm>
-          <a:prstGeom prst="rect">
-            <a:avLst/>
-          </a:prstGeom>
-        </p:spPr>
-      </p:pic>
-      <p:pic>
-        <p:nvPicPr>
-          <p:cNvPr id="9" name="Picture 8"/>
-          <p:cNvPicPr>
-            <a:picLocks noChangeAspect="1"/>
-          </p:cNvPicPr>
-          <p:nvPr>
-            <p:custDataLst>
-              <p:tags r:id="rId5"/>
-            </p:custDataLst>
-          </p:nvPr>
-        </p:nvPicPr>
-        <p:blipFill>
-          <a:blip r:embed="rId11" cstate="print">
-            <a:extLst>
-              <a:ext uri="{28A0092B-C50C-407E-A947-70E740481C1C}">
-                <a14:useLocalDpi xmlns:a14="http://schemas.microsoft.com/office/drawing/2010/main" val="0"/>
-              </a:ext>
-            </a:extLst>
-          </a:blip>
-          <a:stretch>
-            <a:fillRect/>
-          </a:stretch>
-        </p:blipFill>
-        <p:spPr>
-          <a:xfrm>
-            <a:off x="5539409" y="3226198"/>
-            <a:ext cx="3698748" cy="441960"/>
-          </a:xfrm>
-          <a:prstGeom prst="rect">
-            <a:avLst/>
-          </a:prstGeom>
-        </p:spPr>
-      </p:pic>
+            <a:endParaRPr lang="en-US"/>
+          </a:p>
+        </p:txBody>
+      </p:sp>
     </p:spTree>
     <p:extLst>
       <p:ext uri="{BB962C8B-B14F-4D97-AF65-F5344CB8AC3E}">
-        <p14:creationId xmlns:p14="http://schemas.microsoft.com/office/powerpoint/2010/main" val="1415050369"/>
+        <p14:creationId xmlns:p14="http://schemas.microsoft.com/office/powerpoint/2010/main" val="3864333031"/>
       </p:ext>
     </p:extLst>
   </p:cSld>
@@ -4798,7 +4201,7 @@
   <p:timing>
     <p:tnLst>
       <p:par>
-        <p:cTn id="1" dur="indefinite" restart="never" nodeType="tmRoot"/>
+        <p:cTn xmlns:p14="http://schemas.microsoft.com/office/powerpoint/2010/main" id="1" dur="indefinite" restart="never" nodeType="tmRoot"/>
       </p:par>
     </p:tnLst>
   </p:timing>
@@ -4838,220 +4241,48 @@
           <a:lstStyle/>
           <a:p>
             <a:r>
+              <a:rPr lang="en-US" dirty="0" err="1" smtClean="0"/>
+              <a:t>Dupont</a:t>
+            </a:r>
+            <a:r>
+              <a:rPr lang="en-US" dirty="0"/>
+              <a:t> </a:t>
+            </a:r>
+            <a:r>
+              <a:rPr lang="en-US" dirty="0" err="1" smtClean="0"/>
+              <a:t>Enge</a:t>
+            </a:r>
+            <a:r>
               <a:rPr lang="en-US" dirty="0" smtClean="0"/>
-              <a:t>Fun stuff with complex lattices</a:t>
+              <a:t> </a:t>
+            </a:r>
+            <a:r>
+              <a:rPr lang="en-US" dirty="0" err="1" smtClean="0"/>
+              <a:t>Morain</a:t>
+            </a:r>
+            <a:r>
+              <a:rPr lang="en-US" dirty="0" smtClean="0"/>
+              <a:t> Method</a:t>
             </a:r>
             <a:endParaRPr lang="en-US" dirty="0"/>
           </a:p>
         </p:txBody>
       </p:sp>
-      <p:pic>
-        <p:nvPicPr>
-          <p:cNvPr id="4" name="Content Placeholder 3"/>
-          <p:cNvPicPr>
-            <a:picLocks noGrp="1" noChangeAspect="1"/>
-          </p:cNvPicPr>
+      <p:sp>
+        <p:nvSpPr>
+          <p:cNvPr id="3" name="Content Placeholder 2"/>
+          <p:cNvSpPr>
+            <a:spLocks noGrp="1"/>
+          </p:cNvSpPr>
           <p:nvPr>
             <p:ph idx="1"/>
-            <p:custDataLst>
-              <p:tags r:id="rId1"/>
-            </p:custDataLst>
-          </p:nvPr>
-        </p:nvPicPr>
-        <p:blipFill>
-          <a:blip r:embed="rId6" cstate="print">
-            <a:extLst>
-              <a:ext uri="{28A0092B-C50C-407E-A947-70E740481C1C}">
-                <a14:useLocalDpi xmlns:a14="http://schemas.microsoft.com/office/drawing/2010/main" val="0"/>
-              </a:ext>
-            </a:extLst>
-          </a:blip>
-          <a:stretch>
-            <a:fillRect/>
-          </a:stretch>
-        </p:blipFill>
-        <p:spPr>
-          <a:xfrm>
-            <a:off x="838200" y="1554673"/>
-            <a:ext cx="10515600" cy="418807"/>
-          </a:xfrm>
-          <a:prstGeom prst="rect">
-            <a:avLst/>
-          </a:prstGeom>
-        </p:spPr>
-      </p:pic>
-      <p:sp>
-        <p:nvSpPr>
-          <p:cNvPr id="5" name="TextBox 4"/>
-          <p:cNvSpPr txBox="1"/>
-          <p:nvPr/>
-        </p:nvSpPr>
-        <p:spPr>
-          <a:xfrm>
-            <a:off x="838200" y="2261062"/>
-            <a:ext cx="10733116" cy="1384995"/>
-          </a:xfrm>
-          <a:prstGeom prst="rect">
-            <a:avLst/>
-          </a:prstGeom>
-          <a:noFill/>
-        </p:spPr>
-        <p:txBody>
-          <a:bodyPr wrap="square" rtlCol="0">
-            <a:spAutoFit/>
-          </a:bodyPr>
-          <a:lstStyle/>
-          <a:p>
-            <a:r>
-              <a:rPr lang="en-US" sz="2800" dirty="0" smtClean="0">
-                <a:latin typeface="Cambria Math" panose="02040503050406030204" pitchFamily="18" charset="0"/>
-                <a:ea typeface="Cambria Math" panose="02040503050406030204" pitchFamily="18" charset="0"/>
-                <a:cs typeface="Times New Roman" panose="02020603050405020304" pitchFamily="18" charset="0"/>
-              </a:rPr>
-              <a:t>Note that this gives us a natural way to turn whatever algebraic transformations we have in the complex lattice to transformations on the elliptic curve points. For example</a:t>
-            </a:r>
-            <a:r>
-              <a:rPr lang="en-US" sz="2800" dirty="0" smtClean="0">
-                <a:latin typeface="Times New Roman" panose="02020603050405020304" pitchFamily="18" charset="0"/>
-                <a:cs typeface="Times New Roman" panose="02020603050405020304" pitchFamily="18" charset="0"/>
-              </a:rPr>
-              <a:t>, </a:t>
-            </a:r>
-          </a:p>
-        </p:txBody>
-      </p:sp>
-      <p:pic>
-        <p:nvPicPr>
-          <p:cNvPr id="6" name="Picture 5"/>
-          <p:cNvPicPr>
-            <a:picLocks noChangeAspect="1"/>
-          </p:cNvPicPr>
-          <p:nvPr>
-            <p:custDataLst>
-              <p:tags r:id="rId2"/>
-            </p:custDataLst>
-          </p:nvPr>
-        </p:nvPicPr>
-        <p:blipFill>
-          <a:blip r:embed="rId7" cstate="print">
-            <a:extLst>
-              <a:ext uri="{28A0092B-C50C-407E-A947-70E740481C1C}">
-                <a14:useLocalDpi xmlns:a14="http://schemas.microsoft.com/office/drawing/2010/main" val="0"/>
-              </a:ext>
-            </a:extLst>
-          </a:blip>
-          <a:stretch>
-            <a:fillRect/>
-          </a:stretch>
-        </p:blipFill>
-        <p:spPr>
-          <a:xfrm>
-            <a:off x="838200" y="3861724"/>
-            <a:ext cx="9570959" cy="593898"/>
-          </a:xfrm>
-          <a:prstGeom prst="rect">
-            <a:avLst/>
-          </a:prstGeom>
-        </p:spPr>
-      </p:pic>
-      <p:pic>
-        <p:nvPicPr>
-          <p:cNvPr id="9" name="Picture 8"/>
-          <p:cNvPicPr>
-            <a:picLocks noChangeAspect="1"/>
-          </p:cNvPicPr>
-          <p:nvPr>
-            <p:custDataLst>
-              <p:tags r:id="rId3"/>
-            </p:custDataLst>
-          </p:nvPr>
-        </p:nvPicPr>
-        <p:blipFill>
-          <a:blip r:embed="rId8" cstate="print">
-            <a:extLst>
-              <a:ext uri="{28A0092B-C50C-407E-A947-70E740481C1C}">
-                <a14:useLocalDpi xmlns:a14="http://schemas.microsoft.com/office/drawing/2010/main" val="0"/>
-              </a:ext>
-            </a:extLst>
-          </a:blip>
-          <a:stretch>
-            <a:fillRect/>
-          </a:stretch>
-        </p:blipFill>
-        <p:spPr>
-          <a:xfrm>
-            <a:off x="838200" y="5242789"/>
-            <a:ext cx="4255008" cy="252984"/>
-          </a:xfrm>
-          <a:prstGeom prst="rect">
-            <a:avLst/>
-          </a:prstGeom>
-        </p:spPr>
-      </p:pic>
-      <p:pic>
-        <p:nvPicPr>
-          <p:cNvPr id="10" name="Picture 9"/>
-          <p:cNvPicPr>
-            <a:picLocks noChangeAspect="1"/>
-          </p:cNvPicPr>
-          <p:nvPr>
-            <p:custDataLst>
-              <p:tags r:id="rId4"/>
-            </p:custDataLst>
-          </p:nvPr>
-        </p:nvPicPr>
-        <p:blipFill>
-          <a:blip r:embed="rId9" cstate="print">
-            <a:extLst>
-              <a:ext uri="{28A0092B-C50C-407E-A947-70E740481C1C}">
-                <a14:useLocalDpi xmlns:a14="http://schemas.microsoft.com/office/drawing/2010/main" val="0"/>
-              </a:ext>
-            </a:extLst>
-          </a:blip>
-          <a:stretch>
-            <a:fillRect/>
-          </a:stretch>
-        </p:blipFill>
-        <p:spPr>
-          <a:xfrm>
-            <a:off x="838200" y="4796192"/>
-            <a:ext cx="4873752" cy="252984"/>
-          </a:xfrm>
-          <a:prstGeom prst="rect">
-            <a:avLst/>
-          </a:prstGeom>
-        </p:spPr>
-      </p:pic>
-      <p:sp>
-        <p:nvSpPr>
-          <p:cNvPr id="11" name="TextBox 10"/>
-          <p:cNvSpPr txBox="1"/>
-          <p:nvPr/>
-        </p:nvSpPr>
-        <p:spPr>
-          <a:xfrm>
-            <a:off x="838200" y="5715000"/>
-            <a:ext cx="9938657" cy="369332"/>
-          </a:xfrm>
-          <a:prstGeom prst="rect">
-            <a:avLst/>
-          </a:prstGeom>
-          <a:noFill/>
-        </p:spPr>
-        <p:txBody>
-          <a:bodyPr wrap="square" rtlCol="0">
-            <a:spAutoFit/>
-          </a:bodyPr>
-          <a:lstStyle/>
-          <a:p>
-            <a:r>
-              <a:rPr lang="en-US" dirty="0" smtClean="0"/>
-              <a:t>This is called “</a:t>
-            </a:r>
-            <a:r>
-              <a:rPr lang="en-US" smtClean="0"/>
-              <a:t>Complex Multiplication”. </a:t>
-            </a:r>
+          </p:nvPr>
+        </p:nvSpPr>
+        <p:spPr/>
+        <p:txBody>
+          <a:bodyPr/>
+          <a:lstStyle/>
+          <a:p>
             <a:endParaRPr lang="en-US"/>
           </a:p>
         </p:txBody>
@@ -5059,261 +4290,14 @@
     </p:spTree>
     <p:extLst>
       <p:ext uri="{BB962C8B-B14F-4D97-AF65-F5344CB8AC3E}">
-        <p14:creationId xmlns:p14="http://schemas.microsoft.com/office/powerpoint/2010/main" val="3694123879"/>
+        <p14:creationId xmlns:p14="http://schemas.microsoft.com/office/powerpoint/2010/main" val="1318816542"/>
       </p:ext>
     </p:extLst>
   </p:cSld>
   <p:clrMapOvr>
     <a:masterClrMapping/>
   </p:clrMapOvr>
-  <p:timing>
-    <p:tnLst>
-      <p:par>
-        <p:cTn id="1" dur="indefinite" restart="never" nodeType="tmRoot"/>
-      </p:par>
-    </p:tnLst>
-  </p:timing>
 </p:sld>
-</file>
-
-<file path=ppt/tags/tag1.xml><?xml version="1.0" encoding="utf-8"?>
-<p:tagLst xmlns:a="http://schemas.openxmlformats.org/drawingml/2006/main" xmlns:r="http://schemas.openxmlformats.org/officeDocument/2006/relationships" xmlns:p="http://schemas.openxmlformats.org/presentationml/2006/main">
-  <p:tag name="ORIGINALHEIGHT" val="427.5"/>
-  <p:tag name="ORIGINALWIDTH" val="4288.5"/>
-  <p:tag name="OUTPUTDPI" val="1200"/>
-  <p:tag name="LATEXADDIN" val="\documentclass{article}&#10;\usepackage{amsmath}&#10;\usepackage{amsfonts}&#10;\pagestyle{empty}&#10;\begin{document}&#10;&#10;In particular, we are interested in quadratic twists. If $E: y^2 = x^3 + Ax+ B$ is an elliptic curve defined over $\mathbb F$, and $d \in \mathbb F$ is a nonsquare, then we define the {\it quadratic twist of E} as $\tilde E: y^2 = x^3 + d^2Ax + d^3B$.&#10;&#10;&#10;\end{document}"/>
-  <p:tag name="IGUANATEXSIZE" val="20"/>
-  <p:tag name="IGUANATEXCURSOR" val="66"/>
-  <p:tag name="TRANSPARENCY" val="True"/>
-  <p:tag name="FILENAME" val=""/>
-  <p:tag name="INPUTTYPE" val="0"/>
-  <p:tag name="LATEXENGINEID" val="0"/>
-  <p:tag name="TEMPFOLDER" val="c:\temp\"/>
-</p:tagLst>
-</file>
-
-<file path=ppt/tags/tag10.xml><?xml version="1.0" encoding="utf-8"?>
-<p:tagLst xmlns:a="http://schemas.openxmlformats.org/drawingml/2006/main" xmlns:r="http://schemas.openxmlformats.org/officeDocument/2006/relationships" xmlns:p="http://schemas.openxmlformats.org/presentationml/2006/main">
-  <p:tag name="ORIGINALHEIGHT" val="170.25"/>
-  <p:tag name="ORIGINALWIDTH" val="4091.25"/>
-  <p:tag name="OUTPUTDPI" val="1200"/>
-  <p:tag name="LATEXADDIN" val="\documentclass{article}&#10;\usepackage{amsmath}&#10;\pagestyle{empty}&#10;\begin{document}&#10;&#10;$[w_{1}, w_{2}] = [1, \frac{1+\sqrt{D}}{2}] $ or $[1, \sqrt{D}]$ depending on whether $D$ is $\{1\}, \{2, 3\} \mod 4$&#10;&#10;&#10;\end{document}"/>
-  <p:tag name="IGUANATEXSIZE" val="20"/>
-  <p:tag name="IGUANATEXCURSOR" val="99"/>
-  <p:tag name="TRANSPARENCY" val="True"/>
-  <p:tag name="FILENAME" val=""/>
-  <p:tag name="INPUTTYPE" val="0"/>
-  <p:tag name="LATEXENGINEID" val="0"/>
-  <p:tag name="TEMPFOLDER" val="c:\temp\"/>
-</p:tagLst>
-</file>
-
-<file path=ppt/tags/tag11.xml><?xml version="1.0" encoding="utf-8"?>
-<p:tagLst xmlns:a="http://schemas.openxmlformats.org/drawingml/2006/main" xmlns:r="http://schemas.openxmlformats.org/officeDocument/2006/relationships" xmlns:p="http://schemas.openxmlformats.org/presentationml/2006/main">
-  <p:tag name="ORIGINALHEIGHT" val="217.5"/>
-  <p:tag name="ORIGINALWIDTH" val="1820.25"/>
-  <p:tag name="OUTPUTDPI" val="1200"/>
-  <p:tag name="LATEXADDIN" val="\documentclass{article}&#10;\usepackage{amsmath}&#10;\pagestyle{empty}&#10;\begin{document}&#10;&#10;$j(\tau) = 1728 \frac{g_{2}^{3}}{g_{2}^{3} - 27 g_{3}^{2}} $ where $\tau = \frac{w_{1}}{w_{2}}$&#10;&#10;&#10;\end{document}"/>
-  <p:tag name="IGUANATEXSIZE" val="20"/>
-  <p:tag name="IGUANATEXCURSOR" val="176"/>
-  <p:tag name="TRANSPARENCY" val="True"/>
-  <p:tag name="FILENAME" val=""/>
-  <p:tag name="INPUTTYPE" val="0"/>
-  <p:tag name="LATEXENGINEID" val="0"/>
-  <p:tag name="TEMPFOLDER" val="c:\temp\"/>
-</p:tagLst>
-</file>
-
-<file path=ppt/tags/tag12.xml><?xml version="1.0" encoding="utf-8"?>
-<p:tagLst xmlns:a="http://schemas.openxmlformats.org/drawingml/2006/main" xmlns:r="http://schemas.openxmlformats.org/officeDocument/2006/relationships" xmlns:p="http://schemas.openxmlformats.org/presentationml/2006/main">
-  <p:tag name="ORIGINALHEIGHT" val="124.5"/>
-  <p:tag name="ORIGINALWIDTH" val="3126"/>
-  <p:tag name="OUTPUTDPI" val="1200"/>
-  <p:tag name="LATEXADDIN" val="\documentclass{article}&#10;\usepackage{amsmath}&#10;\pagestyle{empty}&#10;\begin{document}&#10;&#10;$(\wp(z_{1}), \wp'(z_{1})) \oplus (\wp(z_{2}), \wp'(z_{2})) = (\wp(z_{1} + z_{2}), \wp'(z_{1} + z_{2})) $&#10;&#10;&#10;\end{document}"/>
-  <p:tag name="IGUANATEXSIZE" val="20"/>
-  <p:tag name="IGUANATEXCURSOR" val="82"/>
-  <p:tag name="TRANSPARENCY" val="True"/>
-  <p:tag name="FILENAME" val=""/>
-  <p:tag name="INPUTTYPE" val="0"/>
-  <p:tag name="LATEXENGINEID" val="0"/>
-  <p:tag name="TEMPFOLDER" val="c:\temp\"/>
-</p:tagLst>
-</file>
-
-<file path=ppt/tags/tag13.xml><?xml version="1.0" encoding="utf-8"?>
-<p:tagLst xmlns:a="http://schemas.openxmlformats.org/drawingml/2006/main" xmlns:r="http://schemas.openxmlformats.org/officeDocument/2006/relationships" xmlns:p="http://schemas.openxmlformats.org/presentationml/2006/main">
-  <p:tag name="ORIGINALHEIGHT" val="266.25"/>
-  <p:tag name="ORIGINALWIDTH" val="4290.75"/>
-  <p:tag name="OUTPUTDPI" val="1200"/>
-  <p:tag name="LATEXADDIN" val="\documentclass{article}&#10;\usepackage{amsmath}&#10;\pagestyle{empty}&#10;\begin{document}&#10;&#10;Integer endomorphisms $[m]$ give rise to $ z \rightarrow mz$, and for multiplication by a complex number $c$, we have $z \rightarrow cz$&#10;&#10;&#10;\end{document}"/>
-  <p:tag name="IGUANATEXSIZE" val="20"/>
-  <p:tag name="IGUANATEXCURSOR" val="218"/>
-  <p:tag name="TRANSPARENCY" val="True"/>
-  <p:tag name="FILENAME" val=""/>
-  <p:tag name="INPUTTYPE" val="0"/>
-  <p:tag name="LATEXENGINEID" val="0"/>
-  <p:tag name="TEMPFOLDER" val="c:\temp\"/>
-</p:tagLst>
-</file>
-
-<file path=ppt/tags/tag14.xml><?xml version="1.0" encoding="utf-8"?>
-<p:tagLst xmlns:a="http://schemas.openxmlformats.org/drawingml/2006/main" xmlns:r="http://schemas.openxmlformats.org/officeDocument/2006/relationships" xmlns:p="http://schemas.openxmlformats.org/presentationml/2006/main">
-  <p:tag name="ORIGINALHEIGHT" val="124.5"/>
-  <p:tag name="ORIGINALWIDTH" val="2094"/>
-  <p:tag name="OUTPUTDPI" val="1200"/>
-  <p:tag name="LATEXADDIN" val="\documentclass{article}&#10;\usepackage{amsmath}&#10;\pagestyle{empty}&#10;\begin{document}&#10;&#10;$iz \rightarrow (\wp(iz), \wp'(iz)): i(x,y) \rightarrow (-x,iy)$ &#10;&#10;&#10;\end{document}"/>
-  <p:tag name="IGUANATEXSIZE" val="20"/>
-  <p:tag name="IGUANATEXCURSOR" val="144"/>
-  <p:tag name="TRANSPARENCY" val="True"/>
-  <p:tag name="FILENAME" val=""/>
-  <p:tag name="INPUTTYPE" val="0"/>
-  <p:tag name="LATEXENGINEID" val="0"/>
-  <p:tag name="TEMPFOLDER" val="c:\temp\"/>
-</p:tagLst>
-</file>
-
-<file path=ppt/tags/tag15.xml><?xml version="1.0" encoding="utf-8"?>
-<p:tagLst xmlns:a="http://schemas.openxmlformats.org/drawingml/2006/main" xmlns:r="http://schemas.openxmlformats.org/officeDocument/2006/relationships" xmlns:p="http://schemas.openxmlformats.org/presentationml/2006/main">
-  <p:tag name="ORIGINALHEIGHT" val="124.5"/>
-  <p:tag name="ORIGINALWIDTH" val="2398.5"/>
-  <p:tag name="OUTPUTDPI" val="1200"/>
-  <p:tag name="LATEXADDIN" val="\documentclass{article}&#10;\usepackage{amsmath}&#10;\pagestyle{empty}&#10;\begin{document}&#10;&#10;&#10;$mz \rightarrow(\wp(mz), \wp'(mz)): m(x,y) \rightarrow [m](x,y)$ &#10;&#10;\end{document}"/>
-  <p:tag name="IGUANATEXSIZE" val="20"/>
-  <p:tag name="IGUANATEXCURSOR" val="147"/>
-  <p:tag name="TRANSPARENCY" val="True"/>
-  <p:tag name="FILENAME" val=""/>
-  <p:tag name="INPUTTYPE" val="0"/>
-  <p:tag name="LATEXENGINEID" val="0"/>
-  <p:tag name="TEMPFOLDER" val="c:\temp\"/>
-</p:tagLst>
-</file>
-
-<file path=ppt/tags/tag2.xml><?xml version="1.0" encoding="utf-8"?>
-<p:tagLst xmlns:a="http://schemas.openxmlformats.org/drawingml/2006/main" xmlns:r="http://schemas.openxmlformats.org/officeDocument/2006/relationships" xmlns:p="http://schemas.openxmlformats.org/presentationml/2006/main">
-  <p:tag name="ORIGINALHEIGHT" val="491.25"/>
-  <p:tag name="ORIGINALWIDTH" val="3335.25"/>
-  <p:tag name="OUTPUTDPI" val="1200"/>
-  <p:tag name="LATEXADDIN" val="\documentclass{article}&#10;\usepackage{amsmath}&#10;\usepackage{amsfonts} &#10;\pagestyle{empty}&#10;\begin{document}&#10;&#10;Define the lattice &#10;$$ L = Z\omega_{1} + Z \omega_{2}$$ Then there exists an elliptic curve that is isomorphic to $\mathbb{C}/ L$. &#10;&#10;&#10;\end{document}"/>
-  <p:tag name="IGUANATEXSIZE" val="20"/>
-  <p:tag name="IGUANATEXCURSOR" val="105"/>
-  <p:tag name="TRANSPARENCY" val="True"/>
-  <p:tag name="FILENAME" val=""/>
-  <p:tag name="INPUTTYPE" val="0"/>
-  <p:tag name="LATEXENGINEID" val="0"/>
-  <p:tag name="TEMPFOLDER" val="c:\temp\"/>
-</p:tagLst>
-</file>
-
-<file path=ppt/tags/tag3.xml><?xml version="1.0" encoding="utf-8"?>
-<p:tagLst xmlns:a="http://schemas.openxmlformats.org/drawingml/2006/main" xmlns:r="http://schemas.openxmlformats.org/officeDocument/2006/relationships" xmlns:p="http://schemas.openxmlformats.org/presentationml/2006/main">
-  <p:tag name="ORIGINALHEIGHT" val="124.5"/>
-  <p:tag name="ORIGINALWIDTH" val="3126"/>
-  <p:tag name="OUTPUTDPI" val="1200"/>
-  <p:tag name="LATEXADDIN" val="\documentclass{article}&#10;\usepackage{amsmath}&#10;\pagestyle{empty}&#10;\begin{document}&#10;&#10;$(\wp(z_{1}), \wp'(z_{1})) \oplus (\wp(z_{2}), \wp'(z_{2})) = (\wp(z_{1} + z_{2}), \wp'(z_{1} + z_{2})) $&#10;&#10;&#10;\end{document}"/>
-  <p:tag name="IGUANATEXSIZE" val="20"/>
-  <p:tag name="IGUANATEXCURSOR" val="82"/>
-  <p:tag name="TRANSPARENCY" val="True"/>
-  <p:tag name="FILENAME" val=""/>
-  <p:tag name="INPUTTYPE" val="0"/>
-  <p:tag name="LATEXENGINEID" val="0"/>
-  <p:tag name="TEMPFOLDER" val="c:\temp\"/>
-</p:tagLst>
-</file>
-
-<file path=ppt/tags/tag4.xml><?xml version="1.0" encoding="utf-8"?>
-<p:tagLst xmlns:a="http://schemas.openxmlformats.org/drawingml/2006/main" xmlns:r="http://schemas.openxmlformats.org/officeDocument/2006/relationships" xmlns:p="http://schemas.openxmlformats.org/presentationml/2006/main">
-  <p:tag name="ORIGINALHEIGHT" val="124.5"/>
-  <p:tag name="ORIGINALWIDTH" val="1459.5"/>
-  <p:tag name="OUTPUTDPI" val="1200"/>
-  <p:tag name="LATEXADDIN" val="\documentclass{article}&#10;\usepackage{amsmath}&#10;\pagestyle{empty}&#10;\begin{document}&#10;&#10;&#10;$z \rightarrow ( \wp(z), \wp' (z)), \&gt; \&gt; \&gt; \&gt; \&gt; 0 \rightarrow O $&#10;&#10;\end{document}"/>
-  <p:tag name="IGUANATEXSIZE" val="20"/>
-  <p:tag name="IGUANATEXCURSOR" val="150"/>
-  <p:tag name="TRANSPARENCY" val="True"/>
-  <p:tag name="FILENAME" val=""/>
-  <p:tag name="INPUTTYPE" val="0"/>
-  <p:tag name="LATEXENGINEID" val="0"/>
-  <p:tag name="TEMPFOLDER" val="c:\temp\"/>
-</p:tagLst>
-</file>
-
-<file path=ppt/tags/tag5.xml><?xml version="1.0" encoding="utf-8"?>
-<p:tagLst xmlns:a="http://schemas.openxmlformats.org/drawingml/2006/main" xmlns:r="http://schemas.openxmlformats.org/officeDocument/2006/relationships" xmlns:p="http://schemas.openxmlformats.org/presentationml/2006/main">
-  <p:tag name="ORIGINALHEIGHT" val="224.25"/>
-  <p:tag name="ORIGINALWIDTH" val="1812.75"/>
-  <p:tag name="OUTPUTDPI" val="1200"/>
-  <p:tag name="LATEXADDIN" val="\documentclass{article}&#10;\usepackage{amsmath}&#10;\pagestyle{empty}&#10;\begin{document}&#10;&#10;$\wp(z) = \frac{1}{z^{2}} + \sum_{\omega \in L}\left(\frac{1}{(z-\omega)^{2}} - \frac{1}{\omega^{2}}\right) $&#10;&#10;&#10;\end{document}"/>
-  <p:tag name="IGUANATEXSIZE" val="20"/>
-  <p:tag name="IGUANATEXCURSOR" val="82"/>
-  <p:tag name="TRANSPARENCY" val="True"/>
-  <p:tag name="FILENAME" val=""/>
-  <p:tag name="INPUTTYPE" val="0"/>
-  <p:tag name="LATEXENGINEID" val="0"/>
-  <p:tag name="TEMPFOLDER" val="c:\temp\"/>
-</p:tagLst>
-</file>
-
-<file path=ppt/tags/tag6.xml><?xml version="1.0" encoding="utf-8"?>
-<p:tagLst xmlns:a="http://schemas.openxmlformats.org/drawingml/2006/main" xmlns:r="http://schemas.openxmlformats.org/officeDocument/2006/relationships" xmlns:p="http://schemas.openxmlformats.org/presentationml/2006/main">
-  <p:tag name="ORIGINALHEIGHT" val="171.75"/>
-  <p:tag name="ORIGINALWIDTH" val="1308"/>
-  <p:tag name="OUTPUTDPI" val="1200"/>
-  <p:tag name="LATEXADDIN" val="\documentclass{article}&#10;\usepackage{amsmath}&#10;\pagestyle{empty}&#10;\begin{document}&#10;&#10;$\wp ' (z) = -2 \sum_{\omega \in L} \frac{1}{(z- \omega)^{2}} $&#10;&#10;&#10;\end{document}"/>
-  <p:tag name="IGUANATEXSIZE" val="20"/>
-  <p:tag name="IGUANATEXCURSOR" val="144"/>
-  <p:tag name="TRANSPARENCY" val="True"/>
-  <p:tag name="FILENAME" val=""/>
-  <p:tag name="INPUTTYPE" val="0"/>
-  <p:tag name="LATEXENGINEID" val="0"/>
-  <p:tag name="TEMPFOLDER" val="c:\temp\"/>
-</p:tagLst>
-</file>
-
-<file path=ppt/tags/tag7.xml><?xml version="1.0" encoding="utf-8"?>
-<p:tagLst xmlns:a="http://schemas.openxmlformats.org/drawingml/2006/main" xmlns:r="http://schemas.openxmlformats.org/officeDocument/2006/relationships" xmlns:p="http://schemas.openxmlformats.org/presentationml/2006/main">
-  <p:tag name="ORIGINALHEIGHT" val="129"/>
-  <p:tag name="ORIGINALWIDTH" val="1269.75"/>
-  <p:tag name="OUTPUTDPI" val="1200"/>
-  <p:tag name="LATEXADDIN" val="\documentclass{article}&#10;\usepackage{amsmath}&#10;\pagestyle{empty}&#10;\begin{document}&#10;&#10;&#10;$E: y^{2} = 4x^{3} - g_{2}x - g_{3} $&#10;&#10;\end{document}"/>
-  <p:tag name="IGUANATEXSIZE" val="20"/>
-  <p:tag name="IGUANATEXCURSOR" val="83"/>
-  <p:tag name="TRANSPARENCY" val="True"/>
-  <p:tag name="FILENAME" val=""/>
-  <p:tag name="INPUTTYPE" val="0"/>
-  <p:tag name="LATEXENGINEID" val="0"/>
-  <p:tag name="TEMPFOLDER" val="c:\temp\"/>
-</p:tagLst>
-</file>
-
-<file path=ppt/tags/tag8.xml><?xml version="1.0" encoding="utf-8"?>
-<p:tagLst xmlns:a="http://schemas.openxmlformats.org/drawingml/2006/main" xmlns:r="http://schemas.openxmlformats.org/officeDocument/2006/relationships" xmlns:p="http://schemas.openxmlformats.org/presentationml/2006/main">
-  <p:tag name="ORIGINALHEIGHT" val="113.25"/>
-  <p:tag name="ORIGINALWIDTH" val="1584.75"/>
-  <p:tag name="OUTPUTDPI" val="1200"/>
-  <p:tag name="LATEXADDIN" val="\documentclass{article}&#10;\usepackage{amsmath}&#10;\pagestyle{empty}&#10;\begin{document}&#10;&#10;&#10;where $g_{2} = 60G_{4}, g_{3} = 140G_{6}$  &#10;&#10;\end{document}"/>
-  <p:tag name="IGUANATEXSIZE" val="20"/>
-  <p:tag name="IGUANATEXCURSOR" val="125"/>
-  <p:tag name="TRANSPARENCY" val="True"/>
-  <p:tag name="FILENAME" val=""/>
-  <p:tag name="INPUTTYPE" val="0"/>
-  <p:tag name="LATEXENGINEID" val="0"/>
-  <p:tag name="TEMPFOLDER" val="c:\temp\"/>
-</p:tagLst>
-</file>
-
-<file path=ppt/tags/tag9.xml><?xml version="1.0" encoding="utf-8"?>
-<p:tagLst xmlns:a="http://schemas.openxmlformats.org/drawingml/2006/main" xmlns:r="http://schemas.openxmlformats.org/officeDocument/2006/relationships" xmlns:p="http://schemas.openxmlformats.org/presentationml/2006/main">
-  <p:tag name="ORIGINALHEIGHT" val="149.25"/>
-  <p:tag name="ORIGINALWIDTH" val="1070.25"/>
-  <p:tag name="OUTPUTDPI" val="1200"/>
-  <p:tag name="LATEXADDIN" val="\documentclass{article}&#10;\usepackage{amsmath}&#10;\pagestyle{empty}&#10;\begin{document}&#10;&#10;&#10;$G_{k}(L) = \sum_{\omega \in L}\omega^{-k}$&#10;&#10;\end{document}"/>
-  <p:tag name="IGUANATEXSIZE" val="20"/>
-  <p:tag name="IGUANATEXCURSOR" val="125"/>
-  <p:tag name="TRANSPARENCY" val="True"/>
-  <p:tag name="FILENAME" val=""/>
-  <p:tag name="INPUTTYPE" val="0"/>
-  <p:tag name="LATEXENGINEID" val="0"/>
-  <p:tag name="TEMPFOLDER" val="c:\temp\"/>
-</p:tagLst>
 </file>
 
 <file path=ppt/theme/theme1.xml><?xml version="1.0" encoding="utf-8"?>
@@ -5571,7 +4555,7 @@
   <a:extraClrSchemeLst/>
   <a:extLst>
     <a:ext uri="{05A4C25C-085E-4340-85A3-A5531E510DB2}">
-      <thm15:themeFamily xmlns:thm15="http://schemas.microsoft.com/office/thememl/2012/main" name="Office Theme" id="{62F939B6-93AF-4DB8-9C6B-D6C7DFDC589F}" vid="{4A3C46E8-61CC-4603-A589-7422A47A8E4A}"/>
+      <thm15:themeFamily xmlns="" xmlns:thm15="http://schemas.microsoft.com/office/thememl/2012/main" name="Office Theme" id="{62F939B6-93AF-4DB8-9C6B-D6C7DFDC589F}" vid="{4A3C46E8-61CC-4603-A589-7422A47A8E4A}"/>
     </a:ext>
   </a:extLst>
 </a:theme>

--- a/Presentation.ppt.pptx
+++ b/Presentation.ppt.pptx
@@ -2,7 +2,7 @@
 <file path=ppt/presentation.xml><?xml version="1.0" encoding="utf-8"?>
 <p:presentation xmlns:a="http://schemas.openxmlformats.org/drawingml/2006/main" xmlns:r="http://schemas.openxmlformats.org/officeDocument/2006/relationships" xmlns:p="http://schemas.openxmlformats.org/presentationml/2006/main" saveSubsetFonts="1">
   <p:sldMasterIdLst>
-    <p:sldMasterId id="2147483648" r:id="rId1"/>
+    <p:sldMasterId id="2147483756" r:id="rId1"/>
   </p:sldMasterIdLst>
   <p:sldIdLst>
     <p:sldId id="256" r:id="rId2"/>
@@ -13,7 +13,8 @@
     <p:sldId id="260" r:id="rId7"/>
     <p:sldId id="264" r:id="rId8"/>
     <p:sldId id="265" r:id="rId9"/>
-    <p:sldId id="266" r:id="rId10"/>
+    <p:sldId id="267" r:id="rId10"/>
+    <p:sldId id="266" r:id="rId11"/>
   </p:sldIdLst>
   <p:sldSz cx="12192000" cy="6858000"/>
   <p:notesSz cx="6858000" cy="9144000"/>
@@ -114,7 +115,7 @@
   </p:defaultTextStyle>
   <p:extLst>
     <p:ext uri="{EFAFB233-063F-42B5-8137-9DF3F51BA10A}">
-      <p15:sldGuideLst xmlns="" xmlns:p15="http://schemas.microsoft.com/office/powerpoint/2012/main">
+      <p15:sldGuideLst xmlns:p15="http://schemas.microsoft.com/office/powerpoint/2012/main" xmlns="">
         <p15:guide id="1" orient="horz" pos="2160">
           <p15:clr>
             <a:srgbClr val="A4A3A4"/>
@@ -132,7 +133,7 @@
 </file>
 
 <file path=ppt/slideLayouts/slideLayout1.xml><?xml version="1.0" encoding="utf-8"?>
-<p:sldLayout xmlns:a="http://schemas.openxmlformats.org/drawingml/2006/main" xmlns:r="http://schemas.openxmlformats.org/officeDocument/2006/relationships" xmlns:p="http://schemas.openxmlformats.org/presentationml/2006/main" type="title" preserve="1">
+<p:sldLayout xmlns:a="http://schemas.openxmlformats.org/drawingml/2006/main" xmlns:r="http://schemas.openxmlformats.org/officeDocument/2006/relationships" xmlns:p="http://schemas.openxmlformats.org/presentationml/2006/main" showMasterSp="0" type="title" preserve="1">
   <p:cSld name="Title Slide">
     <p:spTree>
       <p:nvGrpSpPr>
@@ -150,32 +151,465 @@
       </p:grpSpPr>
       <p:sp>
         <p:nvSpPr>
-          <p:cNvPr id="2" name="Title 1"/>
-          <p:cNvSpPr>
-            <a:spLocks noGrp="1"/>
-          </p:cNvSpPr>
-          <p:nvPr>
-            <p:ph type="ctrTitle"/>
-          </p:nvPr>
-        </p:nvSpPr>
-        <p:spPr>
-          <a:xfrm>
-            <a:off x="1524000" y="1122363"/>
-            <a:ext cx="9144000" cy="2387600"/>
-          </a:xfrm>
-        </p:spPr>
-        <p:txBody>
-          <a:bodyPr anchor="b"/>
+          <p:cNvPr id="7" name="Rectangle 6"/>
+          <p:cNvSpPr/>
+          <p:nvPr/>
+        </p:nvSpPr>
+        <p:spPr>
+          <a:xfrm>
+            <a:off x="0" y="0"/>
+            <a:ext cx="12192000" cy="6858000"/>
+          </a:xfrm>
+          <a:prstGeom prst="rect">
+            <a:avLst/>
+          </a:prstGeom>
+          <a:solidFill>
+            <a:srgbClr val="FFFFFF"/>
+          </a:solidFill>
+          <a:ln>
+            <a:noFill/>
+          </a:ln>
+        </p:spPr>
+        <p:style>
+          <a:lnRef idx="2">
+            <a:schemeClr val="accent1">
+              <a:shade val="50000"/>
+            </a:schemeClr>
+          </a:lnRef>
+          <a:fillRef idx="1">
+            <a:schemeClr val="accent1"/>
+          </a:fillRef>
+          <a:effectRef idx="0">
+            <a:schemeClr val="accent1"/>
+          </a:effectRef>
+          <a:fontRef idx="minor">
+            <a:schemeClr val="lt1"/>
+          </a:fontRef>
+        </p:style>
+        <p:txBody>
+          <a:bodyPr rtlCol="0" anchor="ctr"/>
+          <a:lstStyle/>
+          <a:p>
+            <a:pPr algn="ctr"/>
+            <a:endParaRPr lang="en-US"/>
+          </a:p>
+        </p:txBody>
+      </p:sp>
+      <p:sp useBgFill="1">
+        <p:nvSpPr>
+          <p:cNvPr id="8" name="Rounded Rectangle 7"/>
+          <p:cNvSpPr/>
+          <p:nvPr/>
+        </p:nvSpPr>
+        <p:spPr>
+          <a:xfrm>
+            <a:off x="121920" y="101600"/>
+            <a:ext cx="11948160" cy="6664960"/>
+          </a:xfrm>
+          <a:prstGeom prst="roundRect">
+            <a:avLst>
+              <a:gd name="adj" fmla="val 1735"/>
+            </a:avLst>
+          </a:prstGeom>
+          <a:ln w="12700" cmpd="sng">
+            <a:noFill/>
+          </a:ln>
+        </p:spPr>
+        <p:style>
+          <a:lnRef idx="2">
+            <a:schemeClr val="accent1">
+              <a:shade val="50000"/>
+            </a:schemeClr>
+          </a:lnRef>
+          <a:fillRef idx="1">
+            <a:schemeClr val="accent1"/>
+          </a:fillRef>
+          <a:effectRef idx="0">
+            <a:schemeClr val="accent1"/>
+          </a:effectRef>
+          <a:fontRef idx="minor">
+            <a:schemeClr val="lt1"/>
+          </a:fontRef>
+        </p:style>
+        <p:txBody>
+          <a:bodyPr rtlCol="0" anchor="ctr"/>
+          <a:lstStyle/>
+          <a:p>
+            <a:pPr algn="ctr"/>
+            <a:endParaRPr lang="en-US"/>
+          </a:p>
+        </p:txBody>
+      </p:sp>
+      <p:sp>
+        <p:nvSpPr>
+          <p:cNvPr id="4" name="Date Placeholder 3"/>
+          <p:cNvSpPr>
+            <a:spLocks noGrp="1"/>
+          </p:cNvSpPr>
+          <p:nvPr>
+            <p:ph type="dt" sz="half" idx="10"/>
+          </p:nvPr>
+        </p:nvSpPr>
+        <p:spPr/>
+        <p:txBody>
+          <a:bodyPr/>
+          <a:lstStyle/>
+          <a:p>
+            <a:fld id="{0A2C9084-70B7-4828-AD77-7D77F1A8B45B}" type="datetimeFigureOut">
+              <a:rPr lang="en-US" smtClean="0"/>
+              <a:t>11/29/15</a:t>
+            </a:fld>
+            <a:endParaRPr lang="en-US"/>
+          </a:p>
+        </p:txBody>
+      </p:sp>
+      <p:sp>
+        <p:nvSpPr>
+          <p:cNvPr id="5" name="Footer Placeholder 4"/>
+          <p:cNvSpPr>
+            <a:spLocks noGrp="1"/>
+          </p:cNvSpPr>
+          <p:nvPr>
+            <p:ph type="ftr" sz="quarter" idx="11"/>
+          </p:nvPr>
+        </p:nvSpPr>
+        <p:spPr/>
+        <p:txBody>
+          <a:bodyPr/>
+          <a:lstStyle/>
+          <a:p>
+            <a:endParaRPr lang="en-US"/>
+          </a:p>
+        </p:txBody>
+      </p:sp>
+      <p:sp>
+        <p:nvSpPr>
+          <p:cNvPr id="9" name="Rectangle 8"/>
+          <p:cNvSpPr/>
+          <p:nvPr/>
+        </p:nvSpPr>
+        <p:spPr>
+          <a:xfrm>
+            <a:off x="460587" y="2942602"/>
+            <a:ext cx="9530575" cy="2463800"/>
+          </a:xfrm>
+          <a:prstGeom prst="rect">
+            <a:avLst/>
+          </a:prstGeom>
+          <a:solidFill>
+            <a:srgbClr val="FFFFFF">
+              <a:alpha val="83000"/>
+            </a:srgbClr>
+          </a:solidFill>
+          <a:ln>
+            <a:noFill/>
+          </a:ln>
+          <a:effectLst>
+            <a:softEdge rad="12700"/>
+          </a:effectLst>
+        </p:spPr>
+        <p:style>
+          <a:lnRef idx="2">
+            <a:schemeClr val="accent1">
+              <a:shade val="50000"/>
+            </a:schemeClr>
+          </a:lnRef>
+          <a:fillRef idx="1">
+            <a:schemeClr val="accent1"/>
+          </a:fillRef>
+          <a:effectRef idx="0">
+            <a:schemeClr val="accent1"/>
+          </a:effectRef>
+          <a:fontRef idx="minor">
+            <a:schemeClr val="lt1"/>
+          </a:fontRef>
+        </p:style>
+        <p:txBody>
+          <a:bodyPr rtlCol="0" anchor="ctr"/>
+          <a:lstStyle/>
+          <a:p>
+            <a:pPr algn="ctr"/>
+            <a:endParaRPr lang="en-US"/>
+          </a:p>
+        </p:txBody>
+      </p:sp>
+      <p:sp>
+        <p:nvSpPr>
+          <p:cNvPr id="12" name="Rectangle 11"/>
+          <p:cNvSpPr/>
+          <p:nvPr/>
+        </p:nvSpPr>
+        <p:spPr>
+          <a:xfrm>
+            <a:off x="10096869" y="2944634"/>
+            <a:ext cx="1587131" cy="2459736"/>
+          </a:xfrm>
+          <a:prstGeom prst="rect">
+            <a:avLst/>
+          </a:prstGeom>
+          <a:solidFill>
+            <a:srgbClr val="FFFFFF">
+              <a:alpha val="83000"/>
+            </a:srgbClr>
+          </a:solidFill>
+          <a:ln>
+            <a:noFill/>
+          </a:ln>
+          <a:effectLst>
+            <a:softEdge rad="12700"/>
+          </a:effectLst>
+        </p:spPr>
+        <p:style>
+          <a:lnRef idx="2">
+            <a:schemeClr val="accent1">
+              <a:shade val="50000"/>
+            </a:schemeClr>
+          </a:lnRef>
+          <a:fillRef idx="1">
+            <a:schemeClr val="accent1"/>
+          </a:fillRef>
+          <a:effectRef idx="0">
+            <a:schemeClr val="accent1"/>
+          </a:effectRef>
+          <a:fontRef idx="minor">
+            <a:schemeClr val="lt1"/>
+          </a:fontRef>
+        </p:style>
+        <p:txBody>
+          <a:bodyPr rtlCol="0" anchor="ctr"/>
+          <a:lstStyle/>
+          <a:p>
+            <a:pPr algn="ctr"/>
+            <a:endParaRPr lang="en-US"/>
+          </a:p>
+        </p:txBody>
+      </p:sp>
+      <p:sp>
+        <p:nvSpPr>
+          <p:cNvPr id="13" name="Rectangle 12"/>
+          <p:cNvSpPr/>
+          <p:nvPr/>
+        </p:nvSpPr>
+        <p:spPr>
+          <a:xfrm>
+            <a:off x="10283619" y="3136658"/>
+            <a:ext cx="1213632" cy="2075688"/>
+          </a:xfrm>
+          <a:prstGeom prst="rect">
+            <a:avLst/>
+          </a:prstGeom>
+          <a:solidFill>
+            <a:schemeClr val="accent3">
+              <a:alpha val="70000"/>
+            </a:schemeClr>
+          </a:solidFill>
+          <a:ln w="6350">
+            <a:solidFill>
+              <a:schemeClr val="accent1">
+                <a:lumMod val="75000"/>
+              </a:schemeClr>
+            </a:solidFill>
+          </a:ln>
+        </p:spPr>
+        <p:style>
+          <a:lnRef idx="2">
+            <a:schemeClr val="accent1">
+              <a:shade val="50000"/>
+            </a:schemeClr>
+          </a:lnRef>
+          <a:fillRef idx="1">
+            <a:schemeClr val="accent1"/>
+          </a:fillRef>
+          <a:effectRef idx="0">
+            <a:schemeClr val="accent1"/>
+          </a:effectRef>
+          <a:fontRef idx="minor">
+            <a:schemeClr val="lt1"/>
+          </a:fontRef>
+        </p:style>
+        <p:txBody>
+          <a:bodyPr rtlCol="0" anchor="ctr"/>
+          <a:lstStyle/>
+          <a:p>
+            <a:pPr algn="ctr"/>
+            <a:endParaRPr lang="en-US"/>
+          </a:p>
+        </p:txBody>
+      </p:sp>
+      <p:sp>
+        <p:nvSpPr>
+          <p:cNvPr id="14" name="Rectangle 13"/>
+          <p:cNvSpPr/>
+          <p:nvPr/>
+        </p:nvSpPr>
+        <p:spPr>
+          <a:xfrm>
+            <a:off x="593978" y="3055622"/>
+            <a:ext cx="9263793" cy="2245359"/>
+          </a:xfrm>
+          <a:prstGeom prst="rect">
+            <a:avLst/>
+          </a:prstGeom>
+          <a:solidFill>
+            <a:srgbClr val="FFFFFF"/>
+          </a:solidFill>
+          <a:ln w="6350" cmpd="dbl">
+            <a:noFill/>
+          </a:ln>
+        </p:spPr>
+        <p:style>
+          <a:lnRef idx="2">
+            <a:schemeClr val="accent1">
+              <a:shade val="50000"/>
+            </a:schemeClr>
+          </a:lnRef>
+          <a:fillRef idx="1">
+            <a:schemeClr val="accent1"/>
+          </a:fillRef>
+          <a:effectRef idx="0">
+            <a:schemeClr val="accent1"/>
+          </a:effectRef>
+          <a:fontRef idx="minor">
+            <a:schemeClr val="lt1"/>
+          </a:fontRef>
+        </p:style>
+        <p:txBody>
+          <a:bodyPr rtlCol="0" anchor="ctr"/>
+          <a:lstStyle/>
+          <a:p>
+            <a:pPr algn="ctr"/>
+            <a:endParaRPr lang="en-US"/>
+          </a:p>
+        </p:txBody>
+      </p:sp>
+      <p:sp>
+        <p:nvSpPr>
+          <p:cNvPr id="6" name="Slide Number Placeholder 5"/>
+          <p:cNvSpPr>
+            <a:spLocks noGrp="1"/>
+          </p:cNvSpPr>
+          <p:nvPr>
+            <p:ph type="sldNum" sz="quarter" idx="12"/>
+          </p:nvPr>
+        </p:nvSpPr>
+        <p:spPr>
+          <a:xfrm>
+            <a:off x="10382435" y="4625268"/>
+            <a:ext cx="1016000" cy="457200"/>
+          </a:xfrm>
+        </p:spPr>
+        <p:txBody>
+          <a:bodyPr/>
           <a:lstStyle>
             <a:lvl1pPr algn="ctr">
-              <a:defRPr sz="6000"/>
+              <a:defRPr sz="2800">
+                <a:solidFill>
+                  <a:schemeClr val="accent1">
+                    <a:lumMod val="50000"/>
+                  </a:schemeClr>
+                </a:solidFill>
+              </a:defRPr>
             </a:lvl1pPr>
           </a:lstStyle>
           <a:p>
-            <a:r>
-              <a:rPr lang="en-US" smtClean="0"/>
-              <a:t>Click to edit Master title style</a:t>
-            </a:r>
+            <a:fld id="{8F0FEE11-1095-4C61-9A70-B02A236917C5}" type="slidenum">
+              <a:rPr lang="en-US" smtClean="0"/>
+              <a:t>‹#›</a:t>
+            </a:fld>
+            <a:endParaRPr lang="en-US"/>
+          </a:p>
+        </p:txBody>
+      </p:sp>
+      <p:sp>
+        <p:nvSpPr>
+          <p:cNvPr id="11" name="Rectangle 10"/>
+          <p:cNvSpPr/>
+          <p:nvPr/>
+        </p:nvSpPr>
+        <p:spPr>
+          <a:xfrm>
+            <a:off x="722429" y="4559277"/>
+            <a:ext cx="9006888" cy="664367"/>
+          </a:xfrm>
+          <a:prstGeom prst="rect">
+            <a:avLst/>
+          </a:prstGeom>
+          <a:solidFill>
+            <a:schemeClr val="accent1"/>
+          </a:solidFill>
+          <a:ln w="6350">
+            <a:noFill/>
+          </a:ln>
+        </p:spPr>
+        <p:style>
+          <a:lnRef idx="2">
+            <a:schemeClr val="accent1">
+              <a:shade val="50000"/>
+            </a:schemeClr>
+          </a:lnRef>
+          <a:fillRef idx="1">
+            <a:schemeClr val="accent1"/>
+          </a:fillRef>
+          <a:effectRef idx="0">
+            <a:schemeClr val="accent1"/>
+          </a:effectRef>
+          <a:fontRef idx="minor">
+            <a:schemeClr val="lt1"/>
+          </a:fontRef>
+        </p:style>
+        <p:txBody>
+          <a:bodyPr rtlCol="0" anchor="ctr"/>
+          <a:lstStyle/>
+          <a:p>
+            <a:pPr algn="ctr"/>
+            <a:endParaRPr lang="en-US"/>
+          </a:p>
+        </p:txBody>
+      </p:sp>
+      <p:sp>
+        <p:nvSpPr>
+          <p:cNvPr id="10" name="Rectangle 9"/>
+          <p:cNvSpPr/>
+          <p:nvPr/>
+        </p:nvSpPr>
+        <p:spPr>
+          <a:xfrm>
+            <a:off x="718628" y="3139440"/>
+            <a:ext cx="9014491" cy="2077720"/>
+          </a:xfrm>
+          <a:prstGeom prst="rect">
+            <a:avLst/>
+          </a:prstGeom>
+          <a:noFill/>
+          <a:ln w="6350" cmpd="dbl">
+            <a:solidFill>
+              <a:schemeClr val="accent1">
+                <a:lumMod val="75000"/>
+              </a:schemeClr>
+            </a:solidFill>
+          </a:ln>
+        </p:spPr>
+        <p:style>
+          <a:lnRef idx="2">
+            <a:schemeClr val="accent1">
+              <a:shade val="50000"/>
+            </a:schemeClr>
+          </a:lnRef>
+          <a:fillRef idx="1">
+            <a:schemeClr val="accent1"/>
+          </a:fillRef>
+          <a:effectRef idx="0">
+            <a:schemeClr val="accent1"/>
+          </a:effectRef>
+          <a:fontRef idx="minor">
+            <a:schemeClr val="lt1"/>
+          </a:fontRef>
+        </p:style>
+        <p:txBody>
+          <a:bodyPr rtlCol="0" anchor="ctr"/>
+          <a:lstStyle/>
+          <a:p>
+            <a:pPr algn="ctr"/>
             <a:endParaRPr lang="en-US"/>
           </a:p>
         </p:txBody>
@@ -192,48 +626,102 @@
         </p:nvSpPr>
         <p:spPr>
           <a:xfrm>
-            <a:off x="1524000" y="3602038"/>
-            <a:ext cx="9144000" cy="1655762"/>
-          </a:xfrm>
-        </p:spPr>
-        <p:txBody>
-          <a:bodyPr/>
+            <a:off x="857073" y="4648200"/>
+            <a:ext cx="8737600" cy="457200"/>
+          </a:xfrm>
+        </p:spPr>
+        <p:txBody>
+          <a:bodyPr>
+            <a:normAutofit/>
+          </a:bodyPr>
           <a:lstStyle>
             <a:lvl1pPr marL="0" indent="0" algn="ctr">
               <a:buNone/>
-              <a:defRPr sz="2400"/>
+              <a:defRPr sz="1800" cap="all" spc="300" baseline="0">
+                <a:solidFill>
+                  <a:srgbClr val="FFFFFF"/>
+                </a:solidFill>
+              </a:defRPr>
             </a:lvl1pPr>
             <a:lvl2pPr marL="457200" indent="0" algn="ctr">
               <a:buNone/>
-              <a:defRPr sz="2000"/>
+              <a:defRPr>
+                <a:solidFill>
+                  <a:schemeClr val="tx1">
+                    <a:tint val="75000"/>
+                  </a:schemeClr>
+                </a:solidFill>
+              </a:defRPr>
             </a:lvl2pPr>
             <a:lvl3pPr marL="914400" indent="0" algn="ctr">
               <a:buNone/>
-              <a:defRPr sz="1800"/>
+              <a:defRPr>
+                <a:solidFill>
+                  <a:schemeClr val="tx1">
+                    <a:tint val="75000"/>
+                  </a:schemeClr>
+                </a:solidFill>
+              </a:defRPr>
             </a:lvl3pPr>
             <a:lvl4pPr marL="1371600" indent="0" algn="ctr">
               <a:buNone/>
-              <a:defRPr sz="1600"/>
+              <a:defRPr>
+                <a:solidFill>
+                  <a:schemeClr val="tx1">
+                    <a:tint val="75000"/>
+                  </a:schemeClr>
+                </a:solidFill>
+              </a:defRPr>
             </a:lvl4pPr>
             <a:lvl5pPr marL="1828800" indent="0" algn="ctr">
               <a:buNone/>
-              <a:defRPr sz="1600"/>
+              <a:defRPr>
+                <a:solidFill>
+                  <a:schemeClr val="tx1">
+                    <a:tint val="75000"/>
+                  </a:schemeClr>
+                </a:solidFill>
+              </a:defRPr>
             </a:lvl5pPr>
             <a:lvl6pPr marL="2286000" indent="0" algn="ctr">
               <a:buNone/>
-              <a:defRPr sz="1600"/>
+              <a:defRPr>
+                <a:solidFill>
+                  <a:schemeClr val="tx1">
+                    <a:tint val="75000"/>
+                  </a:schemeClr>
+                </a:solidFill>
+              </a:defRPr>
             </a:lvl6pPr>
             <a:lvl7pPr marL="2743200" indent="0" algn="ctr">
               <a:buNone/>
-              <a:defRPr sz="1600"/>
+              <a:defRPr>
+                <a:solidFill>
+                  <a:schemeClr val="tx1">
+                    <a:tint val="75000"/>
+                  </a:schemeClr>
+                </a:solidFill>
+              </a:defRPr>
             </a:lvl7pPr>
             <a:lvl8pPr marL="3200400" indent="0" algn="ctr">
               <a:buNone/>
-              <a:defRPr sz="1600"/>
+              <a:defRPr>
+                <a:solidFill>
+                  <a:schemeClr val="tx1">
+                    <a:tint val="75000"/>
+                  </a:schemeClr>
+                </a:solidFill>
+              </a:defRPr>
             </a:lvl8pPr>
             <a:lvl9pPr marL="3657600" indent="0" algn="ctr">
               <a:buNone/>
-              <a:defRPr sz="1600"/>
+              <a:defRPr>
+                <a:solidFill>
+                  <a:schemeClr val="tx1">
+                    <a:tint val="75000"/>
+                  </a:schemeClr>
+                </a:solidFill>
+              </a:defRPr>
             </a:lvl9pPr>
           </a:lstStyle>
           <a:p>
@@ -241,81 +729,51 @@
               <a:rPr lang="en-US" smtClean="0"/>
               <a:t>Click to edit Master subtitle style</a:t>
             </a:r>
-            <a:endParaRPr lang="en-US"/>
-          </a:p>
-        </p:txBody>
-      </p:sp>
-      <p:sp>
-        <p:nvSpPr>
-          <p:cNvPr id="4" name="Date Placeholder 3"/>
-          <p:cNvSpPr>
-            <a:spLocks noGrp="1"/>
-          </p:cNvSpPr>
-          <p:nvPr>
-            <p:ph type="dt" sz="half" idx="10"/>
-          </p:nvPr>
-        </p:nvSpPr>
-        <p:spPr/>
-        <p:txBody>
-          <a:bodyPr/>
-          <a:lstStyle/>
-          <a:p>
-            <a:fld id="{0A2C9084-70B7-4828-AD77-7D77F1A8B45B}" type="datetimeFigureOut">
-              <a:rPr lang="en-US" smtClean="0"/>
-              <a:t>11/29/15</a:t>
-            </a:fld>
-            <a:endParaRPr lang="en-US"/>
-          </a:p>
-        </p:txBody>
-      </p:sp>
-      <p:sp>
-        <p:nvSpPr>
-          <p:cNvPr id="5" name="Footer Placeholder 4"/>
-          <p:cNvSpPr>
-            <a:spLocks noGrp="1"/>
-          </p:cNvSpPr>
-          <p:nvPr>
-            <p:ph type="ftr" sz="quarter" idx="11"/>
-          </p:nvPr>
-        </p:nvSpPr>
-        <p:spPr/>
-        <p:txBody>
-          <a:bodyPr/>
-          <a:lstStyle/>
-          <a:p>
-            <a:endParaRPr lang="en-US"/>
-          </a:p>
-        </p:txBody>
-      </p:sp>
-      <p:sp>
-        <p:nvSpPr>
-          <p:cNvPr id="6" name="Slide Number Placeholder 5"/>
-          <p:cNvSpPr>
-            <a:spLocks noGrp="1"/>
-          </p:cNvSpPr>
-          <p:nvPr>
-            <p:ph type="sldNum" sz="quarter" idx="12"/>
-          </p:nvPr>
-        </p:nvSpPr>
-        <p:spPr/>
-        <p:txBody>
-          <a:bodyPr/>
-          <a:lstStyle/>
-          <a:p>
-            <a:fld id="{8F0FEE11-1095-4C61-9A70-B02A236917C5}" type="slidenum">
-              <a:rPr lang="en-US" smtClean="0"/>
-              <a:t>‹#›</a:t>
-            </a:fld>
-            <a:endParaRPr lang="en-US"/>
+            <a:endParaRPr lang="en-US" dirty="0"/>
+          </a:p>
+        </p:txBody>
+      </p:sp>
+      <p:sp>
+        <p:nvSpPr>
+          <p:cNvPr id="2" name="Title 1"/>
+          <p:cNvSpPr>
+            <a:spLocks noGrp="1"/>
+          </p:cNvSpPr>
+          <p:nvPr>
+            <p:ph type="ctrTitle"/>
+          </p:nvPr>
+        </p:nvSpPr>
+        <p:spPr>
+          <a:xfrm>
+            <a:off x="806273" y="3227034"/>
+            <a:ext cx="8839200" cy="1219201"/>
+          </a:xfrm>
+        </p:spPr>
+        <p:txBody>
+          <a:bodyPr anchor="b" anchorCtr="0">
+            <a:noAutofit/>
+          </a:bodyPr>
+          <a:lstStyle>
+            <a:lvl1pPr>
+              <a:defRPr sz="4000">
+                <a:solidFill>
+                  <a:schemeClr val="accent1">
+                    <a:lumMod val="50000"/>
+                  </a:schemeClr>
+                </a:solidFill>
+              </a:defRPr>
+            </a:lvl1pPr>
+          </a:lstStyle>
+          <a:p>
+            <a:r>
+              <a:rPr lang="en-US" smtClean="0"/>
+              <a:t>Click to edit Master title style</a:t>
+            </a:r>
+            <a:endParaRPr lang="en-US" dirty="0"/>
           </a:p>
         </p:txBody>
       </p:sp>
     </p:spTree>
-    <p:extLst>
-      <p:ext uri="{BB962C8B-B14F-4D97-AF65-F5344CB8AC3E}">
-        <p14:creationId xmlns:p14="http://schemas.microsoft.com/office/powerpoint/2010/main" val="2056066436"/>
-      </p:ext>
-    </p:extLst>
   </p:cSld>
   <p:clrMapOvr>
     <a:masterClrMapping/>
@@ -481,11 +939,6 @@
         </p:txBody>
       </p:sp>
     </p:spTree>
-    <p:extLst>
-      <p:ext uri="{BB962C8B-B14F-4D97-AF65-F5344CB8AC3E}">
-        <p14:creationId xmlns:p14="http://schemas.microsoft.com/office/powerpoint/2010/main" val="777495322"/>
-      </p:ext>
-    </p:extLst>
   </p:cSld>
   <p:clrMapOvr>
     <a:masterClrMapping/>
@@ -494,7 +947,7 @@
 </file>
 
 <file path=ppt/slideLayouts/slideLayout11.xml><?xml version="1.0" encoding="utf-8"?>
-<p:sldLayout xmlns:a="http://schemas.openxmlformats.org/drawingml/2006/main" xmlns:r="http://schemas.openxmlformats.org/officeDocument/2006/relationships" xmlns:p="http://schemas.openxmlformats.org/presentationml/2006/main" type="vertTitleAndTx" preserve="1">
+<p:sldLayout xmlns:a="http://schemas.openxmlformats.org/drawingml/2006/main" xmlns:r="http://schemas.openxmlformats.org/officeDocument/2006/relationships" xmlns:p="http://schemas.openxmlformats.org/presentationml/2006/main" showMasterSp="0" type="vertTitleAndTx" preserve="1">
   <p:cSld name="Vertical Title and Text">
     <p:spTree>
       <p:nvGrpSpPr>
@@ -512,6 +965,108 @@
       </p:grpSpPr>
       <p:sp>
         <p:nvSpPr>
+          <p:cNvPr id="7" name="Rectangle 6"/>
+          <p:cNvSpPr/>
+          <p:nvPr/>
+        </p:nvSpPr>
+        <p:spPr>
+          <a:xfrm>
+            <a:off x="9148936" y="228600"/>
+            <a:ext cx="2479040" cy="6122634"/>
+          </a:xfrm>
+          <a:prstGeom prst="rect">
+            <a:avLst/>
+          </a:prstGeom>
+          <a:solidFill>
+            <a:srgbClr val="FFFFFF">
+              <a:alpha val="85000"/>
+            </a:srgbClr>
+          </a:solidFill>
+          <a:ln>
+            <a:noFill/>
+          </a:ln>
+          <a:effectLst/>
+        </p:spPr>
+        <p:style>
+          <a:lnRef idx="2">
+            <a:schemeClr val="accent1">
+              <a:shade val="50000"/>
+            </a:schemeClr>
+          </a:lnRef>
+          <a:fillRef idx="1">
+            <a:schemeClr val="accent1"/>
+          </a:fillRef>
+          <a:effectRef idx="0">
+            <a:schemeClr val="accent1"/>
+          </a:effectRef>
+          <a:fontRef idx="minor">
+            <a:schemeClr val="lt1"/>
+          </a:fontRef>
+        </p:style>
+        <p:txBody>
+          <a:bodyPr rtlCol="0" anchor="ctr"/>
+          <a:lstStyle/>
+          <a:p>
+            <a:pPr marL="0" algn="ctr" defTabSz="914400" rtl="0" eaLnBrk="1" latinLnBrk="0" hangingPunct="1"/>
+            <a:endParaRPr lang="en-US" sz="1800" kern="1200">
+              <a:solidFill>
+                <a:schemeClr val="lt1"/>
+              </a:solidFill>
+              <a:latin typeface="+mn-lt"/>
+              <a:ea typeface="+mn-ea"/>
+              <a:cs typeface="+mn-cs"/>
+            </a:endParaRPr>
+          </a:p>
+        </p:txBody>
+      </p:sp>
+      <p:sp>
+        <p:nvSpPr>
+          <p:cNvPr id="8" name="Rectangle 7"/>
+          <p:cNvSpPr/>
+          <p:nvPr/>
+        </p:nvSpPr>
+        <p:spPr>
+          <a:xfrm>
+            <a:off x="9273634" y="351410"/>
+            <a:ext cx="2229647" cy="5877017"/>
+          </a:xfrm>
+          <a:prstGeom prst="rect">
+            <a:avLst/>
+          </a:prstGeom>
+          <a:solidFill>
+            <a:srgbClr val="FFFFFF"/>
+          </a:solidFill>
+          <a:ln w="6350">
+            <a:noFill/>
+          </a:ln>
+        </p:spPr>
+        <p:style>
+          <a:lnRef idx="2">
+            <a:schemeClr val="accent1">
+              <a:shade val="50000"/>
+            </a:schemeClr>
+          </a:lnRef>
+          <a:fillRef idx="1">
+            <a:schemeClr val="accent1"/>
+          </a:fillRef>
+          <a:effectRef idx="0">
+            <a:schemeClr val="accent1"/>
+          </a:effectRef>
+          <a:fontRef idx="minor">
+            <a:schemeClr val="lt1"/>
+          </a:fontRef>
+        </p:style>
+        <p:txBody>
+          <a:bodyPr rtlCol="0" anchor="ctr"/>
+          <a:lstStyle/>
+          <a:p>
+            <a:pPr algn="ctr"/>
+            <a:endParaRPr lang="en-US"/>
+          </a:p>
+        </p:txBody>
+      </p:sp>
+      <p:sp>
+        <p:nvSpPr>
           <p:cNvPr id="2" name="Vertical Title 1"/>
           <p:cNvSpPr>
             <a:spLocks noGrp="1"/>
@@ -522,8 +1077,8 @@
         </p:nvSpPr>
         <p:spPr>
           <a:xfrm>
-            <a:off x="8724900" y="365125"/>
-            <a:ext cx="2628900" cy="5811838"/>
+            <a:off x="9398103" y="395428"/>
+            <a:ext cx="1980708" cy="5788981"/>
           </a:xfrm>
         </p:spPr>
         <p:txBody>
@@ -534,7 +1089,7 @@
               <a:rPr lang="en-US" smtClean="0"/>
               <a:t>Click to edit Master title style</a:t>
             </a:r>
-            <a:endParaRPr lang="en-US"/>
+            <a:endParaRPr lang="en-US" dirty="0"/>
           </a:p>
         </p:txBody>
       </p:sp>
@@ -550,8 +1105,8 @@
         </p:nvSpPr>
         <p:spPr>
           <a:xfrm>
-            <a:off x="838200" y="365125"/>
-            <a:ext cx="7734300" cy="5811838"/>
+            <a:off x="609600" y="381000"/>
+            <a:ext cx="8229600" cy="5791201"/>
           </a:xfrm>
         </p:spPr>
         <p:txBody>
@@ -591,7 +1146,7 @@
               <a:rPr lang="en-US" smtClean="0"/>
               <a:t>Fifth level</a:t>
             </a:r>
-            <a:endParaRPr lang="en-US"/>
+            <a:endParaRPr lang="en-US" dirty="0"/>
           </a:p>
         </p:txBody>
       </p:sp>
@@ -661,11 +1216,6 @@
         </p:txBody>
       </p:sp>
     </p:spTree>
-    <p:extLst>
-      <p:ext uri="{BB962C8B-B14F-4D97-AF65-F5344CB8AC3E}">
-        <p14:creationId xmlns:p14="http://schemas.microsoft.com/office/powerpoint/2010/main" val="1010566032"/>
-      </p:ext>
-    </p:extLst>
   </p:cSld>
   <p:clrMapOvr>
     <a:masterClrMapping/>
@@ -831,11 +1381,6 @@
         </p:txBody>
       </p:sp>
     </p:spTree>
-    <p:extLst>
-      <p:ext uri="{BB962C8B-B14F-4D97-AF65-F5344CB8AC3E}">
-        <p14:creationId xmlns:p14="http://schemas.microsoft.com/office/powerpoint/2010/main" val="588236670"/>
-      </p:ext>
-    </p:extLst>
   </p:cSld>
   <p:clrMapOvr>
     <a:masterClrMapping/>
@@ -844,7 +1389,7 @@
 </file>
 
 <file path=ppt/slideLayouts/slideLayout3.xml><?xml version="1.0" encoding="utf-8"?>
-<p:sldLayout xmlns:a="http://schemas.openxmlformats.org/drawingml/2006/main" xmlns:r="http://schemas.openxmlformats.org/officeDocument/2006/relationships" xmlns:p="http://schemas.openxmlformats.org/presentationml/2006/main" type="secHead" preserve="1">
+<p:sldLayout xmlns:a="http://schemas.openxmlformats.org/drawingml/2006/main" xmlns:r="http://schemas.openxmlformats.org/officeDocument/2006/relationships" xmlns:p="http://schemas.openxmlformats.org/presentationml/2006/main" showMasterSp="0" type="secHead" preserve="1">
   <p:cSld name="Section Header">
     <p:spTree>
       <p:nvGrpSpPr>
@@ -862,6 +1407,259 @@
       </p:grpSpPr>
       <p:sp>
         <p:nvSpPr>
+          <p:cNvPr id="7" name="Rectangle 6"/>
+          <p:cNvSpPr/>
+          <p:nvPr/>
+        </p:nvSpPr>
+        <p:spPr>
+          <a:xfrm>
+            <a:off x="0" y="0"/>
+            <a:ext cx="12192000" cy="6858000"/>
+          </a:xfrm>
+          <a:prstGeom prst="rect">
+            <a:avLst/>
+          </a:prstGeom>
+          <a:solidFill>
+            <a:srgbClr val="FFFFFF"/>
+          </a:solidFill>
+          <a:ln>
+            <a:noFill/>
+          </a:ln>
+        </p:spPr>
+        <p:style>
+          <a:lnRef idx="2">
+            <a:schemeClr val="accent1">
+              <a:shade val="50000"/>
+            </a:schemeClr>
+          </a:lnRef>
+          <a:fillRef idx="1">
+            <a:schemeClr val="accent1"/>
+          </a:fillRef>
+          <a:effectRef idx="0">
+            <a:schemeClr val="accent1"/>
+          </a:effectRef>
+          <a:fontRef idx="minor">
+            <a:schemeClr val="lt1"/>
+          </a:fontRef>
+        </p:style>
+        <p:txBody>
+          <a:bodyPr rtlCol="0" anchor="ctr"/>
+          <a:lstStyle/>
+          <a:p>
+            <a:pPr algn="ctr"/>
+            <a:endParaRPr lang="en-US"/>
+          </a:p>
+        </p:txBody>
+      </p:sp>
+      <p:sp useBgFill="1">
+        <p:nvSpPr>
+          <p:cNvPr id="8" name="Rounded Rectangle 7"/>
+          <p:cNvSpPr/>
+          <p:nvPr/>
+        </p:nvSpPr>
+        <p:spPr>
+          <a:xfrm>
+            <a:off x="121920" y="101600"/>
+            <a:ext cx="11948160" cy="6664960"/>
+          </a:xfrm>
+          <a:prstGeom prst="roundRect">
+            <a:avLst>
+              <a:gd name="adj" fmla="val 1735"/>
+            </a:avLst>
+          </a:prstGeom>
+          <a:ln w="12700" cmpd="sng">
+            <a:noFill/>
+          </a:ln>
+        </p:spPr>
+        <p:style>
+          <a:lnRef idx="2">
+            <a:schemeClr val="accent1">
+              <a:shade val="50000"/>
+            </a:schemeClr>
+          </a:lnRef>
+          <a:fillRef idx="1">
+            <a:schemeClr val="accent1"/>
+          </a:fillRef>
+          <a:effectRef idx="0">
+            <a:schemeClr val="accent1"/>
+          </a:effectRef>
+          <a:fontRef idx="minor">
+            <a:schemeClr val="lt1"/>
+          </a:fontRef>
+        </p:style>
+        <p:txBody>
+          <a:bodyPr rtlCol="0" anchor="ctr"/>
+          <a:lstStyle/>
+          <a:p>
+            <a:pPr algn="ctr"/>
+            <a:endParaRPr lang="en-US"/>
+          </a:p>
+        </p:txBody>
+      </p:sp>
+      <p:sp>
+        <p:nvSpPr>
+          <p:cNvPr id="4" name="Date Placeholder 3"/>
+          <p:cNvSpPr>
+            <a:spLocks noGrp="1"/>
+          </p:cNvSpPr>
+          <p:nvPr>
+            <p:ph type="dt" sz="half" idx="10"/>
+          </p:nvPr>
+        </p:nvSpPr>
+        <p:spPr/>
+        <p:txBody>
+          <a:bodyPr/>
+          <a:lstStyle/>
+          <a:p>
+            <a:fld id="{0A2C9084-70B7-4828-AD77-7D77F1A8B45B}" type="datetimeFigureOut">
+              <a:rPr lang="en-US" smtClean="0"/>
+              <a:t>11/29/15</a:t>
+            </a:fld>
+            <a:endParaRPr lang="en-US"/>
+          </a:p>
+        </p:txBody>
+      </p:sp>
+      <p:sp>
+        <p:nvSpPr>
+          <p:cNvPr id="13" name="Rectangle 12"/>
+          <p:cNvSpPr/>
+          <p:nvPr/>
+        </p:nvSpPr>
+        <p:spPr>
+          <a:xfrm>
+            <a:off x="602635" y="2946400"/>
+            <a:ext cx="11020213" cy="2463800"/>
+          </a:xfrm>
+          <a:prstGeom prst="rect">
+            <a:avLst/>
+          </a:prstGeom>
+          <a:solidFill>
+            <a:srgbClr val="FFFFFF">
+              <a:alpha val="83000"/>
+            </a:srgbClr>
+          </a:solidFill>
+          <a:ln>
+            <a:noFill/>
+          </a:ln>
+          <a:effectLst>
+            <a:softEdge rad="12700"/>
+          </a:effectLst>
+        </p:spPr>
+        <p:style>
+          <a:lnRef idx="2">
+            <a:schemeClr val="accent1">
+              <a:shade val="50000"/>
+            </a:schemeClr>
+          </a:lnRef>
+          <a:fillRef idx="1">
+            <a:schemeClr val="accent1"/>
+          </a:fillRef>
+          <a:effectRef idx="0">
+            <a:schemeClr val="accent1"/>
+          </a:effectRef>
+          <a:fontRef idx="minor">
+            <a:schemeClr val="lt1"/>
+          </a:fontRef>
+        </p:style>
+        <p:txBody>
+          <a:bodyPr rtlCol="0" anchor="ctr"/>
+          <a:lstStyle/>
+          <a:p>
+            <a:pPr algn="ctr"/>
+            <a:endParaRPr lang="en-US"/>
+          </a:p>
+        </p:txBody>
+      </p:sp>
+      <p:sp>
+        <p:nvSpPr>
+          <p:cNvPr id="16" name="Rectangle 15"/>
+          <p:cNvSpPr/>
+          <p:nvPr/>
+        </p:nvSpPr>
+        <p:spPr>
+          <a:xfrm>
+            <a:off x="756875" y="3048000"/>
+            <a:ext cx="10711733" cy="2245359"/>
+          </a:xfrm>
+          <a:prstGeom prst="rect">
+            <a:avLst/>
+          </a:prstGeom>
+          <a:solidFill>
+            <a:srgbClr val="FFFFFF"/>
+          </a:solidFill>
+          <a:ln w="6350" cmpd="dbl">
+            <a:noFill/>
+          </a:ln>
+        </p:spPr>
+        <p:style>
+          <a:lnRef idx="2">
+            <a:schemeClr val="accent1">
+              <a:shade val="50000"/>
+            </a:schemeClr>
+          </a:lnRef>
+          <a:fillRef idx="1">
+            <a:schemeClr val="accent1"/>
+          </a:fillRef>
+          <a:effectRef idx="0">
+            <a:schemeClr val="accent1"/>
+          </a:effectRef>
+          <a:fontRef idx="minor">
+            <a:schemeClr val="lt1"/>
+          </a:fontRef>
+        </p:style>
+        <p:txBody>
+          <a:bodyPr rtlCol="0" anchor="ctr"/>
+          <a:lstStyle/>
+          <a:p>
+            <a:pPr algn="ctr"/>
+            <a:endParaRPr lang="en-US"/>
+          </a:p>
+        </p:txBody>
+      </p:sp>
+      <p:sp>
+        <p:nvSpPr>
+          <p:cNvPr id="5" name="Footer Placeholder 4"/>
+          <p:cNvSpPr>
+            <a:spLocks noGrp="1"/>
+          </p:cNvSpPr>
+          <p:nvPr>
+            <p:ph type="ftr" sz="quarter" idx="11"/>
+          </p:nvPr>
+        </p:nvSpPr>
+        <p:spPr/>
+        <p:txBody>
+          <a:bodyPr/>
+          <a:lstStyle/>
+          <a:p>
+            <a:endParaRPr lang="en-US"/>
+          </a:p>
+        </p:txBody>
+      </p:sp>
+      <p:sp>
+        <p:nvSpPr>
+          <p:cNvPr id="6" name="Slide Number Placeholder 5"/>
+          <p:cNvSpPr>
+            <a:spLocks noGrp="1"/>
+          </p:cNvSpPr>
+          <p:nvPr>
+            <p:ph type="sldNum" sz="quarter" idx="12"/>
+          </p:nvPr>
+        </p:nvSpPr>
+        <p:spPr/>
+        <p:txBody>
+          <a:bodyPr/>
+          <a:lstStyle/>
+          <a:p>
+            <a:fld id="{8F0FEE11-1095-4C61-9A70-B02A236917C5}" type="slidenum">
+              <a:rPr lang="en-US" smtClean="0"/>
+              <a:t>‹#›</a:t>
+            </a:fld>
+            <a:endParaRPr lang="en-US"/>
+          </a:p>
+        </p:txBody>
+      </p:sp>
+      <p:sp>
+        <p:nvSpPr>
           <p:cNvPr id="2" name="Title 1"/>
           <p:cNvSpPr>
             <a:spLocks noGrp="1"/>
@@ -872,15 +1670,30 @@
         </p:nvSpPr>
         <p:spPr>
           <a:xfrm>
-            <a:off x="831850" y="1709738"/>
-            <a:ext cx="10515600" cy="2852737"/>
-          </a:xfrm>
-        </p:spPr>
-        <p:txBody>
-          <a:bodyPr anchor="b"/>
+            <a:off x="981941" y="3200400"/>
+            <a:ext cx="10261600" cy="1295401"/>
+          </a:xfrm>
+        </p:spPr>
+        <p:txBody>
+          <a:bodyPr anchor="b" anchorCtr="0">
+            <a:noAutofit/>
+          </a:bodyPr>
           <a:lstStyle>
-            <a:lvl1pPr>
-              <a:defRPr sz="6000"/>
+            <a:lvl1pPr algn="ctr" defTabSz="914400" rtl="0" eaLnBrk="1" latinLnBrk="0" hangingPunct="1">
+              <a:spcBef>
+                <a:spcPct val="0"/>
+              </a:spcBef>
+              <a:buNone/>
+              <a:defRPr lang="en-US" sz="4000" kern="1200" cap="all" baseline="0" dirty="0">
+                <a:solidFill>
+                  <a:schemeClr val="accent1">
+                    <a:lumMod val="50000"/>
+                  </a:schemeClr>
+                </a:solidFill>
+                <a:latin typeface="+mj-lt"/>
+                <a:ea typeface="+mj-ea"/>
+                <a:cs typeface="+mj-cs"/>
+              </a:defRPr>
             </a:lvl1pPr>
           </a:lstStyle>
           <a:p>
@@ -888,6 +1701,52 @@
               <a:rPr lang="en-US" smtClean="0"/>
               <a:t>Click to edit Master title style</a:t>
             </a:r>
+            <a:endParaRPr lang="en-US" dirty="0"/>
+          </a:p>
+        </p:txBody>
+      </p:sp>
+      <p:sp>
+        <p:nvSpPr>
+          <p:cNvPr id="15" name="Rectangle 14"/>
+          <p:cNvSpPr/>
+          <p:nvPr/>
+        </p:nvSpPr>
+        <p:spPr>
+          <a:xfrm>
+            <a:off x="900661" y="4541521"/>
+            <a:ext cx="10424160" cy="664367"/>
+          </a:xfrm>
+          <a:prstGeom prst="rect">
+            <a:avLst/>
+          </a:prstGeom>
+          <a:solidFill>
+            <a:schemeClr val="accent1"/>
+          </a:solidFill>
+          <a:ln w="6350">
+            <a:noFill/>
+          </a:ln>
+        </p:spPr>
+        <p:style>
+          <a:lnRef idx="2">
+            <a:schemeClr val="accent1">
+              <a:shade val="50000"/>
+            </a:schemeClr>
+          </a:lnRef>
+          <a:fillRef idx="1">
+            <a:schemeClr val="accent1"/>
+          </a:fillRef>
+          <a:effectRef idx="0">
+            <a:schemeClr val="accent1"/>
+          </a:effectRef>
+          <a:fontRef idx="minor">
+            <a:schemeClr val="lt1"/>
+          </a:fontRef>
+        </p:style>
+        <p:txBody>
+          <a:bodyPr rtlCol="0" anchor="ctr"/>
+          <a:lstStyle/>
+          <a:p>
+            <a:pPr algn="ctr"/>
             <a:endParaRPr lang="en-US"/>
           </a:p>
         </p:txBody>
@@ -904,26 +1763,26 @@
         </p:nvSpPr>
         <p:spPr>
           <a:xfrm>
-            <a:off x="831850" y="4589463"/>
-            <a:ext cx="10515600" cy="1500187"/>
-          </a:xfrm>
-        </p:spPr>
-        <p:txBody>
-          <a:bodyPr/>
+            <a:off x="981941" y="4607511"/>
+            <a:ext cx="10261600" cy="523783"/>
+          </a:xfrm>
+        </p:spPr>
+        <p:txBody>
+          <a:bodyPr anchor="ctr">
+            <a:normAutofit/>
+          </a:bodyPr>
           <a:lstStyle>
-            <a:lvl1pPr marL="0" indent="0">
-              <a:buNone/>
-              <a:defRPr sz="2400">
+            <a:lvl1pPr marL="0" indent="0" algn="ctr">
+              <a:buNone/>
+              <a:defRPr sz="2000" cap="all" spc="250" baseline="0">
                 <a:solidFill>
-                  <a:schemeClr val="tx1">
-                    <a:tint val="75000"/>
-                  </a:schemeClr>
+                  <a:srgbClr val="FFFFFF"/>
                 </a:solidFill>
               </a:defRPr>
             </a:lvl1pPr>
             <a:lvl2pPr marL="457200" indent="0">
               <a:buNone/>
-              <a:defRPr sz="2000">
+              <a:defRPr sz="1800">
                 <a:solidFill>
                   <a:schemeClr val="tx1">
                     <a:tint val="75000"/>
@@ -933,7 +1792,7 @@
             </a:lvl2pPr>
             <a:lvl3pPr marL="914400" indent="0">
               <a:buNone/>
-              <a:defRPr sz="1800">
+              <a:defRPr sz="1600">
                 <a:solidFill>
                   <a:schemeClr val="tx1">
                     <a:tint val="75000"/>
@@ -943,7 +1802,7 @@
             </a:lvl3pPr>
             <a:lvl4pPr marL="1371600" indent="0">
               <a:buNone/>
-              <a:defRPr sz="1600">
+              <a:defRPr sz="1400">
                 <a:solidFill>
                   <a:schemeClr val="tx1">
                     <a:tint val="75000"/>
@@ -953,7 +1812,7 @@
             </a:lvl4pPr>
             <a:lvl5pPr marL="1828800" indent="0">
               <a:buNone/>
-              <a:defRPr sz="1600">
+              <a:defRPr sz="1400">
                 <a:solidFill>
                   <a:schemeClr val="tx1">
                     <a:tint val="75000"/>
@@ -963,7 +1822,7 @@
             </a:lvl5pPr>
             <a:lvl6pPr marL="2286000" indent="0">
               <a:buNone/>
-              <a:defRPr sz="1600">
+              <a:defRPr sz="1400">
                 <a:solidFill>
                   <a:schemeClr val="tx1">
                     <a:tint val="75000"/>
@@ -973,7 +1832,7 @@
             </a:lvl6pPr>
             <a:lvl7pPr marL="2743200" indent="0">
               <a:buNone/>
-              <a:defRPr sz="1600">
+              <a:defRPr sz="1400">
                 <a:solidFill>
                   <a:schemeClr val="tx1">
                     <a:tint val="75000"/>
@@ -983,7 +1842,7 @@
             </a:lvl7pPr>
             <a:lvl8pPr marL="3200400" indent="0">
               <a:buNone/>
-              <a:defRPr sz="1600">
+              <a:defRPr sz="1400">
                 <a:solidFill>
                   <a:schemeClr val="tx1">
                     <a:tint val="75000"/>
@@ -993,7 +1852,7 @@
             </a:lvl8pPr>
             <a:lvl9pPr marL="3657600" indent="0">
               <a:buNone/>
-              <a:defRPr sz="1600">
+              <a:defRPr sz="1400">
                 <a:solidFill>
                   <a:schemeClr val="tx1">
                     <a:tint val="75000"/>
@@ -1013,75 +1872,53 @@
       </p:sp>
       <p:sp>
         <p:nvSpPr>
-          <p:cNvPr id="4" name="Date Placeholder 3"/>
-          <p:cNvSpPr>
-            <a:spLocks noGrp="1"/>
-          </p:cNvSpPr>
-          <p:nvPr>
-            <p:ph type="dt" sz="half" idx="10"/>
-          </p:nvPr>
-        </p:nvSpPr>
-        <p:spPr/>
-        <p:txBody>
-          <a:bodyPr/>
-          <a:lstStyle/>
-          <a:p>
-            <a:fld id="{0A2C9084-70B7-4828-AD77-7D77F1A8B45B}" type="datetimeFigureOut">
-              <a:rPr lang="en-US" smtClean="0"/>
-              <a:t>11/29/15</a:t>
-            </a:fld>
-            <a:endParaRPr lang="en-US"/>
-          </a:p>
-        </p:txBody>
-      </p:sp>
-      <p:sp>
-        <p:nvSpPr>
-          <p:cNvPr id="5" name="Footer Placeholder 4"/>
-          <p:cNvSpPr>
-            <a:spLocks noGrp="1"/>
-          </p:cNvSpPr>
-          <p:nvPr>
-            <p:ph type="ftr" sz="quarter" idx="11"/>
-          </p:nvPr>
-        </p:nvSpPr>
-        <p:spPr/>
-        <p:txBody>
-          <a:bodyPr/>
-          <a:lstStyle/>
-          <a:p>
-            <a:endParaRPr lang="en-US"/>
-          </a:p>
-        </p:txBody>
-      </p:sp>
-      <p:sp>
-        <p:nvSpPr>
-          <p:cNvPr id="6" name="Slide Number Placeholder 5"/>
-          <p:cNvSpPr>
-            <a:spLocks noGrp="1"/>
-          </p:cNvSpPr>
-          <p:nvPr>
-            <p:ph type="sldNum" sz="quarter" idx="12"/>
-          </p:nvPr>
-        </p:nvSpPr>
-        <p:spPr/>
-        <p:txBody>
-          <a:bodyPr/>
-          <a:lstStyle/>
-          <a:p>
-            <a:fld id="{8F0FEE11-1095-4C61-9A70-B02A236917C5}" type="slidenum">
-              <a:rPr lang="en-US" smtClean="0"/>
-              <a:t>‹#›</a:t>
-            </a:fld>
+          <p:cNvPr id="14" name="Rectangle 13"/>
+          <p:cNvSpPr/>
+          <p:nvPr/>
+        </p:nvSpPr>
+        <p:spPr>
+          <a:xfrm>
+            <a:off x="901010" y="3124200"/>
+            <a:ext cx="10423465" cy="2077720"/>
+          </a:xfrm>
+          <a:prstGeom prst="rect">
+            <a:avLst/>
+          </a:prstGeom>
+          <a:noFill/>
+          <a:ln w="6350" cmpd="dbl">
+            <a:solidFill>
+              <a:schemeClr val="accent1">
+                <a:lumMod val="75000"/>
+              </a:schemeClr>
+            </a:solidFill>
+          </a:ln>
+        </p:spPr>
+        <p:style>
+          <a:lnRef idx="2">
+            <a:schemeClr val="accent1">
+              <a:shade val="50000"/>
+            </a:schemeClr>
+          </a:lnRef>
+          <a:fillRef idx="1">
+            <a:schemeClr val="accent1"/>
+          </a:fillRef>
+          <a:effectRef idx="0">
+            <a:schemeClr val="accent1"/>
+          </a:effectRef>
+          <a:fontRef idx="minor">
+            <a:schemeClr val="lt1"/>
+          </a:fontRef>
+        </p:style>
+        <p:txBody>
+          <a:bodyPr rtlCol="0" anchor="ctr"/>
+          <a:lstStyle/>
+          <a:p>
+            <a:pPr algn="ctr"/>
             <a:endParaRPr lang="en-US"/>
           </a:p>
         </p:txBody>
       </p:sp>
     </p:spTree>
-    <p:extLst>
-      <p:ext uri="{BB962C8B-B14F-4D97-AF65-F5344CB8AC3E}">
-        <p14:creationId xmlns:p14="http://schemas.microsoft.com/office/powerpoint/2010/main" val="1811902150"/>
-      </p:ext>
-    </p:extLst>
   </p:cSld>
   <p:clrMapOvr>
     <a:masterClrMapping/>
@@ -1116,7 +1953,12 @@
             <p:ph type="title"/>
           </p:nvPr>
         </p:nvSpPr>
-        <p:spPr/>
+        <p:spPr>
+          <a:xfrm>
+            <a:off x="568171" y="408373"/>
+            <a:ext cx="11014229" cy="1039427"/>
+          </a:xfrm>
+        </p:spPr>
         <p:txBody>
           <a:bodyPr/>
           <a:lstStyle/>
@@ -1141,13 +1983,41 @@
         </p:nvSpPr>
         <p:spPr>
           <a:xfrm>
-            <a:off x="838200" y="1825625"/>
-            <a:ext cx="5181600" cy="4351338"/>
+            <a:off x="568171" y="1719071"/>
+            <a:ext cx="5384800" cy="4407408"/>
           </a:xfrm>
         </p:spPr>
         <p:txBody>
           <a:bodyPr/>
-          <a:lstStyle/>
+          <a:lstStyle>
+            <a:lvl1pPr>
+              <a:defRPr sz="2800"/>
+            </a:lvl1pPr>
+            <a:lvl2pPr>
+              <a:defRPr sz="2400"/>
+            </a:lvl2pPr>
+            <a:lvl3pPr>
+              <a:defRPr sz="2000"/>
+            </a:lvl3pPr>
+            <a:lvl4pPr>
+              <a:defRPr sz="1800"/>
+            </a:lvl4pPr>
+            <a:lvl5pPr>
+              <a:defRPr sz="1800"/>
+            </a:lvl5pPr>
+            <a:lvl6pPr>
+              <a:defRPr sz="1800"/>
+            </a:lvl6pPr>
+            <a:lvl7pPr>
+              <a:defRPr sz="1800"/>
+            </a:lvl7pPr>
+            <a:lvl8pPr>
+              <a:defRPr sz="1800"/>
+            </a:lvl8pPr>
+            <a:lvl9pPr>
+              <a:defRPr sz="1800"/>
+            </a:lvl9pPr>
+          </a:lstStyle>
           <a:p>
             <a:pPr lvl="0"/>
             <a:r>
@@ -1182,7 +2052,7 @@
               <a:rPr lang="en-US" smtClean="0"/>
               <a:t>Fifth level</a:t>
             </a:r>
-            <a:endParaRPr lang="en-US"/>
+            <a:endParaRPr lang="en-US" dirty="0"/>
           </a:p>
         </p:txBody>
       </p:sp>
@@ -1198,13 +2068,41 @@
         </p:nvSpPr>
         <p:spPr>
           <a:xfrm>
-            <a:off x="6172200" y="1825625"/>
-            <a:ext cx="5181600" cy="4351338"/>
+            <a:off x="6197600" y="1719071"/>
+            <a:ext cx="5384800" cy="4407408"/>
           </a:xfrm>
         </p:spPr>
         <p:txBody>
           <a:bodyPr/>
-          <a:lstStyle/>
+          <a:lstStyle>
+            <a:lvl1pPr>
+              <a:defRPr sz="2800"/>
+            </a:lvl1pPr>
+            <a:lvl2pPr>
+              <a:defRPr sz="2400"/>
+            </a:lvl2pPr>
+            <a:lvl3pPr>
+              <a:defRPr sz="2000"/>
+            </a:lvl3pPr>
+            <a:lvl4pPr>
+              <a:defRPr sz="1800"/>
+            </a:lvl4pPr>
+            <a:lvl5pPr>
+              <a:defRPr sz="1800"/>
+            </a:lvl5pPr>
+            <a:lvl6pPr>
+              <a:defRPr sz="1800"/>
+            </a:lvl6pPr>
+            <a:lvl7pPr>
+              <a:defRPr sz="1800"/>
+            </a:lvl7pPr>
+            <a:lvl8pPr>
+              <a:defRPr sz="1800"/>
+            </a:lvl8pPr>
+            <a:lvl9pPr>
+              <a:defRPr sz="1800"/>
+            </a:lvl9pPr>
+          </a:lstStyle>
           <a:p>
             <a:pPr lvl="0"/>
             <a:r>
@@ -1239,7 +2137,7 @@
               <a:rPr lang="en-US" smtClean="0"/>
               <a:t>Fifth level</a:t>
             </a:r>
-            <a:endParaRPr lang="en-US"/>
+            <a:endParaRPr lang="en-US" dirty="0"/>
           </a:p>
         </p:txBody>
       </p:sp>
@@ -1309,11 +2207,6 @@
         </p:txBody>
       </p:sp>
     </p:spTree>
-    <p:extLst>
-      <p:ext uri="{BB962C8B-B14F-4D97-AF65-F5344CB8AC3E}">
-        <p14:creationId xmlns:p14="http://schemas.microsoft.com/office/powerpoint/2010/main" val="3130048603"/>
-      </p:ext>
-    </p:extLst>
   </p:cSld>
   <p:clrMapOvr>
     <a:masterClrMapping/>
@@ -1350,13 +2243,17 @@
         </p:nvSpPr>
         <p:spPr>
           <a:xfrm>
-            <a:off x="839788" y="365125"/>
-            <a:ext cx="10515600" cy="1325563"/>
+            <a:off x="568171" y="408373"/>
+            <a:ext cx="11014229" cy="1039427"/>
           </a:xfrm>
         </p:spPr>
         <p:txBody>
           <a:bodyPr/>
-          <a:lstStyle/>
+          <a:lstStyle>
+            <a:lvl1pPr>
+              <a:defRPr/>
+            </a:lvl1pPr>
+          </a:lstStyle>
           <a:p>
             <a:r>
               <a:rPr lang="en-US" smtClean="0"/>
@@ -1378,16 +2275,18 @@
         </p:nvSpPr>
         <p:spPr>
           <a:xfrm>
-            <a:off x="839788" y="1681163"/>
-            <a:ext cx="5157787" cy="823912"/>
-          </a:xfrm>
-        </p:spPr>
-        <p:txBody>
-          <a:bodyPr anchor="b"/>
+            <a:off x="568171" y="1722438"/>
+            <a:ext cx="5386917" cy="639762"/>
+          </a:xfrm>
+        </p:spPr>
+        <p:txBody>
+          <a:bodyPr anchor="b">
+            <a:noAutofit/>
+          </a:bodyPr>
           <a:lstStyle>
-            <a:lvl1pPr marL="0" indent="0">
-              <a:buNone/>
-              <a:defRPr sz="2400" b="1"/>
+            <a:lvl1pPr marL="0" indent="0" algn="ctr">
+              <a:buNone/>
+              <a:defRPr sz="2200" b="1"/>
             </a:lvl1pPr>
             <a:lvl2pPr marL="457200" indent="0">
               <a:buNone/>
@@ -1443,13 +2342,41 @@
         </p:nvSpPr>
         <p:spPr>
           <a:xfrm>
-            <a:off x="839788" y="2505075"/>
-            <a:ext cx="5157787" cy="3684588"/>
+            <a:off x="568171" y="2438400"/>
+            <a:ext cx="5386917" cy="3687762"/>
           </a:xfrm>
         </p:spPr>
         <p:txBody>
           <a:bodyPr/>
-          <a:lstStyle/>
+          <a:lstStyle>
+            <a:lvl1pPr>
+              <a:defRPr sz="2400"/>
+            </a:lvl1pPr>
+            <a:lvl2pPr>
+              <a:defRPr sz="2000"/>
+            </a:lvl2pPr>
+            <a:lvl3pPr>
+              <a:defRPr sz="1800"/>
+            </a:lvl3pPr>
+            <a:lvl4pPr>
+              <a:defRPr sz="1600"/>
+            </a:lvl4pPr>
+            <a:lvl5pPr>
+              <a:defRPr sz="1600"/>
+            </a:lvl5pPr>
+            <a:lvl6pPr>
+              <a:defRPr sz="1600"/>
+            </a:lvl6pPr>
+            <a:lvl7pPr>
+              <a:defRPr sz="1600"/>
+            </a:lvl7pPr>
+            <a:lvl8pPr>
+              <a:defRPr sz="1600"/>
+            </a:lvl8pPr>
+            <a:lvl9pPr>
+              <a:defRPr sz="1600"/>
+            </a:lvl9pPr>
+          </a:lstStyle>
           <a:p>
             <a:pPr lvl="0"/>
             <a:r>
@@ -1484,7 +2411,7 @@
               <a:rPr lang="en-US" smtClean="0"/>
               <a:t>Fifth level</a:t>
             </a:r>
-            <a:endParaRPr lang="en-US"/>
+            <a:endParaRPr lang="en-US" dirty="0"/>
           </a:p>
         </p:txBody>
       </p:sp>
@@ -1500,16 +2427,18 @@
         </p:nvSpPr>
         <p:spPr>
           <a:xfrm>
-            <a:off x="6172200" y="1681163"/>
-            <a:ext cx="5183188" cy="823912"/>
-          </a:xfrm>
-        </p:spPr>
-        <p:txBody>
-          <a:bodyPr anchor="b"/>
+            <a:off x="6193368" y="1722438"/>
+            <a:ext cx="5389033" cy="639762"/>
+          </a:xfrm>
+        </p:spPr>
+        <p:txBody>
+          <a:bodyPr anchor="b">
+            <a:noAutofit/>
+          </a:bodyPr>
           <a:lstStyle>
-            <a:lvl1pPr marL="0" indent="0">
-              <a:buNone/>
-              <a:defRPr sz="2400" b="1"/>
+            <a:lvl1pPr marL="0" indent="0" algn="ctr">
+              <a:buNone/>
+              <a:defRPr sz="2200" b="1"/>
             </a:lvl1pPr>
             <a:lvl2pPr marL="457200" indent="0">
               <a:buNone/>
@@ -1565,13 +2494,41 @@
         </p:nvSpPr>
         <p:spPr>
           <a:xfrm>
-            <a:off x="6172200" y="2505075"/>
-            <a:ext cx="5183188" cy="3684588"/>
+            <a:off x="6193368" y="2438400"/>
+            <a:ext cx="5389033" cy="3687762"/>
           </a:xfrm>
         </p:spPr>
         <p:txBody>
           <a:bodyPr/>
-          <a:lstStyle/>
+          <a:lstStyle>
+            <a:lvl1pPr>
+              <a:defRPr sz="2400"/>
+            </a:lvl1pPr>
+            <a:lvl2pPr>
+              <a:defRPr sz="2000"/>
+            </a:lvl2pPr>
+            <a:lvl3pPr>
+              <a:defRPr sz="1800"/>
+            </a:lvl3pPr>
+            <a:lvl4pPr>
+              <a:defRPr sz="1600"/>
+            </a:lvl4pPr>
+            <a:lvl5pPr>
+              <a:defRPr sz="1600"/>
+            </a:lvl5pPr>
+            <a:lvl6pPr>
+              <a:defRPr sz="1600"/>
+            </a:lvl6pPr>
+            <a:lvl7pPr>
+              <a:defRPr sz="1600"/>
+            </a:lvl7pPr>
+            <a:lvl8pPr>
+              <a:defRPr sz="1600"/>
+            </a:lvl8pPr>
+            <a:lvl9pPr>
+              <a:defRPr sz="1600"/>
+            </a:lvl9pPr>
+          </a:lstStyle>
           <a:p>
             <a:pPr lvl="0"/>
             <a:r>
@@ -1606,7 +2563,7 @@
               <a:rPr lang="en-US" smtClean="0"/>
               <a:t>Fifth level</a:t>
             </a:r>
-            <a:endParaRPr lang="en-US"/>
+            <a:endParaRPr lang="en-US" dirty="0"/>
           </a:p>
         </p:txBody>
       </p:sp>
@@ -1676,11 +2633,6 @@
         </p:txBody>
       </p:sp>
     </p:spTree>
-    <p:extLst>
-      <p:ext uri="{BB962C8B-B14F-4D97-AF65-F5344CB8AC3E}">
-        <p14:creationId xmlns:p14="http://schemas.microsoft.com/office/powerpoint/2010/main" val="1889997726"/>
-      </p:ext>
-    </p:extLst>
   </p:cSld>
   <p:clrMapOvr>
     <a:masterClrMapping/>
@@ -1794,11 +2746,6 @@
         </p:txBody>
       </p:sp>
     </p:spTree>
-    <p:extLst>
-      <p:ext uri="{BB962C8B-B14F-4D97-AF65-F5344CB8AC3E}">
-        <p14:creationId xmlns:p14="http://schemas.microsoft.com/office/powerpoint/2010/main" val="212466037"/>
-      </p:ext>
-    </p:extLst>
   </p:cSld>
   <p:clrMapOvr>
     <a:masterClrMapping/>
@@ -1807,7 +2754,7 @@
 </file>
 
 <file path=ppt/slideLayouts/slideLayout7.xml><?xml version="1.0" encoding="utf-8"?>
-<p:sldLayout xmlns:a="http://schemas.openxmlformats.org/drawingml/2006/main" xmlns:r="http://schemas.openxmlformats.org/officeDocument/2006/relationships" xmlns:p="http://schemas.openxmlformats.org/presentationml/2006/main" type="blank" preserve="1">
+<p:sldLayout xmlns:a="http://schemas.openxmlformats.org/drawingml/2006/main" xmlns:r="http://schemas.openxmlformats.org/officeDocument/2006/relationships" xmlns:p="http://schemas.openxmlformats.org/presentationml/2006/main" showMasterSp="0" type="blank" preserve="1">
   <p:cSld name="Blank">
     <p:spTree>
       <p:nvGrpSpPr>
@@ -1825,6 +2772,97 @@
       </p:grpSpPr>
       <p:sp>
         <p:nvSpPr>
+          <p:cNvPr id="5" name="Rectangle 4"/>
+          <p:cNvSpPr/>
+          <p:nvPr/>
+        </p:nvSpPr>
+        <p:spPr>
+          <a:xfrm>
+            <a:off x="0" y="0"/>
+            <a:ext cx="12192000" cy="6858000"/>
+          </a:xfrm>
+          <a:prstGeom prst="rect">
+            <a:avLst/>
+          </a:prstGeom>
+          <a:solidFill>
+            <a:srgbClr val="FFFFFF"/>
+          </a:solidFill>
+          <a:ln>
+            <a:noFill/>
+          </a:ln>
+        </p:spPr>
+        <p:style>
+          <a:lnRef idx="2">
+            <a:schemeClr val="accent1">
+              <a:shade val="50000"/>
+            </a:schemeClr>
+          </a:lnRef>
+          <a:fillRef idx="1">
+            <a:schemeClr val="accent1"/>
+          </a:fillRef>
+          <a:effectRef idx="0">
+            <a:schemeClr val="accent1"/>
+          </a:effectRef>
+          <a:fontRef idx="minor">
+            <a:schemeClr val="lt1"/>
+          </a:fontRef>
+        </p:style>
+        <p:txBody>
+          <a:bodyPr rtlCol="0" anchor="ctr"/>
+          <a:lstStyle/>
+          <a:p>
+            <a:pPr algn="ctr"/>
+            <a:endParaRPr lang="en-US"/>
+          </a:p>
+        </p:txBody>
+      </p:sp>
+      <p:sp useBgFill="1">
+        <p:nvSpPr>
+          <p:cNvPr id="11" name="Rounded Rectangle 10"/>
+          <p:cNvSpPr/>
+          <p:nvPr/>
+        </p:nvSpPr>
+        <p:spPr>
+          <a:xfrm>
+            <a:off x="121920" y="101600"/>
+            <a:ext cx="11948160" cy="6664960"/>
+          </a:xfrm>
+          <a:prstGeom prst="roundRect">
+            <a:avLst>
+              <a:gd name="adj" fmla="val 1735"/>
+            </a:avLst>
+          </a:prstGeom>
+          <a:ln w="12700" cmpd="sng">
+            <a:noFill/>
+          </a:ln>
+        </p:spPr>
+        <p:style>
+          <a:lnRef idx="2">
+            <a:schemeClr val="accent1">
+              <a:shade val="50000"/>
+            </a:schemeClr>
+          </a:lnRef>
+          <a:fillRef idx="1">
+            <a:schemeClr val="accent1"/>
+          </a:fillRef>
+          <a:effectRef idx="0">
+            <a:schemeClr val="accent1"/>
+          </a:effectRef>
+          <a:fontRef idx="minor">
+            <a:schemeClr val="lt1"/>
+          </a:fontRef>
+        </p:style>
+        <p:txBody>
+          <a:bodyPr rtlCol="0" anchor="ctr"/>
+          <a:lstStyle/>
+          <a:p>
+            <a:pPr algn="ctr"/>
+            <a:endParaRPr lang="en-US"/>
+          </a:p>
+        </p:txBody>
+      </p:sp>
+      <p:sp>
+        <p:nvSpPr>
           <p:cNvPr id="2" name="Date Placeholder 1"/>
           <p:cNvSpPr>
             <a:spLocks noGrp="1"/>
@@ -1889,11 +2927,6 @@
         </p:txBody>
       </p:sp>
     </p:spTree>
-    <p:extLst>
-      <p:ext uri="{BB962C8B-B14F-4D97-AF65-F5344CB8AC3E}">
-        <p14:creationId xmlns:p14="http://schemas.microsoft.com/office/powerpoint/2010/main" val="3530729420"/>
-      </p:ext>
-    </p:extLst>
   </p:cSld>
   <p:clrMapOvr>
     <a:masterClrMapping/>
@@ -1902,7 +2935,7 @@
 </file>
 
 <file path=ppt/slideLayouts/slideLayout8.xml><?xml version="1.0" encoding="utf-8"?>
-<p:sldLayout xmlns:a="http://schemas.openxmlformats.org/drawingml/2006/main" xmlns:r="http://schemas.openxmlformats.org/officeDocument/2006/relationships" xmlns:p="http://schemas.openxmlformats.org/presentationml/2006/main" type="objTx" preserve="1">
+<p:sldLayout xmlns:a="http://schemas.openxmlformats.org/drawingml/2006/main" xmlns:r="http://schemas.openxmlformats.org/officeDocument/2006/relationships" xmlns:p="http://schemas.openxmlformats.org/presentationml/2006/main" showMasterSp="0" type="objTx" preserve="1">
   <p:cSld name="Content with Caption">
     <p:spTree>
       <p:nvGrpSpPr>
@@ -1920,32 +2953,91 @@
       </p:grpSpPr>
       <p:sp>
         <p:nvSpPr>
-          <p:cNvPr id="2" name="Title 1"/>
-          <p:cNvSpPr>
-            <a:spLocks noGrp="1"/>
-          </p:cNvSpPr>
-          <p:nvPr>
-            <p:ph type="title"/>
-          </p:nvPr>
-        </p:nvSpPr>
-        <p:spPr>
-          <a:xfrm>
-            <a:off x="839788" y="457200"/>
-            <a:ext cx="3932237" cy="1600200"/>
-          </a:xfrm>
-        </p:spPr>
-        <p:txBody>
-          <a:bodyPr anchor="b"/>
-          <a:lstStyle>
-            <a:lvl1pPr>
-              <a:defRPr sz="3200"/>
-            </a:lvl1pPr>
-          </a:lstStyle>
-          <a:p>
-            <a:r>
-              <a:rPr lang="en-US" smtClean="0"/>
-              <a:t>Click to edit Master title style</a:t>
-            </a:r>
+          <p:cNvPr id="11" name="Rectangle 10"/>
+          <p:cNvSpPr/>
+          <p:nvPr/>
+        </p:nvSpPr>
+        <p:spPr>
+          <a:xfrm>
+            <a:off x="0" y="0"/>
+            <a:ext cx="12192000" cy="6858000"/>
+          </a:xfrm>
+          <a:prstGeom prst="rect">
+            <a:avLst/>
+          </a:prstGeom>
+          <a:solidFill>
+            <a:srgbClr val="FFFFFF"/>
+          </a:solidFill>
+          <a:ln>
+            <a:noFill/>
+          </a:ln>
+        </p:spPr>
+        <p:style>
+          <a:lnRef idx="2">
+            <a:schemeClr val="accent1">
+              <a:shade val="50000"/>
+            </a:schemeClr>
+          </a:lnRef>
+          <a:fillRef idx="1">
+            <a:schemeClr val="accent1"/>
+          </a:fillRef>
+          <a:effectRef idx="0">
+            <a:schemeClr val="accent1"/>
+          </a:effectRef>
+          <a:fontRef idx="minor">
+            <a:schemeClr val="lt1"/>
+          </a:fontRef>
+        </p:style>
+        <p:txBody>
+          <a:bodyPr rtlCol="0" anchor="ctr"/>
+          <a:lstStyle/>
+          <a:p>
+            <a:pPr algn="ctr"/>
+            <a:endParaRPr lang="en-US"/>
+          </a:p>
+        </p:txBody>
+      </p:sp>
+      <p:sp useBgFill="1">
+        <p:nvSpPr>
+          <p:cNvPr id="12" name="Rounded Rectangle 11"/>
+          <p:cNvSpPr/>
+          <p:nvPr/>
+        </p:nvSpPr>
+        <p:spPr>
+          <a:xfrm>
+            <a:off x="121920" y="101600"/>
+            <a:ext cx="11948160" cy="6664960"/>
+          </a:xfrm>
+          <a:prstGeom prst="roundRect">
+            <a:avLst>
+              <a:gd name="adj" fmla="val 1735"/>
+            </a:avLst>
+          </a:prstGeom>
+          <a:ln w="12700" cmpd="sng">
+            <a:noFill/>
+          </a:ln>
+        </p:spPr>
+        <p:style>
+          <a:lnRef idx="2">
+            <a:schemeClr val="accent1">
+              <a:shade val="50000"/>
+            </a:schemeClr>
+          </a:lnRef>
+          <a:fillRef idx="1">
+            <a:schemeClr val="accent1"/>
+          </a:fillRef>
+          <a:effectRef idx="0">
+            <a:schemeClr val="accent1"/>
+          </a:effectRef>
+          <a:fontRef idx="minor">
+            <a:schemeClr val="lt1"/>
+          </a:fontRef>
+        </p:style>
+        <p:txBody>
+          <a:bodyPr rtlCol="0" anchor="ctr"/>
+          <a:lstStyle/>
+          <a:p>
+            <a:pPr algn="ctr"/>
             <a:endParaRPr lang="en-US"/>
           </a:p>
         </p:txBody>
@@ -1962,8 +3054,8 @@
         </p:nvSpPr>
         <p:spPr>
           <a:xfrm>
-            <a:off x="5183188" y="987425"/>
-            <a:ext cx="6172200" cy="4873625"/>
+            <a:off x="5181600" y="685800"/>
+            <a:ext cx="6096000" cy="5257802"/>
           </a:xfrm>
         </p:spPr>
         <p:txBody>
@@ -2031,6 +3123,172 @@
               <a:rPr lang="en-US" smtClean="0"/>
               <a:t>Fifth level</a:t>
             </a:r>
+            <a:endParaRPr lang="en-US" dirty="0"/>
+          </a:p>
+        </p:txBody>
+      </p:sp>
+      <p:sp>
+        <p:nvSpPr>
+          <p:cNvPr id="5" name="Date Placeholder 4"/>
+          <p:cNvSpPr>
+            <a:spLocks noGrp="1"/>
+          </p:cNvSpPr>
+          <p:nvPr>
+            <p:ph type="dt" sz="half" idx="10"/>
+          </p:nvPr>
+        </p:nvSpPr>
+        <p:spPr/>
+        <p:txBody>
+          <a:bodyPr/>
+          <a:lstStyle/>
+          <a:p>
+            <a:fld id="{0A2C9084-70B7-4828-AD77-7D77F1A8B45B}" type="datetimeFigureOut">
+              <a:rPr lang="en-US" smtClean="0"/>
+              <a:t>11/29/15</a:t>
+            </a:fld>
+            <a:endParaRPr lang="en-US"/>
+          </a:p>
+        </p:txBody>
+      </p:sp>
+      <p:sp>
+        <p:nvSpPr>
+          <p:cNvPr id="6" name="Footer Placeholder 5"/>
+          <p:cNvSpPr>
+            <a:spLocks noGrp="1"/>
+          </p:cNvSpPr>
+          <p:nvPr>
+            <p:ph type="ftr" sz="quarter" idx="11"/>
+          </p:nvPr>
+        </p:nvSpPr>
+        <p:spPr/>
+        <p:txBody>
+          <a:bodyPr/>
+          <a:lstStyle/>
+          <a:p>
+            <a:endParaRPr lang="en-US"/>
+          </a:p>
+        </p:txBody>
+      </p:sp>
+      <p:sp>
+        <p:nvSpPr>
+          <p:cNvPr id="7" name="Slide Number Placeholder 6"/>
+          <p:cNvSpPr>
+            <a:spLocks noGrp="1"/>
+          </p:cNvSpPr>
+          <p:nvPr>
+            <p:ph type="sldNum" sz="quarter" idx="12"/>
+          </p:nvPr>
+        </p:nvSpPr>
+        <p:spPr/>
+        <p:txBody>
+          <a:bodyPr/>
+          <a:lstStyle/>
+          <a:p>
+            <a:fld id="{8F0FEE11-1095-4C61-9A70-B02A236917C5}" type="slidenum">
+              <a:rPr lang="en-US" smtClean="0"/>
+              <a:t>‹#›</a:t>
+            </a:fld>
+            <a:endParaRPr lang="en-US"/>
+          </a:p>
+        </p:txBody>
+      </p:sp>
+      <p:sp>
+        <p:nvSpPr>
+          <p:cNvPr id="8" name="Rectangle 7"/>
+          <p:cNvSpPr/>
+          <p:nvPr/>
+        </p:nvSpPr>
+        <p:spPr>
+          <a:xfrm>
+            <a:off x="746712" y="1505712"/>
+            <a:ext cx="3622088" cy="3523488"/>
+          </a:xfrm>
+          <a:prstGeom prst="rect">
+            <a:avLst/>
+          </a:prstGeom>
+          <a:solidFill>
+            <a:srgbClr val="FFFFFF">
+              <a:alpha val="83000"/>
+            </a:srgbClr>
+          </a:solidFill>
+          <a:ln>
+            <a:noFill/>
+          </a:ln>
+          <a:effectLst>
+            <a:softEdge rad="12700"/>
+          </a:effectLst>
+        </p:spPr>
+        <p:style>
+          <a:lnRef idx="2">
+            <a:schemeClr val="accent1">
+              <a:shade val="50000"/>
+            </a:schemeClr>
+          </a:lnRef>
+          <a:fillRef idx="1">
+            <a:schemeClr val="accent1"/>
+          </a:fillRef>
+          <a:effectRef idx="0">
+            <a:schemeClr val="accent1"/>
+          </a:effectRef>
+          <a:fontRef idx="minor">
+            <a:schemeClr val="lt1"/>
+          </a:fontRef>
+        </p:style>
+        <p:txBody>
+          <a:bodyPr rtlCol="0" anchor="ctr"/>
+          <a:lstStyle/>
+          <a:p>
+            <a:pPr algn="ctr"/>
+            <a:endParaRPr lang="en-US"/>
+          </a:p>
+        </p:txBody>
+      </p:sp>
+      <p:sp>
+        <p:nvSpPr>
+          <p:cNvPr id="10" name="Rectangle 9"/>
+          <p:cNvSpPr/>
+          <p:nvPr/>
+        </p:nvSpPr>
+        <p:spPr>
+          <a:xfrm>
+            <a:off x="902254" y="1642472"/>
+            <a:ext cx="3311005" cy="3234328"/>
+          </a:xfrm>
+          <a:prstGeom prst="rect">
+            <a:avLst/>
+          </a:prstGeom>
+          <a:solidFill>
+            <a:srgbClr val="FFFFFF"/>
+          </a:solidFill>
+          <a:ln w="6350" cmpd="dbl">
+            <a:solidFill>
+              <a:schemeClr val="accent1">
+                <a:lumMod val="75000"/>
+              </a:schemeClr>
+            </a:solidFill>
+          </a:ln>
+        </p:spPr>
+        <p:style>
+          <a:lnRef idx="2">
+            <a:schemeClr val="accent1">
+              <a:shade val="50000"/>
+            </a:schemeClr>
+          </a:lnRef>
+          <a:fillRef idx="1">
+            <a:schemeClr val="accent1"/>
+          </a:fillRef>
+          <a:effectRef idx="0">
+            <a:schemeClr val="accent1"/>
+          </a:effectRef>
+          <a:fontRef idx="minor">
+            <a:schemeClr val="lt1"/>
+          </a:fontRef>
+        </p:style>
+        <p:txBody>
+          <a:bodyPr rtlCol="0" anchor="ctr"/>
+          <a:lstStyle/>
+          <a:p>
+            <a:pPr algn="ctr"/>
             <a:endParaRPr lang="en-US"/>
           </a:p>
         </p:txBody>
@@ -2047,48 +3305,57 @@
         </p:nvSpPr>
         <p:spPr>
           <a:xfrm>
-            <a:off x="839788" y="2057400"/>
-            <a:ext cx="3932237" cy="3811588"/>
+            <a:off x="1025334" y="2971800"/>
+            <a:ext cx="3064845" cy="1752600"/>
           </a:xfrm>
         </p:spPr>
         <p:txBody>
           <a:bodyPr/>
           <a:lstStyle>
             <a:lvl1pPr marL="0" indent="0">
-              <a:buNone/>
-              <a:defRPr sz="1600"/>
+              <a:spcBef>
+                <a:spcPts val="400"/>
+              </a:spcBef>
+              <a:buNone/>
+              <a:defRPr sz="1400">
+                <a:solidFill>
+                  <a:schemeClr val="accent1">
+                    <a:lumMod val="50000"/>
+                  </a:schemeClr>
+                </a:solidFill>
+              </a:defRPr>
             </a:lvl1pPr>
             <a:lvl2pPr marL="457200" indent="0">
               <a:buNone/>
-              <a:defRPr sz="1400"/>
+              <a:defRPr sz="1200"/>
             </a:lvl2pPr>
             <a:lvl3pPr marL="914400" indent="0">
               <a:buNone/>
-              <a:defRPr sz="1200"/>
+              <a:defRPr sz="1000"/>
             </a:lvl3pPr>
             <a:lvl4pPr marL="1371600" indent="0">
               <a:buNone/>
-              <a:defRPr sz="1000"/>
+              <a:defRPr sz="900"/>
             </a:lvl4pPr>
             <a:lvl5pPr marL="1828800" indent="0">
               <a:buNone/>
-              <a:defRPr sz="1000"/>
+              <a:defRPr sz="900"/>
             </a:lvl5pPr>
             <a:lvl6pPr marL="2286000" indent="0">
               <a:buNone/>
-              <a:defRPr sz="1000"/>
+              <a:defRPr sz="900"/>
             </a:lvl6pPr>
             <a:lvl7pPr marL="2743200" indent="0">
               <a:buNone/>
-              <a:defRPr sz="1000"/>
+              <a:defRPr sz="900"/>
             </a:lvl7pPr>
             <a:lvl8pPr marL="3200400" indent="0">
               <a:buNone/>
-              <a:defRPr sz="1000"/>
+              <a:defRPr sz="900"/>
             </a:lvl8pPr>
             <a:lvl9pPr marL="3657600" indent="0">
               <a:buNone/>
-              <a:defRPr sz="1000"/>
+              <a:defRPr sz="900"/>
             </a:lvl9pPr>
           </a:lstStyle>
           <a:p>
@@ -2102,75 +3369,45 @@
       </p:sp>
       <p:sp>
         <p:nvSpPr>
-          <p:cNvPr id="5" name="Date Placeholder 4"/>
-          <p:cNvSpPr>
-            <a:spLocks noGrp="1"/>
-          </p:cNvSpPr>
-          <p:nvPr>
-            <p:ph type="dt" sz="half" idx="10"/>
-          </p:nvPr>
-        </p:nvSpPr>
-        <p:spPr/>
-        <p:txBody>
-          <a:bodyPr/>
-          <a:lstStyle/>
-          <a:p>
-            <a:fld id="{0A2C9084-70B7-4828-AD77-7D77F1A8B45B}" type="datetimeFigureOut">
-              <a:rPr lang="en-US" smtClean="0"/>
-              <a:t>11/29/15</a:t>
-            </a:fld>
-            <a:endParaRPr lang="en-US"/>
-          </a:p>
-        </p:txBody>
-      </p:sp>
-      <p:sp>
-        <p:nvSpPr>
-          <p:cNvPr id="6" name="Footer Placeholder 5"/>
-          <p:cNvSpPr>
-            <a:spLocks noGrp="1"/>
-          </p:cNvSpPr>
-          <p:nvPr>
-            <p:ph type="ftr" sz="quarter" idx="11"/>
-          </p:nvPr>
-        </p:nvSpPr>
-        <p:spPr/>
-        <p:txBody>
-          <a:bodyPr/>
-          <a:lstStyle/>
-          <a:p>
-            <a:endParaRPr lang="en-US"/>
-          </a:p>
-        </p:txBody>
-      </p:sp>
-      <p:sp>
-        <p:nvSpPr>
-          <p:cNvPr id="7" name="Slide Number Placeholder 6"/>
-          <p:cNvSpPr>
-            <a:spLocks noGrp="1"/>
-          </p:cNvSpPr>
-          <p:nvPr>
-            <p:ph type="sldNum" sz="quarter" idx="12"/>
-          </p:nvPr>
-        </p:nvSpPr>
-        <p:spPr/>
-        <p:txBody>
-          <a:bodyPr/>
-          <a:lstStyle/>
-          <a:p>
-            <a:fld id="{8F0FEE11-1095-4C61-9A70-B02A236917C5}" type="slidenum">
-              <a:rPr lang="en-US" smtClean="0"/>
-              <a:t>‹#›</a:t>
-            </a:fld>
-            <a:endParaRPr lang="en-US"/>
+          <p:cNvPr id="2" name="Title 1"/>
+          <p:cNvSpPr>
+            <a:spLocks noGrp="1"/>
+          </p:cNvSpPr>
+          <p:nvPr>
+            <p:ph type="title"/>
+          </p:nvPr>
+        </p:nvSpPr>
+        <p:spPr>
+          <a:xfrm>
+            <a:off x="1025334" y="1734312"/>
+            <a:ext cx="3064845" cy="1191620"/>
+          </a:xfrm>
+        </p:spPr>
+        <p:txBody>
+          <a:bodyPr anchor="b">
+            <a:normAutofit/>
+          </a:bodyPr>
+          <a:lstStyle>
+            <a:lvl1pPr algn="l">
+              <a:defRPr sz="2000" b="0">
+                <a:solidFill>
+                  <a:schemeClr val="accent1">
+                    <a:lumMod val="75000"/>
+                  </a:schemeClr>
+                </a:solidFill>
+              </a:defRPr>
+            </a:lvl1pPr>
+          </a:lstStyle>
+          <a:p>
+            <a:r>
+              <a:rPr lang="en-US" smtClean="0"/>
+              <a:t>Click to edit Master title style</a:t>
+            </a:r>
+            <a:endParaRPr lang="en-US" dirty="0"/>
           </a:p>
         </p:txBody>
       </p:sp>
     </p:spTree>
-    <p:extLst>
-      <p:ext uri="{BB962C8B-B14F-4D97-AF65-F5344CB8AC3E}">
-        <p14:creationId xmlns:p14="http://schemas.microsoft.com/office/powerpoint/2010/main" val="2625711987"/>
-      </p:ext>
-    </p:extLst>
   </p:cSld>
   <p:clrMapOvr>
     <a:masterClrMapping/>
@@ -2179,7 +3416,7 @@
 </file>
 
 <file path=ppt/slideLayouts/slideLayout9.xml><?xml version="1.0" encoding="utf-8"?>
-<p:sldLayout xmlns:a="http://schemas.openxmlformats.org/drawingml/2006/main" xmlns:r="http://schemas.openxmlformats.org/officeDocument/2006/relationships" xmlns:p="http://schemas.openxmlformats.org/presentationml/2006/main" type="picTx" preserve="1">
+<p:sldLayout xmlns:a="http://schemas.openxmlformats.org/drawingml/2006/main" xmlns:r="http://schemas.openxmlformats.org/officeDocument/2006/relationships" xmlns:p="http://schemas.openxmlformats.org/presentationml/2006/main" showMasterSp="0" type="picTx" preserve="1">
   <p:cSld name="Picture with Caption">
     <p:spTree>
       <p:nvGrpSpPr>
@@ -2197,32 +3434,91 @@
       </p:grpSpPr>
       <p:sp>
         <p:nvSpPr>
-          <p:cNvPr id="2" name="Title 1"/>
-          <p:cNvSpPr>
-            <a:spLocks noGrp="1"/>
-          </p:cNvSpPr>
-          <p:nvPr>
-            <p:ph type="title"/>
-          </p:nvPr>
-        </p:nvSpPr>
-        <p:spPr>
-          <a:xfrm>
-            <a:off x="839788" y="457200"/>
-            <a:ext cx="3932237" cy="1600200"/>
-          </a:xfrm>
-        </p:spPr>
-        <p:txBody>
-          <a:bodyPr anchor="b"/>
-          <a:lstStyle>
-            <a:lvl1pPr>
-              <a:defRPr sz="3200"/>
-            </a:lvl1pPr>
-          </a:lstStyle>
-          <a:p>
-            <a:r>
-              <a:rPr lang="en-US" smtClean="0"/>
-              <a:t>Click to edit Master title style</a:t>
-            </a:r>
+          <p:cNvPr id="8" name="Rectangle 7"/>
+          <p:cNvSpPr/>
+          <p:nvPr/>
+        </p:nvSpPr>
+        <p:spPr>
+          <a:xfrm>
+            <a:off x="0" y="0"/>
+            <a:ext cx="12192000" cy="6858000"/>
+          </a:xfrm>
+          <a:prstGeom prst="rect">
+            <a:avLst/>
+          </a:prstGeom>
+          <a:solidFill>
+            <a:srgbClr val="FFFFFF"/>
+          </a:solidFill>
+          <a:ln>
+            <a:noFill/>
+          </a:ln>
+        </p:spPr>
+        <p:style>
+          <a:lnRef idx="2">
+            <a:schemeClr val="accent1">
+              <a:shade val="50000"/>
+            </a:schemeClr>
+          </a:lnRef>
+          <a:fillRef idx="1">
+            <a:schemeClr val="accent1"/>
+          </a:fillRef>
+          <a:effectRef idx="0">
+            <a:schemeClr val="accent1"/>
+          </a:effectRef>
+          <a:fontRef idx="minor">
+            <a:schemeClr val="lt1"/>
+          </a:fontRef>
+        </p:style>
+        <p:txBody>
+          <a:bodyPr rtlCol="0" anchor="ctr"/>
+          <a:lstStyle/>
+          <a:p>
+            <a:pPr algn="ctr"/>
+            <a:endParaRPr lang="en-US"/>
+          </a:p>
+        </p:txBody>
+      </p:sp>
+      <p:sp useBgFill="1">
+        <p:nvSpPr>
+          <p:cNvPr id="9" name="Rounded Rectangle 8"/>
+          <p:cNvSpPr/>
+          <p:nvPr/>
+        </p:nvSpPr>
+        <p:spPr>
+          <a:xfrm>
+            <a:off x="121920" y="101600"/>
+            <a:ext cx="11948160" cy="6664960"/>
+          </a:xfrm>
+          <a:prstGeom prst="roundRect">
+            <a:avLst>
+              <a:gd name="adj" fmla="val 1735"/>
+            </a:avLst>
+          </a:prstGeom>
+          <a:ln w="12700" cmpd="sng">
+            <a:noFill/>
+          </a:ln>
+        </p:spPr>
+        <p:style>
+          <a:lnRef idx="2">
+            <a:schemeClr val="accent1">
+              <a:shade val="50000"/>
+            </a:schemeClr>
+          </a:lnRef>
+          <a:fillRef idx="1">
+            <a:schemeClr val="accent1"/>
+          </a:fillRef>
+          <a:effectRef idx="0">
+            <a:schemeClr val="accent1"/>
+          </a:effectRef>
+          <a:fontRef idx="minor">
+            <a:schemeClr val="lt1"/>
+          </a:fontRef>
+        </p:style>
+        <p:txBody>
+          <a:bodyPr rtlCol="0" anchor="ctr"/>
+          <a:lstStyle/>
+          <a:p>
+            <a:pPr algn="ctr"/>
             <a:endParaRPr lang="en-US"/>
           </a:p>
         </p:txBody>
@@ -2239,9 +3535,18 @@
         </p:nvSpPr>
         <p:spPr>
           <a:xfrm>
-            <a:off x="5183188" y="987425"/>
-            <a:ext cx="6172200" cy="4873625"/>
-          </a:xfrm>
+            <a:off x="914400" y="621437"/>
+            <a:ext cx="10363200" cy="4331564"/>
+          </a:xfrm>
+          <a:solidFill>
+            <a:schemeClr val="bg2"/>
+          </a:solidFill>
+          <a:ln>
+            <a:noFill/>
+          </a:ln>
+          <a:effectLst>
+            <a:softEdge rad="12700"/>
+          </a:effectLst>
         </p:spPr>
         <p:txBody>
           <a:bodyPr/>
@@ -2284,6 +3589,262 @@
             </a:lvl9pPr>
           </a:lstStyle>
           <a:p>
+            <a:r>
+              <a:rPr lang="en-US" smtClean="0"/>
+              <a:t>Drag picture to placeholder or click icon to add</a:t>
+            </a:r>
+            <a:endParaRPr lang="en-US" dirty="0"/>
+          </a:p>
+        </p:txBody>
+      </p:sp>
+      <p:sp>
+        <p:nvSpPr>
+          <p:cNvPr id="5" name="Date Placeholder 4"/>
+          <p:cNvSpPr>
+            <a:spLocks noGrp="1"/>
+          </p:cNvSpPr>
+          <p:nvPr>
+            <p:ph type="dt" sz="half" idx="10"/>
+          </p:nvPr>
+        </p:nvSpPr>
+        <p:spPr/>
+        <p:txBody>
+          <a:bodyPr/>
+          <a:lstStyle/>
+          <a:p>
+            <a:fld id="{0A2C9084-70B7-4828-AD77-7D77F1A8B45B}" type="datetimeFigureOut">
+              <a:rPr lang="en-US" smtClean="0"/>
+              <a:t>11/29/15</a:t>
+            </a:fld>
+            <a:endParaRPr lang="en-US"/>
+          </a:p>
+        </p:txBody>
+      </p:sp>
+      <p:sp>
+        <p:nvSpPr>
+          <p:cNvPr id="7" name="Slide Number Placeholder 6"/>
+          <p:cNvSpPr>
+            <a:spLocks noGrp="1"/>
+          </p:cNvSpPr>
+          <p:nvPr>
+            <p:ph type="sldNum" sz="quarter" idx="12"/>
+          </p:nvPr>
+        </p:nvSpPr>
+        <p:spPr/>
+        <p:txBody>
+          <a:bodyPr/>
+          <a:lstStyle/>
+          <a:p>
+            <a:fld id="{8F0FEE11-1095-4C61-9A70-B02A236917C5}" type="slidenum">
+              <a:rPr lang="en-US" smtClean="0"/>
+              <a:t>‹#›</a:t>
+            </a:fld>
+            <a:endParaRPr lang="en-US"/>
+          </a:p>
+        </p:txBody>
+      </p:sp>
+      <p:sp>
+        <p:nvSpPr>
+          <p:cNvPr id="10" name="Rectangle 9"/>
+          <p:cNvSpPr/>
+          <p:nvPr/>
+        </p:nvSpPr>
+        <p:spPr>
+          <a:xfrm>
+            <a:off x="914400" y="4953000"/>
+            <a:ext cx="10363200" cy="1371600"/>
+          </a:xfrm>
+          <a:prstGeom prst="rect">
+            <a:avLst/>
+          </a:prstGeom>
+          <a:solidFill>
+            <a:srgbClr val="FFFFFF">
+              <a:alpha val="83000"/>
+            </a:srgbClr>
+          </a:solidFill>
+          <a:ln>
+            <a:noFill/>
+          </a:ln>
+          <a:effectLst>
+            <a:softEdge rad="12700"/>
+          </a:effectLst>
+        </p:spPr>
+        <p:style>
+          <a:lnRef idx="2">
+            <a:schemeClr val="accent1">
+              <a:shade val="50000"/>
+            </a:schemeClr>
+          </a:lnRef>
+          <a:fillRef idx="1">
+            <a:schemeClr val="accent1"/>
+          </a:fillRef>
+          <a:effectRef idx="0">
+            <a:schemeClr val="accent1"/>
+          </a:effectRef>
+          <a:fontRef idx="minor">
+            <a:schemeClr val="lt1"/>
+          </a:fontRef>
+        </p:style>
+        <p:txBody>
+          <a:bodyPr rtlCol="0" anchor="ctr"/>
+          <a:lstStyle/>
+          <a:p>
+            <a:pPr algn="ctr"/>
+            <a:endParaRPr lang="en-US"/>
+          </a:p>
+        </p:txBody>
+      </p:sp>
+      <p:sp>
+        <p:nvSpPr>
+          <p:cNvPr id="12" name="Rectangle 11"/>
+          <p:cNvSpPr/>
+          <p:nvPr/>
+        </p:nvSpPr>
+        <p:spPr>
+          <a:xfrm>
+            <a:off x="1016000" y="5029200"/>
+            <a:ext cx="10134353" cy="1202924"/>
+          </a:xfrm>
+          <a:prstGeom prst="rect">
+            <a:avLst/>
+          </a:prstGeom>
+          <a:solidFill>
+            <a:srgbClr val="FFFFFF"/>
+          </a:solidFill>
+          <a:ln w="6350" cmpd="dbl">
+            <a:noFill/>
+          </a:ln>
+        </p:spPr>
+        <p:style>
+          <a:lnRef idx="2">
+            <a:schemeClr val="accent1">
+              <a:shade val="50000"/>
+            </a:schemeClr>
+          </a:lnRef>
+          <a:fillRef idx="1">
+            <a:schemeClr val="accent1"/>
+          </a:fillRef>
+          <a:effectRef idx="0">
+            <a:schemeClr val="accent1"/>
+          </a:effectRef>
+          <a:fontRef idx="minor">
+            <a:schemeClr val="lt1"/>
+          </a:fontRef>
+        </p:style>
+        <p:txBody>
+          <a:bodyPr rtlCol="0" anchor="ctr"/>
+          <a:lstStyle/>
+          <a:p>
+            <a:pPr algn="ctr"/>
+            <a:endParaRPr lang="en-US"/>
+          </a:p>
+        </p:txBody>
+      </p:sp>
+      <p:sp>
+        <p:nvSpPr>
+          <p:cNvPr id="6" name="Footer Placeholder 5"/>
+          <p:cNvSpPr>
+            <a:spLocks noGrp="1"/>
+          </p:cNvSpPr>
+          <p:nvPr>
+            <p:ph type="ftr" sz="quarter" idx="11"/>
+          </p:nvPr>
+        </p:nvSpPr>
+        <p:spPr/>
+        <p:txBody>
+          <a:bodyPr/>
+          <a:lstStyle/>
+          <a:p>
+            <a:endParaRPr lang="en-US"/>
+          </a:p>
+        </p:txBody>
+      </p:sp>
+      <p:sp>
+        <p:nvSpPr>
+          <p:cNvPr id="13" name="Rectangle 12"/>
+          <p:cNvSpPr/>
+          <p:nvPr/>
+        </p:nvSpPr>
+        <p:spPr>
+          <a:xfrm>
+            <a:off x="1219200" y="5638800"/>
+            <a:ext cx="9771352" cy="451696"/>
+          </a:xfrm>
+          <a:prstGeom prst="rect">
+            <a:avLst/>
+          </a:prstGeom>
+          <a:solidFill>
+            <a:schemeClr val="accent1"/>
+          </a:solidFill>
+          <a:ln w="6350" cmpd="dbl">
+            <a:noFill/>
+          </a:ln>
+        </p:spPr>
+        <p:style>
+          <a:lnRef idx="2">
+            <a:schemeClr val="accent1">
+              <a:shade val="50000"/>
+            </a:schemeClr>
+          </a:lnRef>
+          <a:fillRef idx="1">
+            <a:schemeClr val="accent1"/>
+          </a:fillRef>
+          <a:effectRef idx="0">
+            <a:schemeClr val="accent1"/>
+          </a:effectRef>
+          <a:fontRef idx="minor">
+            <a:schemeClr val="lt1"/>
+          </a:fontRef>
+        </p:style>
+        <p:txBody>
+          <a:bodyPr rtlCol="0" anchor="ctr"/>
+          <a:lstStyle/>
+          <a:p>
+            <a:pPr algn="ctr"/>
+            <a:endParaRPr lang="en-US"/>
+          </a:p>
+        </p:txBody>
+      </p:sp>
+      <p:sp>
+        <p:nvSpPr>
+          <p:cNvPr id="11" name="Rectangle 10"/>
+          <p:cNvSpPr/>
+          <p:nvPr/>
+        </p:nvSpPr>
+        <p:spPr>
+          <a:xfrm>
+            <a:off x="807452" y="5074920"/>
+            <a:ext cx="10594848" cy="1097280"/>
+          </a:xfrm>
+          <a:prstGeom prst="rect">
+            <a:avLst/>
+          </a:prstGeom>
+          <a:noFill/>
+          <a:ln w="6350" cmpd="dbl">
+            <a:noFill/>
+          </a:ln>
+        </p:spPr>
+        <p:style>
+          <a:lnRef idx="2">
+            <a:schemeClr val="accent1">
+              <a:shade val="50000"/>
+            </a:schemeClr>
+          </a:lnRef>
+          <a:fillRef idx="1">
+            <a:schemeClr val="accent1"/>
+          </a:fillRef>
+          <a:effectRef idx="0">
+            <a:schemeClr val="accent1"/>
+          </a:effectRef>
+          <a:fontRef idx="minor">
+            <a:schemeClr val="lt1"/>
+          </a:fontRef>
+        </p:style>
+        <p:txBody>
+          <a:bodyPr rtlCol="0" anchor="ctr"/>
+          <a:lstStyle/>
+          <a:p>
+            <a:pPr algn="ctr"/>
             <a:endParaRPr lang="en-US"/>
           </a:p>
         </p:txBody>
@@ -2300,48 +3861,54 @@
         </p:nvSpPr>
         <p:spPr>
           <a:xfrm>
-            <a:off x="839788" y="2057400"/>
-            <a:ext cx="3932237" cy="3811588"/>
-          </a:xfrm>
-        </p:spPr>
-        <p:txBody>
-          <a:bodyPr/>
+            <a:off x="1275052" y="5656557"/>
+            <a:ext cx="9659648" cy="401715"/>
+          </a:xfrm>
+        </p:spPr>
+        <p:txBody>
+          <a:bodyPr anchor="ctr">
+            <a:normAutofit/>
+          </a:bodyPr>
           <a:lstStyle>
-            <a:lvl1pPr marL="0" indent="0">
-              <a:buNone/>
-              <a:defRPr sz="1600"/>
+            <a:lvl1pPr marL="0" indent="0" algn="ctr">
+              <a:buNone/>
+              <a:defRPr sz="1500" cap="all" spc="250" baseline="0">
+                <a:solidFill>
+                  <a:srgbClr val="FFFFFF"/>
+                </a:solidFill>
+              </a:defRPr>
             </a:lvl1pPr>
             <a:lvl2pPr marL="457200" indent="0">
               <a:buNone/>
-              <a:defRPr sz="1400"/>
+              <a:defRPr sz="1200"/>
             </a:lvl2pPr>
             <a:lvl3pPr marL="914400" indent="0">
               <a:buNone/>
-              <a:defRPr sz="1200"/>
+              <a:defRPr sz="1000"/>
             </a:lvl3pPr>
             <a:lvl4pPr marL="1371600" indent="0">
               <a:buNone/>
-              <a:defRPr sz="1000"/>
+              <a:defRPr sz="900"/>
             </a:lvl4pPr>
             <a:lvl5pPr marL="1828800" indent="0">
               <a:buNone/>
-              <a:defRPr sz="1000"/>
+              <a:defRPr sz="900"/>
             </a:lvl5pPr>
             <a:lvl6pPr marL="2286000" indent="0">
               <a:buNone/>
-              <a:defRPr sz="1000"/>
+              <a:defRPr sz="900"/>
             </a:lvl6pPr>
             <a:lvl7pPr marL="2743200" indent="0">
               <a:buNone/>
-              <a:defRPr sz="1000"/>
+              <a:defRPr sz="900"/>
             </a:lvl7pPr>
             <a:lvl8pPr marL="3200400" indent="0">
               <a:buNone/>
-              <a:defRPr sz="1000"/>
+              <a:defRPr sz="900"/>
             </a:lvl8pPr>
             <a:lvl9pPr marL="3657600" indent="0">
               <a:buNone/>
-              <a:defRPr sz="1000"/>
+              <a:defRPr sz="900"/>
             </a:lvl9pPr>
           </a:lstStyle>
           <a:p>
@@ -2355,75 +3922,43 @@
       </p:sp>
       <p:sp>
         <p:nvSpPr>
-          <p:cNvPr id="5" name="Date Placeholder 4"/>
-          <p:cNvSpPr>
-            <a:spLocks noGrp="1"/>
-          </p:cNvSpPr>
-          <p:nvPr>
-            <p:ph type="dt" sz="half" idx="10"/>
-          </p:nvPr>
-        </p:nvSpPr>
-        <p:spPr/>
-        <p:txBody>
-          <a:bodyPr/>
-          <a:lstStyle/>
-          <a:p>
-            <a:fld id="{0A2C9084-70B7-4828-AD77-7D77F1A8B45B}" type="datetimeFigureOut">
-              <a:rPr lang="en-US" smtClean="0"/>
-              <a:t>11/29/15</a:t>
-            </a:fld>
-            <a:endParaRPr lang="en-US"/>
-          </a:p>
-        </p:txBody>
-      </p:sp>
-      <p:sp>
-        <p:nvSpPr>
-          <p:cNvPr id="6" name="Footer Placeholder 5"/>
-          <p:cNvSpPr>
-            <a:spLocks noGrp="1"/>
-          </p:cNvSpPr>
-          <p:nvPr>
-            <p:ph type="ftr" sz="quarter" idx="11"/>
-          </p:nvPr>
-        </p:nvSpPr>
-        <p:spPr/>
-        <p:txBody>
-          <a:bodyPr/>
-          <a:lstStyle/>
-          <a:p>
-            <a:endParaRPr lang="en-US"/>
-          </a:p>
-        </p:txBody>
-      </p:sp>
-      <p:sp>
-        <p:nvSpPr>
-          <p:cNvPr id="7" name="Slide Number Placeholder 6"/>
-          <p:cNvSpPr>
-            <a:spLocks noGrp="1"/>
-          </p:cNvSpPr>
-          <p:nvPr>
-            <p:ph type="sldNum" sz="quarter" idx="12"/>
-          </p:nvPr>
-        </p:nvSpPr>
-        <p:spPr/>
-        <p:txBody>
-          <a:bodyPr/>
-          <a:lstStyle/>
-          <a:p>
-            <a:fld id="{8F0FEE11-1095-4C61-9A70-B02A236917C5}" type="slidenum">
-              <a:rPr lang="en-US" smtClean="0"/>
-              <a:t>‹#›</a:t>
-            </a:fld>
-            <a:endParaRPr lang="en-US"/>
+          <p:cNvPr id="2" name="Title 1"/>
+          <p:cNvSpPr>
+            <a:spLocks noGrp="1"/>
+          </p:cNvSpPr>
+          <p:nvPr>
+            <p:ph type="title"/>
+          </p:nvPr>
+        </p:nvSpPr>
+        <p:spPr>
+          <a:xfrm>
+            <a:off x="1219200" y="5105401"/>
+            <a:ext cx="9771352" cy="523043"/>
+          </a:xfrm>
+        </p:spPr>
+        <p:txBody>
+          <a:bodyPr anchor="ctr" anchorCtr="0"/>
+          <a:lstStyle>
+            <a:lvl1pPr algn="ctr">
+              <a:defRPr sz="2000" b="0">
+                <a:solidFill>
+                  <a:schemeClr val="accent1">
+                    <a:lumMod val="75000"/>
+                  </a:schemeClr>
+                </a:solidFill>
+              </a:defRPr>
+            </a:lvl1pPr>
+          </a:lstStyle>
+          <a:p>
+            <a:r>
+              <a:rPr lang="en-US" smtClean="0"/>
+              <a:t>Click to edit Master title style</a:t>
+            </a:r>
+            <a:endParaRPr lang="en-US" dirty="0"/>
           </a:p>
         </p:txBody>
       </p:sp>
     </p:spTree>
-    <p:extLst>
-      <p:ext uri="{BB962C8B-B14F-4D97-AF65-F5344CB8AC3E}">
-        <p14:creationId xmlns:p14="http://schemas.microsoft.com/office/powerpoint/2010/main" val="3333357286"/>
-      </p:ext>
-    </p:extLst>
   </p:cSld>
   <p:clrMapOvr>
     <a:masterClrMapping/>
@@ -2435,7 +3970,7 @@
 <p:sldMaster xmlns:a="http://schemas.openxmlformats.org/drawingml/2006/main" xmlns:r="http://schemas.openxmlformats.org/officeDocument/2006/relationships" xmlns:p="http://schemas.openxmlformats.org/presentationml/2006/main">
   <p:cSld>
     <p:bg>
-      <p:bgRef idx="1001">
+      <p:bgRef idx="1003">
         <a:schemeClr val="bg1"/>
       </p:bgRef>
     </p:bg>
@@ -2455,33 +3990,91 @@
       </p:grpSpPr>
       <p:sp>
         <p:nvSpPr>
-          <p:cNvPr id="2" name="Title Placeholder 1"/>
-          <p:cNvSpPr>
-            <a:spLocks noGrp="1"/>
-          </p:cNvSpPr>
-          <p:nvPr>
-            <p:ph type="title"/>
-          </p:nvPr>
-        </p:nvSpPr>
-        <p:spPr>
-          <a:xfrm>
-            <a:off x="838200" y="365125"/>
-            <a:ext cx="10515600" cy="1325563"/>
+          <p:cNvPr id="8" name="Rectangle 7"/>
+          <p:cNvSpPr/>
+          <p:nvPr/>
+        </p:nvSpPr>
+        <p:spPr>
+          <a:xfrm>
+            <a:off x="0" y="0"/>
+            <a:ext cx="12192000" cy="6858000"/>
           </a:xfrm>
           <a:prstGeom prst="rect">
             <a:avLst/>
           </a:prstGeom>
-        </p:spPr>
-        <p:txBody>
-          <a:bodyPr vert="horz" lIns="91440" tIns="45720" rIns="91440" bIns="45720" rtlCol="0" anchor="ctr">
-            <a:normAutofit/>
-          </a:bodyPr>
-          <a:lstStyle/>
-          <a:p>
-            <a:r>
-              <a:rPr lang="en-US" smtClean="0"/>
-              <a:t>Click to edit Master title style</a:t>
-            </a:r>
+          <a:solidFill>
+            <a:srgbClr val="FFFFFF"/>
+          </a:solidFill>
+          <a:ln>
+            <a:noFill/>
+          </a:ln>
+        </p:spPr>
+        <p:style>
+          <a:lnRef idx="2">
+            <a:schemeClr val="accent1">
+              <a:shade val="50000"/>
+            </a:schemeClr>
+          </a:lnRef>
+          <a:fillRef idx="1">
+            <a:schemeClr val="accent1"/>
+          </a:fillRef>
+          <a:effectRef idx="0">
+            <a:schemeClr val="accent1"/>
+          </a:effectRef>
+          <a:fontRef idx="minor">
+            <a:schemeClr val="lt1"/>
+          </a:fontRef>
+        </p:style>
+        <p:txBody>
+          <a:bodyPr rtlCol="0" anchor="ctr"/>
+          <a:lstStyle/>
+          <a:p>
+            <a:pPr algn="ctr"/>
+            <a:endParaRPr lang="en-US"/>
+          </a:p>
+        </p:txBody>
+      </p:sp>
+      <p:sp useBgFill="1">
+        <p:nvSpPr>
+          <p:cNvPr id="7" name="Rounded Rectangle 6"/>
+          <p:cNvSpPr/>
+          <p:nvPr/>
+        </p:nvSpPr>
+        <p:spPr>
+          <a:xfrm>
+            <a:off x="121920" y="101600"/>
+            <a:ext cx="11948160" cy="6664960"/>
+          </a:xfrm>
+          <a:prstGeom prst="roundRect">
+            <a:avLst>
+              <a:gd name="adj" fmla="val 1735"/>
+            </a:avLst>
+          </a:prstGeom>
+          <a:ln w="12700" cmpd="sng">
+            <a:noFill/>
+          </a:ln>
+        </p:spPr>
+        <p:style>
+          <a:lnRef idx="2">
+            <a:schemeClr val="accent1">
+              <a:shade val="50000"/>
+            </a:schemeClr>
+          </a:lnRef>
+          <a:fillRef idx="1">
+            <a:schemeClr val="accent1"/>
+          </a:fillRef>
+          <a:effectRef idx="0">
+            <a:schemeClr val="accent1"/>
+          </a:effectRef>
+          <a:fontRef idx="minor">
+            <a:schemeClr val="lt1"/>
+          </a:fontRef>
+        </p:style>
+        <p:txBody>
+          <a:bodyPr rtlCol="0" anchor="ctr"/>
+          <a:lstStyle/>
+          <a:p>
+            <a:pPr algn="ctr"/>
             <a:endParaRPr lang="en-US"/>
           </a:p>
         </p:txBody>
@@ -2498,8 +4091,8 @@
         </p:nvSpPr>
         <p:spPr>
           <a:xfrm>
-            <a:off x="838200" y="1825625"/>
-            <a:ext cx="10515600" cy="4351338"/>
+            <a:off x="609600" y="1752601"/>
+            <a:ext cx="10972800" cy="4373563"/>
           </a:xfrm>
           <a:prstGeom prst="rect">
             <a:avLst/>
@@ -2513,38 +4106,38 @@
           <a:p>
             <a:pPr lvl="0"/>
             <a:r>
-              <a:rPr lang="en-US" smtClean="0"/>
+              <a:rPr lang="en-US" dirty="0" smtClean="0"/>
               <a:t>Click to edit Master text styles</a:t>
             </a:r>
           </a:p>
           <a:p>
             <a:pPr lvl="1"/>
             <a:r>
-              <a:rPr lang="en-US" smtClean="0"/>
+              <a:rPr lang="en-US" dirty="0" smtClean="0"/>
               <a:t>Second level</a:t>
             </a:r>
           </a:p>
           <a:p>
             <a:pPr lvl="2"/>
             <a:r>
-              <a:rPr lang="en-US" smtClean="0"/>
+              <a:rPr lang="en-US" dirty="0" smtClean="0"/>
               <a:t>Third level</a:t>
             </a:r>
           </a:p>
           <a:p>
             <a:pPr lvl="3"/>
             <a:r>
-              <a:rPr lang="en-US" smtClean="0"/>
+              <a:rPr lang="en-US" dirty="0" smtClean="0"/>
               <a:t>Fourth level</a:t>
             </a:r>
           </a:p>
           <a:p>
             <a:pPr lvl="4"/>
             <a:r>
-              <a:rPr lang="en-US" smtClean="0"/>
+              <a:rPr lang="en-US" dirty="0" smtClean="0"/>
               <a:t>Fifth level</a:t>
             </a:r>
-            <a:endParaRPr lang="en-US"/>
+            <a:endParaRPr lang="en-US" dirty="0"/>
           </a:p>
         </p:txBody>
       </p:sp>
@@ -2560,8 +4153,8 @@
         </p:nvSpPr>
         <p:spPr>
           <a:xfrm>
-            <a:off x="838200" y="6356350"/>
-            <a:ext cx="2743200" cy="365125"/>
+            <a:off x="609600" y="6356351"/>
+            <a:ext cx="2844800" cy="365125"/>
           </a:xfrm>
           <a:prstGeom prst="rect">
             <a:avLst/>
@@ -2573,9 +4166,7 @@
             <a:lvl1pPr algn="l">
               <a:defRPr sz="1200">
                 <a:solidFill>
-                  <a:schemeClr val="tx1">
-                    <a:tint val="75000"/>
-                  </a:schemeClr>
+                  <a:schemeClr val="tx2"/>
                 </a:solidFill>
               </a:defRPr>
             </a:lvl1pPr>
@@ -2601,8 +4192,8 @@
         </p:nvSpPr>
         <p:spPr>
           <a:xfrm>
-            <a:off x="4038600" y="6356350"/>
-            <a:ext cx="4114800" cy="365125"/>
+            <a:off x="4165600" y="6356351"/>
+            <a:ext cx="3860800" cy="365125"/>
           </a:xfrm>
           <a:prstGeom prst="rect">
             <a:avLst/>
@@ -2614,9 +4205,7 @@
             <a:lvl1pPr algn="ctr">
               <a:defRPr sz="1200">
                 <a:solidFill>
-                  <a:schemeClr val="tx1">
-                    <a:tint val="75000"/>
-                  </a:schemeClr>
+                  <a:schemeClr val="tx2"/>
                 </a:solidFill>
               </a:defRPr>
             </a:lvl1pPr>
@@ -2638,8 +4227,8 @@
         </p:nvSpPr>
         <p:spPr>
           <a:xfrm>
-            <a:off x="8610600" y="6356350"/>
-            <a:ext cx="2743200" cy="365125"/>
+            <a:off x="8737600" y="6356351"/>
+            <a:ext cx="2844800" cy="365125"/>
           </a:xfrm>
           <a:prstGeom prst="rect">
             <a:avLst/>
@@ -2651,9 +4240,7 @@
             <a:lvl1pPr algn="r">
               <a:defRPr sz="1200">
                 <a:solidFill>
-                  <a:schemeClr val="tx1">
-                    <a:tint val="75000"/>
-                  </a:schemeClr>
+                  <a:schemeClr val="tx2"/>
                 </a:solidFill>
               </a:defRPr>
             </a:lvl1pPr>
@@ -2667,40 +4254,171 @@
           </a:p>
         </p:txBody>
       </p:sp>
+      <p:sp>
+        <p:nvSpPr>
+          <p:cNvPr id="9" name="Rectangle 8"/>
+          <p:cNvSpPr/>
+          <p:nvPr/>
+        </p:nvSpPr>
+        <p:spPr>
+          <a:xfrm>
+            <a:off x="365760" y="278166"/>
+            <a:ext cx="11460480" cy="1325880"/>
+          </a:xfrm>
+          <a:prstGeom prst="rect">
+            <a:avLst/>
+          </a:prstGeom>
+          <a:solidFill>
+            <a:srgbClr val="FFFFFF">
+              <a:alpha val="83000"/>
+            </a:srgbClr>
+          </a:solidFill>
+          <a:ln>
+            <a:noFill/>
+          </a:ln>
+          <a:effectLst>
+            <a:softEdge rad="12700"/>
+          </a:effectLst>
+        </p:spPr>
+        <p:style>
+          <a:lnRef idx="2">
+            <a:schemeClr val="accent1">
+              <a:shade val="50000"/>
+            </a:schemeClr>
+          </a:lnRef>
+          <a:fillRef idx="1">
+            <a:schemeClr val="accent1"/>
+          </a:fillRef>
+          <a:effectRef idx="0">
+            <a:schemeClr val="accent1"/>
+          </a:effectRef>
+          <a:fontRef idx="minor">
+            <a:schemeClr val="lt1"/>
+          </a:fontRef>
+        </p:style>
+        <p:txBody>
+          <a:bodyPr rtlCol="0" anchor="ctr"/>
+          <a:lstStyle/>
+          <a:p>
+            <a:pPr marL="0" algn="ctr" defTabSz="914400" rtl="0" eaLnBrk="1" latinLnBrk="0" hangingPunct="1"/>
+            <a:endParaRPr lang="en-US" sz="1800" kern="1200">
+              <a:solidFill>
+                <a:schemeClr val="lt1"/>
+              </a:solidFill>
+              <a:latin typeface="+mn-lt"/>
+              <a:ea typeface="+mn-ea"/>
+              <a:cs typeface="+mn-cs"/>
+            </a:endParaRPr>
+          </a:p>
+        </p:txBody>
+      </p:sp>
+      <p:sp>
+        <p:nvSpPr>
+          <p:cNvPr id="10" name="Rectangle 9"/>
+          <p:cNvSpPr/>
+          <p:nvPr/>
+        </p:nvSpPr>
+        <p:spPr>
+          <a:xfrm>
+            <a:off x="497151" y="372862"/>
+            <a:ext cx="11174027" cy="1118587"/>
+          </a:xfrm>
+          <a:prstGeom prst="rect">
+            <a:avLst/>
+          </a:prstGeom>
+          <a:solidFill>
+            <a:srgbClr val="FFFFFF"/>
+          </a:solidFill>
+          <a:ln w="6350">
+            <a:noFill/>
+          </a:ln>
+        </p:spPr>
+        <p:style>
+          <a:lnRef idx="2">
+            <a:schemeClr val="accent1">
+              <a:shade val="50000"/>
+            </a:schemeClr>
+          </a:lnRef>
+          <a:fillRef idx="1">
+            <a:schemeClr val="accent1"/>
+          </a:fillRef>
+          <a:effectRef idx="0">
+            <a:schemeClr val="accent1"/>
+          </a:effectRef>
+          <a:fontRef idx="minor">
+            <a:schemeClr val="lt1"/>
+          </a:fontRef>
+        </p:style>
+        <p:txBody>
+          <a:bodyPr rtlCol="0" anchor="ctr"/>
+          <a:lstStyle/>
+          <a:p>
+            <a:pPr algn="ctr"/>
+            <a:endParaRPr lang="en-US"/>
+          </a:p>
+        </p:txBody>
+      </p:sp>
+      <p:sp>
+        <p:nvSpPr>
+          <p:cNvPr id="2" name="Title Placeholder 1"/>
+          <p:cNvSpPr>
+            <a:spLocks noGrp="1"/>
+          </p:cNvSpPr>
+          <p:nvPr>
+            <p:ph type="title"/>
+          </p:nvPr>
+        </p:nvSpPr>
+        <p:spPr>
+          <a:xfrm>
+            <a:off x="568171" y="408373"/>
+            <a:ext cx="11014229" cy="1039427"/>
+          </a:xfrm>
+          <a:prstGeom prst="rect">
+            <a:avLst/>
+          </a:prstGeom>
+        </p:spPr>
+        <p:txBody>
+          <a:bodyPr vert="horz" lIns="91440" tIns="45720" rIns="91440" bIns="45720" rtlCol="0" anchor="ctr">
+            <a:normAutofit/>
+          </a:bodyPr>
+          <a:lstStyle/>
+          <a:p>
+            <a:r>
+              <a:rPr lang="en-US" dirty="0" smtClean="0"/>
+              <a:t>Click to edit Master title style</a:t>
+            </a:r>
+            <a:endParaRPr lang="en-US" dirty="0"/>
+          </a:p>
+        </p:txBody>
+      </p:sp>
     </p:spTree>
-    <p:extLst>
-      <p:ext uri="{BB962C8B-B14F-4D97-AF65-F5344CB8AC3E}">
-        <p14:creationId xmlns:p14="http://schemas.microsoft.com/office/powerpoint/2010/main" val="2321999630"/>
-      </p:ext>
-    </p:extLst>
   </p:cSld>
   <p:clrMap bg1="lt1" tx1="dk1" bg2="lt2" tx2="dk2" accent1="accent1" accent2="accent2" accent3="accent3" accent4="accent4" accent5="accent5" accent6="accent6" hlink="hlink" folHlink="folHlink"/>
   <p:sldLayoutIdLst>
-    <p:sldLayoutId id="2147483649" r:id="rId1"/>
-    <p:sldLayoutId id="2147483650" r:id="rId2"/>
-    <p:sldLayoutId id="2147483651" r:id="rId3"/>
-    <p:sldLayoutId id="2147483652" r:id="rId4"/>
-    <p:sldLayoutId id="2147483653" r:id="rId5"/>
-    <p:sldLayoutId id="2147483654" r:id="rId6"/>
-    <p:sldLayoutId id="2147483655" r:id="rId7"/>
-    <p:sldLayoutId id="2147483656" r:id="rId8"/>
-    <p:sldLayoutId id="2147483657" r:id="rId9"/>
-    <p:sldLayoutId id="2147483658" r:id="rId10"/>
-    <p:sldLayoutId id="2147483659" r:id="rId11"/>
+    <p:sldLayoutId id="2147483757" r:id="rId1"/>
+    <p:sldLayoutId id="2147483758" r:id="rId2"/>
+    <p:sldLayoutId id="2147483759" r:id="rId3"/>
+    <p:sldLayoutId id="2147483760" r:id="rId4"/>
+    <p:sldLayoutId id="2147483761" r:id="rId5"/>
+    <p:sldLayoutId id="2147483762" r:id="rId6"/>
+    <p:sldLayoutId id="2147483763" r:id="rId7"/>
+    <p:sldLayoutId id="2147483764" r:id="rId8"/>
+    <p:sldLayoutId id="2147483765" r:id="rId9"/>
+    <p:sldLayoutId id="2147483766" r:id="rId10"/>
+    <p:sldLayoutId id="2147483767" r:id="rId11"/>
   </p:sldLayoutIdLst>
   <p:txStyles>
     <p:titleStyle>
-      <a:lvl1pPr algn="l" defTabSz="914400" rtl="0" eaLnBrk="1" latinLnBrk="0" hangingPunct="1">
-        <a:lnSpc>
-          <a:spcPct val="90000"/>
-        </a:lnSpc>
+      <a:lvl1pPr algn="ctr" defTabSz="914400" rtl="0" eaLnBrk="1" latinLnBrk="0" hangingPunct="1">
         <a:spcBef>
           <a:spcPct val="0"/>
         </a:spcBef>
         <a:buNone/>
-        <a:defRPr sz="4400" kern="1200">
+        <a:defRPr sz="3500" kern="1200" cap="all" baseline="0">
           <a:solidFill>
-            <a:schemeClr val="tx1"/>
+            <a:schemeClr val="accent1">
+              <a:lumMod val="75000"/>
+            </a:schemeClr>
           </a:solidFill>
           <a:latin typeface="+mj-lt"/>
           <a:ea typeface="+mj-ea"/>
@@ -2709,162 +4427,162 @@
       </a:lvl1pPr>
     </p:titleStyle>
     <p:bodyStyle>
-      <a:lvl1pPr marL="228600" indent="-228600" algn="l" defTabSz="914400" rtl="0" eaLnBrk="1" latinLnBrk="0" hangingPunct="1">
-        <a:lnSpc>
-          <a:spcPct val="90000"/>
-        </a:lnSpc>
+      <a:lvl1pPr marL="342900" indent="-228600" algn="l" defTabSz="914400" rtl="0" eaLnBrk="1" latinLnBrk="0" hangingPunct="1">
         <a:spcBef>
-          <a:spcPts val="1000"/>
+          <a:spcPct val="20000"/>
         </a:spcBef>
-        <a:buFont typeface="Arial" panose="020B0604020202020204" pitchFamily="34" charset="0"/>
+        <a:buClr>
+          <a:schemeClr val="accent1"/>
+        </a:buClr>
+        <a:buFont typeface="Arial" pitchFamily="34" charset="0"/>
         <a:buChar char="•"/>
-        <a:defRPr sz="2800" kern="1200">
+        <a:defRPr sz="2400" kern="1200">
           <a:solidFill>
-            <a:schemeClr val="tx1"/>
+            <a:schemeClr val="tx2"/>
           </a:solidFill>
           <a:latin typeface="+mn-lt"/>
           <a:ea typeface="+mn-ea"/>
           <a:cs typeface="+mn-cs"/>
         </a:defRPr>
       </a:lvl1pPr>
-      <a:lvl2pPr marL="685800" indent="-228600" algn="l" defTabSz="914400" rtl="0" eaLnBrk="1" latinLnBrk="0" hangingPunct="1">
-        <a:lnSpc>
-          <a:spcPct val="90000"/>
-        </a:lnSpc>
+      <a:lvl2pPr marL="640080" indent="-228600" algn="l" defTabSz="914400" rtl="0" eaLnBrk="1" latinLnBrk="0" hangingPunct="1">
         <a:spcBef>
-          <a:spcPts val="500"/>
+          <a:spcPct val="20000"/>
         </a:spcBef>
-        <a:buFont typeface="Arial" panose="020B0604020202020204" pitchFamily="34" charset="0"/>
+        <a:buClr>
+          <a:schemeClr val="accent2"/>
+        </a:buClr>
+        <a:buFont typeface="Arial" pitchFamily="34" charset="0"/>
         <a:buChar char="•"/>
-        <a:defRPr sz="2400" kern="1200">
+        <a:defRPr sz="2000" kern="1200">
           <a:solidFill>
-            <a:schemeClr val="tx1"/>
+            <a:schemeClr val="tx2"/>
           </a:solidFill>
           <a:latin typeface="+mn-lt"/>
           <a:ea typeface="+mn-ea"/>
           <a:cs typeface="+mn-cs"/>
         </a:defRPr>
       </a:lvl2pPr>
-      <a:lvl3pPr marL="1143000" indent="-228600" algn="l" defTabSz="914400" rtl="0" eaLnBrk="1" latinLnBrk="0" hangingPunct="1">
-        <a:lnSpc>
-          <a:spcPct val="90000"/>
-        </a:lnSpc>
+      <a:lvl3pPr marL="914400" indent="-228600" algn="l" defTabSz="914400" rtl="0" eaLnBrk="1" latinLnBrk="0" hangingPunct="1">
         <a:spcBef>
-          <a:spcPts val="500"/>
+          <a:spcPct val="20000"/>
         </a:spcBef>
-        <a:buFont typeface="Arial" panose="020B0604020202020204" pitchFamily="34" charset="0"/>
+        <a:buClr>
+          <a:schemeClr val="accent3"/>
+        </a:buClr>
+        <a:buFont typeface="Arial" pitchFamily="34" charset="0"/>
         <a:buChar char="•"/>
-        <a:defRPr sz="2000" kern="1200">
+        <a:defRPr sz="1800" kern="1200">
           <a:solidFill>
-            <a:schemeClr val="tx1"/>
+            <a:schemeClr val="tx2"/>
           </a:solidFill>
           <a:latin typeface="+mn-lt"/>
           <a:ea typeface="+mn-ea"/>
           <a:cs typeface="+mn-cs"/>
         </a:defRPr>
       </a:lvl3pPr>
-      <a:lvl4pPr marL="1600200" indent="-228600" algn="l" defTabSz="914400" rtl="0" eaLnBrk="1" latinLnBrk="0" hangingPunct="1">
-        <a:lnSpc>
-          <a:spcPct val="90000"/>
-        </a:lnSpc>
+      <a:lvl4pPr marL="1280160" indent="-228600" algn="l" defTabSz="914400" rtl="0" eaLnBrk="1" latinLnBrk="0" hangingPunct="1">
         <a:spcBef>
-          <a:spcPts val="500"/>
+          <a:spcPct val="20000"/>
         </a:spcBef>
-        <a:buFont typeface="Arial" panose="020B0604020202020204" pitchFamily="34" charset="0"/>
+        <a:buClr>
+          <a:schemeClr val="accent4"/>
+        </a:buClr>
+        <a:buFont typeface="Arial" pitchFamily="34" charset="0"/>
         <a:buChar char="•"/>
-        <a:defRPr sz="1800" kern="1200">
+        <a:defRPr sz="1600" kern="1200">
           <a:solidFill>
-            <a:schemeClr val="tx1"/>
+            <a:schemeClr val="tx2"/>
           </a:solidFill>
           <a:latin typeface="+mn-lt"/>
           <a:ea typeface="+mn-ea"/>
           <a:cs typeface="+mn-cs"/>
         </a:defRPr>
       </a:lvl4pPr>
-      <a:lvl5pPr marL="2057400" indent="-228600" algn="l" defTabSz="914400" rtl="0" eaLnBrk="1" latinLnBrk="0" hangingPunct="1">
-        <a:lnSpc>
-          <a:spcPct val="90000"/>
-        </a:lnSpc>
+      <a:lvl5pPr marL="1554480" indent="-228600" algn="l" defTabSz="914400" rtl="0" eaLnBrk="1" latinLnBrk="0" hangingPunct="1">
         <a:spcBef>
-          <a:spcPts val="500"/>
+          <a:spcPct val="20000"/>
         </a:spcBef>
-        <a:buFont typeface="Arial" panose="020B0604020202020204" pitchFamily="34" charset="0"/>
+        <a:buClr>
+          <a:schemeClr val="accent5"/>
+        </a:buClr>
+        <a:buFont typeface="Arial" pitchFamily="34" charset="0"/>
         <a:buChar char="•"/>
-        <a:defRPr sz="1800" kern="1200">
+        <a:defRPr sz="1600" kern="1200" baseline="0">
           <a:solidFill>
-            <a:schemeClr val="tx1"/>
+            <a:schemeClr val="tx2"/>
           </a:solidFill>
           <a:latin typeface="+mn-lt"/>
           <a:ea typeface="+mn-ea"/>
           <a:cs typeface="+mn-cs"/>
         </a:defRPr>
       </a:lvl5pPr>
-      <a:lvl6pPr marL="2514600" indent="-228600" algn="l" defTabSz="914400" rtl="0" eaLnBrk="1" latinLnBrk="0" hangingPunct="1">
-        <a:lnSpc>
-          <a:spcPct val="90000"/>
-        </a:lnSpc>
+      <a:lvl6pPr marL="1737360" indent="-182880" algn="l" defTabSz="914400" rtl="0" eaLnBrk="1" latinLnBrk="0" hangingPunct="1">
         <a:spcBef>
-          <a:spcPts val="500"/>
+          <a:spcPct val="20000"/>
         </a:spcBef>
-        <a:buFont typeface="Arial" panose="020B0604020202020204" pitchFamily="34" charset="0"/>
+        <a:buClr>
+          <a:schemeClr val="accent1"/>
+        </a:buClr>
+        <a:buFont typeface="Arial" pitchFamily="34" charset="0"/>
         <a:buChar char="•"/>
-        <a:defRPr sz="1800" kern="1200">
+        <a:defRPr sz="1400" kern="1200">
           <a:solidFill>
-            <a:schemeClr val="tx1"/>
+            <a:schemeClr val="tx2"/>
           </a:solidFill>
           <a:latin typeface="+mn-lt"/>
           <a:ea typeface="+mn-ea"/>
           <a:cs typeface="+mn-cs"/>
         </a:defRPr>
       </a:lvl6pPr>
-      <a:lvl7pPr marL="2971800" indent="-228600" algn="l" defTabSz="914400" rtl="0" eaLnBrk="1" latinLnBrk="0" hangingPunct="1">
-        <a:lnSpc>
-          <a:spcPct val="90000"/>
-        </a:lnSpc>
+      <a:lvl7pPr marL="2011680" indent="-182880" algn="l" defTabSz="914400" rtl="0" eaLnBrk="1" latinLnBrk="0" hangingPunct="1">
         <a:spcBef>
-          <a:spcPts val="500"/>
+          <a:spcPct val="20000"/>
         </a:spcBef>
-        <a:buFont typeface="Arial" panose="020B0604020202020204" pitchFamily="34" charset="0"/>
+        <a:buClr>
+          <a:schemeClr val="accent2"/>
+        </a:buClr>
+        <a:buFont typeface="Arial" pitchFamily="34" charset="0"/>
         <a:buChar char="•"/>
-        <a:defRPr sz="1800" kern="1200">
+        <a:defRPr sz="1400" kern="1200">
           <a:solidFill>
-            <a:schemeClr val="tx1"/>
+            <a:schemeClr val="tx2"/>
           </a:solidFill>
           <a:latin typeface="+mn-lt"/>
           <a:ea typeface="+mn-ea"/>
           <a:cs typeface="+mn-cs"/>
         </a:defRPr>
       </a:lvl7pPr>
-      <a:lvl8pPr marL="3429000" indent="-228600" algn="l" defTabSz="914400" rtl="0" eaLnBrk="1" latinLnBrk="0" hangingPunct="1">
-        <a:lnSpc>
-          <a:spcPct val="90000"/>
-        </a:lnSpc>
+      <a:lvl8pPr marL="2194560" indent="-182880" algn="l" defTabSz="914400" rtl="0" eaLnBrk="1" latinLnBrk="0" hangingPunct="1">
         <a:spcBef>
-          <a:spcPts val="500"/>
+          <a:spcPct val="20000"/>
         </a:spcBef>
-        <a:buFont typeface="Arial" panose="020B0604020202020204" pitchFamily="34" charset="0"/>
+        <a:buClr>
+          <a:schemeClr val="accent3"/>
+        </a:buClr>
+        <a:buFont typeface="Arial" pitchFamily="34" charset="0"/>
         <a:buChar char="•"/>
-        <a:defRPr sz="1800" kern="1200">
+        <a:defRPr sz="1400" kern="1200">
           <a:solidFill>
-            <a:schemeClr val="tx1"/>
+            <a:schemeClr val="tx2"/>
           </a:solidFill>
           <a:latin typeface="+mn-lt"/>
           <a:ea typeface="+mn-ea"/>
           <a:cs typeface="+mn-cs"/>
         </a:defRPr>
       </a:lvl8pPr>
-      <a:lvl9pPr marL="3886200" indent="-228600" algn="l" defTabSz="914400" rtl="0" eaLnBrk="1" latinLnBrk="0" hangingPunct="1">
-        <a:lnSpc>
-          <a:spcPct val="90000"/>
-        </a:lnSpc>
+      <a:lvl9pPr marL="2377440" indent="-182880" algn="l" defTabSz="914400" rtl="0" eaLnBrk="1" latinLnBrk="0" hangingPunct="1">
         <a:spcBef>
-          <a:spcPts val="500"/>
+          <a:spcPct val="20000"/>
         </a:spcBef>
-        <a:buFont typeface="Arial" panose="020B0604020202020204" pitchFamily="34" charset="0"/>
+        <a:buClr>
+          <a:schemeClr val="accent4"/>
+        </a:buClr>
+        <a:buFont typeface="Arial" pitchFamily="34" charset="0"/>
         <a:buChar char="•"/>
-        <a:defRPr sz="1800" kern="1200">
+        <a:defRPr sz="1400" kern="1200">
           <a:solidFill>
-            <a:schemeClr val="tx1"/>
+            <a:schemeClr val="tx2"/>
           </a:solidFill>
           <a:latin typeface="+mn-lt"/>
           <a:ea typeface="+mn-ea"/>
@@ -2990,6 +4708,53 @@
       </p:grpSpPr>
       <p:sp>
         <p:nvSpPr>
+          <p:cNvPr id="7" name="Rectangle 6"/>
+          <p:cNvSpPr/>
+          <p:nvPr/>
+        </p:nvSpPr>
+        <p:spPr>
+          <a:xfrm>
+            <a:off x="206375" y="1666875"/>
+            <a:ext cx="11779249" cy="5016500"/>
+          </a:xfrm>
+          <a:prstGeom prst="rect">
+            <a:avLst/>
+          </a:prstGeom>
+          <a:solidFill>
+            <a:schemeClr val="bg1"/>
+          </a:solidFill>
+          <a:ln>
+            <a:solidFill>
+              <a:srgbClr val="F7F7F7"/>
+            </a:solidFill>
+          </a:ln>
+          <a:effectLst/>
+        </p:spPr>
+        <p:style>
+          <a:lnRef idx="1">
+            <a:schemeClr val="accent1"/>
+          </a:lnRef>
+          <a:fillRef idx="3">
+            <a:schemeClr val="accent1"/>
+          </a:fillRef>
+          <a:effectRef idx="2">
+            <a:schemeClr val="accent1"/>
+          </a:effectRef>
+          <a:fontRef idx="minor">
+            <a:schemeClr val="lt1"/>
+          </a:fontRef>
+        </p:style>
+        <p:txBody>
+          <a:bodyPr rtlCol="0" anchor="ctr"/>
+          <a:lstStyle/>
+          <a:p>
+            <a:pPr algn="ctr"/>
+            <a:endParaRPr lang="en-US"/>
+          </a:p>
+        </p:txBody>
+      </p:sp>
+      <p:sp>
+        <p:nvSpPr>
           <p:cNvPr id="4" name="Title 3"/>
           <p:cNvSpPr>
             <a:spLocks noGrp="1"/>
@@ -3001,7 +4766,7 @@
         <p:spPr/>
         <p:txBody>
           <a:bodyPr>
-            <a:normAutofit/>
+            <a:normAutofit fontScale="90000"/>
           </a:bodyPr>
           <a:lstStyle/>
           <a:p>
@@ -3015,14 +4780,14 @@
       </p:sp>
       <p:sp>
         <p:nvSpPr>
-          <p:cNvPr id="5" name="TextBox 4"/>
+          <p:cNvPr id="2" name="TextBox 1"/>
           <p:cNvSpPr txBox="1"/>
           <p:nvPr/>
         </p:nvSpPr>
         <p:spPr>
           <a:xfrm>
-            <a:off x="971550" y="1690688"/>
-            <a:ext cx="7551964" cy="954107"/>
+            <a:off x="873124" y="2555874"/>
+            <a:ext cx="5048251" cy="1077218"/>
           </a:xfrm>
           <a:prstGeom prst="rect">
             <a:avLst/>
@@ -3036,20 +4801,20 @@
           <a:lstStyle/>
           <a:p>
             <a:r>
-              <a:rPr lang="en-US" sz="2800" dirty="0" smtClean="0"/>
-              <a:t>Peter Manohar, </a:t>
-            </a:r>
-            <a:r>
-              <a:rPr lang="en-US" sz="2800" dirty="0" err="1" smtClean="0"/>
+              <a:rPr lang="en-US" sz="3200" dirty="0" smtClean="0"/>
+              <a:t>Peter Manohar</a:t>
+            </a:r>
+          </a:p>
+          <a:p>
+            <a:r>
+              <a:rPr lang="en-US" sz="3200" dirty="0" err="1" smtClean="0"/>
               <a:t>Xingyou</a:t>
             </a:r>
             <a:r>
-              <a:rPr lang="en-US" sz="2800" smtClean="0"/>
+              <a:rPr lang="en-US" sz="3200" dirty="0" smtClean="0"/>
               <a:t> Song</a:t>
             </a:r>
-          </a:p>
-          <a:p>
-            <a:endParaRPr lang="en-US" sz="2800"/>
+            <a:endParaRPr lang="en-US" sz="3200" dirty="0"/>
           </a:p>
         </p:txBody>
       </p:sp>
@@ -3057,6 +4822,105 @@
     <p:extLst>
       <p:ext uri="{BB962C8B-B14F-4D97-AF65-F5344CB8AC3E}">
         <p14:creationId xmlns:p14="http://schemas.microsoft.com/office/powerpoint/2010/main" val="1966194712"/>
+      </p:ext>
+    </p:extLst>
+  </p:cSld>
+  <p:clrMapOvr>
+    <a:masterClrMapping/>
+  </p:clrMapOvr>
+  <p:timing>
+    <p:tnLst>
+      <p:par>
+        <p:cTn xmlns:p14="http://schemas.microsoft.com/office/powerpoint/2010/main" id="1" dur="indefinite" restart="never" nodeType="tmRoot"/>
+      </p:par>
+    </p:tnLst>
+  </p:timing>
+</p:sld>
+</file>
+
+<file path=ppt/slides/slide10.xml><?xml version="1.0" encoding="utf-8"?>
+<p:sld xmlns:a="http://schemas.openxmlformats.org/drawingml/2006/main" xmlns:r="http://schemas.openxmlformats.org/officeDocument/2006/relationships" xmlns:p="http://schemas.openxmlformats.org/presentationml/2006/main">
+  <p:cSld>
+    <p:spTree>
+      <p:nvGrpSpPr>
+        <p:cNvPr id="1" name=""/>
+        <p:cNvGrpSpPr/>
+        <p:nvPr/>
+      </p:nvGrpSpPr>
+      <p:grpSpPr>
+        <a:xfrm>
+          <a:off x="0" y="0"/>
+          <a:ext cx="0" cy="0"/>
+          <a:chOff x="0" y="0"/>
+          <a:chExt cx="0" cy="0"/>
+        </a:xfrm>
+      </p:grpSpPr>
+      <p:sp>
+        <p:nvSpPr>
+          <p:cNvPr id="2" name="Title 1"/>
+          <p:cNvSpPr>
+            <a:spLocks noGrp="1"/>
+          </p:cNvSpPr>
+          <p:nvPr>
+            <p:ph type="title"/>
+          </p:nvPr>
+        </p:nvSpPr>
+        <p:spPr/>
+        <p:txBody>
+          <a:bodyPr/>
+          <a:lstStyle/>
+          <a:p>
+            <a:r>
+              <a:rPr lang="en-US" dirty="0" err="1" smtClean="0"/>
+              <a:t>Dupont</a:t>
+            </a:r>
+            <a:r>
+              <a:rPr lang="en-US" dirty="0"/>
+              <a:t> </a:t>
+            </a:r>
+            <a:r>
+              <a:rPr lang="en-US" dirty="0" err="1" smtClean="0"/>
+              <a:t>Enge</a:t>
+            </a:r>
+            <a:r>
+              <a:rPr lang="en-US" dirty="0" smtClean="0"/>
+              <a:t> </a:t>
+            </a:r>
+            <a:r>
+              <a:rPr lang="en-US" dirty="0" err="1" smtClean="0"/>
+              <a:t>Morain</a:t>
+            </a:r>
+            <a:r>
+              <a:rPr lang="en-US" dirty="0" smtClean="0"/>
+              <a:t> Method</a:t>
+            </a:r>
+            <a:endParaRPr lang="en-US" dirty="0"/>
+          </a:p>
+        </p:txBody>
+      </p:sp>
+      <p:sp>
+        <p:nvSpPr>
+          <p:cNvPr id="3" name="Content Placeholder 2"/>
+          <p:cNvSpPr>
+            <a:spLocks noGrp="1"/>
+          </p:cNvSpPr>
+          <p:nvPr>
+            <p:ph idx="1"/>
+          </p:nvPr>
+        </p:nvSpPr>
+        <p:spPr/>
+        <p:txBody>
+          <a:bodyPr/>
+          <a:lstStyle/>
+          <a:p>
+            <a:endParaRPr lang="en-US" dirty="0"/>
+          </a:p>
+        </p:txBody>
+      </p:sp>
+    </p:spTree>
+    <p:extLst>
+      <p:ext uri="{BB962C8B-B14F-4D97-AF65-F5344CB8AC3E}">
+        <p14:creationId xmlns:p14="http://schemas.microsoft.com/office/powerpoint/2010/main" val="1318816542"/>
       </p:ext>
     </p:extLst>
   </p:cSld>
@@ -3092,6 +4956,53 @@
       </p:grpSpPr>
       <p:sp>
         <p:nvSpPr>
+          <p:cNvPr id="9" name="Rectangle 8"/>
+          <p:cNvSpPr/>
+          <p:nvPr/>
+        </p:nvSpPr>
+        <p:spPr>
+          <a:xfrm>
+            <a:off x="206375" y="1666875"/>
+            <a:ext cx="11779249" cy="5016500"/>
+          </a:xfrm>
+          <a:prstGeom prst="rect">
+            <a:avLst/>
+          </a:prstGeom>
+          <a:solidFill>
+            <a:schemeClr val="bg1"/>
+          </a:solidFill>
+          <a:ln>
+            <a:solidFill>
+              <a:srgbClr val="F7F7F7"/>
+            </a:solidFill>
+          </a:ln>
+          <a:effectLst/>
+        </p:spPr>
+        <p:style>
+          <a:lnRef idx="1">
+            <a:schemeClr val="accent1"/>
+          </a:lnRef>
+          <a:fillRef idx="3">
+            <a:schemeClr val="accent1"/>
+          </a:fillRef>
+          <a:effectRef idx="2">
+            <a:schemeClr val="accent1"/>
+          </a:effectRef>
+          <a:fontRef idx="minor">
+            <a:schemeClr val="lt1"/>
+          </a:fontRef>
+        </p:style>
+        <p:txBody>
+          <a:bodyPr rtlCol="0" anchor="ctr"/>
+          <a:lstStyle/>
+          <a:p>
+            <a:pPr algn="ctr"/>
+            <a:endParaRPr lang="en-US"/>
+          </a:p>
+        </p:txBody>
+      </p:sp>
+      <p:sp>
+        <p:nvSpPr>
           <p:cNvPr id="2" name="Title 1"/>
           <p:cNvSpPr>
             <a:spLocks noGrp="1"/>
@@ -3143,14 +5054,23 @@
             <a:pPr marL="0" indent="0">
               <a:buNone/>
             </a:pPr>
-            <a:r>
-              <a:rPr lang="en-US" dirty="0"/>
-              <a:t>s</a:t>
-            </a:r>
+            <a:endParaRPr lang="en-US" dirty="0" smtClean="0"/>
+          </a:p>
+          <a:p>
+            <a:pPr marL="0" indent="0">
+              <a:buNone/>
+            </a:pPr>
+            <a:endParaRPr lang="en-US" dirty="0"/>
+          </a:p>
+          <a:p>
+            <a:pPr marL="0" indent="0">
+              <a:buNone/>
+            </a:pPr>
             <a:r>
               <a:rPr lang="en-US" dirty="0" smtClean="0"/>
-              <a:t>atisfying</a:t>
-            </a:r>
+              <a:t>satisfying</a:t>
+            </a:r>
+            <a:endParaRPr lang="en-US" dirty="0" smtClean="0"/>
           </a:p>
           <a:p>
             <a:pPr marL="0" indent="0">
@@ -3218,7 +5138,7 @@
         </p:blipFill>
         <p:spPr>
           <a:xfrm>
-            <a:off x="2707112" y="4065393"/>
+            <a:off x="2707112" y="4351143"/>
             <a:ext cx="4318000" cy="520700"/>
           </a:xfrm>
           <a:prstGeom prst="rect">
@@ -3265,6 +5185,53 @@
       </p:grpSpPr>
       <p:sp>
         <p:nvSpPr>
+          <p:cNvPr id="5" name="Rectangle 4"/>
+          <p:cNvSpPr/>
+          <p:nvPr/>
+        </p:nvSpPr>
+        <p:spPr>
+          <a:xfrm>
+            <a:off x="206375" y="1666875"/>
+            <a:ext cx="11779249" cy="5016500"/>
+          </a:xfrm>
+          <a:prstGeom prst="rect">
+            <a:avLst/>
+          </a:prstGeom>
+          <a:solidFill>
+            <a:schemeClr val="bg1"/>
+          </a:solidFill>
+          <a:ln>
+            <a:solidFill>
+              <a:srgbClr val="F7F7F7"/>
+            </a:solidFill>
+          </a:ln>
+          <a:effectLst/>
+        </p:spPr>
+        <p:style>
+          <a:lnRef idx="1">
+            <a:schemeClr val="accent1"/>
+          </a:lnRef>
+          <a:fillRef idx="3">
+            <a:schemeClr val="accent1"/>
+          </a:fillRef>
+          <a:effectRef idx="2">
+            <a:schemeClr val="accent1"/>
+          </a:effectRef>
+          <a:fontRef idx="minor">
+            <a:schemeClr val="lt1"/>
+          </a:fontRef>
+        </p:style>
+        <p:txBody>
+          <a:bodyPr rtlCol="0" anchor="ctr"/>
+          <a:lstStyle/>
+          <a:p>
+            <a:pPr algn="ctr"/>
+            <a:endParaRPr lang="en-US"/>
+          </a:p>
+        </p:txBody>
+      </p:sp>
+      <p:sp>
+        <p:nvSpPr>
           <p:cNvPr id="2" name="Title 1"/>
           <p:cNvSpPr>
             <a:spLocks noGrp="1"/>
@@ -3308,7 +5275,7 @@
         </p:blipFill>
         <p:spPr>
           <a:xfrm>
-            <a:off x="1181950" y="1384117"/>
+            <a:off x="2737704" y="1796867"/>
             <a:ext cx="6475575" cy="4823642"/>
           </a:xfrm>
           <a:prstGeom prst="rect">
@@ -3355,6 +5322,53 @@
       </p:grpSpPr>
       <p:sp>
         <p:nvSpPr>
+          <p:cNvPr id="5" name="Rectangle 4"/>
+          <p:cNvSpPr/>
+          <p:nvPr/>
+        </p:nvSpPr>
+        <p:spPr>
+          <a:xfrm>
+            <a:off x="206375" y="1666875"/>
+            <a:ext cx="11779249" cy="5016500"/>
+          </a:xfrm>
+          <a:prstGeom prst="rect">
+            <a:avLst/>
+          </a:prstGeom>
+          <a:solidFill>
+            <a:schemeClr val="bg1"/>
+          </a:solidFill>
+          <a:ln>
+            <a:solidFill>
+              <a:srgbClr val="F7F7F7"/>
+            </a:solidFill>
+          </a:ln>
+          <a:effectLst/>
+        </p:spPr>
+        <p:style>
+          <a:lnRef idx="1">
+            <a:schemeClr val="accent1"/>
+          </a:lnRef>
+          <a:fillRef idx="3">
+            <a:schemeClr val="accent1"/>
+          </a:fillRef>
+          <a:effectRef idx="2">
+            <a:schemeClr val="accent1"/>
+          </a:effectRef>
+          <a:fontRef idx="minor">
+            <a:schemeClr val="lt1"/>
+          </a:fontRef>
+        </p:style>
+        <p:txBody>
+          <a:bodyPr rtlCol="0" anchor="ctr"/>
+          <a:lstStyle/>
+          <a:p>
+            <a:pPr algn="ctr"/>
+            <a:endParaRPr lang="en-US"/>
+          </a:p>
+        </p:txBody>
+      </p:sp>
+      <p:sp>
+        <p:nvSpPr>
           <p:cNvPr id="2" name="Title 1"/>
           <p:cNvSpPr>
             <a:spLocks noGrp="1"/>
@@ -3404,6 +5418,12 @@
               <a:buNone/>
             </a:pPr>
             <a:endParaRPr lang="en-US" dirty="0"/>
+          </a:p>
+          <a:p>
+            <a:pPr marL="0" indent="0">
+              <a:buNone/>
+            </a:pPr>
+            <a:endParaRPr lang="en-US" dirty="0" smtClean="0"/>
           </a:p>
           <a:p>
             <a:pPr marL="0" indent="0">
@@ -3474,8 +5494,8 @@
         </p:blipFill>
         <p:spPr>
           <a:xfrm>
-            <a:off x="4257732" y="2037260"/>
-            <a:ext cx="3341394" cy="1055855"/>
+            <a:off x="3686233" y="2370641"/>
+            <a:ext cx="3341395" cy="1055855"/>
           </a:xfrm>
           <a:prstGeom prst="rect">
             <a:avLst/>
@@ -3521,6 +5541,53 @@
       </p:grpSpPr>
       <p:sp>
         <p:nvSpPr>
+          <p:cNvPr id="4" name="Rectangle 3"/>
+          <p:cNvSpPr/>
+          <p:nvPr/>
+        </p:nvSpPr>
+        <p:spPr>
+          <a:xfrm>
+            <a:off x="206375" y="1666875"/>
+            <a:ext cx="11779249" cy="5016500"/>
+          </a:xfrm>
+          <a:prstGeom prst="rect">
+            <a:avLst/>
+          </a:prstGeom>
+          <a:solidFill>
+            <a:schemeClr val="bg1"/>
+          </a:solidFill>
+          <a:ln>
+            <a:solidFill>
+              <a:srgbClr val="F7F7F7"/>
+            </a:solidFill>
+          </a:ln>
+          <a:effectLst/>
+        </p:spPr>
+        <p:style>
+          <a:lnRef idx="1">
+            <a:schemeClr val="accent1"/>
+          </a:lnRef>
+          <a:fillRef idx="3">
+            <a:schemeClr val="accent1"/>
+          </a:fillRef>
+          <a:effectRef idx="2">
+            <a:schemeClr val="accent1"/>
+          </a:effectRef>
+          <a:fontRef idx="minor">
+            <a:schemeClr val="lt1"/>
+          </a:fontRef>
+        </p:style>
+        <p:txBody>
+          <a:bodyPr rtlCol="0" anchor="ctr"/>
+          <a:lstStyle/>
+          <a:p>
+            <a:pPr algn="ctr"/>
+            <a:endParaRPr lang="en-US"/>
+          </a:p>
+        </p:txBody>
+      </p:sp>
+      <p:sp>
+        <p:nvSpPr>
           <p:cNvPr id="2" name="Title 1"/>
           <p:cNvSpPr>
             <a:spLocks noGrp="1"/>
@@ -3564,7 +5631,7 @@
         </p:blipFill>
         <p:spPr>
           <a:xfrm>
-            <a:off x="304400" y="1659878"/>
+            <a:off x="304403" y="1659884"/>
             <a:ext cx="11687644" cy="2723625"/>
           </a:xfrm>
           <a:prstGeom prst="rect">
@@ -3580,8 +5647,8 @@
         </p:nvSpPr>
         <p:spPr>
           <a:xfrm>
-            <a:off x="842454" y="3998798"/>
-            <a:ext cx="2892005" cy="769441"/>
+            <a:off x="810706" y="4173426"/>
+            <a:ext cx="2892005" cy="461665"/>
           </a:xfrm>
           <a:prstGeom prst="rect">
             <a:avLst/>
@@ -3595,10 +5662,20 @@
           <a:lstStyle/>
           <a:p>
             <a:r>
-              <a:rPr lang="en-US" sz="4400" dirty="0" smtClean="0">
-                <a:latin typeface="+mj-lt"/>
+              <a:rPr lang="en-US" sz="2400" dirty="0" smtClean="0">
+                <a:solidFill>
+                  <a:srgbClr val="000000"/>
+                </a:solidFill>
               </a:rPr>
-              <a:t>Examples:</a:t>
+              <a:t>Examples</a:t>
+            </a:r>
+            <a:r>
+              <a:rPr lang="en-US" sz="2400" dirty="0" smtClean="0">
+                <a:solidFill>
+                  <a:srgbClr val="586B5E"/>
+                </a:solidFill>
+              </a:rPr>
+              <a:t>:</a:t>
             </a:r>
           </a:p>
         </p:txBody>
@@ -3625,7 +5702,7 @@
         </p:blipFill>
         <p:spPr>
           <a:xfrm>
-            <a:off x="880082" y="4805723"/>
+            <a:off x="880083" y="4726348"/>
             <a:ext cx="9664700" cy="1320800"/>
           </a:xfrm>
           <a:prstGeom prst="rect">
@@ -3672,6 +5749,53 @@
       </p:grpSpPr>
       <p:sp>
         <p:nvSpPr>
+          <p:cNvPr id="9" name="Rectangle 8"/>
+          <p:cNvSpPr/>
+          <p:nvPr/>
+        </p:nvSpPr>
+        <p:spPr>
+          <a:xfrm>
+            <a:off x="206375" y="1666875"/>
+            <a:ext cx="11779249" cy="5016500"/>
+          </a:xfrm>
+          <a:prstGeom prst="rect">
+            <a:avLst/>
+          </a:prstGeom>
+          <a:solidFill>
+            <a:schemeClr val="bg1"/>
+          </a:solidFill>
+          <a:ln>
+            <a:solidFill>
+              <a:srgbClr val="F7F7F7"/>
+            </a:solidFill>
+          </a:ln>
+          <a:effectLst/>
+        </p:spPr>
+        <p:style>
+          <a:lnRef idx="1">
+            <a:schemeClr val="accent1"/>
+          </a:lnRef>
+          <a:fillRef idx="3">
+            <a:schemeClr val="accent1"/>
+          </a:fillRef>
+          <a:effectRef idx="2">
+            <a:schemeClr val="accent1"/>
+          </a:effectRef>
+          <a:fontRef idx="minor">
+            <a:schemeClr val="lt1"/>
+          </a:fontRef>
+        </p:style>
+        <p:txBody>
+          <a:bodyPr rtlCol="0" anchor="ctr"/>
+          <a:lstStyle/>
+          <a:p>
+            <a:pPr algn="ctr"/>
+            <a:endParaRPr lang="en-US"/>
+          </a:p>
+        </p:txBody>
+      </p:sp>
+      <p:sp>
+        <p:nvSpPr>
           <p:cNvPr id="2" name="Title 1"/>
           <p:cNvSpPr>
             <a:spLocks noGrp="1"/>
@@ -3701,8 +5825,8 @@
         </p:nvSpPr>
         <p:spPr>
           <a:xfrm>
-            <a:off x="829879" y="2665865"/>
-            <a:ext cx="2841709" cy="769441"/>
+            <a:off x="528255" y="3427868"/>
+            <a:ext cx="2841709" cy="461665"/>
           </a:xfrm>
           <a:prstGeom prst="rect">
             <a:avLst/>
@@ -3716,9 +5840,7 @@
           <a:lstStyle/>
           <a:p>
             <a:r>
-              <a:rPr lang="en-US" sz="4400" dirty="0" smtClean="0">
-                <a:latin typeface="+mj-lt"/>
-              </a:rPr>
+              <a:rPr lang="en-US" sz="2400" dirty="0" smtClean="0"/>
               <a:t>Problem:</a:t>
             </a:r>
           </a:p>
@@ -3732,8 +5854,8 @@
         </p:nvSpPr>
         <p:spPr>
           <a:xfrm>
-            <a:off x="892750" y="4313169"/>
-            <a:ext cx="8374239" cy="461665"/>
+            <a:off x="591129" y="4662425"/>
+            <a:ext cx="8374239" cy="830997"/>
           </a:xfrm>
           <a:prstGeom prst="rect">
             <a:avLst/>
@@ -3747,10 +5869,18 @@
           <a:lstStyle/>
           <a:p>
             <a:r>
-              <a:rPr lang="en-US" sz="2400" dirty="0" smtClean="0"/>
+              <a:rPr lang="en-US" sz="2400" dirty="0" smtClean="0">
+                <a:solidFill>
+                  <a:srgbClr val="000000"/>
+                </a:solidFill>
+              </a:rPr>
               <a:t>So we need to find a way to generate these curves on our own.</a:t>
             </a:r>
-            <a:endParaRPr lang="en-US" sz="2400" dirty="0"/>
+            <a:endParaRPr lang="en-US" sz="2400" dirty="0">
+              <a:solidFill>
+                <a:srgbClr val="000000"/>
+              </a:solidFill>
+            </a:endParaRPr>
           </a:p>
         </p:txBody>
       </p:sp>
@@ -3776,7 +5906,7 @@
         </p:blipFill>
         <p:spPr>
           <a:xfrm>
-            <a:off x="1240142" y="3495803"/>
+            <a:off x="859145" y="3860928"/>
             <a:ext cx="7393435" cy="788234"/>
           </a:xfrm>
           <a:prstGeom prst="rect">
@@ -3806,8 +5936,8 @@
         </p:blipFill>
         <p:spPr>
           <a:xfrm>
-            <a:off x="1244818" y="1574474"/>
-            <a:ext cx="9413161" cy="920346"/>
+            <a:off x="863822" y="2050724"/>
+            <a:ext cx="10849458" cy="1060776"/>
           </a:xfrm>
           <a:prstGeom prst="rect">
             <a:avLst/>
@@ -3853,6 +5983,53 @@
       </p:grpSpPr>
       <p:sp>
         <p:nvSpPr>
+          <p:cNvPr id="10" name="Rectangle 9"/>
+          <p:cNvSpPr/>
+          <p:nvPr/>
+        </p:nvSpPr>
+        <p:spPr>
+          <a:xfrm>
+            <a:off x="206375" y="1666875"/>
+            <a:ext cx="11779249" cy="5016500"/>
+          </a:xfrm>
+          <a:prstGeom prst="rect">
+            <a:avLst/>
+          </a:prstGeom>
+          <a:solidFill>
+            <a:schemeClr val="bg1"/>
+          </a:solidFill>
+          <a:ln>
+            <a:solidFill>
+              <a:srgbClr val="F7F7F7"/>
+            </a:solidFill>
+          </a:ln>
+          <a:effectLst/>
+        </p:spPr>
+        <p:style>
+          <a:lnRef idx="1">
+            <a:schemeClr val="accent1"/>
+          </a:lnRef>
+          <a:fillRef idx="3">
+            <a:schemeClr val="accent1"/>
+          </a:fillRef>
+          <a:effectRef idx="2">
+            <a:schemeClr val="accent1"/>
+          </a:effectRef>
+          <a:fontRef idx="minor">
+            <a:schemeClr val="lt1"/>
+          </a:fontRef>
+        </p:style>
+        <p:txBody>
+          <a:bodyPr rtlCol="0" anchor="ctr"/>
+          <a:lstStyle/>
+          <a:p>
+            <a:pPr algn="ctr"/>
+            <a:endParaRPr lang="en-US"/>
+          </a:p>
+        </p:txBody>
+      </p:sp>
+      <p:sp>
+        <p:nvSpPr>
           <p:cNvPr id="2" name="Title 1"/>
           <p:cNvSpPr>
             <a:spLocks noGrp="1"/>
@@ -3886,7 +6063,9 @@
         </p:nvSpPr>
         <p:spPr/>
         <p:txBody>
-          <a:bodyPr/>
+          <a:bodyPr>
+            <a:normAutofit lnSpcReduction="10000"/>
+          </a:bodyPr>
           <a:lstStyle/>
           <a:p>
             <a:pPr marL="0" indent="0">
@@ -3913,6 +6092,12 @@
             <a:pPr marL="0" indent="0">
               <a:buNone/>
             </a:pPr>
+            <a:endParaRPr lang="en-US" dirty="0" smtClean="0"/>
+          </a:p>
+          <a:p>
+            <a:pPr marL="0" indent="0">
+              <a:buNone/>
+            </a:pPr>
             <a:endParaRPr lang="en-US" dirty="0"/>
           </a:p>
           <a:p>
@@ -3936,6 +6121,12 @@
             <a:pPr marL="0" indent="0">
               <a:buNone/>
             </a:pPr>
+            <a:endParaRPr lang="en-US" dirty="0" smtClean="0"/>
+          </a:p>
+          <a:p>
+            <a:pPr marL="0" indent="0">
+              <a:buNone/>
+            </a:pPr>
             <a:endParaRPr lang="en-US" dirty="0"/>
           </a:p>
           <a:p>
@@ -3967,7 +6158,17 @@
             </a:pPr>
             <a:r>
               <a:rPr lang="en-US" dirty="0" smtClean="0"/>
-              <a:t>	Output: An elliptic curve E over       with trace t</a:t>
+              <a:t>	Output: An elliptic curve E over       with trace </a:t>
+            </a:r>
+            <a:r>
+              <a:rPr lang="en-US" sz="2600" dirty="0" smtClean="0">
+                <a:solidFill>
+                  <a:srgbClr val="000000"/>
+                </a:solidFill>
+                <a:latin typeface="Times New Roman"/>
+                <a:cs typeface="Times New Roman"/>
+              </a:rPr>
+              <a:t>t</a:t>
             </a:r>
           </a:p>
           <a:p>
@@ -3976,15 +6177,37 @@
             </a:pPr>
             <a:r>
               <a:rPr lang="en-US" dirty="0" smtClean="0"/>
-              <a:t>Efficient when                                , with </a:t>
-            </a:r>
-            <a:r>
-              <a:rPr lang="en-US" i="1" dirty="0" smtClean="0"/>
+              <a:t>Efficient when                            </a:t>
+            </a:r>
+            <a:r>
+              <a:rPr lang="en-US" dirty="0" smtClean="0"/>
+              <a:t>, </a:t>
+            </a:r>
+            <a:r>
+              <a:rPr lang="en-US" dirty="0" smtClean="0"/>
+              <a:t>with </a:t>
+            </a:r>
+            <a:r>
+              <a:rPr lang="en-US" i="1" dirty="0" smtClean="0">
+                <a:solidFill>
+                  <a:schemeClr val="tx1"/>
+                </a:solidFill>
+                <a:latin typeface="Times New Roman"/>
+                <a:cs typeface="Times New Roman"/>
+              </a:rPr>
               <a:t>D</a:t>
             </a:r>
             <a:r>
+              <a:rPr lang="en-US" dirty="0" smtClean="0">
+                <a:solidFill>
+                  <a:schemeClr val="tx1"/>
+                </a:solidFill>
+              </a:rPr>
+              <a:t> </a:t>
+            </a:r>
+            <a:r>
               <a:rPr lang="en-US" dirty="0" smtClean="0"/>
-              <a:t> small.</a:t>
+              <a:t>small.</a:t>
             </a:r>
           </a:p>
         </p:txBody>
@@ -4011,7 +6234,7 @@
         </p:blipFill>
         <p:spPr>
           <a:xfrm>
-            <a:off x="3560879" y="2364068"/>
+            <a:off x="3560879" y="2364074"/>
             <a:ext cx="4468780" cy="546975"/>
           </a:xfrm>
           <a:prstGeom prst="rect">
@@ -4041,7 +6264,7 @@
         </p:blipFill>
         <p:spPr>
           <a:xfrm>
-            <a:off x="3596144" y="3268786"/>
+            <a:off x="3596144" y="3411661"/>
             <a:ext cx="1985485" cy="522496"/>
           </a:xfrm>
           <a:prstGeom prst="rect">
@@ -4071,7 +6294,7 @@
         </p:blipFill>
         <p:spPr>
           <a:xfrm>
-            <a:off x="6455795" y="5004783"/>
+            <a:off x="6312920" y="5068289"/>
             <a:ext cx="352752" cy="345403"/>
           </a:xfrm>
           <a:prstGeom prst="rect">
@@ -4081,7 +6304,7 @@
       </p:pic>
       <p:pic>
         <p:nvPicPr>
-          <p:cNvPr id="8" name="Picture 7" descr="latex-image-1.pdf"/>
+          <p:cNvPr id="9" name="Picture 8" descr="latex-image-1.pdf"/>
           <p:cNvPicPr>
             <a:picLocks noChangeAspect="1"/>
           </p:cNvPicPr>
@@ -4101,8 +6324,8 @@
         </p:blipFill>
         <p:spPr>
           <a:xfrm>
-            <a:off x="3140181" y="5445224"/>
-            <a:ext cx="2320819" cy="411631"/>
+            <a:off x="2936875" y="5397979"/>
+            <a:ext cx="2152652" cy="380519"/>
           </a:xfrm>
           <a:prstGeom prst="rect">
             <a:avLst/>
@@ -4148,6 +6371,53 @@
       </p:grpSpPr>
       <p:sp>
         <p:nvSpPr>
+          <p:cNvPr id="8" name="Rectangle 7"/>
+          <p:cNvSpPr/>
+          <p:nvPr/>
+        </p:nvSpPr>
+        <p:spPr>
+          <a:xfrm>
+            <a:off x="206375" y="1666875"/>
+            <a:ext cx="11779249" cy="5016500"/>
+          </a:xfrm>
+          <a:prstGeom prst="rect">
+            <a:avLst/>
+          </a:prstGeom>
+          <a:solidFill>
+            <a:schemeClr val="bg1"/>
+          </a:solidFill>
+          <a:ln>
+            <a:solidFill>
+              <a:srgbClr val="F7F7F7"/>
+            </a:solidFill>
+          </a:ln>
+          <a:effectLst/>
+        </p:spPr>
+        <p:style>
+          <a:lnRef idx="1">
+            <a:schemeClr val="accent1"/>
+          </a:lnRef>
+          <a:fillRef idx="3">
+            <a:schemeClr val="accent1"/>
+          </a:fillRef>
+          <a:effectRef idx="2">
+            <a:schemeClr val="accent1"/>
+          </a:effectRef>
+          <a:fontRef idx="minor">
+            <a:schemeClr val="lt1"/>
+          </a:fontRef>
+        </p:style>
+        <p:txBody>
+          <a:bodyPr rtlCol="0" anchor="ctr"/>
+          <a:lstStyle/>
+          <a:p>
+            <a:pPr algn="ctr"/>
+            <a:endParaRPr lang="en-US"/>
+          </a:p>
+        </p:txBody>
+      </p:sp>
+      <p:sp>
+        <p:nvSpPr>
           <p:cNvPr id="2" name="Title 1"/>
           <p:cNvSpPr>
             <a:spLocks noGrp="1"/>
@@ -4171,7 +6441,7 @@
       </p:sp>
       <p:sp>
         <p:nvSpPr>
-          <p:cNvPr id="3" name="Content Placeholder 2"/>
+          <p:cNvPr id="6" name="Content Placeholder 5"/>
           <p:cNvSpPr>
             <a:spLocks noGrp="1"/>
           </p:cNvSpPr>
@@ -4184,10 +6454,111 @@
           <a:bodyPr/>
           <a:lstStyle/>
           <a:p>
-            <a:endParaRPr lang="en-US"/>
-          </a:p>
-        </p:txBody>
-      </p:sp>
+            <a:pPr marL="0" indent="0">
+              <a:buNone/>
+            </a:pPr>
+            <a:r>
+              <a:rPr lang="en-US" dirty="0" smtClean="0"/>
+              <a:t>Conditions:</a:t>
+            </a:r>
+          </a:p>
+          <a:p>
+            <a:pPr marL="0" indent="0">
+              <a:buNone/>
+            </a:pPr>
+            <a:endParaRPr lang="en-US" dirty="0"/>
+          </a:p>
+          <a:p>
+            <a:pPr marL="0" indent="0">
+              <a:buNone/>
+            </a:pPr>
+            <a:endParaRPr lang="en-US" dirty="0" smtClean="0"/>
+          </a:p>
+          <a:p>
+            <a:pPr marL="0" indent="0">
+              <a:buNone/>
+            </a:pPr>
+            <a:endParaRPr lang="en-US" dirty="0" smtClean="0"/>
+          </a:p>
+          <a:p>
+            <a:pPr marL="0" indent="0">
+              <a:buNone/>
+            </a:pPr>
+            <a:endParaRPr lang="en-US" dirty="0" smtClean="0"/>
+          </a:p>
+          <a:p>
+            <a:pPr marL="0" indent="0">
+              <a:buNone/>
+            </a:pPr>
+            <a:endParaRPr lang="en-US" dirty="0" smtClean="0"/>
+          </a:p>
+          <a:p>
+            <a:pPr marL="0" indent="0">
+              <a:buNone/>
+            </a:pPr>
+            <a:r>
+              <a:rPr lang="en-US" dirty="0" smtClean="0"/>
+              <a:t>Input: </a:t>
+            </a:r>
+            <a:r>
+              <a:rPr lang="en-US" dirty="0" err="1" smtClean="0"/>
+              <a:t>k,r,D</a:t>
+            </a:r>
+            <a:r>
+              <a:rPr lang="en-US" dirty="0" smtClean="0"/>
+              <a:t>, where D is a square mod r</a:t>
+            </a:r>
+          </a:p>
+          <a:p>
+            <a:pPr marL="0" indent="0">
+              <a:buNone/>
+            </a:pPr>
+            <a:r>
+              <a:rPr lang="en-US" dirty="0" smtClean="0"/>
+              <a:t>Output: </a:t>
+            </a:r>
+            <a:r>
+              <a:rPr lang="en-US" dirty="0" err="1" smtClean="0"/>
+              <a:t>p,</a:t>
+            </a:r>
+            <a:r>
+              <a:rPr lang="en-US" dirty="0" err="1"/>
+              <a:t>t</a:t>
+            </a:r>
+            <a:endParaRPr lang="en-US" dirty="0"/>
+          </a:p>
+        </p:txBody>
+      </p:sp>
+      <p:pic>
+        <p:nvPicPr>
+          <p:cNvPr id="7" name="Picture 6" descr="latex-image-1.pdf"/>
+          <p:cNvPicPr>
+            <a:picLocks noChangeAspect="1"/>
+          </p:cNvPicPr>
+          <p:nvPr/>
+        </p:nvPicPr>
+        <p:blipFill>
+          <a:blip r:embed="rId2">
+            <a:extLst>
+              <a:ext uri="{28A0092B-C50C-407E-A947-70E740481C1C}">
+                <a14:useLocalDpi xmlns:a14="http://schemas.microsoft.com/office/drawing/2010/main" val="0"/>
+              </a:ext>
+            </a:extLst>
+          </a:blip>
+          <a:stretch>
+            <a:fillRect/>
+          </a:stretch>
+        </p:blipFill>
+        <p:spPr>
+          <a:xfrm>
+            <a:off x="1698627" y="2431377"/>
+            <a:ext cx="6667500" cy="1535773"/>
+          </a:xfrm>
+          <a:prstGeom prst="rect">
+            <a:avLst/>
+          </a:prstGeom>
+        </p:spPr>
+      </p:pic>
     </p:spTree>
     <p:extLst>
       <p:ext uri="{BB962C8B-B14F-4D97-AF65-F5344CB8AC3E}">
@@ -4227,6 +6598,53 @@
       </p:grpSpPr>
       <p:sp>
         <p:nvSpPr>
+          <p:cNvPr id="6" name="Rectangle 5"/>
+          <p:cNvSpPr/>
+          <p:nvPr/>
+        </p:nvSpPr>
+        <p:spPr>
+          <a:xfrm>
+            <a:off x="206375" y="1666875"/>
+            <a:ext cx="11779249" cy="5016500"/>
+          </a:xfrm>
+          <a:prstGeom prst="rect">
+            <a:avLst/>
+          </a:prstGeom>
+          <a:solidFill>
+            <a:schemeClr val="bg1"/>
+          </a:solidFill>
+          <a:ln>
+            <a:solidFill>
+              <a:srgbClr val="F7F7F7"/>
+            </a:solidFill>
+          </a:ln>
+          <a:effectLst/>
+        </p:spPr>
+        <p:style>
+          <a:lnRef idx="1">
+            <a:schemeClr val="accent1"/>
+          </a:lnRef>
+          <a:fillRef idx="3">
+            <a:schemeClr val="accent1"/>
+          </a:fillRef>
+          <a:effectRef idx="2">
+            <a:schemeClr val="accent1"/>
+          </a:effectRef>
+          <a:fontRef idx="minor">
+            <a:schemeClr val="lt1"/>
+          </a:fontRef>
+        </p:style>
+        <p:txBody>
+          <a:bodyPr rtlCol="0" anchor="ctr"/>
+          <a:lstStyle/>
+          <a:p>
+            <a:pPr algn="ctr"/>
+            <a:endParaRPr lang="en-US"/>
+          </a:p>
+        </p:txBody>
+      </p:sp>
+      <p:sp>
+        <p:nvSpPr>
           <p:cNvPr id="2" name="Title 1"/>
           <p:cNvSpPr>
             <a:spLocks noGrp="1"/>
@@ -4241,69 +6659,67 @@
           <a:lstStyle/>
           <a:p>
             <a:r>
-              <a:rPr lang="en-US" dirty="0" err="1" smtClean="0"/>
-              <a:t>Dupont</a:t>
-            </a:r>
-            <a:r>
-              <a:rPr lang="en-US" dirty="0"/>
-              <a:t> </a:t>
-            </a:r>
-            <a:r>
-              <a:rPr lang="en-US" dirty="0" err="1" smtClean="0"/>
-              <a:t>Enge</a:t>
-            </a:r>
-            <a:r>
               <a:rPr lang="en-US" dirty="0" smtClean="0"/>
-              <a:t> </a:t>
-            </a:r>
-            <a:r>
-              <a:rPr lang="en-US" dirty="0" err="1" smtClean="0"/>
-              <a:t>Morain</a:t>
-            </a:r>
-            <a:r>
-              <a:rPr lang="en-US" dirty="0" smtClean="0"/>
-              <a:t> Method</a:t>
+              <a:t>Cocks Pinch Method</a:t>
             </a:r>
             <a:endParaRPr lang="en-US" dirty="0"/>
           </a:p>
         </p:txBody>
       </p:sp>
-      <p:sp>
-        <p:nvSpPr>
-          <p:cNvPr id="3" name="Content Placeholder 2"/>
-          <p:cNvSpPr>
-            <a:spLocks noGrp="1"/>
-          </p:cNvSpPr>
+      <p:pic>
+        <p:nvPicPr>
+          <p:cNvPr id="4" name="Content Placeholder 3" descr="Screen Shot 2015-11-29 at 6.41.25 PM.png"/>
+          <p:cNvPicPr>
+            <a:picLocks noGrp="1" noChangeAspect="1"/>
+          </p:cNvPicPr>
           <p:nvPr>
             <p:ph idx="1"/>
           </p:nvPr>
-        </p:nvSpPr>
-        <p:spPr/>
-        <p:txBody>
-          <a:bodyPr/>
-          <a:lstStyle/>
-          <a:p>
-            <a:endParaRPr lang="en-US"/>
-          </a:p>
-        </p:txBody>
-      </p:sp>
+        </p:nvPicPr>
+        <p:blipFill>
+          <a:blip r:embed="rId2">
+            <a:extLst>
+              <a:ext uri="{28A0092B-C50C-407E-A947-70E740481C1C}">
+                <a14:useLocalDpi xmlns:a14="http://schemas.microsoft.com/office/drawing/2010/main" val="0"/>
+              </a:ext>
+            </a:extLst>
+          </a:blip>
+          <a:srcRect t="1037" b="1037"/>
+          <a:stretch>
+            <a:fillRect/>
+          </a:stretch>
+        </p:blipFill>
+        <p:spPr>
+          <a:xfrm>
+            <a:off x="822325" y="1809750"/>
+            <a:ext cx="10515600" cy="4351338"/>
+          </a:xfrm>
+        </p:spPr>
+      </p:pic>
     </p:spTree>
     <p:extLst>
       <p:ext uri="{BB962C8B-B14F-4D97-AF65-F5344CB8AC3E}">
-        <p14:creationId xmlns:p14="http://schemas.microsoft.com/office/powerpoint/2010/main" val="1318816542"/>
+        <p14:creationId xmlns:p14="http://schemas.microsoft.com/office/powerpoint/2010/main" val="2518322517"/>
       </p:ext>
     </p:extLst>
   </p:cSld>
   <p:clrMapOvr>
     <a:masterClrMapping/>
   </p:clrMapOvr>
+  <p:timing>
+    <p:tnLst>
+      <p:par>
+        <p:cTn xmlns:p14="http://schemas.microsoft.com/office/powerpoint/2010/main" id="1" dur="indefinite" restart="never" nodeType="tmRoot"/>
+      </p:par>
+    </p:tnLst>
+  </p:timing>
 </p:sld>
 </file>
 
 <file path=ppt/theme/theme1.xml><?xml version="1.0" encoding="utf-8"?>
-<a:theme xmlns:a="http://schemas.openxmlformats.org/drawingml/2006/main" name="Office Theme">
+<a:theme xmlns:a="http://schemas.openxmlformats.org/drawingml/2006/main" name="Apothecary">
   <a:themeElements>
-    <a:clrScheme name="Office">
+    <a:clrScheme name="Apothecary">
       <a:dk1>
         <a:sysClr val="windowText" lastClr="000000"/>
       </a:dk1>
@@ -4311,48 +6727,48 @@
         <a:sysClr val="window" lastClr="FFFFFF"/>
       </a:lt1>
       <a:dk2>
-        <a:srgbClr val="44546A"/>
+        <a:srgbClr val="564B3C"/>
       </a:dk2>
       <a:lt2>
-        <a:srgbClr val="E7E6E6"/>
+        <a:srgbClr val="ECEDD1"/>
       </a:lt2>
       <a:accent1>
-        <a:srgbClr val="5B9BD5"/>
+        <a:srgbClr val="93A299"/>
       </a:accent1>
       <a:accent2>
-        <a:srgbClr val="ED7D31"/>
+        <a:srgbClr val="CF543F"/>
       </a:accent2>
       <a:accent3>
-        <a:srgbClr val="A5A5A5"/>
+        <a:srgbClr val="B5AE53"/>
       </a:accent3>
       <a:accent4>
-        <a:srgbClr val="FFC000"/>
+        <a:srgbClr val="848058"/>
       </a:accent4>
       <a:accent5>
-        <a:srgbClr val="4472C4"/>
+        <a:srgbClr val="E8B54D"/>
       </a:accent5>
       <a:accent6>
-        <a:srgbClr val="70AD47"/>
+        <a:srgbClr val="786C71"/>
       </a:accent6>
       <a:hlink>
-        <a:srgbClr val="0563C1"/>
+        <a:srgbClr val="CCCC00"/>
       </a:hlink>
       <a:folHlink>
-        <a:srgbClr val="954F72"/>
+        <a:srgbClr val="B2B2B2"/>
       </a:folHlink>
     </a:clrScheme>
-    <a:fontScheme name="Office">
+    <a:fontScheme name="Apothecary">
       <a:majorFont>
-        <a:latin typeface="Calibri Light"/>
+        <a:latin typeface="Book Antiqua"/>
         <a:ea typeface=""/>
         <a:cs typeface=""/>
-        <a:font script="Jpan" typeface="ＭＳ Ｐゴシック"/>
-        <a:font script="Hang" typeface="맑은 고딕"/>
+        <a:font script="Jpan" typeface="ＭＳ Ｐ明朝"/>
+        <a:font script="Hang" typeface="HY견명조"/>
         <a:font script="Hans" typeface="宋体"/>
         <a:font script="Hant" typeface="新細明體"/>
         <a:font script="Arab" typeface="Times New Roman"/>
-        <a:font script="Hebr" typeface="Times New Roman"/>
-        <a:font script="Thai" typeface="Angsana New"/>
+        <a:font script="Hebr" typeface="David"/>
+        <a:font script="Thai" typeface="EucrosiaUPC"/>
         <a:font script="Ethi" typeface="Nyala"/>
         <a:font script="Beng" typeface="Vrinda"/>
         <a:font script="Gujr" typeface="Shruti"/>
@@ -4378,16 +6794,16 @@
         <a:font script="Geor" typeface="Sylfaen"/>
       </a:majorFont>
       <a:minorFont>
-        <a:latin typeface="Calibri"/>
+        <a:latin typeface="Century Gothic"/>
         <a:ea typeface=""/>
         <a:cs typeface=""/>
-        <a:font script="Jpan" typeface="ＭＳ Ｐゴシック"/>
-        <a:font script="Hang" typeface="맑은 고딕"/>
-        <a:font script="Hans" typeface="宋体"/>
-        <a:font script="Hant" typeface="新細明體"/>
-        <a:font script="Arab" typeface="Arial"/>
-        <a:font script="Hebr" typeface="Arial"/>
-        <a:font script="Thai" typeface="Cordia New"/>
+        <a:font script="Jpan" typeface="ＭＳ ゴシック"/>
+        <a:font script="Hang" typeface="HY견명조"/>
+        <a:font script="Hans" typeface="微软雅黑"/>
+        <a:font script="Hant" typeface="微軟正黑體"/>
+        <a:font script="Arab" typeface="Tahoma"/>
+        <a:font script="Hebr" typeface="Gisha"/>
+        <a:font script="Thai" typeface="DilleniaUPC"/>
         <a:font script="Ethi" typeface="Nyala"/>
         <a:font script="Beng" typeface="Vrinda"/>
         <a:font script="Gujr" typeface="Shruti"/>
@@ -4408,12 +6824,12 @@
         <a:font script="Laoo" typeface="DokChampa"/>
         <a:font script="Sinh" typeface="Iskoola Pota"/>
         <a:font script="Mong" typeface="Mongolian Baiti"/>
-        <a:font script="Viet" typeface="Arial"/>
+        <a:font script="Viet" typeface="Verdana"/>
         <a:font script="Uigh" typeface="Microsoft Uighur"/>
         <a:font script="Geor" typeface="Sylfaen"/>
       </a:minorFont>
     </a:fontScheme>
-    <a:fmtScheme name="Office">
+    <a:fmtScheme name="Apothecary">
       <a:fillStyleLst>
         <a:solidFill>
           <a:schemeClr val="phClr"/>
@@ -4422,23 +6838,32 @@
           <a:gsLst>
             <a:gs pos="0">
               <a:schemeClr val="phClr">
-                <a:lumMod val="110000"/>
-                <a:satMod val="105000"/>
-                <a:tint val="67000"/>
+                <a:tint val="1000"/>
+                <a:satMod val="100000"/>
               </a:schemeClr>
             </a:gs>
-            <a:gs pos="50000">
+            <a:gs pos="68000">
               <a:schemeClr val="phClr">
-                <a:lumMod val="105000"/>
-                <a:satMod val="103000"/>
+                <a:tint val="77000"/>
+                <a:satMod val="100000"/>
+              </a:schemeClr>
+            </a:gs>
+            <a:gs pos="81000">
+              <a:schemeClr val="phClr">
+                <a:tint val="79000"/>
+                <a:satMod val="100000"/>
+              </a:schemeClr>
+            </a:gs>
+            <a:gs pos="86000">
+              <a:schemeClr val="phClr">
                 <a:tint val="73000"/>
+                <a:satMod val="100000"/>
               </a:schemeClr>
             </a:gs>
             <a:gs pos="100000">
               <a:schemeClr val="phClr">
-                <a:lumMod val="105000"/>
-                <a:satMod val="109000"/>
-                <a:tint val="81000"/>
+                <a:tint val="35000"/>
+                <a:satMod val="100000"/>
               </a:schemeClr>
             </a:gs>
           </a:gsLst>
@@ -4448,23 +6873,51 @@
           <a:gsLst>
             <a:gs pos="0">
               <a:schemeClr val="phClr">
-                <a:satMod val="103000"/>
-                <a:lumMod val="102000"/>
-                <a:tint val="94000"/>
+                <a:tint val="73000"/>
+                <a:shade val="100000"/>
+                <a:satMod val="150000"/>
               </a:schemeClr>
             </a:gs>
-            <a:gs pos="50000">
+            <a:gs pos="25000">
               <a:schemeClr val="phClr">
-                <a:satMod val="110000"/>
-                <a:lumMod val="100000"/>
-                <a:shade val="100000"/>
+                <a:tint val="96000"/>
+                <a:shade val="80000"/>
+                <a:satMod val="105000"/>
+              </a:schemeClr>
+            </a:gs>
+            <a:gs pos="38000">
+              <a:schemeClr val="phClr">
+                <a:tint val="96000"/>
+                <a:shade val="59000"/>
+                <a:satMod val="120000"/>
+              </a:schemeClr>
+            </a:gs>
+            <a:gs pos="55000">
+              <a:schemeClr val="phClr">
+                <a:tint val="100000"/>
+                <a:shade val="57000"/>
+                <a:satMod val="120000"/>
+              </a:schemeClr>
+            </a:gs>
+            <a:gs pos="80000">
+              <a:schemeClr val="phClr">
+                <a:tint val="100000"/>
+                <a:shade val="56000"/>
+                <a:satMod val="145000"/>
+              </a:schemeClr>
+            </a:gs>
+            <a:gs pos="88000">
+              <a:schemeClr val="phClr">
+                <a:tint val="100000"/>
+                <a:shade val="63000"/>
+                <a:satMod val="160000"/>
               </a:schemeClr>
             </a:gs>
             <a:gs pos="100000">
               <a:schemeClr val="phClr">
-                <a:lumMod val="99000"/>
-                <a:satMod val="120000"/>
-                <a:shade val="78000"/>
+                <a:tint val="99000"/>
+                <a:shade val="100000"/>
+                <a:satMod val="155000"/>
               </a:schemeClr>
             </a:gs>
           </a:gsLst>
@@ -4472,26 +6925,26 @@
         </a:gradFill>
       </a:fillStyleLst>
       <a:lnStyleLst>
-        <a:ln w="6350" cap="flat" cmpd="sng" algn="ctr">
+        <a:ln w="9525" cap="flat" cmpd="sng" algn="ctr">
+          <a:solidFill>
+            <a:schemeClr val="phClr">
+              <a:shade val="95000"/>
+              <a:satMod val="105000"/>
+            </a:schemeClr>
+          </a:solidFill>
+          <a:prstDash val="solid"/>
+        </a:ln>
+        <a:ln w="25400" cap="flat" cmpd="sng" algn="ctr">
           <a:solidFill>
             <a:schemeClr val="phClr"/>
           </a:solidFill>
           <a:prstDash val="solid"/>
-          <a:miter lim="800000"/>
         </a:ln>
-        <a:ln w="12700" cap="flat" cmpd="sng" algn="ctr">
+        <a:ln w="38100" cap="flat" cmpd="sng" algn="ctr">
           <a:solidFill>
             <a:schemeClr val="phClr"/>
           </a:solidFill>
           <a:prstDash val="solid"/>
-          <a:miter lim="800000"/>
-        </a:ln>
-        <a:ln w="19050" cap="flat" cmpd="sng" algn="ctr">
-          <a:solidFill>
-            <a:schemeClr val="phClr"/>
-          </a:solidFill>
-          <a:prstDash val="solid"/>
-          <a:miter lim="800000"/>
         </a:ln>
       </a:lnStyleLst>
       <a:effectStyleLst>
@@ -4500,15 +6953,52 @@
         </a:effectStyle>
         <a:effectStyle>
           <a:effectLst/>
+          <a:scene3d>
+            <a:camera prst="orthographicFront">
+              <a:rot lat="0" lon="0" rev="0"/>
+            </a:camera>
+            <a:lightRig rig="glow" dir="tl">
+              <a:rot lat="0" lon="0" rev="1800000"/>
+            </a:lightRig>
+          </a:scene3d>
+          <a:sp3d contourW="10160" prstMaterial="dkEdge">
+            <a:bevelT w="0" h="0" prst="angle"/>
+            <a:contourClr>
+              <a:schemeClr val="phClr">
+                <a:shade val="30000"/>
+                <a:satMod val="150000"/>
+              </a:schemeClr>
+            </a:contourClr>
+          </a:sp3d>
         </a:effectStyle>
         <a:effectStyle>
           <a:effectLst>
-            <a:outerShdw blurRad="57150" dist="19050" dir="5400000" algn="ctr" rotWithShape="0">
-              <a:srgbClr val="000000">
-                <a:alpha val="63000"/>
-              </a:srgbClr>
-            </a:outerShdw>
+            <a:glow rad="50800">
+              <a:schemeClr val="phClr">
+                <a:tint val="68000"/>
+                <a:shade val="93000"/>
+                <a:alpha val="37000"/>
+                <a:satMod val="250000"/>
+              </a:schemeClr>
+            </a:glow>
           </a:effectLst>
+          <a:scene3d>
+            <a:camera prst="orthographicFront">
+              <a:rot lat="0" lon="0" rev="0"/>
+            </a:camera>
+            <a:lightRig rig="glow" dir="t">
+              <a:rot lat="0" lon="0" rev="1800000"/>
+            </a:lightRig>
+          </a:scene3d>
+          <a:sp3d contourW="10160" prstMaterial="dkEdge">
+            <a:bevelT w="20320" h="19050" prst="angle"/>
+            <a:contourClr>
+              <a:schemeClr val="phClr">
+                <a:shade val="30000"/>
+                <a:satMod val="150000"/>
+              </a:schemeClr>
+            </a:contourClr>
+          </a:sp3d>
         </a:effectStyle>
       </a:effectStyleLst>
       <a:bgFillStyleLst>
@@ -4517,46 +7007,29 @@
         </a:solidFill>
         <a:solidFill>
           <a:schemeClr val="phClr">
-            <a:tint val="95000"/>
-            <a:satMod val="170000"/>
+            <a:tint val="93000"/>
+            <a:satMod val="140000"/>
           </a:schemeClr>
         </a:solidFill>
-        <a:gradFill rotWithShape="1">
-          <a:gsLst>
-            <a:gs pos="0">
+        <a:blipFill rotWithShape="1">
+          <a:blip xmlns:r="http://schemas.openxmlformats.org/officeDocument/2006/relationships" r:embed="rId1">
+            <a:duotone>
               <a:schemeClr val="phClr">
-                <a:tint val="93000"/>
-                <a:satMod val="150000"/>
-                <a:shade val="98000"/>
-                <a:lumMod val="102000"/>
+                <a:tint val="70000"/>
+                <a:satMod val="170000"/>
               </a:schemeClr>
-            </a:gs>
-            <a:gs pos="50000">
               <a:schemeClr val="phClr">
-                <a:tint val="98000"/>
+                <a:shade val="70000"/>
                 <a:satMod val="130000"/>
-                <a:shade val="90000"/>
-                <a:lumMod val="103000"/>
               </a:schemeClr>
-            </a:gs>
-            <a:gs pos="100000">
-              <a:schemeClr val="phClr">
-                <a:shade val="63000"/>
-                <a:satMod val="120000"/>
-              </a:schemeClr>
-            </a:gs>
-          </a:gsLst>
-          <a:lin ang="5400000" scaled="0"/>
-        </a:gradFill>
+            </a:duotone>
+          </a:blip>
+          <a:tile tx="0" ty="0" sx="100000" sy="100000" flip="none" algn="tl"/>
+        </a:blipFill>
       </a:bgFillStyleLst>
     </a:fmtScheme>
   </a:themeElements>
   <a:objectDefaults/>
   <a:extraClrSchemeLst/>
-  <a:extLst>
-    <a:ext uri="{05A4C25C-085E-4340-85A3-A5531E510DB2}">
-      <thm15:themeFamily xmlns="" xmlns:thm15="http://schemas.microsoft.com/office/thememl/2012/main" name="Office Theme" id="{62F939B6-93AF-4DB8-9C6B-D6C7DFDC589F}" vid="{4A3C46E8-61CC-4603-A589-7422A47A8E4A}"/>
-    </a:ext>
-  </a:extLst>
 </a:theme>
 </file>
--- a/Presentation.ppt.pptx
+++ b/Presentation.ppt.pptx
@@ -15,6 +15,9 @@
     <p:sldId id="265" r:id="rId9"/>
     <p:sldId id="267" r:id="rId10"/>
     <p:sldId id="266" r:id="rId11"/>
+    <p:sldId id="268" r:id="rId12"/>
+    <p:sldId id="269" r:id="rId13"/>
+    <p:sldId id="270" r:id="rId14"/>
   </p:sldIdLst>
   <p:sldSz cx="12192000" cy="6858000"/>
   <p:notesSz cx="6858000" cy="9144000"/>
@@ -115,7 +118,7 @@
   </p:defaultTextStyle>
   <p:extLst>
     <p:ext uri="{EFAFB233-063F-42B5-8137-9DF3F51BA10A}">
-      <p15:sldGuideLst xmlns:p15="http://schemas.microsoft.com/office/powerpoint/2012/main" xmlns="">
+      <p15:sldGuideLst xmlns:p15="http://schemas.microsoft.com/office/powerpoint/2012/main">
         <p15:guide id="1" orient="horz" pos="2160">
           <p15:clr>
             <a:srgbClr val="A4A3A4"/>
@@ -257,7 +260,7 @@
           <a:p>
             <a:fld id="{0A2C9084-70B7-4828-AD77-7D77F1A8B45B}" type="datetimeFigureOut">
               <a:rPr lang="en-US" smtClean="0"/>
-              <a:t>11/29/15</a:t>
+              <a:t>12/1/2015</a:t>
             </a:fld>
             <a:endParaRPr lang="en-US"/>
           </a:p>
@@ -890,7 +893,7 @@
           <a:p>
             <a:fld id="{0A2C9084-70B7-4828-AD77-7D77F1A8B45B}" type="datetimeFigureOut">
               <a:rPr lang="en-US" smtClean="0"/>
-              <a:t>11/29/15</a:t>
+              <a:t>12/1/2015</a:t>
             </a:fld>
             <a:endParaRPr lang="en-US"/>
           </a:p>
@@ -1167,7 +1170,7 @@
           <a:p>
             <a:fld id="{0A2C9084-70B7-4828-AD77-7D77F1A8B45B}" type="datetimeFigureOut">
               <a:rPr lang="en-US" smtClean="0"/>
-              <a:t>11/29/15</a:t>
+              <a:t>12/1/2015</a:t>
             </a:fld>
             <a:endParaRPr lang="en-US"/>
           </a:p>
@@ -1332,7 +1335,7 @@
           <a:p>
             <a:fld id="{0A2C9084-70B7-4828-AD77-7D77F1A8B45B}" type="datetimeFigureOut">
               <a:rPr lang="en-US" smtClean="0"/>
-              <a:t>11/29/15</a:t>
+              <a:t>12/1/2015</a:t>
             </a:fld>
             <a:endParaRPr lang="en-US"/>
           </a:p>
@@ -1513,7 +1516,7 @@
           <a:p>
             <a:fld id="{0A2C9084-70B7-4828-AD77-7D77F1A8B45B}" type="datetimeFigureOut">
               <a:rPr lang="en-US" smtClean="0"/>
-              <a:t>11/29/15</a:t>
+              <a:t>12/1/2015</a:t>
             </a:fld>
             <a:endParaRPr lang="en-US"/>
           </a:p>
@@ -2158,7 +2161,7 @@
           <a:p>
             <a:fld id="{0A2C9084-70B7-4828-AD77-7D77F1A8B45B}" type="datetimeFigureOut">
               <a:rPr lang="en-US" smtClean="0"/>
-              <a:t>11/29/15</a:t>
+              <a:t>12/1/2015</a:t>
             </a:fld>
             <a:endParaRPr lang="en-US"/>
           </a:p>
@@ -2584,7 +2587,7 @@
           <a:p>
             <a:fld id="{0A2C9084-70B7-4828-AD77-7D77F1A8B45B}" type="datetimeFigureOut">
               <a:rPr lang="en-US" smtClean="0"/>
-              <a:t>11/29/15</a:t>
+              <a:t>12/1/2015</a:t>
             </a:fld>
             <a:endParaRPr lang="en-US"/>
           </a:p>
@@ -2697,7 +2700,7 @@
           <a:p>
             <a:fld id="{0A2C9084-70B7-4828-AD77-7D77F1A8B45B}" type="datetimeFigureOut">
               <a:rPr lang="en-US" smtClean="0"/>
-              <a:t>11/29/15</a:t>
+              <a:t>12/1/2015</a:t>
             </a:fld>
             <a:endParaRPr lang="en-US"/>
           </a:p>
@@ -2878,7 +2881,7 @@
           <a:p>
             <a:fld id="{0A2C9084-70B7-4828-AD77-7D77F1A8B45B}" type="datetimeFigureOut">
               <a:rPr lang="en-US" smtClean="0"/>
-              <a:t>11/29/15</a:t>
+              <a:t>12/1/2015</a:t>
             </a:fld>
             <a:endParaRPr lang="en-US"/>
           </a:p>
@@ -3144,7 +3147,7 @@
           <a:p>
             <a:fld id="{0A2C9084-70B7-4828-AD77-7D77F1A8B45B}" type="datetimeFigureOut">
               <a:rPr lang="en-US" smtClean="0"/>
-              <a:t>11/29/15</a:t>
+              <a:t>12/1/2015</a:t>
             </a:fld>
             <a:endParaRPr lang="en-US"/>
           </a:p>
@@ -3614,7 +3617,7 @@
           <a:p>
             <a:fld id="{0A2C9084-70B7-4828-AD77-7D77F1A8B45B}" type="datetimeFigureOut">
               <a:rPr lang="en-US" smtClean="0"/>
-              <a:t>11/29/15</a:t>
+              <a:t>12/1/2015</a:t>
             </a:fld>
             <a:endParaRPr lang="en-US"/>
           </a:p>
@@ -4174,7 +4177,7 @@
           <a:p>
             <a:fld id="{0A2C9084-70B7-4828-AD77-7D77F1A8B45B}" type="datetimeFigureOut">
               <a:rPr lang="en-US" smtClean="0"/>
-              <a:t>11/29/15</a:t>
+              <a:t>12/1/2015</a:t>
             </a:fld>
             <a:endParaRPr lang="en-US"/>
           </a:p>
@@ -4831,7 +4834,7 @@
   <p:timing>
     <p:tnLst>
       <p:par>
-        <p:cTn xmlns:p14="http://schemas.microsoft.com/office/powerpoint/2010/main" id="1" dur="indefinite" restart="never" nodeType="tmRoot"/>
+        <p:cTn id="1" dur="indefinite" restart="never" nodeType="tmRoot"/>
       </p:par>
     </p:tnLst>
   </p:timing>
@@ -4930,10 +4933,790 @@
   <p:timing>
     <p:tnLst>
       <p:par>
-        <p:cTn xmlns:p14="http://schemas.microsoft.com/office/powerpoint/2010/main" id="1" dur="indefinite" restart="never" nodeType="tmRoot"/>
+        <p:cTn id="1" dur="indefinite" restart="never" nodeType="tmRoot"/>
       </p:par>
     </p:tnLst>
   </p:timing>
+</p:sld>
+</file>
+
+<file path=ppt/slides/slide11.xml><?xml version="1.0" encoding="utf-8"?>
+<p:sld xmlns:a="http://schemas.openxmlformats.org/drawingml/2006/main" xmlns:r="http://schemas.openxmlformats.org/officeDocument/2006/relationships" xmlns:p="http://schemas.openxmlformats.org/presentationml/2006/main">
+  <p:cSld>
+    <p:spTree>
+      <p:nvGrpSpPr>
+        <p:cNvPr id="1" name=""/>
+        <p:cNvGrpSpPr/>
+        <p:nvPr/>
+      </p:nvGrpSpPr>
+      <p:grpSpPr>
+        <a:xfrm>
+          <a:off x="0" y="0"/>
+          <a:ext cx="0" cy="0"/>
+          <a:chOff x="0" y="0"/>
+          <a:chExt cx="0" cy="0"/>
+        </a:xfrm>
+      </p:grpSpPr>
+      <p:sp>
+        <p:nvSpPr>
+          <p:cNvPr id="2" name="Title 1"/>
+          <p:cNvSpPr>
+            <a:spLocks noGrp="1"/>
+          </p:cNvSpPr>
+          <p:nvPr>
+            <p:ph type="title"/>
+          </p:nvPr>
+        </p:nvSpPr>
+        <p:spPr/>
+        <p:txBody>
+          <a:bodyPr/>
+          <a:lstStyle/>
+          <a:p>
+            <a:r>
+              <a:rPr lang="en-US" dirty="0" smtClean="0"/>
+              <a:t>Complex Lattices </a:t>
+            </a:r>
+            <a:endParaRPr lang="en-US" dirty="0"/>
+          </a:p>
+        </p:txBody>
+      </p:sp>
+      <p:sp>
+        <p:nvSpPr>
+          <p:cNvPr id="3" name="Content Placeholder 2"/>
+          <p:cNvSpPr>
+            <a:spLocks noGrp="1"/>
+          </p:cNvSpPr>
+          <p:nvPr>
+            <p:ph idx="1"/>
+          </p:nvPr>
+        </p:nvSpPr>
+        <p:spPr/>
+        <p:txBody>
+          <a:bodyPr/>
+          <a:lstStyle/>
+          <a:p>
+            <a:pPr marL="114300" indent="0">
+              <a:buNone/>
+            </a:pPr>
+            <a:r>
+              <a:rPr lang="en-US" dirty="0" smtClean="0"/>
+              <a:t>All elliptic curves are lattices, i.e. </a:t>
+            </a:r>
+            <a:endParaRPr lang="en-US" dirty="0"/>
+          </a:p>
+        </p:txBody>
+      </p:sp>
+      <p:pic>
+        <p:nvPicPr>
+          <p:cNvPr id="5" name="Picture 4"/>
+          <p:cNvPicPr>
+            <a:picLocks noChangeAspect="1"/>
+          </p:cNvPicPr>
+          <p:nvPr>
+            <p:custDataLst>
+              <p:tags r:id="rId1"/>
+            </p:custDataLst>
+          </p:nvPr>
+        </p:nvPicPr>
+        <p:blipFill>
+          <a:blip r:embed="rId8" cstate="print">
+            <a:extLst>
+              <a:ext uri="{28A0092B-C50C-407E-A947-70E740481C1C}">
+                <a14:useLocalDpi xmlns:a14="http://schemas.microsoft.com/office/drawing/2010/main" val="0"/>
+              </a:ext>
+            </a:extLst>
+          </a:blip>
+          <a:stretch>
+            <a:fillRect/>
+          </a:stretch>
+        </p:blipFill>
+        <p:spPr>
+          <a:xfrm>
+            <a:off x="811815" y="2363698"/>
+            <a:ext cx="6777228" cy="998220"/>
+          </a:xfrm>
+          <a:prstGeom prst="rect">
+            <a:avLst/>
+          </a:prstGeom>
+        </p:spPr>
+      </p:pic>
+      <p:sp>
+        <p:nvSpPr>
+          <p:cNvPr id="6" name="Rectangle 5"/>
+          <p:cNvSpPr/>
+          <p:nvPr/>
+        </p:nvSpPr>
+        <p:spPr>
+          <a:xfrm>
+            <a:off x="185660" y="1752601"/>
+            <a:ext cx="11779249" cy="5016500"/>
+          </a:xfrm>
+          <a:prstGeom prst="rect">
+            <a:avLst/>
+          </a:prstGeom>
+          <a:solidFill>
+            <a:schemeClr val="bg1"/>
+          </a:solidFill>
+          <a:ln>
+            <a:solidFill>
+              <a:srgbClr val="F7F7F7"/>
+            </a:solidFill>
+          </a:ln>
+          <a:effectLst/>
+        </p:spPr>
+        <p:style>
+          <a:lnRef idx="1">
+            <a:schemeClr val="accent1"/>
+          </a:lnRef>
+          <a:fillRef idx="3">
+            <a:schemeClr val="accent1"/>
+          </a:fillRef>
+          <a:effectRef idx="2">
+            <a:schemeClr val="accent1"/>
+          </a:effectRef>
+          <a:fontRef idx="minor">
+            <a:schemeClr val="lt1"/>
+          </a:fontRef>
+        </p:style>
+        <p:txBody>
+          <a:bodyPr rtlCol="0" anchor="ctr"/>
+          <a:lstStyle/>
+          <a:p>
+            <a:pPr algn="ctr"/>
+            <a:endParaRPr lang="en-US"/>
+          </a:p>
+        </p:txBody>
+      </p:sp>
+      <p:pic>
+        <p:nvPicPr>
+          <p:cNvPr id="7" name="Picture 6"/>
+          <p:cNvPicPr>
+            <a:picLocks noChangeAspect="1"/>
+          </p:cNvPicPr>
+          <p:nvPr>
+            <p:custDataLst>
+              <p:tags r:id="rId2"/>
+            </p:custDataLst>
+          </p:nvPr>
+        </p:nvPicPr>
+        <p:blipFill>
+          <a:blip r:embed="rId8" cstate="print">
+            <a:extLst>
+              <a:ext uri="{28A0092B-C50C-407E-A947-70E740481C1C}">
+                <a14:useLocalDpi xmlns:a14="http://schemas.microsoft.com/office/drawing/2010/main" val="0"/>
+              </a:ext>
+            </a:extLst>
+          </a:blip>
+          <a:stretch>
+            <a:fillRect/>
+          </a:stretch>
+        </p:blipFill>
+        <p:spPr>
+          <a:xfrm>
+            <a:off x="429306" y="2058897"/>
+            <a:ext cx="6777228" cy="998220"/>
+          </a:xfrm>
+          <a:prstGeom prst="rect">
+            <a:avLst/>
+          </a:prstGeom>
+        </p:spPr>
+      </p:pic>
+      <p:pic>
+        <p:nvPicPr>
+          <p:cNvPr id="8" name="Picture 2" descr="https://upload.wikimedia.org/wikipedia/commons/d/db/Fundamental_parallelogram.png"/>
+          <p:cNvPicPr>
+            <a:picLocks noChangeAspect="1" noChangeArrowheads="1"/>
+          </p:cNvPicPr>
+          <p:nvPr/>
+        </p:nvPicPr>
+        <p:blipFill>
+          <a:blip r:embed="rId9">
+            <a:extLst>
+              <a:ext uri="{28A0092B-C50C-407E-A947-70E740481C1C}">
+                <a14:useLocalDpi xmlns:a14="http://schemas.microsoft.com/office/drawing/2010/main" val="0"/>
+              </a:ext>
+            </a:extLst>
+          </a:blip>
+          <a:srcRect/>
+          <a:stretch>
+            <a:fillRect/>
+          </a:stretch>
+        </p:blipFill>
+        <p:spPr bwMode="auto">
+          <a:xfrm>
+            <a:off x="8863739" y="1874723"/>
+            <a:ext cx="2718661" cy="1976170"/>
+          </a:xfrm>
+          <a:prstGeom prst="rect">
+            <a:avLst/>
+          </a:prstGeom>
+          <a:noFill/>
+          <a:extLst>
+            <a:ext uri="{909E8E84-426E-40DD-AFC4-6F175D3DCCD1}">
+              <a14:hiddenFill xmlns:a14="http://schemas.microsoft.com/office/drawing/2010/main">
+                <a:solidFill>
+                  <a:srgbClr val="FFFFFF"/>
+                </a:solidFill>
+              </a14:hiddenFill>
+            </a:ext>
+          </a:extLst>
+        </p:spPr>
+      </p:pic>
+      <p:pic>
+        <p:nvPicPr>
+          <p:cNvPr id="9" name="Picture 8"/>
+          <p:cNvPicPr>
+            <a:picLocks noChangeAspect="1"/>
+          </p:cNvPicPr>
+          <p:nvPr>
+            <p:custDataLst>
+              <p:tags r:id="rId3"/>
+            </p:custDataLst>
+          </p:nvPr>
+        </p:nvPicPr>
+        <p:blipFill>
+          <a:blip r:embed="rId10" cstate="print">
+            <a:extLst>
+              <a:ext uri="{28A0092B-C50C-407E-A947-70E740481C1C}">
+                <a14:useLocalDpi xmlns:a14="http://schemas.microsoft.com/office/drawing/2010/main" val="0"/>
+              </a:ext>
+            </a:extLst>
+          </a:blip>
+          <a:stretch>
+            <a:fillRect/>
+          </a:stretch>
+        </p:blipFill>
+        <p:spPr>
+          <a:xfrm>
+            <a:off x="568171" y="3252093"/>
+            <a:ext cx="2965704" cy="252984"/>
+          </a:xfrm>
+          <a:prstGeom prst="rect">
+            <a:avLst/>
+          </a:prstGeom>
+        </p:spPr>
+      </p:pic>
+      <p:pic>
+        <p:nvPicPr>
+          <p:cNvPr id="10" name="Picture 9"/>
+          <p:cNvPicPr>
+            <a:picLocks noChangeAspect="1"/>
+          </p:cNvPicPr>
+          <p:nvPr>
+            <p:custDataLst>
+              <p:tags r:id="rId4"/>
+            </p:custDataLst>
+          </p:nvPr>
+        </p:nvPicPr>
+        <p:blipFill>
+          <a:blip r:embed="rId11" cstate="print">
+            <a:extLst>
+              <a:ext uri="{28A0092B-C50C-407E-A947-70E740481C1C}">
+                <a14:useLocalDpi xmlns:a14="http://schemas.microsoft.com/office/drawing/2010/main" val="0"/>
+              </a:ext>
+            </a:extLst>
+          </a:blip>
+          <a:stretch>
+            <a:fillRect/>
+          </a:stretch>
+        </p:blipFill>
+        <p:spPr>
+          <a:xfrm>
+            <a:off x="429306" y="3745177"/>
+            <a:ext cx="3683508" cy="455676"/>
+          </a:xfrm>
+          <a:prstGeom prst="rect">
+            <a:avLst/>
+          </a:prstGeom>
+        </p:spPr>
+      </p:pic>
+      <p:pic>
+        <p:nvPicPr>
+          <p:cNvPr id="11" name="Picture 10"/>
+          <p:cNvPicPr>
+            <a:picLocks noChangeAspect="1"/>
+          </p:cNvPicPr>
+          <p:nvPr>
+            <p:custDataLst>
+              <p:tags r:id="rId5"/>
+            </p:custDataLst>
+          </p:nvPr>
+        </p:nvPicPr>
+        <p:blipFill>
+          <a:blip r:embed="rId12" cstate="print">
+            <a:extLst>
+              <a:ext uri="{28A0092B-C50C-407E-A947-70E740481C1C}">
+                <a14:useLocalDpi xmlns:a14="http://schemas.microsoft.com/office/drawing/2010/main" val="0"/>
+              </a:ext>
+            </a:extLst>
+          </a:blip>
+          <a:stretch>
+            <a:fillRect/>
+          </a:stretch>
+        </p:blipFill>
+        <p:spPr>
+          <a:xfrm>
+            <a:off x="4548678" y="3850893"/>
+            <a:ext cx="2657856" cy="348996"/>
+          </a:xfrm>
+          <a:prstGeom prst="rect">
+            <a:avLst/>
+          </a:prstGeom>
+        </p:spPr>
+      </p:pic>
+      <p:pic>
+        <p:nvPicPr>
+          <p:cNvPr id="12" name="Picture 11"/>
+          <p:cNvPicPr>
+            <a:picLocks noChangeAspect="1"/>
+          </p:cNvPicPr>
+          <p:nvPr>
+            <p:custDataLst>
+              <p:tags r:id="rId6"/>
+            </p:custDataLst>
+          </p:nvPr>
+        </p:nvPicPr>
+        <p:blipFill>
+          <a:blip r:embed="rId13" cstate="print">
+            <a:extLst>
+              <a:ext uri="{28A0092B-C50C-407E-A947-70E740481C1C}">
+                <a14:useLocalDpi xmlns:a14="http://schemas.microsoft.com/office/drawing/2010/main" val="0"/>
+              </a:ext>
+            </a:extLst>
+          </a:blip>
+          <a:stretch>
+            <a:fillRect/>
+          </a:stretch>
+        </p:blipFill>
+        <p:spPr>
+          <a:xfrm>
+            <a:off x="429306" y="4491057"/>
+            <a:ext cx="6352032" cy="252984"/>
+          </a:xfrm>
+          <a:prstGeom prst="rect">
+            <a:avLst/>
+          </a:prstGeom>
+        </p:spPr>
+      </p:pic>
+    </p:spTree>
+    <p:extLst>
+      <p:ext uri="{BB962C8B-B14F-4D97-AF65-F5344CB8AC3E}">
+        <p14:creationId xmlns:p14="http://schemas.microsoft.com/office/powerpoint/2010/main" val="2895263840"/>
+      </p:ext>
+    </p:extLst>
+  </p:cSld>
+  <p:clrMapOvr>
+    <a:masterClrMapping/>
+  </p:clrMapOvr>
+</p:sld>
+</file>
+
+<file path=ppt/slides/slide12.xml><?xml version="1.0" encoding="utf-8"?>
+<p:sld xmlns:a="http://schemas.openxmlformats.org/drawingml/2006/main" xmlns:r="http://schemas.openxmlformats.org/officeDocument/2006/relationships" xmlns:p="http://schemas.openxmlformats.org/presentationml/2006/main">
+  <p:cSld>
+    <p:spTree>
+      <p:nvGrpSpPr>
+        <p:cNvPr id="1" name=""/>
+        <p:cNvGrpSpPr/>
+        <p:nvPr/>
+      </p:nvGrpSpPr>
+      <p:grpSpPr>
+        <a:xfrm>
+          <a:off x="0" y="0"/>
+          <a:ext cx="0" cy="0"/>
+          <a:chOff x="0" y="0"/>
+          <a:chExt cx="0" cy="0"/>
+        </a:xfrm>
+      </p:grpSpPr>
+      <p:sp>
+        <p:nvSpPr>
+          <p:cNvPr id="2" name="Title 1"/>
+          <p:cNvSpPr>
+            <a:spLocks noGrp="1"/>
+          </p:cNvSpPr>
+          <p:nvPr>
+            <p:ph type="title"/>
+          </p:nvPr>
+        </p:nvSpPr>
+        <p:spPr/>
+        <p:txBody>
+          <a:bodyPr/>
+          <a:lstStyle/>
+          <a:p>
+            <a:r>
+              <a:rPr lang="en-US" dirty="0" smtClean="0"/>
+              <a:t>Complex Multiplication</a:t>
+            </a:r>
+            <a:endParaRPr lang="en-US" dirty="0"/>
+          </a:p>
+        </p:txBody>
+      </p:sp>
+      <p:sp>
+        <p:nvSpPr>
+          <p:cNvPr id="12" name="Content Placeholder 11"/>
+          <p:cNvSpPr>
+            <a:spLocks noGrp="1"/>
+          </p:cNvSpPr>
+          <p:nvPr>
+            <p:ph idx="1"/>
+          </p:nvPr>
+        </p:nvSpPr>
+        <p:spPr>
+          <a:xfrm>
+            <a:off x="0" y="1752601"/>
+            <a:ext cx="12192000" cy="4958442"/>
+          </a:xfrm>
+          <a:prstGeom prst="rect">
+            <a:avLst/>
+          </a:prstGeom>
+          <a:solidFill>
+            <a:schemeClr val="bg1"/>
+          </a:solidFill>
+          <a:ln>
+            <a:solidFill>
+              <a:srgbClr val="F7F7F7"/>
+            </a:solidFill>
+          </a:ln>
+          <a:effectLst/>
+        </p:spPr>
+        <p:style>
+          <a:lnRef idx="1">
+            <a:schemeClr val="accent1"/>
+          </a:lnRef>
+          <a:fillRef idx="3">
+            <a:schemeClr val="accent1"/>
+          </a:fillRef>
+          <a:effectRef idx="2">
+            <a:schemeClr val="accent1"/>
+          </a:effectRef>
+          <a:fontRef idx="minor">
+            <a:schemeClr val="lt1"/>
+          </a:fontRef>
+        </p:style>
+        <p:txBody>
+          <a:bodyPr rtlCol="0" anchor="ctr"/>
+          <a:lstStyle/>
+          <a:p>
+            <a:endParaRPr lang="en-US"/>
+          </a:p>
+        </p:txBody>
+      </p:sp>
+      <p:pic>
+        <p:nvPicPr>
+          <p:cNvPr id="13" name="Content Placeholder 3"/>
+          <p:cNvPicPr>
+            <a:picLocks noChangeAspect="1"/>
+          </p:cNvPicPr>
+          <p:nvPr>
+            <p:custDataLst>
+              <p:tags r:id="rId1"/>
+            </p:custDataLst>
+          </p:nvPr>
+        </p:nvPicPr>
+        <p:blipFill>
+          <a:blip r:embed="rId4" cstate="print">
+            <a:extLst>
+              <a:ext uri="{28A0092B-C50C-407E-A947-70E740481C1C}">
+                <a14:useLocalDpi xmlns:a14="http://schemas.microsoft.com/office/drawing/2010/main" val="0"/>
+              </a:ext>
+            </a:extLst>
+          </a:blip>
+          <a:stretch>
+            <a:fillRect/>
+          </a:stretch>
+        </p:blipFill>
+        <p:spPr>
+          <a:xfrm>
+            <a:off x="817485" y="2041171"/>
+            <a:ext cx="10515600" cy="418807"/>
+          </a:xfrm>
+          <a:prstGeom prst="rect">
+            <a:avLst/>
+          </a:prstGeom>
+        </p:spPr>
+      </p:pic>
+      <p:sp>
+        <p:nvSpPr>
+          <p:cNvPr id="14" name="Rectangle 13"/>
+          <p:cNvSpPr/>
+          <p:nvPr/>
+        </p:nvSpPr>
+        <p:spPr>
+          <a:xfrm>
+            <a:off x="691243" y="2661556"/>
+            <a:ext cx="10891157" cy="1384995"/>
+          </a:xfrm>
+          <a:prstGeom prst="rect">
+            <a:avLst/>
+          </a:prstGeom>
+        </p:spPr>
+        <p:txBody>
+          <a:bodyPr wrap="square">
+            <a:spAutoFit/>
+          </a:bodyPr>
+          <a:lstStyle/>
+          <a:p>
+            <a:r>
+              <a:rPr lang="en-US" sz="2800" dirty="0">
+                <a:latin typeface="Cambria Math" panose="02040503050406030204" pitchFamily="18" charset="0"/>
+                <a:ea typeface="Cambria Math" panose="02040503050406030204" pitchFamily="18" charset="0"/>
+                <a:cs typeface="Times New Roman" panose="02020603050405020304" pitchFamily="18" charset="0"/>
+              </a:rPr>
+              <a:t>Note that this gives us a natural way to turn whatever algebraic transformations we have in the complex lattice to transformations on the elliptic curve points. For example</a:t>
+            </a:r>
+            <a:r>
+              <a:rPr lang="en-US" sz="2800" dirty="0">
+                <a:latin typeface="Times New Roman" panose="02020603050405020304" pitchFamily="18" charset="0"/>
+                <a:cs typeface="Times New Roman" panose="02020603050405020304" pitchFamily="18" charset="0"/>
+              </a:rPr>
+              <a:t>, </a:t>
+            </a:r>
+          </a:p>
+        </p:txBody>
+      </p:sp>
+      <p:pic>
+        <p:nvPicPr>
+          <p:cNvPr id="15" name="Content Placeholder 7"/>
+          <p:cNvPicPr>
+            <a:picLocks noChangeAspect="1"/>
+          </p:cNvPicPr>
+          <p:nvPr>
+            <p:custDataLst>
+              <p:tags r:id="rId2"/>
+            </p:custDataLst>
+          </p:nvPr>
+        </p:nvPicPr>
+        <p:blipFill>
+          <a:blip r:embed="rId5" cstate="print">
+            <a:extLst>
+              <a:ext uri="{28A0092B-C50C-407E-A947-70E740481C1C}">
+                <a14:useLocalDpi xmlns:a14="http://schemas.microsoft.com/office/drawing/2010/main" val="0"/>
+              </a:ext>
+            </a:extLst>
+          </a:blip>
+          <a:stretch>
+            <a:fillRect/>
+          </a:stretch>
+        </p:blipFill>
+        <p:spPr>
+          <a:xfrm>
+            <a:off x="691244" y="4195786"/>
+            <a:ext cx="7505700" cy="408872"/>
+          </a:xfrm>
+          <a:prstGeom prst="rect">
+            <a:avLst/>
+          </a:prstGeom>
+        </p:spPr>
+      </p:pic>
+      <p:pic>
+        <p:nvPicPr>
+          <p:cNvPr id="16" name="Picture 15"/>
+          <p:cNvPicPr>
+            <a:picLocks noChangeAspect="1"/>
+          </p:cNvPicPr>
+          <p:nvPr/>
+        </p:nvPicPr>
+        <p:blipFill>
+          <a:blip r:embed="rId6"/>
+          <a:stretch>
+            <a:fillRect/>
+          </a:stretch>
+        </p:blipFill>
+        <p:spPr>
+          <a:xfrm>
+            <a:off x="691243" y="4868515"/>
+            <a:ext cx="7097486" cy="427069"/>
+          </a:xfrm>
+          <a:prstGeom prst="rect">
+            <a:avLst/>
+          </a:prstGeom>
+        </p:spPr>
+      </p:pic>
+    </p:spTree>
+    <p:extLst>
+      <p:ext uri="{BB962C8B-B14F-4D97-AF65-F5344CB8AC3E}">
+        <p14:creationId xmlns:p14="http://schemas.microsoft.com/office/powerpoint/2010/main" val="1294897265"/>
+      </p:ext>
+    </p:extLst>
+  </p:cSld>
+  <p:clrMapOvr>
+    <a:masterClrMapping/>
+  </p:clrMapOvr>
+</p:sld>
+</file>
+
+<file path=ppt/slides/slide13.xml><?xml version="1.0" encoding="utf-8"?>
+<p:sld xmlns:a="http://schemas.openxmlformats.org/drawingml/2006/main" xmlns:r="http://schemas.openxmlformats.org/officeDocument/2006/relationships" xmlns:p="http://schemas.openxmlformats.org/presentationml/2006/main">
+  <p:cSld>
+    <p:spTree>
+      <p:nvGrpSpPr>
+        <p:cNvPr id="1" name=""/>
+        <p:cNvGrpSpPr/>
+        <p:nvPr/>
+      </p:nvGrpSpPr>
+      <p:grpSpPr>
+        <a:xfrm>
+          <a:off x="0" y="0"/>
+          <a:ext cx="0" cy="0"/>
+          <a:chOff x="0" y="0"/>
+          <a:chExt cx="0" cy="0"/>
+        </a:xfrm>
+      </p:grpSpPr>
+      <p:sp>
+        <p:nvSpPr>
+          <p:cNvPr id="2" name="Title 1"/>
+          <p:cNvSpPr>
+            <a:spLocks noGrp="1"/>
+          </p:cNvSpPr>
+          <p:nvPr>
+            <p:ph type="title"/>
+          </p:nvPr>
+        </p:nvSpPr>
+        <p:spPr/>
+        <p:txBody>
+          <a:bodyPr/>
+          <a:lstStyle/>
+          <a:p>
+            <a:r>
+              <a:rPr lang="en-US" dirty="0" smtClean="0"/>
+              <a:t>Curve generation</a:t>
+            </a:r>
+            <a:endParaRPr lang="en-US" dirty="0"/>
+          </a:p>
+        </p:txBody>
+      </p:sp>
+      <p:sp>
+        <p:nvSpPr>
+          <p:cNvPr id="4" name="Content Placeholder 3"/>
+          <p:cNvSpPr>
+            <a:spLocks noGrp="1"/>
+          </p:cNvSpPr>
+          <p:nvPr>
+            <p:ph idx="1"/>
+          </p:nvPr>
+        </p:nvSpPr>
+        <p:spPr>
+          <a:xfrm>
+            <a:off x="228601" y="1632857"/>
+            <a:ext cx="11625942" cy="5061857"/>
+          </a:xfrm>
+          <a:prstGeom prst="rect">
+            <a:avLst/>
+          </a:prstGeom>
+          <a:solidFill>
+            <a:schemeClr val="bg1"/>
+          </a:solidFill>
+          <a:ln>
+            <a:solidFill>
+              <a:srgbClr val="F7F7F7"/>
+            </a:solidFill>
+          </a:ln>
+          <a:effectLst/>
+        </p:spPr>
+        <p:style>
+          <a:lnRef idx="1">
+            <a:schemeClr val="accent1"/>
+          </a:lnRef>
+          <a:fillRef idx="3">
+            <a:schemeClr val="accent1"/>
+          </a:fillRef>
+          <a:effectRef idx="2">
+            <a:schemeClr val="accent1"/>
+          </a:effectRef>
+          <a:fontRef idx="minor">
+            <a:schemeClr val="lt1"/>
+          </a:fontRef>
+        </p:style>
+        <p:txBody>
+          <a:bodyPr rtlCol="0" anchor="ctr"/>
+          <a:lstStyle/>
+          <a:p>
+            <a:endParaRPr lang="en-US"/>
+          </a:p>
+        </p:txBody>
+      </p:sp>
+      <p:sp>
+        <p:nvSpPr>
+          <p:cNvPr id="5" name="TextBox 4"/>
+          <p:cNvSpPr txBox="1"/>
+          <p:nvPr/>
+        </p:nvSpPr>
+        <p:spPr>
+          <a:xfrm>
+            <a:off x="407606" y="1910443"/>
+            <a:ext cx="11335358" cy="954107"/>
+          </a:xfrm>
+          <a:prstGeom prst="rect">
+            <a:avLst/>
+          </a:prstGeom>
+          <a:noFill/>
+        </p:spPr>
+        <p:txBody>
+          <a:bodyPr wrap="square" rtlCol="0">
+            <a:spAutoFit/>
+          </a:bodyPr>
+          <a:lstStyle/>
+          <a:p>
+            <a:r>
+              <a:rPr lang="en-US" sz="2800" dirty="0" smtClean="0"/>
+              <a:t>So what these algorithms are actually doing is finding a good, </a:t>
+            </a:r>
+            <a:r>
+              <a:rPr lang="en-US" sz="2800" dirty="0" err="1" smtClean="0"/>
+              <a:t>squarefree</a:t>
+            </a:r>
+            <a:r>
+              <a:rPr lang="en-US" sz="2800" dirty="0" smtClean="0"/>
+              <a:t> D such that our lattice is built by </a:t>
+            </a:r>
+            <a:endParaRPr lang="en-US" sz="2800" dirty="0"/>
+          </a:p>
+        </p:txBody>
+      </p:sp>
+      <p:pic>
+        <p:nvPicPr>
+          <p:cNvPr id="6" name="Picture 5"/>
+          <p:cNvPicPr>
+            <a:picLocks noChangeAspect="1"/>
+          </p:cNvPicPr>
+          <p:nvPr>
+            <p:custDataLst>
+              <p:tags r:id="rId1"/>
+            </p:custDataLst>
+          </p:nvPr>
+        </p:nvPicPr>
+        <p:blipFill>
+          <a:blip r:embed="rId3" cstate="print">
+            <a:extLst>
+              <a:ext uri="{28A0092B-C50C-407E-A947-70E740481C1C}">
+                <a14:useLocalDpi xmlns:a14="http://schemas.microsoft.com/office/drawing/2010/main" val="0"/>
+              </a:ext>
+            </a:extLst>
+          </a:blip>
+          <a:stretch>
+            <a:fillRect/>
+          </a:stretch>
+        </p:blipFill>
+        <p:spPr>
+          <a:xfrm>
+            <a:off x="841828" y="3181843"/>
+            <a:ext cx="10560173" cy="737014"/>
+          </a:xfrm>
+          <a:prstGeom prst="rect">
+            <a:avLst/>
+          </a:prstGeom>
+        </p:spPr>
+      </p:pic>
+    </p:spTree>
+    <p:extLst>
+      <p:ext uri="{BB962C8B-B14F-4D97-AF65-F5344CB8AC3E}">
+        <p14:creationId xmlns:p14="http://schemas.microsoft.com/office/powerpoint/2010/main" val="1287094062"/>
+      </p:ext>
+    </p:extLst>
+  </p:cSld>
+  <p:clrMapOvr>
+    <a:masterClrMapping/>
+  </p:clrMapOvr>
 </p:sld>
 </file>
 
@@ -5070,7 +5853,6 @@
               <a:rPr lang="en-US" dirty="0" smtClean="0"/>
               <a:t>satisfying</a:t>
             </a:r>
-            <a:endParaRPr lang="en-US" dirty="0" smtClean="0"/>
           </a:p>
           <a:p>
             <a:pPr marL="0" indent="0">
@@ -5159,7 +5941,7 @@
   <p:timing>
     <p:tnLst>
       <p:par>
-        <p:cTn xmlns:p14="http://schemas.microsoft.com/office/powerpoint/2010/main" id="1" dur="indefinite" restart="never" nodeType="tmRoot"/>
+        <p:cTn id="1" dur="indefinite" restart="never" nodeType="tmRoot"/>
       </p:par>
     </p:tnLst>
   </p:timing>
@@ -5296,7 +6078,7 @@
   <p:timing>
     <p:tnLst>
       <p:par>
-        <p:cTn xmlns:p14="http://schemas.microsoft.com/office/powerpoint/2010/main" id="1" dur="indefinite" restart="never" nodeType="tmRoot"/>
+        <p:cTn id="1" dur="indefinite" restart="never" nodeType="tmRoot"/>
       </p:par>
     </p:tnLst>
   </p:timing>
@@ -5515,7 +6297,7 @@
   <p:timing>
     <p:tnLst>
       <p:par>
-        <p:cTn xmlns:p14="http://schemas.microsoft.com/office/powerpoint/2010/main" id="1" dur="indefinite" restart="never" nodeType="tmRoot"/>
+        <p:cTn id="1" dur="indefinite" restart="never" nodeType="tmRoot"/>
       </p:par>
     </p:tnLst>
   </p:timing>
@@ -5723,7 +6505,7 @@
   <p:timing>
     <p:tnLst>
       <p:par>
-        <p:cTn xmlns:p14="http://schemas.microsoft.com/office/powerpoint/2010/main" id="1" dur="indefinite" restart="never" nodeType="tmRoot"/>
+        <p:cTn id="1" dur="indefinite" restart="never" nodeType="tmRoot"/>
       </p:par>
     </p:tnLst>
   </p:timing>
@@ -5893,7 +6675,7 @@
           <p:nvPr/>
         </p:nvPicPr>
         <p:blipFill>
-          <a:blip r:embed="rId2">
+          <a:blip r:embed="rId2" cstate="print">
             <a:extLst>
               <a:ext uri="{28A0092B-C50C-407E-A947-70E740481C1C}">
                 <a14:useLocalDpi xmlns:a14="http://schemas.microsoft.com/office/drawing/2010/main" val="0"/>
@@ -5957,7 +6739,7 @@
   <p:timing>
     <p:tnLst>
       <p:par>
-        <p:cTn xmlns:p14="http://schemas.microsoft.com/office/powerpoint/2010/main" id="1" dur="indefinite" restart="never" nodeType="tmRoot"/>
+        <p:cTn id="1" dur="indefinite" restart="never" nodeType="tmRoot"/>
       </p:par>
     </p:tnLst>
   </p:timing>
@@ -6177,15 +6959,7 @@
             </a:pPr>
             <a:r>
               <a:rPr lang="en-US" dirty="0" smtClean="0"/>
-              <a:t>Efficient when                            </a:t>
-            </a:r>
-            <a:r>
-              <a:rPr lang="en-US" dirty="0" smtClean="0"/>
-              <a:t>, </a:t>
-            </a:r>
-            <a:r>
-              <a:rPr lang="en-US" dirty="0" smtClean="0"/>
-              <a:t>with </a:t>
+              <a:t>Efficient when                            , with </a:t>
             </a:r>
             <a:r>
               <a:rPr lang="en-US" i="1" dirty="0" smtClean="0">
@@ -6221,7 +6995,7 @@
           <p:nvPr/>
         </p:nvPicPr>
         <p:blipFill>
-          <a:blip r:embed="rId2">
+          <a:blip r:embed="rId2" cstate="print">
             <a:extLst>
               <a:ext uri="{28A0092B-C50C-407E-A947-70E740481C1C}">
                 <a14:useLocalDpi xmlns:a14="http://schemas.microsoft.com/office/drawing/2010/main" val="0"/>
@@ -6251,7 +7025,7 @@
           <p:nvPr/>
         </p:nvPicPr>
         <p:blipFill>
-          <a:blip r:embed="rId3">
+          <a:blip r:embed="rId3" cstate="print">
             <a:extLst>
               <a:ext uri="{28A0092B-C50C-407E-A947-70E740481C1C}">
                 <a14:useLocalDpi xmlns:a14="http://schemas.microsoft.com/office/drawing/2010/main" val="0"/>
@@ -6281,7 +7055,7 @@
           <p:nvPr/>
         </p:nvPicPr>
         <p:blipFill>
-          <a:blip r:embed="rId4">
+          <a:blip r:embed="rId4" cstate="print">
             <a:extLst>
               <a:ext uri="{28A0092B-C50C-407E-A947-70E740481C1C}">
                 <a14:useLocalDpi xmlns:a14="http://schemas.microsoft.com/office/drawing/2010/main" val="0"/>
@@ -6311,7 +7085,7 @@
           <p:nvPr/>
         </p:nvPicPr>
         <p:blipFill>
-          <a:blip r:embed="rId5">
+          <a:blip r:embed="rId5" cstate="print">
             <a:extLst>
               <a:ext uri="{28A0092B-C50C-407E-A947-70E740481C1C}">
                 <a14:useLocalDpi xmlns:a14="http://schemas.microsoft.com/office/drawing/2010/main" val="0"/>
@@ -6345,7 +7119,7 @@
   <p:timing>
     <p:tnLst>
       <p:par>
-        <p:cTn xmlns:p14="http://schemas.microsoft.com/office/powerpoint/2010/main" id="1" dur="indefinite" restart="never" nodeType="tmRoot"/>
+        <p:cTn id="1" dur="indefinite" restart="never" nodeType="tmRoot"/>
       </p:par>
     </p:tnLst>
   </p:timing>
@@ -6538,7 +7312,7 @@
           <p:nvPr/>
         </p:nvPicPr>
         <p:blipFill>
-          <a:blip r:embed="rId2">
+          <a:blip r:embed="rId2" cstate="print">
             <a:extLst>
               <a:ext uri="{28A0092B-C50C-407E-A947-70E740481C1C}">
                 <a14:useLocalDpi xmlns:a14="http://schemas.microsoft.com/office/drawing/2010/main" val="0"/>
@@ -6572,7 +7346,7 @@
   <p:timing>
     <p:tnLst>
       <p:par>
-        <p:cTn xmlns:p14="http://schemas.microsoft.com/office/powerpoint/2010/main" id="1" dur="indefinite" restart="never" nodeType="tmRoot"/>
+        <p:cTn id="1" dur="indefinite" restart="never" nodeType="tmRoot"/>
       </p:par>
     </p:tnLst>
   </p:timing>
@@ -6709,11 +7483,155 @@
   <p:timing>
     <p:tnLst>
       <p:par>
-        <p:cTn xmlns:p14="http://schemas.microsoft.com/office/powerpoint/2010/main" id="1" dur="indefinite" restart="never" nodeType="tmRoot"/>
+        <p:cTn id="1" dur="indefinite" restart="never" nodeType="tmRoot"/>
       </p:par>
     </p:tnLst>
   </p:timing>
 </p:sld>
+</file>
+
+<file path=ppt/tags/tag1.xml><?xml version="1.0" encoding="utf-8"?>
+<p:tagLst xmlns:a="http://schemas.openxmlformats.org/drawingml/2006/main" xmlns:r="http://schemas.openxmlformats.org/officeDocument/2006/relationships" xmlns:p="http://schemas.openxmlformats.org/presentationml/2006/main">
+  <p:tag name="ORIGINALHEIGHT" val="491.25"/>
+  <p:tag name="ORIGINALWIDTH" val="3335.25"/>
+  <p:tag name="OUTPUTDPI" val="1200"/>
+  <p:tag name="LATEXADDIN" val="\documentclass{article}&#10;\usepackage{amsmath}&#10;\usepackage{amsfonts} &#10;\pagestyle{empty}&#10;\begin{document}&#10;&#10;Define the lattice &#10;$$ L = Z\omega_{1} + Z \omega_{2}$$ Then there exists an elliptic curve that is isomorphic to $\mathbb{C}/ L$. &#10;&#10;&#10;\end{document}"/>
+  <p:tag name="IGUANATEXSIZE" val="20"/>
+  <p:tag name="IGUANATEXCURSOR" val="105"/>
+  <p:tag name="TRANSPARENCY" val="True"/>
+  <p:tag name="FILENAME" val=""/>
+  <p:tag name="INPUTTYPE" val="0"/>
+  <p:tag name="LATEXENGINEID" val="0"/>
+  <p:tag name="TEMPFOLDER" val="c:\temp\"/>
+</p:tagLst>
+</file>
+
+<file path=ppt/tags/tag2.xml><?xml version="1.0" encoding="utf-8"?>
+<p:tagLst xmlns:a="http://schemas.openxmlformats.org/drawingml/2006/main" xmlns:r="http://schemas.openxmlformats.org/officeDocument/2006/relationships" xmlns:p="http://schemas.openxmlformats.org/presentationml/2006/main">
+  <p:tag name="ORIGINALHEIGHT" val="491.25"/>
+  <p:tag name="ORIGINALWIDTH" val="3335.25"/>
+  <p:tag name="OUTPUTDPI" val="1200"/>
+  <p:tag name="LATEXADDIN" val="\documentclass{article}&#10;\usepackage{amsmath}&#10;\usepackage{amsfonts} &#10;\pagestyle{empty}&#10;\begin{document}&#10;&#10;Define the lattice &#10;$$ L = Z\omega_{1} + Z \omega_{2}$$ Then there exists an elliptic curve that is isomorphic to $\mathbb{C}/ L$. &#10;&#10;&#10;\end{document}"/>
+  <p:tag name="IGUANATEXSIZE" val="20"/>
+  <p:tag name="IGUANATEXCURSOR" val="105"/>
+  <p:tag name="TRANSPARENCY" val="True"/>
+  <p:tag name="FILENAME" val=""/>
+  <p:tag name="INPUTTYPE" val="0"/>
+  <p:tag name="LATEXENGINEID" val="0"/>
+  <p:tag name="TEMPFOLDER" val="c:\temp\"/>
+</p:tagLst>
+</file>
+
+<file path=ppt/tags/tag3.xml><?xml version="1.0" encoding="utf-8"?>
+<p:tagLst xmlns:a="http://schemas.openxmlformats.org/drawingml/2006/main" xmlns:r="http://schemas.openxmlformats.org/officeDocument/2006/relationships" xmlns:p="http://schemas.openxmlformats.org/presentationml/2006/main">
+  <p:tag name="ORIGINALHEIGHT" val="124.5"/>
+  <p:tag name="ORIGINALWIDTH" val="1459.5"/>
+  <p:tag name="OUTPUTDPI" val="1200"/>
+  <p:tag name="LATEXADDIN" val="\documentclass{article}&#10;\usepackage{amsmath}&#10;\pagestyle{empty}&#10;\begin{document}&#10;&#10;&#10;$z \rightarrow ( \wp(z), \wp' (z)), \&gt; \&gt; \&gt; \&gt; \&gt; 0 \rightarrow O $&#10;&#10;\end{document}"/>
+  <p:tag name="IGUANATEXSIZE" val="20"/>
+  <p:tag name="IGUANATEXCURSOR" val="150"/>
+  <p:tag name="TRANSPARENCY" val="True"/>
+  <p:tag name="FILENAME" val=""/>
+  <p:tag name="INPUTTYPE" val="0"/>
+  <p:tag name="LATEXENGINEID" val="0"/>
+  <p:tag name="TEMPFOLDER" val="c:\temp\"/>
+</p:tagLst>
+</file>
+
+<file path=ppt/tags/tag4.xml><?xml version="1.0" encoding="utf-8"?>
+<p:tagLst xmlns:a="http://schemas.openxmlformats.org/drawingml/2006/main" xmlns:r="http://schemas.openxmlformats.org/officeDocument/2006/relationships" xmlns:p="http://schemas.openxmlformats.org/presentationml/2006/main">
+  <p:tag name="ORIGINALHEIGHT" val="224.25"/>
+  <p:tag name="ORIGINALWIDTH" val="1812.75"/>
+  <p:tag name="OUTPUTDPI" val="1200"/>
+  <p:tag name="LATEXADDIN" val="\documentclass{article}&#10;\usepackage{amsmath}&#10;\pagestyle{empty}&#10;\begin{document}&#10;&#10;$\wp(z) = \frac{1}{z^{2}} + \sum_{\omega \in L}\left(\frac{1}{(z-\omega)^{2}} - \frac{1}{\omega^{2}}\right) $&#10;&#10;&#10;\end{document}"/>
+  <p:tag name="IGUANATEXSIZE" val="20"/>
+  <p:tag name="IGUANATEXCURSOR" val="82"/>
+  <p:tag name="TRANSPARENCY" val="True"/>
+  <p:tag name="FILENAME" val=""/>
+  <p:tag name="INPUTTYPE" val="0"/>
+  <p:tag name="LATEXENGINEID" val="0"/>
+  <p:tag name="TEMPFOLDER" val="c:\temp\"/>
+</p:tagLst>
+</file>
+
+<file path=ppt/tags/tag5.xml><?xml version="1.0" encoding="utf-8"?>
+<p:tagLst xmlns:a="http://schemas.openxmlformats.org/drawingml/2006/main" xmlns:r="http://schemas.openxmlformats.org/officeDocument/2006/relationships" xmlns:p="http://schemas.openxmlformats.org/presentationml/2006/main">
+  <p:tag name="ORIGINALHEIGHT" val="171.75"/>
+  <p:tag name="ORIGINALWIDTH" val="1308"/>
+  <p:tag name="OUTPUTDPI" val="1200"/>
+  <p:tag name="LATEXADDIN" val="\documentclass{article}&#10;\usepackage{amsmath}&#10;\pagestyle{empty}&#10;\begin{document}&#10;&#10;$\wp ' (z) = -2 \sum_{\omega \in L} \frac{1}{(z- \omega)^{2}} $&#10;&#10;&#10;\end{document}"/>
+  <p:tag name="IGUANATEXSIZE" val="20"/>
+  <p:tag name="IGUANATEXCURSOR" val="144"/>
+  <p:tag name="TRANSPARENCY" val="True"/>
+  <p:tag name="FILENAME" val=""/>
+  <p:tag name="INPUTTYPE" val="0"/>
+  <p:tag name="LATEXENGINEID" val="0"/>
+  <p:tag name="TEMPFOLDER" val="c:\temp\"/>
+</p:tagLst>
+</file>
+
+<file path=ppt/tags/tag6.xml><?xml version="1.0" encoding="utf-8"?>
+<p:tagLst xmlns:a="http://schemas.openxmlformats.org/drawingml/2006/main" xmlns:r="http://schemas.openxmlformats.org/officeDocument/2006/relationships" xmlns:p="http://schemas.openxmlformats.org/presentationml/2006/main">
+  <p:tag name="ORIGINALHEIGHT" val="124.5"/>
+  <p:tag name="ORIGINALWIDTH" val="3126"/>
+  <p:tag name="OUTPUTDPI" val="1200"/>
+  <p:tag name="LATEXADDIN" val="\documentclass{article}&#10;\usepackage{amsmath}&#10;\pagestyle{empty}&#10;\begin{document}&#10;&#10;$(\wp(z_{1}), \wp'(z_{1})) \oplus (\wp(z_{2}), \wp'(z_{2})) = (\wp(z_{1} + z_{2}), \wp'(z_{1} + z_{2})) $&#10;&#10;&#10;\end{document}"/>
+  <p:tag name="IGUANATEXSIZE" val="20"/>
+  <p:tag name="IGUANATEXCURSOR" val="82"/>
+  <p:tag name="TRANSPARENCY" val="True"/>
+  <p:tag name="FILENAME" val=""/>
+  <p:tag name="INPUTTYPE" val="0"/>
+  <p:tag name="LATEXENGINEID" val="0"/>
+  <p:tag name="TEMPFOLDER" val="c:\temp\"/>
+</p:tagLst>
+</file>
+
+<file path=ppt/tags/tag7.xml><?xml version="1.0" encoding="utf-8"?>
+<p:tagLst xmlns:a="http://schemas.openxmlformats.org/drawingml/2006/main" xmlns:r="http://schemas.openxmlformats.org/officeDocument/2006/relationships" xmlns:p="http://schemas.openxmlformats.org/presentationml/2006/main">
+  <p:tag name="ORIGINALHEIGHT" val="124.5"/>
+  <p:tag name="ORIGINALWIDTH" val="3126"/>
+  <p:tag name="OUTPUTDPI" val="1200"/>
+  <p:tag name="LATEXADDIN" val="\documentclass{article}&#10;\usepackage{amsmath}&#10;\pagestyle{empty}&#10;\begin{document}&#10;&#10;$(\wp(z_{1}), \wp'(z_{1})) \oplus (\wp(z_{2}), \wp'(z_{2})) = (\wp(z_{1} + z_{2}), \wp'(z_{1} + z_{2})) $&#10;&#10;&#10;\end{document}"/>
+  <p:tag name="IGUANATEXSIZE" val="20"/>
+  <p:tag name="IGUANATEXCURSOR" val="82"/>
+  <p:tag name="TRANSPARENCY" val="True"/>
+  <p:tag name="FILENAME" val=""/>
+  <p:tag name="INPUTTYPE" val="0"/>
+  <p:tag name="LATEXENGINEID" val="0"/>
+  <p:tag name="TEMPFOLDER" val="c:\temp\"/>
+</p:tagLst>
+</file>
+
+<file path=ppt/tags/tag8.xml><?xml version="1.0" encoding="utf-8"?>
+<p:tagLst xmlns:a="http://schemas.openxmlformats.org/drawingml/2006/main" xmlns:r="http://schemas.openxmlformats.org/officeDocument/2006/relationships" xmlns:p="http://schemas.openxmlformats.org/presentationml/2006/main">
+  <p:tag name="ORIGINALHEIGHT" val="124.5"/>
+  <p:tag name="ORIGINALWIDTH" val="2398.5"/>
+  <p:tag name="OUTPUTDPI" val="1200"/>
+  <p:tag name="LATEXADDIN" val="\documentclass{article}&#10;\usepackage{amsmath}&#10;\pagestyle{empty}&#10;\begin{document}&#10;&#10;&#10;$mz \rightarrow(\wp(mz), \wp'(mz)): m(x,y) \rightarrow [m](x,y)$ &#10;&#10;\end{document}"/>
+  <p:tag name="IGUANATEXSIZE" val="20"/>
+  <p:tag name="IGUANATEXCURSOR" val="147"/>
+  <p:tag name="TRANSPARENCY" val="True"/>
+  <p:tag name="FILENAME" val=""/>
+  <p:tag name="INPUTTYPE" val="0"/>
+  <p:tag name="LATEXENGINEID" val="0"/>
+  <p:tag name="TEMPFOLDER" val="c:\temp\"/>
+</p:tagLst>
+</file>
+
+<file path=ppt/tags/tag9.xml><?xml version="1.0" encoding="utf-8"?>
+<p:tagLst xmlns:a="http://schemas.openxmlformats.org/drawingml/2006/main" xmlns:r="http://schemas.openxmlformats.org/officeDocument/2006/relationships" xmlns:p="http://schemas.openxmlformats.org/presentationml/2006/main">
+  <p:tag name="ORIGINALHEIGHT" val="299.25"/>
+  <p:tag name="ORIGINALWIDTH" val="4287.75"/>
+  <p:tag name="OUTPUTDPI" val="1200"/>
+  <p:tag name="LATEXADDIN" val="\documentclass{article}&#10;\usepackage{amsmath}&#10;\pagestyle{empty}&#10;\begin{document}&#10;&#10;$Z[\frac{1 + \sqrt{-D}}{2}]$ if $D \equiv 3 \mod 4$  or $Z[\sqrt{-D}]$ if $D \equiv 1,2 \mod 4$ where $D$ is squarefree.&#10;&#10;&#10;\end{document}"/>
+  <p:tag name="IGUANATEXSIZE" val="20"/>
+  <p:tag name="IGUANATEXCURSOR" val="201"/>
+  <p:tag name="TRANSPARENCY" val="True"/>
+  <p:tag name="FILENAME" val=""/>
+  <p:tag name="INPUTTYPE" val="0"/>
+  <p:tag name="LATEXENGINEID" val="0"/>
+  <p:tag name="TEMPFOLDER" val="c:\temp\"/>
+</p:tagLst>
 </file>
 
 <file path=ppt/theme/theme1.xml><?xml version="1.0" encoding="utf-8"?>

--- a/Presentation.ppt.pptx
+++ b/Presentation.ppt.pptx
@@ -11,13 +11,14 @@
     <p:sldId id="258" r:id="rId5"/>
     <p:sldId id="259" r:id="rId6"/>
     <p:sldId id="260" r:id="rId7"/>
-    <p:sldId id="264" r:id="rId8"/>
-    <p:sldId id="265" r:id="rId9"/>
-    <p:sldId id="267" r:id="rId10"/>
-    <p:sldId id="266" r:id="rId11"/>
-    <p:sldId id="268" r:id="rId12"/>
-    <p:sldId id="269" r:id="rId13"/>
-    <p:sldId id="270" r:id="rId14"/>
+    <p:sldId id="275" r:id="rId8"/>
+    <p:sldId id="264" r:id="rId9"/>
+    <p:sldId id="271" r:id="rId10"/>
+    <p:sldId id="272" r:id="rId11"/>
+    <p:sldId id="273" r:id="rId12"/>
+    <p:sldId id="274" r:id="rId13"/>
+    <p:sldId id="265" r:id="rId14"/>
+    <p:sldId id="267" r:id="rId15"/>
   </p:sldIdLst>
   <p:sldSz cx="12192000" cy="6858000"/>
   <p:notesSz cx="6858000" cy="9144000"/>
@@ -118,7 +119,7 @@
   </p:defaultTextStyle>
   <p:extLst>
     <p:ext uri="{EFAFB233-063F-42B5-8137-9DF3F51BA10A}">
-      <p15:sldGuideLst xmlns:p15="http://schemas.microsoft.com/office/powerpoint/2012/main">
+      <p15:sldGuideLst xmlns:p15="http://schemas.microsoft.com/office/powerpoint/2012/main" xmlns="">
         <p15:guide id="1" orient="horz" pos="2160">
           <p15:clr>
             <a:srgbClr val="A4A3A4"/>
@@ -260,7 +261,7 @@
           <a:p>
             <a:fld id="{0A2C9084-70B7-4828-AD77-7D77F1A8B45B}" type="datetimeFigureOut">
               <a:rPr lang="en-US" smtClean="0"/>
-              <a:t>12/1/2015</a:t>
+              <a:t>12/2/15</a:t>
             </a:fld>
             <a:endParaRPr lang="en-US"/>
           </a:p>
@@ -893,7 +894,7 @@
           <a:p>
             <a:fld id="{0A2C9084-70B7-4828-AD77-7D77F1A8B45B}" type="datetimeFigureOut">
               <a:rPr lang="en-US" smtClean="0"/>
-              <a:t>12/1/2015</a:t>
+              <a:t>12/2/15</a:t>
             </a:fld>
             <a:endParaRPr lang="en-US"/>
           </a:p>
@@ -1170,7 +1171,7 @@
           <a:p>
             <a:fld id="{0A2C9084-70B7-4828-AD77-7D77F1A8B45B}" type="datetimeFigureOut">
               <a:rPr lang="en-US" smtClean="0"/>
-              <a:t>12/1/2015</a:t>
+              <a:t>12/2/15</a:t>
             </a:fld>
             <a:endParaRPr lang="en-US"/>
           </a:p>
@@ -1335,7 +1336,7 @@
           <a:p>
             <a:fld id="{0A2C9084-70B7-4828-AD77-7D77F1A8B45B}" type="datetimeFigureOut">
               <a:rPr lang="en-US" smtClean="0"/>
-              <a:t>12/1/2015</a:t>
+              <a:t>12/2/15</a:t>
             </a:fld>
             <a:endParaRPr lang="en-US"/>
           </a:p>
@@ -1516,7 +1517,7 @@
           <a:p>
             <a:fld id="{0A2C9084-70B7-4828-AD77-7D77F1A8B45B}" type="datetimeFigureOut">
               <a:rPr lang="en-US" smtClean="0"/>
-              <a:t>12/1/2015</a:t>
+              <a:t>12/2/15</a:t>
             </a:fld>
             <a:endParaRPr lang="en-US"/>
           </a:p>
@@ -2161,7 +2162,7 @@
           <a:p>
             <a:fld id="{0A2C9084-70B7-4828-AD77-7D77F1A8B45B}" type="datetimeFigureOut">
               <a:rPr lang="en-US" smtClean="0"/>
-              <a:t>12/1/2015</a:t>
+              <a:t>12/2/15</a:t>
             </a:fld>
             <a:endParaRPr lang="en-US"/>
           </a:p>
@@ -2587,7 +2588,7 @@
           <a:p>
             <a:fld id="{0A2C9084-70B7-4828-AD77-7D77F1A8B45B}" type="datetimeFigureOut">
               <a:rPr lang="en-US" smtClean="0"/>
-              <a:t>12/1/2015</a:t>
+              <a:t>12/2/15</a:t>
             </a:fld>
             <a:endParaRPr lang="en-US"/>
           </a:p>
@@ -2700,7 +2701,7 @@
           <a:p>
             <a:fld id="{0A2C9084-70B7-4828-AD77-7D77F1A8B45B}" type="datetimeFigureOut">
               <a:rPr lang="en-US" smtClean="0"/>
-              <a:t>12/1/2015</a:t>
+              <a:t>12/2/15</a:t>
             </a:fld>
             <a:endParaRPr lang="en-US"/>
           </a:p>
@@ -2881,7 +2882,7 @@
           <a:p>
             <a:fld id="{0A2C9084-70B7-4828-AD77-7D77F1A8B45B}" type="datetimeFigureOut">
               <a:rPr lang="en-US" smtClean="0"/>
-              <a:t>12/1/2015</a:t>
+              <a:t>12/2/15</a:t>
             </a:fld>
             <a:endParaRPr lang="en-US"/>
           </a:p>
@@ -3147,7 +3148,7 @@
           <a:p>
             <a:fld id="{0A2C9084-70B7-4828-AD77-7D77F1A8B45B}" type="datetimeFigureOut">
               <a:rPr lang="en-US" smtClean="0"/>
-              <a:t>12/1/2015</a:t>
+              <a:t>12/2/15</a:t>
             </a:fld>
             <a:endParaRPr lang="en-US"/>
           </a:p>
@@ -3617,7 +3618,7 @@
           <a:p>
             <a:fld id="{0A2C9084-70B7-4828-AD77-7D77F1A8B45B}" type="datetimeFigureOut">
               <a:rPr lang="en-US" smtClean="0"/>
-              <a:t>12/1/2015</a:t>
+              <a:t>12/2/15</a:t>
             </a:fld>
             <a:endParaRPr lang="en-US"/>
           </a:p>
@@ -4177,7 +4178,7 @@
           <a:p>
             <a:fld id="{0A2C9084-70B7-4828-AD77-7D77F1A8B45B}" type="datetimeFigureOut">
               <a:rPr lang="en-US" smtClean="0"/>
-              <a:t>12/1/2015</a:t>
+              <a:t>12/2/15</a:t>
             </a:fld>
             <a:endParaRPr lang="en-US"/>
           </a:p>
@@ -4834,7 +4835,7 @@
   <p:timing>
     <p:tnLst>
       <p:par>
-        <p:cTn id="1" dur="indefinite" restart="never" nodeType="tmRoot"/>
+        <p:cTn xmlns:p14="http://schemas.microsoft.com/office/powerpoint/2010/main" id="1" dur="indefinite" restart="never" nodeType="tmRoot"/>
       </p:par>
     </p:tnLst>
   </p:timing>
@@ -4860,6 +4861,53 @@
       </p:grpSpPr>
       <p:sp>
         <p:nvSpPr>
+          <p:cNvPr id="10" name="Rectangle 9"/>
+          <p:cNvSpPr/>
+          <p:nvPr/>
+        </p:nvSpPr>
+        <p:spPr>
+          <a:xfrm>
+            <a:off x="185660" y="1752601"/>
+            <a:ext cx="11779249" cy="5016500"/>
+          </a:xfrm>
+          <a:prstGeom prst="rect">
+            <a:avLst/>
+          </a:prstGeom>
+          <a:solidFill>
+            <a:schemeClr val="bg1"/>
+          </a:solidFill>
+          <a:ln>
+            <a:solidFill>
+              <a:srgbClr val="F7F7F7"/>
+            </a:solidFill>
+          </a:ln>
+          <a:effectLst/>
+        </p:spPr>
+        <p:style>
+          <a:lnRef idx="1">
+            <a:schemeClr val="accent1"/>
+          </a:lnRef>
+          <a:fillRef idx="3">
+            <a:schemeClr val="accent1"/>
+          </a:fillRef>
+          <a:effectRef idx="2">
+            <a:schemeClr val="accent1"/>
+          </a:effectRef>
+          <a:fontRef idx="minor">
+            <a:schemeClr val="lt1"/>
+          </a:fontRef>
+        </p:style>
+        <p:txBody>
+          <a:bodyPr rtlCol="0" anchor="ctr"/>
+          <a:lstStyle/>
+          <a:p>
+            <a:pPr algn="ctr"/>
+            <a:endParaRPr lang="en-US"/>
+          </a:p>
+        </p:txBody>
+      </p:sp>
+      <p:sp>
+        <p:nvSpPr>
           <p:cNvPr id="2" name="Title 1"/>
           <p:cNvSpPr>
             <a:spLocks noGrp="1"/>
@@ -4874,28 +4922,8 @@
           <a:lstStyle/>
           <a:p>
             <a:r>
-              <a:rPr lang="en-US" dirty="0" err="1" smtClean="0"/>
-              <a:t>Dupont</a:t>
-            </a:r>
-            <a:r>
-              <a:rPr lang="en-US" dirty="0"/>
-              <a:t> </a:t>
-            </a:r>
-            <a:r>
-              <a:rPr lang="en-US" dirty="0" err="1" smtClean="0"/>
-              <a:t>Enge</a:t>
-            </a:r>
-            <a:r>
-              <a:rPr lang="en-US" dirty="0" smtClean="0"/>
-              <a:t> </a:t>
-            </a:r>
-            <a:r>
-              <a:rPr lang="en-US" dirty="0" err="1" smtClean="0"/>
-              <a:t>Morain</a:t>
-            </a:r>
-            <a:r>
-              <a:rPr lang="en-US" dirty="0" smtClean="0"/>
-              <a:t> Method</a:t>
+              <a:rPr lang="en-US" dirty="0" smtClean="0"/>
+              <a:t>Endomorphism rings</a:t>
             </a:r>
             <a:endParaRPr lang="en-US" dirty="0"/>
           </a:p>
@@ -4916,14 +4944,245 @@
           <a:bodyPr/>
           <a:lstStyle/>
           <a:p>
+            <a:pPr marL="114300" indent="0">
+              <a:buNone/>
+            </a:pPr>
+            <a:r>
+              <a:rPr lang="en-US" dirty="0" smtClean="0"/>
+              <a:t>Key result:</a:t>
+            </a:r>
+          </a:p>
+          <a:p>
+            <a:pPr marL="114300" indent="0">
+              <a:buNone/>
+            </a:pPr>
             <a:endParaRPr lang="en-US" dirty="0"/>
           </a:p>
-        </p:txBody>
-      </p:sp>
+          <a:p>
+            <a:pPr marL="114300" indent="0">
+              <a:buNone/>
+            </a:pPr>
+            <a:endParaRPr lang="en-US" dirty="0" smtClean="0"/>
+          </a:p>
+          <a:p>
+            <a:pPr marL="114300" indent="0">
+              <a:buNone/>
+            </a:pPr>
+            <a:r>
+              <a:rPr lang="en-US" dirty="0" smtClean="0"/>
+              <a:t>As it turns out, End(E) is isomorphic to an order in a quadratic imaginary field:</a:t>
+            </a:r>
+          </a:p>
+          <a:p>
+            <a:pPr marL="114300" indent="0">
+              <a:buNone/>
+            </a:pPr>
+            <a:r>
+              <a:rPr lang="en-US" dirty="0" smtClean="0"/>
+              <a:t>                                                 or</a:t>
+            </a:r>
+          </a:p>
+          <a:p>
+            <a:pPr marL="114300" indent="0">
+              <a:buNone/>
+            </a:pPr>
+            <a:endParaRPr lang="en-US" dirty="0"/>
+          </a:p>
+          <a:p>
+            <a:pPr marL="114300" indent="0">
+              <a:buNone/>
+            </a:pPr>
+            <a:r>
+              <a:rPr lang="en-US" dirty="0" smtClean="0"/>
+              <a:t>This ring has discriminant           or              , called the CM discriminant </a:t>
+            </a:r>
+          </a:p>
+          <a:p>
+            <a:pPr marL="114300" indent="0">
+              <a:buNone/>
+            </a:pPr>
+            <a:endParaRPr lang="en-US" dirty="0"/>
+          </a:p>
+          <a:p>
+            <a:pPr marL="114300" indent="0">
+              <a:buNone/>
+            </a:pPr>
+            <a:endParaRPr lang="en-US" dirty="0" smtClean="0"/>
+          </a:p>
+          <a:p>
+            <a:pPr marL="114300" indent="0">
+              <a:buNone/>
+            </a:pPr>
+            <a:endParaRPr lang="en-US" dirty="0" smtClean="0"/>
+          </a:p>
+          <a:p>
+            <a:pPr marL="114300" indent="0">
+              <a:buNone/>
+            </a:pPr>
+            <a:endParaRPr lang="en-US" dirty="0"/>
+          </a:p>
+          <a:p>
+            <a:pPr marL="114300" indent="0">
+              <a:buNone/>
+            </a:pPr>
+            <a:endParaRPr lang="en-US" dirty="0"/>
+          </a:p>
+        </p:txBody>
+      </p:sp>
+      <p:pic>
+        <p:nvPicPr>
+          <p:cNvPr id="5" name="Picture 4" descr="latex-image-1.pdf"/>
+          <p:cNvPicPr>
+            <a:picLocks noChangeAspect="1"/>
+          </p:cNvPicPr>
+          <p:nvPr/>
+        </p:nvPicPr>
+        <p:blipFill>
+          <a:blip r:embed="rId2">
+            <a:extLst>
+              <a:ext uri="{28A0092B-C50C-407E-A947-70E740481C1C}">
+                <a14:useLocalDpi xmlns:a14="http://schemas.microsoft.com/office/drawing/2010/main" val="0"/>
+              </a:ext>
+            </a:extLst>
+          </a:blip>
+          <a:stretch>
+            <a:fillRect/>
+          </a:stretch>
+        </p:blipFill>
+        <p:spPr>
+          <a:xfrm>
+            <a:off x="5570253" y="3697468"/>
+            <a:ext cx="3427968" cy="762556"/>
+          </a:xfrm>
+          <a:prstGeom prst="rect">
+            <a:avLst/>
+          </a:prstGeom>
+        </p:spPr>
+      </p:pic>
+      <p:pic>
+        <p:nvPicPr>
+          <p:cNvPr id="6" name="Picture 5" descr="latex-image-1.pdf"/>
+          <p:cNvPicPr>
+            <a:picLocks noChangeAspect="1"/>
+          </p:cNvPicPr>
+          <p:nvPr/>
+        </p:nvPicPr>
+        <p:blipFill>
+          <a:blip r:embed="rId3">
+            <a:extLst>
+              <a:ext uri="{28A0092B-C50C-407E-A947-70E740481C1C}">
+                <a14:useLocalDpi xmlns:a14="http://schemas.microsoft.com/office/drawing/2010/main" val="0"/>
+              </a:ext>
+            </a:extLst>
+          </a:blip>
+          <a:stretch>
+            <a:fillRect/>
+          </a:stretch>
+        </p:blipFill>
+        <p:spPr>
+          <a:xfrm>
+            <a:off x="1912275" y="3923346"/>
+            <a:ext cx="2763825" cy="402396"/>
+          </a:xfrm>
+          <a:prstGeom prst="rect">
+            <a:avLst/>
+          </a:prstGeom>
+        </p:spPr>
+      </p:pic>
+      <p:pic>
+        <p:nvPicPr>
+          <p:cNvPr id="11" name="Picture 10" descr="latex-image-1.pdf"/>
+          <p:cNvPicPr>
+            <a:picLocks noChangeAspect="1"/>
+          </p:cNvPicPr>
+          <p:nvPr/>
+        </p:nvPicPr>
+        <p:blipFill>
+          <a:blip r:embed="rId4">
+            <a:extLst>
+              <a:ext uri="{28A0092B-C50C-407E-A947-70E740481C1C}">
+                <a14:useLocalDpi xmlns:a14="http://schemas.microsoft.com/office/drawing/2010/main" val="0"/>
+              </a:ext>
+            </a:extLst>
+          </a:blip>
+          <a:stretch>
+            <a:fillRect/>
+          </a:stretch>
+        </p:blipFill>
+        <p:spPr>
+          <a:xfrm>
+            <a:off x="1938989" y="2477243"/>
+            <a:ext cx="3976235" cy="339520"/>
+          </a:xfrm>
+          <a:prstGeom prst="rect">
+            <a:avLst/>
+          </a:prstGeom>
+        </p:spPr>
+      </p:pic>
+      <p:pic>
+        <p:nvPicPr>
+          <p:cNvPr id="12" name="Picture 11" descr="latex-image-1.pdf"/>
+          <p:cNvPicPr>
+            <a:picLocks noChangeAspect="1"/>
+          </p:cNvPicPr>
+          <p:nvPr/>
+        </p:nvPicPr>
+        <p:blipFill>
+          <a:blip r:embed="rId5">
+            <a:extLst>
+              <a:ext uri="{28A0092B-C50C-407E-A947-70E740481C1C}">
+                <a14:useLocalDpi xmlns:a14="http://schemas.microsoft.com/office/drawing/2010/main" val="0"/>
+              </a:ext>
+            </a:extLst>
+          </a:blip>
+          <a:stretch>
+            <a:fillRect/>
+          </a:stretch>
+        </p:blipFill>
+        <p:spPr>
+          <a:xfrm>
+            <a:off x="4558624" y="4816161"/>
+            <a:ext cx="601305" cy="364954"/>
+          </a:xfrm>
+          <a:prstGeom prst="rect">
+            <a:avLst/>
+          </a:prstGeom>
+        </p:spPr>
+      </p:pic>
+      <p:pic>
+        <p:nvPicPr>
+          <p:cNvPr id="13" name="Picture 12" descr="latex-image-1.pdf"/>
+          <p:cNvPicPr>
+            <a:picLocks noChangeAspect="1"/>
+          </p:cNvPicPr>
+          <p:nvPr/>
+        </p:nvPicPr>
+        <p:blipFill>
+          <a:blip r:embed="rId6">
+            <a:extLst>
+              <a:ext uri="{28A0092B-C50C-407E-A947-70E740481C1C}">
+                <a14:useLocalDpi xmlns:a14="http://schemas.microsoft.com/office/drawing/2010/main" val="0"/>
+              </a:ext>
+            </a:extLst>
+          </a:blip>
+          <a:stretch>
+            <a:fillRect/>
+          </a:stretch>
+        </p:blipFill>
+        <p:spPr>
+          <a:xfrm>
+            <a:off x="5760697" y="4791012"/>
+            <a:ext cx="937287" cy="415254"/>
+          </a:xfrm>
+          <a:prstGeom prst="rect">
+            <a:avLst/>
+          </a:prstGeom>
+        </p:spPr>
+      </p:pic>
     </p:spTree>
     <p:extLst>
       <p:ext uri="{BB962C8B-B14F-4D97-AF65-F5344CB8AC3E}">
-        <p14:creationId xmlns:p14="http://schemas.microsoft.com/office/powerpoint/2010/main" val="1318816542"/>
+        <p14:creationId xmlns:p14="http://schemas.microsoft.com/office/powerpoint/2010/main" val="981083299"/>
       </p:ext>
     </p:extLst>
   </p:cSld>
@@ -4933,7 +5192,7 @@
   <p:timing>
     <p:tnLst>
       <p:par>
-        <p:cTn id="1" dur="indefinite" restart="never" nodeType="tmRoot"/>
+        <p:cTn xmlns:p14="http://schemas.microsoft.com/office/powerpoint/2010/main" id="1" dur="indefinite" restart="never" nodeType="tmRoot"/>
       </p:par>
     </p:tnLst>
   </p:timing>
@@ -4959,6 +5218,53 @@
       </p:grpSpPr>
       <p:sp>
         <p:nvSpPr>
+          <p:cNvPr id="7" name="Rectangle 6"/>
+          <p:cNvSpPr/>
+          <p:nvPr/>
+        </p:nvSpPr>
+        <p:spPr>
+          <a:xfrm>
+            <a:off x="185660" y="1752601"/>
+            <a:ext cx="11779249" cy="5016500"/>
+          </a:xfrm>
+          <a:prstGeom prst="rect">
+            <a:avLst/>
+          </a:prstGeom>
+          <a:solidFill>
+            <a:schemeClr val="bg1"/>
+          </a:solidFill>
+          <a:ln>
+            <a:solidFill>
+              <a:srgbClr val="F7F7F7"/>
+            </a:solidFill>
+          </a:ln>
+          <a:effectLst/>
+        </p:spPr>
+        <p:style>
+          <a:lnRef idx="1">
+            <a:schemeClr val="accent1"/>
+          </a:lnRef>
+          <a:fillRef idx="3">
+            <a:schemeClr val="accent1"/>
+          </a:fillRef>
+          <a:effectRef idx="2">
+            <a:schemeClr val="accent1"/>
+          </a:effectRef>
+          <a:fontRef idx="minor">
+            <a:schemeClr val="lt1"/>
+          </a:fontRef>
+        </p:style>
+        <p:txBody>
+          <a:bodyPr rtlCol="0" anchor="ctr"/>
+          <a:lstStyle/>
+          <a:p>
+            <a:pPr algn="ctr"/>
+            <a:endParaRPr lang="en-US"/>
+          </a:p>
+        </p:txBody>
+      </p:sp>
+      <p:sp>
+        <p:nvSpPr>
           <p:cNvPr id="2" name="Title 1"/>
           <p:cNvSpPr>
             <a:spLocks noGrp="1"/>
@@ -4974,7 +5280,7 @@
           <a:p>
             <a:r>
               <a:rPr lang="en-US" dirty="0" smtClean="0"/>
-              <a:t>Complex Lattices </a:t>
+              <a:t>Back to Finite Fields</a:t>
             </a:r>
             <a:endParaRPr lang="en-US" dirty="0"/>
           </a:p>
@@ -4990,7 +5296,12 @@
             <p:ph idx="1"/>
           </p:nvPr>
         </p:nvSpPr>
-        <p:spPr/>
+        <p:spPr>
+          <a:xfrm>
+            <a:off x="609600" y="1752601"/>
+            <a:ext cx="10972800" cy="4736013"/>
+          </a:xfrm>
+        </p:spPr>
         <p:txBody>
           <a:bodyPr/>
           <a:lstStyle/>
@@ -5000,26 +5311,98 @@
             </a:pPr>
             <a:r>
               <a:rPr lang="en-US" dirty="0" smtClean="0"/>
-              <a:t>All elliptic curves are lattices, i.e. </a:t>
-            </a:r>
+              <a:t>Every elliptic curve has</a:t>
+            </a:r>
+          </a:p>
+          <a:p>
+            <a:pPr marL="114300" indent="0">
+              <a:buNone/>
+            </a:pPr>
             <a:endParaRPr lang="en-US" dirty="0"/>
+          </a:p>
+          <a:p>
+            <a:pPr marL="114300" indent="0">
+              <a:buNone/>
+            </a:pPr>
+            <a:r>
+              <a:rPr lang="en-US" dirty="0" smtClean="0"/>
+              <a:t>Over finite fields,                                 </a:t>
+            </a:r>
+          </a:p>
+          <a:p>
+            <a:pPr marL="114300" indent="0">
+              <a:buNone/>
+            </a:pPr>
+            <a:endParaRPr lang="en-US" dirty="0"/>
+          </a:p>
+          <a:p>
+            <a:pPr marL="114300" indent="0">
+              <a:buNone/>
+            </a:pPr>
+            <a:r>
+              <a:rPr lang="en-US" dirty="0" smtClean="0"/>
+              <a:t>Reason: The </a:t>
+            </a:r>
+            <a:r>
+              <a:rPr lang="en-US" dirty="0" err="1" smtClean="0"/>
+              <a:t>Frobenius</a:t>
+            </a:r>
+            <a:r>
+              <a:rPr lang="en-US" dirty="0" smtClean="0"/>
+              <a:t> Endomorphism</a:t>
+            </a:r>
+          </a:p>
+          <a:p>
+            <a:pPr marL="114300" indent="0">
+              <a:buNone/>
+            </a:pPr>
+            <a:endParaRPr lang="en-US" dirty="0"/>
+          </a:p>
+          <a:p>
+            <a:pPr marL="114300" indent="0">
+              <a:buNone/>
+            </a:pPr>
+            <a:r>
+              <a:rPr lang="en-US" dirty="0" smtClean="0"/>
+              <a:t>All curves over        have complex multiplication </a:t>
+            </a:r>
+          </a:p>
+          <a:p>
+            <a:pPr marL="114300" indent="0">
+              <a:buNone/>
+            </a:pPr>
+            <a:r>
+              <a:rPr lang="en-US" dirty="0" smtClean="0"/>
+              <a:t>From this, we get the CM equation: </a:t>
+            </a:r>
+          </a:p>
+          <a:p>
+            <a:pPr marL="114300" indent="0">
+              <a:buNone/>
+            </a:pPr>
+            <a:endParaRPr lang="en-US" dirty="0"/>
+          </a:p>
+          <a:p>
+            <a:pPr marL="114300" indent="0">
+              <a:buNone/>
+            </a:pPr>
+            <a:r>
+              <a:rPr lang="en-US" dirty="0" smtClean="0"/>
+              <a:t>                                                         or</a:t>
+            </a:r>
           </a:p>
         </p:txBody>
       </p:sp>
       <p:pic>
         <p:nvPicPr>
-          <p:cNvPr id="5" name="Picture 4"/>
+          <p:cNvPr id="5" name="Picture 4" descr="latex-image-1.pdf"/>
           <p:cNvPicPr>
             <a:picLocks noChangeAspect="1"/>
           </p:cNvPicPr>
-          <p:nvPr>
-            <p:custDataLst>
-              <p:tags r:id="rId1"/>
-            </p:custDataLst>
-          </p:nvPr>
+          <p:nvPr/>
         </p:nvPicPr>
         <p:blipFill>
-          <a:blip r:embed="rId8" cstate="print">
+          <a:blip r:embed="rId2">
             <a:extLst>
               <a:ext uri="{28A0092B-C50C-407E-A947-70E740481C1C}">
                 <a14:useLocalDpi xmlns:a14="http://schemas.microsoft.com/office/drawing/2010/main" val="0"/>
@@ -5032,75 +5415,24 @@
         </p:blipFill>
         <p:spPr>
           <a:xfrm>
-            <a:off x="811815" y="2363698"/>
-            <a:ext cx="6777228" cy="998220"/>
+            <a:off x="4338006" y="1791580"/>
+            <a:ext cx="2232837" cy="421372"/>
           </a:xfrm>
           <a:prstGeom prst="rect">
             <a:avLst/>
           </a:prstGeom>
         </p:spPr>
       </p:pic>
-      <p:sp>
-        <p:nvSpPr>
-          <p:cNvPr id="6" name="Rectangle 5"/>
-          <p:cNvSpPr/>
-          <p:nvPr/>
-        </p:nvSpPr>
-        <p:spPr>
-          <a:xfrm>
-            <a:off x="185660" y="1752601"/>
-            <a:ext cx="11779249" cy="5016500"/>
-          </a:xfrm>
-          <a:prstGeom prst="rect">
-            <a:avLst/>
-          </a:prstGeom>
-          <a:solidFill>
-            <a:schemeClr val="bg1"/>
-          </a:solidFill>
-          <a:ln>
-            <a:solidFill>
-              <a:srgbClr val="F7F7F7"/>
-            </a:solidFill>
-          </a:ln>
-          <a:effectLst/>
-        </p:spPr>
-        <p:style>
-          <a:lnRef idx="1">
-            <a:schemeClr val="accent1"/>
-          </a:lnRef>
-          <a:fillRef idx="3">
-            <a:schemeClr val="accent1"/>
-          </a:fillRef>
-          <a:effectRef idx="2">
-            <a:schemeClr val="accent1"/>
-          </a:effectRef>
-          <a:fontRef idx="minor">
-            <a:schemeClr val="lt1"/>
-          </a:fontRef>
-        </p:style>
-        <p:txBody>
-          <a:bodyPr rtlCol="0" anchor="ctr"/>
-          <a:lstStyle/>
-          <a:p>
-            <a:pPr algn="ctr"/>
-            <a:endParaRPr lang="en-US"/>
-          </a:p>
-        </p:txBody>
-      </p:sp>
       <p:pic>
         <p:nvPicPr>
-          <p:cNvPr id="7" name="Picture 6"/>
+          <p:cNvPr id="6" name="Picture 5" descr="latex-image-1.pdf"/>
           <p:cNvPicPr>
             <a:picLocks noChangeAspect="1"/>
           </p:cNvPicPr>
-          <p:nvPr>
-            <p:custDataLst>
-              <p:tags r:id="rId2"/>
-            </p:custDataLst>
-          </p:nvPr>
+          <p:nvPr/>
         </p:nvPicPr>
         <p:blipFill>
-          <a:blip r:embed="rId8" cstate="print">
+          <a:blip r:embed="rId3">
             <a:extLst>
               <a:ext uri="{28A0092B-C50C-407E-A947-70E740481C1C}">
                 <a14:useLocalDpi xmlns:a14="http://schemas.microsoft.com/office/drawing/2010/main" val="0"/>
@@ -5113,8 +5445,8 @@
         </p:blipFill>
         <p:spPr>
           <a:xfrm>
-            <a:off x="429306" y="2058897"/>
-            <a:ext cx="6777228" cy="998220"/>
+            <a:off x="3534402" y="2640715"/>
+            <a:ext cx="2375346" cy="448266"/>
           </a:xfrm>
           <a:prstGeom prst="rect">
             <a:avLst/>
@@ -5123,59 +5455,14 @@
       </p:pic>
       <p:pic>
         <p:nvPicPr>
-          <p:cNvPr id="8" name="Picture 2" descr="https://upload.wikimedia.org/wikipedia/commons/d/db/Fundamental_parallelogram.png"/>
-          <p:cNvPicPr>
-            <a:picLocks noChangeAspect="1" noChangeArrowheads="1"/>
-          </p:cNvPicPr>
-          <p:nvPr/>
-        </p:nvPicPr>
-        <p:blipFill>
-          <a:blip r:embed="rId9">
-            <a:extLst>
-              <a:ext uri="{28A0092B-C50C-407E-A947-70E740481C1C}">
-                <a14:useLocalDpi xmlns:a14="http://schemas.microsoft.com/office/drawing/2010/main" val="0"/>
-              </a:ext>
-            </a:extLst>
-          </a:blip>
-          <a:srcRect/>
-          <a:stretch>
-            <a:fillRect/>
-          </a:stretch>
-        </p:blipFill>
-        <p:spPr bwMode="auto">
-          <a:xfrm>
-            <a:off x="8863739" y="1874723"/>
-            <a:ext cx="2718661" cy="1976170"/>
-          </a:xfrm>
-          <a:prstGeom prst="rect">
-            <a:avLst/>
-          </a:prstGeom>
-          <a:noFill/>
-          <a:extLst>
-            <a:ext uri="{909E8E84-426E-40DD-AFC4-6F175D3DCCD1}">
-              <a14:hiddenFill xmlns:a14="http://schemas.microsoft.com/office/drawing/2010/main">
-                <a:solidFill>
-                  <a:srgbClr val="FFFFFF"/>
-                </a:solidFill>
-              </a14:hiddenFill>
-            </a:ext>
-          </a:extLst>
-        </p:spPr>
-      </p:pic>
-      <p:pic>
-        <p:nvPicPr>
-          <p:cNvPr id="9" name="Picture 8"/>
+          <p:cNvPr id="8" name="Picture 7" descr="latex-image-1.pdf"/>
           <p:cNvPicPr>
             <a:picLocks noChangeAspect="1"/>
           </p:cNvPicPr>
-          <p:nvPr>
-            <p:custDataLst>
-              <p:tags r:id="rId3"/>
-            </p:custDataLst>
-          </p:nvPr>
+          <p:nvPr/>
         </p:nvPicPr>
         <p:blipFill>
-          <a:blip r:embed="rId10" cstate="print">
+          <a:blip r:embed="rId4">
             <a:extLst>
               <a:ext uri="{28A0092B-C50C-407E-A947-70E740481C1C}">
                 <a14:useLocalDpi xmlns:a14="http://schemas.microsoft.com/office/drawing/2010/main" val="0"/>
@@ -5188,8 +5475,8 @@
         </p:blipFill>
         <p:spPr>
           <a:xfrm>
-            <a:off x="568171" y="3252093"/>
-            <a:ext cx="2965704" cy="252984"/>
+            <a:off x="6651610" y="3561350"/>
+            <a:ext cx="2386829" cy="349204"/>
           </a:xfrm>
           <a:prstGeom prst="rect">
             <a:avLst/>
@@ -5198,18 +5485,14 @@
       </p:pic>
       <p:pic>
         <p:nvPicPr>
-          <p:cNvPr id="10" name="Picture 9"/>
+          <p:cNvPr id="9" name="Picture 8" descr="latex-image-1.pdf"/>
           <p:cNvPicPr>
             <a:picLocks noChangeAspect="1"/>
           </p:cNvPicPr>
-          <p:nvPr>
-            <p:custDataLst>
-              <p:tags r:id="rId4"/>
-            </p:custDataLst>
-          </p:nvPr>
+          <p:nvPr/>
         </p:nvPicPr>
         <p:blipFill>
-          <a:blip r:embed="rId11" cstate="print">
+          <a:blip r:embed="rId5">
             <a:extLst>
               <a:ext uri="{28A0092B-C50C-407E-A947-70E740481C1C}">
                 <a14:useLocalDpi xmlns:a14="http://schemas.microsoft.com/office/drawing/2010/main" val="0"/>
@@ -5222,8 +5505,8 @@
         </p:blipFill>
         <p:spPr>
           <a:xfrm>
-            <a:off x="429306" y="3745177"/>
-            <a:ext cx="3683508" cy="455676"/>
+            <a:off x="2904578" y="5702334"/>
+            <a:ext cx="2439344" cy="431197"/>
           </a:xfrm>
           <a:prstGeom prst="rect">
             <a:avLst/>
@@ -5232,18 +5515,14 @@
       </p:pic>
       <p:pic>
         <p:nvPicPr>
-          <p:cNvPr id="11" name="Picture 10"/>
+          <p:cNvPr id="10" name="Picture 9" descr="latex-image-1.pdf"/>
           <p:cNvPicPr>
             <a:picLocks noChangeAspect="1"/>
           </p:cNvPicPr>
-          <p:nvPr>
-            <p:custDataLst>
-              <p:tags r:id="rId5"/>
-            </p:custDataLst>
-          </p:nvPr>
+          <p:nvPr/>
         </p:nvPicPr>
         <p:blipFill>
-          <a:blip r:embed="rId12" cstate="print">
+          <a:blip r:embed="rId6">
             <a:extLst>
               <a:ext uri="{28A0092B-C50C-407E-A947-70E740481C1C}">
                 <a14:useLocalDpi xmlns:a14="http://schemas.microsoft.com/office/drawing/2010/main" val="0"/>
@@ -5256,8 +5535,8 @@
         </p:blipFill>
         <p:spPr>
           <a:xfrm>
-            <a:off x="4548678" y="3850893"/>
-            <a:ext cx="2657856" cy="348996"/>
+            <a:off x="6136078" y="5705626"/>
+            <a:ext cx="2623237" cy="418602"/>
           </a:xfrm>
           <a:prstGeom prst="rect">
             <a:avLst/>
@@ -5266,18 +5545,14 @@
       </p:pic>
       <p:pic>
         <p:nvPicPr>
-          <p:cNvPr id="12" name="Picture 11"/>
+          <p:cNvPr id="12" name="Picture 11" descr="latex-image-1.pdf"/>
           <p:cNvPicPr>
             <a:picLocks noChangeAspect="1"/>
           </p:cNvPicPr>
-          <p:nvPr>
-            <p:custDataLst>
-              <p:tags r:id="rId6"/>
-            </p:custDataLst>
-          </p:nvPr>
+          <p:nvPr/>
         </p:nvPicPr>
         <p:blipFill>
-          <a:blip r:embed="rId13" cstate="print">
+          <a:blip r:embed="rId7">
             <a:extLst>
               <a:ext uri="{28A0092B-C50C-407E-A947-70E740481C1C}">
                 <a14:useLocalDpi xmlns:a14="http://schemas.microsoft.com/office/drawing/2010/main" val="0"/>
@@ -5290,8 +5565,8 @@
         </p:blipFill>
         <p:spPr>
           <a:xfrm>
-            <a:off x="429306" y="4491057"/>
-            <a:ext cx="6352032" cy="252984"/>
+            <a:off x="3084909" y="4451491"/>
+            <a:ext cx="404122" cy="395703"/>
           </a:xfrm>
           <a:prstGeom prst="rect">
             <a:avLst/>
@@ -5301,13 +5576,20 @@
     </p:spTree>
     <p:extLst>
       <p:ext uri="{BB962C8B-B14F-4D97-AF65-F5344CB8AC3E}">
-        <p14:creationId xmlns:p14="http://schemas.microsoft.com/office/powerpoint/2010/main" val="2895263840"/>
+        <p14:creationId xmlns:p14="http://schemas.microsoft.com/office/powerpoint/2010/main" val="449955943"/>
       </p:ext>
     </p:extLst>
   </p:cSld>
   <p:clrMapOvr>
     <a:masterClrMapping/>
   </p:clrMapOvr>
+  <p:timing>
+    <p:tnLst>
+      <p:par>
+        <p:cTn xmlns:p14="http://schemas.microsoft.com/office/powerpoint/2010/main" id="1" dur="indefinite" restart="never" nodeType="tmRoot"/>
+      </p:par>
+    </p:tnLst>
+  </p:timing>
 </p:sld>
 </file>
 
@@ -5330,41 +5612,14 @@
       </p:grpSpPr>
       <p:sp>
         <p:nvSpPr>
-          <p:cNvPr id="2" name="Title 1"/>
-          <p:cNvSpPr>
-            <a:spLocks noGrp="1"/>
-          </p:cNvSpPr>
-          <p:nvPr>
-            <p:ph type="title"/>
-          </p:nvPr>
-        </p:nvSpPr>
-        <p:spPr/>
-        <p:txBody>
-          <a:bodyPr/>
-          <a:lstStyle/>
-          <a:p>
-            <a:r>
-              <a:rPr lang="en-US" dirty="0" smtClean="0"/>
-              <a:t>Complex Multiplication</a:t>
-            </a:r>
-            <a:endParaRPr lang="en-US" dirty="0"/>
-          </a:p>
-        </p:txBody>
-      </p:sp>
-      <p:sp>
-        <p:nvSpPr>
-          <p:cNvPr id="12" name="Content Placeholder 11"/>
-          <p:cNvSpPr>
-            <a:spLocks noGrp="1"/>
-          </p:cNvSpPr>
-          <p:nvPr>
-            <p:ph idx="1"/>
-          </p:nvPr>
-        </p:nvSpPr>
-        <p:spPr>
-          <a:xfrm>
-            <a:off x="0" y="1752601"/>
-            <a:ext cx="12192000" cy="4958442"/>
+          <p:cNvPr id="5" name="Rectangle 4"/>
+          <p:cNvSpPr/>
+          <p:nvPr/>
+        </p:nvSpPr>
+        <p:spPr>
+          <a:xfrm>
+            <a:off x="185660" y="1752601"/>
+            <a:ext cx="11779249" cy="5016500"/>
           </a:xfrm>
           <a:prstGeom prst="rect">
             <a:avLst/>
@@ -5397,24 +5652,158 @@
           <a:bodyPr rtlCol="0" anchor="ctr"/>
           <a:lstStyle/>
           <a:p>
+            <a:pPr algn="ctr"/>
             <a:endParaRPr lang="en-US"/>
+          </a:p>
+        </p:txBody>
+      </p:sp>
+      <p:sp>
+        <p:nvSpPr>
+          <p:cNvPr id="2" name="Title 1"/>
+          <p:cNvSpPr>
+            <a:spLocks noGrp="1"/>
+          </p:cNvSpPr>
+          <p:nvPr>
+            <p:ph type="title"/>
+          </p:nvPr>
+        </p:nvSpPr>
+        <p:spPr/>
+        <p:txBody>
+          <a:bodyPr/>
+          <a:lstStyle/>
+          <a:p>
+            <a:r>
+              <a:rPr lang="en-US" dirty="0" smtClean="0"/>
+              <a:t>Generating Curves</a:t>
+            </a:r>
+            <a:endParaRPr lang="en-US" dirty="0"/>
+          </a:p>
+        </p:txBody>
+      </p:sp>
+      <p:sp>
+        <p:nvSpPr>
+          <p:cNvPr id="3" name="Content Placeholder 2"/>
+          <p:cNvSpPr>
+            <a:spLocks noGrp="1"/>
+          </p:cNvSpPr>
+          <p:nvPr>
+            <p:ph idx="1"/>
+          </p:nvPr>
+        </p:nvSpPr>
+        <p:spPr>
+          <a:xfrm>
+            <a:off x="609600" y="1752601"/>
+            <a:ext cx="10972800" cy="4912061"/>
+          </a:xfrm>
+        </p:spPr>
+        <p:txBody>
+          <a:bodyPr>
+            <a:normAutofit/>
+          </a:bodyPr>
+          <a:lstStyle/>
+          <a:p>
+            <a:pPr marL="114300" indent="0">
+              <a:buNone/>
+            </a:pPr>
+            <a:r>
+              <a:rPr lang="en-US" dirty="0" smtClean="0"/>
+              <a:t>All curves with CM discriminant D have a j-invariant satisfying:</a:t>
+            </a:r>
+          </a:p>
+          <a:p>
+            <a:pPr marL="114300" indent="0">
+              <a:buNone/>
+            </a:pPr>
+            <a:endParaRPr lang="en-US" dirty="0"/>
+          </a:p>
+          <a:p>
+            <a:pPr marL="114300" indent="0">
+              <a:buNone/>
+            </a:pPr>
+            <a:endParaRPr lang="en-US" dirty="0" smtClean="0"/>
+          </a:p>
+          <a:p>
+            <a:pPr marL="114300" indent="0">
+              <a:buNone/>
+            </a:pPr>
+            <a:r>
+              <a:rPr lang="en-US" dirty="0" smtClean="0"/>
+              <a:t>              </a:t>
+            </a:r>
+            <a:r>
+              <a:rPr lang="en-US" dirty="0"/>
+              <a:t> </a:t>
+            </a:r>
+            <a:r>
+              <a:rPr lang="en-US" dirty="0" smtClean="0"/>
+              <a:t>is the Hilbert Class polynomial</a:t>
+            </a:r>
+          </a:p>
+          <a:p>
+            <a:pPr marL="114300" indent="0">
+              <a:buNone/>
+            </a:pPr>
+            <a:endParaRPr lang="en-US" dirty="0"/>
+          </a:p>
+          <a:p>
+            <a:pPr marL="114300" indent="0">
+              <a:buNone/>
+            </a:pPr>
+            <a:r>
+              <a:rPr lang="en-US" dirty="0" smtClean="0"/>
+              <a:t>The idea:	Compute</a:t>
+            </a:r>
+          </a:p>
+          <a:p>
+            <a:pPr marL="114300" indent="0">
+              <a:buNone/>
+            </a:pPr>
+            <a:r>
+              <a:rPr lang="en-US" dirty="0"/>
+              <a:t>	</a:t>
+            </a:r>
+            <a:r>
+              <a:rPr lang="en-US" dirty="0" smtClean="0"/>
+              <a:t>	Compute                  and find a root</a:t>
+            </a:r>
+          </a:p>
+          <a:p>
+            <a:pPr marL="114300" indent="0">
+              <a:buNone/>
+            </a:pPr>
+            <a:r>
+              <a:rPr lang="en-US" dirty="0" smtClean="0"/>
+              <a:t>		Find the curve equation of E</a:t>
+            </a:r>
+          </a:p>
+          <a:p>
+            <a:pPr marL="114300" indent="0">
+              <a:buNone/>
+            </a:pPr>
+            <a:endParaRPr lang="en-US" dirty="0"/>
+          </a:p>
+          <a:p>
+            <a:pPr marL="114300" indent="0">
+              <a:buNone/>
+            </a:pPr>
+            <a:r>
+              <a:rPr lang="en-US" dirty="0" smtClean="0"/>
+              <a:t>Bottleneck: computing</a:t>
+            </a:r>
+            <a:endParaRPr lang="en-US" dirty="0"/>
           </a:p>
         </p:txBody>
       </p:sp>
       <p:pic>
         <p:nvPicPr>
-          <p:cNvPr id="13" name="Content Placeholder 3"/>
+          <p:cNvPr id="4" name="Picture 3" descr="latex-image-1.pdf"/>
           <p:cNvPicPr>
             <a:picLocks noChangeAspect="1"/>
           </p:cNvPicPr>
-          <p:nvPr>
-            <p:custDataLst>
-              <p:tags r:id="rId1"/>
-            </p:custDataLst>
-          </p:nvPr>
+          <p:nvPr/>
         </p:nvPicPr>
         <p:blipFill>
-          <a:blip r:embed="rId4" cstate="print">
+          <a:blip r:embed="rId2">
             <a:extLst>
               <a:ext uri="{28A0092B-C50C-407E-A947-70E740481C1C}">
                 <a14:useLocalDpi xmlns:a14="http://schemas.microsoft.com/office/drawing/2010/main" val="0"/>
@@ -5427,67 +5816,24 @@
         </p:blipFill>
         <p:spPr>
           <a:xfrm>
-            <a:off x="817485" y="2041171"/>
-            <a:ext cx="10515600" cy="418807"/>
+            <a:off x="4782799" y="2389218"/>
+            <a:ext cx="1864837" cy="440119"/>
           </a:xfrm>
           <a:prstGeom prst="rect">
             <a:avLst/>
           </a:prstGeom>
         </p:spPr>
       </p:pic>
-      <p:sp>
-        <p:nvSpPr>
-          <p:cNvPr id="14" name="Rectangle 13"/>
-          <p:cNvSpPr/>
-          <p:nvPr/>
-        </p:nvSpPr>
-        <p:spPr>
-          <a:xfrm>
-            <a:off x="691243" y="2661556"/>
-            <a:ext cx="10891157" cy="1384995"/>
-          </a:xfrm>
-          <a:prstGeom prst="rect">
-            <a:avLst/>
-          </a:prstGeom>
-        </p:spPr>
-        <p:txBody>
-          <a:bodyPr wrap="square">
-            <a:spAutoFit/>
-          </a:bodyPr>
-          <a:lstStyle/>
-          <a:p>
-            <a:r>
-              <a:rPr lang="en-US" sz="2800" dirty="0">
-                <a:latin typeface="Cambria Math" panose="02040503050406030204" pitchFamily="18" charset="0"/>
-                <a:ea typeface="Cambria Math" panose="02040503050406030204" pitchFamily="18" charset="0"/>
-                <a:cs typeface="Times New Roman" panose="02020603050405020304" pitchFamily="18" charset="0"/>
-              </a:rPr>
-              <a:t>Note that this gives us a natural way to turn whatever algebraic transformations we have in the complex lattice to transformations on the elliptic curve points. For example</a:t>
-            </a:r>
-            <a:r>
-              <a:rPr lang="en-US" sz="2800" dirty="0">
-                <a:latin typeface="Times New Roman" panose="02020603050405020304" pitchFamily="18" charset="0"/>
-                <a:cs typeface="Times New Roman" panose="02020603050405020304" pitchFamily="18" charset="0"/>
-              </a:rPr>
-              <a:t>, </a:t>
-            </a:r>
-          </a:p>
-        </p:txBody>
-      </p:sp>
       <p:pic>
         <p:nvPicPr>
-          <p:cNvPr id="15" name="Content Placeholder 7"/>
+          <p:cNvPr id="6" name="Picture 5" descr="latex-image-1.pdf"/>
           <p:cNvPicPr>
             <a:picLocks noChangeAspect="1"/>
           </p:cNvPicPr>
-          <p:nvPr>
-            <p:custDataLst>
-              <p:tags r:id="rId2"/>
-            </p:custDataLst>
-          </p:nvPr>
+          <p:nvPr/>
         </p:nvPicPr>
         <p:blipFill>
-          <a:blip r:embed="rId5" cstate="print">
+          <a:blip r:embed="rId3">
             <a:extLst>
               <a:ext uri="{28A0092B-C50C-407E-A947-70E740481C1C}">
                 <a14:useLocalDpi xmlns:a14="http://schemas.microsoft.com/office/drawing/2010/main" val="0"/>
@@ -5500,8 +5846,8 @@
         </p:blipFill>
         <p:spPr>
           <a:xfrm>
-            <a:off x="691244" y="4195786"/>
-            <a:ext cx="7505700" cy="408872"/>
+            <a:off x="814182" y="3105985"/>
+            <a:ext cx="1115400" cy="452694"/>
           </a:xfrm>
           <a:prstGeom prst="rect">
             <a:avLst/>
@@ -5510,22 +5856,118 @@
       </p:pic>
       <p:pic>
         <p:nvPicPr>
-          <p:cNvPr id="16" name="Picture 15"/>
+          <p:cNvPr id="7" name="Picture 6" descr="latex-image-1.pdf"/>
           <p:cNvPicPr>
             <a:picLocks noChangeAspect="1"/>
           </p:cNvPicPr>
           <p:nvPr/>
         </p:nvPicPr>
         <p:blipFill>
-          <a:blip r:embed="rId6"/>
+          <a:blip r:embed="rId4">
+            <a:extLst>
+              <a:ext uri="{28A0092B-C50C-407E-A947-70E740481C1C}">
+                <a14:useLocalDpi xmlns:a14="http://schemas.microsoft.com/office/drawing/2010/main" val="0"/>
+              </a:ext>
+            </a:extLst>
+          </a:blip>
           <a:stretch>
             <a:fillRect/>
           </a:stretch>
         </p:blipFill>
         <p:spPr>
           <a:xfrm>
-            <a:off x="691243" y="4868515"/>
-            <a:ext cx="7097486" cy="427069"/>
+            <a:off x="4328118" y="3961071"/>
+            <a:ext cx="2354710" cy="415537"/>
+          </a:xfrm>
+          <a:prstGeom prst="rect">
+            <a:avLst/>
+          </a:prstGeom>
+        </p:spPr>
+      </p:pic>
+      <p:pic>
+        <p:nvPicPr>
+          <p:cNvPr id="8" name="Picture 7" descr="latex-image-1.pdf"/>
+          <p:cNvPicPr>
+            <a:picLocks noChangeAspect="1"/>
+          </p:cNvPicPr>
+          <p:nvPr/>
+        </p:nvPicPr>
+        <p:blipFill>
+          <a:blip r:embed="rId3">
+            <a:extLst>
+              <a:ext uri="{28A0092B-C50C-407E-A947-70E740481C1C}">
+                <a14:useLocalDpi xmlns:a14="http://schemas.microsoft.com/office/drawing/2010/main" val="0"/>
+              </a:ext>
+            </a:extLst>
+          </a:blip>
+          <a:stretch>
+            <a:fillRect/>
+          </a:stretch>
+        </p:blipFill>
+        <p:spPr>
+          <a:xfrm>
+            <a:off x="4338006" y="4474426"/>
+            <a:ext cx="965941" cy="392035"/>
+          </a:xfrm>
+          <a:prstGeom prst="rect">
+            <a:avLst/>
+          </a:prstGeom>
+        </p:spPr>
+      </p:pic>
+      <p:pic>
+        <p:nvPicPr>
+          <p:cNvPr id="9" name="Picture 8" descr="latex-image-1.pdf"/>
+          <p:cNvPicPr>
+            <a:picLocks noChangeAspect="1"/>
+          </p:cNvPicPr>
+          <p:nvPr/>
+        </p:nvPicPr>
+        <p:blipFill>
+          <a:blip r:embed="rId5">
+            <a:extLst>
+              <a:ext uri="{28A0092B-C50C-407E-A947-70E740481C1C}">
+                <a14:useLocalDpi xmlns:a14="http://schemas.microsoft.com/office/drawing/2010/main" val="0"/>
+              </a:ext>
+            </a:extLst>
+          </a:blip>
+          <a:stretch>
+            <a:fillRect/>
+          </a:stretch>
+        </p:blipFill>
+        <p:spPr>
+          <a:xfrm>
+            <a:off x="7820986" y="4488175"/>
+            <a:ext cx="132232" cy="277687"/>
+          </a:xfrm>
+          <a:prstGeom prst="rect">
+            <a:avLst/>
+          </a:prstGeom>
+        </p:spPr>
+      </p:pic>
+      <p:pic>
+        <p:nvPicPr>
+          <p:cNvPr id="10" name="Picture 9" descr="latex-image-1.pdf"/>
+          <p:cNvPicPr>
+            <a:picLocks noChangeAspect="1"/>
+          </p:cNvPicPr>
+          <p:nvPr/>
+        </p:nvPicPr>
+        <p:blipFill>
+          <a:blip r:embed="rId3">
+            <a:extLst>
+              <a:ext uri="{28A0092B-C50C-407E-A947-70E740481C1C}">
+                <a14:useLocalDpi xmlns:a14="http://schemas.microsoft.com/office/drawing/2010/main" val="0"/>
+              </a:ext>
+            </a:extLst>
+          </a:blip>
+          <a:stretch>
+            <a:fillRect/>
+          </a:stretch>
+        </p:blipFill>
+        <p:spPr>
+          <a:xfrm>
+            <a:off x="4326945" y="5745986"/>
+            <a:ext cx="965941" cy="392035"/>
           </a:xfrm>
           <a:prstGeom prst="rect">
             <a:avLst/>
@@ -5535,13 +5977,20 @@
     </p:spTree>
     <p:extLst>
       <p:ext uri="{BB962C8B-B14F-4D97-AF65-F5344CB8AC3E}">
-        <p14:creationId xmlns:p14="http://schemas.microsoft.com/office/powerpoint/2010/main" val="1294897265"/>
+        <p14:creationId xmlns:p14="http://schemas.microsoft.com/office/powerpoint/2010/main" val="1898895990"/>
       </p:ext>
     </p:extLst>
   </p:cSld>
   <p:clrMapOvr>
     <a:masterClrMapping/>
   </p:clrMapOvr>
+  <p:timing>
+    <p:tnLst>
+      <p:par>
+        <p:cTn xmlns:p14="http://schemas.microsoft.com/office/powerpoint/2010/main" id="1" dur="indefinite" restart="never" nodeType="tmRoot"/>
+      </p:par>
+    </p:tnLst>
+  </p:timing>
 </p:sld>
 </file>
 
@@ -5564,41 +6013,14 @@
       </p:grpSpPr>
       <p:sp>
         <p:nvSpPr>
-          <p:cNvPr id="2" name="Title 1"/>
-          <p:cNvSpPr>
-            <a:spLocks noGrp="1"/>
-          </p:cNvSpPr>
-          <p:nvPr>
-            <p:ph type="title"/>
-          </p:nvPr>
-        </p:nvSpPr>
-        <p:spPr/>
-        <p:txBody>
-          <a:bodyPr/>
-          <a:lstStyle/>
-          <a:p>
-            <a:r>
-              <a:rPr lang="en-US" dirty="0" smtClean="0"/>
-              <a:t>Curve generation</a:t>
-            </a:r>
-            <a:endParaRPr lang="en-US" dirty="0"/>
-          </a:p>
-        </p:txBody>
-      </p:sp>
-      <p:sp>
-        <p:nvSpPr>
-          <p:cNvPr id="4" name="Content Placeholder 3"/>
-          <p:cNvSpPr>
-            <a:spLocks noGrp="1"/>
-          </p:cNvSpPr>
-          <p:nvPr>
-            <p:ph idx="1"/>
-          </p:nvPr>
-        </p:nvSpPr>
-        <p:spPr>
-          <a:xfrm>
-            <a:off x="228601" y="1632857"/>
-            <a:ext cx="11625942" cy="5061857"/>
+          <p:cNvPr id="8" name="Rectangle 7"/>
+          <p:cNvSpPr/>
+          <p:nvPr/>
+        </p:nvSpPr>
+        <p:spPr>
+          <a:xfrm>
+            <a:off x="206375" y="1666875"/>
+            <a:ext cx="11779249" cy="5016500"/>
           </a:xfrm>
           <a:prstGeom prst="rect">
             <a:avLst/>
@@ -5631,62 +6053,168 @@
           <a:bodyPr rtlCol="0" anchor="ctr"/>
           <a:lstStyle/>
           <a:p>
+            <a:pPr algn="ctr"/>
             <a:endParaRPr lang="en-US"/>
           </a:p>
         </p:txBody>
       </p:sp>
       <p:sp>
         <p:nvSpPr>
-          <p:cNvPr id="5" name="TextBox 4"/>
-          <p:cNvSpPr txBox="1"/>
-          <p:nvPr/>
-        </p:nvSpPr>
-        <p:spPr>
-          <a:xfrm>
-            <a:off x="407606" y="1910443"/>
-            <a:ext cx="11335358" cy="954107"/>
-          </a:xfrm>
-          <a:prstGeom prst="rect">
-            <a:avLst/>
-          </a:prstGeom>
-          <a:noFill/>
-        </p:spPr>
-        <p:txBody>
-          <a:bodyPr wrap="square" rtlCol="0">
-            <a:spAutoFit/>
+          <p:cNvPr id="2" name="Title 1"/>
+          <p:cNvSpPr>
+            <a:spLocks noGrp="1"/>
+          </p:cNvSpPr>
+          <p:nvPr>
+            <p:ph type="title"/>
+          </p:nvPr>
+        </p:nvSpPr>
+        <p:spPr/>
+        <p:txBody>
+          <a:bodyPr/>
+          <a:lstStyle/>
+          <a:p>
+            <a:r>
+              <a:rPr lang="en-US" dirty="0" smtClean="0"/>
+              <a:t>Cocks Pinch Method</a:t>
+            </a:r>
+            <a:endParaRPr lang="en-US" dirty="0"/>
+          </a:p>
+        </p:txBody>
+      </p:sp>
+      <p:sp>
+        <p:nvSpPr>
+          <p:cNvPr id="6" name="Content Placeholder 5"/>
+          <p:cNvSpPr>
+            <a:spLocks noGrp="1"/>
+          </p:cNvSpPr>
+          <p:nvPr>
+            <p:ph idx="1"/>
+          </p:nvPr>
+        </p:nvSpPr>
+        <p:spPr>
+          <a:xfrm>
+            <a:off x="609600" y="1752601"/>
+            <a:ext cx="10972800" cy="4974935"/>
+          </a:xfrm>
+        </p:spPr>
+        <p:txBody>
+          <a:bodyPr>
+            <a:normAutofit/>
           </a:bodyPr>
           <a:lstStyle/>
           <a:p>
-            <a:r>
-              <a:rPr lang="en-US" sz="2800" dirty="0" smtClean="0"/>
-              <a:t>So what these algorithms are actually doing is finding a good, </a:t>
-            </a:r>
-            <a:r>
-              <a:rPr lang="en-US" sz="2800" dirty="0" err="1" smtClean="0"/>
-              <a:t>squarefree</a:t>
-            </a:r>
-            <a:r>
-              <a:rPr lang="en-US" sz="2800" dirty="0" smtClean="0"/>
-              <a:t> D such that our lattice is built by </a:t>
-            </a:r>
-            <a:endParaRPr lang="en-US" sz="2800" dirty="0"/>
+            <a:pPr marL="0" indent="0">
+              <a:buNone/>
+            </a:pPr>
+            <a:r>
+              <a:rPr lang="en-US" dirty="0" smtClean="0"/>
+              <a:t>Problem: We want to construct an Elliptic Curve with a subgroup of size r with embedding degree k</a:t>
+            </a:r>
+          </a:p>
+          <a:p>
+            <a:pPr marL="0" indent="0">
+              <a:buNone/>
+            </a:pPr>
+            <a:r>
+              <a:rPr lang="en-US" dirty="0" smtClean="0"/>
+              <a:t>Input</a:t>
+            </a:r>
+            <a:r>
+              <a:rPr lang="en-US" dirty="0" smtClean="0"/>
+              <a:t>: </a:t>
+            </a:r>
+            <a:r>
+              <a:rPr lang="en-US" dirty="0" err="1" smtClean="0"/>
+              <a:t>k,r,D</a:t>
+            </a:r>
+            <a:r>
+              <a:rPr lang="en-US" dirty="0" smtClean="0"/>
+              <a:t>, where D is a square mod r</a:t>
+            </a:r>
+          </a:p>
+          <a:p>
+            <a:pPr marL="0" indent="0">
+              <a:buNone/>
+            </a:pPr>
+            <a:r>
+              <a:rPr lang="en-US" dirty="0" smtClean="0"/>
+              <a:t>Output: </a:t>
+            </a:r>
+            <a:r>
+              <a:rPr lang="en-US" dirty="0" err="1" smtClean="0"/>
+              <a:t>p,</a:t>
+            </a:r>
+            <a:r>
+              <a:rPr lang="en-US" dirty="0" err="1" smtClean="0"/>
+              <a:t>t</a:t>
+            </a:r>
+            <a:endParaRPr lang="en-US" dirty="0" smtClean="0"/>
+          </a:p>
+          <a:p>
+            <a:pPr marL="0" indent="0">
+              <a:buNone/>
+            </a:pPr>
+            <a:endParaRPr lang="en-US" dirty="0" smtClean="0"/>
+          </a:p>
+          <a:p>
+            <a:pPr marL="0" indent="0">
+              <a:buNone/>
+            </a:pPr>
+            <a:r>
+              <a:rPr lang="en-US" dirty="0"/>
+              <a:t>Conditions</a:t>
+            </a:r>
+            <a:r>
+              <a:rPr lang="en-US" dirty="0" smtClean="0"/>
+              <a:t>:</a:t>
+            </a:r>
+          </a:p>
+          <a:p>
+            <a:pPr marL="0" indent="0">
+              <a:buNone/>
+            </a:pPr>
+            <a:endParaRPr lang="en-US" dirty="0"/>
+          </a:p>
+          <a:p>
+            <a:pPr marL="0" indent="0">
+              <a:buNone/>
+            </a:pPr>
+            <a:endParaRPr lang="en-US" dirty="0" smtClean="0"/>
+          </a:p>
+          <a:p>
+            <a:pPr marL="0" indent="0">
+              <a:buNone/>
+            </a:pPr>
+            <a:endParaRPr lang="en-US" dirty="0"/>
+          </a:p>
+          <a:p>
+            <a:pPr marL="0" indent="0">
+              <a:buNone/>
+            </a:pPr>
+            <a:r>
+              <a:rPr lang="en-US" dirty="0" smtClean="0"/>
+              <a:t>(1) Is the CM equation. If (2) is satisfied, then the curve will have a subgroup of size r. (3) requires that the embedding degree is k</a:t>
+            </a:r>
+            <a:endParaRPr lang="en-US" dirty="0"/>
+          </a:p>
+          <a:p>
+            <a:pPr marL="0" indent="0">
+              <a:buNone/>
+            </a:pPr>
+            <a:endParaRPr lang="en-US" dirty="0"/>
           </a:p>
         </p:txBody>
       </p:sp>
       <p:pic>
         <p:nvPicPr>
-          <p:cNvPr id="6" name="Picture 5"/>
+          <p:cNvPr id="7" name="Picture 6" descr="latex-image-1.pdf"/>
           <p:cNvPicPr>
             <a:picLocks noChangeAspect="1"/>
           </p:cNvPicPr>
-          <p:nvPr>
-            <p:custDataLst>
-              <p:tags r:id="rId1"/>
-            </p:custDataLst>
-          </p:nvPr>
+          <p:nvPr/>
         </p:nvPicPr>
         <p:blipFill>
-          <a:blip r:embed="rId3" cstate="print">
+          <a:blip r:embed="rId2" cstate="print">
             <a:extLst>
               <a:ext uri="{28A0092B-C50C-407E-A947-70E740481C1C}">
                 <a14:useLocalDpi xmlns:a14="http://schemas.microsoft.com/office/drawing/2010/main" val="0"/>
@@ -5699,8 +6227,8 @@
         </p:blipFill>
         <p:spPr>
           <a:xfrm>
-            <a:off x="841828" y="3181843"/>
-            <a:ext cx="10560173" cy="737014"/>
+            <a:off x="2528507" y="3915208"/>
+            <a:ext cx="6667500" cy="1535773"/>
           </a:xfrm>
           <a:prstGeom prst="rect">
             <a:avLst/>
@@ -5710,13 +6238,428 @@
     </p:spTree>
     <p:extLst>
       <p:ext uri="{BB962C8B-B14F-4D97-AF65-F5344CB8AC3E}">
-        <p14:creationId xmlns:p14="http://schemas.microsoft.com/office/powerpoint/2010/main" val="1287094062"/>
+        <p14:creationId xmlns:p14="http://schemas.microsoft.com/office/powerpoint/2010/main" val="3864333031"/>
       </p:ext>
     </p:extLst>
   </p:cSld>
   <p:clrMapOvr>
     <a:masterClrMapping/>
   </p:clrMapOvr>
+  <p:timing>
+    <p:tnLst>
+      <p:par>
+        <p:cTn xmlns:p14="http://schemas.microsoft.com/office/powerpoint/2010/main" id="1" dur="indefinite" restart="never" nodeType="tmRoot"/>
+      </p:par>
+    </p:tnLst>
+  </p:timing>
+</p:sld>
+</file>
+
+<file path=ppt/slides/slide14.xml><?xml version="1.0" encoding="utf-8"?>
+<p:sld xmlns:a="http://schemas.openxmlformats.org/drawingml/2006/main" xmlns:r="http://schemas.openxmlformats.org/officeDocument/2006/relationships" xmlns:p="http://schemas.openxmlformats.org/presentationml/2006/main">
+  <p:cSld>
+    <p:spTree>
+      <p:nvGrpSpPr>
+        <p:cNvPr id="1" name=""/>
+        <p:cNvGrpSpPr/>
+        <p:nvPr/>
+      </p:nvGrpSpPr>
+      <p:grpSpPr>
+        <a:xfrm>
+          <a:off x="0" y="0"/>
+          <a:ext cx="0" cy="0"/>
+          <a:chOff x="0" y="0"/>
+          <a:chExt cx="0" cy="0"/>
+        </a:xfrm>
+      </p:grpSpPr>
+      <p:sp>
+        <p:nvSpPr>
+          <p:cNvPr id="6" name="Rectangle 5"/>
+          <p:cNvSpPr/>
+          <p:nvPr/>
+        </p:nvSpPr>
+        <p:spPr>
+          <a:xfrm>
+            <a:off x="206375" y="1666875"/>
+            <a:ext cx="11779249" cy="5016500"/>
+          </a:xfrm>
+          <a:prstGeom prst="rect">
+            <a:avLst/>
+          </a:prstGeom>
+          <a:solidFill>
+            <a:schemeClr val="bg1"/>
+          </a:solidFill>
+          <a:ln>
+            <a:solidFill>
+              <a:srgbClr val="F7F7F7"/>
+            </a:solidFill>
+          </a:ln>
+          <a:effectLst/>
+        </p:spPr>
+        <p:style>
+          <a:lnRef idx="1">
+            <a:schemeClr val="accent1"/>
+          </a:lnRef>
+          <a:fillRef idx="3">
+            <a:schemeClr val="accent1"/>
+          </a:fillRef>
+          <a:effectRef idx="2">
+            <a:schemeClr val="accent1"/>
+          </a:effectRef>
+          <a:fontRef idx="minor">
+            <a:schemeClr val="lt1"/>
+          </a:fontRef>
+        </p:style>
+        <p:txBody>
+          <a:bodyPr rtlCol="0" anchor="ctr"/>
+          <a:lstStyle/>
+          <a:p>
+            <a:pPr algn="ctr"/>
+            <a:endParaRPr lang="en-US"/>
+          </a:p>
+        </p:txBody>
+      </p:sp>
+      <p:sp>
+        <p:nvSpPr>
+          <p:cNvPr id="2" name="Title 1"/>
+          <p:cNvSpPr>
+            <a:spLocks noGrp="1"/>
+          </p:cNvSpPr>
+          <p:nvPr>
+            <p:ph type="title"/>
+          </p:nvPr>
+        </p:nvSpPr>
+        <p:spPr/>
+        <p:txBody>
+          <a:bodyPr/>
+          <a:lstStyle/>
+          <a:p>
+            <a:r>
+              <a:rPr lang="en-US" dirty="0" smtClean="0"/>
+              <a:t>Cocks Pinch Method</a:t>
+            </a:r>
+            <a:endParaRPr lang="en-US" dirty="0"/>
+          </a:p>
+        </p:txBody>
+      </p:sp>
+      <p:sp>
+        <p:nvSpPr>
+          <p:cNvPr id="3" name="Content Placeholder 2"/>
+          <p:cNvSpPr>
+            <a:spLocks noGrp="1"/>
+          </p:cNvSpPr>
+          <p:nvPr>
+            <p:ph idx="1"/>
+          </p:nvPr>
+        </p:nvSpPr>
+        <p:spPr>
+          <a:xfrm>
+            <a:off x="609600" y="1752601"/>
+            <a:ext cx="10972800" cy="4899486"/>
+          </a:xfrm>
+        </p:spPr>
+        <p:txBody>
+          <a:bodyPr>
+            <a:normAutofit/>
+          </a:bodyPr>
+          <a:lstStyle/>
+          <a:p>
+            <a:pPr marL="114300" indent="0">
+              <a:buNone/>
+            </a:pPr>
+            <a:r>
+              <a:rPr lang="en-US" dirty="0" smtClean="0"/>
+              <a:t>Pick g, a primitive </a:t>
+            </a:r>
+            <a:r>
+              <a:rPr lang="en-US" dirty="0" err="1" smtClean="0"/>
+              <a:t>kth</a:t>
+            </a:r>
+            <a:r>
+              <a:rPr lang="en-US" dirty="0" smtClean="0"/>
+              <a:t> root of unity mod r</a:t>
+            </a:r>
+          </a:p>
+          <a:p>
+            <a:pPr marL="114300" indent="0">
+              <a:buNone/>
+            </a:pPr>
+            <a:r>
+              <a:rPr lang="en-US" dirty="0" smtClean="0"/>
+              <a:t>Pick an integer t satisfying</a:t>
+            </a:r>
+          </a:p>
+          <a:p>
+            <a:pPr marL="114300" indent="0">
+              <a:buNone/>
+            </a:pPr>
+            <a:r>
+              <a:rPr lang="en-US" dirty="0" smtClean="0"/>
+              <a:t>Set</a:t>
+            </a:r>
+          </a:p>
+          <a:p>
+            <a:pPr marL="114300" indent="0">
+              <a:buNone/>
+            </a:pPr>
+            <a:r>
+              <a:rPr lang="en-US" dirty="0" smtClean="0"/>
+              <a:t>Find a prime of the form</a:t>
+            </a:r>
+          </a:p>
+          <a:p>
+            <a:pPr marL="114300" indent="0">
+              <a:buNone/>
+            </a:pPr>
+            <a:endParaRPr lang="en-US" dirty="0"/>
+          </a:p>
+          <a:p>
+            <a:pPr marL="114300" indent="0">
+              <a:buNone/>
+            </a:pPr>
+            <a:r>
+              <a:rPr lang="en-US" dirty="0" smtClean="0"/>
+              <a:t>Then:</a:t>
+            </a:r>
+          </a:p>
+          <a:p>
+            <a:pPr marL="114300" indent="0">
+              <a:buNone/>
+            </a:pPr>
+            <a:endParaRPr lang="en-US" dirty="0"/>
+          </a:p>
+          <a:p>
+            <a:pPr marL="114300" indent="0">
+              <a:buNone/>
+            </a:pPr>
+            <a:r>
+              <a:rPr lang="en-US" dirty="0" smtClean="0"/>
+              <a:t>So </a:t>
+            </a:r>
+          </a:p>
+          <a:p>
+            <a:pPr marL="114300" indent="0">
+              <a:buNone/>
+            </a:pPr>
+            <a:r>
+              <a:rPr lang="en-US" dirty="0" smtClean="0"/>
+              <a:t>Also,</a:t>
+            </a:r>
+          </a:p>
+          <a:p>
+            <a:pPr marL="114300" indent="0">
+              <a:buNone/>
+            </a:pPr>
+            <a:r>
+              <a:rPr lang="en-US" dirty="0" smtClean="0"/>
+              <a:t>Then we construct E using the CM method. </a:t>
+            </a:r>
+          </a:p>
+          <a:p>
+            <a:pPr marL="114300" indent="0">
+              <a:buNone/>
+            </a:pPr>
+            <a:endParaRPr lang="en-US" dirty="0"/>
+          </a:p>
+        </p:txBody>
+      </p:sp>
+      <p:pic>
+        <p:nvPicPr>
+          <p:cNvPr id="5" name="Picture 4" descr="latex-image-1.pdf"/>
+          <p:cNvPicPr>
+            <a:picLocks noChangeAspect="1"/>
+          </p:cNvPicPr>
+          <p:nvPr/>
+        </p:nvPicPr>
+        <p:blipFill>
+          <a:blip r:embed="rId2">
+            <a:extLst>
+              <a:ext uri="{28A0092B-C50C-407E-A947-70E740481C1C}">
+                <a14:useLocalDpi xmlns:a14="http://schemas.microsoft.com/office/drawing/2010/main" val="0"/>
+              </a:ext>
+            </a:extLst>
+          </a:blip>
+          <a:stretch>
+            <a:fillRect/>
+          </a:stretch>
+        </p:blipFill>
+        <p:spPr>
+          <a:xfrm>
+            <a:off x="4740373" y="2284235"/>
+            <a:ext cx="2873791" cy="343906"/>
+          </a:xfrm>
+          <a:prstGeom prst="rect">
+            <a:avLst/>
+          </a:prstGeom>
+        </p:spPr>
+      </p:pic>
+      <p:pic>
+        <p:nvPicPr>
+          <p:cNvPr id="7" name="Picture 6" descr="latex-image-1.pdf"/>
+          <p:cNvPicPr>
+            <a:picLocks noChangeAspect="1"/>
+          </p:cNvPicPr>
+          <p:nvPr/>
+        </p:nvPicPr>
+        <p:blipFill>
+          <a:blip r:embed="rId3">
+            <a:extLst>
+              <a:ext uri="{28A0092B-C50C-407E-A947-70E740481C1C}">
+                <a14:useLocalDpi xmlns:a14="http://schemas.microsoft.com/office/drawing/2010/main" val="0"/>
+              </a:ext>
+            </a:extLst>
+          </a:blip>
+          <a:stretch>
+            <a:fillRect/>
+          </a:stretch>
+        </p:blipFill>
+        <p:spPr>
+          <a:xfrm>
+            <a:off x="1383132" y="2679042"/>
+            <a:ext cx="2222723" cy="364067"/>
+          </a:xfrm>
+          <a:prstGeom prst="rect">
+            <a:avLst/>
+          </a:prstGeom>
+        </p:spPr>
+      </p:pic>
+      <p:pic>
+        <p:nvPicPr>
+          <p:cNvPr id="8" name="Picture 7" descr="latex-image-1.pdf"/>
+          <p:cNvPicPr>
+            <a:picLocks noChangeAspect="1"/>
+          </p:cNvPicPr>
+          <p:nvPr/>
+        </p:nvPicPr>
+        <p:blipFill>
+          <a:blip r:embed="rId4">
+            <a:extLst>
+              <a:ext uri="{28A0092B-C50C-407E-A947-70E740481C1C}">
+                <a14:useLocalDpi xmlns:a14="http://schemas.microsoft.com/office/drawing/2010/main" val="0"/>
+              </a:ext>
+            </a:extLst>
+          </a:blip>
+          <a:stretch>
+            <a:fillRect/>
+          </a:stretch>
+        </p:blipFill>
+        <p:spPr>
+          <a:xfrm>
+            <a:off x="4514041" y="3090840"/>
+            <a:ext cx="3926383" cy="417538"/>
+          </a:xfrm>
+          <a:prstGeom prst="rect">
+            <a:avLst/>
+          </a:prstGeom>
+        </p:spPr>
+      </p:pic>
+      <p:pic>
+        <p:nvPicPr>
+          <p:cNvPr id="11" name="Picture 10" descr="latex-image-1.pdf"/>
+          <p:cNvPicPr>
+            <a:picLocks noChangeAspect="1"/>
+          </p:cNvPicPr>
+          <p:nvPr/>
+        </p:nvPicPr>
+        <p:blipFill>
+          <a:blip r:embed="rId5">
+            <a:extLst>
+              <a:ext uri="{28A0092B-C50C-407E-A947-70E740481C1C}">
+                <a14:useLocalDpi xmlns:a14="http://schemas.microsoft.com/office/drawing/2010/main" val="0"/>
+              </a:ext>
+            </a:extLst>
+          </a:blip>
+          <a:stretch>
+            <a:fillRect/>
+          </a:stretch>
+        </p:blipFill>
+        <p:spPr>
+          <a:xfrm>
+            <a:off x="1793766" y="4023948"/>
+            <a:ext cx="7649293" cy="817364"/>
+          </a:xfrm>
+          <a:prstGeom prst="rect">
+            <a:avLst/>
+          </a:prstGeom>
+        </p:spPr>
+      </p:pic>
+      <p:pic>
+        <p:nvPicPr>
+          <p:cNvPr id="12" name="Picture 11" descr="latex-image-1.pdf"/>
+          <p:cNvPicPr>
+            <a:picLocks noChangeAspect="1"/>
+          </p:cNvPicPr>
+          <p:nvPr/>
+        </p:nvPicPr>
+        <p:blipFill>
+          <a:blip r:embed="rId6">
+            <a:extLst>
+              <a:ext uri="{28A0092B-C50C-407E-A947-70E740481C1C}">
+                <a14:useLocalDpi xmlns:a14="http://schemas.microsoft.com/office/drawing/2010/main" val="0"/>
+              </a:ext>
+            </a:extLst>
+          </a:blip>
+          <a:stretch>
+            <a:fillRect/>
+          </a:stretch>
+        </p:blipFill>
+        <p:spPr>
+          <a:xfrm>
+            <a:off x="1331058" y="4916760"/>
+            <a:ext cx="2099413" cy="314370"/>
+          </a:xfrm>
+          <a:prstGeom prst="rect">
+            <a:avLst/>
+          </a:prstGeom>
+        </p:spPr>
+      </p:pic>
+      <p:pic>
+        <p:nvPicPr>
+          <p:cNvPr id="13" name="Picture 12" descr="latex-image-1.pdf"/>
+          <p:cNvPicPr>
+            <a:picLocks noChangeAspect="1"/>
+          </p:cNvPicPr>
+          <p:nvPr/>
+        </p:nvPicPr>
+        <p:blipFill>
+          <a:blip r:embed="rId7">
+            <a:extLst>
+              <a:ext uri="{28A0092B-C50C-407E-A947-70E740481C1C}">
+                <a14:useLocalDpi xmlns:a14="http://schemas.microsoft.com/office/drawing/2010/main" val="0"/>
+              </a:ext>
+            </a:extLst>
+          </a:blip>
+          <a:stretch>
+            <a:fillRect/>
+          </a:stretch>
+        </p:blipFill>
+        <p:spPr>
+          <a:xfrm>
+            <a:off x="1647185" y="5277891"/>
+            <a:ext cx="3733577" cy="456233"/>
+          </a:xfrm>
+          <a:prstGeom prst="rect">
+            <a:avLst/>
+          </a:prstGeom>
+        </p:spPr>
+      </p:pic>
+    </p:spTree>
+    <p:extLst>
+      <p:ext uri="{BB962C8B-B14F-4D97-AF65-F5344CB8AC3E}">
+        <p14:creationId xmlns:p14="http://schemas.microsoft.com/office/powerpoint/2010/main" val="2518322517"/>
+      </p:ext>
+    </p:extLst>
+  </p:cSld>
+  <p:clrMapOvr>
+    <a:masterClrMapping/>
+  </p:clrMapOvr>
+  <p:timing>
+    <p:tnLst>
+      <p:par>
+        <p:cTn xmlns:p14="http://schemas.microsoft.com/office/powerpoint/2010/main" id="1" dur="indefinite" restart="never" nodeType="tmRoot"/>
+      </p:par>
+    </p:tnLst>
+  </p:timing>
 </p:sld>
 </file>
 
@@ -5843,16 +6786,44 @@
             <a:pPr marL="0" indent="0">
               <a:buNone/>
             </a:pPr>
+            <a:r>
+              <a:rPr lang="en-US" dirty="0"/>
+              <a:t>s</a:t>
+            </a:r>
+            <a:r>
+              <a:rPr lang="en-US" dirty="0" smtClean="0"/>
+              <a:t>atisfying</a:t>
+            </a:r>
+          </a:p>
+          <a:p>
+            <a:pPr marL="0" indent="0">
+              <a:buNone/>
+            </a:pPr>
             <a:endParaRPr lang="en-US" dirty="0"/>
           </a:p>
           <a:p>
             <a:pPr marL="0" indent="0">
               <a:buNone/>
             </a:pPr>
-            <a:r>
-              <a:rPr lang="en-US" dirty="0" smtClean="0"/>
-              <a:t>satisfying</a:t>
-            </a:r>
+            <a:endParaRPr lang="en-US" dirty="0"/>
+          </a:p>
+          <a:p>
+            <a:pPr marL="0" indent="0">
+              <a:buNone/>
+            </a:pPr>
+            <a:r>
+              <a:rPr lang="en-US" dirty="0" smtClean="0"/>
+              <a:t>Reason: We need the tangent line at each point on the curve to be defined, so                and              cannot simultaneously be 0. Applying </a:t>
+            </a:r>
+            <a:r>
+              <a:rPr lang="en-US" dirty="0" err="1" smtClean="0"/>
+              <a:t>Vieta’s</a:t>
+            </a:r>
+            <a:r>
+              <a:rPr lang="en-US" dirty="0" smtClean="0"/>
+              <a:t> formulas, this is equivalent to E having nonzero discriminant.</a:t>
+            </a:r>
+            <a:endParaRPr lang="en-US" dirty="0" smtClean="0"/>
           </a:p>
           <a:p>
             <a:pPr marL="0" indent="0">
@@ -5891,7 +6862,7 @@
         <p:spPr>
           <a:xfrm>
             <a:off x="2868215" y="2697157"/>
-            <a:ext cx="4318000" cy="508000"/>
+            <a:ext cx="3607361" cy="424395"/>
           </a:xfrm>
           <a:prstGeom prst="rect">
             <a:avLst/>
@@ -5920,8 +6891,68 @@
         </p:blipFill>
         <p:spPr>
           <a:xfrm>
-            <a:off x="2707112" y="4351143"/>
-            <a:ext cx="4318000" cy="520700"/>
+            <a:off x="2845425" y="3596653"/>
+            <a:ext cx="3315802" cy="399847"/>
+          </a:xfrm>
+          <a:prstGeom prst="rect">
+            <a:avLst/>
+          </a:prstGeom>
+        </p:spPr>
+      </p:pic>
+      <p:pic>
+        <p:nvPicPr>
+          <p:cNvPr id="4" name="Picture 3" descr="latex-image-1.pdf"/>
+          <p:cNvPicPr>
+            <a:picLocks noChangeAspect="1"/>
+          </p:cNvPicPr>
+          <p:nvPr/>
+        </p:nvPicPr>
+        <p:blipFill>
+          <a:blip r:embed="rId4">
+            <a:extLst>
+              <a:ext uri="{28A0092B-C50C-407E-A947-70E740481C1C}">
+                <a14:useLocalDpi xmlns:a14="http://schemas.microsoft.com/office/drawing/2010/main" val="0"/>
+              </a:ext>
+            </a:extLst>
+          </a:blip>
+          <a:stretch>
+            <a:fillRect/>
+          </a:stretch>
+        </p:blipFill>
+        <p:spPr>
+          <a:xfrm>
+            <a:off x="2527361" y="4832367"/>
+            <a:ext cx="1018488" cy="356654"/>
+          </a:xfrm>
+          <a:prstGeom prst="rect">
+            <a:avLst/>
+          </a:prstGeom>
+        </p:spPr>
+      </p:pic>
+      <p:pic>
+        <p:nvPicPr>
+          <p:cNvPr id="5" name="Picture 4" descr="latex-image-1.pdf"/>
+          <p:cNvPicPr>
+            <a:picLocks noChangeAspect="1"/>
+          </p:cNvPicPr>
+          <p:nvPr/>
+        </p:nvPicPr>
+        <p:blipFill>
+          <a:blip r:embed="rId5">
+            <a:extLst>
+              <a:ext uri="{28A0092B-C50C-407E-A947-70E740481C1C}">
+                <a14:useLocalDpi xmlns:a14="http://schemas.microsoft.com/office/drawing/2010/main" val="0"/>
+              </a:ext>
+            </a:extLst>
+          </a:blip>
+          <a:stretch>
+            <a:fillRect/>
+          </a:stretch>
+        </p:blipFill>
+        <p:spPr>
+          <a:xfrm>
+            <a:off x="4389955" y="4841310"/>
+            <a:ext cx="955557" cy="339521"/>
           </a:xfrm>
           <a:prstGeom prst="rect">
             <a:avLst/>
@@ -5941,7 +6972,7 @@
   <p:timing>
     <p:tnLst>
       <p:par>
-        <p:cTn id="1" dur="indefinite" restart="never" nodeType="tmRoot"/>
+        <p:cTn xmlns:p14="http://schemas.microsoft.com/office/powerpoint/2010/main" id="1" dur="indefinite" restart="never" nodeType="tmRoot"/>
       </p:par>
     </p:tnLst>
   </p:timing>
@@ -6057,7 +7088,7 @@
         </p:blipFill>
         <p:spPr>
           <a:xfrm>
-            <a:off x="2737704" y="1796867"/>
+            <a:off x="5478821" y="1721418"/>
             <a:ext cx="6475575" cy="4823642"/>
           </a:xfrm>
           <a:prstGeom prst="rect">
@@ -6065,6 +7096,107 @@
           </a:prstGeom>
         </p:spPr>
       </p:pic>
+      <p:sp>
+        <p:nvSpPr>
+          <p:cNvPr id="6" name="Content Placeholder 10"/>
+          <p:cNvSpPr>
+            <a:spLocks noGrp="1"/>
+          </p:cNvSpPr>
+          <p:nvPr>
+            <p:ph idx="1"/>
+          </p:nvPr>
+        </p:nvSpPr>
+        <p:spPr>
+          <a:xfrm>
+            <a:off x="609600" y="1752601"/>
+            <a:ext cx="10972800" cy="4373563"/>
+          </a:xfrm>
+        </p:spPr>
+        <p:txBody>
+          <a:bodyPr/>
+          <a:lstStyle/>
+          <a:p>
+            <a:pPr marL="0" indent="0">
+              <a:buNone/>
+            </a:pPr>
+            <a:r>
+              <a:rPr lang="en-US" dirty="0" smtClean="0"/>
+              <a:t>The points on an elliptic curve form an</a:t>
+            </a:r>
+          </a:p>
+          <a:p>
+            <a:pPr marL="0" indent="0">
+              <a:buNone/>
+            </a:pPr>
+            <a:r>
+              <a:rPr lang="en-US" dirty="0" err="1" smtClean="0"/>
+              <a:t>abelian</a:t>
+            </a:r>
+            <a:r>
+              <a:rPr lang="en-US" dirty="0" smtClean="0"/>
+              <a:t> group:</a:t>
+            </a:r>
+          </a:p>
+          <a:p>
+            <a:pPr marL="0" indent="0">
+              <a:buNone/>
+            </a:pPr>
+            <a:r>
+              <a:rPr lang="en-US" dirty="0" smtClean="0"/>
+              <a:t>To compute P+Q:</a:t>
+            </a:r>
+          </a:p>
+          <a:p>
+            <a:pPr marL="0" indent="0">
+              <a:buNone/>
+            </a:pPr>
+            <a:r>
+              <a:rPr lang="en-US" dirty="0" smtClean="0"/>
+              <a:t>Find the line through P and Q.</a:t>
+            </a:r>
+          </a:p>
+          <a:p>
+            <a:pPr marL="0" indent="0">
+              <a:buNone/>
+            </a:pPr>
+            <a:r>
+              <a:rPr lang="en-US" dirty="0" smtClean="0"/>
+              <a:t>This line will intersect the curve</a:t>
+            </a:r>
+          </a:p>
+          <a:p>
+            <a:pPr marL="0" indent="0">
+              <a:buNone/>
+            </a:pPr>
+            <a:r>
+              <a:rPr lang="en-US" dirty="0" smtClean="0"/>
+              <a:t>at a third point R. Reflect R</a:t>
+            </a:r>
+          </a:p>
+          <a:p>
+            <a:pPr marL="0" indent="0">
+              <a:buNone/>
+            </a:pPr>
+            <a:r>
+              <a:rPr lang="en-US" dirty="0" smtClean="0"/>
+              <a:t>about the y-axis to obtain P+Q</a:t>
+            </a:r>
+            <a:endParaRPr lang="en-US" dirty="0"/>
+          </a:p>
+          <a:p>
+            <a:pPr marL="0" indent="0">
+              <a:buNone/>
+            </a:pPr>
+            <a:endParaRPr lang="en-US" dirty="0"/>
+          </a:p>
+          <a:p>
+            <a:pPr marL="0" indent="0">
+              <a:buNone/>
+            </a:pPr>
+            <a:endParaRPr lang="en-US" dirty="0"/>
+          </a:p>
+        </p:txBody>
+      </p:sp>
     </p:spTree>
     <p:extLst>
       <p:ext uri="{BB962C8B-B14F-4D97-AF65-F5344CB8AC3E}">
@@ -6078,7 +7210,7 @@
   <p:timing>
     <p:tnLst>
       <p:par>
-        <p:cTn id="1" dur="indefinite" restart="never" nodeType="tmRoot"/>
+        <p:cTn xmlns:p14="http://schemas.microsoft.com/office/powerpoint/2010/main" id="1" dur="indefinite" restart="never" nodeType="tmRoot"/>
       </p:par>
     </p:tnLst>
   </p:timing>
@@ -6211,21 +7343,13 @@
             <a:pPr marL="0" indent="0">
               <a:buNone/>
             </a:pPr>
-            <a:endParaRPr lang="en-US" dirty="0" smtClean="0"/>
-          </a:p>
-          <a:p>
-            <a:pPr marL="0" indent="0">
-              <a:buNone/>
-            </a:pPr>
-            <a:endParaRPr lang="en-US" dirty="0" smtClean="0"/>
-          </a:p>
-          <a:p>
-            <a:pPr marL="0" indent="0">
-              <a:buNone/>
-            </a:pPr>
-            <a:r>
-              <a:rPr lang="en-US" dirty="0" smtClean="0"/>
-              <a:t>Fact: two elliptic curves (over an algebraically closed field) are isomorphic </a:t>
+            <a:r>
+              <a:rPr lang="en-US" dirty="0" smtClean="0"/>
+              <a:t>Fact</a:t>
+            </a:r>
+            <a:r>
+              <a:rPr lang="en-US" dirty="0" smtClean="0"/>
+              <a:t>: two elliptic curves (over an algebraically closed field) are isomorphic </a:t>
             </a:r>
             <a:r>
               <a:rPr lang="en-US" dirty="0" err="1" smtClean="0"/>
@@ -6237,8 +7361,36 @@
             </a:r>
             <a:r>
               <a:rPr lang="en-US" dirty="0" smtClean="0"/>
-              <a:t>they have the same j-invariant.</a:t>
-            </a:r>
+              <a:t>they have the same j-invariant</a:t>
+            </a:r>
+            <a:r>
+              <a:rPr lang="en-US" dirty="0" smtClean="0"/>
+              <a:t>.</a:t>
+            </a:r>
+          </a:p>
+          <a:p>
+            <a:pPr marL="0" indent="0">
+              <a:buNone/>
+            </a:pPr>
+            <a:endParaRPr lang="en-US" dirty="0"/>
+          </a:p>
+          <a:p>
+            <a:pPr marL="0" indent="0">
+              <a:buNone/>
+            </a:pPr>
+            <a:r>
+              <a:rPr lang="en-US" dirty="0" smtClean="0"/>
+              <a:t>There is a canonical </a:t>
+            </a:r>
+            <a:r>
+              <a:rPr lang="en-US" dirty="0" smtClean="0"/>
+              <a:t>curve E </a:t>
+            </a:r>
+            <a:r>
+              <a:rPr lang="en-US" dirty="0" smtClean="0"/>
+              <a:t>for each j:</a:t>
+            </a:r>
+            <a:endParaRPr lang="en-US" dirty="0" smtClean="0"/>
           </a:p>
           <a:p>
             <a:pPr marL="0" indent="0">
@@ -6256,7 +7408,7 @@
       </p:sp>
       <p:pic>
         <p:nvPicPr>
-          <p:cNvPr id="13" name="Picture 12" descr="latex-image-1.pdf"/>
+          <p:cNvPr id="4" name="Picture 3" descr="latex-image-1.pdf"/>
           <p:cNvPicPr>
             <a:picLocks noChangeAspect="1"/>
           </p:cNvPicPr>
@@ -6276,8 +7428,38 @@
         </p:blipFill>
         <p:spPr>
           <a:xfrm>
-            <a:off x="3686233" y="2370641"/>
-            <a:ext cx="3341395" cy="1055855"/>
+            <a:off x="2074698" y="4921505"/>
+            <a:ext cx="6488151" cy="1562929"/>
+          </a:xfrm>
+          <a:prstGeom prst="rect">
+            <a:avLst/>
+          </a:prstGeom>
+        </p:spPr>
+      </p:pic>
+      <p:pic>
+        <p:nvPicPr>
+          <p:cNvPr id="6" name="Picture 5" descr="latex-image-1.pdf"/>
+          <p:cNvPicPr>
+            <a:picLocks noChangeAspect="1"/>
+          </p:cNvPicPr>
+          <p:nvPr/>
+        </p:nvPicPr>
+        <p:blipFill>
+          <a:blip r:embed="rId3">
+            <a:extLst>
+              <a:ext uri="{28A0092B-C50C-407E-A947-70E740481C1C}">
+                <a14:useLocalDpi xmlns:a14="http://schemas.microsoft.com/office/drawing/2010/main" val="0"/>
+              </a:ext>
+            </a:extLst>
+          </a:blip>
+          <a:stretch>
+            <a:fillRect/>
+          </a:stretch>
+        </p:blipFill>
+        <p:spPr>
+          <a:xfrm>
+            <a:off x="2904576" y="2062320"/>
+            <a:ext cx="4018943" cy="859520"/>
           </a:xfrm>
           <a:prstGeom prst="rect">
             <a:avLst/>
@@ -6297,7 +7479,7 @@
   <p:timing>
     <p:tnLst>
       <p:par>
-        <p:cTn id="1" dur="indefinite" restart="never" nodeType="tmRoot"/>
+        <p:cTn xmlns:p14="http://schemas.microsoft.com/office/powerpoint/2010/main" id="1" dur="indefinite" restart="never" nodeType="tmRoot"/>
       </p:par>
     </p:tnLst>
   </p:timing>
@@ -6368,32 +7550,9 @@
           </a:p>
         </p:txBody>
       </p:sp>
-      <p:sp>
-        <p:nvSpPr>
-          <p:cNvPr id="2" name="Title 1"/>
-          <p:cNvSpPr>
-            <a:spLocks noGrp="1"/>
-          </p:cNvSpPr>
-          <p:nvPr>
-            <p:ph type="title"/>
-          </p:nvPr>
-        </p:nvSpPr>
-        <p:spPr/>
-        <p:txBody>
-          <a:bodyPr/>
-          <a:lstStyle/>
-          <a:p>
-            <a:r>
-              <a:rPr lang="en-US" dirty="0" smtClean="0"/>
-              <a:t>Pairings</a:t>
-            </a:r>
-            <a:endParaRPr lang="en-US" dirty="0"/>
-          </a:p>
-        </p:txBody>
-      </p:sp>
       <p:pic>
         <p:nvPicPr>
-          <p:cNvPr id="12" name="Picture 11" descr="Screen Shot 2015-11-26 at 2.50.30 PM.png"/>
+          <p:cNvPr id="15" name="Picture 14" descr="Screen Shot 2015-11-26 at 3.06.31 PM.png"/>
           <p:cNvPicPr>
             <a:picLocks noChangeAspect="1"/>
           </p:cNvPicPr>
@@ -6413,8 +7572,8 @@
         </p:blipFill>
         <p:spPr>
           <a:xfrm>
-            <a:off x="304403" y="1659884"/>
-            <a:ext cx="11687644" cy="2723625"/>
+            <a:off x="880083" y="4801797"/>
+            <a:ext cx="10870746" cy="1485621"/>
           </a:xfrm>
           <a:prstGeom prst="rect">
             <a:avLst/>
@@ -6423,48 +7582,101 @@
       </p:pic>
       <p:sp>
         <p:nvSpPr>
-          <p:cNvPr id="13" name="TextBox 12"/>
-          <p:cNvSpPr txBox="1"/>
-          <p:nvPr/>
-        </p:nvSpPr>
-        <p:spPr>
-          <a:xfrm>
-            <a:off x="810706" y="4173426"/>
-            <a:ext cx="2892005" cy="461665"/>
-          </a:xfrm>
-          <a:prstGeom prst="rect">
-            <a:avLst/>
-          </a:prstGeom>
-          <a:noFill/>
-        </p:spPr>
-        <p:txBody>
-          <a:bodyPr wrap="square" rtlCol="0">
-            <a:spAutoFit/>
+          <p:cNvPr id="10" name="Content Placeholder 10"/>
+          <p:cNvSpPr>
+            <a:spLocks noGrp="1"/>
+          </p:cNvSpPr>
+          <p:nvPr>
+            <p:ph idx="1"/>
+          </p:nvPr>
+        </p:nvSpPr>
+        <p:spPr>
+          <a:xfrm>
+            <a:off x="609600" y="1752601"/>
+            <a:ext cx="10972800" cy="4373563"/>
+          </a:xfrm>
+        </p:spPr>
+        <p:txBody>
+          <a:bodyPr>
+            <a:normAutofit/>
           </a:bodyPr>
           <a:lstStyle/>
           <a:p>
-            <a:r>
-              <a:rPr lang="en-US" sz="2400" dirty="0" smtClean="0">
-                <a:solidFill>
-                  <a:srgbClr val="000000"/>
-                </a:solidFill>
-              </a:rPr>
-              <a:t>Examples</a:t>
-            </a:r>
-            <a:r>
-              <a:rPr lang="en-US" sz="2400" dirty="0" smtClean="0">
-                <a:solidFill>
-                  <a:srgbClr val="586B5E"/>
-                </a:solidFill>
-              </a:rPr>
-              <a:t>:</a:t>
-            </a:r>
+            <a:pPr marL="0" indent="0">
+              <a:buNone/>
+            </a:pPr>
+            <a:r>
+              <a:rPr lang="en-US" dirty="0" smtClean="0"/>
+              <a:t>A map							satisfying</a:t>
+            </a:r>
+          </a:p>
+          <a:p>
+            <a:pPr marL="0" indent="0">
+              <a:buNone/>
+            </a:pPr>
+            <a:endParaRPr lang="en-US" dirty="0"/>
+          </a:p>
+          <a:p>
+            <a:pPr marL="0" indent="0">
+              <a:buNone/>
+            </a:pPr>
+            <a:endParaRPr lang="en-US" dirty="0" smtClean="0"/>
+          </a:p>
+          <a:p>
+            <a:pPr marL="0" indent="0">
+              <a:buNone/>
+            </a:pPr>
+            <a:endParaRPr lang="en-US" dirty="0"/>
+          </a:p>
+          <a:p>
+            <a:pPr marL="0" indent="0">
+              <a:buNone/>
+            </a:pPr>
+            <a:endParaRPr lang="en-US" dirty="0"/>
+          </a:p>
+          <a:p>
+            <a:pPr marL="0" indent="0">
+              <a:buNone/>
+            </a:pPr>
+            <a:endParaRPr lang="en-US" dirty="0"/>
+          </a:p>
+          <a:p>
+            <a:pPr marL="0" indent="0">
+              <a:buNone/>
+            </a:pPr>
+            <a:r>
+              <a:rPr lang="en-US" dirty="0" smtClean="0"/>
+              <a:t>For elliptic curves, there are two pairings:  </a:t>
+            </a:r>
+          </a:p>
+        </p:txBody>
+      </p:sp>
+      <p:sp>
+        <p:nvSpPr>
+          <p:cNvPr id="2" name="Title 1"/>
+          <p:cNvSpPr>
+            <a:spLocks noGrp="1"/>
+          </p:cNvSpPr>
+          <p:nvPr>
+            <p:ph type="title"/>
+          </p:nvPr>
+        </p:nvSpPr>
+        <p:spPr/>
+        <p:txBody>
+          <a:bodyPr/>
+          <a:lstStyle/>
+          <a:p>
+            <a:r>
+              <a:rPr lang="en-US" dirty="0" smtClean="0"/>
+              <a:t>Pairings</a:t>
+            </a:r>
+            <a:endParaRPr lang="en-US" dirty="0"/>
           </a:p>
         </p:txBody>
       </p:sp>
       <p:pic>
         <p:nvPicPr>
-          <p:cNvPr id="15" name="Picture 14" descr="Screen Shot 2015-11-26 at 3.06.31 PM.png"/>
+          <p:cNvPr id="5" name="Picture 4" descr="latex-image-1.pdf"/>
           <p:cNvPicPr>
             <a:picLocks noChangeAspect="1"/>
           </p:cNvPicPr>
@@ -6484,8 +7696,38 @@
         </p:blipFill>
         <p:spPr>
           <a:xfrm>
-            <a:off x="880083" y="4726348"/>
-            <a:ext cx="9664700" cy="1320800"/>
+            <a:off x="1634610" y="2327863"/>
+            <a:ext cx="4811101" cy="1558359"/>
+          </a:xfrm>
+          <a:prstGeom prst="rect">
+            <a:avLst/>
+          </a:prstGeom>
+        </p:spPr>
+      </p:pic>
+      <p:pic>
+        <p:nvPicPr>
+          <p:cNvPr id="8" name="Picture 7" descr="latex-image-1.pdf"/>
+          <p:cNvPicPr>
+            <a:picLocks noChangeAspect="1"/>
+          </p:cNvPicPr>
+          <p:nvPr/>
+        </p:nvPicPr>
+        <p:blipFill>
+          <a:blip r:embed="rId4">
+            <a:extLst>
+              <a:ext uri="{28A0092B-C50C-407E-A947-70E740481C1C}">
+                <a14:useLocalDpi xmlns:a14="http://schemas.microsoft.com/office/drawing/2010/main" val="0"/>
+              </a:ext>
+            </a:extLst>
+          </a:blip>
+          <a:stretch>
+            <a:fillRect/>
+          </a:stretch>
+        </p:blipFill>
+        <p:spPr>
+          <a:xfrm>
+            <a:off x="1860942" y="1793367"/>
+            <a:ext cx="5854738" cy="402143"/>
           </a:xfrm>
           <a:prstGeom prst="rect">
             <a:avLst/>
@@ -6505,7 +7747,7 @@
   <p:timing>
     <p:tnLst>
       <p:par>
-        <p:cTn id="1" dur="indefinite" restart="never" nodeType="tmRoot"/>
+        <p:cTn xmlns:p14="http://schemas.microsoft.com/office/powerpoint/2010/main" id="1" dur="indefinite" restart="never" nodeType="tmRoot"/>
       </p:par>
     </p:tnLst>
   </p:timing>
@@ -6578,6 +7820,77 @@
       </p:sp>
       <p:sp>
         <p:nvSpPr>
+          <p:cNvPr id="8" name="Content Placeholder 10"/>
+          <p:cNvSpPr>
+            <a:spLocks noGrp="1"/>
+          </p:cNvSpPr>
+          <p:nvPr>
+            <p:ph idx="1"/>
+          </p:nvPr>
+        </p:nvSpPr>
+        <p:spPr>
+          <a:xfrm>
+            <a:off x="609600" y="1752601"/>
+            <a:ext cx="10972800" cy="4373563"/>
+          </a:xfrm>
+        </p:spPr>
+        <p:txBody>
+          <a:bodyPr>
+            <a:normAutofit/>
+          </a:bodyPr>
+          <a:lstStyle/>
+          <a:p>
+            <a:pPr marL="0" indent="0">
+              <a:buNone/>
+            </a:pPr>
+            <a:r>
+              <a:rPr lang="en-US" dirty="0" smtClean="0"/>
+              <a:t>Weil/Tate pairings are useful when DLP is hard in both                    and</a:t>
+            </a:r>
+          </a:p>
+          <a:p>
+            <a:pPr marL="0" indent="0">
+              <a:buNone/>
+            </a:pPr>
+            <a:r>
+              <a:rPr lang="en-US" dirty="0" smtClean="0"/>
+              <a:t>Computing the pairings requires computation in an extension field containing       .</a:t>
+            </a:r>
+          </a:p>
+          <a:p>
+            <a:pPr marL="0" indent="0">
+              <a:buNone/>
+            </a:pPr>
+            <a:endParaRPr lang="en-US" dirty="0" smtClean="0"/>
+          </a:p>
+          <a:p>
+            <a:pPr marL="0" indent="0">
+              <a:buNone/>
+            </a:pPr>
+            <a:r>
+              <a:rPr lang="en-US" dirty="0" smtClean="0"/>
+              <a:t>The embedding degree is                                  , so we are doing computations in</a:t>
+            </a:r>
+          </a:p>
+          <a:p>
+            <a:pPr marL="0" indent="0">
+              <a:buNone/>
+            </a:pPr>
+            <a:endParaRPr lang="en-US" dirty="0"/>
+          </a:p>
+          <a:p>
+            <a:pPr marL="0" indent="0">
+              <a:buNone/>
+            </a:pPr>
+            <a:r>
+              <a:rPr lang="en-US" dirty="0" smtClean="0"/>
+              <a:t>Efficient when k is small. But we don’t want k to be too small (otherwise DLP becomes too easy). We also need r to be sufficiently large.</a:t>
+            </a:r>
+          </a:p>
+        </p:txBody>
+      </p:sp>
+      <p:sp>
+        <p:nvSpPr>
           <p:cNvPr id="2" name="Title 1"/>
           <p:cNvSpPr>
             <a:spLocks noGrp="1"/>
@@ -6599,83 +7912,16 @@
           </a:p>
         </p:txBody>
       </p:sp>
-      <p:sp>
-        <p:nvSpPr>
-          <p:cNvPr id="7" name="TextBox 6"/>
-          <p:cNvSpPr txBox="1"/>
-          <p:nvPr/>
-        </p:nvSpPr>
-        <p:spPr>
-          <a:xfrm>
-            <a:off x="528255" y="3427868"/>
-            <a:ext cx="2841709" cy="461665"/>
-          </a:xfrm>
-          <a:prstGeom prst="rect">
-            <a:avLst/>
-          </a:prstGeom>
-          <a:noFill/>
-        </p:spPr>
-        <p:txBody>
-          <a:bodyPr wrap="square" rtlCol="0">
-            <a:spAutoFit/>
-          </a:bodyPr>
-          <a:lstStyle/>
-          <a:p>
-            <a:r>
-              <a:rPr lang="en-US" sz="2400" dirty="0" smtClean="0"/>
-              <a:t>Problem:</a:t>
-            </a:r>
-          </a:p>
-        </p:txBody>
-      </p:sp>
-      <p:sp>
-        <p:nvSpPr>
-          <p:cNvPr id="10" name="TextBox 9"/>
-          <p:cNvSpPr txBox="1"/>
-          <p:nvPr/>
-        </p:nvSpPr>
-        <p:spPr>
-          <a:xfrm>
-            <a:off x="591129" y="4662425"/>
-            <a:ext cx="8374239" cy="830997"/>
-          </a:xfrm>
-          <a:prstGeom prst="rect">
-            <a:avLst/>
-          </a:prstGeom>
-          <a:noFill/>
-        </p:spPr>
-        <p:txBody>
-          <a:bodyPr wrap="square" rtlCol="0">
-            <a:spAutoFit/>
-          </a:bodyPr>
-          <a:lstStyle/>
-          <a:p>
-            <a:r>
-              <a:rPr lang="en-US" sz="2400" dirty="0" smtClean="0">
-                <a:solidFill>
-                  <a:srgbClr val="000000"/>
-                </a:solidFill>
-              </a:rPr>
-              <a:t>So we need to find a way to generate these curves on our own.</a:t>
-            </a:r>
-            <a:endParaRPr lang="en-US" sz="2400" dirty="0">
-              <a:solidFill>
-                <a:srgbClr val="000000"/>
-              </a:solidFill>
-            </a:endParaRPr>
-          </a:p>
-        </p:txBody>
-      </p:sp>
       <p:pic>
         <p:nvPicPr>
-          <p:cNvPr id="3" name="Picture 2" descr="latex-image-1.pdf"/>
+          <p:cNvPr id="6" name="Picture 5" descr="latex-image-1.pdf"/>
           <p:cNvPicPr>
             <a:picLocks noChangeAspect="1"/>
           </p:cNvPicPr>
           <p:nvPr/>
         </p:nvPicPr>
         <p:blipFill>
-          <a:blip r:embed="rId2" cstate="print">
+          <a:blip r:embed="rId2">
             <a:extLst>
               <a:ext uri="{28A0092B-C50C-407E-A947-70E740481C1C}">
                 <a14:useLocalDpi xmlns:a14="http://schemas.microsoft.com/office/drawing/2010/main" val="0"/>
@@ -6688,8 +7934,8 @@
         </p:blipFill>
         <p:spPr>
           <a:xfrm>
-            <a:off x="859145" y="3860928"/>
-            <a:ext cx="7393435" cy="788234"/>
+            <a:off x="10908501" y="1886225"/>
+            <a:ext cx="417983" cy="297232"/>
           </a:xfrm>
           <a:prstGeom prst="rect">
             <a:avLst/>
@@ -6698,14 +7944,14 @@
       </p:pic>
       <p:pic>
         <p:nvPicPr>
-          <p:cNvPr id="4" name="Picture 3" descr="latex-image-1.pdf"/>
+          <p:cNvPr id="11" name="Picture 10" descr="latex-image-1.pdf"/>
           <p:cNvPicPr>
             <a:picLocks noChangeAspect="1"/>
           </p:cNvPicPr>
           <p:nvPr/>
         </p:nvPicPr>
         <p:blipFill>
-          <a:blip r:embed="rId3" cstate="print">
+          <a:blip r:embed="rId3">
             <a:extLst>
               <a:ext uri="{28A0092B-C50C-407E-A947-70E740481C1C}">
                 <a14:useLocalDpi xmlns:a14="http://schemas.microsoft.com/office/drawing/2010/main" val="0"/>
@@ -6718,8 +7964,98 @@
         </p:blipFill>
         <p:spPr>
           <a:xfrm>
-            <a:off x="863822" y="2050724"/>
-            <a:ext cx="10849458" cy="1060776"/>
+            <a:off x="8566690" y="1796475"/>
+            <a:ext cx="1429586" cy="422954"/>
+          </a:xfrm>
+          <a:prstGeom prst="rect">
+            <a:avLst/>
+          </a:prstGeom>
+        </p:spPr>
+      </p:pic>
+      <p:pic>
+        <p:nvPicPr>
+          <p:cNvPr id="12" name="Picture 11" descr="latex-image-1.pdf"/>
+          <p:cNvPicPr>
+            <a:picLocks noChangeAspect="1"/>
+          </p:cNvPicPr>
+          <p:nvPr/>
+        </p:nvPicPr>
+        <p:blipFill>
+          <a:blip r:embed="rId4">
+            <a:extLst>
+              <a:ext uri="{28A0092B-C50C-407E-A947-70E740481C1C}">
+                <a14:useLocalDpi xmlns:a14="http://schemas.microsoft.com/office/drawing/2010/main" val="0"/>
+              </a:ext>
+            </a:extLst>
+          </a:blip>
+          <a:stretch>
+            <a:fillRect/>
+          </a:stretch>
+        </p:blipFill>
+        <p:spPr>
+          <a:xfrm>
+            <a:off x="4671830" y="3520956"/>
+            <a:ext cx="2567287" cy="364671"/>
+          </a:xfrm>
+          <a:prstGeom prst="rect">
+            <a:avLst/>
+          </a:prstGeom>
+        </p:spPr>
+      </p:pic>
+      <p:pic>
+        <p:nvPicPr>
+          <p:cNvPr id="13" name="Picture 12" descr="latex-image-1.pdf"/>
+          <p:cNvPicPr>
+            <a:picLocks noChangeAspect="1"/>
+          </p:cNvPicPr>
+          <p:nvPr/>
+        </p:nvPicPr>
+        <p:blipFill>
+          <a:blip r:embed="rId5">
+            <a:extLst>
+              <a:ext uri="{28A0092B-C50C-407E-A947-70E740481C1C}">
+                <a14:useLocalDpi xmlns:a14="http://schemas.microsoft.com/office/drawing/2010/main" val="0"/>
+              </a:ext>
+            </a:extLst>
+          </a:blip>
+          <a:stretch>
+            <a:fillRect/>
+          </a:stretch>
+        </p:blipFill>
+        <p:spPr>
+          <a:xfrm>
+            <a:off x="3206117" y="3898202"/>
+            <a:ext cx="475177" cy="364671"/>
+          </a:xfrm>
+          <a:prstGeom prst="rect">
+            <a:avLst/>
+          </a:prstGeom>
+        </p:spPr>
+      </p:pic>
+      <p:pic>
+        <p:nvPicPr>
+          <p:cNvPr id="15" name="Picture 14" descr="latex-image-1.pdf"/>
+          <p:cNvPicPr>
+            <a:picLocks noChangeAspect="1"/>
+          </p:cNvPicPr>
+          <p:nvPr/>
+        </p:nvPicPr>
+        <p:blipFill>
+          <a:blip r:embed="rId2">
+            <a:extLst>
+              <a:ext uri="{28A0092B-C50C-407E-A947-70E740481C1C}">
+                <a14:useLocalDpi xmlns:a14="http://schemas.microsoft.com/office/drawing/2010/main" val="0"/>
+              </a:ext>
+            </a:extLst>
+          </a:blip>
+          <a:stretch>
+            <a:fillRect/>
+          </a:stretch>
+        </p:blipFill>
+        <p:spPr>
+          <a:xfrm>
+            <a:off x="2359739" y="2705092"/>
+            <a:ext cx="417983" cy="297232"/>
           </a:xfrm>
           <a:prstGeom prst="rect">
             <a:avLst/>
@@ -6739,7 +8075,7 @@
   <p:timing>
     <p:tnLst>
       <p:par>
-        <p:cTn id="1" dur="indefinite" restart="never" nodeType="tmRoot"/>
+        <p:cTn xmlns:p14="http://schemas.microsoft.com/office/powerpoint/2010/main" id="1" dur="indefinite" restart="never" nodeType="tmRoot"/>
       </p:par>
     </p:tnLst>
   </p:timing>
@@ -6765,7 +8101,7 @@
       </p:grpSpPr>
       <p:sp>
         <p:nvSpPr>
-          <p:cNvPr id="10" name="Rectangle 9"/>
+          <p:cNvPr id="9" name="Rectangle 8"/>
           <p:cNvSpPr/>
           <p:nvPr/>
         </p:nvSpPr>
@@ -6812,6 +8148,107 @@
       </p:sp>
       <p:sp>
         <p:nvSpPr>
+          <p:cNvPr id="8" name="Content Placeholder 10"/>
+          <p:cNvSpPr>
+            <a:spLocks noGrp="1"/>
+          </p:cNvSpPr>
+          <p:nvPr>
+            <p:ph idx="1"/>
+          </p:nvPr>
+        </p:nvSpPr>
+        <p:spPr>
+          <a:xfrm>
+            <a:off x="609600" y="1752601"/>
+            <a:ext cx="10972800" cy="4373563"/>
+          </a:xfrm>
+        </p:spPr>
+        <p:txBody>
+          <a:bodyPr>
+            <a:normAutofit/>
+          </a:bodyPr>
+          <a:lstStyle/>
+          <a:p>
+            <a:pPr marL="0" indent="0">
+              <a:buNone/>
+            </a:pPr>
+            <a:r>
+              <a:rPr lang="en-US" dirty="0" smtClean="0"/>
+              <a:t>Alternative definition of embedding degree:</a:t>
+            </a:r>
+          </a:p>
+          <a:p>
+            <a:pPr marL="0" indent="0">
+              <a:buNone/>
+            </a:pPr>
+            <a:r>
+              <a:rPr lang="en-US" dirty="0"/>
+              <a:t>	</a:t>
+            </a:r>
+            <a:r>
+              <a:rPr lang="en-US" dirty="0" smtClean="0"/>
+              <a:t>k is the smallest positive integer such that</a:t>
+            </a:r>
+          </a:p>
+          <a:p>
+            <a:pPr marL="0" indent="0">
+              <a:buNone/>
+            </a:pPr>
+            <a:endParaRPr lang="en-US" dirty="0"/>
+          </a:p>
+          <a:p>
+            <a:pPr marL="0" indent="0">
+              <a:buNone/>
+            </a:pPr>
+            <a:r>
+              <a:rPr lang="en-US" dirty="0" smtClean="0"/>
+              <a:t>Reason: </a:t>
+            </a:r>
+            <a:endParaRPr lang="en-US" dirty="0"/>
+          </a:p>
+          <a:p>
+            <a:pPr marL="0" indent="0">
+              <a:buNone/>
+            </a:pPr>
+            <a:r>
+              <a:rPr lang="en-US" dirty="0" smtClean="0"/>
+              <a:t> </a:t>
+            </a:r>
+          </a:p>
+          <a:p>
+            <a:pPr marL="0" indent="0">
+              <a:buNone/>
+            </a:pPr>
+            <a:r>
+              <a:rPr lang="en-US" dirty="0" smtClean="0"/>
+              <a:t>Problem:</a:t>
+            </a:r>
+          </a:p>
+          <a:p>
+            <a:pPr marL="0" indent="0">
+              <a:buNone/>
+            </a:pPr>
+            <a:endParaRPr lang="en-US" dirty="0"/>
+          </a:p>
+          <a:p>
+            <a:pPr marL="0" indent="0">
+              <a:buNone/>
+            </a:pPr>
+            <a:endParaRPr lang="en-US" dirty="0"/>
+          </a:p>
+          <a:p>
+            <a:pPr marL="0" indent="0">
+              <a:buNone/>
+            </a:pPr>
+            <a:r>
+              <a:rPr lang="en-US" dirty="0" smtClean="0"/>
+              <a:t>so we need to find a way to generate these curves on our own. </a:t>
+            </a:r>
+            <a:endParaRPr lang="en-US" dirty="0"/>
+          </a:p>
+        </p:txBody>
+      </p:sp>
+      <p:sp>
+        <p:nvSpPr>
           <p:cNvPr id="2" name="Title 1"/>
           <p:cNvSpPr>
             <a:spLocks noGrp="1"/>
@@ -6826,169 +8263,16 @@
           <a:lstStyle/>
           <a:p>
             <a:r>
-              <a:rPr lang="en-US" smtClean="0"/>
-              <a:t>Complex Multiplication</a:t>
+              <a:rPr lang="en-US" dirty="0" smtClean="0"/>
+              <a:t>Pairing-Friendly Curves</a:t>
             </a:r>
             <a:endParaRPr lang="en-US" dirty="0"/>
-          </a:p>
-        </p:txBody>
-      </p:sp>
-      <p:sp>
-        <p:nvSpPr>
-          <p:cNvPr id="3" name="Content Placeholder 2"/>
-          <p:cNvSpPr>
-            <a:spLocks noGrp="1"/>
-          </p:cNvSpPr>
-          <p:nvPr>
-            <p:ph idx="1"/>
-          </p:nvPr>
-        </p:nvSpPr>
-        <p:spPr/>
-        <p:txBody>
-          <a:bodyPr>
-            <a:normAutofit lnSpcReduction="10000"/>
-          </a:bodyPr>
-          <a:lstStyle/>
-          <a:p>
-            <a:pPr marL="0" indent="0">
-              <a:buNone/>
-            </a:pPr>
-            <a:r>
-              <a:rPr lang="en-US" dirty="0" smtClean="0"/>
-              <a:t>The trace of </a:t>
-            </a:r>
-            <a:r>
-              <a:rPr lang="en-US" dirty="0" err="1" smtClean="0"/>
-              <a:t>Frobenius</a:t>
-            </a:r>
-            <a:r>
-              <a:rPr lang="en-US" dirty="0"/>
-              <a:t> </a:t>
-            </a:r>
-            <a:r>
-              <a:rPr lang="en-US" dirty="0" smtClean="0"/>
-              <a:t>is the integer t satisfying:</a:t>
-            </a:r>
-          </a:p>
-          <a:p>
-            <a:pPr marL="0" indent="0">
-              <a:buNone/>
-            </a:pPr>
-            <a:endParaRPr lang="en-US" dirty="0" smtClean="0"/>
-          </a:p>
-          <a:p>
-            <a:pPr marL="0" indent="0">
-              <a:buNone/>
-            </a:pPr>
-            <a:endParaRPr lang="en-US" dirty="0"/>
-          </a:p>
-          <a:p>
-            <a:pPr marL="0" indent="0">
-              <a:buNone/>
-            </a:pPr>
-            <a:r>
-              <a:rPr lang="en-US" dirty="0" smtClean="0"/>
-              <a:t>The </a:t>
-            </a:r>
-            <a:r>
-              <a:rPr lang="en-US" dirty="0" err="1" smtClean="0"/>
-              <a:t>Hasse</a:t>
-            </a:r>
-            <a:r>
-              <a:rPr lang="en-US" dirty="0" smtClean="0"/>
-              <a:t> Bound:</a:t>
-            </a:r>
-          </a:p>
-          <a:p>
-            <a:pPr marL="0" indent="0">
-              <a:buNone/>
-            </a:pPr>
-            <a:endParaRPr lang="en-US" dirty="0" smtClean="0"/>
-          </a:p>
-          <a:p>
-            <a:pPr marL="0" indent="0">
-              <a:buNone/>
-            </a:pPr>
-            <a:endParaRPr lang="en-US" dirty="0"/>
-          </a:p>
-          <a:p>
-            <a:pPr marL="0" indent="0">
-              <a:buNone/>
-            </a:pPr>
-            <a:r>
-              <a:rPr lang="en-US" dirty="0" smtClean="0"/>
-              <a:t>CM Method:</a:t>
-            </a:r>
-          </a:p>
-          <a:p>
-            <a:pPr marL="0" indent="0">
-              <a:buNone/>
-            </a:pPr>
-            <a:r>
-              <a:rPr lang="en-US" dirty="0" smtClean="0"/>
-              <a:t>	Input: </a:t>
-            </a:r>
-            <a:r>
-              <a:rPr lang="en-US" dirty="0" err="1" smtClean="0"/>
-              <a:t>p,t</a:t>
-            </a:r>
-            <a:endParaRPr lang="en-US" dirty="0" smtClean="0"/>
-          </a:p>
-          <a:p>
-            <a:pPr marL="0" indent="0">
-              <a:buNone/>
-            </a:pPr>
-            <a:r>
-              <a:rPr lang="en-US" dirty="0" smtClean="0"/>
-              <a:t>	Output: An elliptic curve E over       with trace </a:t>
-            </a:r>
-            <a:r>
-              <a:rPr lang="en-US" sz="2600" dirty="0" smtClean="0">
-                <a:solidFill>
-                  <a:srgbClr val="000000"/>
-                </a:solidFill>
-                <a:latin typeface="Times New Roman"/>
-                <a:cs typeface="Times New Roman"/>
-              </a:rPr>
-              <a:t>t</a:t>
-            </a:r>
-          </a:p>
-          <a:p>
-            <a:pPr marL="0" indent="0">
-              <a:buNone/>
-            </a:pPr>
-            <a:r>
-              <a:rPr lang="en-US" dirty="0" smtClean="0"/>
-              <a:t>Efficient when                            , with </a:t>
-            </a:r>
-            <a:r>
-              <a:rPr lang="en-US" i="1" dirty="0" smtClean="0">
-                <a:solidFill>
-                  <a:schemeClr val="tx1"/>
-                </a:solidFill>
-                <a:latin typeface="Times New Roman"/>
-                <a:cs typeface="Times New Roman"/>
-              </a:rPr>
-              <a:t>D</a:t>
-            </a:r>
-            <a:r>
-              <a:rPr lang="en-US" dirty="0" smtClean="0">
-                <a:solidFill>
-                  <a:schemeClr val="tx1"/>
-                </a:solidFill>
-              </a:rPr>
-              <a:t> </a:t>
-            </a:r>
-            <a:r>
-              <a:rPr lang="en-US" dirty="0" smtClean="0"/>
-              <a:t>small.</a:t>
-            </a:r>
           </a:p>
         </p:txBody>
       </p:sp>
       <p:pic>
         <p:nvPicPr>
-          <p:cNvPr id="4" name="Picture 3" descr="latex-image-1.pdf"/>
+          <p:cNvPr id="3" name="Picture 2" descr="latex-image-1.pdf"/>
           <p:cNvPicPr>
             <a:picLocks noChangeAspect="1"/>
           </p:cNvPicPr>
@@ -7008,8 +8292,8 @@
         </p:blipFill>
         <p:spPr>
           <a:xfrm>
-            <a:off x="3560879" y="2364074"/>
-            <a:ext cx="4468780" cy="546975"/>
+            <a:off x="1475268" y="4263321"/>
+            <a:ext cx="7665981" cy="817291"/>
           </a:xfrm>
           <a:prstGeom prst="rect">
             <a:avLst/>
@@ -7018,14 +8302,14 @@
       </p:pic>
       <p:pic>
         <p:nvPicPr>
-          <p:cNvPr id="6" name="Picture 5" descr="latex-image-1.pdf"/>
+          <p:cNvPr id="4" name="Picture 3" descr="latex-image-1.pdf"/>
           <p:cNvPicPr>
             <a:picLocks noChangeAspect="1"/>
           </p:cNvPicPr>
           <p:nvPr/>
         </p:nvPicPr>
         <p:blipFill>
-          <a:blip r:embed="rId3" cstate="print">
+          <a:blip r:embed="rId3">
             <a:extLst>
               <a:ext uri="{28A0092B-C50C-407E-A947-70E740481C1C}">
                 <a14:useLocalDpi xmlns:a14="http://schemas.microsoft.com/office/drawing/2010/main" val="0"/>
@@ -7038,8 +8322,8 @@
         </p:blipFill>
         <p:spPr>
           <a:xfrm>
-            <a:off x="3596144" y="3411661"/>
-            <a:ext cx="1985485" cy="522496"/>
+            <a:off x="7783265" y="2200543"/>
+            <a:ext cx="2306120" cy="389871"/>
           </a:xfrm>
           <a:prstGeom prst="rect">
             <a:avLst/>
@@ -7048,14 +8332,14 @@
       </p:pic>
       <p:pic>
         <p:nvPicPr>
-          <p:cNvPr id="7" name="Picture 6" descr="latex-image-1.pdf"/>
+          <p:cNvPr id="5" name="Picture 4" descr="latex-image-1.pdf"/>
           <p:cNvPicPr>
             <a:picLocks noChangeAspect="1"/>
           </p:cNvPicPr>
           <p:nvPr/>
         </p:nvPicPr>
         <p:blipFill>
-          <a:blip r:embed="rId4" cstate="print">
+          <a:blip r:embed="rId4">
             <a:extLst>
               <a:ext uri="{28A0092B-C50C-407E-A947-70E740481C1C}">
                 <a14:useLocalDpi xmlns:a14="http://schemas.microsoft.com/office/drawing/2010/main" val="0"/>
@@ -7068,38 +8352,8 @@
         </p:blipFill>
         <p:spPr>
           <a:xfrm>
-            <a:off x="6312920" y="5068289"/>
-            <a:ext cx="352752" cy="345403"/>
-          </a:xfrm>
-          <a:prstGeom prst="rect">
-            <a:avLst/>
-          </a:prstGeom>
-        </p:spPr>
-      </p:pic>
-      <p:pic>
-        <p:nvPicPr>
-          <p:cNvPr id="9" name="Picture 8" descr="latex-image-1.pdf"/>
-          <p:cNvPicPr>
-            <a:picLocks noChangeAspect="1"/>
-          </p:cNvPicPr>
-          <p:nvPr/>
-        </p:nvPicPr>
-        <p:blipFill>
-          <a:blip r:embed="rId5" cstate="print">
-            <a:extLst>
-              <a:ext uri="{28A0092B-C50C-407E-A947-70E740481C1C}">
-                <a14:useLocalDpi xmlns:a14="http://schemas.microsoft.com/office/drawing/2010/main" val="0"/>
-              </a:ext>
-            </a:extLst>
-          </a:blip>
-          <a:stretch>
-            <a:fillRect/>
-          </a:stretch>
-        </p:blipFill>
-        <p:spPr>
-          <a:xfrm>
-            <a:off x="2936875" y="5397979"/>
-            <a:ext cx="2152652" cy="380519"/>
+            <a:off x="2062124" y="3058551"/>
+            <a:ext cx="5716141" cy="500127"/>
           </a:xfrm>
           <a:prstGeom prst="rect">
             <a:avLst/>
@@ -7109,7 +8363,7 @@
     </p:spTree>
     <p:extLst>
       <p:ext uri="{BB962C8B-B14F-4D97-AF65-F5344CB8AC3E}">
-        <p14:creationId xmlns:p14="http://schemas.microsoft.com/office/powerpoint/2010/main" val="932366107"/>
+        <p14:creationId xmlns:p14="http://schemas.microsoft.com/office/powerpoint/2010/main" val="2531562551"/>
       </p:ext>
     </p:extLst>
   </p:cSld>
@@ -7119,7 +8373,7 @@
   <p:timing>
     <p:tnLst>
       <p:par>
-        <p:cTn id="1" dur="indefinite" restart="never" nodeType="tmRoot"/>
+        <p:cTn xmlns:p14="http://schemas.microsoft.com/office/powerpoint/2010/main" id="1" dur="indefinite" restart="never" nodeType="tmRoot"/>
       </p:par>
     </p:tnLst>
   </p:timing>
@@ -7145,7 +8399,7 @@
       </p:grpSpPr>
       <p:sp>
         <p:nvSpPr>
-          <p:cNvPr id="8" name="Rectangle 7"/>
+          <p:cNvPr id="10" name="Rectangle 9"/>
           <p:cNvSpPr/>
           <p:nvPr/>
         </p:nvSpPr>
@@ -7206,8 +8460,8 @@
           <a:lstStyle/>
           <a:p>
             <a:r>
-              <a:rPr lang="en-US" dirty="0" smtClean="0"/>
-              <a:t>Cocks Pinch Method</a:t>
+              <a:rPr lang="en-US" smtClean="0"/>
+              <a:t>Complex Multiplication</a:t>
             </a:r>
             <a:endParaRPr lang="en-US" dirty="0"/>
           </a:p>
@@ -7215,7 +8469,7 @@
       </p:sp>
       <p:sp>
         <p:nvSpPr>
-          <p:cNvPr id="6" name="Content Placeholder 5"/>
+          <p:cNvPr id="3" name="Content Placeholder 2"/>
           <p:cNvSpPr>
             <a:spLocks noGrp="1"/>
           </p:cNvSpPr>
@@ -7225,7 +8479,9 @@
         </p:nvSpPr>
         <p:spPr/>
         <p:txBody>
-          <a:bodyPr/>
+          <a:bodyPr>
+            <a:normAutofit lnSpcReduction="10000"/>
+          </a:bodyPr>
           <a:lstStyle/>
           <a:p>
             <a:pPr marL="0" indent="0">
@@ -7233,79 +8489,140 @@
             </a:pPr>
             <a:r>
               <a:rPr lang="en-US" dirty="0" smtClean="0"/>
-              <a:t>Conditions:</a:t>
+              <a:t>The trace of </a:t>
+            </a:r>
+            <a:r>
+              <a:rPr lang="en-US" dirty="0" err="1" smtClean="0"/>
+              <a:t>Frobenius</a:t>
+            </a:r>
+            <a:r>
+              <a:rPr lang="en-US" dirty="0"/>
+              <a:t> </a:t>
+            </a:r>
+            <a:r>
+              <a:rPr lang="en-US" dirty="0" smtClean="0"/>
+              <a:t>is the integer t satisfying:</a:t>
             </a:r>
           </a:p>
           <a:p>
             <a:pPr marL="0" indent="0">
               <a:buNone/>
             </a:pPr>
+            <a:endParaRPr lang="en-US" dirty="0" smtClean="0"/>
+          </a:p>
+          <a:p>
+            <a:pPr marL="0" indent="0">
+              <a:buNone/>
+            </a:pPr>
             <a:endParaRPr lang="en-US" dirty="0"/>
           </a:p>
           <a:p>
             <a:pPr marL="0" indent="0">
               <a:buNone/>
             </a:pPr>
+            <a:r>
+              <a:rPr lang="en-US" dirty="0" smtClean="0"/>
+              <a:t>The </a:t>
+            </a:r>
+            <a:r>
+              <a:rPr lang="en-US" dirty="0" err="1" smtClean="0"/>
+              <a:t>Hasse</a:t>
+            </a:r>
+            <a:r>
+              <a:rPr lang="en-US" dirty="0" smtClean="0"/>
+              <a:t> Bound:</a:t>
+            </a:r>
+          </a:p>
+          <a:p>
+            <a:pPr marL="0" indent="0">
+              <a:buNone/>
+            </a:pPr>
             <a:endParaRPr lang="en-US" dirty="0" smtClean="0"/>
           </a:p>
           <a:p>
             <a:pPr marL="0" indent="0">
               <a:buNone/>
             </a:pPr>
+            <a:endParaRPr lang="en-US" dirty="0"/>
+          </a:p>
+          <a:p>
+            <a:pPr marL="0" indent="0">
+              <a:buNone/>
+            </a:pPr>
+            <a:r>
+              <a:rPr lang="en-US" dirty="0" smtClean="0"/>
+              <a:t>CM Method:</a:t>
+            </a:r>
+          </a:p>
+          <a:p>
+            <a:pPr marL="0" indent="0">
+              <a:buNone/>
+            </a:pPr>
+            <a:r>
+              <a:rPr lang="en-US" dirty="0" smtClean="0"/>
+              <a:t>	Input: </a:t>
+            </a:r>
+            <a:r>
+              <a:rPr lang="en-US" dirty="0" err="1" smtClean="0"/>
+              <a:t>p,t</a:t>
+            </a:r>
             <a:endParaRPr lang="en-US" dirty="0" smtClean="0"/>
           </a:p>
           <a:p>
             <a:pPr marL="0" indent="0">
               <a:buNone/>
             </a:pPr>
-            <a:endParaRPr lang="en-US" dirty="0" smtClean="0"/>
+            <a:r>
+              <a:rPr lang="en-US" dirty="0" smtClean="0"/>
+              <a:t>	Output: An elliptic curve E over       with trace </a:t>
+            </a:r>
+            <a:r>
+              <a:rPr lang="en-US" sz="2600" dirty="0" smtClean="0">
+                <a:solidFill>
+                  <a:srgbClr val="000000"/>
+                </a:solidFill>
+                <a:latin typeface="Times New Roman"/>
+                <a:cs typeface="Times New Roman"/>
+              </a:rPr>
+              <a:t>t</a:t>
+            </a:r>
           </a:p>
           <a:p>
             <a:pPr marL="0" indent="0">
               <a:buNone/>
             </a:pPr>
-            <a:endParaRPr lang="en-US" dirty="0" smtClean="0"/>
-          </a:p>
-          <a:p>
-            <a:pPr marL="0" indent="0">
-              <a:buNone/>
-            </a:pPr>
-            <a:r>
-              <a:rPr lang="en-US" dirty="0" smtClean="0"/>
-              <a:t>Input: </a:t>
-            </a:r>
-            <a:r>
-              <a:rPr lang="en-US" dirty="0" err="1" smtClean="0"/>
-              <a:t>k,r,D</a:t>
-            </a:r>
-            <a:r>
-              <a:rPr lang="en-US" dirty="0" smtClean="0"/>
-              <a:t>, where D is a square mod r</a:t>
-            </a:r>
-          </a:p>
-          <a:p>
-            <a:pPr marL="0" indent="0">
-              <a:buNone/>
-            </a:pPr>
-            <a:r>
-              <a:rPr lang="en-US" dirty="0" smtClean="0"/>
-              <a:t>Output: </a:t>
-            </a:r>
-            <a:r>
-              <a:rPr lang="en-US" dirty="0" err="1" smtClean="0"/>
-              <a:t>p,</a:t>
-            </a:r>
-            <a:r>
-              <a:rPr lang="en-US" dirty="0" err="1"/>
-              <a:t>t</a:t>
-            </a:r>
-            <a:endParaRPr lang="en-US" dirty="0"/>
+            <a:r>
+              <a:rPr lang="en-US" dirty="0" smtClean="0"/>
+              <a:t>Efficient when                            , with </a:t>
+            </a:r>
+            <a:r>
+              <a:rPr lang="en-US" i="1" dirty="0" smtClean="0">
+                <a:solidFill>
+                  <a:schemeClr val="tx1"/>
+                </a:solidFill>
+                <a:latin typeface="Times New Roman"/>
+                <a:cs typeface="Times New Roman"/>
+              </a:rPr>
+              <a:t>D</a:t>
+            </a:r>
+            <a:r>
+              <a:rPr lang="en-US" dirty="0" smtClean="0">
+                <a:solidFill>
+                  <a:schemeClr val="tx1"/>
+                </a:solidFill>
+              </a:rPr>
+              <a:t> </a:t>
+            </a:r>
+            <a:r>
+              <a:rPr lang="en-US" dirty="0" smtClean="0"/>
+              <a:t>small.</a:t>
+            </a:r>
           </a:p>
         </p:txBody>
       </p:sp>
       <p:pic>
         <p:nvPicPr>
-          <p:cNvPr id="7" name="Picture 6" descr="latex-image-1.pdf"/>
+          <p:cNvPr id="4" name="Picture 3" descr="latex-image-1.pdf"/>
           <p:cNvPicPr>
             <a:picLocks noChangeAspect="1"/>
           </p:cNvPicPr>
@@ -7325,8 +8642,98 @@
         </p:blipFill>
         <p:spPr>
           <a:xfrm>
-            <a:off x="1698627" y="2431377"/>
-            <a:ext cx="6667500" cy="1535773"/>
+            <a:off x="3560879" y="2364074"/>
+            <a:ext cx="4468780" cy="546975"/>
+          </a:xfrm>
+          <a:prstGeom prst="rect">
+            <a:avLst/>
+          </a:prstGeom>
+        </p:spPr>
+      </p:pic>
+      <p:pic>
+        <p:nvPicPr>
+          <p:cNvPr id="6" name="Picture 5" descr="latex-image-1.pdf"/>
+          <p:cNvPicPr>
+            <a:picLocks noChangeAspect="1"/>
+          </p:cNvPicPr>
+          <p:nvPr/>
+        </p:nvPicPr>
+        <p:blipFill>
+          <a:blip r:embed="rId3" cstate="print">
+            <a:extLst>
+              <a:ext uri="{28A0092B-C50C-407E-A947-70E740481C1C}">
+                <a14:useLocalDpi xmlns:a14="http://schemas.microsoft.com/office/drawing/2010/main" val="0"/>
+              </a:ext>
+            </a:extLst>
+          </a:blip>
+          <a:stretch>
+            <a:fillRect/>
+          </a:stretch>
+        </p:blipFill>
+        <p:spPr>
+          <a:xfrm>
+            <a:off x="3596144" y="3411661"/>
+            <a:ext cx="1985485" cy="522496"/>
+          </a:xfrm>
+          <a:prstGeom prst="rect">
+            <a:avLst/>
+          </a:prstGeom>
+        </p:spPr>
+      </p:pic>
+      <p:pic>
+        <p:nvPicPr>
+          <p:cNvPr id="7" name="Picture 6" descr="latex-image-1.pdf"/>
+          <p:cNvPicPr>
+            <a:picLocks noChangeAspect="1"/>
+          </p:cNvPicPr>
+          <p:nvPr/>
+        </p:nvPicPr>
+        <p:blipFill>
+          <a:blip r:embed="rId4" cstate="print">
+            <a:extLst>
+              <a:ext uri="{28A0092B-C50C-407E-A947-70E740481C1C}">
+                <a14:useLocalDpi xmlns:a14="http://schemas.microsoft.com/office/drawing/2010/main" val="0"/>
+              </a:ext>
+            </a:extLst>
+          </a:blip>
+          <a:stretch>
+            <a:fillRect/>
+          </a:stretch>
+        </p:blipFill>
+        <p:spPr>
+          <a:xfrm>
+            <a:off x="6312920" y="5068289"/>
+            <a:ext cx="352752" cy="345403"/>
+          </a:xfrm>
+          <a:prstGeom prst="rect">
+            <a:avLst/>
+          </a:prstGeom>
+        </p:spPr>
+      </p:pic>
+      <p:pic>
+        <p:nvPicPr>
+          <p:cNvPr id="9" name="Picture 8" descr="latex-image-1.pdf"/>
+          <p:cNvPicPr>
+            <a:picLocks noChangeAspect="1"/>
+          </p:cNvPicPr>
+          <p:nvPr/>
+        </p:nvPicPr>
+        <p:blipFill>
+          <a:blip r:embed="rId5" cstate="print">
+            <a:extLst>
+              <a:ext uri="{28A0092B-C50C-407E-A947-70E740481C1C}">
+                <a14:useLocalDpi xmlns:a14="http://schemas.microsoft.com/office/drawing/2010/main" val="0"/>
+              </a:ext>
+            </a:extLst>
+          </a:blip>
+          <a:stretch>
+            <a:fillRect/>
+          </a:stretch>
+        </p:blipFill>
+        <p:spPr>
+          <a:xfrm>
+            <a:off x="2936875" y="5397979"/>
+            <a:ext cx="2152652" cy="380519"/>
           </a:xfrm>
           <a:prstGeom prst="rect">
             <a:avLst/>
@@ -7336,7 +8743,7 @@
     </p:spTree>
     <p:extLst>
       <p:ext uri="{BB962C8B-B14F-4D97-AF65-F5344CB8AC3E}">
-        <p14:creationId xmlns:p14="http://schemas.microsoft.com/office/powerpoint/2010/main" val="3864333031"/>
+        <p14:creationId xmlns:p14="http://schemas.microsoft.com/office/powerpoint/2010/main" val="932366107"/>
       </p:ext>
     </p:extLst>
   </p:cSld>
@@ -7346,7 +8753,7 @@
   <p:timing>
     <p:tnLst>
       <p:par>
-        <p:cTn id="1" dur="indefinite" restart="never" nodeType="tmRoot"/>
+        <p:cTn xmlns:p14="http://schemas.microsoft.com/office/powerpoint/2010/main" id="1" dur="indefinite" restart="never" nodeType="tmRoot"/>
       </p:par>
     </p:tnLst>
   </p:timing>
@@ -7378,7 +8785,7 @@
         </p:nvSpPr>
         <p:spPr>
           <a:xfrm>
-            <a:off x="206375" y="1666875"/>
+            <a:off x="185660" y="1752601"/>
             <a:ext cx="11779249" cy="5016500"/>
           </a:xfrm>
           <a:prstGeom prst="rect">
@@ -7434,21 +8841,90 @@
           <a:p>
             <a:r>
               <a:rPr lang="en-US" dirty="0" smtClean="0"/>
-              <a:t>Cocks Pinch Method</a:t>
+              <a:t>Elliptic Curves over Complex Numbers</a:t>
             </a:r>
             <a:endParaRPr lang="en-US" dirty="0"/>
           </a:p>
         </p:txBody>
       </p:sp>
-      <p:pic>
-        <p:nvPicPr>
-          <p:cNvPr id="4" name="Content Placeholder 3" descr="Screen Shot 2015-11-29 at 6.41.25 PM.png"/>
-          <p:cNvPicPr>
-            <a:picLocks noGrp="1" noChangeAspect="1"/>
-          </p:cNvPicPr>
+      <p:sp>
+        <p:nvSpPr>
+          <p:cNvPr id="3" name="Content Placeholder 2"/>
+          <p:cNvSpPr>
+            <a:spLocks noGrp="1"/>
+          </p:cNvSpPr>
           <p:nvPr>
             <p:ph idx="1"/>
           </p:nvPr>
+        </p:nvSpPr>
+        <p:spPr/>
+        <p:txBody>
+          <a:bodyPr/>
+          <a:lstStyle/>
+          <a:p>
+            <a:pPr marL="114300" indent="0">
+              <a:buNone/>
+            </a:pPr>
+            <a:r>
+              <a:rPr lang="en-US" dirty="0" smtClean="0"/>
+              <a:t>Every elliptic curve over C is isomorphic to C/L for some lattice L by the function:</a:t>
+            </a:r>
+          </a:p>
+          <a:p>
+            <a:pPr marL="114300" indent="0">
+              <a:buNone/>
+            </a:pPr>
+            <a:endParaRPr lang="en-US" dirty="0" smtClean="0"/>
+          </a:p>
+          <a:p>
+            <a:pPr marL="114300" indent="0">
+              <a:buNone/>
+            </a:pPr>
+            <a:endParaRPr lang="en-US" dirty="0"/>
+          </a:p>
+          <a:p>
+            <a:pPr marL="114300" indent="0">
+              <a:buNone/>
+            </a:pPr>
+            <a:endParaRPr lang="en-US" dirty="0" smtClean="0"/>
+          </a:p>
+          <a:p>
+            <a:pPr marL="114300" indent="0">
+              <a:buNone/>
+            </a:pPr>
+            <a:endParaRPr lang="en-US" dirty="0"/>
+          </a:p>
+          <a:p>
+            <a:pPr marL="114300" indent="0">
+              <a:buNone/>
+            </a:pPr>
+            <a:r>
+              <a:rPr lang="en-US" dirty="0" smtClean="0"/>
+              <a:t>The curve E(C) is isomorphic to C/L as:</a:t>
+            </a:r>
+            <a:endParaRPr lang="en-US" dirty="0"/>
+          </a:p>
+          <a:p>
+            <a:pPr marL="114300" indent="0">
+              <a:buNone/>
+            </a:pPr>
+            <a:endParaRPr lang="en-US" dirty="0" smtClean="0"/>
+          </a:p>
+          <a:p>
+            <a:pPr marL="114300" indent="0">
+              <a:buNone/>
+            </a:pPr>
+            <a:endParaRPr lang="en-US" dirty="0" smtClean="0"/>
+          </a:p>
+        </p:txBody>
+      </p:sp>
+      <p:pic>
+        <p:nvPicPr>
+          <p:cNvPr id="4" name="Picture 2" descr="https://upload.wikimedia.org/wikipedia/commons/d/db/Fundamental_parallelogram.png"/>
+          <p:cNvPicPr>
+            <a:picLocks noChangeAspect="1" noChangeArrowheads="1"/>
+          </p:cNvPicPr>
+          <p:nvPr/>
         </p:nvPicPr>
         <p:blipFill>
           <a:blip r:embed="rId2">
@@ -7458,22 +8934,125 @@
               </a:ext>
             </a:extLst>
           </a:blip>
-          <a:srcRect t="1037" b="1037"/>
+          <a:srcRect/>
           <a:stretch>
             <a:fillRect/>
           </a:stretch>
         </p:blipFill>
-        <p:spPr>
-          <a:xfrm>
-            <a:off x="822325" y="1809750"/>
-            <a:ext cx="10515600" cy="4351338"/>
-          </a:xfrm>
+        <p:spPr bwMode="auto">
+          <a:xfrm>
+            <a:off x="7230011" y="2402865"/>
+            <a:ext cx="3145291" cy="2286283"/>
+          </a:xfrm>
+          <a:prstGeom prst="rect">
+            <a:avLst/>
+          </a:prstGeom>
+          <a:noFill/>
+          <a:extLst>
+            <a:ext uri="{909E8E84-426E-40dd-AFC4-6F175D3DCCD1}">
+              <a14:hiddenFill xmlns:a14="http://schemas.microsoft.com/office/drawing/2010/main">
+                <a:solidFill>
+                  <a:srgbClr val="FFFFFF"/>
+                </a:solidFill>
+              </a14:hiddenFill>
+            </a:ext>
+          </a:extLst>
+        </p:spPr>
+      </p:pic>
+      <p:pic>
+        <p:nvPicPr>
+          <p:cNvPr id="9" name="Picture 8" descr="latex-image-1.pdf"/>
+          <p:cNvPicPr>
+            <a:picLocks noChangeAspect="1"/>
+          </p:cNvPicPr>
+          <p:nvPr/>
+        </p:nvPicPr>
+        <p:blipFill>
+          <a:blip r:embed="rId3">
+            <a:extLst>
+              <a:ext uri="{28A0092B-C50C-407E-A947-70E740481C1C}">
+                <a14:useLocalDpi xmlns:a14="http://schemas.microsoft.com/office/drawing/2010/main" val="0"/>
+              </a:ext>
+            </a:extLst>
+          </a:blip>
+          <a:stretch>
+            <a:fillRect/>
+          </a:stretch>
+        </p:blipFill>
+        <p:spPr>
+          <a:xfrm>
+            <a:off x="1119081" y="3424503"/>
+            <a:ext cx="4287710" cy="770123"/>
+          </a:xfrm>
+          <a:prstGeom prst="rect">
+            <a:avLst/>
+          </a:prstGeom>
+        </p:spPr>
+      </p:pic>
+      <p:pic>
+        <p:nvPicPr>
+          <p:cNvPr id="10" name="Picture 9" descr="latex-image-1.pdf"/>
+          <p:cNvPicPr>
+            <a:picLocks noChangeAspect="1"/>
+          </p:cNvPicPr>
+          <p:nvPr/>
+        </p:nvPicPr>
+        <p:blipFill>
+          <a:blip r:embed="rId4">
+            <a:extLst>
+              <a:ext uri="{28A0092B-C50C-407E-A947-70E740481C1C}">
+                <a14:useLocalDpi xmlns:a14="http://schemas.microsoft.com/office/drawing/2010/main" val="0"/>
+              </a:ext>
+            </a:extLst>
+          </a:blip>
+          <a:stretch>
+            <a:fillRect/>
+          </a:stretch>
+        </p:blipFill>
+        <p:spPr>
+          <a:xfrm>
+            <a:off x="1131653" y="2802097"/>
+            <a:ext cx="4449345" cy="404486"/>
+          </a:xfrm>
+          <a:prstGeom prst="rect">
+            <a:avLst/>
+          </a:prstGeom>
+        </p:spPr>
+      </p:pic>
+      <p:pic>
+        <p:nvPicPr>
+          <p:cNvPr id="11" name="Picture 10" descr="latex-image-1.pdf"/>
+          <p:cNvPicPr>
+            <a:picLocks noChangeAspect="1"/>
+          </p:cNvPicPr>
+          <p:nvPr/>
+        </p:nvPicPr>
+        <p:blipFill>
+          <a:blip r:embed="rId5">
+            <a:extLst>
+              <a:ext uri="{28A0092B-C50C-407E-A947-70E740481C1C}">
+                <a14:useLocalDpi xmlns:a14="http://schemas.microsoft.com/office/drawing/2010/main" val="0"/>
+              </a:ext>
+            </a:extLst>
+          </a:blip>
+          <a:stretch>
+            <a:fillRect/>
+          </a:stretch>
+        </p:blipFill>
+        <p:spPr>
+          <a:xfrm>
+            <a:off x="1169376" y="4967060"/>
+            <a:ext cx="8465053" cy="359466"/>
+          </a:xfrm>
+          <a:prstGeom prst="rect">
+            <a:avLst/>
+          </a:prstGeom>
         </p:spPr>
       </p:pic>
     </p:spTree>
     <p:extLst>
       <p:ext uri="{BB962C8B-B14F-4D97-AF65-F5344CB8AC3E}">
-        <p14:creationId xmlns:p14="http://schemas.microsoft.com/office/powerpoint/2010/main" val="2518322517"/>
+        <p14:creationId xmlns:p14="http://schemas.microsoft.com/office/powerpoint/2010/main" val="1930628002"/>
       </p:ext>
     </p:extLst>
   </p:cSld>
@@ -7483,155 +9062,11 @@
   <p:timing>
     <p:tnLst>
       <p:par>
-        <p:cTn id="1" dur="indefinite" restart="never" nodeType="tmRoot"/>
+        <p:cTn xmlns:p14="http://schemas.microsoft.com/office/powerpoint/2010/main" id="1" dur="indefinite" restart="never" nodeType="tmRoot"/>
       </p:par>
     </p:tnLst>
   </p:timing>
 </p:sld>
-</file>
-
-<file path=ppt/tags/tag1.xml><?xml version="1.0" encoding="utf-8"?>
-<p:tagLst xmlns:a="http://schemas.openxmlformats.org/drawingml/2006/main" xmlns:r="http://schemas.openxmlformats.org/officeDocument/2006/relationships" xmlns:p="http://schemas.openxmlformats.org/presentationml/2006/main">
-  <p:tag name="ORIGINALHEIGHT" val="491.25"/>
-  <p:tag name="ORIGINALWIDTH" val="3335.25"/>
-  <p:tag name="OUTPUTDPI" val="1200"/>
-  <p:tag name="LATEXADDIN" val="\documentclass{article}&#10;\usepackage{amsmath}&#10;\usepackage{amsfonts} &#10;\pagestyle{empty}&#10;\begin{document}&#10;&#10;Define the lattice &#10;$$ L = Z\omega_{1} + Z \omega_{2}$$ Then there exists an elliptic curve that is isomorphic to $\mathbb{C}/ L$. &#10;&#10;&#10;\end{document}"/>
-  <p:tag name="IGUANATEXSIZE" val="20"/>
-  <p:tag name="IGUANATEXCURSOR" val="105"/>
-  <p:tag name="TRANSPARENCY" val="True"/>
-  <p:tag name="FILENAME" val=""/>
-  <p:tag name="INPUTTYPE" val="0"/>
-  <p:tag name="LATEXENGINEID" val="0"/>
-  <p:tag name="TEMPFOLDER" val="c:\temp\"/>
-</p:tagLst>
-</file>
-
-<file path=ppt/tags/tag2.xml><?xml version="1.0" encoding="utf-8"?>
-<p:tagLst xmlns:a="http://schemas.openxmlformats.org/drawingml/2006/main" xmlns:r="http://schemas.openxmlformats.org/officeDocument/2006/relationships" xmlns:p="http://schemas.openxmlformats.org/presentationml/2006/main">
-  <p:tag name="ORIGINALHEIGHT" val="491.25"/>
-  <p:tag name="ORIGINALWIDTH" val="3335.25"/>
-  <p:tag name="OUTPUTDPI" val="1200"/>
-  <p:tag name="LATEXADDIN" val="\documentclass{article}&#10;\usepackage{amsmath}&#10;\usepackage{amsfonts} &#10;\pagestyle{empty}&#10;\begin{document}&#10;&#10;Define the lattice &#10;$$ L = Z\omega_{1} + Z \omega_{2}$$ Then there exists an elliptic curve that is isomorphic to $\mathbb{C}/ L$. &#10;&#10;&#10;\end{document}"/>
-  <p:tag name="IGUANATEXSIZE" val="20"/>
-  <p:tag name="IGUANATEXCURSOR" val="105"/>
-  <p:tag name="TRANSPARENCY" val="True"/>
-  <p:tag name="FILENAME" val=""/>
-  <p:tag name="INPUTTYPE" val="0"/>
-  <p:tag name="LATEXENGINEID" val="0"/>
-  <p:tag name="TEMPFOLDER" val="c:\temp\"/>
-</p:tagLst>
-</file>
-
-<file path=ppt/tags/tag3.xml><?xml version="1.0" encoding="utf-8"?>
-<p:tagLst xmlns:a="http://schemas.openxmlformats.org/drawingml/2006/main" xmlns:r="http://schemas.openxmlformats.org/officeDocument/2006/relationships" xmlns:p="http://schemas.openxmlformats.org/presentationml/2006/main">
-  <p:tag name="ORIGINALHEIGHT" val="124.5"/>
-  <p:tag name="ORIGINALWIDTH" val="1459.5"/>
-  <p:tag name="OUTPUTDPI" val="1200"/>
-  <p:tag name="LATEXADDIN" val="\documentclass{article}&#10;\usepackage{amsmath}&#10;\pagestyle{empty}&#10;\begin{document}&#10;&#10;&#10;$z \rightarrow ( \wp(z), \wp' (z)), \&gt; \&gt; \&gt; \&gt; \&gt; 0 \rightarrow O $&#10;&#10;\end{document}"/>
-  <p:tag name="IGUANATEXSIZE" val="20"/>
-  <p:tag name="IGUANATEXCURSOR" val="150"/>
-  <p:tag name="TRANSPARENCY" val="True"/>
-  <p:tag name="FILENAME" val=""/>
-  <p:tag name="INPUTTYPE" val="0"/>
-  <p:tag name="LATEXENGINEID" val="0"/>
-  <p:tag name="TEMPFOLDER" val="c:\temp\"/>
-</p:tagLst>
-</file>
-
-<file path=ppt/tags/tag4.xml><?xml version="1.0" encoding="utf-8"?>
-<p:tagLst xmlns:a="http://schemas.openxmlformats.org/drawingml/2006/main" xmlns:r="http://schemas.openxmlformats.org/officeDocument/2006/relationships" xmlns:p="http://schemas.openxmlformats.org/presentationml/2006/main">
-  <p:tag name="ORIGINALHEIGHT" val="224.25"/>
-  <p:tag name="ORIGINALWIDTH" val="1812.75"/>
-  <p:tag name="OUTPUTDPI" val="1200"/>
-  <p:tag name="LATEXADDIN" val="\documentclass{article}&#10;\usepackage{amsmath}&#10;\pagestyle{empty}&#10;\begin{document}&#10;&#10;$\wp(z) = \frac{1}{z^{2}} + \sum_{\omega \in L}\left(\frac{1}{(z-\omega)^{2}} - \frac{1}{\omega^{2}}\right) $&#10;&#10;&#10;\end{document}"/>
-  <p:tag name="IGUANATEXSIZE" val="20"/>
-  <p:tag name="IGUANATEXCURSOR" val="82"/>
-  <p:tag name="TRANSPARENCY" val="True"/>
-  <p:tag name="FILENAME" val=""/>
-  <p:tag name="INPUTTYPE" val="0"/>
-  <p:tag name="LATEXENGINEID" val="0"/>
-  <p:tag name="TEMPFOLDER" val="c:\temp\"/>
-</p:tagLst>
-</file>
-
-<file path=ppt/tags/tag5.xml><?xml version="1.0" encoding="utf-8"?>
-<p:tagLst xmlns:a="http://schemas.openxmlformats.org/drawingml/2006/main" xmlns:r="http://schemas.openxmlformats.org/officeDocument/2006/relationships" xmlns:p="http://schemas.openxmlformats.org/presentationml/2006/main">
-  <p:tag name="ORIGINALHEIGHT" val="171.75"/>
-  <p:tag name="ORIGINALWIDTH" val="1308"/>
-  <p:tag name="OUTPUTDPI" val="1200"/>
-  <p:tag name="LATEXADDIN" val="\documentclass{article}&#10;\usepackage{amsmath}&#10;\pagestyle{empty}&#10;\begin{document}&#10;&#10;$\wp ' (z) = -2 \sum_{\omega \in L} \frac{1}{(z- \omega)^{2}} $&#10;&#10;&#10;\end{document}"/>
-  <p:tag name="IGUANATEXSIZE" val="20"/>
-  <p:tag name="IGUANATEXCURSOR" val="144"/>
-  <p:tag name="TRANSPARENCY" val="True"/>
-  <p:tag name="FILENAME" val=""/>
-  <p:tag name="INPUTTYPE" val="0"/>
-  <p:tag name="LATEXENGINEID" val="0"/>
-  <p:tag name="TEMPFOLDER" val="c:\temp\"/>
-</p:tagLst>
-</file>
-
-<file path=ppt/tags/tag6.xml><?xml version="1.0" encoding="utf-8"?>
-<p:tagLst xmlns:a="http://schemas.openxmlformats.org/drawingml/2006/main" xmlns:r="http://schemas.openxmlformats.org/officeDocument/2006/relationships" xmlns:p="http://schemas.openxmlformats.org/presentationml/2006/main">
-  <p:tag name="ORIGINALHEIGHT" val="124.5"/>
-  <p:tag name="ORIGINALWIDTH" val="3126"/>
-  <p:tag name="OUTPUTDPI" val="1200"/>
-  <p:tag name="LATEXADDIN" val="\documentclass{article}&#10;\usepackage{amsmath}&#10;\pagestyle{empty}&#10;\begin{document}&#10;&#10;$(\wp(z_{1}), \wp'(z_{1})) \oplus (\wp(z_{2}), \wp'(z_{2})) = (\wp(z_{1} + z_{2}), \wp'(z_{1} + z_{2})) $&#10;&#10;&#10;\end{document}"/>
-  <p:tag name="IGUANATEXSIZE" val="20"/>
-  <p:tag name="IGUANATEXCURSOR" val="82"/>
-  <p:tag name="TRANSPARENCY" val="True"/>
-  <p:tag name="FILENAME" val=""/>
-  <p:tag name="INPUTTYPE" val="0"/>
-  <p:tag name="LATEXENGINEID" val="0"/>
-  <p:tag name="TEMPFOLDER" val="c:\temp\"/>
-</p:tagLst>
-</file>
-
-<file path=ppt/tags/tag7.xml><?xml version="1.0" encoding="utf-8"?>
-<p:tagLst xmlns:a="http://schemas.openxmlformats.org/drawingml/2006/main" xmlns:r="http://schemas.openxmlformats.org/officeDocument/2006/relationships" xmlns:p="http://schemas.openxmlformats.org/presentationml/2006/main">
-  <p:tag name="ORIGINALHEIGHT" val="124.5"/>
-  <p:tag name="ORIGINALWIDTH" val="3126"/>
-  <p:tag name="OUTPUTDPI" val="1200"/>
-  <p:tag name="LATEXADDIN" val="\documentclass{article}&#10;\usepackage{amsmath}&#10;\pagestyle{empty}&#10;\begin{document}&#10;&#10;$(\wp(z_{1}), \wp'(z_{1})) \oplus (\wp(z_{2}), \wp'(z_{2})) = (\wp(z_{1} + z_{2}), \wp'(z_{1} + z_{2})) $&#10;&#10;&#10;\end{document}"/>
-  <p:tag name="IGUANATEXSIZE" val="20"/>
-  <p:tag name="IGUANATEXCURSOR" val="82"/>
-  <p:tag name="TRANSPARENCY" val="True"/>
-  <p:tag name="FILENAME" val=""/>
-  <p:tag name="INPUTTYPE" val="0"/>
-  <p:tag name="LATEXENGINEID" val="0"/>
-  <p:tag name="TEMPFOLDER" val="c:\temp\"/>
-</p:tagLst>
-</file>
-
-<file path=ppt/tags/tag8.xml><?xml version="1.0" encoding="utf-8"?>
-<p:tagLst xmlns:a="http://schemas.openxmlformats.org/drawingml/2006/main" xmlns:r="http://schemas.openxmlformats.org/officeDocument/2006/relationships" xmlns:p="http://schemas.openxmlformats.org/presentationml/2006/main">
-  <p:tag name="ORIGINALHEIGHT" val="124.5"/>
-  <p:tag name="ORIGINALWIDTH" val="2398.5"/>
-  <p:tag name="OUTPUTDPI" val="1200"/>
-  <p:tag name="LATEXADDIN" val="\documentclass{article}&#10;\usepackage{amsmath}&#10;\pagestyle{empty}&#10;\begin{document}&#10;&#10;&#10;$mz \rightarrow(\wp(mz), \wp'(mz)): m(x,y) \rightarrow [m](x,y)$ &#10;&#10;\end{document}"/>
-  <p:tag name="IGUANATEXSIZE" val="20"/>
-  <p:tag name="IGUANATEXCURSOR" val="147"/>
-  <p:tag name="TRANSPARENCY" val="True"/>
-  <p:tag name="FILENAME" val=""/>
-  <p:tag name="INPUTTYPE" val="0"/>
-  <p:tag name="LATEXENGINEID" val="0"/>
-  <p:tag name="TEMPFOLDER" val="c:\temp\"/>
-</p:tagLst>
-</file>
-
-<file path=ppt/tags/tag9.xml><?xml version="1.0" encoding="utf-8"?>
-<p:tagLst xmlns:a="http://schemas.openxmlformats.org/drawingml/2006/main" xmlns:r="http://schemas.openxmlformats.org/officeDocument/2006/relationships" xmlns:p="http://schemas.openxmlformats.org/presentationml/2006/main">
-  <p:tag name="ORIGINALHEIGHT" val="299.25"/>
-  <p:tag name="ORIGINALWIDTH" val="4287.75"/>
-  <p:tag name="OUTPUTDPI" val="1200"/>
-  <p:tag name="LATEXADDIN" val="\documentclass{article}&#10;\usepackage{amsmath}&#10;\pagestyle{empty}&#10;\begin{document}&#10;&#10;$Z[\frac{1 + \sqrt{-D}}{2}]$ if $D \equiv 3 \mod 4$  or $Z[\sqrt{-D}]$ if $D \equiv 1,2 \mod 4$ where $D$ is squarefree.&#10;&#10;&#10;\end{document}"/>
-  <p:tag name="IGUANATEXSIZE" val="20"/>
-  <p:tag name="IGUANATEXCURSOR" val="201"/>
-  <p:tag name="TRANSPARENCY" val="True"/>
-  <p:tag name="FILENAME" val=""/>
-  <p:tag name="INPUTTYPE" val="0"/>
-  <p:tag name="LATEXENGINEID" val="0"/>
-  <p:tag name="TEMPFOLDER" val="c:\temp\"/>
-</p:tagLst>
 </file>
 
 <file path=ppt/theme/theme1.xml><?xml version="1.0" encoding="utf-8"?>

--- a/Presentation.ppt.pptx
+++ b/Presentation.ppt.pptx
@@ -119,7 +119,7 @@
   </p:defaultTextStyle>
   <p:extLst>
     <p:ext uri="{EFAFB233-063F-42B5-8137-9DF3F51BA10A}">
-      <p15:sldGuideLst xmlns:p15="http://schemas.microsoft.com/office/powerpoint/2012/main" xmlns="">
+      <p15:sldGuideLst xmlns:p15="http://schemas.microsoft.com/office/powerpoint/2012/main">
         <p15:guide id="1" orient="horz" pos="2160">
           <p15:clr>
             <a:srgbClr val="A4A3A4"/>
@@ -261,7 +261,7 @@
           <a:p>
             <a:fld id="{0A2C9084-70B7-4828-AD77-7D77F1A8B45B}" type="datetimeFigureOut">
               <a:rPr lang="en-US" smtClean="0"/>
-              <a:t>12/2/15</a:t>
+              <a:t>12/2/2015</a:t>
             </a:fld>
             <a:endParaRPr lang="en-US"/>
           </a:p>
@@ -894,7 +894,7 @@
           <a:p>
             <a:fld id="{0A2C9084-70B7-4828-AD77-7D77F1A8B45B}" type="datetimeFigureOut">
               <a:rPr lang="en-US" smtClean="0"/>
-              <a:t>12/2/15</a:t>
+              <a:t>12/2/2015</a:t>
             </a:fld>
             <a:endParaRPr lang="en-US"/>
           </a:p>
@@ -1171,7 +1171,7 @@
           <a:p>
             <a:fld id="{0A2C9084-70B7-4828-AD77-7D77F1A8B45B}" type="datetimeFigureOut">
               <a:rPr lang="en-US" smtClean="0"/>
-              <a:t>12/2/15</a:t>
+              <a:t>12/2/2015</a:t>
             </a:fld>
             <a:endParaRPr lang="en-US"/>
           </a:p>
@@ -1336,7 +1336,7 @@
           <a:p>
             <a:fld id="{0A2C9084-70B7-4828-AD77-7D77F1A8B45B}" type="datetimeFigureOut">
               <a:rPr lang="en-US" smtClean="0"/>
-              <a:t>12/2/15</a:t>
+              <a:t>12/2/2015</a:t>
             </a:fld>
             <a:endParaRPr lang="en-US"/>
           </a:p>
@@ -1517,7 +1517,7 @@
           <a:p>
             <a:fld id="{0A2C9084-70B7-4828-AD77-7D77F1A8B45B}" type="datetimeFigureOut">
               <a:rPr lang="en-US" smtClean="0"/>
-              <a:t>12/2/15</a:t>
+              <a:t>12/2/2015</a:t>
             </a:fld>
             <a:endParaRPr lang="en-US"/>
           </a:p>
@@ -2162,7 +2162,7 @@
           <a:p>
             <a:fld id="{0A2C9084-70B7-4828-AD77-7D77F1A8B45B}" type="datetimeFigureOut">
               <a:rPr lang="en-US" smtClean="0"/>
-              <a:t>12/2/15</a:t>
+              <a:t>12/2/2015</a:t>
             </a:fld>
             <a:endParaRPr lang="en-US"/>
           </a:p>
@@ -2588,7 +2588,7 @@
           <a:p>
             <a:fld id="{0A2C9084-70B7-4828-AD77-7D77F1A8B45B}" type="datetimeFigureOut">
               <a:rPr lang="en-US" smtClean="0"/>
-              <a:t>12/2/15</a:t>
+              <a:t>12/2/2015</a:t>
             </a:fld>
             <a:endParaRPr lang="en-US"/>
           </a:p>
@@ -2701,7 +2701,7 @@
           <a:p>
             <a:fld id="{0A2C9084-70B7-4828-AD77-7D77F1A8B45B}" type="datetimeFigureOut">
               <a:rPr lang="en-US" smtClean="0"/>
-              <a:t>12/2/15</a:t>
+              <a:t>12/2/2015</a:t>
             </a:fld>
             <a:endParaRPr lang="en-US"/>
           </a:p>
@@ -2882,7 +2882,7 @@
           <a:p>
             <a:fld id="{0A2C9084-70B7-4828-AD77-7D77F1A8B45B}" type="datetimeFigureOut">
               <a:rPr lang="en-US" smtClean="0"/>
-              <a:t>12/2/15</a:t>
+              <a:t>12/2/2015</a:t>
             </a:fld>
             <a:endParaRPr lang="en-US"/>
           </a:p>
@@ -3148,7 +3148,7 @@
           <a:p>
             <a:fld id="{0A2C9084-70B7-4828-AD77-7D77F1A8B45B}" type="datetimeFigureOut">
               <a:rPr lang="en-US" smtClean="0"/>
-              <a:t>12/2/15</a:t>
+              <a:t>12/2/2015</a:t>
             </a:fld>
             <a:endParaRPr lang="en-US"/>
           </a:p>
@@ -3618,7 +3618,7 @@
           <a:p>
             <a:fld id="{0A2C9084-70B7-4828-AD77-7D77F1A8B45B}" type="datetimeFigureOut">
               <a:rPr lang="en-US" smtClean="0"/>
-              <a:t>12/2/15</a:t>
+              <a:t>12/2/2015</a:t>
             </a:fld>
             <a:endParaRPr lang="en-US"/>
           </a:p>
@@ -4178,7 +4178,7 @@
           <a:p>
             <a:fld id="{0A2C9084-70B7-4828-AD77-7D77F1A8B45B}" type="datetimeFigureOut">
               <a:rPr lang="en-US" smtClean="0"/>
-              <a:t>12/2/15</a:t>
+              <a:t>12/2/2015</a:t>
             </a:fld>
             <a:endParaRPr lang="en-US"/>
           </a:p>
@@ -4835,7 +4835,7 @@
   <p:timing>
     <p:tnLst>
       <p:par>
-        <p:cTn xmlns:p14="http://schemas.microsoft.com/office/powerpoint/2010/main" id="1" dur="indefinite" restart="never" nodeType="tmRoot"/>
+        <p:cTn id="1" dur="indefinite" restart="never" nodeType="tmRoot"/>
       </p:par>
     </p:tnLst>
   </p:timing>
@@ -4949,8 +4949,21 @@
             </a:pPr>
             <a:r>
               <a:rPr lang="en-US" dirty="0" smtClean="0"/>
-              <a:t>Key result:</a:t>
-            </a:r>
+              <a:t>Key result</a:t>
+            </a:r>
+            <a:r>
+              <a:rPr lang="en-US" dirty="0" smtClean="0"/>
+              <a:t>: All </a:t>
+            </a:r>
+            <a:r>
+              <a:rPr lang="en-US" dirty="0" err="1" smtClean="0"/>
+              <a:t>endomorphisms</a:t>
+            </a:r>
+            <a:r>
+              <a:rPr lang="en-US" dirty="0" smtClean="0"/>
+              <a:t> of elliptic curves are just multiplying points by a constant, i.e. 		Our lattice still remains the same, so</a:t>
+            </a:r>
+            <a:endParaRPr lang="en-US" dirty="0" smtClean="0"/>
           </a:p>
           <a:p>
             <a:pPr marL="114300" indent="0">
@@ -4994,8 +5007,13 @@
             </a:pPr>
             <a:r>
               <a:rPr lang="en-US" dirty="0" smtClean="0"/>
-              <a:t>This ring has discriminant           or              , called the CM discriminant </a:t>
-            </a:r>
+              <a:t>This ring has discriminant           or              , called the CM </a:t>
+            </a:r>
+            <a:r>
+              <a:rPr lang="en-US" dirty="0" smtClean="0"/>
+              <a:t>discriminant; this ring can be treated as a lattice on its own. </a:t>
+            </a:r>
+            <a:endParaRPr lang="en-US" dirty="0" smtClean="0"/>
           </a:p>
           <a:p>
             <a:pPr marL="114300" indent="0">
@@ -5038,7 +5056,7 @@
           <p:nvPr/>
         </p:nvPicPr>
         <p:blipFill>
-          <a:blip r:embed="rId2">
+          <a:blip r:embed="rId3" cstate="print">
             <a:extLst>
               <a:ext uri="{28A0092B-C50C-407E-A947-70E740481C1C}">
                 <a14:useLocalDpi xmlns:a14="http://schemas.microsoft.com/office/drawing/2010/main" val="0"/>
@@ -5051,7 +5069,7 @@
         </p:blipFill>
         <p:spPr>
           <a:xfrm>
-            <a:off x="5570253" y="3697468"/>
+            <a:off x="5760697" y="4028456"/>
             <a:ext cx="3427968" cy="762556"/>
           </a:xfrm>
           <a:prstGeom prst="rect">
@@ -5068,7 +5086,7 @@
           <p:nvPr/>
         </p:nvPicPr>
         <p:blipFill>
-          <a:blip r:embed="rId3">
+          <a:blip r:embed="rId4" cstate="print">
             <a:extLst>
               <a:ext uri="{28A0092B-C50C-407E-A947-70E740481C1C}">
                 <a14:useLocalDpi xmlns:a14="http://schemas.microsoft.com/office/drawing/2010/main" val="0"/>
@@ -5081,7 +5099,7 @@
         </p:blipFill>
         <p:spPr>
           <a:xfrm>
-            <a:off x="1912275" y="3923346"/>
+            <a:off x="1579523" y="4316483"/>
             <a:ext cx="2763825" cy="402396"/>
           </a:xfrm>
           <a:prstGeom prst="rect">
@@ -5098,7 +5116,7 @@
           <p:nvPr/>
         </p:nvPicPr>
         <p:blipFill>
-          <a:blip r:embed="rId4">
+          <a:blip r:embed="rId5" cstate="print">
             <a:extLst>
               <a:ext uri="{28A0092B-C50C-407E-A947-70E740481C1C}">
                 <a14:useLocalDpi xmlns:a14="http://schemas.microsoft.com/office/drawing/2010/main" val="0"/>
@@ -5111,7 +5129,7 @@
         </p:blipFill>
         <p:spPr>
           <a:xfrm>
-            <a:off x="1938989" y="2477243"/>
+            <a:off x="1306069" y="2808537"/>
             <a:ext cx="3976235" cy="339520"/>
           </a:xfrm>
           <a:prstGeom prst="rect">
@@ -5128,7 +5146,7 @@
           <p:nvPr/>
         </p:nvPicPr>
         <p:blipFill>
-          <a:blip r:embed="rId5">
+          <a:blip r:embed="rId6" cstate="print">
             <a:extLst>
               <a:ext uri="{28A0092B-C50C-407E-A947-70E740481C1C}">
                 <a14:useLocalDpi xmlns:a14="http://schemas.microsoft.com/office/drawing/2010/main" val="0"/>
@@ -5141,7 +5159,7 @@
         </p:blipFill>
         <p:spPr>
           <a:xfrm>
-            <a:off x="4558624" y="4816161"/>
+            <a:off x="4499946" y="5150219"/>
             <a:ext cx="601305" cy="364954"/>
           </a:xfrm>
           <a:prstGeom prst="rect">
@@ -5158,7 +5176,7 @@
           <p:nvPr/>
         </p:nvPicPr>
         <p:blipFill>
-          <a:blip r:embed="rId6">
+          <a:blip r:embed="rId7" cstate="print">
             <a:extLst>
               <a:ext uri="{28A0092B-C50C-407E-A947-70E740481C1C}">
                 <a14:useLocalDpi xmlns:a14="http://schemas.microsoft.com/office/drawing/2010/main" val="0"/>
@@ -5171,8 +5189,42 @@
         </p:blipFill>
         <p:spPr>
           <a:xfrm>
-            <a:off x="5760697" y="4791012"/>
+            <a:off x="5760697" y="5125069"/>
             <a:ext cx="937287" cy="415254"/>
+          </a:xfrm>
+          <a:prstGeom prst="rect">
+            <a:avLst/>
+          </a:prstGeom>
+        </p:spPr>
+      </p:pic>
+      <p:pic>
+        <p:nvPicPr>
+          <p:cNvPr id="4" name="Picture 3"/>
+          <p:cNvPicPr>
+            <a:picLocks noChangeAspect="1"/>
+          </p:cNvPicPr>
+          <p:nvPr>
+            <p:custDataLst>
+              <p:tags r:id="rId1"/>
+            </p:custDataLst>
+          </p:nvPr>
+        </p:nvPicPr>
+        <p:blipFill>
+          <a:blip r:embed="rId8" cstate="print">
+            <a:extLst>
+              <a:ext uri="{28A0092B-C50C-407E-A947-70E740481C1C}">
+                <a14:useLocalDpi xmlns:a14="http://schemas.microsoft.com/office/drawing/2010/main" val="0"/>
+              </a:ext>
+            </a:extLst>
+          </a:blip>
+          <a:stretch>
+            <a:fillRect/>
+          </a:stretch>
+        </p:blipFill>
+        <p:spPr>
+          <a:xfrm>
+            <a:off x="3746652" y="2199987"/>
+            <a:ext cx="1053947" cy="303749"/>
           </a:xfrm>
           <a:prstGeom prst="rect">
             <a:avLst/>
@@ -5192,7 +5244,7 @@
   <p:timing>
     <p:tnLst>
       <p:par>
-        <p:cTn xmlns:p14="http://schemas.microsoft.com/office/powerpoint/2010/main" id="1" dur="indefinite" restart="never" nodeType="tmRoot"/>
+        <p:cTn id="1" dur="indefinite" restart="never" nodeType="tmRoot"/>
       </p:par>
     </p:tnLst>
   </p:timing>
@@ -5303,7 +5355,9 @@
           </a:xfrm>
         </p:spPr>
         <p:txBody>
-          <a:bodyPr/>
+          <a:bodyPr>
+            <a:normAutofit lnSpcReduction="10000"/>
+          </a:bodyPr>
           <a:lstStyle/>
           <a:p>
             <a:pPr marL="114300" indent="0">
@@ -5356,6 +5410,16 @@
             <a:pPr marL="114300" indent="0">
               <a:buNone/>
             </a:pPr>
+            <a:r>
+              <a:rPr lang="en-US" dirty="0" smtClean="0"/>
+              <a:t>After a change of basis, all 	will satisfy the quadratic </a:t>
+            </a:r>
+            <a:endParaRPr lang="en-US" dirty="0" smtClean="0"/>
+          </a:p>
+          <a:p>
+            <a:pPr marL="114300" indent="0">
+              <a:buNone/>
+            </a:pPr>
             <a:endParaRPr lang="en-US" dirty="0"/>
           </a:p>
           <a:p>
@@ -5364,8 +5428,13 @@
             </a:pPr>
             <a:r>
               <a:rPr lang="en-US" dirty="0" smtClean="0"/>
-              <a:t>All curves over        have complex multiplication </a:t>
-            </a:r>
+              <a:t>All curves over        have complex </a:t>
+            </a:r>
+            <a:r>
+              <a:rPr lang="en-US" dirty="0" smtClean="0"/>
+              <a:t>multiplication </a:t>
+            </a:r>
+            <a:endParaRPr lang="en-US" dirty="0" smtClean="0"/>
           </a:p>
           <a:p>
             <a:pPr marL="114300" indent="0">
@@ -5373,8 +5442,13 @@
             </a:pPr>
             <a:r>
               <a:rPr lang="en-US" dirty="0" smtClean="0"/>
-              <a:t>From this, we get the CM equation: </a:t>
-            </a:r>
+              <a:t>From this, we get the CM </a:t>
+            </a:r>
+            <a:r>
+              <a:rPr lang="en-US" dirty="0" smtClean="0"/>
+              <a:t>equation, or essentially the “discriminant”</a:t>
+            </a:r>
+            <a:endParaRPr lang="en-US" dirty="0" smtClean="0"/>
           </a:p>
           <a:p>
             <a:pPr marL="114300" indent="0">
@@ -5402,7 +5476,7 @@
           <p:nvPr/>
         </p:nvPicPr>
         <p:blipFill>
-          <a:blip r:embed="rId2">
+          <a:blip r:embed="rId4" cstate="print">
             <a:extLst>
               <a:ext uri="{28A0092B-C50C-407E-A947-70E740481C1C}">
                 <a14:useLocalDpi xmlns:a14="http://schemas.microsoft.com/office/drawing/2010/main" val="0"/>
@@ -5432,7 +5506,7 @@
           <p:nvPr/>
         </p:nvPicPr>
         <p:blipFill>
-          <a:blip r:embed="rId3">
+          <a:blip r:embed="rId5" cstate="print">
             <a:extLst>
               <a:ext uri="{28A0092B-C50C-407E-A947-70E740481C1C}">
                 <a14:useLocalDpi xmlns:a14="http://schemas.microsoft.com/office/drawing/2010/main" val="0"/>
@@ -5462,7 +5536,7 @@
           <p:nvPr/>
         </p:nvPicPr>
         <p:blipFill>
-          <a:blip r:embed="rId4">
+          <a:blip r:embed="rId6" cstate="print">
             <a:extLst>
               <a:ext uri="{28A0092B-C50C-407E-A947-70E740481C1C}">
                 <a14:useLocalDpi xmlns:a14="http://schemas.microsoft.com/office/drawing/2010/main" val="0"/>
@@ -5475,7 +5549,7 @@
         </p:blipFill>
         <p:spPr>
           <a:xfrm>
-            <a:off x="6651610" y="3561350"/>
+            <a:off x="6667096" y="3379910"/>
             <a:ext cx="2386829" cy="349204"/>
           </a:xfrm>
           <a:prstGeom prst="rect">
@@ -5492,7 +5566,7 @@
           <p:nvPr/>
         </p:nvPicPr>
         <p:blipFill>
-          <a:blip r:embed="rId5">
+          <a:blip r:embed="rId7" cstate="print">
             <a:extLst>
               <a:ext uri="{28A0092B-C50C-407E-A947-70E740481C1C}">
                 <a14:useLocalDpi xmlns:a14="http://schemas.microsoft.com/office/drawing/2010/main" val="0"/>
@@ -5522,7 +5596,7 @@
           <p:nvPr/>
         </p:nvPicPr>
         <p:blipFill>
-          <a:blip r:embed="rId6">
+          <a:blip r:embed="rId8" cstate="print">
             <a:extLst>
               <a:ext uri="{28A0092B-C50C-407E-A947-70E740481C1C}">
                 <a14:useLocalDpi xmlns:a14="http://schemas.microsoft.com/office/drawing/2010/main" val="0"/>
@@ -5552,7 +5626,7 @@
           <p:nvPr/>
         </p:nvPicPr>
         <p:blipFill>
-          <a:blip r:embed="rId7">
+          <a:blip r:embed="rId9" cstate="print">
             <a:extLst>
               <a:ext uri="{28A0092B-C50C-407E-A947-70E740481C1C}">
                 <a14:useLocalDpi xmlns:a14="http://schemas.microsoft.com/office/drawing/2010/main" val="0"/>
@@ -5565,8 +5639,76 @@
         </p:blipFill>
         <p:spPr>
           <a:xfrm>
-            <a:off x="3084909" y="4451491"/>
+            <a:off x="3130280" y="4590946"/>
             <a:ext cx="404122" cy="395703"/>
+          </a:xfrm>
+          <a:prstGeom prst="rect">
+            <a:avLst/>
+          </a:prstGeom>
+        </p:spPr>
+      </p:pic>
+      <p:pic>
+        <p:nvPicPr>
+          <p:cNvPr id="4" name="Picture 3"/>
+          <p:cNvPicPr>
+            <a:picLocks noChangeAspect="1"/>
+          </p:cNvPicPr>
+          <p:nvPr>
+            <p:custDataLst>
+              <p:tags r:id="rId1"/>
+            </p:custDataLst>
+          </p:nvPr>
+        </p:nvPicPr>
+        <p:blipFill>
+          <a:blip r:embed="rId10" cstate="print">
+            <a:extLst>
+              <a:ext uri="{28A0092B-C50C-407E-A947-70E740481C1C}">
+                <a14:useLocalDpi xmlns:a14="http://schemas.microsoft.com/office/drawing/2010/main" val="0"/>
+              </a:ext>
+            </a:extLst>
+          </a:blip>
+          <a:stretch>
+            <a:fillRect/>
+          </a:stretch>
+        </p:blipFill>
+        <p:spPr>
+          <a:xfrm>
+            <a:off x="4898188" y="3801603"/>
+            <a:ext cx="179137" cy="290124"/>
+          </a:xfrm>
+          <a:prstGeom prst="rect">
+            <a:avLst/>
+          </a:prstGeom>
+        </p:spPr>
+      </p:pic>
+      <p:pic>
+        <p:nvPicPr>
+          <p:cNvPr id="11" name="Picture 10"/>
+          <p:cNvPicPr>
+            <a:picLocks noChangeAspect="1"/>
+          </p:cNvPicPr>
+          <p:nvPr>
+            <p:custDataLst>
+              <p:tags r:id="rId2"/>
+            </p:custDataLst>
+          </p:nvPr>
+        </p:nvPicPr>
+        <p:blipFill>
+          <a:blip r:embed="rId11" cstate="print">
+            <a:extLst>
+              <a:ext uri="{28A0092B-C50C-407E-A947-70E740481C1C}">
+                <a14:useLocalDpi xmlns:a14="http://schemas.microsoft.com/office/drawing/2010/main" val="0"/>
+              </a:ext>
+            </a:extLst>
+          </a:blip>
+          <a:stretch>
+            <a:fillRect/>
+          </a:stretch>
+        </p:blipFill>
+        <p:spPr>
+          <a:xfrm>
+            <a:off x="9053925" y="3831123"/>
+            <a:ext cx="1688592" cy="260604"/>
           </a:xfrm>
           <a:prstGeom prst="rect">
             <a:avLst/>
@@ -5586,7 +5728,7 @@
   <p:timing>
     <p:tnLst>
       <p:par>
-        <p:cTn xmlns:p14="http://schemas.microsoft.com/office/powerpoint/2010/main" id="1" dur="indefinite" restart="never" nodeType="tmRoot"/>
+        <p:cTn id="1" dur="indefinite" restart="never" nodeType="tmRoot"/>
       </p:par>
     </p:tnLst>
   </p:timing>
@@ -5803,7 +5945,7 @@
           <p:nvPr/>
         </p:nvPicPr>
         <p:blipFill>
-          <a:blip r:embed="rId2">
+          <a:blip r:embed="rId2" cstate="print">
             <a:extLst>
               <a:ext uri="{28A0092B-C50C-407E-A947-70E740481C1C}">
                 <a14:useLocalDpi xmlns:a14="http://schemas.microsoft.com/office/drawing/2010/main" val="0"/>
@@ -5833,7 +5975,7 @@
           <p:nvPr/>
         </p:nvPicPr>
         <p:blipFill>
-          <a:blip r:embed="rId3">
+          <a:blip r:embed="rId3" cstate="print">
             <a:extLst>
               <a:ext uri="{28A0092B-C50C-407E-A947-70E740481C1C}">
                 <a14:useLocalDpi xmlns:a14="http://schemas.microsoft.com/office/drawing/2010/main" val="0"/>
@@ -5863,7 +6005,7 @@
           <p:nvPr/>
         </p:nvPicPr>
         <p:blipFill>
-          <a:blip r:embed="rId4">
+          <a:blip r:embed="rId4" cstate="print">
             <a:extLst>
               <a:ext uri="{28A0092B-C50C-407E-A947-70E740481C1C}">
                 <a14:useLocalDpi xmlns:a14="http://schemas.microsoft.com/office/drawing/2010/main" val="0"/>
@@ -5893,7 +6035,7 @@
           <p:nvPr/>
         </p:nvPicPr>
         <p:blipFill>
-          <a:blip r:embed="rId3">
+          <a:blip r:embed="rId3" cstate="print">
             <a:extLst>
               <a:ext uri="{28A0092B-C50C-407E-A947-70E740481C1C}">
                 <a14:useLocalDpi xmlns:a14="http://schemas.microsoft.com/office/drawing/2010/main" val="0"/>
@@ -5923,7 +6065,7 @@
           <p:nvPr/>
         </p:nvPicPr>
         <p:blipFill>
-          <a:blip r:embed="rId5">
+          <a:blip r:embed="rId5" cstate="print">
             <a:extLst>
               <a:ext uri="{28A0092B-C50C-407E-A947-70E740481C1C}">
                 <a14:useLocalDpi xmlns:a14="http://schemas.microsoft.com/office/drawing/2010/main" val="0"/>
@@ -5953,7 +6095,7 @@
           <p:nvPr/>
         </p:nvPicPr>
         <p:blipFill>
-          <a:blip r:embed="rId3">
+          <a:blip r:embed="rId3" cstate="print">
             <a:extLst>
               <a:ext uri="{28A0092B-C50C-407E-A947-70E740481C1C}">
                 <a14:useLocalDpi xmlns:a14="http://schemas.microsoft.com/office/drawing/2010/main" val="0"/>
@@ -5987,7 +6129,7 @@
   <p:timing>
     <p:tnLst>
       <p:par>
-        <p:cTn xmlns:p14="http://schemas.microsoft.com/office/powerpoint/2010/main" id="1" dur="indefinite" restart="never" nodeType="tmRoot"/>
+        <p:cTn id="1" dur="indefinite" restart="never" nodeType="tmRoot"/>
       </p:par>
     </p:tnLst>
   </p:timing>
@@ -6117,11 +6259,7 @@
             </a:pPr>
             <a:r>
               <a:rPr lang="en-US" dirty="0" smtClean="0"/>
-              <a:t>Input</a:t>
-            </a:r>
-            <a:r>
-              <a:rPr lang="en-US" dirty="0" smtClean="0"/>
-              <a:t>: </a:t>
+              <a:t>Input: </a:t>
             </a:r>
             <a:r>
               <a:rPr lang="en-US" dirty="0" err="1" smtClean="0"/>
@@ -6142,11 +6280,7 @@
             </a:r>
             <a:r>
               <a:rPr lang="en-US" dirty="0" err="1" smtClean="0"/>
-              <a:t>p,</a:t>
-            </a:r>
-            <a:r>
-              <a:rPr lang="en-US" dirty="0" err="1" smtClean="0"/>
-              <a:t>t</a:t>
+              <a:t>p,t</a:t>
             </a:r>
             <a:endParaRPr lang="en-US" dirty="0" smtClean="0"/>
           </a:p>
@@ -6248,7 +6382,7 @@
   <p:timing>
     <p:tnLst>
       <p:par>
-        <p:cTn xmlns:p14="http://schemas.microsoft.com/office/powerpoint/2010/main" id="1" dur="indefinite" restart="never" nodeType="tmRoot"/>
+        <p:cTn id="1" dur="indefinite" restart="never" nodeType="tmRoot"/>
       </p:par>
     </p:tnLst>
   </p:timing>
@@ -6472,7 +6606,7 @@
           <p:nvPr/>
         </p:nvPicPr>
         <p:blipFill>
-          <a:blip r:embed="rId2">
+          <a:blip r:embed="rId2" cstate="print">
             <a:extLst>
               <a:ext uri="{28A0092B-C50C-407E-A947-70E740481C1C}">
                 <a14:useLocalDpi xmlns:a14="http://schemas.microsoft.com/office/drawing/2010/main" val="0"/>
@@ -6502,7 +6636,7 @@
           <p:nvPr/>
         </p:nvPicPr>
         <p:blipFill>
-          <a:blip r:embed="rId3">
+          <a:blip r:embed="rId3" cstate="print">
             <a:extLst>
               <a:ext uri="{28A0092B-C50C-407E-A947-70E740481C1C}">
                 <a14:useLocalDpi xmlns:a14="http://schemas.microsoft.com/office/drawing/2010/main" val="0"/>
@@ -6532,7 +6666,7 @@
           <p:nvPr/>
         </p:nvPicPr>
         <p:blipFill>
-          <a:blip r:embed="rId4">
+          <a:blip r:embed="rId4" cstate="print">
             <a:extLst>
               <a:ext uri="{28A0092B-C50C-407E-A947-70E740481C1C}">
                 <a14:useLocalDpi xmlns:a14="http://schemas.microsoft.com/office/drawing/2010/main" val="0"/>
@@ -6562,7 +6696,7 @@
           <p:nvPr/>
         </p:nvPicPr>
         <p:blipFill>
-          <a:blip r:embed="rId5">
+          <a:blip r:embed="rId5" cstate="print">
             <a:extLst>
               <a:ext uri="{28A0092B-C50C-407E-A947-70E740481C1C}">
                 <a14:useLocalDpi xmlns:a14="http://schemas.microsoft.com/office/drawing/2010/main" val="0"/>
@@ -6592,7 +6726,7 @@
           <p:nvPr/>
         </p:nvPicPr>
         <p:blipFill>
-          <a:blip r:embed="rId6">
+          <a:blip r:embed="rId6" cstate="print">
             <a:extLst>
               <a:ext uri="{28A0092B-C50C-407E-A947-70E740481C1C}">
                 <a14:useLocalDpi xmlns:a14="http://schemas.microsoft.com/office/drawing/2010/main" val="0"/>
@@ -6622,7 +6756,7 @@
           <p:nvPr/>
         </p:nvPicPr>
         <p:blipFill>
-          <a:blip r:embed="rId7">
+          <a:blip r:embed="rId7" cstate="print">
             <a:extLst>
               <a:ext uri="{28A0092B-C50C-407E-A947-70E740481C1C}">
                 <a14:useLocalDpi xmlns:a14="http://schemas.microsoft.com/office/drawing/2010/main" val="0"/>
@@ -6656,7 +6790,7 @@
   <p:timing>
     <p:tnLst>
       <p:par>
-        <p:cTn xmlns:p14="http://schemas.microsoft.com/office/powerpoint/2010/main" id="1" dur="indefinite" restart="never" nodeType="tmRoot"/>
+        <p:cTn id="1" dur="indefinite" restart="never" nodeType="tmRoot"/>
       </p:par>
     </p:tnLst>
   </p:timing>
@@ -6823,7 +6957,6 @@
               <a:rPr lang="en-US" dirty="0" smtClean="0"/>
               <a:t> formulas, this is equivalent to E having nonzero discriminant.</a:t>
             </a:r>
-            <a:endParaRPr lang="en-US" dirty="0" smtClean="0"/>
           </a:p>
           <a:p>
             <a:pPr marL="0" indent="0">
@@ -6908,7 +7041,7 @@
           <p:nvPr/>
         </p:nvPicPr>
         <p:blipFill>
-          <a:blip r:embed="rId4">
+          <a:blip r:embed="rId4" cstate="print">
             <a:extLst>
               <a:ext uri="{28A0092B-C50C-407E-A947-70E740481C1C}">
                 <a14:useLocalDpi xmlns:a14="http://schemas.microsoft.com/office/drawing/2010/main" val="0"/>
@@ -6938,7 +7071,7 @@
           <p:nvPr/>
         </p:nvPicPr>
         <p:blipFill>
-          <a:blip r:embed="rId5">
+          <a:blip r:embed="rId5" cstate="print">
             <a:extLst>
               <a:ext uri="{28A0092B-C50C-407E-A947-70E740481C1C}">
                 <a14:useLocalDpi xmlns:a14="http://schemas.microsoft.com/office/drawing/2010/main" val="0"/>
@@ -6972,7 +7105,7 @@
   <p:timing>
     <p:tnLst>
       <p:par>
-        <p:cTn xmlns:p14="http://schemas.microsoft.com/office/powerpoint/2010/main" id="1" dur="indefinite" restart="never" nodeType="tmRoot"/>
+        <p:cTn id="1" dur="indefinite" restart="never" nodeType="tmRoot"/>
       </p:par>
     </p:tnLst>
   </p:timing>
@@ -7210,7 +7343,7 @@
   <p:timing>
     <p:tnLst>
       <p:par>
-        <p:cTn xmlns:p14="http://schemas.microsoft.com/office/powerpoint/2010/main" id="1" dur="indefinite" restart="never" nodeType="tmRoot"/>
+        <p:cTn id="1" dur="indefinite" restart="never" nodeType="tmRoot"/>
       </p:par>
     </p:tnLst>
   </p:timing>
@@ -7345,11 +7478,7 @@
             </a:pPr>
             <a:r>
               <a:rPr lang="en-US" dirty="0" smtClean="0"/>
-              <a:t>Fact</a:t>
-            </a:r>
-            <a:r>
-              <a:rPr lang="en-US" dirty="0" smtClean="0"/>
-              <a:t>: two elliptic curves (over an algebraically closed field) are isomorphic </a:t>
+              <a:t>Fact: two elliptic curves (over an algebraically closed field) are isomorphic </a:t>
             </a:r>
             <a:r>
               <a:rPr lang="en-US" dirty="0" err="1" smtClean="0"/>
@@ -7361,36 +7490,23 @@
             </a:r>
             <a:r>
               <a:rPr lang="en-US" dirty="0" smtClean="0"/>
-              <a:t>they have the same j-invariant</a:t>
-            </a:r>
+              <a:t>they have the same j-invariant.</a:t>
+            </a:r>
+          </a:p>
+          <a:p>
+            <a:pPr marL="0" indent="0">
+              <a:buNone/>
+            </a:pPr>
+            <a:endParaRPr lang="en-US" dirty="0"/>
+          </a:p>
+          <a:p>
+            <a:pPr marL="0" indent="0">
+              <a:buNone/>
+            </a:pPr>
             <a:r>
               <a:rPr lang="en-US" dirty="0" smtClean="0"/>
-              <a:t>.</a:t>
-            </a:r>
-          </a:p>
-          <a:p>
-            <a:pPr marL="0" indent="0">
-              <a:buNone/>
-            </a:pPr>
-            <a:endParaRPr lang="en-US" dirty="0"/>
-          </a:p>
-          <a:p>
-            <a:pPr marL="0" indent="0">
-              <a:buNone/>
-            </a:pPr>
-            <a:r>
-              <a:rPr lang="en-US" dirty="0" smtClean="0"/>
-              <a:t>There is a canonical </a:t>
-            </a:r>
-            <a:r>
-              <a:rPr lang="en-US" dirty="0" smtClean="0"/>
-              <a:t>curve E </a:t>
-            </a:r>
-            <a:r>
-              <a:rPr lang="en-US" dirty="0" smtClean="0"/>
-              <a:t>for each j:</a:t>
-            </a:r>
-            <a:endParaRPr lang="en-US" dirty="0" smtClean="0"/>
+              <a:t>There is a canonical curve E for each j:</a:t>
+            </a:r>
           </a:p>
           <a:p>
             <a:pPr marL="0" indent="0">
@@ -7415,7 +7531,7 @@
           <p:nvPr/>
         </p:nvPicPr>
         <p:blipFill>
-          <a:blip r:embed="rId2">
+          <a:blip r:embed="rId2" cstate="print">
             <a:extLst>
               <a:ext uri="{28A0092B-C50C-407E-A947-70E740481C1C}">
                 <a14:useLocalDpi xmlns:a14="http://schemas.microsoft.com/office/drawing/2010/main" val="0"/>
@@ -7445,7 +7561,7 @@
           <p:nvPr/>
         </p:nvPicPr>
         <p:blipFill>
-          <a:blip r:embed="rId3">
+          <a:blip r:embed="rId3" cstate="print">
             <a:extLst>
               <a:ext uri="{28A0092B-C50C-407E-A947-70E740481C1C}">
                 <a14:useLocalDpi xmlns:a14="http://schemas.microsoft.com/office/drawing/2010/main" val="0"/>
@@ -7479,7 +7595,7 @@
   <p:timing>
     <p:tnLst>
       <p:par>
-        <p:cTn xmlns:p14="http://schemas.microsoft.com/office/powerpoint/2010/main" id="1" dur="indefinite" restart="never" nodeType="tmRoot"/>
+        <p:cTn id="1" dur="indefinite" restart="never" nodeType="tmRoot"/>
       </p:par>
     </p:tnLst>
   </p:timing>
@@ -7683,7 +7799,7 @@
           <p:nvPr/>
         </p:nvPicPr>
         <p:blipFill>
-          <a:blip r:embed="rId3">
+          <a:blip r:embed="rId3" cstate="print">
             <a:extLst>
               <a:ext uri="{28A0092B-C50C-407E-A947-70E740481C1C}">
                 <a14:useLocalDpi xmlns:a14="http://schemas.microsoft.com/office/drawing/2010/main" val="0"/>
@@ -7713,7 +7829,7 @@
           <p:nvPr/>
         </p:nvPicPr>
         <p:blipFill>
-          <a:blip r:embed="rId4">
+          <a:blip r:embed="rId4" cstate="print">
             <a:extLst>
               <a:ext uri="{28A0092B-C50C-407E-A947-70E740481C1C}">
                 <a14:useLocalDpi xmlns:a14="http://schemas.microsoft.com/office/drawing/2010/main" val="0"/>
@@ -7747,7 +7863,7 @@
   <p:timing>
     <p:tnLst>
       <p:par>
-        <p:cTn xmlns:p14="http://schemas.microsoft.com/office/powerpoint/2010/main" id="1" dur="indefinite" restart="never" nodeType="tmRoot"/>
+        <p:cTn id="1" dur="indefinite" restart="never" nodeType="tmRoot"/>
       </p:par>
     </p:tnLst>
   </p:timing>
@@ -7921,7 +8037,7 @@
           <p:nvPr/>
         </p:nvPicPr>
         <p:blipFill>
-          <a:blip r:embed="rId2">
+          <a:blip r:embed="rId2" cstate="print">
             <a:extLst>
               <a:ext uri="{28A0092B-C50C-407E-A947-70E740481C1C}">
                 <a14:useLocalDpi xmlns:a14="http://schemas.microsoft.com/office/drawing/2010/main" val="0"/>
@@ -7951,7 +8067,7 @@
           <p:nvPr/>
         </p:nvPicPr>
         <p:blipFill>
-          <a:blip r:embed="rId3">
+          <a:blip r:embed="rId3" cstate="print">
             <a:extLst>
               <a:ext uri="{28A0092B-C50C-407E-A947-70E740481C1C}">
                 <a14:useLocalDpi xmlns:a14="http://schemas.microsoft.com/office/drawing/2010/main" val="0"/>
@@ -7981,7 +8097,7 @@
           <p:nvPr/>
         </p:nvPicPr>
         <p:blipFill>
-          <a:blip r:embed="rId4">
+          <a:blip r:embed="rId4" cstate="print">
             <a:extLst>
               <a:ext uri="{28A0092B-C50C-407E-A947-70E740481C1C}">
                 <a14:useLocalDpi xmlns:a14="http://schemas.microsoft.com/office/drawing/2010/main" val="0"/>
@@ -8011,7 +8127,7 @@
           <p:nvPr/>
         </p:nvPicPr>
         <p:blipFill>
-          <a:blip r:embed="rId5">
+          <a:blip r:embed="rId5" cstate="print">
             <a:extLst>
               <a:ext uri="{28A0092B-C50C-407E-A947-70E740481C1C}">
                 <a14:useLocalDpi xmlns:a14="http://schemas.microsoft.com/office/drawing/2010/main" val="0"/>
@@ -8041,7 +8157,7 @@
           <p:nvPr/>
         </p:nvPicPr>
         <p:blipFill>
-          <a:blip r:embed="rId2">
+          <a:blip r:embed="rId2" cstate="print">
             <a:extLst>
               <a:ext uri="{28A0092B-C50C-407E-A947-70E740481C1C}">
                 <a14:useLocalDpi xmlns:a14="http://schemas.microsoft.com/office/drawing/2010/main" val="0"/>
@@ -8075,7 +8191,7 @@
   <p:timing>
     <p:tnLst>
       <p:par>
-        <p:cTn xmlns:p14="http://schemas.microsoft.com/office/powerpoint/2010/main" id="1" dur="indefinite" restart="never" nodeType="tmRoot"/>
+        <p:cTn id="1" dur="indefinite" restart="never" nodeType="tmRoot"/>
       </p:par>
     </p:tnLst>
   </p:timing>
@@ -8309,7 +8425,7 @@
           <p:nvPr/>
         </p:nvPicPr>
         <p:blipFill>
-          <a:blip r:embed="rId3">
+          <a:blip r:embed="rId3" cstate="print">
             <a:extLst>
               <a:ext uri="{28A0092B-C50C-407E-A947-70E740481C1C}">
                 <a14:useLocalDpi xmlns:a14="http://schemas.microsoft.com/office/drawing/2010/main" val="0"/>
@@ -8339,7 +8455,7 @@
           <p:nvPr/>
         </p:nvPicPr>
         <p:blipFill>
-          <a:blip r:embed="rId4">
+          <a:blip r:embed="rId4" cstate="print">
             <a:extLst>
               <a:ext uri="{28A0092B-C50C-407E-A947-70E740481C1C}">
                 <a14:useLocalDpi xmlns:a14="http://schemas.microsoft.com/office/drawing/2010/main" val="0"/>
@@ -8373,7 +8489,7 @@
   <p:timing>
     <p:tnLst>
       <p:par>
-        <p:cTn xmlns:p14="http://schemas.microsoft.com/office/powerpoint/2010/main" id="1" dur="indefinite" restart="never" nodeType="tmRoot"/>
+        <p:cTn id="1" dur="indefinite" restart="never" nodeType="tmRoot"/>
       </p:par>
     </p:tnLst>
   </p:timing>
@@ -8753,7 +8869,7 @@
   <p:timing>
     <p:tnLst>
       <p:par>
-        <p:cTn xmlns:p14="http://schemas.microsoft.com/office/powerpoint/2010/main" id="1" dur="indefinite" restart="never" nodeType="tmRoot"/>
+        <p:cTn id="1" dur="indefinite" restart="never" nodeType="tmRoot"/>
       </p:par>
     </p:tnLst>
   </p:timing>
@@ -8916,6 +9032,16 @@
             </a:pPr>
             <a:endParaRPr lang="en-US" dirty="0" smtClean="0"/>
           </a:p>
+          <a:p>
+            <a:pPr marL="114300" indent="0">
+              <a:buNone/>
+            </a:pPr>
+            <a:r>
+              <a:rPr lang="en-US" dirty="0" smtClean="0"/>
+              <a:t>So given two parameters 		, we can construct any curve.</a:t>
+            </a:r>
+            <a:endParaRPr lang="en-US" dirty="0" smtClean="0"/>
+          </a:p>
         </p:txBody>
       </p:sp>
       <p:pic>
@@ -8927,7 +9053,7 @@
           <p:nvPr/>
         </p:nvPicPr>
         <p:blipFill>
-          <a:blip r:embed="rId2">
+          <a:blip r:embed="rId4">
             <a:extLst>
               <a:ext uri="{28A0092B-C50C-407E-A947-70E740481C1C}">
                 <a14:useLocalDpi xmlns:a14="http://schemas.microsoft.com/office/drawing/2010/main" val="0"/>
@@ -8950,7 +9076,7 @@
           <a:noFill/>
           <a:extLst>
             <a:ext uri="{909E8E84-426E-40dd-AFC4-6F175D3DCCD1}">
-              <a14:hiddenFill xmlns:a14="http://schemas.microsoft.com/office/drawing/2010/main">
+              <a14:hiddenFill xmlns:a14="http://schemas.microsoft.com/office/drawing/2010/main" xmlns="">
                 <a:solidFill>
                   <a:srgbClr val="FFFFFF"/>
                 </a:solidFill>
@@ -8968,7 +9094,7 @@
           <p:nvPr/>
         </p:nvPicPr>
         <p:blipFill>
-          <a:blip r:embed="rId3">
+          <a:blip r:embed="rId5" cstate="print">
             <a:extLst>
               <a:ext uri="{28A0092B-C50C-407E-A947-70E740481C1C}">
                 <a14:useLocalDpi xmlns:a14="http://schemas.microsoft.com/office/drawing/2010/main" val="0"/>
@@ -8998,7 +9124,7 @@
           <p:nvPr/>
         </p:nvPicPr>
         <p:blipFill>
-          <a:blip r:embed="rId4">
+          <a:blip r:embed="rId6" cstate="print">
             <a:extLst>
               <a:ext uri="{28A0092B-C50C-407E-A947-70E740481C1C}">
                 <a14:useLocalDpi xmlns:a14="http://schemas.microsoft.com/office/drawing/2010/main" val="0"/>
@@ -9028,7 +9154,7 @@
           <p:nvPr/>
         </p:nvPicPr>
         <p:blipFill>
-          <a:blip r:embed="rId5">
+          <a:blip r:embed="rId7" cstate="print">
             <a:extLst>
               <a:ext uri="{28A0092B-C50C-407E-A947-70E740481C1C}">
                 <a14:useLocalDpi xmlns:a14="http://schemas.microsoft.com/office/drawing/2010/main" val="0"/>
@@ -9043,6 +9169,74 @@
           <a:xfrm>
             <a:off x="1169376" y="4967060"/>
             <a:ext cx="8465053" cy="359466"/>
+          </a:xfrm>
+          <a:prstGeom prst="rect">
+            <a:avLst/>
+          </a:prstGeom>
+        </p:spPr>
+      </p:pic>
+      <p:pic>
+        <p:nvPicPr>
+          <p:cNvPr id="7" name="Picture 6"/>
+          <p:cNvPicPr>
+            <a:picLocks noChangeAspect="1"/>
+          </p:cNvPicPr>
+          <p:nvPr>
+            <p:custDataLst>
+              <p:tags r:id="rId1"/>
+            </p:custDataLst>
+          </p:nvPr>
+        </p:nvPicPr>
+        <p:blipFill>
+          <a:blip r:embed="rId8" cstate="print">
+            <a:extLst>
+              <a:ext uri="{28A0092B-C50C-407E-A947-70E740481C1C}">
+                <a14:useLocalDpi xmlns:a14="http://schemas.microsoft.com/office/drawing/2010/main" val="0"/>
+              </a:ext>
+            </a:extLst>
+          </a:blip>
+          <a:stretch>
+            <a:fillRect/>
+          </a:stretch>
+        </p:blipFill>
+        <p:spPr>
+          <a:xfrm>
+            <a:off x="7969790" y="4061504"/>
+            <a:ext cx="1665732" cy="211836"/>
+          </a:xfrm>
+          <a:prstGeom prst="rect">
+            <a:avLst/>
+          </a:prstGeom>
+        </p:spPr>
+      </p:pic>
+      <p:pic>
+        <p:nvPicPr>
+          <p:cNvPr id="8" name="Picture 7"/>
+          <p:cNvPicPr>
+            <a:picLocks noChangeAspect="1"/>
+          </p:cNvPicPr>
+          <p:nvPr>
+            <p:custDataLst>
+              <p:tags r:id="rId2"/>
+            </p:custDataLst>
+          </p:nvPr>
+        </p:nvPicPr>
+        <p:blipFill>
+          <a:blip r:embed="rId9" cstate="print">
+            <a:extLst>
+              <a:ext uri="{28A0092B-C50C-407E-A947-70E740481C1C}">
+                <a14:useLocalDpi xmlns:a14="http://schemas.microsoft.com/office/drawing/2010/main" val="0"/>
+              </a:ext>
+            </a:extLst>
+          </a:blip>
+          <a:stretch>
+            <a:fillRect/>
+          </a:stretch>
+        </p:blipFill>
+        <p:spPr>
+          <a:xfrm>
+            <a:off x="4652173" y="5710307"/>
+            <a:ext cx="1228939" cy="312442"/>
           </a:xfrm>
           <a:prstGeom prst="rect">
             <a:avLst/>
@@ -9062,11 +9256,91 @@
   <p:timing>
     <p:tnLst>
       <p:par>
-        <p:cTn xmlns:p14="http://schemas.microsoft.com/office/powerpoint/2010/main" id="1" dur="indefinite" restart="never" nodeType="tmRoot"/>
+        <p:cTn id="1" dur="indefinite" restart="never" nodeType="tmRoot"/>
       </p:par>
     </p:tnLst>
   </p:timing>
 </p:sld>
+</file>
+
+<file path=ppt/tags/tag1.xml><?xml version="1.0" encoding="utf-8"?>
+<p:tagLst xmlns:a="http://schemas.openxmlformats.org/drawingml/2006/main" xmlns:r="http://schemas.openxmlformats.org/officeDocument/2006/relationships" xmlns:p="http://schemas.openxmlformats.org/presentationml/2006/main">
+  <p:tag name="ORIGINALHEIGHT" val="104.25"/>
+  <p:tag name="ORIGINALWIDTH" val="819.75"/>
+  <p:tag name="OUTPUTDPI" val="1200"/>
+  <p:tag name="LATEXADDIN" val="\documentclass{article}&#10;\usepackage{amsmath}&#10;\usepackage{amsfonts}&#10;\pagestyle{empty}&#10;\begin{document}&#10;&#10;&#10;$L = \mathbb{Z}\omega_{1} + \mathbb{Z}\omega_{2} $&#10;&#10;\end{document}"/>
+  <p:tag name="IGUANATEXSIZE" val="20"/>
+  <p:tag name="IGUANATEXCURSOR" val="65"/>
+  <p:tag name="TRANSPARENCY" val="True"/>
+  <p:tag name="FILENAME" val=""/>
+  <p:tag name="INPUTTYPE" val="0"/>
+  <p:tag name="LATEXENGINEID" val="0"/>
+  <p:tag name="TEMPFOLDER" val="c:\temp\"/>
+</p:tagLst>
+</file>
+
+<file path=ppt/tags/tag2.xml><?xml version="1.0" encoding="utf-8"?>
+<p:tagLst xmlns:a="http://schemas.openxmlformats.org/drawingml/2006/main" xmlns:r="http://schemas.openxmlformats.org/officeDocument/2006/relationships" xmlns:p="http://schemas.openxmlformats.org/presentationml/2006/main">
+  <p:tag name="ORIGINALHEIGHT" val="78.75"/>
+  <p:tag name="ORIGINALWIDTH" val="309.75"/>
+  <p:tag name="OUTPUTDPI" val="1200"/>
+  <p:tag name="LATEXADDIN" val="\documentclass{article}&#10;\usepackage{amsmath}&#10;\pagestyle{empty}&#10;\begin{document}&#10;&#10;$\omega_{1}, \omega_{2}$ &#10;&#10;&#10;&#10;\end{document}"/>
+  <p:tag name="IGUANATEXSIZE" val="20"/>
+  <p:tag name="IGUANATEXCURSOR" val="106"/>
+  <p:tag name="TRANSPARENCY" val="True"/>
+  <p:tag name="FILENAME" val=""/>
+  <p:tag name="INPUTTYPE" val="0"/>
+  <p:tag name="LATEXENGINEID" val="0"/>
+  <p:tag name="TEMPFOLDER" val="c:\temp\"/>
+</p:tagLst>
+</file>
+
+<file path=ppt/tags/tag3.xml><?xml version="1.0" encoding="utf-8"?>
+<p:tagLst xmlns:a="http://schemas.openxmlformats.org/drawingml/2006/main" xmlns:r="http://schemas.openxmlformats.org/officeDocument/2006/relationships" xmlns:p="http://schemas.openxmlformats.org/presentationml/2006/main">
+  <p:tag name="ORIGINALHEIGHT" val="111.75"/>
+  <p:tag name="ORIGINALWIDTH" val="387.75"/>
+  <p:tag name="OUTPUTDPI" val="1200"/>
+  <p:tag name="LATEXADDIN" val="\documentclass{article}&#10;\usepackage{amsmath}&#10;\pagestyle{empty}&#10;\begin{document}&#10;&#10;&#10;$z \rightarrow \beta z$&#10;&#10;\end{document}"/>
+  <p:tag name="IGUANATEXSIZE" val="20"/>
+  <p:tag name="IGUANATEXCURSOR" val="105"/>
+  <p:tag name="TRANSPARENCY" val="True"/>
+  <p:tag name="FILENAME" val=""/>
+  <p:tag name="INPUTTYPE" val="0"/>
+  <p:tag name="LATEXENGINEID" val="0"/>
+  <p:tag name="TEMPFOLDER" val="c:\temp\"/>
+</p:tagLst>
+</file>
+
+<file path=ppt/tags/tag4.xml><?xml version="1.0" encoding="utf-8"?>
+<p:tagLst xmlns:a="http://schemas.openxmlformats.org/drawingml/2006/main" xmlns:r="http://schemas.openxmlformats.org/officeDocument/2006/relationships" xmlns:p="http://schemas.openxmlformats.org/presentationml/2006/main">
+  <p:tag name="ORIGINALHEIGHT" val="111.75"/>
+  <p:tag name="ORIGINALWIDTH" val="69"/>
+  <p:tag name="OUTPUTDPI" val="1200"/>
+  <p:tag name="LATEXADDIN" val="\documentclass{article}&#10;\usepackage{amsmath}&#10;\pagestyle{empty}&#10;\begin{document}&#10;&#10;&#10;$\beta$ &#10;&#10;\end{document}"/>
+  <p:tag name="IGUANATEXSIZE" val="20"/>
+  <p:tag name="IGUANATEXCURSOR" val="90"/>
+  <p:tag name="TRANSPARENCY" val="True"/>
+  <p:tag name="FILENAME" val=""/>
+  <p:tag name="INPUTTYPE" val="0"/>
+  <p:tag name="LATEXENGINEID" val="0"/>
+  <p:tag name="TEMPFOLDER" val="c:\temp\"/>
+</p:tagLst>
+</file>
+
+<file path=ppt/tags/tag5.xml><?xml version="1.0" encoding="utf-8"?>
+<p:tagLst xmlns:a="http://schemas.openxmlformats.org/drawingml/2006/main" xmlns:r="http://schemas.openxmlformats.org/officeDocument/2006/relationships" xmlns:p="http://schemas.openxmlformats.org/presentationml/2006/main">
+  <p:tag name="ORIGINALHEIGHT" val="128.25"/>
+  <p:tag name="ORIGINALWIDTH" val="831"/>
+  <p:tag name="OUTPUTDPI" val="1200"/>
+  <p:tag name="LATEXADDIN" val="\documentclass{article}&#10;\usepackage{amsmath}&#10;\pagestyle{empty}&#10;\begin{document}&#10;&#10;&#10;$x^{2} - tx + p = 0$&#10;&#10;\end{document}"/>
+  <p:tag name="IGUANATEXSIZE" val="20"/>
+  <p:tag name="IGUANATEXCURSOR" val="102"/>
+  <p:tag name="TRANSPARENCY" val="True"/>
+  <p:tag name="FILENAME" val=""/>
+  <p:tag name="INPUTTYPE" val="0"/>
+  <p:tag name="LATEXENGINEID" val="0"/>
+  <p:tag name="TEMPFOLDER" val="c:\temp\"/>
+</p:tagLst>
 </file>
 
 <file path=ppt/theme/theme1.xml><?xml version="1.0" encoding="utf-8"?>

--- a/Presentation.ppt.pptx
+++ b/Presentation.ppt.pptx
@@ -119,7 +119,7 @@
   </p:defaultTextStyle>
   <p:extLst>
     <p:ext uri="{EFAFB233-063F-42B5-8137-9DF3F51BA10A}">
-      <p15:sldGuideLst xmlns:p15="http://schemas.microsoft.com/office/powerpoint/2012/main">
+      <p15:sldGuideLst xmlns:p15="http://schemas.microsoft.com/office/powerpoint/2012/main" xmlns="">
         <p15:guide id="1" orient="horz" pos="2160">
           <p15:clr>
             <a:srgbClr val="A4A3A4"/>
@@ -261,7 +261,7 @@
           <a:p>
             <a:fld id="{0A2C9084-70B7-4828-AD77-7D77F1A8B45B}" type="datetimeFigureOut">
               <a:rPr lang="en-US" smtClean="0"/>
-              <a:t>12/2/2015</a:t>
+              <a:t>12/2/15</a:t>
             </a:fld>
             <a:endParaRPr lang="en-US"/>
           </a:p>
@@ -894,7 +894,7 @@
           <a:p>
             <a:fld id="{0A2C9084-70B7-4828-AD77-7D77F1A8B45B}" type="datetimeFigureOut">
               <a:rPr lang="en-US" smtClean="0"/>
-              <a:t>12/2/2015</a:t>
+              <a:t>12/2/15</a:t>
             </a:fld>
             <a:endParaRPr lang="en-US"/>
           </a:p>
@@ -1171,7 +1171,7 @@
           <a:p>
             <a:fld id="{0A2C9084-70B7-4828-AD77-7D77F1A8B45B}" type="datetimeFigureOut">
               <a:rPr lang="en-US" smtClean="0"/>
-              <a:t>12/2/2015</a:t>
+              <a:t>12/2/15</a:t>
             </a:fld>
             <a:endParaRPr lang="en-US"/>
           </a:p>
@@ -1336,7 +1336,7 @@
           <a:p>
             <a:fld id="{0A2C9084-70B7-4828-AD77-7D77F1A8B45B}" type="datetimeFigureOut">
               <a:rPr lang="en-US" smtClean="0"/>
-              <a:t>12/2/2015</a:t>
+              <a:t>12/2/15</a:t>
             </a:fld>
             <a:endParaRPr lang="en-US"/>
           </a:p>
@@ -1517,7 +1517,7 @@
           <a:p>
             <a:fld id="{0A2C9084-70B7-4828-AD77-7D77F1A8B45B}" type="datetimeFigureOut">
               <a:rPr lang="en-US" smtClean="0"/>
-              <a:t>12/2/2015</a:t>
+              <a:t>12/2/15</a:t>
             </a:fld>
             <a:endParaRPr lang="en-US"/>
           </a:p>
@@ -2162,7 +2162,7 @@
           <a:p>
             <a:fld id="{0A2C9084-70B7-4828-AD77-7D77F1A8B45B}" type="datetimeFigureOut">
               <a:rPr lang="en-US" smtClean="0"/>
-              <a:t>12/2/2015</a:t>
+              <a:t>12/2/15</a:t>
             </a:fld>
             <a:endParaRPr lang="en-US"/>
           </a:p>
@@ -2588,7 +2588,7 @@
           <a:p>
             <a:fld id="{0A2C9084-70B7-4828-AD77-7D77F1A8B45B}" type="datetimeFigureOut">
               <a:rPr lang="en-US" smtClean="0"/>
-              <a:t>12/2/2015</a:t>
+              <a:t>12/2/15</a:t>
             </a:fld>
             <a:endParaRPr lang="en-US"/>
           </a:p>
@@ -2701,7 +2701,7 @@
           <a:p>
             <a:fld id="{0A2C9084-70B7-4828-AD77-7D77F1A8B45B}" type="datetimeFigureOut">
               <a:rPr lang="en-US" smtClean="0"/>
-              <a:t>12/2/2015</a:t>
+              <a:t>12/2/15</a:t>
             </a:fld>
             <a:endParaRPr lang="en-US"/>
           </a:p>
@@ -2882,7 +2882,7 @@
           <a:p>
             <a:fld id="{0A2C9084-70B7-4828-AD77-7D77F1A8B45B}" type="datetimeFigureOut">
               <a:rPr lang="en-US" smtClean="0"/>
-              <a:t>12/2/2015</a:t>
+              <a:t>12/2/15</a:t>
             </a:fld>
             <a:endParaRPr lang="en-US"/>
           </a:p>
@@ -3148,7 +3148,7 @@
           <a:p>
             <a:fld id="{0A2C9084-70B7-4828-AD77-7D77F1A8B45B}" type="datetimeFigureOut">
               <a:rPr lang="en-US" smtClean="0"/>
-              <a:t>12/2/2015</a:t>
+              <a:t>12/2/15</a:t>
             </a:fld>
             <a:endParaRPr lang="en-US"/>
           </a:p>
@@ -3618,7 +3618,7 @@
           <a:p>
             <a:fld id="{0A2C9084-70B7-4828-AD77-7D77F1A8B45B}" type="datetimeFigureOut">
               <a:rPr lang="en-US" smtClean="0"/>
-              <a:t>12/2/2015</a:t>
+              <a:t>12/2/15</a:t>
             </a:fld>
             <a:endParaRPr lang="en-US"/>
           </a:p>
@@ -4178,7 +4178,7 @@
           <a:p>
             <a:fld id="{0A2C9084-70B7-4828-AD77-7D77F1A8B45B}" type="datetimeFigureOut">
               <a:rPr lang="en-US" smtClean="0"/>
-              <a:t>12/2/2015</a:t>
+              <a:t>12/2/15</a:t>
             </a:fld>
             <a:endParaRPr lang="en-US"/>
           </a:p>
@@ -4835,7 +4835,7 @@
   <p:timing>
     <p:tnLst>
       <p:par>
-        <p:cTn id="1" dur="indefinite" restart="never" nodeType="tmRoot"/>
+        <p:cTn xmlns:p14="http://schemas.microsoft.com/office/powerpoint/2010/main" id="1" dur="indefinite" restart="never" nodeType="tmRoot"/>
       </p:par>
     </p:tnLst>
   </p:timing>
@@ -4939,9 +4939,16 @@
             <p:ph idx="1"/>
           </p:nvPr>
         </p:nvSpPr>
-        <p:spPr/>
-        <p:txBody>
-          <a:bodyPr/>
+        <p:spPr>
+          <a:xfrm>
+            <a:off x="609600" y="1752600"/>
+            <a:ext cx="10972800" cy="5105399"/>
+          </a:xfrm>
+        </p:spPr>
+        <p:txBody>
+          <a:bodyPr>
+            <a:normAutofit/>
+          </a:bodyPr>
           <a:lstStyle/>
           <a:p>
             <a:pPr marL="114300" indent="0">
@@ -4949,11 +4956,7 @@
             </a:pPr>
             <a:r>
               <a:rPr lang="en-US" dirty="0" smtClean="0"/>
-              <a:t>Key result</a:t>
-            </a:r>
-            <a:r>
-              <a:rPr lang="en-US" dirty="0" smtClean="0"/>
-              <a:t>: All </a:t>
+              <a:t>Key result: All </a:t>
             </a:r>
             <a:r>
               <a:rPr lang="en-US" dirty="0" err="1" smtClean="0"/>
@@ -4961,59 +4964,76 @@
             </a:r>
             <a:r>
               <a:rPr lang="en-US" dirty="0" smtClean="0"/>
-              <a:t> of elliptic curves are just multiplying points by a constant, i.e. 		Our lattice still remains the same, so</a:t>
-            </a:r>
+              <a:t> of elliptic curves </a:t>
+            </a:r>
+            <a:r>
+              <a:rPr lang="en-US" dirty="0" smtClean="0"/>
+              <a:t>correspond to multiplying the lattice by a constant (               ) that preserves the lattice.		</a:t>
+            </a:r>
+            <a:endParaRPr lang="en-US" dirty="0"/>
+          </a:p>
+          <a:p>
+            <a:pPr marL="114300" indent="0">
+              <a:buNone/>
+            </a:pPr>
             <a:endParaRPr lang="en-US" dirty="0" smtClean="0"/>
           </a:p>
           <a:p>
             <a:pPr marL="114300" indent="0">
               <a:buNone/>
             </a:pPr>
+            <a:r>
+              <a:rPr lang="en-US" dirty="0" smtClean="0"/>
+              <a:t>As it turns out, End(E) is isomorphic to an order in a quadratic imaginary field:</a:t>
+            </a:r>
+          </a:p>
+          <a:p>
+            <a:pPr marL="114300" indent="0">
+              <a:buNone/>
+            </a:pPr>
+            <a:r>
+              <a:rPr lang="en-US" dirty="0" smtClean="0"/>
+              <a:t>                                                 or</a:t>
+            </a:r>
+          </a:p>
+          <a:p>
+            <a:pPr marL="114300" indent="0">
+              <a:buNone/>
+            </a:pPr>
             <a:endParaRPr lang="en-US" dirty="0"/>
           </a:p>
           <a:p>
             <a:pPr marL="114300" indent="0">
               <a:buNone/>
             </a:pPr>
-            <a:endParaRPr lang="en-US" dirty="0" smtClean="0"/>
-          </a:p>
-          <a:p>
-            <a:pPr marL="114300" indent="0">
-              <a:buNone/>
-            </a:pPr>
-            <a:r>
-              <a:rPr lang="en-US" dirty="0" smtClean="0"/>
-              <a:t>As it turns out, End(E) is isomorphic to an order in a quadratic imaginary field:</a:t>
-            </a:r>
-          </a:p>
-          <a:p>
-            <a:pPr marL="114300" indent="0">
-              <a:buNone/>
-            </a:pPr>
-            <a:r>
-              <a:rPr lang="en-US" dirty="0" smtClean="0"/>
-              <a:t>                                                 or</a:t>
-            </a:r>
-          </a:p>
-          <a:p>
-            <a:pPr marL="114300" indent="0">
-              <a:buNone/>
-            </a:pPr>
-            <a:endParaRPr lang="en-US" dirty="0"/>
-          </a:p>
-          <a:p>
-            <a:pPr marL="114300" indent="0">
-              <a:buNone/>
-            </a:pPr>
-            <a:r>
-              <a:rPr lang="en-US" dirty="0" smtClean="0"/>
-              <a:t>This ring has discriminant           or              , called the CM </a:t>
-            </a:r>
-            <a:r>
-              <a:rPr lang="en-US" dirty="0" smtClean="0"/>
-              <a:t>discriminant; this ring can be treated as a lattice on its own. </a:t>
-            </a:r>
-            <a:endParaRPr lang="en-US" dirty="0" smtClean="0"/>
+            <a:r>
+              <a:rPr lang="en-US" dirty="0" smtClean="0"/>
+              <a:t>This ring has discriminant           or           </a:t>
+            </a:r>
+            <a:r>
+              <a:rPr lang="en-US" dirty="0" smtClean="0"/>
+              <a:t> </a:t>
+            </a:r>
+            <a:r>
+              <a:rPr lang="en-US" dirty="0" smtClean="0"/>
+              <a:t>, called the CM </a:t>
+            </a:r>
+            <a:r>
+              <a:rPr lang="en-US" dirty="0" smtClean="0"/>
+              <a:t>discriminant. </a:t>
+            </a:r>
+            <a:r>
+              <a:rPr lang="en-US" dirty="0"/>
+              <a:t>T</a:t>
+            </a:r>
+            <a:r>
+              <a:rPr lang="en-US" dirty="0" smtClean="0"/>
+              <a:t>his </a:t>
+            </a:r>
+            <a:r>
+              <a:rPr lang="en-US" dirty="0" smtClean="0"/>
+              <a:t>ring can be treated as a lattice on its own. </a:t>
+            </a:r>
           </a:p>
           <a:p>
             <a:pPr marL="114300" indent="0">
@@ -5050,6 +5070,36 @@
       <p:pic>
         <p:nvPicPr>
           <p:cNvPr id="5" name="Picture 4" descr="latex-image-1.pdf"/>
+          <p:cNvPicPr>
+            <a:picLocks noChangeAspect="1"/>
+          </p:cNvPicPr>
+          <p:nvPr/>
+        </p:nvPicPr>
+        <p:blipFill>
+          <a:blip r:embed="rId2" cstate="print">
+            <a:extLst>
+              <a:ext uri="{28A0092B-C50C-407E-A947-70E740481C1C}">
+                <a14:useLocalDpi xmlns:a14="http://schemas.microsoft.com/office/drawing/2010/main" val="0"/>
+              </a:ext>
+            </a:extLst>
+          </a:blip>
+          <a:stretch>
+            <a:fillRect/>
+          </a:stretch>
+        </p:blipFill>
+        <p:spPr>
+          <a:xfrm>
+            <a:off x="5521791" y="3990731"/>
+            <a:ext cx="3427968" cy="762556"/>
+          </a:xfrm>
+          <a:prstGeom prst="rect">
+            <a:avLst/>
+          </a:prstGeom>
+        </p:spPr>
+      </p:pic>
+      <p:pic>
+        <p:nvPicPr>
+          <p:cNvPr id="6" name="Picture 5" descr="latex-image-1.pdf"/>
           <p:cNvPicPr>
             <a:picLocks noChangeAspect="1"/>
           </p:cNvPicPr>
@@ -5069,8 +5119,8 @@
         </p:blipFill>
         <p:spPr>
           <a:xfrm>
-            <a:off x="5760697" y="4028456"/>
-            <a:ext cx="3427968" cy="762556"/>
+            <a:off x="1793281" y="4203308"/>
+            <a:ext cx="2763825" cy="402396"/>
           </a:xfrm>
           <a:prstGeom prst="rect">
             <a:avLst/>
@@ -5079,7 +5129,7 @@
       </p:pic>
       <p:pic>
         <p:nvPicPr>
-          <p:cNvPr id="6" name="Picture 5" descr="latex-image-1.pdf"/>
+          <p:cNvPr id="11" name="Picture 10" descr="latex-image-1.pdf"/>
           <p:cNvPicPr>
             <a:picLocks noChangeAspect="1"/>
           </p:cNvPicPr>
@@ -5099,8 +5149,8 @@
         </p:blipFill>
         <p:spPr>
           <a:xfrm>
-            <a:off x="1579523" y="4316483"/>
-            <a:ext cx="2763825" cy="402396"/>
+            <a:off x="1306069" y="2808537"/>
+            <a:ext cx="3976235" cy="339520"/>
           </a:xfrm>
           <a:prstGeom prst="rect">
             <a:avLst/>
@@ -5109,7 +5159,7 @@
       </p:pic>
       <p:pic>
         <p:nvPicPr>
-          <p:cNvPr id="11" name="Picture 10" descr="latex-image-1.pdf"/>
+          <p:cNvPr id="12" name="Picture 11" descr="latex-image-1.pdf"/>
           <p:cNvPicPr>
             <a:picLocks noChangeAspect="1"/>
           </p:cNvPicPr>
@@ -5129,8 +5179,8 @@
         </p:blipFill>
         <p:spPr>
           <a:xfrm>
-            <a:off x="1306069" y="2808537"/>
-            <a:ext cx="3976235" cy="339520"/>
+            <a:off x="4499946" y="5099919"/>
+            <a:ext cx="601305" cy="364954"/>
           </a:xfrm>
           <a:prstGeom prst="rect">
             <a:avLst/>
@@ -5139,7 +5189,7 @@
       </p:pic>
       <p:pic>
         <p:nvPicPr>
-          <p:cNvPr id="12" name="Picture 11" descr="latex-image-1.pdf"/>
+          <p:cNvPr id="13" name="Picture 12" descr="latex-image-1.pdf"/>
           <p:cNvPicPr>
             <a:picLocks noChangeAspect="1"/>
           </p:cNvPicPr>
@@ -5159,8 +5209,8 @@
         </p:blipFill>
         <p:spPr>
           <a:xfrm>
-            <a:off x="4499946" y="5150219"/>
-            <a:ext cx="601305" cy="364954"/>
+            <a:off x="5760698" y="5109159"/>
+            <a:ext cx="802896" cy="355714"/>
           </a:xfrm>
           <a:prstGeom prst="rect">
             <a:avLst/>
@@ -5169,14 +5219,14 @@
       </p:pic>
       <p:pic>
         <p:nvPicPr>
-          <p:cNvPr id="13" name="Picture 12" descr="latex-image-1.pdf"/>
+          <p:cNvPr id="7" name="Picture 6" descr="latex-image-1.pdf"/>
           <p:cNvPicPr>
             <a:picLocks noChangeAspect="1"/>
           </p:cNvPicPr>
           <p:nvPr/>
         </p:nvPicPr>
         <p:blipFill>
-          <a:blip r:embed="rId7" cstate="print">
+          <a:blip r:embed="rId7">
             <a:extLst>
               <a:ext uri="{28A0092B-C50C-407E-A947-70E740481C1C}">
                 <a14:useLocalDpi xmlns:a14="http://schemas.microsoft.com/office/drawing/2010/main" val="0"/>
@@ -5189,42 +5239,8 @@
         </p:blipFill>
         <p:spPr>
           <a:xfrm>
-            <a:off x="5760697" y="5125069"/>
-            <a:ext cx="937287" cy="415254"/>
-          </a:xfrm>
-          <a:prstGeom prst="rect">
-            <a:avLst/>
-          </a:prstGeom>
-        </p:spPr>
-      </p:pic>
-      <p:pic>
-        <p:nvPicPr>
-          <p:cNvPr id="4" name="Picture 3"/>
-          <p:cNvPicPr>
-            <a:picLocks noChangeAspect="1"/>
-          </p:cNvPicPr>
-          <p:nvPr>
-            <p:custDataLst>
-              <p:tags r:id="rId1"/>
-            </p:custDataLst>
-          </p:nvPr>
-        </p:nvPicPr>
-        <p:blipFill>
-          <a:blip r:embed="rId8" cstate="print">
-            <a:extLst>
-              <a:ext uri="{28A0092B-C50C-407E-A947-70E740481C1C}">
-                <a14:useLocalDpi xmlns:a14="http://schemas.microsoft.com/office/drawing/2010/main" val="0"/>
-              </a:ext>
-            </a:extLst>
-          </a:blip>
-          <a:stretch>
-            <a:fillRect/>
-          </a:stretch>
-        </p:blipFill>
-        <p:spPr>
-          <a:xfrm>
-            <a:off x="3746652" y="2199987"/>
-            <a:ext cx="1053947" cy="303749"/>
+            <a:off x="4693016" y="2200596"/>
+            <a:ext cx="1160069" cy="338678"/>
           </a:xfrm>
           <a:prstGeom prst="rect">
             <a:avLst/>
@@ -5244,7 +5260,7 @@
   <p:timing>
     <p:tnLst>
       <p:par>
-        <p:cTn id="1" dur="indefinite" restart="never" nodeType="tmRoot"/>
+        <p:cTn xmlns:p14="http://schemas.microsoft.com/office/powerpoint/2010/main" id="1" dur="indefinite" restart="never" nodeType="tmRoot"/>
       </p:par>
     </p:tnLst>
   </p:timing>
@@ -5414,7 +5430,6 @@
               <a:rPr lang="en-US" dirty="0" smtClean="0"/>
               <a:t>After a change of basis, all 	will satisfy the quadratic </a:t>
             </a:r>
-            <a:endParaRPr lang="en-US" dirty="0" smtClean="0"/>
           </a:p>
           <a:p>
             <a:pPr marL="114300" indent="0">
@@ -5428,13 +5443,8 @@
             </a:pPr>
             <a:r>
               <a:rPr lang="en-US" dirty="0" smtClean="0"/>
-              <a:t>All curves over        have complex </a:t>
-            </a:r>
-            <a:r>
-              <a:rPr lang="en-US" dirty="0" smtClean="0"/>
-              <a:t>multiplication </a:t>
-            </a:r>
-            <a:endParaRPr lang="en-US" dirty="0" smtClean="0"/>
+              <a:t>All curves over        have complex multiplication </a:t>
+            </a:r>
           </a:p>
           <a:p>
             <a:pPr marL="114300" indent="0">
@@ -5442,11 +5452,11 @@
             </a:pPr>
             <a:r>
               <a:rPr lang="en-US" dirty="0" smtClean="0"/>
-              <a:t>From this, we get the CM </a:t>
-            </a:r>
-            <a:r>
-              <a:rPr lang="en-US" dirty="0" smtClean="0"/>
-              <a:t>equation, or essentially the “discriminant”</a:t>
+              <a:t>From this, we get the CM equation, </a:t>
+            </a:r>
+            <a:r>
+              <a:rPr lang="en-US" dirty="0" smtClean="0"/>
+              <a:t>or essentially the “discriminant”</a:t>
             </a:r>
             <a:endParaRPr lang="en-US" dirty="0" smtClean="0"/>
           </a:p>
@@ -5470,6 +5480,66 @@
       <p:pic>
         <p:nvPicPr>
           <p:cNvPr id="5" name="Picture 4" descr="latex-image-1.pdf"/>
+          <p:cNvPicPr>
+            <a:picLocks noChangeAspect="1"/>
+          </p:cNvPicPr>
+          <p:nvPr/>
+        </p:nvPicPr>
+        <p:blipFill>
+          <a:blip r:embed="rId2" cstate="print">
+            <a:extLst>
+              <a:ext uri="{28A0092B-C50C-407E-A947-70E740481C1C}">
+                <a14:useLocalDpi xmlns:a14="http://schemas.microsoft.com/office/drawing/2010/main" val="0"/>
+              </a:ext>
+            </a:extLst>
+          </a:blip>
+          <a:stretch>
+            <a:fillRect/>
+          </a:stretch>
+        </p:blipFill>
+        <p:spPr>
+          <a:xfrm>
+            <a:off x="4338006" y="1791580"/>
+            <a:ext cx="2232837" cy="421372"/>
+          </a:xfrm>
+          <a:prstGeom prst="rect">
+            <a:avLst/>
+          </a:prstGeom>
+        </p:spPr>
+      </p:pic>
+      <p:pic>
+        <p:nvPicPr>
+          <p:cNvPr id="6" name="Picture 5" descr="latex-image-1.pdf"/>
+          <p:cNvPicPr>
+            <a:picLocks noChangeAspect="1"/>
+          </p:cNvPicPr>
+          <p:nvPr/>
+        </p:nvPicPr>
+        <p:blipFill>
+          <a:blip r:embed="rId3" cstate="print">
+            <a:extLst>
+              <a:ext uri="{28A0092B-C50C-407E-A947-70E740481C1C}">
+                <a14:useLocalDpi xmlns:a14="http://schemas.microsoft.com/office/drawing/2010/main" val="0"/>
+              </a:ext>
+            </a:extLst>
+          </a:blip>
+          <a:stretch>
+            <a:fillRect/>
+          </a:stretch>
+        </p:blipFill>
+        <p:spPr>
+          <a:xfrm>
+            <a:off x="3534402" y="2640715"/>
+            <a:ext cx="2375346" cy="448266"/>
+          </a:xfrm>
+          <a:prstGeom prst="rect">
+            <a:avLst/>
+          </a:prstGeom>
+        </p:spPr>
+      </p:pic>
+      <p:pic>
+        <p:nvPicPr>
+          <p:cNvPr id="8" name="Picture 7" descr="latex-image-1.pdf"/>
           <p:cNvPicPr>
             <a:picLocks noChangeAspect="1"/>
           </p:cNvPicPr>
@@ -5489,8 +5559,8 @@
         </p:blipFill>
         <p:spPr>
           <a:xfrm>
-            <a:off x="4338006" y="1791580"/>
-            <a:ext cx="2232837" cy="421372"/>
+            <a:off x="6667096" y="3379910"/>
+            <a:ext cx="2386829" cy="349204"/>
           </a:xfrm>
           <a:prstGeom prst="rect">
             <a:avLst/>
@@ -5499,7 +5569,7 @@
       </p:pic>
       <p:pic>
         <p:nvPicPr>
-          <p:cNvPr id="6" name="Picture 5" descr="latex-image-1.pdf"/>
+          <p:cNvPr id="9" name="Picture 8" descr="latex-image-1.pdf"/>
           <p:cNvPicPr>
             <a:picLocks noChangeAspect="1"/>
           </p:cNvPicPr>
@@ -5519,8 +5589,8 @@
         </p:blipFill>
         <p:spPr>
           <a:xfrm>
-            <a:off x="3534402" y="2640715"/>
-            <a:ext cx="2375346" cy="448266"/>
+            <a:off x="2904578" y="5802934"/>
+            <a:ext cx="2439344" cy="431197"/>
           </a:xfrm>
           <a:prstGeom prst="rect">
             <a:avLst/>
@@ -5529,7 +5599,7 @@
       </p:pic>
       <p:pic>
         <p:nvPicPr>
-          <p:cNvPr id="8" name="Picture 7" descr="latex-image-1.pdf"/>
+          <p:cNvPr id="10" name="Picture 9" descr="latex-image-1.pdf"/>
           <p:cNvPicPr>
             <a:picLocks noChangeAspect="1"/>
           </p:cNvPicPr>
@@ -5549,8 +5619,8 @@
         </p:blipFill>
         <p:spPr>
           <a:xfrm>
-            <a:off x="6667096" y="3379910"/>
-            <a:ext cx="2386829" cy="349204"/>
+            <a:off x="6136078" y="5806226"/>
+            <a:ext cx="2623237" cy="418602"/>
           </a:xfrm>
           <a:prstGeom prst="rect">
             <a:avLst/>
@@ -5559,7 +5629,7 @@
       </p:pic>
       <p:pic>
         <p:nvPicPr>
-          <p:cNvPr id="9" name="Picture 8" descr="latex-image-1.pdf"/>
+          <p:cNvPr id="12" name="Picture 11" descr="latex-image-1.pdf"/>
           <p:cNvPicPr>
             <a:picLocks noChangeAspect="1"/>
           </p:cNvPicPr>
@@ -5579,8 +5649,8 @@
         </p:blipFill>
         <p:spPr>
           <a:xfrm>
-            <a:off x="2904578" y="5702334"/>
-            <a:ext cx="2439344" cy="431197"/>
+            <a:off x="3130280" y="4590946"/>
+            <a:ext cx="404122" cy="395703"/>
           </a:xfrm>
           <a:prstGeom prst="rect">
             <a:avLst/>
@@ -5589,14 +5659,14 @@
       </p:pic>
       <p:pic>
         <p:nvPicPr>
-          <p:cNvPr id="10" name="Picture 9" descr="latex-image-1.pdf"/>
+          <p:cNvPr id="13" name="Picture 12" descr="latex-image-1.pdf"/>
           <p:cNvPicPr>
             <a:picLocks noChangeAspect="1"/>
           </p:cNvPicPr>
           <p:nvPr/>
         </p:nvPicPr>
         <p:blipFill>
-          <a:blip r:embed="rId8" cstate="print">
+          <a:blip r:embed="rId8">
             <a:extLst>
               <a:ext uri="{28A0092B-C50C-407E-A947-70E740481C1C}">
                 <a14:useLocalDpi xmlns:a14="http://schemas.microsoft.com/office/drawing/2010/main" val="0"/>
@@ -5609,8 +5679,8 @@
         </p:blipFill>
         <p:spPr>
           <a:xfrm>
-            <a:off x="6136078" y="5705626"/>
-            <a:ext cx="2623237" cy="418602"/>
+            <a:off x="4915549" y="3797599"/>
+            <a:ext cx="218019" cy="351253"/>
           </a:xfrm>
           <a:prstGeom prst="rect">
             <a:avLst/>
@@ -5619,14 +5689,14 @@
       </p:pic>
       <p:pic>
         <p:nvPicPr>
-          <p:cNvPr id="12" name="Picture 11" descr="latex-image-1.pdf"/>
+          <p:cNvPr id="14" name="Picture 13" descr="latex-image-1.pdf"/>
           <p:cNvPicPr>
             <a:picLocks noChangeAspect="1"/>
           </p:cNvPicPr>
           <p:nvPr/>
         </p:nvPicPr>
         <p:blipFill>
-          <a:blip r:embed="rId9" cstate="print">
+          <a:blip r:embed="rId9">
             <a:extLst>
               <a:ext uri="{28A0092B-C50C-407E-A947-70E740481C1C}">
                 <a14:useLocalDpi xmlns:a14="http://schemas.microsoft.com/office/drawing/2010/main" val="0"/>
@@ -5639,76 +5709,8 @@
         </p:blipFill>
         <p:spPr>
           <a:xfrm>
-            <a:off x="3130280" y="4590946"/>
-            <a:ext cx="404122" cy="395703"/>
-          </a:xfrm>
-          <a:prstGeom prst="rect">
-            <a:avLst/>
-          </a:prstGeom>
-        </p:spPr>
-      </p:pic>
-      <p:pic>
-        <p:nvPicPr>
-          <p:cNvPr id="4" name="Picture 3"/>
-          <p:cNvPicPr>
-            <a:picLocks noChangeAspect="1"/>
-          </p:cNvPicPr>
-          <p:nvPr>
-            <p:custDataLst>
-              <p:tags r:id="rId1"/>
-            </p:custDataLst>
-          </p:nvPr>
-        </p:nvPicPr>
-        <p:blipFill>
-          <a:blip r:embed="rId10" cstate="print">
-            <a:extLst>
-              <a:ext uri="{28A0092B-C50C-407E-A947-70E740481C1C}">
-                <a14:useLocalDpi xmlns:a14="http://schemas.microsoft.com/office/drawing/2010/main" val="0"/>
-              </a:ext>
-            </a:extLst>
-          </a:blip>
-          <a:stretch>
-            <a:fillRect/>
-          </a:stretch>
-        </p:blipFill>
-        <p:spPr>
-          <a:xfrm>
-            <a:off x="4898188" y="3801603"/>
-            <a:ext cx="179137" cy="290124"/>
-          </a:xfrm>
-          <a:prstGeom prst="rect">
-            <a:avLst/>
-          </a:prstGeom>
-        </p:spPr>
-      </p:pic>
-      <p:pic>
-        <p:nvPicPr>
-          <p:cNvPr id="11" name="Picture 10"/>
-          <p:cNvPicPr>
-            <a:picLocks noChangeAspect="1"/>
-          </p:cNvPicPr>
-          <p:nvPr>
-            <p:custDataLst>
-              <p:tags r:id="rId2"/>
-            </p:custDataLst>
-          </p:nvPr>
-        </p:nvPicPr>
-        <p:blipFill>
-          <a:blip r:embed="rId11" cstate="print">
-            <a:extLst>
-              <a:ext uri="{28A0092B-C50C-407E-A947-70E740481C1C}">
-                <a14:useLocalDpi xmlns:a14="http://schemas.microsoft.com/office/drawing/2010/main" val="0"/>
-              </a:ext>
-            </a:extLst>
-          </a:blip>
-          <a:stretch>
-            <a:fillRect/>
-          </a:stretch>
-        </p:blipFill>
-        <p:spPr>
-          <a:xfrm>
-            <a:off x="9053925" y="3831123"/>
-            <a:ext cx="1688592" cy="260604"/>
+            <a:off x="9015509" y="3760555"/>
+            <a:ext cx="2195723" cy="357923"/>
           </a:xfrm>
           <a:prstGeom prst="rect">
             <a:avLst/>
@@ -5728,7 +5730,7 @@
   <p:timing>
     <p:tnLst>
       <p:par>
-        <p:cTn id="1" dur="indefinite" restart="never" nodeType="tmRoot"/>
+        <p:cTn xmlns:p14="http://schemas.microsoft.com/office/powerpoint/2010/main" id="1" dur="indefinite" restart="never" nodeType="tmRoot"/>
       </p:par>
     </p:tnLst>
   </p:timing>
@@ -6129,7 +6131,7 @@
   <p:timing>
     <p:tnLst>
       <p:par>
-        <p:cTn id="1" dur="indefinite" restart="never" nodeType="tmRoot"/>
+        <p:cTn xmlns:p14="http://schemas.microsoft.com/office/powerpoint/2010/main" id="1" dur="indefinite" restart="never" nodeType="tmRoot"/>
       </p:par>
     </p:tnLst>
   </p:timing>
@@ -6382,7 +6384,7 @@
   <p:timing>
     <p:tnLst>
       <p:par>
-        <p:cTn id="1" dur="indefinite" restart="never" nodeType="tmRoot"/>
+        <p:cTn xmlns:p14="http://schemas.microsoft.com/office/powerpoint/2010/main" id="1" dur="indefinite" restart="never" nodeType="tmRoot"/>
       </p:par>
     </p:tnLst>
   </p:timing>
@@ -6586,7 +6588,15 @@
             </a:pPr>
             <a:r>
               <a:rPr lang="en-US" dirty="0" smtClean="0"/>
-              <a:t>Then we construct E using the CM method. </a:t>
+              <a:t>So the 3 conditions are satisfied. We can then</a:t>
+            </a:r>
+            <a:r>
+              <a:rPr lang="en-US" dirty="0" smtClean="0"/>
+              <a:t> </a:t>
+            </a:r>
+            <a:r>
+              <a:rPr lang="en-US" dirty="0" smtClean="0"/>
+              <a:t>construct E using the CM method. </a:t>
             </a:r>
           </a:p>
           <a:p>
@@ -6769,8 +6779,8 @@
         </p:blipFill>
         <p:spPr>
           <a:xfrm>
-            <a:off x="1647185" y="5277891"/>
-            <a:ext cx="3733577" cy="456233"/>
+            <a:off x="1647184" y="5296045"/>
+            <a:ext cx="3482098" cy="425503"/>
           </a:xfrm>
           <a:prstGeom prst="rect">
             <a:avLst/>
@@ -6790,7 +6800,7 @@
   <p:timing>
     <p:tnLst>
       <p:par>
-        <p:cTn id="1" dur="indefinite" restart="never" nodeType="tmRoot"/>
+        <p:cTn xmlns:p14="http://schemas.microsoft.com/office/powerpoint/2010/main" id="1" dur="indefinite" restart="never" nodeType="tmRoot"/>
       </p:par>
     </p:tnLst>
   </p:timing>
@@ -7105,7 +7115,7 @@
   <p:timing>
     <p:tnLst>
       <p:par>
-        <p:cTn id="1" dur="indefinite" restart="never" nodeType="tmRoot"/>
+        <p:cTn xmlns:p14="http://schemas.microsoft.com/office/powerpoint/2010/main" id="1" dur="indefinite" restart="never" nodeType="tmRoot"/>
       </p:par>
     </p:tnLst>
   </p:timing>
@@ -7343,7 +7353,7 @@
   <p:timing>
     <p:tnLst>
       <p:par>
-        <p:cTn id="1" dur="indefinite" restart="never" nodeType="tmRoot"/>
+        <p:cTn xmlns:p14="http://schemas.microsoft.com/office/powerpoint/2010/main" id="1" dur="indefinite" restart="never" nodeType="tmRoot"/>
       </p:par>
     </p:tnLst>
   </p:timing>
@@ -7595,7 +7605,7 @@
   <p:timing>
     <p:tnLst>
       <p:par>
-        <p:cTn id="1" dur="indefinite" restart="never" nodeType="tmRoot"/>
+        <p:cTn xmlns:p14="http://schemas.microsoft.com/office/powerpoint/2010/main" id="1" dur="indefinite" restart="never" nodeType="tmRoot"/>
       </p:par>
     </p:tnLst>
   </p:timing>
@@ -7863,7 +7873,7 @@
   <p:timing>
     <p:tnLst>
       <p:par>
-        <p:cTn id="1" dur="indefinite" restart="never" nodeType="tmRoot"/>
+        <p:cTn xmlns:p14="http://schemas.microsoft.com/office/powerpoint/2010/main" id="1" dur="indefinite" restart="never" nodeType="tmRoot"/>
       </p:par>
     </p:tnLst>
   </p:timing>
@@ -8170,7 +8180,7 @@
         </p:blipFill>
         <p:spPr>
           <a:xfrm>
-            <a:off x="2359739" y="2705092"/>
+            <a:off x="2422609" y="2705092"/>
             <a:ext cx="417983" cy="297232"/>
           </a:xfrm>
           <a:prstGeom prst="rect">
@@ -8191,7 +8201,7 @@
   <p:timing>
     <p:tnLst>
       <p:par>
-        <p:cTn id="1" dur="indefinite" restart="never" nodeType="tmRoot"/>
+        <p:cTn xmlns:p14="http://schemas.microsoft.com/office/powerpoint/2010/main" id="1" dur="indefinite" restart="never" nodeType="tmRoot"/>
       </p:par>
     </p:tnLst>
   </p:timing>
@@ -8489,7 +8499,7 @@
   <p:timing>
     <p:tnLst>
       <p:par>
-        <p:cTn id="1" dur="indefinite" restart="never" nodeType="tmRoot"/>
+        <p:cTn xmlns:p14="http://schemas.microsoft.com/office/powerpoint/2010/main" id="1" dur="indefinite" restart="never" nodeType="tmRoot"/>
       </p:par>
     </p:tnLst>
   </p:timing>
@@ -8869,7 +8879,7 @@
   <p:timing>
     <p:tnLst>
       <p:par>
-        <p:cTn id="1" dur="indefinite" restart="never" nodeType="tmRoot"/>
+        <p:cTn xmlns:p14="http://schemas.microsoft.com/office/powerpoint/2010/main" id="1" dur="indefinite" restart="never" nodeType="tmRoot"/>
       </p:par>
     </p:tnLst>
   </p:timing>
@@ -9038,9 +9048,24 @@
             </a:pPr>
             <a:r>
               <a:rPr lang="en-US" dirty="0" smtClean="0"/>
-              <a:t>So given two parameters 		, we can construct any curve.</a:t>
-            </a:r>
-            <a:endParaRPr lang="en-US" dirty="0" smtClean="0"/>
+              <a:t>So given two parameters 	</a:t>
+            </a:r>
+            <a:r>
+              <a:rPr lang="en-US" dirty="0"/>
+              <a:t> </a:t>
+            </a:r>
+            <a:r>
+              <a:rPr lang="en-US" dirty="0" smtClean="0"/>
+              <a:t>    </a:t>
+            </a:r>
+            <a:r>
+              <a:rPr lang="en-US" dirty="0" smtClean="0"/>
+              <a:t>, </a:t>
+            </a:r>
+            <a:r>
+              <a:rPr lang="en-US" dirty="0" smtClean="0"/>
+              <a:t>we can construct any curve.</a:t>
+            </a:r>
           </a:p>
         </p:txBody>
       </p:sp>
@@ -9076,7 +9101,7 @@
           <a:noFill/>
           <a:extLst>
             <a:ext uri="{909E8E84-426E-40dd-AFC4-6F175D3DCCD1}">
-              <a14:hiddenFill xmlns:a14="http://schemas.microsoft.com/office/drawing/2010/main" xmlns="">
+              <a14:hiddenFill xmlns:a14="http://schemas.microsoft.com/office/drawing/2010/main">
                 <a:solidFill>
                   <a:srgbClr val="FFFFFF"/>
                 </a:solidFill>
@@ -9235,8 +9260,8 @@
         </p:blipFill>
         <p:spPr>
           <a:xfrm>
-            <a:off x="4652173" y="5710307"/>
-            <a:ext cx="1228939" cy="312442"/>
+            <a:off x="4689895" y="5785757"/>
+            <a:ext cx="918079" cy="233410"/>
           </a:xfrm>
           <a:prstGeom prst="rect">
             <a:avLst/>
@@ -9256,7 +9281,7 @@
   <p:timing>
     <p:tnLst>
       <p:par>
-        <p:cTn id="1" dur="indefinite" restart="never" nodeType="tmRoot"/>
+        <p:cTn xmlns:p14="http://schemas.microsoft.com/office/powerpoint/2010/main" id="1" dur="indefinite" restart="never" nodeType="tmRoot"/>
       </p:par>
     </p:tnLst>
   </p:timing>
@@ -9287,54 +9312,6 @@
   <p:tag name="LATEXADDIN" val="\documentclass{article}&#10;\usepackage{amsmath}&#10;\pagestyle{empty}&#10;\begin{document}&#10;&#10;$\omega_{1}, \omega_{2}$ &#10;&#10;&#10;&#10;\end{document}"/>
   <p:tag name="IGUANATEXSIZE" val="20"/>
   <p:tag name="IGUANATEXCURSOR" val="106"/>
-  <p:tag name="TRANSPARENCY" val="True"/>
-  <p:tag name="FILENAME" val=""/>
-  <p:tag name="INPUTTYPE" val="0"/>
-  <p:tag name="LATEXENGINEID" val="0"/>
-  <p:tag name="TEMPFOLDER" val="c:\temp\"/>
-</p:tagLst>
-</file>
-
-<file path=ppt/tags/tag3.xml><?xml version="1.0" encoding="utf-8"?>
-<p:tagLst xmlns:a="http://schemas.openxmlformats.org/drawingml/2006/main" xmlns:r="http://schemas.openxmlformats.org/officeDocument/2006/relationships" xmlns:p="http://schemas.openxmlformats.org/presentationml/2006/main">
-  <p:tag name="ORIGINALHEIGHT" val="111.75"/>
-  <p:tag name="ORIGINALWIDTH" val="387.75"/>
-  <p:tag name="OUTPUTDPI" val="1200"/>
-  <p:tag name="LATEXADDIN" val="\documentclass{article}&#10;\usepackage{amsmath}&#10;\pagestyle{empty}&#10;\begin{document}&#10;&#10;&#10;$z \rightarrow \beta z$&#10;&#10;\end{document}"/>
-  <p:tag name="IGUANATEXSIZE" val="20"/>
-  <p:tag name="IGUANATEXCURSOR" val="105"/>
-  <p:tag name="TRANSPARENCY" val="True"/>
-  <p:tag name="FILENAME" val=""/>
-  <p:tag name="INPUTTYPE" val="0"/>
-  <p:tag name="LATEXENGINEID" val="0"/>
-  <p:tag name="TEMPFOLDER" val="c:\temp\"/>
-</p:tagLst>
-</file>
-
-<file path=ppt/tags/tag4.xml><?xml version="1.0" encoding="utf-8"?>
-<p:tagLst xmlns:a="http://schemas.openxmlformats.org/drawingml/2006/main" xmlns:r="http://schemas.openxmlformats.org/officeDocument/2006/relationships" xmlns:p="http://schemas.openxmlformats.org/presentationml/2006/main">
-  <p:tag name="ORIGINALHEIGHT" val="111.75"/>
-  <p:tag name="ORIGINALWIDTH" val="69"/>
-  <p:tag name="OUTPUTDPI" val="1200"/>
-  <p:tag name="LATEXADDIN" val="\documentclass{article}&#10;\usepackage{amsmath}&#10;\pagestyle{empty}&#10;\begin{document}&#10;&#10;&#10;$\beta$ &#10;&#10;\end{document}"/>
-  <p:tag name="IGUANATEXSIZE" val="20"/>
-  <p:tag name="IGUANATEXCURSOR" val="90"/>
-  <p:tag name="TRANSPARENCY" val="True"/>
-  <p:tag name="FILENAME" val=""/>
-  <p:tag name="INPUTTYPE" val="0"/>
-  <p:tag name="LATEXENGINEID" val="0"/>
-  <p:tag name="TEMPFOLDER" val="c:\temp\"/>
-</p:tagLst>
-</file>
-
-<file path=ppt/tags/tag5.xml><?xml version="1.0" encoding="utf-8"?>
-<p:tagLst xmlns:a="http://schemas.openxmlformats.org/drawingml/2006/main" xmlns:r="http://schemas.openxmlformats.org/officeDocument/2006/relationships" xmlns:p="http://schemas.openxmlformats.org/presentationml/2006/main">
-  <p:tag name="ORIGINALHEIGHT" val="128.25"/>
-  <p:tag name="ORIGINALWIDTH" val="831"/>
-  <p:tag name="OUTPUTDPI" val="1200"/>
-  <p:tag name="LATEXADDIN" val="\documentclass{article}&#10;\usepackage{amsmath}&#10;\pagestyle{empty}&#10;\begin{document}&#10;&#10;&#10;$x^{2} - tx + p = 0$&#10;&#10;\end{document}"/>
-  <p:tag name="IGUANATEXSIZE" val="20"/>
-  <p:tag name="IGUANATEXCURSOR" val="102"/>
   <p:tag name="TRANSPARENCY" val="True"/>
   <p:tag name="FILENAME" val=""/>
   <p:tag name="INPUTTYPE" val="0"/>

--- a/Presentation.ppt.pptx
+++ b/Presentation.ppt.pptx
@@ -119,7 +119,7 @@
   </p:defaultTextStyle>
   <p:extLst>
     <p:ext uri="{EFAFB233-063F-42B5-8137-9DF3F51BA10A}">
-      <p15:sldGuideLst xmlns:p15="http://schemas.microsoft.com/office/powerpoint/2012/main" xmlns="">
+      <p15:sldGuideLst xmlns="" xmlns:p15="http://schemas.microsoft.com/office/powerpoint/2012/main">
         <p15:guide id="1" orient="horz" pos="2160">
           <p15:clr>
             <a:srgbClr val="A4A3A4"/>
@@ -261,7 +261,7 @@
           <a:p>
             <a:fld id="{0A2C9084-70B7-4828-AD77-7D77F1A8B45B}" type="datetimeFigureOut">
               <a:rPr lang="en-US" smtClean="0"/>
-              <a:t>12/2/15</a:t>
+              <a:t>12/3/15</a:t>
             </a:fld>
             <a:endParaRPr lang="en-US"/>
           </a:p>
@@ -894,7 +894,7 @@
           <a:p>
             <a:fld id="{0A2C9084-70B7-4828-AD77-7D77F1A8B45B}" type="datetimeFigureOut">
               <a:rPr lang="en-US" smtClean="0"/>
-              <a:t>12/2/15</a:t>
+              <a:t>12/3/15</a:t>
             </a:fld>
             <a:endParaRPr lang="en-US"/>
           </a:p>
@@ -1171,7 +1171,7 @@
           <a:p>
             <a:fld id="{0A2C9084-70B7-4828-AD77-7D77F1A8B45B}" type="datetimeFigureOut">
               <a:rPr lang="en-US" smtClean="0"/>
-              <a:t>12/2/15</a:t>
+              <a:t>12/3/15</a:t>
             </a:fld>
             <a:endParaRPr lang="en-US"/>
           </a:p>
@@ -1336,7 +1336,7 @@
           <a:p>
             <a:fld id="{0A2C9084-70B7-4828-AD77-7D77F1A8B45B}" type="datetimeFigureOut">
               <a:rPr lang="en-US" smtClean="0"/>
-              <a:t>12/2/15</a:t>
+              <a:t>12/3/15</a:t>
             </a:fld>
             <a:endParaRPr lang="en-US"/>
           </a:p>
@@ -1517,7 +1517,7 @@
           <a:p>
             <a:fld id="{0A2C9084-70B7-4828-AD77-7D77F1A8B45B}" type="datetimeFigureOut">
               <a:rPr lang="en-US" smtClean="0"/>
-              <a:t>12/2/15</a:t>
+              <a:t>12/3/15</a:t>
             </a:fld>
             <a:endParaRPr lang="en-US"/>
           </a:p>
@@ -2162,7 +2162,7 @@
           <a:p>
             <a:fld id="{0A2C9084-70B7-4828-AD77-7D77F1A8B45B}" type="datetimeFigureOut">
               <a:rPr lang="en-US" smtClean="0"/>
-              <a:t>12/2/15</a:t>
+              <a:t>12/3/15</a:t>
             </a:fld>
             <a:endParaRPr lang="en-US"/>
           </a:p>
@@ -2588,7 +2588,7 @@
           <a:p>
             <a:fld id="{0A2C9084-70B7-4828-AD77-7D77F1A8B45B}" type="datetimeFigureOut">
               <a:rPr lang="en-US" smtClean="0"/>
-              <a:t>12/2/15</a:t>
+              <a:t>12/3/15</a:t>
             </a:fld>
             <a:endParaRPr lang="en-US"/>
           </a:p>
@@ -2701,7 +2701,7 @@
           <a:p>
             <a:fld id="{0A2C9084-70B7-4828-AD77-7D77F1A8B45B}" type="datetimeFigureOut">
               <a:rPr lang="en-US" smtClean="0"/>
-              <a:t>12/2/15</a:t>
+              <a:t>12/3/15</a:t>
             </a:fld>
             <a:endParaRPr lang="en-US"/>
           </a:p>
@@ -2882,7 +2882,7 @@
           <a:p>
             <a:fld id="{0A2C9084-70B7-4828-AD77-7D77F1A8B45B}" type="datetimeFigureOut">
               <a:rPr lang="en-US" smtClean="0"/>
-              <a:t>12/2/15</a:t>
+              <a:t>12/3/15</a:t>
             </a:fld>
             <a:endParaRPr lang="en-US"/>
           </a:p>
@@ -3148,7 +3148,7 @@
           <a:p>
             <a:fld id="{0A2C9084-70B7-4828-AD77-7D77F1A8B45B}" type="datetimeFigureOut">
               <a:rPr lang="en-US" smtClean="0"/>
-              <a:t>12/2/15</a:t>
+              <a:t>12/3/15</a:t>
             </a:fld>
             <a:endParaRPr lang="en-US"/>
           </a:p>
@@ -3618,7 +3618,7 @@
           <a:p>
             <a:fld id="{0A2C9084-70B7-4828-AD77-7D77F1A8B45B}" type="datetimeFigureOut">
               <a:rPr lang="en-US" smtClean="0"/>
-              <a:t>12/2/15</a:t>
+              <a:t>12/3/15</a:t>
             </a:fld>
             <a:endParaRPr lang="en-US"/>
           </a:p>
@@ -4178,7 +4178,7 @@
           <a:p>
             <a:fld id="{0A2C9084-70B7-4828-AD77-7D77F1A8B45B}" type="datetimeFigureOut">
               <a:rPr lang="en-US" smtClean="0"/>
-              <a:t>12/2/15</a:t>
+              <a:t>12/3/15</a:t>
             </a:fld>
             <a:endParaRPr lang="en-US"/>
           </a:p>
@@ -4964,11 +4964,7 @@
             </a:r>
             <a:r>
               <a:rPr lang="en-US" dirty="0" smtClean="0"/>
-              <a:t> of elliptic curves </a:t>
-            </a:r>
-            <a:r>
-              <a:rPr lang="en-US" dirty="0" smtClean="0"/>
-              <a:t>correspond to multiplying the lattice by a constant (               ) that preserves the lattice.		</a:t>
+              <a:t> of elliptic curves correspond to multiplying the lattice by a constant (               ) that preserves the lattice.		</a:t>
             </a:r>
             <a:endParaRPr lang="en-US" dirty="0"/>
           </a:p>
@@ -5008,19 +5004,7 @@
             </a:pPr>
             <a:r>
               <a:rPr lang="en-US" dirty="0" smtClean="0"/>
-              <a:t>This ring has discriminant           or           </a:t>
-            </a:r>
-            <a:r>
-              <a:rPr lang="en-US" dirty="0" smtClean="0"/>
-              <a:t> </a:t>
-            </a:r>
-            <a:r>
-              <a:rPr lang="en-US" dirty="0" smtClean="0"/>
-              <a:t>, called the CM </a:t>
-            </a:r>
-            <a:r>
-              <a:rPr lang="en-US" dirty="0" smtClean="0"/>
-              <a:t>discriminant. </a:t>
+              <a:t>This ring has discriminant           or            , called the CM discriminant. </a:t>
             </a:r>
             <a:r>
               <a:rPr lang="en-US" dirty="0"/>
@@ -5028,11 +5012,7 @@
             </a:r>
             <a:r>
               <a:rPr lang="en-US" dirty="0" smtClean="0"/>
-              <a:t>his </a:t>
-            </a:r>
-            <a:r>
-              <a:rPr lang="en-US" dirty="0" smtClean="0"/>
-              <a:t>ring can be treated as a lattice on its own. </a:t>
+              <a:t>his ring can be treated as a lattice on its own. </a:t>
             </a:r>
           </a:p>
           <a:p>
@@ -5452,13 +5432,8 @@
             </a:pPr>
             <a:r>
               <a:rPr lang="en-US" dirty="0" smtClean="0"/>
-              <a:t>From this, we get the CM equation, </a:t>
-            </a:r>
-            <a:r>
-              <a:rPr lang="en-US" dirty="0" smtClean="0"/>
-              <a:t>or essentially the “discriminant”</a:t>
-            </a:r>
-            <a:endParaRPr lang="en-US" dirty="0" smtClean="0"/>
+              <a:t>From this, we get the CM equation, or essentially the “discriminant”</a:t>
+            </a:r>
           </a:p>
           <a:p>
             <a:pPr marL="114300" indent="0">
@@ -6588,15 +6563,7 @@
             </a:pPr>
             <a:r>
               <a:rPr lang="en-US" dirty="0" smtClean="0"/>
-              <a:t>So the 3 conditions are satisfied. We can then</a:t>
-            </a:r>
-            <a:r>
-              <a:rPr lang="en-US" dirty="0" smtClean="0"/>
-              <a:t> </a:t>
-            </a:r>
-            <a:r>
-              <a:rPr lang="en-US" dirty="0" smtClean="0"/>
-              <a:t>construct E using the CM method. </a:t>
+              <a:t>So the 3 conditions are satisfied. We can then construct E using the CM method. </a:t>
             </a:r>
           </a:p>
           <a:p>
@@ -6957,7 +6924,15 @@
             </a:pPr>
             <a:r>
               <a:rPr lang="en-US" dirty="0" smtClean="0"/>
-              <a:t>Reason: We need the tangent line at each point on the curve to be defined, so                and              cannot simultaneously be 0. Applying </a:t>
+              <a:t>Reason: We need the tangent line at each point on the curve to be defined, so               </a:t>
+            </a:r>
+            <a:r>
+              <a:rPr lang="en-US" dirty="0" smtClean="0"/>
+              <a:t>and               </a:t>
+            </a:r>
+            <a:r>
+              <a:rPr lang="en-US" dirty="0" smtClean="0"/>
+              <a:t>cannot simultaneously be 0. Applying </a:t>
             </a:r>
             <a:r>
               <a:rPr lang="en-US" dirty="0" err="1" smtClean="0"/>
@@ -7044,14 +7019,14 @@
       </p:pic>
       <p:pic>
         <p:nvPicPr>
-          <p:cNvPr id="4" name="Picture 3" descr="latex-image-1.pdf"/>
+          <p:cNvPr id="10" name="Picture 9" descr="latex-image-1.pdf"/>
           <p:cNvPicPr>
             <a:picLocks noChangeAspect="1"/>
           </p:cNvPicPr>
           <p:nvPr/>
         </p:nvPicPr>
         <p:blipFill>
-          <a:blip r:embed="rId4" cstate="print">
+          <a:blip r:embed="rId4">
             <a:extLst>
               <a:ext uri="{28A0092B-C50C-407E-A947-70E740481C1C}">
                 <a14:useLocalDpi xmlns:a14="http://schemas.microsoft.com/office/drawing/2010/main" val="0"/>
@@ -7064,8 +7039,8 @@
         </p:blipFill>
         <p:spPr>
           <a:xfrm>
-            <a:off x="2527361" y="4832367"/>
-            <a:ext cx="1018488" cy="356654"/>
+            <a:off x="4389453" y="4859599"/>
+            <a:ext cx="929322" cy="320797"/>
           </a:xfrm>
           <a:prstGeom prst="rect">
             <a:avLst/>
@@ -7074,14 +7049,14 @@
       </p:pic>
       <p:pic>
         <p:nvPicPr>
-          <p:cNvPr id="5" name="Picture 4" descr="latex-image-1.pdf"/>
+          <p:cNvPr id="11" name="Picture 10" descr="latex-image-1.pdf"/>
           <p:cNvPicPr>
             <a:picLocks noChangeAspect="1"/>
           </p:cNvPicPr>
           <p:nvPr/>
         </p:nvPicPr>
         <p:blipFill>
-          <a:blip r:embed="rId5" cstate="print">
+          <a:blip r:embed="rId5">
             <a:extLst>
               <a:ext uri="{28A0092B-C50C-407E-A947-70E740481C1C}">
                 <a14:useLocalDpi xmlns:a14="http://schemas.microsoft.com/office/drawing/2010/main" val="0"/>
@@ -7094,8 +7069,8 @@
         </p:blipFill>
         <p:spPr>
           <a:xfrm>
-            <a:off x="4389955" y="4841310"/>
-            <a:ext cx="955557" cy="339521"/>
+            <a:off x="2509460" y="4859816"/>
+            <a:ext cx="939243" cy="320797"/>
           </a:xfrm>
           <a:prstGeom prst="rect">
             <a:avLst/>
@@ -7676,16 +7651,174 @@
           </a:p>
         </p:txBody>
       </p:sp>
+      <p:sp>
+        <p:nvSpPr>
+          <p:cNvPr id="10" name="Content Placeholder 10"/>
+          <p:cNvSpPr>
+            <a:spLocks noGrp="1"/>
+          </p:cNvSpPr>
+          <p:nvPr>
+            <p:ph idx="1"/>
+          </p:nvPr>
+        </p:nvSpPr>
+        <p:spPr>
+          <a:xfrm>
+            <a:off x="609600" y="1752601"/>
+            <a:ext cx="10972800" cy="5641401"/>
+          </a:xfrm>
+        </p:spPr>
+        <p:txBody>
+          <a:bodyPr>
+            <a:normAutofit/>
+          </a:bodyPr>
+          <a:lstStyle/>
+          <a:p>
+            <a:pPr marL="0" indent="0">
+              <a:buNone/>
+            </a:pPr>
+            <a:r>
+              <a:rPr lang="en-US" dirty="0" smtClean="0"/>
+              <a:t>A map							satisfying</a:t>
+            </a:r>
+          </a:p>
+          <a:p>
+            <a:pPr marL="0" indent="0">
+              <a:buNone/>
+            </a:pPr>
+            <a:endParaRPr lang="en-US" dirty="0"/>
+          </a:p>
+          <a:p>
+            <a:pPr marL="0" indent="0">
+              <a:buNone/>
+            </a:pPr>
+            <a:endParaRPr lang="en-US" dirty="0" smtClean="0"/>
+          </a:p>
+          <a:p>
+            <a:pPr marL="0" indent="0">
+              <a:buNone/>
+            </a:pPr>
+            <a:endParaRPr lang="en-US" dirty="0"/>
+          </a:p>
+          <a:p>
+            <a:pPr marL="0" indent="0">
+              <a:buNone/>
+            </a:pPr>
+            <a:endParaRPr lang="en-US" dirty="0"/>
+          </a:p>
+          <a:p>
+            <a:pPr marL="0" indent="0">
+              <a:buNone/>
+            </a:pPr>
+            <a:endParaRPr lang="en-US" dirty="0"/>
+          </a:p>
+          <a:p>
+            <a:pPr marL="0" indent="0">
+              <a:buNone/>
+            </a:pPr>
+            <a:r>
+              <a:rPr lang="en-US" dirty="0" smtClean="0"/>
+              <a:t>For elliptic curves, there are two pairings: </a:t>
+            </a:r>
+            <a:endParaRPr lang="en-US" dirty="0" smtClean="0"/>
+          </a:p>
+          <a:p>
+            <a:pPr marL="0" indent="0">
+              <a:buNone/>
+            </a:pPr>
+            <a:r>
+              <a:rPr lang="en-US" dirty="0" smtClean="0"/>
+              <a:t>The Weil Pairing				, where</a:t>
+            </a:r>
+          </a:p>
+          <a:p>
+            <a:pPr marL="0" indent="0">
+              <a:buNone/>
+            </a:pPr>
+            <a:r>
+              <a:rPr lang="en-US" dirty="0" smtClean="0"/>
+              <a:t>and	   </a:t>
+            </a:r>
+            <a:r>
+              <a:rPr lang="en-US" dirty="0"/>
+              <a:t> </a:t>
+            </a:r>
+            <a:r>
+              <a:rPr lang="en-US" dirty="0" smtClean="0"/>
+              <a:t>is the set of </a:t>
+            </a:r>
+            <a:r>
+              <a:rPr lang="en-US" dirty="0" err="1" smtClean="0"/>
+              <a:t>rth</a:t>
+            </a:r>
+            <a:r>
+              <a:rPr lang="en-US" dirty="0" smtClean="0"/>
+              <a:t> roots of unity in</a:t>
+            </a:r>
+          </a:p>
+          <a:p>
+            <a:pPr marL="0" indent="0">
+              <a:buNone/>
+            </a:pPr>
+            <a:r>
+              <a:rPr lang="en-US" dirty="0" smtClean="0"/>
+              <a:t>The Tate Pairing</a:t>
+            </a:r>
+          </a:p>
+          <a:p>
+            <a:pPr marL="0" indent="0">
+              <a:buNone/>
+            </a:pPr>
+            <a:r>
+              <a:rPr lang="en-US" dirty="0" smtClean="0"/>
+              <a:t>where</a:t>
+            </a:r>
+            <a:endParaRPr lang="en-US" dirty="0" smtClean="0"/>
+          </a:p>
+          <a:p>
+            <a:pPr marL="0" indent="0">
+              <a:buNone/>
+            </a:pPr>
+            <a:r>
+              <a:rPr lang="en-US" dirty="0" smtClean="0"/>
+              <a:t> </a:t>
+            </a:r>
+            <a:endParaRPr lang="en-US" dirty="0" smtClean="0"/>
+          </a:p>
+        </p:txBody>
+      </p:sp>
+      <p:sp>
+        <p:nvSpPr>
+          <p:cNvPr id="2" name="Title 1"/>
+          <p:cNvSpPr>
+            <a:spLocks noGrp="1"/>
+          </p:cNvSpPr>
+          <p:nvPr>
+            <p:ph type="title"/>
+          </p:nvPr>
+        </p:nvSpPr>
+        <p:spPr/>
+        <p:txBody>
+          <a:bodyPr/>
+          <a:lstStyle/>
+          <a:p>
+            <a:r>
+              <a:rPr lang="en-US" dirty="0" smtClean="0"/>
+              <a:t>Pairings</a:t>
+            </a:r>
+            <a:endParaRPr lang="en-US" dirty="0"/>
+          </a:p>
+        </p:txBody>
+      </p:sp>
       <p:pic>
         <p:nvPicPr>
-          <p:cNvPr id="15" name="Picture 14" descr="Screen Shot 2015-11-26 at 3.06.31 PM.png"/>
+          <p:cNvPr id="5" name="Picture 4" descr="latex-image-1.pdf"/>
           <p:cNvPicPr>
             <a:picLocks noChangeAspect="1"/>
           </p:cNvPicPr>
           <p:nvPr/>
         </p:nvPicPr>
         <p:blipFill>
-          <a:blip r:embed="rId2">
+          <a:blip r:embed="rId2" cstate="print">
             <a:extLst>
               <a:ext uri="{28A0092B-C50C-407E-A947-70E740481C1C}">
                 <a14:useLocalDpi xmlns:a14="http://schemas.microsoft.com/office/drawing/2010/main" val="0"/>
@@ -7698,111 +7831,17 @@
         </p:blipFill>
         <p:spPr>
           <a:xfrm>
-            <a:off x="880083" y="4801797"/>
-            <a:ext cx="10870746" cy="1485621"/>
+            <a:off x="1634610" y="2327863"/>
+            <a:ext cx="4811101" cy="1558359"/>
           </a:xfrm>
           <a:prstGeom prst="rect">
             <a:avLst/>
           </a:prstGeom>
         </p:spPr>
       </p:pic>
-      <p:sp>
-        <p:nvSpPr>
-          <p:cNvPr id="10" name="Content Placeholder 10"/>
-          <p:cNvSpPr>
-            <a:spLocks noGrp="1"/>
-          </p:cNvSpPr>
-          <p:nvPr>
-            <p:ph idx="1"/>
-          </p:nvPr>
-        </p:nvSpPr>
-        <p:spPr>
-          <a:xfrm>
-            <a:off x="609600" y="1752601"/>
-            <a:ext cx="10972800" cy="4373563"/>
-          </a:xfrm>
-        </p:spPr>
-        <p:txBody>
-          <a:bodyPr>
-            <a:normAutofit/>
-          </a:bodyPr>
-          <a:lstStyle/>
-          <a:p>
-            <a:pPr marL="0" indent="0">
-              <a:buNone/>
-            </a:pPr>
-            <a:r>
-              <a:rPr lang="en-US" dirty="0" smtClean="0"/>
-              <a:t>A map							satisfying</a:t>
-            </a:r>
-          </a:p>
-          <a:p>
-            <a:pPr marL="0" indent="0">
-              <a:buNone/>
-            </a:pPr>
-            <a:endParaRPr lang="en-US" dirty="0"/>
-          </a:p>
-          <a:p>
-            <a:pPr marL="0" indent="0">
-              <a:buNone/>
-            </a:pPr>
-            <a:endParaRPr lang="en-US" dirty="0" smtClean="0"/>
-          </a:p>
-          <a:p>
-            <a:pPr marL="0" indent="0">
-              <a:buNone/>
-            </a:pPr>
-            <a:endParaRPr lang="en-US" dirty="0"/>
-          </a:p>
-          <a:p>
-            <a:pPr marL="0" indent="0">
-              <a:buNone/>
-            </a:pPr>
-            <a:endParaRPr lang="en-US" dirty="0"/>
-          </a:p>
-          <a:p>
-            <a:pPr marL="0" indent="0">
-              <a:buNone/>
-            </a:pPr>
-            <a:endParaRPr lang="en-US" dirty="0"/>
-          </a:p>
-          <a:p>
-            <a:pPr marL="0" indent="0">
-              <a:buNone/>
-            </a:pPr>
-            <a:r>
-              <a:rPr lang="en-US" dirty="0" smtClean="0"/>
-              <a:t>For elliptic curves, there are two pairings:  </a:t>
-            </a:r>
-          </a:p>
-        </p:txBody>
-      </p:sp>
-      <p:sp>
-        <p:nvSpPr>
-          <p:cNvPr id="2" name="Title 1"/>
-          <p:cNvSpPr>
-            <a:spLocks noGrp="1"/>
-          </p:cNvSpPr>
-          <p:nvPr>
-            <p:ph type="title"/>
-          </p:nvPr>
-        </p:nvSpPr>
-        <p:spPr/>
-        <p:txBody>
-          <a:bodyPr/>
-          <a:lstStyle/>
-          <a:p>
-            <a:r>
-              <a:rPr lang="en-US" dirty="0" smtClean="0"/>
-              <a:t>Pairings</a:t>
-            </a:r>
-            <a:endParaRPr lang="en-US" dirty="0"/>
-          </a:p>
-        </p:txBody>
-      </p:sp>
       <p:pic>
         <p:nvPicPr>
-          <p:cNvPr id="5" name="Picture 4" descr="latex-image-1.pdf"/>
+          <p:cNvPr id="8" name="Picture 7" descr="latex-image-1.pdf"/>
           <p:cNvPicPr>
             <a:picLocks noChangeAspect="1"/>
           </p:cNvPicPr>
@@ -7822,8 +7861,8 @@
         </p:blipFill>
         <p:spPr>
           <a:xfrm>
-            <a:off x="1634610" y="2327863"/>
-            <a:ext cx="4811101" cy="1558359"/>
+            <a:off x="1860942" y="1793367"/>
+            <a:ext cx="5854738" cy="402143"/>
           </a:xfrm>
           <a:prstGeom prst="rect">
             <a:avLst/>
@@ -7832,14 +7871,14 @@
       </p:pic>
       <p:pic>
         <p:nvPicPr>
-          <p:cNvPr id="8" name="Picture 7" descr="latex-image-1.pdf"/>
+          <p:cNvPr id="3" name="Picture 2" descr="latex-image-1.pdf"/>
           <p:cNvPicPr>
             <a:picLocks noChangeAspect="1"/>
           </p:cNvPicPr>
           <p:nvPr/>
         </p:nvPicPr>
         <p:blipFill>
-          <a:blip r:embed="rId4" cstate="print">
+          <a:blip r:embed="rId4">
             <a:extLst>
               <a:ext uri="{28A0092B-C50C-407E-A947-70E740481C1C}">
                 <a14:useLocalDpi xmlns:a14="http://schemas.microsoft.com/office/drawing/2010/main" val="0"/>
@@ -7852,8 +7891,158 @@
         </p:blipFill>
         <p:spPr>
           <a:xfrm>
-            <a:off x="1860942" y="1793367"/>
-            <a:ext cx="5854738" cy="402143"/>
+            <a:off x="3168631" y="4918372"/>
+            <a:ext cx="2942301" cy="327673"/>
+          </a:xfrm>
+          <a:prstGeom prst="rect">
+            <a:avLst/>
+          </a:prstGeom>
+        </p:spPr>
+      </p:pic>
+      <p:pic>
+        <p:nvPicPr>
+          <p:cNvPr id="6" name="Picture 5" descr="latex-image-1.pdf"/>
+          <p:cNvPicPr>
+            <a:picLocks noChangeAspect="1"/>
+          </p:cNvPicPr>
+          <p:nvPr/>
+        </p:nvPicPr>
+        <p:blipFill>
+          <a:blip r:embed="rId5">
+            <a:extLst>
+              <a:ext uri="{28A0092B-C50C-407E-A947-70E740481C1C}">
+                <a14:useLocalDpi xmlns:a14="http://schemas.microsoft.com/office/drawing/2010/main" val="0"/>
+              </a:ext>
+            </a:extLst>
+          </a:blip>
+          <a:stretch>
+            <a:fillRect/>
+          </a:stretch>
+        </p:blipFill>
+        <p:spPr>
+          <a:xfrm>
+            <a:off x="7393472" y="4917470"/>
+            <a:ext cx="3704595" cy="335120"/>
+          </a:xfrm>
+          <a:prstGeom prst="rect">
+            <a:avLst/>
+          </a:prstGeom>
+        </p:spPr>
+      </p:pic>
+      <p:pic>
+        <p:nvPicPr>
+          <p:cNvPr id="7" name="Picture 6" descr="latex-image-1.pdf"/>
+          <p:cNvPicPr>
+            <a:picLocks noChangeAspect="1"/>
+          </p:cNvPicPr>
+          <p:nvPr/>
+        </p:nvPicPr>
+        <p:blipFill>
+          <a:blip r:embed="rId6">
+            <a:extLst>
+              <a:ext uri="{28A0092B-C50C-407E-A947-70E740481C1C}">
+                <a14:useLocalDpi xmlns:a14="http://schemas.microsoft.com/office/drawing/2010/main" val="0"/>
+              </a:ext>
+            </a:extLst>
+          </a:blip>
+          <a:stretch>
+            <a:fillRect/>
+          </a:stretch>
+        </p:blipFill>
+        <p:spPr>
+          <a:xfrm>
+            <a:off x="1439899" y="5403173"/>
+            <a:ext cx="376983" cy="268077"/>
+          </a:xfrm>
+          <a:prstGeom prst="rect">
+            <a:avLst/>
+          </a:prstGeom>
+        </p:spPr>
+      </p:pic>
+      <p:pic>
+        <p:nvPicPr>
+          <p:cNvPr id="9" name="Picture 8" descr="latex-image-1.pdf"/>
+          <p:cNvPicPr>
+            <a:picLocks noChangeAspect="1"/>
+          </p:cNvPicPr>
+          <p:nvPr/>
+        </p:nvPicPr>
+        <p:blipFill>
+          <a:blip r:embed="rId7">
+            <a:extLst>
+              <a:ext uri="{28A0092B-C50C-407E-A947-70E740481C1C}">
+                <a14:useLocalDpi xmlns:a14="http://schemas.microsoft.com/office/drawing/2010/main" val="0"/>
+              </a:ext>
+            </a:extLst>
+          </a:blip>
+          <a:stretch>
+            <a:fillRect/>
+          </a:stretch>
+        </p:blipFill>
+        <p:spPr>
+          <a:xfrm>
+            <a:off x="6443931" y="5319154"/>
+            <a:ext cx="339399" cy="358980"/>
+          </a:xfrm>
+          <a:prstGeom prst="rect">
+            <a:avLst/>
+          </a:prstGeom>
+        </p:spPr>
+      </p:pic>
+      <p:pic>
+        <p:nvPicPr>
+          <p:cNvPr id="11" name="Picture 10" descr="latex-image-1.pdf"/>
+          <p:cNvPicPr>
+            <a:picLocks noChangeAspect="1"/>
+          </p:cNvPicPr>
+          <p:nvPr/>
+        </p:nvPicPr>
+        <p:blipFill>
+          <a:blip r:embed="rId8">
+            <a:extLst>
+              <a:ext uri="{28A0092B-C50C-407E-A947-70E740481C1C}">
+                <a14:useLocalDpi xmlns:a14="http://schemas.microsoft.com/office/drawing/2010/main" val="0"/>
+              </a:ext>
+            </a:extLst>
+          </a:blip>
+          <a:stretch>
+            <a:fillRect/>
+          </a:stretch>
+        </p:blipFill>
+        <p:spPr>
+          <a:xfrm>
+            <a:off x="3156056" y="5803871"/>
+            <a:ext cx="8545559" cy="304872"/>
+          </a:xfrm>
+          <a:prstGeom prst="rect">
+            <a:avLst/>
+          </a:prstGeom>
+        </p:spPr>
+      </p:pic>
+      <p:pic>
+        <p:nvPicPr>
+          <p:cNvPr id="12" name="Picture 11" descr="latex-image-1.pdf"/>
+          <p:cNvPicPr>
+            <a:picLocks noChangeAspect="1"/>
+          </p:cNvPicPr>
+          <p:nvPr/>
+        </p:nvPicPr>
+        <p:blipFill>
+          <a:blip r:embed="rId9">
+            <a:extLst>
+              <a:ext uri="{28A0092B-C50C-407E-A947-70E740481C1C}">
+                <a14:useLocalDpi xmlns:a14="http://schemas.microsoft.com/office/drawing/2010/main" val="0"/>
+              </a:ext>
+            </a:extLst>
+          </a:blip>
+          <a:stretch>
+            <a:fillRect/>
+          </a:stretch>
+        </p:blipFill>
+        <p:spPr>
+          <a:xfrm>
+            <a:off x="1747776" y="6201962"/>
+            <a:ext cx="2592131" cy="350719"/>
           </a:xfrm>
           <a:prstGeom prst="rect">
             <a:avLst/>
@@ -8285,7 +8474,7 @@
         <p:spPr>
           <a:xfrm>
             <a:off x="609600" y="1752601"/>
-            <a:ext cx="10972800" cy="4373563"/>
+            <a:ext cx="10972800" cy="4912061"/>
           </a:xfrm>
         </p:spPr>
         <p:txBody>
@@ -8346,14 +8535,26 @@
             </a:pPr>
             <a:r>
               <a:rPr lang="en-US" dirty="0" smtClean="0"/>
-              <a:t>Problem:</a:t>
+              <a:t>Problem</a:t>
+            </a:r>
+            <a:r>
+              <a:rPr lang="en-US" dirty="0" smtClean="0"/>
+              <a:t>:</a:t>
             </a:r>
           </a:p>
           <a:p>
             <a:pPr marL="0" indent="0">
               <a:buNone/>
             </a:pPr>
-            <a:endParaRPr lang="en-US" dirty="0"/>
+            <a:r>
+              <a:rPr lang="en-US" dirty="0"/>
+              <a:t>	</a:t>
+            </a:r>
+            <a:r>
+              <a:rPr lang="en-US" dirty="0" smtClean="0"/>
+              <a:t>If	   , then </a:t>
+            </a:r>
+            <a:endParaRPr lang="en-US" dirty="0" smtClean="0"/>
           </a:p>
           <a:p>
             <a:pPr marL="0" indent="0">
@@ -8398,7 +8599,7 @@
       </p:sp>
       <p:pic>
         <p:nvPicPr>
-          <p:cNvPr id="3" name="Picture 2" descr="latex-image-1.pdf"/>
+          <p:cNvPr id="4" name="Picture 3" descr="latex-image-1.pdf"/>
           <p:cNvPicPr>
             <a:picLocks noChangeAspect="1"/>
           </p:cNvPicPr>
@@ -8418,8 +8619,8 @@
         </p:blipFill>
         <p:spPr>
           <a:xfrm>
-            <a:off x="1475268" y="4263321"/>
-            <a:ext cx="7665981" cy="817291"/>
+            <a:off x="7783265" y="2200543"/>
+            <a:ext cx="2306120" cy="389871"/>
           </a:xfrm>
           <a:prstGeom prst="rect">
             <a:avLst/>
@@ -8428,7 +8629,7 @@
       </p:pic>
       <p:pic>
         <p:nvPicPr>
-          <p:cNvPr id="4" name="Picture 3" descr="latex-image-1.pdf"/>
+          <p:cNvPr id="5" name="Picture 4" descr="latex-image-1.pdf"/>
           <p:cNvPicPr>
             <a:picLocks noChangeAspect="1"/>
           </p:cNvPicPr>
@@ -8448,8 +8649,8 @@
         </p:blipFill>
         <p:spPr>
           <a:xfrm>
-            <a:off x="7783265" y="2200543"/>
-            <a:ext cx="2306120" cy="389871"/>
+            <a:off x="2062124" y="3058551"/>
+            <a:ext cx="5716141" cy="500127"/>
           </a:xfrm>
           <a:prstGeom prst="rect">
             <a:avLst/>
@@ -8458,14 +8659,14 @@
       </p:pic>
       <p:pic>
         <p:nvPicPr>
-          <p:cNvPr id="5" name="Picture 4" descr="latex-image-1.pdf"/>
+          <p:cNvPr id="6" name="Picture 5" descr="latex-image-1.pdf"/>
           <p:cNvPicPr>
             <a:picLocks noChangeAspect="1"/>
           </p:cNvPicPr>
           <p:nvPr/>
         </p:nvPicPr>
         <p:blipFill>
-          <a:blip r:embed="rId4" cstate="print">
+          <a:blip r:embed="rId4">
             <a:extLst>
               <a:ext uri="{28A0092B-C50C-407E-A947-70E740481C1C}">
                 <a14:useLocalDpi xmlns:a14="http://schemas.microsoft.com/office/drawing/2010/main" val="0"/>
@@ -8478,8 +8679,38 @@
         </p:blipFill>
         <p:spPr>
           <a:xfrm>
-            <a:off x="2062124" y="3058551"/>
-            <a:ext cx="5716141" cy="500127"/>
+            <a:off x="1923875" y="4551083"/>
+            <a:ext cx="792095" cy="238713"/>
+          </a:xfrm>
+          <a:prstGeom prst="rect">
+            <a:avLst/>
+          </a:prstGeom>
+        </p:spPr>
+      </p:pic>
+      <p:pic>
+        <p:nvPicPr>
+          <p:cNvPr id="10" name="Picture 9" descr="latex-image-1.pdf"/>
+          <p:cNvPicPr>
+            <a:picLocks noChangeAspect="1"/>
+          </p:cNvPicPr>
+          <p:nvPr/>
+        </p:nvPicPr>
+        <p:blipFill>
+          <a:blip r:embed="rId5">
+            <a:extLst>
+              <a:ext uri="{28A0092B-C50C-407E-A947-70E740481C1C}">
+                <a14:useLocalDpi xmlns:a14="http://schemas.microsoft.com/office/drawing/2010/main" val="0"/>
+              </a:ext>
+            </a:extLst>
+          </a:blip>
+          <a:stretch>
+            <a:fillRect/>
+          </a:stretch>
+        </p:blipFill>
+        <p:spPr>
+          <a:xfrm>
+            <a:off x="3809901" y="4241795"/>
+            <a:ext cx="7448645" cy="808513"/>
           </a:xfrm>
           <a:prstGeom prst="rect">
             <a:avLst/>
@@ -9056,15 +9287,7 @@
             </a:r>
             <a:r>
               <a:rPr lang="en-US" dirty="0" smtClean="0"/>
-              <a:t>    </a:t>
-            </a:r>
-            <a:r>
-              <a:rPr lang="en-US" dirty="0" smtClean="0"/>
-              <a:t>, </a:t>
-            </a:r>
-            <a:r>
-              <a:rPr lang="en-US" dirty="0" smtClean="0"/>
-              <a:t>we can construct any curve.</a:t>
+              <a:t>    , we can construct any curve.</a:t>
             </a:r>
           </a:p>
         </p:txBody>

--- a/Presentation.ppt.pptx
+++ b/Presentation.ppt.pptx
@@ -119,7 +119,7 @@
   </p:defaultTextStyle>
   <p:extLst>
     <p:ext uri="{EFAFB233-063F-42B5-8137-9DF3F51BA10A}">
-      <p15:sldGuideLst xmlns="" xmlns:p15="http://schemas.microsoft.com/office/powerpoint/2012/main">
+      <p15:sldGuideLst xmlns:p15="http://schemas.microsoft.com/office/powerpoint/2012/main" xmlns="">
         <p15:guide id="1" orient="horz" pos="2160">
           <p15:clr>
             <a:srgbClr val="A4A3A4"/>
@@ -6924,15 +6924,7 @@
             </a:pPr>
             <a:r>
               <a:rPr lang="en-US" dirty="0" smtClean="0"/>
-              <a:t>Reason: We need the tangent line at each point on the curve to be defined, so               </a:t>
-            </a:r>
-            <a:r>
-              <a:rPr lang="en-US" dirty="0" smtClean="0"/>
-              <a:t>and               </a:t>
-            </a:r>
-            <a:r>
-              <a:rPr lang="en-US" dirty="0" smtClean="0"/>
-              <a:t>cannot simultaneously be 0. Applying </a:t>
+              <a:t>Reason: We need the tangent line at each point on the curve to be defined, so               and               cannot simultaneously be 0. Applying </a:t>
             </a:r>
             <a:r>
               <a:rPr lang="en-US" dirty="0" err="1" smtClean="0"/>
@@ -7719,7 +7711,6 @@
               <a:rPr lang="en-US" dirty="0" smtClean="0"/>
               <a:t>For elliptic curves, there are two pairings: </a:t>
             </a:r>
-            <a:endParaRPr lang="en-US" dirty="0" smtClean="0"/>
           </a:p>
           <a:p>
             <a:pPr marL="0" indent="0">
@@ -7772,7 +7763,6 @@
               <a:rPr lang="en-US" dirty="0" smtClean="0"/>
               <a:t>where</a:t>
             </a:r>
-            <a:endParaRPr lang="en-US" dirty="0" smtClean="0"/>
           </a:p>
           <a:p>
             <a:pPr marL="0" indent="0">
@@ -7782,7 +7772,6 @@
               <a:rPr lang="en-US" dirty="0" smtClean="0"/>
               <a:t> </a:t>
             </a:r>
-            <a:endParaRPr lang="en-US" dirty="0" smtClean="0"/>
           </a:p>
         </p:txBody>
       </p:sp>
@@ -8199,8 +8188,30 @@
             </a:pPr>
             <a:r>
               <a:rPr lang="en-US" dirty="0" smtClean="0"/>
-              <a:t>Efficient when k is small. But we don’t want k to be too small (otherwise DLP becomes too easy). We also need r to be sufficiently large.</a:t>
-            </a:r>
+              <a:t>Efficient when k is small. But we don’t want k to be too small (otherwise DLP becomes too easy). We also need r to be sufficiently </a:t>
+            </a:r>
+            <a:r>
+              <a:rPr lang="en-US" dirty="0" smtClean="0"/>
+              <a:t>large.</a:t>
+            </a:r>
+          </a:p>
+          <a:p>
+            <a:pPr marL="0" indent="0">
+              <a:buNone/>
+            </a:pPr>
+            <a:r>
+              <a:rPr lang="en-US" dirty="0" smtClean="0"/>
+              <a:t>A </a:t>
+            </a:r>
+            <a:r>
+              <a:rPr lang="en-US" i="1" dirty="0" smtClean="0"/>
+              <a:t>pairing-friendly</a:t>
+            </a:r>
+            <a:r>
+              <a:rPr lang="en-US" dirty="0" smtClean="0"/>
+              <a:t> curve has efficiently computable pairings.</a:t>
+            </a:r>
+            <a:endParaRPr lang="en-US" dirty="0" smtClean="0"/>
           </a:p>
         </p:txBody>
       </p:sp>
@@ -8535,11 +8546,7 @@
             </a:pPr>
             <a:r>
               <a:rPr lang="en-US" dirty="0" smtClean="0"/>
-              <a:t>Problem</a:t>
-            </a:r>
-            <a:r>
-              <a:rPr lang="en-US" dirty="0" smtClean="0"/>
-              <a:t>:</a:t>
+              <a:t>Problem:</a:t>
             </a:r>
           </a:p>
           <a:p>
@@ -8554,7 +8561,6 @@
               <a:rPr lang="en-US" dirty="0" smtClean="0"/>
               <a:t>If	   , then </a:t>
             </a:r>
-            <a:endParaRPr lang="en-US" dirty="0" smtClean="0"/>
           </a:p>
           <a:p>
             <a:pPr marL="0" indent="0">
